--- a/课件/课件素材.pptx
+++ b/课件/课件素材.pptx
@@ -4,6 +4,9 @@
   <p:sldMasterIdLst>
     <p:sldMasterId id="2147483648" r:id="rId1"/>
   </p:sldMasterIdLst>
+  <p:notesMasterIdLst>
+    <p:notesMasterId r:id="rId12"/>
+  </p:notesMasterIdLst>
   <p:sldIdLst>
     <p:sldId id="257" r:id="rId3"/>
     <p:sldId id="263" r:id="rId4"/>
@@ -11,6 +14,10 @@
     <p:sldId id="265" r:id="rId6"/>
     <p:sldId id="266" r:id="rId7"/>
     <p:sldId id="267" r:id="rId8"/>
+    <p:sldId id="268" r:id="rId9"/>
+    <p:sldId id="269" r:id="rId10"/>
+    <p:sldId id="270" r:id="rId11"/>
+    <p:sldId id="271" r:id="rId13"/>
   </p:sldIdLst>
   <p:sldSz cx="12192000" cy="6858000"/>
   <p:notesSz cx="6858000" cy="9144000"/>
@@ -110,6 +117,397 @@
     </a:lvl9pPr>
   </p:defaultTextStyle>
 </p:presentation>
+</file>
+
+<file path=ppt/notesMasters/notesMaster1.xml><?xml version="1.0" encoding="utf-8"?>
+<p:notesMaster xmlns:a="http://schemas.openxmlformats.org/drawingml/2006/main" xmlns:r="http://schemas.openxmlformats.org/officeDocument/2006/relationships" xmlns:p="http://schemas.openxmlformats.org/presentationml/2006/main">
+  <p:cSld>
+    <p:bg>
+      <p:bgRef idx="1001">
+        <a:schemeClr val="bg1"/>
+      </p:bgRef>
+    </p:bg>
+    <p:spTree>
+      <p:nvGrpSpPr>
+        <p:cNvPr id="1" name=""/>
+        <p:cNvGrpSpPr/>
+        <p:nvPr/>
+      </p:nvGrpSpPr>
+      <p:grpSpPr>
+        <a:xfrm>
+          <a:off x="0" y="0"/>
+          <a:ext cx="0" cy="0"/>
+          <a:chOff x="0" y="0"/>
+          <a:chExt cx="0" cy="0"/>
+        </a:xfrm>
+      </p:grpSpPr>
+      <p:sp>
+        <p:nvSpPr>
+          <p:cNvPr id="2" name="页眉占位符 1"/>
+          <p:cNvSpPr>
+            <a:spLocks noGrp="1"/>
+          </p:cNvSpPr>
+          <p:nvPr>
+            <p:ph type="hdr" sz="quarter"/>
+          </p:nvPr>
+        </p:nvSpPr>
+        <p:spPr>
+          <a:xfrm>
+            <a:off x="0" y="0"/>
+            <a:ext cx="2971800" cy="458788"/>
+          </a:xfrm>
+          <a:prstGeom prst="rect">
+            <a:avLst/>
+          </a:prstGeom>
+        </p:spPr>
+        <p:txBody>
+          <a:bodyPr vert="horz" lIns="91440" tIns="45720" rIns="91440" bIns="45720" rtlCol="0"/>
+          <a:lstStyle>
+            <a:lvl1pPr algn="l">
+              <a:defRPr sz="1200"/>
+            </a:lvl1pPr>
+          </a:lstStyle>
+          <a:p>
+            <a:endParaRPr lang="zh-CN" altLang="en-US"/>
+          </a:p>
+        </p:txBody>
+      </p:sp>
+      <p:sp>
+        <p:nvSpPr>
+          <p:cNvPr id="3" name="日期占位符 2"/>
+          <p:cNvSpPr>
+            <a:spLocks noGrp="1"/>
+          </p:cNvSpPr>
+          <p:nvPr>
+            <p:ph type="dt" idx="1"/>
+          </p:nvPr>
+        </p:nvSpPr>
+        <p:spPr>
+          <a:xfrm>
+            <a:off x="3884613" y="0"/>
+            <a:ext cx="2971800" cy="458788"/>
+          </a:xfrm>
+          <a:prstGeom prst="rect">
+            <a:avLst/>
+          </a:prstGeom>
+        </p:spPr>
+        <p:txBody>
+          <a:bodyPr vert="horz" lIns="91440" tIns="45720" rIns="91440" bIns="45720" rtlCol="0"/>
+          <a:lstStyle>
+            <a:lvl1pPr algn="r">
+              <a:defRPr sz="1200"/>
+            </a:lvl1pPr>
+          </a:lstStyle>
+          <a:p>
+            <a:fld id="{D2A48B96-639E-45A3-A0BA-2464DFDB1FAA}" type="datetimeFigureOut">
+              <a:rPr lang="zh-CN" altLang="en-US" smtClean="0"/>
+            </a:fld>
+            <a:endParaRPr lang="zh-CN" altLang="en-US"/>
+          </a:p>
+        </p:txBody>
+      </p:sp>
+      <p:sp>
+        <p:nvSpPr>
+          <p:cNvPr id="4" name="幻灯片图像占位符 3"/>
+          <p:cNvSpPr>
+            <a:spLocks noGrp="1" noRot="1" noChangeAspect="1"/>
+          </p:cNvSpPr>
+          <p:nvPr>
+            <p:ph type="sldImg" idx="2"/>
+          </p:nvPr>
+        </p:nvSpPr>
+        <p:spPr>
+          <a:xfrm>
+            <a:off x="685800" y="1143000"/>
+            <a:ext cx="5486400" cy="3086100"/>
+          </a:xfrm>
+          <a:prstGeom prst="rect">
+            <a:avLst/>
+          </a:prstGeom>
+          <a:noFill/>
+          <a:ln w="12700">
+            <a:solidFill>
+              <a:prstClr val="black"/>
+            </a:solidFill>
+          </a:ln>
+        </p:spPr>
+        <p:txBody>
+          <a:bodyPr vert="horz" lIns="91440" tIns="45720" rIns="91440" bIns="45720" rtlCol="0" anchor="ctr"/>
+          <a:lstStyle/>
+          <a:p>
+            <a:endParaRPr lang="zh-CN" altLang="en-US"/>
+          </a:p>
+        </p:txBody>
+      </p:sp>
+      <p:sp>
+        <p:nvSpPr>
+          <p:cNvPr id="5" name="备注占位符 4"/>
+          <p:cNvSpPr>
+            <a:spLocks noGrp="1"/>
+          </p:cNvSpPr>
+          <p:nvPr>
+            <p:ph type="body" sz="quarter" idx="3"/>
+          </p:nvPr>
+        </p:nvSpPr>
+        <p:spPr>
+          <a:xfrm>
+            <a:off x="685800" y="4400550"/>
+            <a:ext cx="5486400" cy="3600450"/>
+          </a:xfrm>
+          <a:prstGeom prst="rect">
+            <a:avLst/>
+          </a:prstGeom>
+        </p:spPr>
+        <p:txBody>
+          <a:bodyPr vert="horz" lIns="91440" tIns="45720" rIns="91440" bIns="45720" rtlCol="0"/>
+          <a:lstStyle/>
+          <a:p>
+            <a:pPr lvl="0"/>
+            <a:r>
+              <a:rPr lang="zh-CN" altLang="en-US" smtClean="0"/>
+              <a:t>单击此处编辑母版文本样式</a:t>
+            </a:r>
+            <a:endParaRPr lang="zh-CN" altLang="en-US" smtClean="0"/>
+          </a:p>
+          <a:p>
+            <a:pPr lvl="1"/>
+            <a:r>
+              <a:rPr lang="zh-CN" altLang="en-US" smtClean="0"/>
+              <a:t>第二级</a:t>
+            </a:r>
+            <a:endParaRPr lang="zh-CN" altLang="en-US" smtClean="0"/>
+          </a:p>
+          <a:p>
+            <a:pPr lvl="2"/>
+            <a:r>
+              <a:rPr lang="zh-CN" altLang="en-US" smtClean="0"/>
+              <a:t>第三级</a:t>
+            </a:r>
+            <a:endParaRPr lang="zh-CN" altLang="en-US" smtClean="0"/>
+          </a:p>
+          <a:p>
+            <a:pPr lvl="3"/>
+            <a:r>
+              <a:rPr lang="zh-CN" altLang="en-US" smtClean="0"/>
+              <a:t>第四级</a:t>
+            </a:r>
+            <a:endParaRPr lang="zh-CN" altLang="en-US" smtClean="0"/>
+          </a:p>
+          <a:p>
+            <a:pPr lvl="4"/>
+            <a:r>
+              <a:rPr lang="zh-CN" altLang="en-US" smtClean="0"/>
+              <a:t>第五级</a:t>
+            </a:r>
+            <a:endParaRPr lang="zh-CN" altLang="en-US"/>
+          </a:p>
+        </p:txBody>
+      </p:sp>
+      <p:sp>
+        <p:nvSpPr>
+          <p:cNvPr id="6" name="页脚占位符 5"/>
+          <p:cNvSpPr>
+            <a:spLocks noGrp="1"/>
+          </p:cNvSpPr>
+          <p:nvPr>
+            <p:ph type="ftr" sz="quarter" idx="4"/>
+          </p:nvPr>
+        </p:nvSpPr>
+        <p:spPr>
+          <a:xfrm>
+            <a:off x="0" y="8685213"/>
+            <a:ext cx="2971800" cy="458787"/>
+          </a:xfrm>
+          <a:prstGeom prst="rect">
+            <a:avLst/>
+          </a:prstGeom>
+        </p:spPr>
+        <p:txBody>
+          <a:bodyPr vert="horz" lIns="91440" tIns="45720" rIns="91440" bIns="45720" rtlCol="0" anchor="b"/>
+          <a:lstStyle>
+            <a:lvl1pPr algn="l">
+              <a:defRPr sz="1200"/>
+            </a:lvl1pPr>
+          </a:lstStyle>
+          <a:p>
+            <a:endParaRPr lang="zh-CN" altLang="en-US"/>
+          </a:p>
+        </p:txBody>
+      </p:sp>
+      <p:sp>
+        <p:nvSpPr>
+          <p:cNvPr id="7" name="灯片编号占位符 6"/>
+          <p:cNvSpPr>
+            <a:spLocks noGrp="1"/>
+          </p:cNvSpPr>
+          <p:nvPr>
+            <p:ph type="sldNum" sz="quarter" idx="5"/>
+          </p:nvPr>
+        </p:nvSpPr>
+        <p:spPr>
+          <a:xfrm>
+            <a:off x="3884613" y="8685213"/>
+            <a:ext cx="2971800" cy="458787"/>
+          </a:xfrm>
+          <a:prstGeom prst="rect">
+            <a:avLst/>
+          </a:prstGeom>
+        </p:spPr>
+        <p:txBody>
+          <a:bodyPr vert="horz" lIns="91440" tIns="45720" rIns="91440" bIns="45720" rtlCol="0" anchor="b"/>
+          <a:lstStyle>
+            <a:lvl1pPr algn="r">
+              <a:defRPr sz="1200"/>
+            </a:lvl1pPr>
+          </a:lstStyle>
+          <a:p>
+            <a:fld id="{A6837353-30EB-4A48-80EB-173D804AEFBD}" type="slidenum">
+              <a:rPr lang="zh-CN" altLang="en-US" smtClean="0"/>
+            </a:fld>
+            <a:endParaRPr lang="zh-CN" altLang="en-US"/>
+          </a:p>
+        </p:txBody>
+      </p:sp>
+    </p:spTree>
+  </p:cSld>
+  <p:clrMap bg1="lt1" tx1="dk1" bg2="lt2" tx2="dk2" accent1="accent1" accent2="accent2" accent3="accent3" accent4="accent4" accent5="accent5" accent6="accent6" hlink="hlink" folHlink="folHlink"/>
+  <p:notesStyle>
+    <a:lvl1pPr marL="0" algn="l" defTabSz="914400" rtl="0" eaLnBrk="1" latinLnBrk="0" hangingPunct="1">
+      <a:defRPr sz="1200" kern="1200">
+        <a:solidFill>
+          <a:schemeClr val="tx1"/>
+        </a:solidFill>
+        <a:latin typeface="+mn-lt"/>
+        <a:ea typeface="+mn-ea"/>
+        <a:cs typeface="+mn-cs"/>
+      </a:defRPr>
+    </a:lvl1pPr>
+    <a:lvl2pPr marL="457200" algn="l" defTabSz="914400" rtl="0" eaLnBrk="1" latinLnBrk="0" hangingPunct="1">
+      <a:defRPr sz="1200" kern="1200">
+        <a:solidFill>
+          <a:schemeClr val="tx1"/>
+        </a:solidFill>
+        <a:latin typeface="+mn-lt"/>
+        <a:ea typeface="+mn-ea"/>
+        <a:cs typeface="+mn-cs"/>
+      </a:defRPr>
+    </a:lvl2pPr>
+    <a:lvl3pPr marL="914400" algn="l" defTabSz="914400" rtl="0" eaLnBrk="1" latinLnBrk="0" hangingPunct="1">
+      <a:defRPr sz="1200" kern="1200">
+        <a:solidFill>
+          <a:schemeClr val="tx1"/>
+        </a:solidFill>
+        <a:latin typeface="+mn-lt"/>
+        <a:ea typeface="+mn-ea"/>
+        <a:cs typeface="+mn-cs"/>
+      </a:defRPr>
+    </a:lvl3pPr>
+    <a:lvl4pPr marL="1371600" algn="l" defTabSz="914400" rtl="0" eaLnBrk="1" latinLnBrk="0" hangingPunct="1">
+      <a:defRPr sz="1200" kern="1200">
+        <a:solidFill>
+          <a:schemeClr val="tx1"/>
+        </a:solidFill>
+        <a:latin typeface="+mn-lt"/>
+        <a:ea typeface="+mn-ea"/>
+        <a:cs typeface="+mn-cs"/>
+      </a:defRPr>
+    </a:lvl4pPr>
+    <a:lvl5pPr marL="1828800" algn="l" defTabSz="914400" rtl="0" eaLnBrk="1" latinLnBrk="0" hangingPunct="1">
+      <a:defRPr sz="1200" kern="1200">
+        <a:solidFill>
+          <a:schemeClr val="tx1"/>
+        </a:solidFill>
+        <a:latin typeface="+mn-lt"/>
+        <a:ea typeface="+mn-ea"/>
+        <a:cs typeface="+mn-cs"/>
+      </a:defRPr>
+    </a:lvl5pPr>
+    <a:lvl6pPr marL="2286000" algn="l" defTabSz="914400" rtl="0" eaLnBrk="1" latinLnBrk="0" hangingPunct="1">
+      <a:defRPr sz="1200" kern="1200">
+        <a:solidFill>
+          <a:schemeClr val="tx1"/>
+        </a:solidFill>
+        <a:latin typeface="+mn-lt"/>
+        <a:ea typeface="+mn-ea"/>
+        <a:cs typeface="+mn-cs"/>
+      </a:defRPr>
+    </a:lvl6pPr>
+    <a:lvl7pPr marL="2743200" algn="l" defTabSz="914400" rtl="0" eaLnBrk="1" latinLnBrk="0" hangingPunct="1">
+      <a:defRPr sz="1200" kern="1200">
+        <a:solidFill>
+          <a:schemeClr val="tx1"/>
+        </a:solidFill>
+        <a:latin typeface="+mn-lt"/>
+        <a:ea typeface="+mn-ea"/>
+        <a:cs typeface="+mn-cs"/>
+      </a:defRPr>
+    </a:lvl7pPr>
+    <a:lvl8pPr marL="3200400" algn="l" defTabSz="914400" rtl="0" eaLnBrk="1" latinLnBrk="0" hangingPunct="1">
+      <a:defRPr sz="1200" kern="1200">
+        <a:solidFill>
+          <a:schemeClr val="tx1"/>
+        </a:solidFill>
+        <a:latin typeface="+mn-lt"/>
+        <a:ea typeface="+mn-ea"/>
+        <a:cs typeface="+mn-cs"/>
+      </a:defRPr>
+    </a:lvl8pPr>
+    <a:lvl9pPr marL="3657600" algn="l" defTabSz="914400" rtl="0" eaLnBrk="1" latinLnBrk="0" hangingPunct="1">
+      <a:defRPr sz="1200" kern="1200">
+        <a:solidFill>
+          <a:schemeClr val="tx1"/>
+        </a:solidFill>
+        <a:latin typeface="+mn-lt"/>
+        <a:ea typeface="+mn-ea"/>
+        <a:cs typeface="+mn-cs"/>
+      </a:defRPr>
+    </a:lvl9pPr>
+  </p:notesStyle>
+</p:notesMaster>
+</file>
+
+<file path=ppt/notesSlides/notesSlide1.xml><?xml version="1.0" encoding="utf-8"?>
+<p:notes xmlns:a="http://schemas.openxmlformats.org/drawingml/2006/main" xmlns:r="http://schemas.openxmlformats.org/officeDocument/2006/relationships" xmlns:p="http://schemas.openxmlformats.org/presentationml/2006/main">
+  <p:cSld>
+    <p:spTree>
+      <p:nvGrpSpPr>
+        <p:cNvPr id="1" name=""/>
+        <p:cNvGrpSpPr/>
+        <p:nvPr/>
+      </p:nvGrpSpPr>
+      <p:grpSpPr/>
+      <p:sp>
+        <p:nvSpPr>
+          <p:cNvPr id="2" name="幻灯片图像占位符 1"/>
+          <p:cNvSpPr/>
+          <p:nvPr>
+            <p:ph type="sldImg" idx="2"/>
+          </p:nvPr>
+        </p:nvSpPr>
+        <p:spPr/>
+      </p:sp>
+      <p:sp>
+        <p:nvSpPr>
+          <p:cNvPr id="3" name="文本占位符 2"/>
+          <p:cNvSpPr/>
+          <p:nvPr>
+            <p:ph type="body" idx="3"/>
+          </p:nvPr>
+        </p:nvSpPr>
+        <p:spPr/>
+        <p:txBody>
+          <a:bodyPr/>
+          <a:p>
+            <a:endParaRPr lang="zh-CN" altLang="en-US"/>
+          </a:p>
+        </p:txBody>
+      </p:sp>
+    </p:spTree>
+  </p:cSld>
+  <p:clrMapOvr>
+    <a:masterClrMapping/>
+  </p:clrMapOvr>
+</p:notes>
 </file>
 
 <file path=ppt/slideLayouts/slideLayout1.xml><?xml version="1.0" encoding="utf-8"?>
@@ -4302,6 +4700,855 @@
 </p:sld>
 </file>
 
+<file path=ppt/slides/slide10.xml><?xml version="1.0" encoding="utf-8"?>
+<p:sld xmlns:a="http://schemas.openxmlformats.org/drawingml/2006/main" xmlns:r="http://schemas.openxmlformats.org/officeDocument/2006/relationships" xmlns:p="http://schemas.openxmlformats.org/presentationml/2006/main">
+  <p:cSld>
+    <p:spTree>
+      <p:nvGrpSpPr>
+        <p:cNvPr id="1" name=""/>
+        <p:cNvGrpSpPr/>
+        <p:nvPr/>
+      </p:nvGrpSpPr>
+      <p:grpSpPr/>
+      <p:sp>
+        <p:nvSpPr>
+          <p:cNvPr id="2" name="标题 1"/>
+          <p:cNvSpPr>
+            <a:spLocks noGrp="1"/>
+          </p:cNvSpPr>
+          <p:nvPr>
+            <p:ph type="title"/>
+          </p:nvPr>
+        </p:nvSpPr>
+        <p:spPr/>
+        <p:txBody>
+          <a:bodyPr/>
+          <a:p>
+            <a:r>
+              <a:rPr lang="zh-CN" altLang="zh-CN"/>
+              <a:t>后</a:t>
+            </a:r>
+            <a:r>
+              <a:rPr lang="zh-CN" altLang="zh-CN"/>
+              <a:t>序遍历</a:t>
+            </a:r>
+            <a:r>
+              <a:rPr lang="en-US" altLang="zh-CN"/>
+              <a:t>: 0-1-3-2-4-7-10-9-8-6</a:t>
+            </a:r>
+            <a:endParaRPr lang="en-US" altLang="zh-CN"/>
+          </a:p>
+        </p:txBody>
+      </p:sp>
+      <p:grpSp>
+        <p:nvGrpSpPr>
+          <p:cNvPr id="25" name="组合 24"/>
+          <p:cNvGrpSpPr/>
+          <p:nvPr/>
+        </p:nvGrpSpPr>
+        <p:grpSpPr>
+          <a:xfrm>
+            <a:off x="1999615" y="1812290"/>
+            <a:ext cx="5551170" cy="3992880"/>
+            <a:chOff x="3042" y="1416"/>
+            <a:chExt cx="8742" cy="6288"/>
+          </a:xfrm>
+        </p:grpSpPr>
+        <p:grpSp>
+          <p:nvGrpSpPr>
+            <p:cNvPr id="26" name="组合 25"/>
+            <p:cNvGrpSpPr/>
+            <p:nvPr/>
+          </p:nvGrpSpPr>
+          <p:grpSpPr>
+            <a:xfrm>
+              <a:off x="3042" y="1416"/>
+              <a:ext cx="8743" cy="6288"/>
+              <a:chOff x="2978" y="1480"/>
+              <a:chExt cx="8743" cy="6288"/>
+            </a:xfrm>
+          </p:grpSpPr>
+          <p:sp>
+            <p:nvSpPr>
+              <p:cNvPr id="27" name="椭圆 26"/>
+              <p:cNvSpPr/>
+              <p:nvPr/>
+            </p:nvSpPr>
+            <p:spPr>
+              <a:xfrm>
+                <a:off x="7492" y="1480"/>
+                <a:ext cx="687" cy="709"/>
+              </a:xfrm>
+              <a:prstGeom prst="ellipse">
+                <a:avLst/>
+              </a:prstGeom>
+              <a:ln w="28575"/>
+            </p:spPr>
+            <p:style>
+              <a:lnRef idx="2">
+                <a:schemeClr val="accent1"/>
+              </a:lnRef>
+              <a:fillRef idx="1">
+                <a:schemeClr val="lt1"/>
+              </a:fillRef>
+              <a:effectRef idx="0">
+                <a:schemeClr val="accent1"/>
+              </a:effectRef>
+              <a:fontRef idx="minor">
+                <a:schemeClr val="dk1"/>
+              </a:fontRef>
+            </p:style>
+            <p:txBody>
+              <a:bodyPr rtlCol="0" anchor="ctr"/>
+              <a:p>
+                <a:pPr algn="ctr"/>
+                <a:r>
+                  <a:rPr lang="en-US" altLang="zh-CN"/>
+                  <a:t>6</a:t>
+                </a:r>
+                <a:endParaRPr lang="en-US" altLang="zh-CN"/>
+              </a:p>
+            </p:txBody>
+          </p:sp>
+          <p:sp>
+            <p:nvSpPr>
+              <p:cNvPr id="28" name="椭圆 27"/>
+              <p:cNvSpPr/>
+              <p:nvPr/>
+            </p:nvSpPr>
+            <p:spPr>
+              <a:xfrm>
+                <a:off x="6181" y="2663"/>
+                <a:ext cx="687" cy="709"/>
+              </a:xfrm>
+              <a:prstGeom prst="ellipse">
+                <a:avLst/>
+              </a:prstGeom>
+              <a:ln w="28575"/>
+            </p:spPr>
+            <p:style>
+              <a:lnRef idx="2">
+                <a:schemeClr val="accent1"/>
+              </a:lnRef>
+              <a:fillRef idx="1">
+                <a:schemeClr val="lt1"/>
+              </a:fillRef>
+              <a:effectRef idx="0">
+                <a:schemeClr val="accent1"/>
+              </a:effectRef>
+              <a:fontRef idx="minor">
+                <a:schemeClr val="dk1"/>
+              </a:fontRef>
+            </p:style>
+            <p:txBody>
+              <a:bodyPr rtlCol="0" anchor="ctr"/>
+              <a:p>
+                <a:pPr algn="ctr"/>
+                <a:r>
+                  <a:rPr lang="en-US" altLang="zh-CN"/>
+                  <a:t>4</a:t>
+                </a:r>
+                <a:endParaRPr lang="en-US" altLang="zh-CN"/>
+              </a:p>
+            </p:txBody>
+          </p:sp>
+          <p:sp>
+            <p:nvSpPr>
+              <p:cNvPr id="29" name="椭圆 28"/>
+              <p:cNvSpPr/>
+              <p:nvPr/>
+            </p:nvSpPr>
+            <p:spPr>
+              <a:xfrm>
+                <a:off x="8995" y="2663"/>
+                <a:ext cx="687" cy="709"/>
+              </a:xfrm>
+              <a:prstGeom prst="ellipse">
+                <a:avLst/>
+              </a:prstGeom>
+              <a:ln w="28575"/>
+            </p:spPr>
+            <p:style>
+              <a:lnRef idx="2">
+                <a:schemeClr val="accent1"/>
+              </a:lnRef>
+              <a:fillRef idx="1">
+                <a:schemeClr val="lt1"/>
+              </a:fillRef>
+              <a:effectRef idx="0">
+                <a:schemeClr val="accent1"/>
+              </a:effectRef>
+              <a:fontRef idx="minor">
+                <a:schemeClr val="dk1"/>
+              </a:fontRef>
+            </p:style>
+            <p:txBody>
+              <a:bodyPr rtlCol="0" anchor="ctr"/>
+              <a:p>
+                <a:pPr algn="ctr"/>
+                <a:r>
+                  <a:rPr lang="en-US" altLang="zh-CN"/>
+                  <a:t>8</a:t>
+                </a:r>
+                <a:endParaRPr lang="en-US" altLang="zh-CN"/>
+              </a:p>
+            </p:txBody>
+          </p:sp>
+          <p:sp>
+            <p:nvSpPr>
+              <p:cNvPr id="30" name="椭圆 29"/>
+              <p:cNvSpPr/>
+              <p:nvPr/>
+            </p:nvSpPr>
+            <p:spPr>
+              <a:xfrm>
+                <a:off x="5095" y="4104"/>
+                <a:ext cx="687" cy="709"/>
+              </a:xfrm>
+              <a:prstGeom prst="ellipse">
+                <a:avLst/>
+              </a:prstGeom>
+              <a:ln w="28575"/>
+            </p:spPr>
+            <p:style>
+              <a:lnRef idx="2">
+                <a:schemeClr val="accent1"/>
+              </a:lnRef>
+              <a:fillRef idx="1">
+                <a:schemeClr val="lt1"/>
+              </a:fillRef>
+              <a:effectRef idx="0">
+                <a:schemeClr val="accent1"/>
+              </a:effectRef>
+              <a:fontRef idx="minor">
+                <a:schemeClr val="dk1"/>
+              </a:fontRef>
+            </p:style>
+            <p:txBody>
+              <a:bodyPr rtlCol="0" anchor="ctr"/>
+              <a:p>
+                <a:pPr algn="ctr"/>
+                <a:r>
+                  <a:rPr lang="en-US" altLang="zh-CN"/>
+                  <a:t>2</a:t>
+                </a:r>
+                <a:endParaRPr lang="en-US" altLang="zh-CN"/>
+              </a:p>
+            </p:txBody>
+          </p:sp>
+          <p:sp>
+            <p:nvSpPr>
+              <p:cNvPr id="31" name="椭圆 30"/>
+              <p:cNvSpPr/>
+              <p:nvPr/>
+            </p:nvSpPr>
+            <p:spPr>
+              <a:xfrm>
+                <a:off x="6031" y="5513"/>
+                <a:ext cx="687" cy="709"/>
+              </a:xfrm>
+              <a:prstGeom prst="ellipse">
+                <a:avLst/>
+              </a:prstGeom>
+              <a:ln w="28575"/>
+            </p:spPr>
+            <p:style>
+              <a:lnRef idx="2">
+                <a:schemeClr val="accent1"/>
+              </a:lnRef>
+              <a:fillRef idx="1">
+                <a:schemeClr val="lt1"/>
+              </a:fillRef>
+              <a:effectRef idx="0">
+                <a:schemeClr val="accent1"/>
+              </a:effectRef>
+              <a:fontRef idx="minor">
+                <a:schemeClr val="dk1"/>
+              </a:fontRef>
+            </p:style>
+            <p:txBody>
+              <a:bodyPr rtlCol="0" anchor="ctr"/>
+              <a:p>
+                <a:pPr algn="ctr"/>
+                <a:r>
+                  <a:rPr lang="en-US" altLang="zh-CN"/>
+                  <a:t>3</a:t>
+                </a:r>
+                <a:endParaRPr lang="en-US" altLang="zh-CN"/>
+              </a:p>
+            </p:txBody>
+          </p:sp>
+          <p:sp>
+            <p:nvSpPr>
+              <p:cNvPr id="32" name="椭圆 31"/>
+              <p:cNvSpPr/>
+              <p:nvPr/>
+            </p:nvSpPr>
+            <p:spPr>
+              <a:xfrm>
+                <a:off x="8308" y="4104"/>
+                <a:ext cx="687" cy="709"/>
+              </a:xfrm>
+              <a:prstGeom prst="ellipse">
+                <a:avLst/>
+              </a:prstGeom>
+              <a:ln w="28575"/>
+            </p:spPr>
+            <p:style>
+              <a:lnRef idx="2">
+                <a:schemeClr val="accent1"/>
+              </a:lnRef>
+              <a:fillRef idx="1">
+                <a:schemeClr val="lt1"/>
+              </a:fillRef>
+              <a:effectRef idx="0">
+                <a:schemeClr val="accent1"/>
+              </a:effectRef>
+              <a:fontRef idx="minor">
+                <a:schemeClr val="dk1"/>
+              </a:fontRef>
+            </p:style>
+            <p:txBody>
+              <a:bodyPr rtlCol="0" anchor="ctr"/>
+              <a:p>
+                <a:pPr algn="ctr"/>
+                <a:r>
+                  <a:rPr lang="en-US" altLang="zh-CN"/>
+                  <a:t>7</a:t>
+                </a:r>
+                <a:endParaRPr lang="en-US" altLang="zh-CN"/>
+              </a:p>
+            </p:txBody>
+          </p:sp>
+          <p:sp>
+            <p:nvSpPr>
+              <p:cNvPr id="33" name="椭圆 32"/>
+              <p:cNvSpPr/>
+              <p:nvPr/>
+            </p:nvSpPr>
+            <p:spPr>
+              <a:xfrm>
+                <a:off x="9904" y="4104"/>
+                <a:ext cx="687" cy="709"/>
+              </a:xfrm>
+              <a:prstGeom prst="ellipse">
+                <a:avLst/>
+              </a:prstGeom>
+              <a:ln w="28575"/>
+            </p:spPr>
+            <p:style>
+              <a:lnRef idx="2">
+                <a:schemeClr val="accent1"/>
+              </a:lnRef>
+              <a:fillRef idx="1">
+                <a:schemeClr val="lt1"/>
+              </a:fillRef>
+              <a:effectRef idx="0">
+                <a:schemeClr val="accent1"/>
+              </a:effectRef>
+              <a:fontRef idx="minor">
+                <a:schemeClr val="dk1"/>
+              </a:fontRef>
+            </p:style>
+            <p:txBody>
+              <a:bodyPr rtlCol="0" anchor="ctr"/>
+              <a:p>
+                <a:pPr algn="ctr"/>
+                <a:r>
+                  <a:rPr lang="en-US" altLang="zh-CN"/>
+                  <a:t>9</a:t>
+                </a:r>
+                <a:endParaRPr lang="en-US" altLang="zh-CN"/>
+              </a:p>
+            </p:txBody>
+          </p:sp>
+          <p:sp>
+            <p:nvSpPr>
+              <p:cNvPr id="34" name="椭圆 33"/>
+              <p:cNvSpPr/>
+              <p:nvPr/>
+            </p:nvSpPr>
+            <p:spPr>
+              <a:xfrm>
+                <a:off x="4027" y="5513"/>
+                <a:ext cx="687" cy="709"/>
+              </a:xfrm>
+              <a:prstGeom prst="ellipse">
+                <a:avLst/>
+              </a:prstGeom>
+              <a:ln w="28575"/>
+            </p:spPr>
+            <p:style>
+              <a:lnRef idx="2">
+                <a:schemeClr val="accent1"/>
+              </a:lnRef>
+              <a:fillRef idx="1">
+                <a:schemeClr val="lt1"/>
+              </a:fillRef>
+              <a:effectRef idx="0">
+                <a:schemeClr val="accent1"/>
+              </a:effectRef>
+              <a:fontRef idx="minor">
+                <a:schemeClr val="dk1"/>
+              </a:fontRef>
+            </p:style>
+            <p:txBody>
+              <a:bodyPr rtlCol="0" anchor="ctr"/>
+              <a:p>
+                <a:pPr algn="ctr"/>
+                <a:r>
+                  <a:rPr lang="en-US" altLang="zh-CN"/>
+                  <a:t>1</a:t>
+                </a:r>
+                <a:endParaRPr lang="en-US" altLang="zh-CN"/>
+              </a:p>
+            </p:txBody>
+          </p:sp>
+          <p:sp>
+            <p:nvSpPr>
+              <p:cNvPr id="35" name="椭圆 34"/>
+              <p:cNvSpPr/>
+              <p:nvPr/>
+            </p:nvSpPr>
+            <p:spPr>
+              <a:xfrm>
+                <a:off x="10863" y="5385"/>
+                <a:ext cx="858" cy="837"/>
+              </a:xfrm>
+              <a:prstGeom prst="ellipse">
+                <a:avLst/>
+              </a:prstGeom>
+              <a:ln w="28575"/>
+            </p:spPr>
+            <p:style>
+              <a:lnRef idx="2">
+                <a:schemeClr val="accent1"/>
+              </a:lnRef>
+              <a:fillRef idx="1">
+                <a:schemeClr val="lt1"/>
+              </a:fillRef>
+              <a:effectRef idx="0">
+                <a:schemeClr val="accent1"/>
+              </a:effectRef>
+              <a:fontRef idx="minor">
+                <a:schemeClr val="dk1"/>
+              </a:fontRef>
+            </p:style>
+            <p:txBody>
+              <a:bodyPr rtlCol="0" anchor="ctr"/>
+              <a:p>
+                <a:pPr algn="ctr"/>
+                <a:r>
+                  <a:rPr lang="en-US" altLang="zh-CN" sz="1400"/>
+                  <a:t>10</a:t>
+                </a:r>
+                <a:endParaRPr lang="en-US" altLang="zh-CN" sz="1400"/>
+              </a:p>
+            </p:txBody>
+          </p:sp>
+          <p:sp>
+            <p:nvSpPr>
+              <p:cNvPr id="36" name="椭圆 35"/>
+              <p:cNvSpPr/>
+              <p:nvPr/>
+            </p:nvSpPr>
+            <p:spPr>
+              <a:xfrm>
+                <a:off x="2978" y="7060"/>
+                <a:ext cx="687" cy="709"/>
+              </a:xfrm>
+              <a:prstGeom prst="ellipse">
+                <a:avLst/>
+              </a:prstGeom>
+              <a:ln w="28575"/>
+            </p:spPr>
+            <p:style>
+              <a:lnRef idx="2">
+                <a:schemeClr val="accent1"/>
+              </a:lnRef>
+              <a:fillRef idx="1">
+                <a:schemeClr val="lt1"/>
+              </a:fillRef>
+              <a:effectRef idx="0">
+                <a:schemeClr val="accent1"/>
+              </a:effectRef>
+              <a:fontRef idx="minor">
+                <a:schemeClr val="dk1"/>
+              </a:fontRef>
+            </p:style>
+            <p:txBody>
+              <a:bodyPr rtlCol="0" anchor="ctr"/>
+              <a:p>
+                <a:pPr algn="ctr"/>
+                <a:r>
+                  <a:rPr lang="en-US" altLang="zh-CN"/>
+                  <a:t>0</a:t>
+                </a:r>
+                <a:endParaRPr lang="en-US" altLang="zh-CN"/>
+              </a:p>
+            </p:txBody>
+          </p:sp>
+        </p:grpSp>
+        <p:cxnSp>
+          <p:nvCxnSpPr>
+            <p:cNvPr id="37" name="直接箭头连接符 36"/>
+            <p:cNvCxnSpPr>
+              <a:stCxn id="27" idx="3"/>
+              <a:endCxn id="28" idx="7"/>
+            </p:cNvCxnSpPr>
+            <p:nvPr/>
+          </p:nvCxnSpPr>
+          <p:spPr>
+            <a:xfrm flipH="1">
+              <a:off x="6831" y="2021"/>
+              <a:ext cx="826" cy="682"/>
+            </a:xfrm>
+            <a:prstGeom prst="straightConnector1">
+              <a:avLst/>
+            </a:prstGeom>
+            <a:ln w="38100">
+              <a:solidFill>
+                <a:srgbClr val="FF0000"/>
+              </a:solidFill>
+              <a:tailEnd type="arrow"/>
+            </a:ln>
+          </p:spPr>
+          <p:style>
+            <a:lnRef idx="1">
+              <a:schemeClr val="accent1"/>
+            </a:lnRef>
+            <a:fillRef idx="0">
+              <a:schemeClr val="accent1"/>
+            </a:fillRef>
+            <a:effectRef idx="0">
+              <a:schemeClr val="accent1"/>
+            </a:effectRef>
+            <a:fontRef idx="minor">
+              <a:schemeClr val="tx1"/>
+            </a:fontRef>
+          </p:style>
+        </p:cxnSp>
+        <p:cxnSp>
+          <p:nvCxnSpPr>
+            <p:cNvPr id="38" name="直接箭头连接符 37"/>
+            <p:cNvCxnSpPr>
+              <a:stCxn id="28" idx="3"/>
+              <a:endCxn id="30" idx="7"/>
+            </p:cNvCxnSpPr>
+            <p:nvPr/>
+          </p:nvCxnSpPr>
+          <p:spPr>
+            <a:xfrm flipH="1">
+              <a:off x="5745" y="3204"/>
+              <a:ext cx="601" cy="940"/>
+            </a:xfrm>
+            <a:prstGeom prst="straightConnector1">
+              <a:avLst/>
+            </a:prstGeom>
+            <a:ln w="38100">
+              <a:solidFill>
+                <a:srgbClr val="FF0000"/>
+              </a:solidFill>
+              <a:tailEnd type="arrow"/>
+            </a:ln>
+          </p:spPr>
+          <p:style>
+            <a:lnRef idx="1">
+              <a:schemeClr val="accent1"/>
+            </a:lnRef>
+            <a:fillRef idx="0">
+              <a:schemeClr val="accent1"/>
+            </a:fillRef>
+            <a:effectRef idx="0">
+              <a:schemeClr val="accent1"/>
+            </a:effectRef>
+            <a:fontRef idx="minor">
+              <a:schemeClr val="tx1"/>
+            </a:fontRef>
+          </p:style>
+        </p:cxnSp>
+        <p:cxnSp>
+          <p:nvCxnSpPr>
+            <p:cNvPr id="39" name="直接箭头连接符 38"/>
+            <p:cNvCxnSpPr>
+              <a:stCxn id="30" idx="3"/>
+              <a:endCxn id="34" idx="7"/>
+            </p:cNvCxnSpPr>
+            <p:nvPr/>
+          </p:nvCxnSpPr>
+          <p:spPr>
+            <a:xfrm flipH="1">
+              <a:off x="4677" y="4645"/>
+              <a:ext cx="583" cy="908"/>
+            </a:xfrm>
+            <a:prstGeom prst="straightConnector1">
+              <a:avLst/>
+            </a:prstGeom>
+            <a:ln w="38100">
+              <a:solidFill>
+                <a:srgbClr val="FF0000"/>
+              </a:solidFill>
+              <a:tailEnd type="arrow"/>
+            </a:ln>
+          </p:spPr>
+          <p:style>
+            <a:lnRef idx="1">
+              <a:schemeClr val="accent1"/>
+            </a:lnRef>
+            <a:fillRef idx="0">
+              <a:schemeClr val="accent1"/>
+            </a:fillRef>
+            <a:effectRef idx="0">
+              <a:schemeClr val="accent1"/>
+            </a:effectRef>
+            <a:fontRef idx="minor">
+              <a:schemeClr val="tx1"/>
+            </a:fontRef>
+          </p:style>
+        </p:cxnSp>
+        <p:cxnSp>
+          <p:nvCxnSpPr>
+            <p:cNvPr id="40" name="直接箭头连接符 39"/>
+            <p:cNvCxnSpPr>
+              <a:stCxn id="34" idx="3"/>
+              <a:endCxn id="36" idx="7"/>
+            </p:cNvCxnSpPr>
+            <p:nvPr/>
+          </p:nvCxnSpPr>
+          <p:spPr>
+            <a:xfrm flipH="1">
+              <a:off x="3628" y="6054"/>
+              <a:ext cx="564" cy="1046"/>
+            </a:xfrm>
+            <a:prstGeom prst="straightConnector1">
+              <a:avLst/>
+            </a:prstGeom>
+            <a:ln w="38100">
+              <a:solidFill>
+                <a:srgbClr val="FF0000"/>
+              </a:solidFill>
+              <a:tailEnd type="arrow"/>
+            </a:ln>
+          </p:spPr>
+          <p:style>
+            <a:lnRef idx="1">
+              <a:schemeClr val="accent1"/>
+            </a:lnRef>
+            <a:fillRef idx="0">
+              <a:schemeClr val="accent1"/>
+            </a:fillRef>
+            <a:effectRef idx="0">
+              <a:schemeClr val="accent1"/>
+            </a:effectRef>
+            <a:fontRef idx="minor">
+              <a:schemeClr val="tx1"/>
+            </a:fontRef>
+          </p:style>
+        </p:cxnSp>
+        <p:cxnSp>
+          <p:nvCxnSpPr>
+            <p:cNvPr id="41" name="直接箭头连接符 40"/>
+            <p:cNvCxnSpPr>
+              <a:stCxn id="30" idx="5"/>
+              <a:endCxn id="31" idx="0"/>
+            </p:cNvCxnSpPr>
+            <p:nvPr/>
+          </p:nvCxnSpPr>
+          <p:spPr>
+            <a:xfrm>
+              <a:off x="5745" y="4645"/>
+              <a:ext cx="694" cy="804"/>
+            </a:xfrm>
+            <a:prstGeom prst="straightConnector1">
+              <a:avLst/>
+            </a:prstGeom>
+            <a:ln w="38100">
+              <a:solidFill>
+                <a:srgbClr val="FF0000"/>
+              </a:solidFill>
+              <a:tailEnd type="arrow"/>
+            </a:ln>
+          </p:spPr>
+          <p:style>
+            <a:lnRef idx="1">
+              <a:schemeClr val="accent1"/>
+            </a:lnRef>
+            <a:fillRef idx="0">
+              <a:schemeClr val="accent1"/>
+            </a:fillRef>
+            <a:effectRef idx="0">
+              <a:schemeClr val="accent1"/>
+            </a:effectRef>
+            <a:fontRef idx="minor">
+              <a:schemeClr val="tx1"/>
+            </a:fontRef>
+          </p:style>
+        </p:cxnSp>
+        <p:cxnSp>
+          <p:nvCxnSpPr>
+            <p:cNvPr id="42" name="直接箭头连接符 41"/>
+            <p:cNvCxnSpPr>
+              <a:stCxn id="29" idx="5"/>
+              <a:endCxn id="33" idx="0"/>
+            </p:cNvCxnSpPr>
+            <p:nvPr/>
+          </p:nvCxnSpPr>
+          <p:spPr>
+            <a:xfrm>
+              <a:off x="9645" y="3204"/>
+              <a:ext cx="667" cy="836"/>
+            </a:xfrm>
+            <a:prstGeom prst="straightConnector1">
+              <a:avLst/>
+            </a:prstGeom>
+            <a:ln w="38100">
+              <a:solidFill>
+                <a:srgbClr val="FF0000"/>
+              </a:solidFill>
+              <a:tailEnd type="arrow"/>
+            </a:ln>
+          </p:spPr>
+          <p:style>
+            <a:lnRef idx="1">
+              <a:schemeClr val="accent1"/>
+            </a:lnRef>
+            <a:fillRef idx="0">
+              <a:schemeClr val="accent1"/>
+            </a:fillRef>
+            <a:effectRef idx="0">
+              <a:schemeClr val="accent1"/>
+            </a:effectRef>
+            <a:fontRef idx="minor">
+              <a:schemeClr val="tx1"/>
+            </a:fontRef>
+          </p:style>
+        </p:cxnSp>
+        <p:cxnSp>
+          <p:nvCxnSpPr>
+            <p:cNvPr id="43" name="直接箭头连接符 42"/>
+            <p:cNvCxnSpPr>
+              <a:stCxn id="29" idx="3"/>
+              <a:endCxn id="32" idx="0"/>
+            </p:cNvCxnSpPr>
+            <p:nvPr/>
+          </p:nvCxnSpPr>
+          <p:spPr>
+            <a:xfrm flipH="1">
+              <a:off x="8716" y="3204"/>
+              <a:ext cx="444" cy="836"/>
+            </a:xfrm>
+            <a:prstGeom prst="straightConnector1">
+              <a:avLst/>
+            </a:prstGeom>
+            <a:ln w="38100">
+              <a:solidFill>
+                <a:srgbClr val="FF0000"/>
+              </a:solidFill>
+              <a:tailEnd type="arrow"/>
+            </a:ln>
+          </p:spPr>
+          <p:style>
+            <a:lnRef idx="1">
+              <a:schemeClr val="accent1"/>
+            </a:lnRef>
+            <a:fillRef idx="0">
+              <a:schemeClr val="accent1"/>
+            </a:fillRef>
+            <a:effectRef idx="0">
+              <a:schemeClr val="accent1"/>
+            </a:effectRef>
+            <a:fontRef idx="minor">
+              <a:schemeClr val="tx1"/>
+            </a:fontRef>
+          </p:style>
+        </p:cxnSp>
+        <p:cxnSp>
+          <p:nvCxnSpPr>
+            <p:cNvPr id="44" name="直接箭头连接符 43"/>
+            <p:cNvCxnSpPr>
+              <a:stCxn id="33" idx="5"/>
+              <a:endCxn id="35" idx="1"/>
+            </p:cNvCxnSpPr>
+            <p:nvPr/>
+          </p:nvCxnSpPr>
+          <p:spPr>
+            <a:xfrm>
+              <a:off x="10554" y="4645"/>
+              <a:ext cx="499" cy="799"/>
+            </a:xfrm>
+            <a:prstGeom prst="straightConnector1">
+              <a:avLst/>
+            </a:prstGeom>
+            <a:ln w="38100">
+              <a:solidFill>
+                <a:srgbClr val="FF0000"/>
+              </a:solidFill>
+              <a:tailEnd type="arrow"/>
+            </a:ln>
+          </p:spPr>
+          <p:style>
+            <a:lnRef idx="1">
+              <a:schemeClr val="accent1"/>
+            </a:lnRef>
+            <a:fillRef idx="0">
+              <a:schemeClr val="accent1"/>
+            </a:fillRef>
+            <a:effectRef idx="0">
+              <a:schemeClr val="accent1"/>
+            </a:effectRef>
+            <a:fontRef idx="minor">
+              <a:schemeClr val="tx1"/>
+            </a:fontRef>
+          </p:style>
+        </p:cxnSp>
+        <p:cxnSp>
+          <p:nvCxnSpPr>
+            <p:cNvPr id="45" name="直接箭头连接符 44"/>
+            <p:cNvCxnSpPr>
+              <a:stCxn id="27" idx="5"/>
+              <a:endCxn id="29" idx="1"/>
+            </p:cNvCxnSpPr>
+            <p:nvPr/>
+          </p:nvCxnSpPr>
+          <p:spPr>
+            <a:xfrm>
+              <a:off x="8142" y="2021"/>
+              <a:ext cx="1018" cy="682"/>
+            </a:xfrm>
+            <a:prstGeom prst="straightConnector1">
+              <a:avLst/>
+            </a:prstGeom>
+            <a:ln w="38100">
+              <a:solidFill>
+                <a:srgbClr val="FF0000"/>
+              </a:solidFill>
+              <a:tailEnd type="arrow"/>
+            </a:ln>
+          </p:spPr>
+          <p:style>
+            <a:lnRef idx="1">
+              <a:schemeClr val="accent1"/>
+            </a:lnRef>
+            <a:fillRef idx="0">
+              <a:schemeClr val="accent1"/>
+            </a:fillRef>
+            <a:effectRef idx="0">
+              <a:schemeClr val="accent1"/>
+            </a:effectRef>
+            <a:fontRef idx="minor">
+              <a:schemeClr val="tx1"/>
+            </a:fontRef>
+          </p:style>
+        </p:cxnSp>
+      </p:grpSp>
+    </p:spTree>
+  </p:cSld>
+  <p:clrMapOvr>
+    <a:masterClrMapping/>
+  </p:clrMapOvr>
+</p:sld>
+</file>
+
 <file path=ppt/slides/slide2.xml><?xml version="1.0" encoding="utf-8"?>
 <p:sld xmlns:a="http://schemas.openxmlformats.org/drawingml/2006/main" xmlns:r="http://schemas.openxmlformats.org/officeDocument/2006/relationships" xmlns:p="http://schemas.openxmlformats.org/presentationml/2006/main">
   <p:cSld>
@@ -8131,11 +9378,7 @@
             </a:r>
             <a:r>
               <a:rPr lang="zh-CN" altLang="en-US"/>
-              <a:t>数据</a:t>
-            </a:r>
-            <a:r>
-              <a:rPr lang="zh-CN" altLang="en-US"/>
-              <a:t>后，</a:t>
+              <a:t>数据后，</a:t>
             </a:r>
             <a:br>
               <a:rPr lang="zh-CN" altLang="en-US"/>
@@ -11068,11 +12311,7 @@
               </a:r>
               <a:r>
                 <a:rPr lang="zh-CN" altLang="en-US"/>
-                <a:t>移动两</a:t>
-              </a:r>
-              <a:r>
-                <a:rPr lang="zh-CN" altLang="en-US"/>
-                <a:t>次</a:t>
+                <a:t>移动两次</a:t>
               </a:r>
               <a:endParaRPr lang="zh-CN" altLang="en-US"/>
             </a:p>
@@ -12048,11 +13287,7 @@
                 <a:p>
                   <a:r>
                     <a:rPr lang="zh-CN" altLang="en-US"/>
-                    <a:t>判断【队列满</a:t>
-                  </a:r>
-                  <a:r>
-                    <a:rPr lang="zh-CN" altLang="en-US"/>
-                    <a:t>】</a:t>
+                    <a:t>判断【队列满】</a:t>
                   </a:r>
                   <a:endParaRPr lang="zh-CN" altLang="en-US"/>
                 </a:p>
@@ -13134,11 +14369,7 @@
                 </a:r>
                 <a:r>
                   <a:rPr lang="zh-CN" altLang="en-US"/>
-                  <a:t>，判断【队列空</a:t>
-                </a:r>
-                <a:r>
-                  <a:rPr lang="zh-CN" altLang="en-US"/>
-                  <a:t>】</a:t>
+                  <a:t>，判断【队列空】</a:t>
                 </a:r>
                 <a:endParaRPr lang="zh-CN" altLang="en-US"/>
               </a:p>
@@ -14389,6 +15620,7196 @@
 </p:sld>
 </file>
 
+<file path=ppt/slides/slide7.xml><?xml version="1.0" encoding="utf-8"?>
+<p:sld xmlns:a="http://schemas.openxmlformats.org/drawingml/2006/main" xmlns:r="http://schemas.openxmlformats.org/officeDocument/2006/relationships" xmlns:p="http://schemas.openxmlformats.org/presentationml/2006/main">
+  <p:cSld>
+    <p:spTree>
+      <p:nvGrpSpPr>
+        <p:cNvPr id="1" name=""/>
+        <p:cNvGrpSpPr/>
+        <p:nvPr/>
+      </p:nvGrpSpPr>
+      <p:grpSpPr/>
+      <p:sp>
+        <p:nvSpPr>
+          <p:cNvPr id="2" name="标题 1"/>
+          <p:cNvSpPr>
+            <a:spLocks noGrp="1"/>
+          </p:cNvSpPr>
+          <p:nvPr>
+            <p:ph type="title"/>
+          </p:nvPr>
+        </p:nvSpPr>
+        <p:spPr/>
+        <p:txBody>
+          <a:bodyPr/>
+          <a:p>
+            <a:r>
+              <a:rPr lang="zh-CN" altLang="zh-CN"/>
+              <a:t>树 </a:t>
+            </a:r>
+            <a:r>
+              <a:rPr lang="en-US" altLang="zh-CN"/>
+              <a:t>a[] = {6,4,8,2,7,9,1,3,10,0}</a:t>
+            </a:r>
+            <a:endParaRPr lang="en-US" altLang="zh-CN"/>
+          </a:p>
+        </p:txBody>
+      </p:sp>
+      <p:grpSp>
+        <p:nvGrpSpPr>
+          <p:cNvPr id="24" name="组合 23"/>
+          <p:cNvGrpSpPr/>
+          <p:nvPr/>
+        </p:nvGrpSpPr>
+        <p:grpSpPr>
+          <a:xfrm>
+            <a:off x="1999615" y="1812290"/>
+            <a:ext cx="5551170" cy="3992880"/>
+            <a:chOff x="3042" y="1416"/>
+            <a:chExt cx="8742" cy="6288"/>
+          </a:xfrm>
+        </p:grpSpPr>
+        <p:grpSp>
+          <p:nvGrpSpPr>
+            <p:cNvPr id="14" name="组合 13"/>
+            <p:cNvGrpSpPr/>
+            <p:nvPr/>
+          </p:nvGrpSpPr>
+          <p:grpSpPr>
+            <a:xfrm>
+              <a:off x="3042" y="1416"/>
+              <a:ext cx="8743" cy="6288"/>
+              <a:chOff x="2978" y="1480"/>
+              <a:chExt cx="8743" cy="6288"/>
+            </a:xfrm>
+          </p:grpSpPr>
+          <p:sp>
+            <p:nvSpPr>
+              <p:cNvPr id="4" name="椭圆 3"/>
+              <p:cNvSpPr/>
+              <p:nvPr/>
+            </p:nvSpPr>
+            <p:spPr>
+              <a:xfrm>
+                <a:off x="7492" y="1480"/>
+                <a:ext cx="687" cy="709"/>
+              </a:xfrm>
+              <a:prstGeom prst="ellipse">
+                <a:avLst/>
+              </a:prstGeom>
+              <a:ln w="28575"/>
+            </p:spPr>
+            <p:style>
+              <a:lnRef idx="2">
+                <a:schemeClr val="accent1"/>
+              </a:lnRef>
+              <a:fillRef idx="1">
+                <a:schemeClr val="lt1"/>
+              </a:fillRef>
+              <a:effectRef idx="0">
+                <a:schemeClr val="accent1"/>
+              </a:effectRef>
+              <a:fontRef idx="minor">
+                <a:schemeClr val="dk1"/>
+              </a:fontRef>
+            </p:style>
+            <p:txBody>
+              <a:bodyPr rtlCol="0" anchor="ctr"/>
+              <a:p>
+                <a:pPr algn="ctr"/>
+                <a:r>
+                  <a:rPr lang="en-US" altLang="zh-CN"/>
+                  <a:t>6</a:t>
+                </a:r>
+                <a:endParaRPr lang="en-US" altLang="zh-CN"/>
+              </a:p>
+            </p:txBody>
+          </p:sp>
+          <p:sp>
+            <p:nvSpPr>
+              <p:cNvPr id="5" name="椭圆 4"/>
+              <p:cNvSpPr/>
+              <p:nvPr/>
+            </p:nvSpPr>
+            <p:spPr>
+              <a:xfrm>
+                <a:off x="6181" y="2663"/>
+                <a:ext cx="687" cy="709"/>
+              </a:xfrm>
+              <a:prstGeom prst="ellipse">
+                <a:avLst/>
+              </a:prstGeom>
+              <a:ln w="28575"/>
+            </p:spPr>
+            <p:style>
+              <a:lnRef idx="2">
+                <a:schemeClr val="accent1"/>
+              </a:lnRef>
+              <a:fillRef idx="1">
+                <a:schemeClr val="lt1"/>
+              </a:fillRef>
+              <a:effectRef idx="0">
+                <a:schemeClr val="accent1"/>
+              </a:effectRef>
+              <a:fontRef idx="minor">
+                <a:schemeClr val="dk1"/>
+              </a:fontRef>
+            </p:style>
+            <p:txBody>
+              <a:bodyPr rtlCol="0" anchor="ctr"/>
+              <a:p>
+                <a:pPr algn="ctr"/>
+                <a:r>
+                  <a:rPr lang="en-US" altLang="zh-CN"/>
+                  <a:t>4</a:t>
+                </a:r>
+                <a:endParaRPr lang="en-US" altLang="zh-CN"/>
+              </a:p>
+            </p:txBody>
+          </p:sp>
+          <p:sp>
+            <p:nvSpPr>
+              <p:cNvPr id="6" name="椭圆 5"/>
+              <p:cNvSpPr/>
+              <p:nvPr/>
+            </p:nvSpPr>
+            <p:spPr>
+              <a:xfrm>
+                <a:off x="8995" y="2663"/>
+                <a:ext cx="687" cy="709"/>
+              </a:xfrm>
+              <a:prstGeom prst="ellipse">
+                <a:avLst/>
+              </a:prstGeom>
+              <a:ln w="28575"/>
+            </p:spPr>
+            <p:style>
+              <a:lnRef idx="2">
+                <a:schemeClr val="accent1"/>
+              </a:lnRef>
+              <a:fillRef idx="1">
+                <a:schemeClr val="lt1"/>
+              </a:fillRef>
+              <a:effectRef idx="0">
+                <a:schemeClr val="accent1"/>
+              </a:effectRef>
+              <a:fontRef idx="minor">
+                <a:schemeClr val="dk1"/>
+              </a:fontRef>
+            </p:style>
+            <p:txBody>
+              <a:bodyPr rtlCol="0" anchor="ctr"/>
+              <a:p>
+                <a:pPr algn="ctr"/>
+                <a:r>
+                  <a:rPr lang="en-US" altLang="zh-CN"/>
+                  <a:t>8</a:t>
+                </a:r>
+                <a:endParaRPr lang="en-US" altLang="zh-CN"/>
+              </a:p>
+            </p:txBody>
+          </p:sp>
+          <p:sp>
+            <p:nvSpPr>
+              <p:cNvPr id="7" name="椭圆 6"/>
+              <p:cNvSpPr/>
+              <p:nvPr/>
+            </p:nvSpPr>
+            <p:spPr>
+              <a:xfrm>
+                <a:off x="5095" y="4104"/>
+                <a:ext cx="687" cy="709"/>
+              </a:xfrm>
+              <a:prstGeom prst="ellipse">
+                <a:avLst/>
+              </a:prstGeom>
+              <a:ln w="28575"/>
+            </p:spPr>
+            <p:style>
+              <a:lnRef idx="2">
+                <a:schemeClr val="accent1"/>
+              </a:lnRef>
+              <a:fillRef idx="1">
+                <a:schemeClr val="lt1"/>
+              </a:fillRef>
+              <a:effectRef idx="0">
+                <a:schemeClr val="accent1"/>
+              </a:effectRef>
+              <a:fontRef idx="minor">
+                <a:schemeClr val="dk1"/>
+              </a:fontRef>
+            </p:style>
+            <p:txBody>
+              <a:bodyPr rtlCol="0" anchor="ctr"/>
+              <a:p>
+                <a:pPr algn="ctr"/>
+                <a:r>
+                  <a:rPr lang="en-US" altLang="zh-CN"/>
+                  <a:t>2</a:t>
+                </a:r>
+                <a:endParaRPr lang="en-US" altLang="zh-CN"/>
+              </a:p>
+            </p:txBody>
+          </p:sp>
+          <p:sp>
+            <p:nvSpPr>
+              <p:cNvPr id="8" name="椭圆 7"/>
+              <p:cNvSpPr/>
+              <p:nvPr/>
+            </p:nvSpPr>
+            <p:spPr>
+              <a:xfrm>
+                <a:off x="6031" y="5513"/>
+                <a:ext cx="687" cy="709"/>
+              </a:xfrm>
+              <a:prstGeom prst="ellipse">
+                <a:avLst/>
+              </a:prstGeom>
+              <a:ln w="28575"/>
+            </p:spPr>
+            <p:style>
+              <a:lnRef idx="2">
+                <a:schemeClr val="accent1"/>
+              </a:lnRef>
+              <a:fillRef idx="1">
+                <a:schemeClr val="lt1"/>
+              </a:fillRef>
+              <a:effectRef idx="0">
+                <a:schemeClr val="accent1"/>
+              </a:effectRef>
+              <a:fontRef idx="minor">
+                <a:schemeClr val="dk1"/>
+              </a:fontRef>
+            </p:style>
+            <p:txBody>
+              <a:bodyPr rtlCol="0" anchor="ctr"/>
+              <a:p>
+                <a:pPr algn="ctr"/>
+                <a:r>
+                  <a:rPr lang="en-US" altLang="zh-CN"/>
+                  <a:t>3</a:t>
+                </a:r>
+                <a:endParaRPr lang="en-US" altLang="zh-CN"/>
+              </a:p>
+            </p:txBody>
+          </p:sp>
+          <p:sp>
+            <p:nvSpPr>
+              <p:cNvPr id="9" name="椭圆 8"/>
+              <p:cNvSpPr/>
+              <p:nvPr/>
+            </p:nvSpPr>
+            <p:spPr>
+              <a:xfrm>
+                <a:off x="8308" y="4104"/>
+                <a:ext cx="687" cy="709"/>
+              </a:xfrm>
+              <a:prstGeom prst="ellipse">
+                <a:avLst/>
+              </a:prstGeom>
+              <a:ln w="28575"/>
+            </p:spPr>
+            <p:style>
+              <a:lnRef idx="2">
+                <a:schemeClr val="accent1"/>
+              </a:lnRef>
+              <a:fillRef idx="1">
+                <a:schemeClr val="lt1"/>
+              </a:fillRef>
+              <a:effectRef idx="0">
+                <a:schemeClr val="accent1"/>
+              </a:effectRef>
+              <a:fontRef idx="minor">
+                <a:schemeClr val="dk1"/>
+              </a:fontRef>
+            </p:style>
+            <p:txBody>
+              <a:bodyPr rtlCol="0" anchor="ctr"/>
+              <a:p>
+                <a:pPr algn="ctr"/>
+                <a:r>
+                  <a:rPr lang="en-US" altLang="zh-CN"/>
+                  <a:t>7</a:t>
+                </a:r>
+                <a:endParaRPr lang="en-US" altLang="zh-CN"/>
+              </a:p>
+            </p:txBody>
+          </p:sp>
+          <p:sp>
+            <p:nvSpPr>
+              <p:cNvPr id="10" name="椭圆 9"/>
+              <p:cNvSpPr/>
+              <p:nvPr/>
+            </p:nvSpPr>
+            <p:spPr>
+              <a:xfrm>
+                <a:off x="9904" y="4104"/>
+                <a:ext cx="687" cy="709"/>
+              </a:xfrm>
+              <a:prstGeom prst="ellipse">
+                <a:avLst/>
+              </a:prstGeom>
+              <a:ln w="28575"/>
+            </p:spPr>
+            <p:style>
+              <a:lnRef idx="2">
+                <a:schemeClr val="accent1"/>
+              </a:lnRef>
+              <a:fillRef idx="1">
+                <a:schemeClr val="lt1"/>
+              </a:fillRef>
+              <a:effectRef idx="0">
+                <a:schemeClr val="accent1"/>
+              </a:effectRef>
+              <a:fontRef idx="minor">
+                <a:schemeClr val="dk1"/>
+              </a:fontRef>
+            </p:style>
+            <p:txBody>
+              <a:bodyPr rtlCol="0" anchor="ctr"/>
+              <a:p>
+                <a:pPr algn="ctr"/>
+                <a:r>
+                  <a:rPr lang="en-US" altLang="zh-CN"/>
+                  <a:t>9</a:t>
+                </a:r>
+                <a:endParaRPr lang="en-US" altLang="zh-CN"/>
+              </a:p>
+            </p:txBody>
+          </p:sp>
+          <p:sp>
+            <p:nvSpPr>
+              <p:cNvPr id="11" name="椭圆 10"/>
+              <p:cNvSpPr/>
+              <p:nvPr/>
+            </p:nvSpPr>
+            <p:spPr>
+              <a:xfrm>
+                <a:off x="4027" y="5513"/>
+                <a:ext cx="687" cy="709"/>
+              </a:xfrm>
+              <a:prstGeom prst="ellipse">
+                <a:avLst/>
+              </a:prstGeom>
+              <a:ln w="28575"/>
+            </p:spPr>
+            <p:style>
+              <a:lnRef idx="2">
+                <a:schemeClr val="accent1"/>
+              </a:lnRef>
+              <a:fillRef idx="1">
+                <a:schemeClr val="lt1"/>
+              </a:fillRef>
+              <a:effectRef idx="0">
+                <a:schemeClr val="accent1"/>
+              </a:effectRef>
+              <a:fontRef idx="minor">
+                <a:schemeClr val="dk1"/>
+              </a:fontRef>
+            </p:style>
+            <p:txBody>
+              <a:bodyPr rtlCol="0" anchor="ctr"/>
+              <a:p>
+                <a:pPr algn="ctr"/>
+                <a:r>
+                  <a:rPr lang="en-US" altLang="zh-CN"/>
+                  <a:t>1</a:t>
+                </a:r>
+                <a:endParaRPr lang="en-US" altLang="zh-CN"/>
+              </a:p>
+            </p:txBody>
+          </p:sp>
+          <p:sp>
+            <p:nvSpPr>
+              <p:cNvPr id="12" name="椭圆 11"/>
+              <p:cNvSpPr/>
+              <p:nvPr/>
+            </p:nvSpPr>
+            <p:spPr>
+              <a:xfrm>
+                <a:off x="10863" y="5385"/>
+                <a:ext cx="858" cy="837"/>
+              </a:xfrm>
+              <a:prstGeom prst="ellipse">
+                <a:avLst/>
+              </a:prstGeom>
+              <a:ln w="28575"/>
+            </p:spPr>
+            <p:style>
+              <a:lnRef idx="2">
+                <a:schemeClr val="accent1"/>
+              </a:lnRef>
+              <a:fillRef idx="1">
+                <a:schemeClr val="lt1"/>
+              </a:fillRef>
+              <a:effectRef idx="0">
+                <a:schemeClr val="accent1"/>
+              </a:effectRef>
+              <a:fontRef idx="minor">
+                <a:schemeClr val="dk1"/>
+              </a:fontRef>
+            </p:style>
+            <p:txBody>
+              <a:bodyPr rtlCol="0" anchor="ctr"/>
+              <a:p>
+                <a:pPr algn="ctr"/>
+                <a:r>
+                  <a:rPr lang="en-US" altLang="zh-CN" sz="1400"/>
+                  <a:t>10</a:t>
+                </a:r>
+                <a:endParaRPr lang="en-US" altLang="zh-CN" sz="1400"/>
+              </a:p>
+            </p:txBody>
+          </p:sp>
+          <p:sp>
+            <p:nvSpPr>
+              <p:cNvPr id="13" name="椭圆 12"/>
+              <p:cNvSpPr/>
+              <p:nvPr/>
+            </p:nvSpPr>
+            <p:spPr>
+              <a:xfrm>
+                <a:off x="2978" y="7060"/>
+                <a:ext cx="687" cy="709"/>
+              </a:xfrm>
+              <a:prstGeom prst="ellipse">
+                <a:avLst/>
+              </a:prstGeom>
+              <a:ln w="28575"/>
+            </p:spPr>
+            <p:style>
+              <a:lnRef idx="2">
+                <a:schemeClr val="accent1"/>
+              </a:lnRef>
+              <a:fillRef idx="1">
+                <a:schemeClr val="lt1"/>
+              </a:fillRef>
+              <a:effectRef idx="0">
+                <a:schemeClr val="accent1"/>
+              </a:effectRef>
+              <a:fontRef idx="minor">
+                <a:schemeClr val="dk1"/>
+              </a:fontRef>
+            </p:style>
+            <p:txBody>
+              <a:bodyPr rtlCol="0" anchor="ctr"/>
+              <a:p>
+                <a:pPr algn="ctr"/>
+                <a:r>
+                  <a:rPr lang="en-US" altLang="zh-CN"/>
+                  <a:t>0</a:t>
+                </a:r>
+                <a:endParaRPr lang="en-US" altLang="zh-CN"/>
+              </a:p>
+            </p:txBody>
+          </p:sp>
+        </p:grpSp>
+        <p:cxnSp>
+          <p:nvCxnSpPr>
+            <p:cNvPr id="15" name="直接箭头连接符 14"/>
+            <p:cNvCxnSpPr>
+              <a:stCxn id="4" idx="3"/>
+              <a:endCxn id="5" idx="7"/>
+            </p:cNvCxnSpPr>
+            <p:nvPr/>
+          </p:nvCxnSpPr>
+          <p:spPr>
+            <a:xfrm flipH="1">
+              <a:off x="6831" y="2021"/>
+              <a:ext cx="826" cy="682"/>
+            </a:xfrm>
+            <a:prstGeom prst="straightConnector1">
+              <a:avLst/>
+            </a:prstGeom>
+            <a:ln w="38100">
+              <a:solidFill>
+                <a:srgbClr val="FF0000"/>
+              </a:solidFill>
+              <a:tailEnd type="arrow"/>
+            </a:ln>
+          </p:spPr>
+          <p:style>
+            <a:lnRef idx="1">
+              <a:schemeClr val="accent1"/>
+            </a:lnRef>
+            <a:fillRef idx="0">
+              <a:schemeClr val="accent1"/>
+            </a:fillRef>
+            <a:effectRef idx="0">
+              <a:schemeClr val="accent1"/>
+            </a:effectRef>
+            <a:fontRef idx="minor">
+              <a:schemeClr val="tx1"/>
+            </a:fontRef>
+          </p:style>
+        </p:cxnSp>
+        <p:cxnSp>
+          <p:nvCxnSpPr>
+            <p:cNvPr id="16" name="直接箭头连接符 15"/>
+            <p:cNvCxnSpPr>
+              <a:stCxn id="5" idx="3"/>
+              <a:endCxn id="7" idx="7"/>
+            </p:cNvCxnSpPr>
+            <p:nvPr/>
+          </p:nvCxnSpPr>
+          <p:spPr>
+            <a:xfrm flipH="1">
+              <a:off x="5745" y="3204"/>
+              <a:ext cx="601" cy="940"/>
+            </a:xfrm>
+            <a:prstGeom prst="straightConnector1">
+              <a:avLst/>
+            </a:prstGeom>
+            <a:ln w="38100">
+              <a:solidFill>
+                <a:srgbClr val="FF0000"/>
+              </a:solidFill>
+              <a:tailEnd type="arrow"/>
+            </a:ln>
+          </p:spPr>
+          <p:style>
+            <a:lnRef idx="1">
+              <a:schemeClr val="accent1"/>
+            </a:lnRef>
+            <a:fillRef idx="0">
+              <a:schemeClr val="accent1"/>
+            </a:fillRef>
+            <a:effectRef idx="0">
+              <a:schemeClr val="accent1"/>
+            </a:effectRef>
+            <a:fontRef idx="minor">
+              <a:schemeClr val="tx1"/>
+            </a:fontRef>
+          </p:style>
+        </p:cxnSp>
+        <p:cxnSp>
+          <p:nvCxnSpPr>
+            <p:cNvPr id="17" name="直接箭头连接符 16"/>
+            <p:cNvCxnSpPr>
+              <a:stCxn id="7" idx="3"/>
+              <a:endCxn id="11" idx="7"/>
+            </p:cNvCxnSpPr>
+            <p:nvPr/>
+          </p:nvCxnSpPr>
+          <p:spPr>
+            <a:xfrm flipH="1">
+              <a:off x="4677" y="4645"/>
+              <a:ext cx="583" cy="908"/>
+            </a:xfrm>
+            <a:prstGeom prst="straightConnector1">
+              <a:avLst/>
+            </a:prstGeom>
+            <a:ln w="38100">
+              <a:solidFill>
+                <a:srgbClr val="FF0000"/>
+              </a:solidFill>
+              <a:tailEnd type="arrow"/>
+            </a:ln>
+          </p:spPr>
+          <p:style>
+            <a:lnRef idx="1">
+              <a:schemeClr val="accent1"/>
+            </a:lnRef>
+            <a:fillRef idx="0">
+              <a:schemeClr val="accent1"/>
+            </a:fillRef>
+            <a:effectRef idx="0">
+              <a:schemeClr val="accent1"/>
+            </a:effectRef>
+            <a:fontRef idx="minor">
+              <a:schemeClr val="tx1"/>
+            </a:fontRef>
+          </p:style>
+        </p:cxnSp>
+        <p:cxnSp>
+          <p:nvCxnSpPr>
+            <p:cNvPr id="18" name="直接箭头连接符 17"/>
+            <p:cNvCxnSpPr>
+              <a:stCxn id="11" idx="3"/>
+              <a:endCxn id="13" idx="7"/>
+            </p:cNvCxnSpPr>
+            <p:nvPr/>
+          </p:nvCxnSpPr>
+          <p:spPr>
+            <a:xfrm flipH="1">
+              <a:off x="3628" y="6054"/>
+              <a:ext cx="564" cy="1046"/>
+            </a:xfrm>
+            <a:prstGeom prst="straightConnector1">
+              <a:avLst/>
+            </a:prstGeom>
+            <a:ln w="38100">
+              <a:solidFill>
+                <a:srgbClr val="FF0000"/>
+              </a:solidFill>
+              <a:tailEnd type="arrow"/>
+            </a:ln>
+          </p:spPr>
+          <p:style>
+            <a:lnRef idx="1">
+              <a:schemeClr val="accent1"/>
+            </a:lnRef>
+            <a:fillRef idx="0">
+              <a:schemeClr val="accent1"/>
+            </a:fillRef>
+            <a:effectRef idx="0">
+              <a:schemeClr val="accent1"/>
+            </a:effectRef>
+            <a:fontRef idx="minor">
+              <a:schemeClr val="tx1"/>
+            </a:fontRef>
+          </p:style>
+        </p:cxnSp>
+        <p:cxnSp>
+          <p:nvCxnSpPr>
+            <p:cNvPr id="19" name="直接箭头连接符 18"/>
+            <p:cNvCxnSpPr>
+              <a:stCxn id="7" idx="5"/>
+              <a:endCxn id="8" idx="0"/>
+            </p:cNvCxnSpPr>
+            <p:nvPr/>
+          </p:nvCxnSpPr>
+          <p:spPr>
+            <a:xfrm>
+              <a:off x="5745" y="4645"/>
+              <a:ext cx="694" cy="804"/>
+            </a:xfrm>
+            <a:prstGeom prst="straightConnector1">
+              <a:avLst/>
+            </a:prstGeom>
+            <a:ln w="38100">
+              <a:solidFill>
+                <a:srgbClr val="FF0000"/>
+              </a:solidFill>
+              <a:tailEnd type="arrow"/>
+            </a:ln>
+          </p:spPr>
+          <p:style>
+            <a:lnRef idx="1">
+              <a:schemeClr val="accent1"/>
+            </a:lnRef>
+            <a:fillRef idx="0">
+              <a:schemeClr val="accent1"/>
+            </a:fillRef>
+            <a:effectRef idx="0">
+              <a:schemeClr val="accent1"/>
+            </a:effectRef>
+            <a:fontRef idx="minor">
+              <a:schemeClr val="tx1"/>
+            </a:fontRef>
+          </p:style>
+        </p:cxnSp>
+        <p:cxnSp>
+          <p:nvCxnSpPr>
+            <p:cNvPr id="20" name="直接箭头连接符 19"/>
+            <p:cNvCxnSpPr>
+              <a:stCxn id="6" idx="5"/>
+              <a:endCxn id="10" idx="0"/>
+            </p:cNvCxnSpPr>
+            <p:nvPr/>
+          </p:nvCxnSpPr>
+          <p:spPr>
+            <a:xfrm>
+              <a:off x="9645" y="3204"/>
+              <a:ext cx="667" cy="836"/>
+            </a:xfrm>
+            <a:prstGeom prst="straightConnector1">
+              <a:avLst/>
+            </a:prstGeom>
+            <a:ln w="38100">
+              <a:solidFill>
+                <a:srgbClr val="FF0000"/>
+              </a:solidFill>
+              <a:tailEnd type="arrow"/>
+            </a:ln>
+          </p:spPr>
+          <p:style>
+            <a:lnRef idx="1">
+              <a:schemeClr val="accent1"/>
+            </a:lnRef>
+            <a:fillRef idx="0">
+              <a:schemeClr val="accent1"/>
+            </a:fillRef>
+            <a:effectRef idx="0">
+              <a:schemeClr val="accent1"/>
+            </a:effectRef>
+            <a:fontRef idx="minor">
+              <a:schemeClr val="tx1"/>
+            </a:fontRef>
+          </p:style>
+        </p:cxnSp>
+        <p:cxnSp>
+          <p:nvCxnSpPr>
+            <p:cNvPr id="21" name="直接箭头连接符 20"/>
+            <p:cNvCxnSpPr>
+              <a:stCxn id="6" idx="3"/>
+              <a:endCxn id="9" idx="0"/>
+            </p:cNvCxnSpPr>
+            <p:nvPr/>
+          </p:nvCxnSpPr>
+          <p:spPr>
+            <a:xfrm flipH="1">
+              <a:off x="8716" y="3204"/>
+              <a:ext cx="444" cy="836"/>
+            </a:xfrm>
+            <a:prstGeom prst="straightConnector1">
+              <a:avLst/>
+            </a:prstGeom>
+            <a:ln w="38100">
+              <a:solidFill>
+                <a:srgbClr val="FF0000"/>
+              </a:solidFill>
+              <a:tailEnd type="arrow"/>
+            </a:ln>
+          </p:spPr>
+          <p:style>
+            <a:lnRef idx="1">
+              <a:schemeClr val="accent1"/>
+            </a:lnRef>
+            <a:fillRef idx="0">
+              <a:schemeClr val="accent1"/>
+            </a:fillRef>
+            <a:effectRef idx="0">
+              <a:schemeClr val="accent1"/>
+            </a:effectRef>
+            <a:fontRef idx="minor">
+              <a:schemeClr val="tx1"/>
+            </a:fontRef>
+          </p:style>
+        </p:cxnSp>
+        <p:cxnSp>
+          <p:nvCxnSpPr>
+            <p:cNvPr id="22" name="直接箭头连接符 21"/>
+            <p:cNvCxnSpPr>
+              <a:stCxn id="10" idx="5"/>
+              <a:endCxn id="12" idx="1"/>
+            </p:cNvCxnSpPr>
+            <p:nvPr/>
+          </p:nvCxnSpPr>
+          <p:spPr>
+            <a:xfrm>
+              <a:off x="10554" y="4645"/>
+              <a:ext cx="499" cy="799"/>
+            </a:xfrm>
+            <a:prstGeom prst="straightConnector1">
+              <a:avLst/>
+            </a:prstGeom>
+            <a:ln w="38100">
+              <a:solidFill>
+                <a:srgbClr val="FF0000"/>
+              </a:solidFill>
+              <a:tailEnd type="arrow"/>
+            </a:ln>
+          </p:spPr>
+          <p:style>
+            <a:lnRef idx="1">
+              <a:schemeClr val="accent1"/>
+            </a:lnRef>
+            <a:fillRef idx="0">
+              <a:schemeClr val="accent1"/>
+            </a:fillRef>
+            <a:effectRef idx="0">
+              <a:schemeClr val="accent1"/>
+            </a:effectRef>
+            <a:fontRef idx="minor">
+              <a:schemeClr val="tx1"/>
+            </a:fontRef>
+          </p:style>
+        </p:cxnSp>
+        <p:cxnSp>
+          <p:nvCxnSpPr>
+            <p:cNvPr id="23" name="直接箭头连接符 22"/>
+            <p:cNvCxnSpPr>
+              <a:stCxn id="4" idx="5"/>
+              <a:endCxn id="6" idx="1"/>
+            </p:cNvCxnSpPr>
+            <p:nvPr/>
+          </p:nvCxnSpPr>
+          <p:spPr>
+            <a:xfrm>
+              <a:off x="8142" y="2021"/>
+              <a:ext cx="1018" cy="682"/>
+            </a:xfrm>
+            <a:prstGeom prst="straightConnector1">
+              <a:avLst/>
+            </a:prstGeom>
+            <a:ln w="38100">
+              <a:solidFill>
+                <a:srgbClr val="FF0000"/>
+              </a:solidFill>
+              <a:tailEnd type="arrow"/>
+            </a:ln>
+          </p:spPr>
+          <p:style>
+            <a:lnRef idx="1">
+              <a:schemeClr val="accent1"/>
+            </a:lnRef>
+            <a:fillRef idx="0">
+              <a:schemeClr val="accent1"/>
+            </a:fillRef>
+            <a:effectRef idx="0">
+              <a:schemeClr val="accent1"/>
+            </a:effectRef>
+            <a:fontRef idx="minor">
+              <a:schemeClr val="tx1"/>
+            </a:fontRef>
+          </p:style>
+        </p:cxnSp>
+      </p:grpSp>
+    </p:spTree>
+  </p:cSld>
+  <p:clrMapOvr>
+    <a:masterClrMapping/>
+  </p:clrMapOvr>
+</p:sld>
+</file>
+
+<file path=ppt/slides/slide8.xml><?xml version="1.0" encoding="utf-8"?>
+<p:sld xmlns:a="http://schemas.openxmlformats.org/drawingml/2006/main" xmlns:r="http://schemas.openxmlformats.org/officeDocument/2006/relationships" xmlns:p="http://schemas.openxmlformats.org/presentationml/2006/main">
+  <p:cSld>
+    <p:spTree>
+      <p:nvGrpSpPr>
+        <p:cNvPr id="1" name=""/>
+        <p:cNvGrpSpPr/>
+        <p:nvPr/>
+      </p:nvGrpSpPr>
+      <p:grpSpPr/>
+      <p:sp>
+        <p:nvSpPr>
+          <p:cNvPr id="2" name="标题 1"/>
+          <p:cNvSpPr>
+            <a:spLocks noGrp="1"/>
+          </p:cNvSpPr>
+          <p:nvPr>
+            <p:ph type="title"/>
+          </p:nvPr>
+        </p:nvSpPr>
+        <p:spPr>
+          <a:xfrm>
+            <a:off x="838200" y="664845"/>
+            <a:ext cx="10515600" cy="1325563"/>
+          </a:xfrm>
+        </p:spPr>
+        <p:txBody>
+          <a:bodyPr>
+            <a:normAutofit fontScale="90000"/>
+          </a:bodyPr>
+          <a:p>
+            <a:r>
+              <a:rPr lang="zh-CN" altLang="zh-CN"/>
+              <a:t>前序遍历</a:t>
+            </a:r>
+            <a:r>
+              <a:rPr lang="en-US" altLang="zh-CN"/>
+              <a:t>:</a:t>
+            </a:r>
+            <a:r>
+              <a:rPr lang="zh-CN" altLang="zh-CN"/>
+              <a:t>（中左右）</a:t>
+            </a:r>
+            <a:r>
+              <a:rPr lang="en-US" altLang="zh-CN"/>
+              <a:t>: 6-4-2-1-0-3-8-7-9-10</a:t>
+            </a:r>
+            <a:br>
+              <a:rPr lang="en-US" altLang="zh-CN"/>
+            </a:br>
+            <a:r>
+              <a:rPr lang="zh-CN" altLang="zh-CN">
+                <a:sym typeface="+mn-ea"/>
+              </a:rPr>
+              <a:t>中序遍历</a:t>
+            </a:r>
+            <a:r>
+              <a:rPr lang="en-US" altLang="zh-CN">
+                <a:sym typeface="+mn-ea"/>
+              </a:rPr>
+              <a:t>:</a:t>
+            </a:r>
+            <a:r>
+              <a:rPr lang="zh-CN" altLang="en-US">
+                <a:sym typeface="+mn-ea"/>
+              </a:rPr>
+              <a:t>（左中右）</a:t>
+            </a:r>
+            <a:r>
+              <a:rPr lang="en-US" altLang="zh-CN">
+                <a:sym typeface="+mn-ea"/>
+              </a:rPr>
+              <a:t>: </a:t>
+            </a:r>
+            <a:r>
+              <a:rPr lang="en-US" altLang="zh-CN">
+                <a:sym typeface="+mn-ea"/>
+              </a:rPr>
+              <a:t>0-1-2-3-4-6-7-8-9-10</a:t>
+            </a:r>
+            <a:br>
+              <a:rPr lang="en-US" altLang="zh-CN">
+                <a:sym typeface="+mn-ea"/>
+              </a:rPr>
+            </a:br>
+            <a:r>
+              <a:rPr lang="zh-CN" altLang="zh-CN">
+                <a:sym typeface="+mn-ea"/>
+              </a:rPr>
+              <a:t>后序遍历</a:t>
+            </a:r>
+            <a:r>
+              <a:rPr lang="en-US" altLang="zh-CN">
+                <a:sym typeface="+mn-ea"/>
+              </a:rPr>
+              <a:t>:</a:t>
+            </a:r>
+            <a:r>
+              <a:rPr lang="zh-CN" altLang="en-US">
+                <a:sym typeface="+mn-ea"/>
+              </a:rPr>
+              <a:t>（左右中</a:t>
+            </a:r>
+            <a:r>
+              <a:rPr lang="zh-CN" altLang="en-US">
+                <a:sym typeface="+mn-ea"/>
+              </a:rPr>
+              <a:t>）</a:t>
+            </a:r>
+            <a:r>
+              <a:rPr lang="en-US" altLang="zh-CN">
+                <a:sym typeface="+mn-ea"/>
+              </a:rPr>
+              <a:t>: 0-1-3-2-4-7-10-9-8-6</a:t>
+            </a:r>
+            <a:br>
+              <a:rPr lang="en-US" altLang="zh-CN"/>
+            </a:br>
+            <a:endParaRPr lang="en-US" altLang="zh-CN"/>
+          </a:p>
+        </p:txBody>
+      </p:sp>
+      <p:grpSp>
+        <p:nvGrpSpPr>
+          <p:cNvPr id="25" name="组合 24"/>
+          <p:cNvGrpSpPr/>
+          <p:nvPr/>
+        </p:nvGrpSpPr>
+        <p:grpSpPr>
+          <a:xfrm>
+            <a:off x="2054225" y="2085340"/>
+            <a:ext cx="5551170" cy="3992880"/>
+            <a:chOff x="3042" y="1416"/>
+            <a:chExt cx="8742" cy="6288"/>
+          </a:xfrm>
+        </p:grpSpPr>
+        <p:grpSp>
+          <p:nvGrpSpPr>
+            <p:cNvPr id="26" name="组合 25"/>
+            <p:cNvGrpSpPr/>
+            <p:nvPr/>
+          </p:nvGrpSpPr>
+          <p:grpSpPr>
+            <a:xfrm>
+              <a:off x="3042" y="1416"/>
+              <a:ext cx="8743" cy="6288"/>
+              <a:chOff x="2978" y="1480"/>
+              <a:chExt cx="8743" cy="6288"/>
+            </a:xfrm>
+          </p:grpSpPr>
+          <p:sp>
+            <p:nvSpPr>
+              <p:cNvPr id="27" name="椭圆 26"/>
+              <p:cNvSpPr/>
+              <p:nvPr/>
+            </p:nvSpPr>
+            <p:spPr>
+              <a:xfrm>
+                <a:off x="7492" y="1480"/>
+                <a:ext cx="687" cy="709"/>
+              </a:xfrm>
+              <a:prstGeom prst="ellipse">
+                <a:avLst/>
+              </a:prstGeom>
+              <a:ln w="28575"/>
+            </p:spPr>
+            <p:style>
+              <a:lnRef idx="2">
+                <a:schemeClr val="accent1"/>
+              </a:lnRef>
+              <a:fillRef idx="1">
+                <a:schemeClr val="lt1"/>
+              </a:fillRef>
+              <a:effectRef idx="0">
+                <a:schemeClr val="accent1"/>
+              </a:effectRef>
+              <a:fontRef idx="minor">
+                <a:schemeClr val="dk1"/>
+              </a:fontRef>
+            </p:style>
+            <p:txBody>
+              <a:bodyPr rtlCol="0" anchor="ctr"/>
+              <a:p>
+                <a:pPr algn="ctr"/>
+                <a:r>
+                  <a:rPr lang="en-US" altLang="zh-CN"/>
+                  <a:t>6</a:t>
+                </a:r>
+                <a:endParaRPr lang="en-US" altLang="zh-CN"/>
+              </a:p>
+            </p:txBody>
+          </p:sp>
+          <p:sp>
+            <p:nvSpPr>
+              <p:cNvPr id="28" name="椭圆 27"/>
+              <p:cNvSpPr/>
+              <p:nvPr/>
+            </p:nvSpPr>
+            <p:spPr>
+              <a:xfrm>
+                <a:off x="6181" y="2663"/>
+                <a:ext cx="687" cy="709"/>
+              </a:xfrm>
+              <a:prstGeom prst="ellipse">
+                <a:avLst/>
+              </a:prstGeom>
+              <a:ln w="28575"/>
+            </p:spPr>
+            <p:style>
+              <a:lnRef idx="2">
+                <a:schemeClr val="accent1"/>
+              </a:lnRef>
+              <a:fillRef idx="1">
+                <a:schemeClr val="lt1"/>
+              </a:fillRef>
+              <a:effectRef idx="0">
+                <a:schemeClr val="accent1"/>
+              </a:effectRef>
+              <a:fontRef idx="minor">
+                <a:schemeClr val="dk1"/>
+              </a:fontRef>
+            </p:style>
+            <p:txBody>
+              <a:bodyPr rtlCol="0" anchor="ctr"/>
+              <a:p>
+                <a:pPr algn="ctr"/>
+                <a:r>
+                  <a:rPr lang="en-US" altLang="zh-CN"/>
+                  <a:t>4</a:t>
+                </a:r>
+                <a:endParaRPr lang="en-US" altLang="zh-CN"/>
+              </a:p>
+            </p:txBody>
+          </p:sp>
+          <p:sp>
+            <p:nvSpPr>
+              <p:cNvPr id="29" name="椭圆 28"/>
+              <p:cNvSpPr/>
+              <p:nvPr/>
+            </p:nvSpPr>
+            <p:spPr>
+              <a:xfrm>
+                <a:off x="8995" y="2663"/>
+                <a:ext cx="687" cy="709"/>
+              </a:xfrm>
+              <a:prstGeom prst="ellipse">
+                <a:avLst/>
+              </a:prstGeom>
+              <a:ln w="28575"/>
+            </p:spPr>
+            <p:style>
+              <a:lnRef idx="2">
+                <a:schemeClr val="accent1"/>
+              </a:lnRef>
+              <a:fillRef idx="1">
+                <a:schemeClr val="lt1"/>
+              </a:fillRef>
+              <a:effectRef idx="0">
+                <a:schemeClr val="accent1"/>
+              </a:effectRef>
+              <a:fontRef idx="minor">
+                <a:schemeClr val="dk1"/>
+              </a:fontRef>
+            </p:style>
+            <p:txBody>
+              <a:bodyPr rtlCol="0" anchor="ctr"/>
+              <a:p>
+                <a:pPr algn="ctr"/>
+                <a:r>
+                  <a:rPr lang="en-US" altLang="zh-CN"/>
+                  <a:t>8</a:t>
+                </a:r>
+                <a:endParaRPr lang="en-US" altLang="zh-CN"/>
+              </a:p>
+            </p:txBody>
+          </p:sp>
+          <p:sp>
+            <p:nvSpPr>
+              <p:cNvPr id="30" name="椭圆 29"/>
+              <p:cNvSpPr/>
+              <p:nvPr/>
+            </p:nvSpPr>
+            <p:spPr>
+              <a:xfrm>
+                <a:off x="5095" y="4104"/>
+                <a:ext cx="687" cy="709"/>
+              </a:xfrm>
+              <a:prstGeom prst="ellipse">
+                <a:avLst/>
+              </a:prstGeom>
+              <a:ln w="28575"/>
+            </p:spPr>
+            <p:style>
+              <a:lnRef idx="2">
+                <a:schemeClr val="accent1"/>
+              </a:lnRef>
+              <a:fillRef idx="1">
+                <a:schemeClr val="lt1"/>
+              </a:fillRef>
+              <a:effectRef idx="0">
+                <a:schemeClr val="accent1"/>
+              </a:effectRef>
+              <a:fontRef idx="minor">
+                <a:schemeClr val="dk1"/>
+              </a:fontRef>
+            </p:style>
+            <p:txBody>
+              <a:bodyPr rtlCol="0" anchor="ctr"/>
+              <a:p>
+                <a:pPr algn="ctr"/>
+                <a:r>
+                  <a:rPr lang="en-US" altLang="zh-CN"/>
+                  <a:t>2</a:t>
+                </a:r>
+                <a:endParaRPr lang="en-US" altLang="zh-CN"/>
+              </a:p>
+            </p:txBody>
+          </p:sp>
+          <p:sp>
+            <p:nvSpPr>
+              <p:cNvPr id="31" name="椭圆 30"/>
+              <p:cNvSpPr/>
+              <p:nvPr/>
+            </p:nvSpPr>
+            <p:spPr>
+              <a:xfrm>
+                <a:off x="6031" y="5513"/>
+                <a:ext cx="687" cy="709"/>
+              </a:xfrm>
+              <a:prstGeom prst="ellipse">
+                <a:avLst/>
+              </a:prstGeom>
+              <a:ln w="28575"/>
+            </p:spPr>
+            <p:style>
+              <a:lnRef idx="2">
+                <a:schemeClr val="accent1"/>
+              </a:lnRef>
+              <a:fillRef idx="1">
+                <a:schemeClr val="lt1"/>
+              </a:fillRef>
+              <a:effectRef idx="0">
+                <a:schemeClr val="accent1"/>
+              </a:effectRef>
+              <a:fontRef idx="minor">
+                <a:schemeClr val="dk1"/>
+              </a:fontRef>
+            </p:style>
+            <p:txBody>
+              <a:bodyPr rtlCol="0" anchor="ctr"/>
+              <a:p>
+                <a:pPr algn="ctr"/>
+                <a:r>
+                  <a:rPr lang="en-US" altLang="zh-CN"/>
+                  <a:t>3</a:t>
+                </a:r>
+                <a:endParaRPr lang="en-US" altLang="zh-CN"/>
+              </a:p>
+            </p:txBody>
+          </p:sp>
+          <p:sp>
+            <p:nvSpPr>
+              <p:cNvPr id="32" name="椭圆 31"/>
+              <p:cNvSpPr/>
+              <p:nvPr/>
+            </p:nvSpPr>
+            <p:spPr>
+              <a:xfrm>
+                <a:off x="8308" y="4104"/>
+                <a:ext cx="687" cy="709"/>
+              </a:xfrm>
+              <a:prstGeom prst="ellipse">
+                <a:avLst/>
+              </a:prstGeom>
+              <a:ln w="28575"/>
+            </p:spPr>
+            <p:style>
+              <a:lnRef idx="2">
+                <a:schemeClr val="accent1"/>
+              </a:lnRef>
+              <a:fillRef idx="1">
+                <a:schemeClr val="lt1"/>
+              </a:fillRef>
+              <a:effectRef idx="0">
+                <a:schemeClr val="accent1"/>
+              </a:effectRef>
+              <a:fontRef idx="minor">
+                <a:schemeClr val="dk1"/>
+              </a:fontRef>
+            </p:style>
+            <p:txBody>
+              <a:bodyPr rtlCol="0" anchor="ctr"/>
+              <a:p>
+                <a:pPr algn="ctr"/>
+                <a:r>
+                  <a:rPr lang="en-US" altLang="zh-CN"/>
+                  <a:t>7</a:t>
+                </a:r>
+                <a:endParaRPr lang="en-US" altLang="zh-CN"/>
+              </a:p>
+            </p:txBody>
+          </p:sp>
+          <p:sp>
+            <p:nvSpPr>
+              <p:cNvPr id="33" name="椭圆 32"/>
+              <p:cNvSpPr/>
+              <p:nvPr/>
+            </p:nvSpPr>
+            <p:spPr>
+              <a:xfrm>
+                <a:off x="9904" y="4104"/>
+                <a:ext cx="687" cy="709"/>
+              </a:xfrm>
+              <a:prstGeom prst="ellipse">
+                <a:avLst/>
+              </a:prstGeom>
+              <a:ln w="28575"/>
+            </p:spPr>
+            <p:style>
+              <a:lnRef idx="2">
+                <a:schemeClr val="accent1"/>
+              </a:lnRef>
+              <a:fillRef idx="1">
+                <a:schemeClr val="lt1"/>
+              </a:fillRef>
+              <a:effectRef idx="0">
+                <a:schemeClr val="accent1"/>
+              </a:effectRef>
+              <a:fontRef idx="minor">
+                <a:schemeClr val="dk1"/>
+              </a:fontRef>
+            </p:style>
+            <p:txBody>
+              <a:bodyPr rtlCol="0" anchor="ctr"/>
+              <a:p>
+                <a:pPr algn="ctr"/>
+                <a:r>
+                  <a:rPr lang="en-US" altLang="zh-CN"/>
+                  <a:t>9</a:t>
+                </a:r>
+                <a:endParaRPr lang="en-US" altLang="zh-CN"/>
+              </a:p>
+            </p:txBody>
+          </p:sp>
+          <p:sp>
+            <p:nvSpPr>
+              <p:cNvPr id="34" name="椭圆 33"/>
+              <p:cNvSpPr/>
+              <p:nvPr/>
+            </p:nvSpPr>
+            <p:spPr>
+              <a:xfrm>
+                <a:off x="4027" y="5513"/>
+                <a:ext cx="687" cy="709"/>
+              </a:xfrm>
+              <a:prstGeom prst="ellipse">
+                <a:avLst/>
+              </a:prstGeom>
+              <a:ln w="28575"/>
+            </p:spPr>
+            <p:style>
+              <a:lnRef idx="2">
+                <a:schemeClr val="accent1"/>
+              </a:lnRef>
+              <a:fillRef idx="1">
+                <a:schemeClr val="lt1"/>
+              </a:fillRef>
+              <a:effectRef idx="0">
+                <a:schemeClr val="accent1"/>
+              </a:effectRef>
+              <a:fontRef idx="minor">
+                <a:schemeClr val="dk1"/>
+              </a:fontRef>
+            </p:style>
+            <p:txBody>
+              <a:bodyPr rtlCol="0" anchor="ctr"/>
+              <a:p>
+                <a:pPr algn="ctr"/>
+                <a:r>
+                  <a:rPr lang="en-US" altLang="zh-CN"/>
+                  <a:t>1</a:t>
+                </a:r>
+                <a:endParaRPr lang="en-US" altLang="zh-CN"/>
+              </a:p>
+            </p:txBody>
+          </p:sp>
+          <p:sp>
+            <p:nvSpPr>
+              <p:cNvPr id="35" name="椭圆 34"/>
+              <p:cNvSpPr/>
+              <p:nvPr/>
+            </p:nvSpPr>
+            <p:spPr>
+              <a:xfrm>
+                <a:off x="10863" y="5385"/>
+                <a:ext cx="858" cy="837"/>
+              </a:xfrm>
+              <a:prstGeom prst="ellipse">
+                <a:avLst/>
+              </a:prstGeom>
+              <a:ln w="28575"/>
+            </p:spPr>
+            <p:style>
+              <a:lnRef idx="2">
+                <a:schemeClr val="accent1"/>
+              </a:lnRef>
+              <a:fillRef idx="1">
+                <a:schemeClr val="lt1"/>
+              </a:fillRef>
+              <a:effectRef idx="0">
+                <a:schemeClr val="accent1"/>
+              </a:effectRef>
+              <a:fontRef idx="minor">
+                <a:schemeClr val="dk1"/>
+              </a:fontRef>
+            </p:style>
+            <p:txBody>
+              <a:bodyPr rtlCol="0" anchor="ctr"/>
+              <a:p>
+                <a:pPr algn="ctr"/>
+                <a:r>
+                  <a:rPr lang="en-US" altLang="zh-CN" sz="1400"/>
+                  <a:t>10</a:t>
+                </a:r>
+                <a:endParaRPr lang="en-US" altLang="zh-CN" sz="1400"/>
+              </a:p>
+            </p:txBody>
+          </p:sp>
+          <p:sp>
+            <p:nvSpPr>
+              <p:cNvPr id="36" name="椭圆 35"/>
+              <p:cNvSpPr/>
+              <p:nvPr/>
+            </p:nvSpPr>
+            <p:spPr>
+              <a:xfrm>
+                <a:off x="2978" y="7060"/>
+                <a:ext cx="687" cy="709"/>
+              </a:xfrm>
+              <a:prstGeom prst="ellipse">
+                <a:avLst/>
+              </a:prstGeom>
+              <a:ln w="28575"/>
+            </p:spPr>
+            <p:style>
+              <a:lnRef idx="2">
+                <a:schemeClr val="accent1"/>
+              </a:lnRef>
+              <a:fillRef idx="1">
+                <a:schemeClr val="lt1"/>
+              </a:fillRef>
+              <a:effectRef idx="0">
+                <a:schemeClr val="accent1"/>
+              </a:effectRef>
+              <a:fontRef idx="minor">
+                <a:schemeClr val="dk1"/>
+              </a:fontRef>
+            </p:style>
+            <p:txBody>
+              <a:bodyPr rtlCol="0" anchor="ctr"/>
+              <a:p>
+                <a:pPr algn="ctr"/>
+                <a:r>
+                  <a:rPr lang="en-US" altLang="zh-CN"/>
+                  <a:t>0</a:t>
+                </a:r>
+                <a:endParaRPr lang="en-US" altLang="zh-CN"/>
+              </a:p>
+            </p:txBody>
+          </p:sp>
+        </p:grpSp>
+        <p:cxnSp>
+          <p:nvCxnSpPr>
+            <p:cNvPr id="37" name="直接箭头连接符 36"/>
+            <p:cNvCxnSpPr>
+              <a:stCxn id="27" idx="3"/>
+              <a:endCxn id="28" idx="7"/>
+            </p:cNvCxnSpPr>
+            <p:nvPr/>
+          </p:nvCxnSpPr>
+          <p:spPr>
+            <a:xfrm flipH="1">
+              <a:off x="6831" y="2021"/>
+              <a:ext cx="826" cy="682"/>
+            </a:xfrm>
+            <a:prstGeom prst="straightConnector1">
+              <a:avLst/>
+            </a:prstGeom>
+            <a:ln w="38100">
+              <a:solidFill>
+                <a:srgbClr val="FF0000"/>
+              </a:solidFill>
+              <a:tailEnd type="arrow"/>
+            </a:ln>
+          </p:spPr>
+          <p:style>
+            <a:lnRef idx="1">
+              <a:schemeClr val="accent1"/>
+            </a:lnRef>
+            <a:fillRef idx="0">
+              <a:schemeClr val="accent1"/>
+            </a:fillRef>
+            <a:effectRef idx="0">
+              <a:schemeClr val="accent1"/>
+            </a:effectRef>
+            <a:fontRef idx="minor">
+              <a:schemeClr val="tx1"/>
+            </a:fontRef>
+          </p:style>
+        </p:cxnSp>
+        <p:cxnSp>
+          <p:nvCxnSpPr>
+            <p:cNvPr id="38" name="直接箭头连接符 37"/>
+            <p:cNvCxnSpPr>
+              <a:stCxn id="28" idx="3"/>
+              <a:endCxn id="30" idx="7"/>
+            </p:cNvCxnSpPr>
+            <p:nvPr/>
+          </p:nvCxnSpPr>
+          <p:spPr>
+            <a:xfrm flipH="1">
+              <a:off x="5745" y="3204"/>
+              <a:ext cx="601" cy="940"/>
+            </a:xfrm>
+            <a:prstGeom prst="straightConnector1">
+              <a:avLst/>
+            </a:prstGeom>
+            <a:ln w="38100">
+              <a:solidFill>
+                <a:srgbClr val="FF0000"/>
+              </a:solidFill>
+              <a:tailEnd type="arrow"/>
+            </a:ln>
+          </p:spPr>
+          <p:style>
+            <a:lnRef idx="1">
+              <a:schemeClr val="accent1"/>
+            </a:lnRef>
+            <a:fillRef idx="0">
+              <a:schemeClr val="accent1"/>
+            </a:fillRef>
+            <a:effectRef idx="0">
+              <a:schemeClr val="accent1"/>
+            </a:effectRef>
+            <a:fontRef idx="minor">
+              <a:schemeClr val="tx1"/>
+            </a:fontRef>
+          </p:style>
+        </p:cxnSp>
+        <p:cxnSp>
+          <p:nvCxnSpPr>
+            <p:cNvPr id="39" name="直接箭头连接符 38"/>
+            <p:cNvCxnSpPr>
+              <a:stCxn id="30" idx="3"/>
+              <a:endCxn id="34" idx="7"/>
+            </p:cNvCxnSpPr>
+            <p:nvPr/>
+          </p:nvCxnSpPr>
+          <p:spPr>
+            <a:xfrm flipH="1">
+              <a:off x="4677" y="4645"/>
+              <a:ext cx="583" cy="908"/>
+            </a:xfrm>
+            <a:prstGeom prst="straightConnector1">
+              <a:avLst/>
+            </a:prstGeom>
+            <a:ln w="38100">
+              <a:solidFill>
+                <a:srgbClr val="FF0000"/>
+              </a:solidFill>
+              <a:tailEnd type="arrow"/>
+            </a:ln>
+          </p:spPr>
+          <p:style>
+            <a:lnRef idx="1">
+              <a:schemeClr val="accent1"/>
+            </a:lnRef>
+            <a:fillRef idx="0">
+              <a:schemeClr val="accent1"/>
+            </a:fillRef>
+            <a:effectRef idx="0">
+              <a:schemeClr val="accent1"/>
+            </a:effectRef>
+            <a:fontRef idx="minor">
+              <a:schemeClr val="tx1"/>
+            </a:fontRef>
+          </p:style>
+        </p:cxnSp>
+        <p:cxnSp>
+          <p:nvCxnSpPr>
+            <p:cNvPr id="40" name="直接箭头连接符 39"/>
+            <p:cNvCxnSpPr>
+              <a:stCxn id="34" idx="3"/>
+              <a:endCxn id="36" idx="7"/>
+            </p:cNvCxnSpPr>
+            <p:nvPr/>
+          </p:nvCxnSpPr>
+          <p:spPr>
+            <a:xfrm flipH="1">
+              <a:off x="3628" y="6054"/>
+              <a:ext cx="564" cy="1046"/>
+            </a:xfrm>
+            <a:prstGeom prst="straightConnector1">
+              <a:avLst/>
+            </a:prstGeom>
+            <a:ln w="38100">
+              <a:solidFill>
+                <a:srgbClr val="FF0000"/>
+              </a:solidFill>
+              <a:tailEnd type="arrow"/>
+            </a:ln>
+          </p:spPr>
+          <p:style>
+            <a:lnRef idx="1">
+              <a:schemeClr val="accent1"/>
+            </a:lnRef>
+            <a:fillRef idx="0">
+              <a:schemeClr val="accent1"/>
+            </a:fillRef>
+            <a:effectRef idx="0">
+              <a:schemeClr val="accent1"/>
+            </a:effectRef>
+            <a:fontRef idx="minor">
+              <a:schemeClr val="tx1"/>
+            </a:fontRef>
+          </p:style>
+        </p:cxnSp>
+        <p:cxnSp>
+          <p:nvCxnSpPr>
+            <p:cNvPr id="41" name="直接箭头连接符 40"/>
+            <p:cNvCxnSpPr>
+              <a:stCxn id="30" idx="5"/>
+              <a:endCxn id="31" idx="0"/>
+            </p:cNvCxnSpPr>
+            <p:nvPr/>
+          </p:nvCxnSpPr>
+          <p:spPr>
+            <a:xfrm>
+              <a:off x="5745" y="4645"/>
+              <a:ext cx="694" cy="804"/>
+            </a:xfrm>
+            <a:prstGeom prst="straightConnector1">
+              <a:avLst/>
+            </a:prstGeom>
+            <a:ln w="38100">
+              <a:solidFill>
+                <a:srgbClr val="FF0000"/>
+              </a:solidFill>
+              <a:tailEnd type="arrow"/>
+            </a:ln>
+          </p:spPr>
+          <p:style>
+            <a:lnRef idx="1">
+              <a:schemeClr val="accent1"/>
+            </a:lnRef>
+            <a:fillRef idx="0">
+              <a:schemeClr val="accent1"/>
+            </a:fillRef>
+            <a:effectRef idx="0">
+              <a:schemeClr val="accent1"/>
+            </a:effectRef>
+            <a:fontRef idx="minor">
+              <a:schemeClr val="tx1"/>
+            </a:fontRef>
+          </p:style>
+        </p:cxnSp>
+        <p:cxnSp>
+          <p:nvCxnSpPr>
+            <p:cNvPr id="42" name="直接箭头连接符 41"/>
+            <p:cNvCxnSpPr>
+              <a:stCxn id="29" idx="5"/>
+              <a:endCxn id="33" idx="0"/>
+            </p:cNvCxnSpPr>
+            <p:nvPr/>
+          </p:nvCxnSpPr>
+          <p:spPr>
+            <a:xfrm>
+              <a:off x="9645" y="3204"/>
+              <a:ext cx="667" cy="836"/>
+            </a:xfrm>
+            <a:prstGeom prst="straightConnector1">
+              <a:avLst/>
+            </a:prstGeom>
+            <a:ln w="38100">
+              <a:solidFill>
+                <a:srgbClr val="FF0000"/>
+              </a:solidFill>
+              <a:tailEnd type="arrow"/>
+            </a:ln>
+          </p:spPr>
+          <p:style>
+            <a:lnRef idx="1">
+              <a:schemeClr val="accent1"/>
+            </a:lnRef>
+            <a:fillRef idx="0">
+              <a:schemeClr val="accent1"/>
+            </a:fillRef>
+            <a:effectRef idx="0">
+              <a:schemeClr val="accent1"/>
+            </a:effectRef>
+            <a:fontRef idx="minor">
+              <a:schemeClr val="tx1"/>
+            </a:fontRef>
+          </p:style>
+        </p:cxnSp>
+        <p:cxnSp>
+          <p:nvCxnSpPr>
+            <p:cNvPr id="43" name="直接箭头连接符 42"/>
+            <p:cNvCxnSpPr>
+              <a:stCxn id="29" idx="3"/>
+              <a:endCxn id="32" idx="0"/>
+            </p:cNvCxnSpPr>
+            <p:nvPr/>
+          </p:nvCxnSpPr>
+          <p:spPr>
+            <a:xfrm flipH="1">
+              <a:off x="8716" y="3204"/>
+              <a:ext cx="444" cy="836"/>
+            </a:xfrm>
+            <a:prstGeom prst="straightConnector1">
+              <a:avLst/>
+            </a:prstGeom>
+            <a:ln w="38100">
+              <a:solidFill>
+                <a:srgbClr val="FF0000"/>
+              </a:solidFill>
+              <a:tailEnd type="arrow"/>
+            </a:ln>
+          </p:spPr>
+          <p:style>
+            <a:lnRef idx="1">
+              <a:schemeClr val="accent1"/>
+            </a:lnRef>
+            <a:fillRef idx="0">
+              <a:schemeClr val="accent1"/>
+            </a:fillRef>
+            <a:effectRef idx="0">
+              <a:schemeClr val="accent1"/>
+            </a:effectRef>
+            <a:fontRef idx="minor">
+              <a:schemeClr val="tx1"/>
+            </a:fontRef>
+          </p:style>
+        </p:cxnSp>
+        <p:cxnSp>
+          <p:nvCxnSpPr>
+            <p:cNvPr id="44" name="直接箭头连接符 43"/>
+            <p:cNvCxnSpPr>
+              <a:stCxn id="33" idx="5"/>
+              <a:endCxn id="35" idx="1"/>
+            </p:cNvCxnSpPr>
+            <p:nvPr/>
+          </p:nvCxnSpPr>
+          <p:spPr>
+            <a:xfrm>
+              <a:off x="10554" y="4645"/>
+              <a:ext cx="499" cy="799"/>
+            </a:xfrm>
+            <a:prstGeom prst="straightConnector1">
+              <a:avLst/>
+            </a:prstGeom>
+            <a:ln w="38100">
+              <a:solidFill>
+                <a:srgbClr val="FF0000"/>
+              </a:solidFill>
+              <a:tailEnd type="arrow"/>
+            </a:ln>
+          </p:spPr>
+          <p:style>
+            <a:lnRef idx="1">
+              <a:schemeClr val="accent1"/>
+            </a:lnRef>
+            <a:fillRef idx="0">
+              <a:schemeClr val="accent1"/>
+            </a:fillRef>
+            <a:effectRef idx="0">
+              <a:schemeClr val="accent1"/>
+            </a:effectRef>
+            <a:fontRef idx="minor">
+              <a:schemeClr val="tx1"/>
+            </a:fontRef>
+          </p:style>
+        </p:cxnSp>
+        <p:cxnSp>
+          <p:nvCxnSpPr>
+            <p:cNvPr id="45" name="直接箭头连接符 44"/>
+            <p:cNvCxnSpPr>
+              <a:stCxn id="27" idx="5"/>
+              <a:endCxn id="29" idx="1"/>
+            </p:cNvCxnSpPr>
+            <p:nvPr/>
+          </p:nvCxnSpPr>
+          <p:spPr>
+            <a:xfrm>
+              <a:off x="8142" y="2021"/>
+              <a:ext cx="1018" cy="682"/>
+            </a:xfrm>
+            <a:prstGeom prst="straightConnector1">
+              <a:avLst/>
+            </a:prstGeom>
+            <a:ln w="38100">
+              <a:solidFill>
+                <a:srgbClr val="FF0000"/>
+              </a:solidFill>
+              <a:tailEnd type="arrow"/>
+            </a:ln>
+          </p:spPr>
+          <p:style>
+            <a:lnRef idx="1">
+              <a:schemeClr val="accent1"/>
+            </a:lnRef>
+            <a:fillRef idx="0">
+              <a:schemeClr val="accent1"/>
+            </a:fillRef>
+            <a:effectRef idx="0">
+              <a:schemeClr val="accent1"/>
+            </a:effectRef>
+            <a:fontRef idx="minor">
+              <a:schemeClr val="tx1"/>
+            </a:fontRef>
+          </p:style>
+        </p:cxnSp>
+      </p:grpSp>
+    </p:spTree>
+  </p:cSld>
+  <p:clrMapOvr>
+    <a:masterClrMapping/>
+  </p:clrMapOvr>
+</p:sld>
+</file>
+
+<file path=ppt/slides/slide9.xml><?xml version="1.0" encoding="utf-8"?>
+<p:sld xmlns:a="http://schemas.openxmlformats.org/drawingml/2006/main" xmlns:r="http://schemas.openxmlformats.org/officeDocument/2006/relationships" xmlns:p="http://schemas.openxmlformats.org/presentationml/2006/main">
+  <p:cSld>
+    <p:spTree>
+      <p:nvGrpSpPr>
+        <p:cNvPr id="1" name=""/>
+        <p:cNvGrpSpPr/>
+        <p:nvPr/>
+      </p:nvGrpSpPr>
+      <p:grpSpPr/>
+      <p:sp>
+        <p:nvSpPr>
+          <p:cNvPr id="2" name="标题 1"/>
+          <p:cNvSpPr>
+            <a:spLocks noGrp="1"/>
+          </p:cNvSpPr>
+          <p:nvPr>
+            <p:ph type="title"/>
+          </p:nvPr>
+        </p:nvSpPr>
+        <p:spPr>
+          <a:xfrm>
+            <a:off x="837565" y="365125"/>
+            <a:ext cx="10515600" cy="1325563"/>
+          </a:xfrm>
+        </p:spPr>
+        <p:txBody>
+          <a:bodyPr/>
+          <a:p>
+            <a:r>
+              <a:rPr lang="zh-CN" altLang="zh-CN">
+                <a:sym typeface="+mn-ea"/>
+              </a:rPr>
+              <a:t>非递归</a:t>
+            </a:r>
+            <a:r>
+              <a:rPr lang="zh-CN" altLang="zh-CN">
+                <a:sym typeface="+mn-ea"/>
+              </a:rPr>
+              <a:t>前序遍历</a:t>
+            </a:r>
+            <a:r>
+              <a:rPr lang="en-US" altLang="zh-CN">
+                <a:sym typeface="+mn-ea"/>
+              </a:rPr>
+              <a:t>: 6-4-2-1-0-3-8-7-9-10</a:t>
+            </a:r>
+            <a:endParaRPr lang="en-US" altLang="zh-CN"/>
+          </a:p>
+        </p:txBody>
+      </p:sp>
+      <p:grpSp>
+        <p:nvGrpSpPr>
+          <p:cNvPr id="98" name="组合 97"/>
+          <p:cNvGrpSpPr/>
+          <p:nvPr/>
+        </p:nvGrpSpPr>
+        <p:grpSpPr>
+          <a:xfrm>
+            <a:off x="175895" y="1691005"/>
+            <a:ext cx="1206500" cy="2132965"/>
+            <a:chOff x="277" y="2663"/>
+            <a:chExt cx="1900" cy="3359"/>
+          </a:xfrm>
+        </p:grpSpPr>
+        <p:sp>
+          <p:nvSpPr>
+            <p:cNvPr id="77" name="文本框 76"/>
+            <p:cNvSpPr txBox="1"/>
+            <p:nvPr/>
+          </p:nvSpPr>
+          <p:spPr>
+            <a:xfrm>
+              <a:off x="277" y="5539"/>
+              <a:ext cx="1740" cy="483"/>
+            </a:xfrm>
+            <a:prstGeom prst="rect">
+              <a:avLst/>
+            </a:prstGeom>
+            <a:noFill/>
+          </p:spPr>
+          <p:txBody>
+            <a:bodyPr wrap="square" rtlCol="0">
+              <a:spAutoFit/>
+            </a:bodyPr>
+            <a:p>
+              <a:r>
+                <a:rPr lang="en-US" altLang="zh-CN" sz="1400"/>
+                <a:t>6</a:t>
+              </a:r>
+              <a:endParaRPr lang="en-US" altLang="zh-CN" sz="1400"/>
+            </a:p>
+          </p:txBody>
+        </p:sp>
+        <p:grpSp>
+          <p:nvGrpSpPr>
+            <p:cNvPr id="79" name="组合 78"/>
+            <p:cNvGrpSpPr/>
+            <p:nvPr/>
+          </p:nvGrpSpPr>
+          <p:grpSpPr>
+            <a:xfrm>
+              <a:off x="445" y="2663"/>
+              <a:ext cx="1732" cy="2791"/>
+              <a:chOff x="445" y="2663"/>
+              <a:chExt cx="1732" cy="2791"/>
+            </a:xfrm>
+          </p:grpSpPr>
+          <p:grpSp>
+            <p:nvGrpSpPr>
+              <p:cNvPr id="76" name="组合 75"/>
+              <p:cNvGrpSpPr/>
+              <p:nvPr/>
+            </p:nvGrpSpPr>
+            <p:grpSpPr>
+              <a:xfrm>
+                <a:off x="445" y="2663"/>
+                <a:ext cx="1260" cy="2791"/>
+                <a:chOff x="445" y="2663"/>
+                <a:chExt cx="1260" cy="2791"/>
+              </a:xfrm>
+            </p:grpSpPr>
+            <p:grpSp>
+              <p:nvGrpSpPr>
+                <p:cNvPr id="6" name="组合 5"/>
+                <p:cNvGrpSpPr/>
+                <p:nvPr/>
+              </p:nvGrpSpPr>
+              <p:grpSpPr>
+                <a:xfrm>
+                  <a:off x="481" y="2663"/>
+                  <a:ext cx="1180" cy="2684"/>
+                  <a:chOff x="1147" y="2683"/>
+                  <a:chExt cx="1180" cy="2684"/>
+                </a:xfrm>
+              </p:grpSpPr>
+              <p:cxnSp>
+                <p:nvCxnSpPr>
+                  <p:cNvPr id="3" name="直接连接符 2"/>
+                  <p:cNvCxnSpPr/>
+                  <p:nvPr/>
+                </p:nvCxnSpPr>
+                <p:spPr>
+                  <a:xfrm>
+                    <a:off x="1147" y="2683"/>
+                    <a:ext cx="0" cy="2684"/>
+                  </a:xfrm>
+                  <a:prstGeom prst="line">
+                    <a:avLst/>
+                  </a:prstGeom>
+                </p:spPr>
+                <p:style>
+                  <a:lnRef idx="1">
+                    <a:schemeClr val="accent1"/>
+                  </a:lnRef>
+                  <a:fillRef idx="0">
+                    <a:schemeClr val="accent1"/>
+                  </a:fillRef>
+                  <a:effectRef idx="0">
+                    <a:schemeClr val="accent1"/>
+                  </a:effectRef>
+                  <a:fontRef idx="minor">
+                    <a:schemeClr val="tx1"/>
+                  </a:fontRef>
+                </p:style>
+              </p:cxnSp>
+              <p:cxnSp>
+                <p:nvCxnSpPr>
+                  <p:cNvPr id="4" name="直接连接符 3"/>
+                  <p:cNvCxnSpPr/>
+                  <p:nvPr/>
+                </p:nvCxnSpPr>
+                <p:spPr>
+                  <a:xfrm>
+                    <a:off x="2313" y="2683"/>
+                    <a:ext cx="0" cy="2684"/>
+                  </a:xfrm>
+                  <a:prstGeom prst="line">
+                    <a:avLst/>
+                  </a:prstGeom>
+                </p:spPr>
+                <p:style>
+                  <a:lnRef idx="1">
+                    <a:schemeClr val="accent1"/>
+                  </a:lnRef>
+                  <a:fillRef idx="0">
+                    <a:schemeClr val="accent1"/>
+                  </a:fillRef>
+                  <a:effectRef idx="0">
+                    <a:schemeClr val="accent1"/>
+                  </a:effectRef>
+                  <a:fontRef idx="minor">
+                    <a:schemeClr val="tx1"/>
+                  </a:fontRef>
+                </p:style>
+              </p:cxnSp>
+              <p:cxnSp>
+                <p:nvCxnSpPr>
+                  <p:cNvPr id="5" name="直接连接符 4"/>
+                  <p:cNvCxnSpPr/>
+                  <p:nvPr/>
+                </p:nvCxnSpPr>
+                <p:spPr>
+                  <a:xfrm>
+                    <a:off x="1169" y="5345"/>
+                    <a:ext cx="1159" cy="0"/>
+                  </a:xfrm>
+                  <a:prstGeom prst="line">
+                    <a:avLst/>
+                  </a:prstGeom>
+                </p:spPr>
+                <p:style>
+                  <a:lnRef idx="1">
+                    <a:schemeClr val="accent1"/>
+                  </a:lnRef>
+                  <a:fillRef idx="0">
+                    <a:schemeClr val="accent1"/>
+                  </a:fillRef>
+                  <a:effectRef idx="0">
+                    <a:schemeClr val="accent1"/>
+                  </a:effectRef>
+                  <a:fontRef idx="minor">
+                    <a:schemeClr val="tx1"/>
+                  </a:fontRef>
+                </p:style>
+              </p:cxnSp>
+            </p:grpSp>
+            <p:cxnSp>
+              <p:nvCxnSpPr>
+                <p:cNvPr id="49" name="直接连接符 48"/>
+                <p:cNvCxnSpPr/>
+                <p:nvPr/>
+              </p:nvCxnSpPr>
+              <p:spPr>
+                <a:xfrm>
+                  <a:off x="471" y="4873"/>
+                  <a:ext cx="1202" cy="0"/>
+                </a:xfrm>
+                <a:prstGeom prst="line">
+                  <a:avLst/>
+                </a:prstGeom>
+              </p:spPr>
+              <p:style>
+                <a:lnRef idx="1">
+                  <a:schemeClr val="accent1"/>
+                </a:lnRef>
+                <a:fillRef idx="0">
+                  <a:schemeClr val="accent1"/>
+                </a:fillRef>
+                <a:effectRef idx="0">
+                  <a:schemeClr val="accent1"/>
+                </a:effectRef>
+                <a:fontRef idx="minor">
+                  <a:schemeClr val="tx1"/>
+                </a:fontRef>
+              </p:style>
+            </p:cxnSp>
+            <p:cxnSp>
+              <p:nvCxnSpPr>
+                <p:cNvPr id="71" name="直接连接符 70"/>
+                <p:cNvCxnSpPr/>
+                <p:nvPr/>
+              </p:nvCxnSpPr>
+              <p:spPr>
+                <a:xfrm>
+                  <a:off x="503" y="4360"/>
+                  <a:ext cx="1202" cy="0"/>
+                </a:xfrm>
+                <a:prstGeom prst="line">
+                  <a:avLst/>
+                </a:prstGeom>
+              </p:spPr>
+              <p:style>
+                <a:lnRef idx="1">
+                  <a:schemeClr val="accent1"/>
+                </a:lnRef>
+                <a:fillRef idx="0">
+                  <a:schemeClr val="accent1"/>
+                </a:fillRef>
+                <a:effectRef idx="0">
+                  <a:schemeClr val="accent1"/>
+                </a:effectRef>
+                <a:fontRef idx="minor">
+                  <a:schemeClr val="tx1"/>
+                </a:fontRef>
+              </p:style>
+            </p:cxnSp>
+            <p:cxnSp>
+              <p:nvCxnSpPr>
+                <p:cNvPr id="72" name="直接连接符 71"/>
+                <p:cNvCxnSpPr/>
+                <p:nvPr/>
+              </p:nvCxnSpPr>
+              <p:spPr>
+                <a:xfrm>
+                  <a:off x="503" y="3849"/>
+                  <a:ext cx="1202" cy="0"/>
+                </a:xfrm>
+                <a:prstGeom prst="line">
+                  <a:avLst/>
+                </a:prstGeom>
+              </p:spPr>
+              <p:style>
+                <a:lnRef idx="1">
+                  <a:schemeClr val="accent1"/>
+                </a:lnRef>
+                <a:fillRef idx="0">
+                  <a:schemeClr val="accent1"/>
+                </a:fillRef>
+                <a:effectRef idx="0">
+                  <a:schemeClr val="accent1"/>
+                </a:effectRef>
+                <a:fontRef idx="minor">
+                  <a:schemeClr val="tx1"/>
+                </a:fontRef>
+              </p:style>
+            </p:cxnSp>
+            <p:cxnSp>
+              <p:nvCxnSpPr>
+                <p:cNvPr id="73" name="直接连接符 72"/>
+                <p:cNvCxnSpPr/>
+                <p:nvPr/>
+              </p:nvCxnSpPr>
+              <p:spPr>
+                <a:xfrm>
+                  <a:off x="445" y="3441"/>
+                  <a:ext cx="1202" cy="0"/>
+                </a:xfrm>
+                <a:prstGeom prst="line">
+                  <a:avLst/>
+                </a:prstGeom>
+              </p:spPr>
+              <p:style>
+                <a:lnRef idx="1">
+                  <a:schemeClr val="accent1"/>
+                </a:lnRef>
+                <a:fillRef idx="0">
+                  <a:schemeClr val="accent1"/>
+                </a:fillRef>
+                <a:effectRef idx="0">
+                  <a:schemeClr val="accent1"/>
+                </a:effectRef>
+                <a:fontRef idx="minor">
+                  <a:schemeClr val="tx1"/>
+                </a:fontRef>
+              </p:style>
+            </p:cxnSp>
+            <p:cxnSp>
+              <p:nvCxnSpPr>
+                <p:cNvPr id="74" name="直接连接符 73"/>
+                <p:cNvCxnSpPr/>
+                <p:nvPr/>
+              </p:nvCxnSpPr>
+              <p:spPr>
+                <a:xfrm>
+                  <a:off x="460" y="3052"/>
+                  <a:ext cx="1202" cy="0"/>
+                </a:xfrm>
+                <a:prstGeom prst="line">
+                  <a:avLst/>
+                </a:prstGeom>
+              </p:spPr>
+              <p:style>
+                <a:lnRef idx="1">
+                  <a:schemeClr val="accent1"/>
+                </a:lnRef>
+                <a:fillRef idx="0">
+                  <a:schemeClr val="accent1"/>
+                </a:fillRef>
+                <a:effectRef idx="0">
+                  <a:schemeClr val="accent1"/>
+                </a:effectRef>
+                <a:fontRef idx="minor">
+                  <a:schemeClr val="tx1"/>
+                </a:fontRef>
+              </p:style>
+            </p:cxnSp>
+            <p:sp>
+              <p:nvSpPr>
+                <p:cNvPr id="75" name="文本框 74"/>
+                <p:cNvSpPr txBox="1"/>
+                <p:nvPr/>
+              </p:nvSpPr>
+              <p:spPr>
+                <a:xfrm>
+                  <a:off x="514" y="4874"/>
+                  <a:ext cx="805" cy="580"/>
+                </a:xfrm>
+                <a:prstGeom prst="rect">
+                  <a:avLst/>
+                </a:prstGeom>
+                <a:noFill/>
+              </p:spPr>
+              <p:txBody>
+                <a:bodyPr wrap="square" rtlCol="0">
+                  <a:spAutoFit/>
+                </a:bodyPr>
+                <a:p>
+                  <a:r>
+                    <a:rPr lang="en-US" altLang="zh-CN"/>
+                    <a:t>6</a:t>
+                  </a:r>
+                  <a:endParaRPr lang="en-US" altLang="zh-CN"/>
+                </a:p>
+              </p:txBody>
+            </p:sp>
+          </p:grpSp>
+          <p:sp>
+            <p:nvSpPr>
+              <p:cNvPr id="78" name="右箭头 77"/>
+              <p:cNvSpPr/>
+              <p:nvPr/>
+            </p:nvSpPr>
+            <p:spPr>
+              <a:xfrm>
+                <a:off x="1705" y="3705"/>
+                <a:ext cx="472" cy="601"/>
+              </a:xfrm>
+              <a:prstGeom prst="rightArrow">
+                <a:avLst/>
+              </a:prstGeom>
+            </p:spPr>
+            <p:style>
+              <a:lnRef idx="2">
+                <a:schemeClr val="accent1">
+                  <a:shade val="50000"/>
+                </a:schemeClr>
+              </a:lnRef>
+              <a:fillRef idx="1">
+                <a:schemeClr val="accent1"/>
+              </a:fillRef>
+              <a:effectRef idx="0">
+                <a:schemeClr val="accent1"/>
+              </a:effectRef>
+              <a:fontRef idx="minor">
+                <a:schemeClr val="lt1"/>
+              </a:fontRef>
+            </p:style>
+            <p:txBody>
+              <a:bodyPr rtlCol="0" anchor="ctr"/>
+              <a:p>
+                <a:pPr algn="ctr"/>
+                <a:endParaRPr lang="zh-CN" altLang="en-US"/>
+              </a:p>
+            </p:txBody>
+          </p:sp>
+        </p:grpSp>
+        <p:sp>
+          <p:nvSpPr>
+            <p:cNvPr id="94" name="文本框 93"/>
+            <p:cNvSpPr txBox="1"/>
+            <p:nvPr/>
+          </p:nvSpPr>
+          <p:spPr>
+            <a:xfrm>
+              <a:off x="481" y="4336"/>
+              <a:ext cx="805" cy="580"/>
+            </a:xfrm>
+            <a:prstGeom prst="rect">
+              <a:avLst/>
+            </a:prstGeom>
+            <a:noFill/>
+          </p:spPr>
+          <p:txBody>
+            <a:bodyPr wrap="square" rtlCol="0">
+              <a:spAutoFit/>
+            </a:bodyPr>
+            <a:p>
+              <a:endParaRPr lang="en-US" altLang="zh-CN"/>
+            </a:p>
+          </p:txBody>
+        </p:sp>
+        <p:sp>
+          <p:nvSpPr>
+            <p:cNvPr id="95" name="文本框 94"/>
+            <p:cNvSpPr txBox="1"/>
+            <p:nvPr/>
+          </p:nvSpPr>
+          <p:spPr>
+            <a:xfrm>
+              <a:off x="514" y="3849"/>
+              <a:ext cx="805" cy="580"/>
+            </a:xfrm>
+            <a:prstGeom prst="rect">
+              <a:avLst/>
+            </a:prstGeom>
+            <a:noFill/>
+          </p:spPr>
+          <p:txBody>
+            <a:bodyPr wrap="square" rtlCol="0">
+              <a:spAutoFit/>
+            </a:bodyPr>
+            <a:p>
+              <a:endParaRPr lang="en-US" altLang="zh-CN"/>
+            </a:p>
+          </p:txBody>
+        </p:sp>
+        <p:sp>
+          <p:nvSpPr>
+            <p:cNvPr id="96" name="文本框 95"/>
+            <p:cNvSpPr txBox="1"/>
+            <p:nvPr/>
+          </p:nvSpPr>
+          <p:spPr>
+            <a:xfrm>
+              <a:off x="471" y="3353"/>
+              <a:ext cx="805" cy="580"/>
+            </a:xfrm>
+            <a:prstGeom prst="rect">
+              <a:avLst/>
+            </a:prstGeom>
+            <a:noFill/>
+          </p:spPr>
+          <p:txBody>
+            <a:bodyPr wrap="square" rtlCol="0">
+              <a:spAutoFit/>
+            </a:bodyPr>
+            <a:p>
+              <a:endParaRPr lang="en-US" altLang="zh-CN"/>
+            </a:p>
+          </p:txBody>
+        </p:sp>
+        <p:sp>
+          <p:nvSpPr>
+            <p:cNvPr id="97" name="文本框 96"/>
+            <p:cNvSpPr txBox="1"/>
+            <p:nvPr/>
+          </p:nvSpPr>
+          <p:spPr>
+            <a:xfrm>
+              <a:off x="503" y="2949"/>
+              <a:ext cx="805" cy="580"/>
+            </a:xfrm>
+            <a:prstGeom prst="rect">
+              <a:avLst/>
+            </a:prstGeom>
+            <a:noFill/>
+          </p:spPr>
+          <p:txBody>
+            <a:bodyPr wrap="square" rtlCol="0">
+              <a:spAutoFit/>
+            </a:bodyPr>
+            <a:p>
+              <a:endParaRPr lang="en-US" altLang="zh-CN"/>
+            </a:p>
+          </p:txBody>
+        </p:sp>
+      </p:grpSp>
+      <p:grpSp>
+        <p:nvGrpSpPr>
+          <p:cNvPr id="99" name="组合 98"/>
+          <p:cNvGrpSpPr/>
+          <p:nvPr/>
+        </p:nvGrpSpPr>
+        <p:grpSpPr>
+          <a:xfrm>
+            <a:off x="1358265" y="1691005"/>
+            <a:ext cx="1206500" cy="2132965"/>
+            <a:chOff x="277" y="2663"/>
+            <a:chExt cx="1900" cy="3359"/>
+          </a:xfrm>
+        </p:grpSpPr>
+        <p:sp>
+          <p:nvSpPr>
+            <p:cNvPr id="100" name="文本框 99"/>
+            <p:cNvSpPr txBox="1"/>
+            <p:nvPr/>
+          </p:nvSpPr>
+          <p:spPr>
+            <a:xfrm>
+              <a:off x="277" y="5539"/>
+              <a:ext cx="1740" cy="483"/>
+            </a:xfrm>
+            <a:prstGeom prst="rect">
+              <a:avLst/>
+            </a:prstGeom>
+            <a:noFill/>
+          </p:spPr>
+          <p:txBody>
+            <a:bodyPr wrap="square" rtlCol="0">
+              <a:spAutoFit/>
+            </a:bodyPr>
+            <a:p>
+              <a:r>
+                <a:rPr lang="en-US" altLang="zh-CN" sz="1400"/>
+                <a:t>6-4</a:t>
+              </a:r>
+              <a:endParaRPr lang="en-US" altLang="zh-CN" sz="1400"/>
+            </a:p>
+          </p:txBody>
+        </p:sp>
+        <p:grpSp>
+          <p:nvGrpSpPr>
+            <p:cNvPr id="101" name="组合 100"/>
+            <p:cNvGrpSpPr/>
+            <p:nvPr/>
+          </p:nvGrpSpPr>
+          <p:grpSpPr>
+            <a:xfrm>
+              <a:off x="445" y="2663"/>
+              <a:ext cx="1732" cy="2791"/>
+              <a:chOff x="445" y="2663"/>
+              <a:chExt cx="1732" cy="2791"/>
+            </a:xfrm>
+          </p:grpSpPr>
+          <p:grpSp>
+            <p:nvGrpSpPr>
+              <p:cNvPr id="102" name="组合 101"/>
+              <p:cNvGrpSpPr/>
+              <p:nvPr/>
+            </p:nvGrpSpPr>
+            <p:grpSpPr>
+              <a:xfrm>
+                <a:off x="445" y="2663"/>
+                <a:ext cx="1260" cy="2791"/>
+                <a:chOff x="445" y="2663"/>
+                <a:chExt cx="1260" cy="2791"/>
+              </a:xfrm>
+            </p:grpSpPr>
+            <p:grpSp>
+              <p:nvGrpSpPr>
+                <p:cNvPr id="103" name="组合 102"/>
+                <p:cNvGrpSpPr/>
+                <p:nvPr/>
+              </p:nvGrpSpPr>
+              <p:grpSpPr>
+                <a:xfrm>
+                  <a:off x="481" y="2663"/>
+                  <a:ext cx="1180" cy="2684"/>
+                  <a:chOff x="1147" y="2683"/>
+                  <a:chExt cx="1180" cy="2684"/>
+                </a:xfrm>
+              </p:grpSpPr>
+              <p:cxnSp>
+                <p:nvCxnSpPr>
+                  <p:cNvPr id="104" name="直接连接符 103"/>
+                  <p:cNvCxnSpPr/>
+                  <p:nvPr/>
+                </p:nvCxnSpPr>
+                <p:spPr>
+                  <a:xfrm>
+                    <a:off x="1147" y="2683"/>
+                    <a:ext cx="0" cy="2684"/>
+                  </a:xfrm>
+                  <a:prstGeom prst="line">
+                    <a:avLst/>
+                  </a:prstGeom>
+                </p:spPr>
+                <p:style>
+                  <a:lnRef idx="1">
+                    <a:schemeClr val="accent1"/>
+                  </a:lnRef>
+                  <a:fillRef idx="0">
+                    <a:schemeClr val="accent1"/>
+                  </a:fillRef>
+                  <a:effectRef idx="0">
+                    <a:schemeClr val="accent1"/>
+                  </a:effectRef>
+                  <a:fontRef idx="minor">
+                    <a:schemeClr val="tx1"/>
+                  </a:fontRef>
+                </p:style>
+              </p:cxnSp>
+              <p:cxnSp>
+                <p:nvCxnSpPr>
+                  <p:cNvPr id="105" name="直接连接符 104"/>
+                  <p:cNvCxnSpPr/>
+                  <p:nvPr/>
+                </p:nvCxnSpPr>
+                <p:spPr>
+                  <a:xfrm>
+                    <a:off x="2313" y="2683"/>
+                    <a:ext cx="0" cy="2684"/>
+                  </a:xfrm>
+                  <a:prstGeom prst="line">
+                    <a:avLst/>
+                  </a:prstGeom>
+                </p:spPr>
+                <p:style>
+                  <a:lnRef idx="1">
+                    <a:schemeClr val="accent1"/>
+                  </a:lnRef>
+                  <a:fillRef idx="0">
+                    <a:schemeClr val="accent1"/>
+                  </a:fillRef>
+                  <a:effectRef idx="0">
+                    <a:schemeClr val="accent1"/>
+                  </a:effectRef>
+                  <a:fontRef idx="minor">
+                    <a:schemeClr val="tx1"/>
+                  </a:fontRef>
+                </p:style>
+              </p:cxnSp>
+              <p:cxnSp>
+                <p:nvCxnSpPr>
+                  <p:cNvPr id="106" name="直接连接符 105"/>
+                  <p:cNvCxnSpPr/>
+                  <p:nvPr/>
+                </p:nvCxnSpPr>
+                <p:spPr>
+                  <a:xfrm>
+                    <a:off x="1169" y="5345"/>
+                    <a:ext cx="1159" cy="0"/>
+                  </a:xfrm>
+                  <a:prstGeom prst="line">
+                    <a:avLst/>
+                  </a:prstGeom>
+                </p:spPr>
+                <p:style>
+                  <a:lnRef idx="1">
+                    <a:schemeClr val="accent1"/>
+                  </a:lnRef>
+                  <a:fillRef idx="0">
+                    <a:schemeClr val="accent1"/>
+                  </a:fillRef>
+                  <a:effectRef idx="0">
+                    <a:schemeClr val="accent1"/>
+                  </a:effectRef>
+                  <a:fontRef idx="minor">
+                    <a:schemeClr val="tx1"/>
+                  </a:fontRef>
+                </p:style>
+              </p:cxnSp>
+            </p:grpSp>
+            <p:cxnSp>
+              <p:nvCxnSpPr>
+                <p:cNvPr id="107" name="直接连接符 106"/>
+                <p:cNvCxnSpPr/>
+                <p:nvPr/>
+              </p:nvCxnSpPr>
+              <p:spPr>
+                <a:xfrm>
+                  <a:off x="471" y="4873"/>
+                  <a:ext cx="1202" cy="0"/>
+                </a:xfrm>
+                <a:prstGeom prst="line">
+                  <a:avLst/>
+                </a:prstGeom>
+              </p:spPr>
+              <p:style>
+                <a:lnRef idx="1">
+                  <a:schemeClr val="accent1"/>
+                </a:lnRef>
+                <a:fillRef idx="0">
+                  <a:schemeClr val="accent1"/>
+                </a:fillRef>
+                <a:effectRef idx="0">
+                  <a:schemeClr val="accent1"/>
+                </a:effectRef>
+                <a:fontRef idx="minor">
+                  <a:schemeClr val="tx1"/>
+                </a:fontRef>
+              </p:style>
+            </p:cxnSp>
+            <p:cxnSp>
+              <p:nvCxnSpPr>
+                <p:cNvPr id="108" name="直接连接符 107"/>
+                <p:cNvCxnSpPr/>
+                <p:nvPr/>
+              </p:nvCxnSpPr>
+              <p:spPr>
+                <a:xfrm>
+                  <a:off x="503" y="4360"/>
+                  <a:ext cx="1202" cy="0"/>
+                </a:xfrm>
+                <a:prstGeom prst="line">
+                  <a:avLst/>
+                </a:prstGeom>
+              </p:spPr>
+              <p:style>
+                <a:lnRef idx="1">
+                  <a:schemeClr val="accent1"/>
+                </a:lnRef>
+                <a:fillRef idx="0">
+                  <a:schemeClr val="accent1"/>
+                </a:fillRef>
+                <a:effectRef idx="0">
+                  <a:schemeClr val="accent1"/>
+                </a:effectRef>
+                <a:fontRef idx="minor">
+                  <a:schemeClr val="tx1"/>
+                </a:fontRef>
+              </p:style>
+            </p:cxnSp>
+            <p:cxnSp>
+              <p:nvCxnSpPr>
+                <p:cNvPr id="109" name="直接连接符 108"/>
+                <p:cNvCxnSpPr/>
+                <p:nvPr/>
+              </p:nvCxnSpPr>
+              <p:spPr>
+                <a:xfrm>
+                  <a:off x="503" y="3849"/>
+                  <a:ext cx="1202" cy="0"/>
+                </a:xfrm>
+                <a:prstGeom prst="line">
+                  <a:avLst/>
+                </a:prstGeom>
+              </p:spPr>
+              <p:style>
+                <a:lnRef idx="1">
+                  <a:schemeClr val="accent1"/>
+                </a:lnRef>
+                <a:fillRef idx="0">
+                  <a:schemeClr val="accent1"/>
+                </a:fillRef>
+                <a:effectRef idx="0">
+                  <a:schemeClr val="accent1"/>
+                </a:effectRef>
+                <a:fontRef idx="minor">
+                  <a:schemeClr val="tx1"/>
+                </a:fontRef>
+              </p:style>
+            </p:cxnSp>
+            <p:cxnSp>
+              <p:nvCxnSpPr>
+                <p:cNvPr id="110" name="直接连接符 109"/>
+                <p:cNvCxnSpPr/>
+                <p:nvPr/>
+              </p:nvCxnSpPr>
+              <p:spPr>
+                <a:xfrm>
+                  <a:off x="445" y="3441"/>
+                  <a:ext cx="1202" cy="0"/>
+                </a:xfrm>
+                <a:prstGeom prst="line">
+                  <a:avLst/>
+                </a:prstGeom>
+              </p:spPr>
+              <p:style>
+                <a:lnRef idx="1">
+                  <a:schemeClr val="accent1"/>
+                </a:lnRef>
+                <a:fillRef idx="0">
+                  <a:schemeClr val="accent1"/>
+                </a:fillRef>
+                <a:effectRef idx="0">
+                  <a:schemeClr val="accent1"/>
+                </a:effectRef>
+                <a:fontRef idx="minor">
+                  <a:schemeClr val="tx1"/>
+                </a:fontRef>
+              </p:style>
+            </p:cxnSp>
+            <p:cxnSp>
+              <p:nvCxnSpPr>
+                <p:cNvPr id="111" name="直接连接符 110"/>
+                <p:cNvCxnSpPr/>
+                <p:nvPr/>
+              </p:nvCxnSpPr>
+              <p:spPr>
+                <a:xfrm>
+                  <a:off x="460" y="3052"/>
+                  <a:ext cx="1202" cy="0"/>
+                </a:xfrm>
+                <a:prstGeom prst="line">
+                  <a:avLst/>
+                </a:prstGeom>
+              </p:spPr>
+              <p:style>
+                <a:lnRef idx="1">
+                  <a:schemeClr val="accent1"/>
+                </a:lnRef>
+                <a:fillRef idx="0">
+                  <a:schemeClr val="accent1"/>
+                </a:fillRef>
+                <a:effectRef idx="0">
+                  <a:schemeClr val="accent1"/>
+                </a:effectRef>
+                <a:fontRef idx="minor">
+                  <a:schemeClr val="tx1"/>
+                </a:fontRef>
+              </p:style>
+            </p:cxnSp>
+            <p:sp>
+              <p:nvSpPr>
+                <p:cNvPr id="112" name="文本框 111"/>
+                <p:cNvSpPr txBox="1"/>
+                <p:nvPr/>
+              </p:nvSpPr>
+              <p:spPr>
+                <a:xfrm>
+                  <a:off x="514" y="4874"/>
+                  <a:ext cx="805" cy="580"/>
+                </a:xfrm>
+                <a:prstGeom prst="rect">
+                  <a:avLst/>
+                </a:prstGeom>
+                <a:noFill/>
+              </p:spPr>
+              <p:txBody>
+                <a:bodyPr wrap="square" rtlCol="0">
+                  <a:spAutoFit/>
+                </a:bodyPr>
+                <a:p>
+                  <a:r>
+                    <a:rPr lang="en-US" altLang="zh-CN"/>
+                    <a:t>6</a:t>
+                  </a:r>
+                  <a:endParaRPr lang="en-US" altLang="zh-CN"/>
+                </a:p>
+              </p:txBody>
+            </p:sp>
+          </p:grpSp>
+          <p:sp>
+            <p:nvSpPr>
+              <p:cNvPr id="113" name="右箭头 112"/>
+              <p:cNvSpPr/>
+              <p:nvPr/>
+            </p:nvSpPr>
+            <p:spPr>
+              <a:xfrm>
+                <a:off x="1705" y="3735"/>
+                <a:ext cx="472" cy="601"/>
+              </a:xfrm>
+              <a:prstGeom prst="rightArrow">
+                <a:avLst/>
+              </a:prstGeom>
+            </p:spPr>
+            <p:style>
+              <a:lnRef idx="2">
+                <a:schemeClr val="accent1">
+                  <a:shade val="50000"/>
+                </a:schemeClr>
+              </a:lnRef>
+              <a:fillRef idx="1">
+                <a:schemeClr val="accent1"/>
+              </a:fillRef>
+              <a:effectRef idx="0">
+                <a:schemeClr val="accent1"/>
+              </a:effectRef>
+              <a:fontRef idx="minor">
+                <a:schemeClr val="lt1"/>
+              </a:fontRef>
+            </p:style>
+            <p:txBody>
+              <a:bodyPr rtlCol="0" anchor="ctr"/>
+              <a:p>
+                <a:pPr algn="ctr"/>
+                <a:endParaRPr lang="zh-CN" altLang="en-US"/>
+              </a:p>
+            </p:txBody>
+          </p:sp>
+        </p:grpSp>
+        <p:sp>
+          <p:nvSpPr>
+            <p:cNvPr id="114" name="文本框 113"/>
+            <p:cNvSpPr txBox="1"/>
+            <p:nvPr/>
+          </p:nvSpPr>
+          <p:spPr>
+            <a:xfrm>
+              <a:off x="481" y="4336"/>
+              <a:ext cx="805" cy="580"/>
+            </a:xfrm>
+            <a:prstGeom prst="rect">
+              <a:avLst/>
+            </a:prstGeom>
+            <a:noFill/>
+          </p:spPr>
+          <p:txBody>
+            <a:bodyPr wrap="square" rtlCol="0">
+              <a:spAutoFit/>
+            </a:bodyPr>
+            <a:p>
+              <a:r>
+                <a:rPr lang="en-US" altLang="zh-CN"/>
+                <a:t>4</a:t>
+              </a:r>
+              <a:endParaRPr lang="en-US" altLang="zh-CN"/>
+            </a:p>
+          </p:txBody>
+        </p:sp>
+        <p:sp>
+          <p:nvSpPr>
+            <p:cNvPr id="115" name="文本框 114"/>
+            <p:cNvSpPr txBox="1"/>
+            <p:nvPr/>
+          </p:nvSpPr>
+          <p:spPr>
+            <a:xfrm>
+              <a:off x="514" y="3849"/>
+              <a:ext cx="805" cy="580"/>
+            </a:xfrm>
+            <a:prstGeom prst="rect">
+              <a:avLst/>
+            </a:prstGeom>
+            <a:noFill/>
+          </p:spPr>
+          <p:txBody>
+            <a:bodyPr wrap="square" rtlCol="0">
+              <a:spAutoFit/>
+            </a:bodyPr>
+            <a:p>
+              <a:endParaRPr lang="en-US" altLang="zh-CN"/>
+            </a:p>
+          </p:txBody>
+        </p:sp>
+        <p:sp>
+          <p:nvSpPr>
+            <p:cNvPr id="116" name="文本框 115"/>
+            <p:cNvSpPr txBox="1"/>
+            <p:nvPr/>
+          </p:nvSpPr>
+          <p:spPr>
+            <a:xfrm>
+              <a:off x="471" y="3353"/>
+              <a:ext cx="805" cy="580"/>
+            </a:xfrm>
+            <a:prstGeom prst="rect">
+              <a:avLst/>
+            </a:prstGeom>
+            <a:noFill/>
+          </p:spPr>
+          <p:txBody>
+            <a:bodyPr wrap="square" rtlCol="0">
+              <a:spAutoFit/>
+            </a:bodyPr>
+            <a:p>
+              <a:endParaRPr lang="en-US" altLang="zh-CN"/>
+            </a:p>
+          </p:txBody>
+        </p:sp>
+      </p:grpSp>
+      <p:grpSp>
+        <p:nvGrpSpPr>
+          <p:cNvPr id="118" name="组合 117"/>
+          <p:cNvGrpSpPr/>
+          <p:nvPr/>
+        </p:nvGrpSpPr>
+        <p:grpSpPr>
+          <a:xfrm>
+            <a:off x="2541270" y="1691005"/>
+            <a:ext cx="1206500" cy="2132965"/>
+            <a:chOff x="277" y="2663"/>
+            <a:chExt cx="1900" cy="3359"/>
+          </a:xfrm>
+        </p:grpSpPr>
+        <p:sp>
+          <p:nvSpPr>
+            <p:cNvPr id="119" name="文本框 118"/>
+            <p:cNvSpPr txBox="1"/>
+            <p:nvPr/>
+          </p:nvSpPr>
+          <p:spPr>
+            <a:xfrm>
+              <a:off x="277" y="5539"/>
+              <a:ext cx="1740" cy="483"/>
+            </a:xfrm>
+            <a:prstGeom prst="rect">
+              <a:avLst/>
+            </a:prstGeom>
+            <a:noFill/>
+          </p:spPr>
+          <p:txBody>
+            <a:bodyPr wrap="square" rtlCol="0">
+              <a:spAutoFit/>
+            </a:bodyPr>
+            <a:p>
+              <a:r>
+                <a:rPr lang="en-US" altLang="zh-CN" sz="1400"/>
+                <a:t>6-4-2</a:t>
+              </a:r>
+              <a:endParaRPr lang="en-US" altLang="zh-CN" sz="1400"/>
+            </a:p>
+          </p:txBody>
+        </p:sp>
+        <p:grpSp>
+          <p:nvGrpSpPr>
+            <p:cNvPr id="120" name="组合 119"/>
+            <p:cNvGrpSpPr/>
+            <p:nvPr/>
+          </p:nvGrpSpPr>
+          <p:grpSpPr>
+            <a:xfrm>
+              <a:off x="445" y="2663"/>
+              <a:ext cx="1732" cy="2791"/>
+              <a:chOff x="445" y="2663"/>
+              <a:chExt cx="1732" cy="2791"/>
+            </a:xfrm>
+          </p:grpSpPr>
+          <p:grpSp>
+            <p:nvGrpSpPr>
+              <p:cNvPr id="121" name="组合 120"/>
+              <p:cNvGrpSpPr/>
+              <p:nvPr/>
+            </p:nvGrpSpPr>
+            <p:grpSpPr>
+              <a:xfrm>
+                <a:off x="445" y="2663"/>
+                <a:ext cx="1260" cy="2791"/>
+                <a:chOff x="445" y="2663"/>
+                <a:chExt cx="1260" cy="2791"/>
+              </a:xfrm>
+            </p:grpSpPr>
+            <p:grpSp>
+              <p:nvGrpSpPr>
+                <p:cNvPr id="122" name="组合 121"/>
+                <p:cNvGrpSpPr/>
+                <p:nvPr/>
+              </p:nvGrpSpPr>
+              <p:grpSpPr>
+                <a:xfrm>
+                  <a:off x="481" y="2663"/>
+                  <a:ext cx="1180" cy="2684"/>
+                  <a:chOff x="1147" y="2683"/>
+                  <a:chExt cx="1180" cy="2684"/>
+                </a:xfrm>
+              </p:grpSpPr>
+              <p:cxnSp>
+                <p:nvCxnSpPr>
+                  <p:cNvPr id="123" name="直接连接符 122"/>
+                  <p:cNvCxnSpPr/>
+                  <p:nvPr/>
+                </p:nvCxnSpPr>
+                <p:spPr>
+                  <a:xfrm>
+                    <a:off x="1147" y="2683"/>
+                    <a:ext cx="0" cy="2684"/>
+                  </a:xfrm>
+                  <a:prstGeom prst="line">
+                    <a:avLst/>
+                  </a:prstGeom>
+                </p:spPr>
+                <p:style>
+                  <a:lnRef idx="1">
+                    <a:schemeClr val="accent1"/>
+                  </a:lnRef>
+                  <a:fillRef idx="0">
+                    <a:schemeClr val="accent1"/>
+                  </a:fillRef>
+                  <a:effectRef idx="0">
+                    <a:schemeClr val="accent1"/>
+                  </a:effectRef>
+                  <a:fontRef idx="minor">
+                    <a:schemeClr val="tx1"/>
+                  </a:fontRef>
+                </p:style>
+              </p:cxnSp>
+              <p:cxnSp>
+                <p:nvCxnSpPr>
+                  <p:cNvPr id="124" name="直接连接符 123"/>
+                  <p:cNvCxnSpPr/>
+                  <p:nvPr/>
+                </p:nvCxnSpPr>
+                <p:spPr>
+                  <a:xfrm>
+                    <a:off x="2313" y="2683"/>
+                    <a:ext cx="0" cy="2684"/>
+                  </a:xfrm>
+                  <a:prstGeom prst="line">
+                    <a:avLst/>
+                  </a:prstGeom>
+                </p:spPr>
+                <p:style>
+                  <a:lnRef idx="1">
+                    <a:schemeClr val="accent1"/>
+                  </a:lnRef>
+                  <a:fillRef idx="0">
+                    <a:schemeClr val="accent1"/>
+                  </a:fillRef>
+                  <a:effectRef idx="0">
+                    <a:schemeClr val="accent1"/>
+                  </a:effectRef>
+                  <a:fontRef idx="minor">
+                    <a:schemeClr val="tx1"/>
+                  </a:fontRef>
+                </p:style>
+              </p:cxnSp>
+              <p:cxnSp>
+                <p:nvCxnSpPr>
+                  <p:cNvPr id="125" name="直接连接符 124"/>
+                  <p:cNvCxnSpPr/>
+                  <p:nvPr/>
+                </p:nvCxnSpPr>
+                <p:spPr>
+                  <a:xfrm>
+                    <a:off x="1169" y="5345"/>
+                    <a:ext cx="1159" cy="0"/>
+                  </a:xfrm>
+                  <a:prstGeom prst="line">
+                    <a:avLst/>
+                  </a:prstGeom>
+                </p:spPr>
+                <p:style>
+                  <a:lnRef idx="1">
+                    <a:schemeClr val="accent1"/>
+                  </a:lnRef>
+                  <a:fillRef idx="0">
+                    <a:schemeClr val="accent1"/>
+                  </a:fillRef>
+                  <a:effectRef idx="0">
+                    <a:schemeClr val="accent1"/>
+                  </a:effectRef>
+                  <a:fontRef idx="minor">
+                    <a:schemeClr val="tx1"/>
+                  </a:fontRef>
+                </p:style>
+              </p:cxnSp>
+            </p:grpSp>
+            <p:cxnSp>
+              <p:nvCxnSpPr>
+                <p:cNvPr id="126" name="直接连接符 125"/>
+                <p:cNvCxnSpPr/>
+                <p:nvPr/>
+              </p:nvCxnSpPr>
+              <p:spPr>
+                <a:xfrm>
+                  <a:off x="471" y="4873"/>
+                  <a:ext cx="1202" cy="0"/>
+                </a:xfrm>
+                <a:prstGeom prst="line">
+                  <a:avLst/>
+                </a:prstGeom>
+              </p:spPr>
+              <p:style>
+                <a:lnRef idx="1">
+                  <a:schemeClr val="accent1"/>
+                </a:lnRef>
+                <a:fillRef idx="0">
+                  <a:schemeClr val="accent1"/>
+                </a:fillRef>
+                <a:effectRef idx="0">
+                  <a:schemeClr val="accent1"/>
+                </a:effectRef>
+                <a:fontRef idx="minor">
+                  <a:schemeClr val="tx1"/>
+                </a:fontRef>
+              </p:style>
+            </p:cxnSp>
+            <p:cxnSp>
+              <p:nvCxnSpPr>
+                <p:cNvPr id="127" name="直接连接符 126"/>
+                <p:cNvCxnSpPr/>
+                <p:nvPr/>
+              </p:nvCxnSpPr>
+              <p:spPr>
+                <a:xfrm>
+                  <a:off x="503" y="4360"/>
+                  <a:ext cx="1202" cy="0"/>
+                </a:xfrm>
+                <a:prstGeom prst="line">
+                  <a:avLst/>
+                </a:prstGeom>
+              </p:spPr>
+              <p:style>
+                <a:lnRef idx="1">
+                  <a:schemeClr val="accent1"/>
+                </a:lnRef>
+                <a:fillRef idx="0">
+                  <a:schemeClr val="accent1"/>
+                </a:fillRef>
+                <a:effectRef idx="0">
+                  <a:schemeClr val="accent1"/>
+                </a:effectRef>
+                <a:fontRef idx="minor">
+                  <a:schemeClr val="tx1"/>
+                </a:fontRef>
+              </p:style>
+            </p:cxnSp>
+            <p:cxnSp>
+              <p:nvCxnSpPr>
+                <p:cNvPr id="128" name="直接连接符 127"/>
+                <p:cNvCxnSpPr/>
+                <p:nvPr/>
+              </p:nvCxnSpPr>
+              <p:spPr>
+                <a:xfrm>
+                  <a:off x="503" y="3849"/>
+                  <a:ext cx="1202" cy="0"/>
+                </a:xfrm>
+                <a:prstGeom prst="line">
+                  <a:avLst/>
+                </a:prstGeom>
+              </p:spPr>
+              <p:style>
+                <a:lnRef idx="1">
+                  <a:schemeClr val="accent1"/>
+                </a:lnRef>
+                <a:fillRef idx="0">
+                  <a:schemeClr val="accent1"/>
+                </a:fillRef>
+                <a:effectRef idx="0">
+                  <a:schemeClr val="accent1"/>
+                </a:effectRef>
+                <a:fontRef idx="minor">
+                  <a:schemeClr val="tx1"/>
+                </a:fontRef>
+              </p:style>
+            </p:cxnSp>
+            <p:cxnSp>
+              <p:nvCxnSpPr>
+                <p:cNvPr id="129" name="直接连接符 128"/>
+                <p:cNvCxnSpPr/>
+                <p:nvPr/>
+              </p:nvCxnSpPr>
+              <p:spPr>
+                <a:xfrm>
+                  <a:off x="445" y="3441"/>
+                  <a:ext cx="1202" cy="0"/>
+                </a:xfrm>
+                <a:prstGeom prst="line">
+                  <a:avLst/>
+                </a:prstGeom>
+              </p:spPr>
+              <p:style>
+                <a:lnRef idx="1">
+                  <a:schemeClr val="accent1"/>
+                </a:lnRef>
+                <a:fillRef idx="0">
+                  <a:schemeClr val="accent1"/>
+                </a:fillRef>
+                <a:effectRef idx="0">
+                  <a:schemeClr val="accent1"/>
+                </a:effectRef>
+                <a:fontRef idx="minor">
+                  <a:schemeClr val="tx1"/>
+                </a:fontRef>
+              </p:style>
+            </p:cxnSp>
+            <p:cxnSp>
+              <p:nvCxnSpPr>
+                <p:cNvPr id="130" name="直接连接符 129"/>
+                <p:cNvCxnSpPr/>
+                <p:nvPr/>
+              </p:nvCxnSpPr>
+              <p:spPr>
+                <a:xfrm>
+                  <a:off x="460" y="3052"/>
+                  <a:ext cx="1202" cy="0"/>
+                </a:xfrm>
+                <a:prstGeom prst="line">
+                  <a:avLst/>
+                </a:prstGeom>
+              </p:spPr>
+              <p:style>
+                <a:lnRef idx="1">
+                  <a:schemeClr val="accent1"/>
+                </a:lnRef>
+                <a:fillRef idx="0">
+                  <a:schemeClr val="accent1"/>
+                </a:fillRef>
+                <a:effectRef idx="0">
+                  <a:schemeClr val="accent1"/>
+                </a:effectRef>
+                <a:fontRef idx="minor">
+                  <a:schemeClr val="tx1"/>
+                </a:fontRef>
+              </p:style>
+            </p:cxnSp>
+            <p:sp>
+              <p:nvSpPr>
+                <p:cNvPr id="131" name="文本框 130"/>
+                <p:cNvSpPr txBox="1"/>
+                <p:nvPr/>
+              </p:nvSpPr>
+              <p:spPr>
+                <a:xfrm>
+                  <a:off x="514" y="4874"/>
+                  <a:ext cx="805" cy="580"/>
+                </a:xfrm>
+                <a:prstGeom prst="rect">
+                  <a:avLst/>
+                </a:prstGeom>
+                <a:noFill/>
+              </p:spPr>
+              <p:txBody>
+                <a:bodyPr wrap="square" rtlCol="0">
+                  <a:spAutoFit/>
+                </a:bodyPr>
+                <a:p>
+                  <a:r>
+                    <a:rPr lang="en-US" altLang="zh-CN"/>
+                    <a:t>6</a:t>
+                  </a:r>
+                  <a:endParaRPr lang="en-US" altLang="zh-CN"/>
+                </a:p>
+              </p:txBody>
+            </p:sp>
+          </p:grpSp>
+          <p:sp>
+            <p:nvSpPr>
+              <p:cNvPr id="132" name="右箭头 131"/>
+              <p:cNvSpPr/>
+              <p:nvPr/>
+            </p:nvSpPr>
+            <p:spPr>
+              <a:xfrm>
+                <a:off x="1705" y="3735"/>
+                <a:ext cx="472" cy="601"/>
+              </a:xfrm>
+              <a:prstGeom prst="rightArrow">
+                <a:avLst/>
+              </a:prstGeom>
+            </p:spPr>
+            <p:style>
+              <a:lnRef idx="2">
+                <a:schemeClr val="accent1">
+                  <a:shade val="50000"/>
+                </a:schemeClr>
+              </a:lnRef>
+              <a:fillRef idx="1">
+                <a:schemeClr val="accent1"/>
+              </a:fillRef>
+              <a:effectRef idx="0">
+                <a:schemeClr val="accent1"/>
+              </a:effectRef>
+              <a:fontRef idx="minor">
+                <a:schemeClr val="lt1"/>
+              </a:fontRef>
+            </p:style>
+            <p:txBody>
+              <a:bodyPr rtlCol="0" anchor="ctr"/>
+              <a:p>
+                <a:pPr algn="ctr"/>
+                <a:endParaRPr lang="zh-CN" altLang="en-US"/>
+              </a:p>
+            </p:txBody>
+          </p:sp>
+        </p:grpSp>
+        <p:sp>
+          <p:nvSpPr>
+            <p:cNvPr id="133" name="文本框 132"/>
+            <p:cNvSpPr txBox="1"/>
+            <p:nvPr/>
+          </p:nvSpPr>
+          <p:spPr>
+            <a:xfrm>
+              <a:off x="481" y="4336"/>
+              <a:ext cx="805" cy="580"/>
+            </a:xfrm>
+            <a:prstGeom prst="rect">
+              <a:avLst/>
+            </a:prstGeom>
+            <a:noFill/>
+          </p:spPr>
+          <p:txBody>
+            <a:bodyPr wrap="square" rtlCol="0">
+              <a:spAutoFit/>
+            </a:bodyPr>
+            <a:p>
+              <a:r>
+                <a:rPr lang="en-US" altLang="zh-CN"/>
+                <a:t>4</a:t>
+              </a:r>
+              <a:endParaRPr lang="en-US" altLang="zh-CN"/>
+            </a:p>
+          </p:txBody>
+        </p:sp>
+        <p:sp>
+          <p:nvSpPr>
+            <p:cNvPr id="134" name="文本框 133"/>
+            <p:cNvSpPr txBox="1"/>
+            <p:nvPr/>
+          </p:nvSpPr>
+          <p:spPr>
+            <a:xfrm>
+              <a:off x="514" y="3849"/>
+              <a:ext cx="805" cy="580"/>
+            </a:xfrm>
+            <a:prstGeom prst="rect">
+              <a:avLst/>
+            </a:prstGeom>
+            <a:noFill/>
+          </p:spPr>
+          <p:txBody>
+            <a:bodyPr wrap="square" rtlCol="0">
+              <a:spAutoFit/>
+            </a:bodyPr>
+            <a:p>
+              <a:r>
+                <a:rPr lang="en-US" altLang="zh-CN"/>
+                <a:t>2</a:t>
+              </a:r>
+              <a:endParaRPr lang="en-US" altLang="zh-CN"/>
+            </a:p>
+          </p:txBody>
+        </p:sp>
+        <p:sp>
+          <p:nvSpPr>
+            <p:cNvPr id="135" name="文本框 134"/>
+            <p:cNvSpPr txBox="1"/>
+            <p:nvPr/>
+          </p:nvSpPr>
+          <p:spPr>
+            <a:xfrm>
+              <a:off x="471" y="3353"/>
+              <a:ext cx="805" cy="580"/>
+            </a:xfrm>
+            <a:prstGeom prst="rect">
+              <a:avLst/>
+            </a:prstGeom>
+            <a:noFill/>
+          </p:spPr>
+          <p:txBody>
+            <a:bodyPr wrap="square" rtlCol="0">
+              <a:spAutoFit/>
+            </a:bodyPr>
+            <a:p>
+              <a:endParaRPr lang="en-US" altLang="zh-CN"/>
+            </a:p>
+          </p:txBody>
+        </p:sp>
+        <p:sp>
+          <p:nvSpPr>
+            <p:cNvPr id="136" name="文本框 135"/>
+            <p:cNvSpPr txBox="1"/>
+            <p:nvPr/>
+          </p:nvSpPr>
+          <p:spPr>
+            <a:xfrm>
+              <a:off x="503" y="2949"/>
+              <a:ext cx="805" cy="580"/>
+            </a:xfrm>
+            <a:prstGeom prst="rect">
+              <a:avLst/>
+            </a:prstGeom>
+            <a:noFill/>
+          </p:spPr>
+          <p:txBody>
+            <a:bodyPr wrap="square" rtlCol="0">
+              <a:spAutoFit/>
+            </a:bodyPr>
+            <a:p>
+              <a:endParaRPr lang="en-US" altLang="zh-CN"/>
+            </a:p>
+          </p:txBody>
+        </p:sp>
+      </p:grpSp>
+      <p:grpSp>
+        <p:nvGrpSpPr>
+          <p:cNvPr id="137" name="组合 136"/>
+          <p:cNvGrpSpPr/>
+          <p:nvPr/>
+        </p:nvGrpSpPr>
+        <p:grpSpPr>
+          <a:xfrm>
+            <a:off x="3646170" y="1637030"/>
+            <a:ext cx="1206500" cy="2132965"/>
+            <a:chOff x="277" y="2663"/>
+            <a:chExt cx="1900" cy="3359"/>
+          </a:xfrm>
+        </p:grpSpPr>
+        <p:sp>
+          <p:nvSpPr>
+            <p:cNvPr id="138" name="文本框 137"/>
+            <p:cNvSpPr txBox="1"/>
+            <p:nvPr/>
+          </p:nvSpPr>
+          <p:spPr>
+            <a:xfrm>
+              <a:off x="277" y="5539"/>
+              <a:ext cx="1740" cy="483"/>
+            </a:xfrm>
+            <a:prstGeom prst="rect">
+              <a:avLst/>
+            </a:prstGeom>
+            <a:noFill/>
+          </p:spPr>
+          <p:txBody>
+            <a:bodyPr wrap="square" rtlCol="0">
+              <a:spAutoFit/>
+            </a:bodyPr>
+            <a:p>
+              <a:r>
+                <a:rPr lang="en-US" altLang="zh-CN" sz="1400"/>
+                <a:t>6-4-2-1</a:t>
+              </a:r>
+              <a:endParaRPr lang="en-US" altLang="zh-CN" sz="1400"/>
+            </a:p>
+          </p:txBody>
+        </p:sp>
+        <p:grpSp>
+          <p:nvGrpSpPr>
+            <p:cNvPr id="139" name="组合 138"/>
+            <p:cNvGrpSpPr/>
+            <p:nvPr/>
+          </p:nvGrpSpPr>
+          <p:grpSpPr>
+            <a:xfrm>
+              <a:off x="445" y="2663"/>
+              <a:ext cx="1732" cy="2791"/>
+              <a:chOff x="445" y="2663"/>
+              <a:chExt cx="1732" cy="2791"/>
+            </a:xfrm>
+          </p:grpSpPr>
+          <p:grpSp>
+            <p:nvGrpSpPr>
+              <p:cNvPr id="140" name="组合 139"/>
+              <p:cNvGrpSpPr/>
+              <p:nvPr/>
+            </p:nvGrpSpPr>
+            <p:grpSpPr>
+              <a:xfrm>
+                <a:off x="445" y="2663"/>
+                <a:ext cx="1260" cy="2791"/>
+                <a:chOff x="445" y="2663"/>
+                <a:chExt cx="1260" cy="2791"/>
+              </a:xfrm>
+            </p:grpSpPr>
+            <p:grpSp>
+              <p:nvGrpSpPr>
+                <p:cNvPr id="141" name="组合 140"/>
+                <p:cNvGrpSpPr/>
+                <p:nvPr/>
+              </p:nvGrpSpPr>
+              <p:grpSpPr>
+                <a:xfrm>
+                  <a:off x="481" y="2663"/>
+                  <a:ext cx="1180" cy="2684"/>
+                  <a:chOff x="1147" y="2683"/>
+                  <a:chExt cx="1180" cy="2684"/>
+                </a:xfrm>
+              </p:grpSpPr>
+              <p:cxnSp>
+                <p:nvCxnSpPr>
+                  <p:cNvPr id="142" name="直接连接符 141"/>
+                  <p:cNvCxnSpPr/>
+                  <p:nvPr/>
+                </p:nvCxnSpPr>
+                <p:spPr>
+                  <a:xfrm>
+                    <a:off x="1147" y="2683"/>
+                    <a:ext cx="0" cy="2684"/>
+                  </a:xfrm>
+                  <a:prstGeom prst="line">
+                    <a:avLst/>
+                  </a:prstGeom>
+                </p:spPr>
+                <p:style>
+                  <a:lnRef idx="1">
+                    <a:schemeClr val="accent1"/>
+                  </a:lnRef>
+                  <a:fillRef idx="0">
+                    <a:schemeClr val="accent1"/>
+                  </a:fillRef>
+                  <a:effectRef idx="0">
+                    <a:schemeClr val="accent1"/>
+                  </a:effectRef>
+                  <a:fontRef idx="minor">
+                    <a:schemeClr val="tx1"/>
+                  </a:fontRef>
+                </p:style>
+              </p:cxnSp>
+              <p:cxnSp>
+                <p:nvCxnSpPr>
+                  <p:cNvPr id="143" name="直接连接符 142"/>
+                  <p:cNvCxnSpPr/>
+                  <p:nvPr/>
+                </p:nvCxnSpPr>
+                <p:spPr>
+                  <a:xfrm>
+                    <a:off x="2313" y="2683"/>
+                    <a:ext cx="0" cy="2684"/>
+                  </a:xfrm>
+                  <a:prstGeom prst="line">
+                    <a:avLst/>
+                  </a:prstGeom>
+                </p:spPr>
+                <p:style>
+                  <a:lnRef idx="1">
+                    <a:schemeClr val="accent1"/>
+                  </a:lnRef>
+                  <a:fillRef idx="0">
+                    <a:schemeClr val="accent1"/>
+                  </a:fillRef>
+                  <a:effectRef idx="0">
+                    <a:schemeClr val="accent1"/>
+                  </a:effectRef>
+                  <a:fontRef idx="minor">
+                    <a:schemeClr val="tx1"/>
+                  </a:fontRef>
+                </p:style>
+              </p:cxnSp>
+              <p:cxnSp>
+                <p:nvCxnSpPr>
+                  <p:cNvPr id="144" name="直接连接符 143"/>
+                  <p:cNvCxnSpPr/>
+                  <p:nvPr/>
+                </p:nvCxnSpPr>
+                <p:spPr>
+                  <a:xfrm>
+                    <a:off x="1169" y="5345"/>
+                    <a:ext cx="1159" cy="0"/>
+                  </a:xfrm>
+                  <a:prstGeom prst="line">
+                    <a:avLst/>
+                  </a:prstGeom>
+                </p:spPr>
+                <p:style>
+                  <a:lnRef idx="1">
+                    <a:schemeClr val="accent1"/>
+                  </a:lnRef>
+                  <a:fillRef idx="0">
+                    <a:schemeClr val="accent1"/>
+                  </a:fillRef>
+                  <a:effectRef idx="0">
+                    <a:schemeClr val="accent1"/>
+                  </a:effectRef>
+                  <a:fontRef idx="minor">
+                    <a:schemeClr val="tx1"/>
+                  </a:fontRef>
+                </p:style>
+              </p:cxnSp>
+            </p:grpSp>
+            <p:cxnSp>
+              <p:nvCxnSpPr>
+                <p:cNvPr id="145" name="直接连接符 144"/>
+                <p:cNvCxnSpPr/>
+                <p:nvPr/>
+              </p:nvCxnSpPr>
+              <p:spPr>
+                <a:xfrm>
+                  <a:off x="471" y="4873"/>
+                  <a:ext cx="1202" cy="0"/>
+                </a:xfrm>
+                <a:prstGeom prst="line">
+                  <a:avLst/>
+                </a:prstGeom>
+              </p:spPr>
+              <p:style>
+                <a:lnRef idx="1">
+                  <a:schemeClr val="accent1"/>
+                </a:lnRef>
+                <a:fillRef idx="0">
+                  <a:schemeClr val="accent1"/>
+                </a:fillRef>
+                <a:effectRef idx="0">
+                  <a:schemeClr val="accent1"/>
+                </a:effectRef>
+                <a:fontRef idx="minor">
+                  <a:schemeClr val="tx1"/>
+                </a:fontRef>
+              </p:style>
+            </p:cxnSp>
+            <p:cxnSp>
+              <p:nvCxnSpPr>
+                <p:cNvPr id="146" name="直接连接符 145"/>
+                <p:cNvCxnSpPr/>
+                <p:nvPr/>
+              </p:nvCxnSpPr>
+              <p:spPr>
+                <a:xfrm>
+                  <a:off x="503" y="4360"/>
+                  <a:ext cx="1202" cy="0"/>
+                </a:xfrm>
+                <a:prstGeom prst="line">
+                  <a:avLst/>
+                </a:prstGeom>
+              </p:spPr>
+              <p:style>
+                <a:lnRef idx="1">
+                  <a:schemeClr val="accent1"/>
+                </a:lnRef>
+                <a:fillRef idx="0">
+                  <a:schemeClr val="accent1"/>
+                </a:fillRef>
+                <a:effectRef idx="0">
+                  <a:schemeClr val="accent1"/>
+                </a:effectRef>
+                <a:fontRef idx="minor">
+                  <a:schemeClr val="tx1"/>
+                </a:fontRef>
+              </p:style>
+            </p:cxnSp>
+            <p:cxnSp>
+              <p:nvCxnSpPr>
+                <p:cNvPr id="147" name="直接连接符 146"/>
+                <p:cNvCxnSpPr/>
+                <p:nvPr/>
+              </p:nvCxnSpPr>
+              <p:spPr>
+                <a:xfrm>
+                  <a:off x="503" y="3849"/>
+                  <a:ext cx="1202" cy="0"/>
+                </a:xfrm>
+                <a:prstGeom prst="line">
+                  <a:avLst/>
+                </a:prstGeom>
+              </p:spPr>
+              <p:style>
+                <a:lnRef idx="1">
+                  <a:schemeClr val="accent1"/>
+                </a:lnRef>
+                <a:fillRef idx="0">
+                  <a:schemeClr val="accent1"/>
+                </a:fillRef>
+                <a:effectRef idx="0">
+                  <a:schemeClr val="accent1"/>
+                </a:effectRef>
+                <a:fontRef idx="minor">
+                  <a:schemeClr val="tx1"/>
+                </a:fontRef>
+              </p:style>
+            </p:cxnSp>
+            <p:cxnSp>
+              <p:nvCxnSpPr>
+                <p:cNvPr id="148" name="直接连接符 147"/>
+                <p:cNvCxnSpPr/>
+                <p:nvPr/>
+              </p:nvCxnSpPr>
+              <p:spPr>
+                <a:xfrm>
+                  <a:off x="445" y="3441"/>
+                  <a:ext cx="1202" cy="0"/>
+                </a:xfrm>
+                <a:prstGeom prst="line">
+                  <a:avLst/>
+                </a:prstGeom>
+              </p:spPr>
+              <p:style>
+                <a:lnRef idx="1">
+                  <a:schemeClr val="accent1"/>
+                </a:lnRef>
+                <a:fillRef idx="0">
+                  <a:schemeClr val="accent1"/>
+                </a:fillRef>
+                <a:effectRef idx="0">
+                  <a:schemeClr val="accent1"/>
+                </a:effectRef>
+                <a:fontRef idx="minor">
+                  <a:schemeClr val="tx1"/>
+                </a:fontRef>
+              </p:style>
+            </p:cxnSp>
+            <p:cxnSp>
+              <p:nvCxnSpPr>
+                <p:cNvPr id="149" name="直接连接符 148"/>
+                <p:cNvCxnSpPr/>
+                <p:nvPr/>
+              </p:nvCxnSpPr>
+              <p:spPr>
+                <a:xfrm>
+                  <a:off x="460" y="3052"/>
+                  <a:ext cx="1202" cy="0"/>
+                </a:xfrm>
+                <a:prstGeom prst="line">
+                  <a:avLst/>
+                </a:prstGeom>
+              </p:spPr>
+              <p:style>
+                <a:lnRef idx="1">
+                  <a:schemeClr val="accent1"/>
+                </a:lnRef>
+                <a:fillRef idx="0">
+                  <a:schemeClr val="accent1"/>
+                </a:fillRef>
+                <a:effectRef idx="0">
+                  <a:schemeClr val="accent1"/>
+                </a:effectRef>
+                <a:fontRef idx="minor">
+                  <a:schemeClr val="tx1"/>
+                </a:fontRef>
+              </p:style>
+            </p:cxnSp>
+            <p:sp>
+              <p:nvSpPr>
+                <p:cNvPr id="150" name="文本框 149"/>
+                <p:cNvSpPr txBox="1"/>
+                <p:nvPr/>
+              </p:nvSpPr>
+              <p:spPr>
+                <a:xfrm>
+                  <a:off x="514" y="4874"/>
+                  <a:ext cx="805" cy="580"/>
+                </a:xfrm>
+                <a:prstGeom prst="rect">
+                  <a:avLst/>
+                </a:prstGeom>
+                <a:noFill/>
+              </p:spPr>
+              <p:txBody>
+                <a:bodyPr wrap="square" rtlCol="0">
+                  <a:spAutoFit/>
+                </a:bodyPr>
+                <a:p>
+                  <a:r>
+                    <a:rPr lang="en-US" altLang="zh-CN"/>
+                    <a:t>6</a:t>
+                  </a:r>
+                  <a:endParaRPr lang="en-US" altLang="zh-CN"/>
+                </a:p>
+              </p:txBody>
+            </p:sp>
+          </p:grpSp>
+          <p:sp>
+            <p:nvSpPr>
+              <p:cNvPr id="151" name="右箭头 150"/>
+              <p:cNvSpPr/>
+              <p:nvPr/>
+            </p:nvSpPr>
+            <p:spPr>
+              <a:xfrm>
+                <a:off x="1705" y="3759"/>
+                <a:ext cx="472" cy="601"/>
+              </a:xfrm>
+              <a:prstGeom prst="rightArrow">
+                <a:avLst/>
+              </a:prstGeom>
+            </p:spPr>
+            <p:style>
+              <a:lnRef idx="2">
+                <a:schemeClr val="accent1">
+                  <a:shade val="50000"/>
+                </a:schemeClr>
+              </a:lnRef>
+              <a:fillRef idx="1">
+                <a:schemeClr val="accent1"/>
+              </a:fillRef>
+              <a:effectRef idx="0">
+                <a:schemeClr val="accent1"/>
+              </a:effectRef>
+              <a:fontRef idx="minor">
+                <a:schemeClr val="lt1"/>
+              </a:fontRef>
+            </p:style>
+            <p:txBody>
+              <a:bodyPr rtlCol="0" anchor="ctr"/>
+              <a:p>
+                <a:pPr algn="ctr"/>
+                <a:endParaRPr lang="zh-CN" altLang="en-US"/>
+              </a:p>
+            </p:txBody>
+          </p:sp>
+        </p:grpSp>
+        <p:sp>
+          <p:nvSpPr>
+            <p:cNvPr id="152" name="文本框 151"/>
+            <p:cNvSpPr txBox="1"/>
+            <p:nvPr/>
+          </p:nvSpPr>
+          <p:spPr>
+            <a:xfrm>
+              <a:off x="481" y="4336"/>
+              <a:ext cx="805" cy="580"/>
+            </a:xfrm>
+            <a:prstGeom prst="rect">
+              <a:avLst/>
+            </a:prstGeom>
+            <a:noFill/>
+          </p:spPr>
+          <p:txBody>
+            <a:bodyPr wrap="square" rtlCol="0">
+              <a:spAutoFit/>
+            </a:bodyPr>
+            <a:p>
+              <a:r>
+                <a:rPr lang="en-US" altLang="zh-CN"/>
+                <a:t>4</a:t>
+              </a:r>
+              <a:endParaRPr lang="en-US" altLang="zh-CN"/>
+            </a:p>
+          </p:txBody>
+        </p:sp>
+        <p:sp>
+          <p:nvSpPr>
+            <p:cNvPr id="153" name="文本框 152"/>
+            <p:cNvSpPr txBox="1"/>
+            <p:nvPr/>
+          </p:nvSpPr>
+          <p:spPr>
+            <a:xfrm>
+              <a:off x="514" y="3849"/>
+              <a:ext cx="805" cy="580"/>
+            </a:xfrm>
+            <a:prstGeom prst="rect">
+              <a:avLst/>
+            </a:prstGeom>
+            <a:noFill/>
+          </p:spPr>
+          <p:txBody>
+            <a:bodyPr wrap="square" rtlCol="0">
+              <a:spAutoFit/>
+            </a:bodyPr>
+            <a:p>
+              <a:r>
+                <a:rPr lang="en-US" altLang="zh-CN"/>
+                <a:t>2</a:t>
+              </a:r>
+              <a:endParaRPr lang="en-US" altLang="zh-CN"/>
+            </a:p>
+          </p:txBody>
+        </p:sp>
+        <p:sp>
+          <p:nvSpPr>
+            <p:cNvPr id="154" name="文本框 153"/>
+            <p:cNvSpPr txBox="1"/>
+            <p:nvPr/>
+          </p:nvSpPr>
+          <p:spPr>
+            <a:xfrm>
+              <a:off x="503" y="3353"/>
+              <a:ext cx="805" cy="580"/>
+            </a:xfrm>
+            <a:prstGeom prst="rect">
+              <a:avLst/>
+            </a:prstGeom>
+            <a:noFill/>
+          </p:spPr>
+          <p:txBody>
+            <a:bodyPr wrap="square" rtlCol="0">
+              <a:spAutoFit/>
+            </a:bodyPr>
+            <a:p>
+              <a:r>
+                <a:rPr lang="en-US" altLang="zh-CN"/>
+                <a:t>1</a:t>
+              </a:r>
+              <a:endParaRPr lang="en-US" altLang="zh-CN"/>
+            </a:p>
+          </p:txBody>
+        </p:sp>
+        <p:sp>
+          <p:nvSpPr>
+            <p:cNvPr id="155" name="文本框 154"/>
+            <p:cNvSpPr txBox="1"/>
+            <p:nvPr/>
+          </p:nvSpPr>
+          <p:spPr>
+            <a:xfrm>
+              <a:off x="503" y="2949"/>
+              <a:ext cx="805" cy="580"/>
+            </a:xfrm>
+            <a:prstGeom prst="rect">
+              <a:avLst/>
+            </a:prstGeom>
+            <a:noFill/>
+          </p:spPr>
+          <p:txBody>
+            <a:bodyPr wrap="square" rtlCol="0">
+              <a:spAutoFit/>
+            </a:bodyPr>
+            <a:p>
+              <a:endParaRPr lang="en-US" altLang="zh-CN"/>
+            </a:p>
+          </p:txBody>
+        </p:sp>
+      </p:grpSp>
+      <p:grpSp>
+        <p:nvGrpSpPr>
+          <p:cNvPr id="156" name="组合 155"/>
+          <p:cNvGrpSpPr/>
+          <p:nvPr/>
+        </p:nvGrpSpPr>
+        <p:grpSpPr>
+          <a:xfrm>
+            <a:off x="4813300" y="1691005"/>
+            <a:ext cx="1104900" cy="2132965"/>
+            <a:chOff x="277" y="2663"/>
+            <a:chExt cx="1740" cy="3359"/>
+          </a:xfrm>
+        </p:grpSpPr>
+        <p:sp>
+          <p:nvSpPr>
+            <p:cNvPr id="157" name="文本框 156"/>
+            <p:cNvSpPr txBox="1"/>
+            <p:nvPr/>
+          </p:nvSpPr>
+          <p:spPr>
+            <a:xfrm>
+              <a:off x="277" y="5539"/>
+              <a:ext cx="1740" cy="483"/>
+            </a:xfrm>
+            <a:prstGeom prst="rect">
+              <a:avLst/>
+            </a:prstGeom>
+            <a:noFill/>
+          </p:spPr>
+          <p:txBody>
+            <a:bodyPr wrap="square" rtlCol="0">
+              <a:spAutoFit/>
+            </a:bodyPr>
+            <a:p>
+              <a:r>
+                <a:rPr lang="en-US" altLang="zh-CN" sz="1400"/>
+                <a:t>6-4-2-1-0</a:t>
+              </a:r>
+              <a:endParaRPr lang="en-US" altLang="zh-CN" sz="1400"/>
+            </a:p>
+          </p:txBody>
+        </p:sp>
+        <p:grpSp>
+          <p:nvGrpSpPr>
+            <p:cNvPr id="159" name="组合 158"/>
+            <p:cNvGrpSpPr/>
+            <p:nvPr/>
+          </p:nvGrpSpPr>
+          <p:grpSpPr>
+            <a:xfrm rot="0">
+              <a:off x="445" y="2663"/>
+              <a:ext cx="1260" cy="2791"/>
+              <a:chOff x="445" y="2663"/>
+              <a:chExt cx="1260" cy="2791"/>
+            </a:xfrm>
+          </p:grpSpPr>
+          <p:grpSp>
+            <p:nvGrpSpPr>
+              <p:cNvPr id="160" name="组合 159"/>
+              <p:cNvGrpSpPr/>
+              <p:nvPr/>
+            </p:nvGrpSpPr>
+            <p:grpSpPr>
+              <a:xfrm>
+                <a:off x="481" y="2663"/>
+                <a:ext cx="1180" cy="2684"/>
+                <a:chOff x="1147" y="2683"/>
+                <a:chExt cx="1180" cy="2684"/>
+              </a:xfrm>
+            </p:grpSpPr>
+            <p:cxnSp>
+              <p:nvCxnSpPr>
+                <p:cNvPr id="161" name="直接连接符 160"/>
+                <p:cNvCxnSpPr/>
+                <p:nvPr/>
+              </p:nvCxnSpPr>
+              <p:spPr>
+                <a:xfrm>
+                  <a:off x="1147" y="2683"/>
+                  <a:ext cx="0" cy="2684"/>
+                </a:xfrm>
+                <a:prstGeom prst="line">
+                  <a:avLst/>
+                </a:prstGeom>
+              </p:spPr>
+              <p:style>
+                <a:lnRef idx="1">
+                  <a:schemeClr val="accent1"/>
+                </a:lnRef>
+                <a:fillRef idx="0">
+                  <a:schemeClr val="accent1"/>
+                </a:fillRef>
+                <a:effectRef idx="0">
+                  <a:schemeClr val="accent1"/>
+                </a:effectRef>
+                <a:fontRef idx="minor">
+                  <a:schemeClr val="tx1"/>
+                </a:fontRef>
+              </p:style>
+            </p:cxnSp>
+            <p:cxnSp>
+              <p:nvCxnSpPr>
+                <p:cNvPr id="162" name="直接连接符 161"/>
+                <p:cNvCxnSpPr/>
+                <p:nvPr/>
+              </p:nvCxnSpPr>
+              <p:spPr>
+                <a:xfrm>
+                  <a:off x="2313" y="2683"/>
+                  <a:ext cx="0" cy="2684"/>
+                </a:xfrm>
+                <a:prstGeom prst="line">
+                  <a:avLst/>
+                </a:prstGeom>
+              </p:spPr>
+              <p:style>
+                <a:lnRef idx="1">
+                  <a:schemeClr val="accent1"/>
+                </a:lnRef>
+                <a:fillRef idx="0">
+                  <a:schemeClr val="accent1"/>
+                </a:fillRef>
+                <a:effectRef idx="0">
+                  <a:schemeClr val="accent1"/>
+                </a:effectRef>
+                <a:fontRef idx="minor">
+                  <a:schemeClr val="tx1"/>
+                </a:fontRef>
+              </p:style>
+            </p:cxnSp>
+            <p:cxnSp>
+              <p:nvCxnSpPr>
+                <p:cNvPr id="163" name="直接连接符 162"/>
+                <p:cNvCxnSpPr/>
+                <p:nvPr/>
+              </p:nvCxnSpPr>
+              <p:spPr>
+                <a:xfrm>
+                  <a:off x="1169" y="5345"/>
+                  <a:ext cx="1159" cy="0"/>
+                </a:xfrm>
+                <a:prstGeom prst="line">
+                  <a:avLst/>
+                </a:prstGeom>
+              </p:spPr>
+              <p:style>
+                <a:lnRef idx="1">
+                  <a:schemeClr val="accent1"/>
+                </a:lnRef>
+                <a:fillRef idx="0">
+                  <a:schemeClr val="accent1"/>
+                </a:fillRef>
+                <a:effectRef idx="0">
+                  <a:schemeClr val="accent1"/>
+                </a:effectRef>
+                <a:fontRef idx="minor">
+                  <a:schemeClr val="tx1"/>
+                </a:fontRef>
+              </p:style>
+            </p:cxnSp>
+          </p:grpSp>
+          <p:cxnSp>
+            <p:nvCxnSpPr>
+              <p:cNvPr id="164" name="直接连接符 163"/>
+              <p:cNvCxnSpPr/>
+              <p:nvPr/>
+            </p:nvCxnSpPr>
+            <p:spPr>
+              <a:xfrm>
+                <a:off x="471" y="4873"/>
+                <a:ext cx="1202" cy="0"/>
+              </a:xfrm>
+              <a:prstGeom prst="line">
+                <a:avLst/>
+              </a:prstGeom>
+            </p:spPr>
+            <p:style>
+              <a:lnRef idx="1">
+                <a:schemeClr val="accent1"/>
+              </a:lnRef>
+              <a:fillRef idx="0">
+                <a:schemeClr val="accent1"/>
+              </a:fillRef>
+              <a:effectRef idx="0">
+                <a:schemeClr val="accent1"/>
+              </a:effectRef>
+              <a:fontRef idx="minor">
+                <a:schemeClr val="tx1"/>
+              </a:fontRef>
+            </p:style>
+          </p:cxnSp>
+          <p:cxnSp>
+            <p:nvCxnSpPr>
+              <p:cNvPr id="165" name="直接连接符 164"/>
+              <p:cNvCxnSpPr/>
+              <p:nvPr/>
+            </p:nvCxnSpPr>
+            <p:spPr>
+              <a:xfrm>
+                <a:off x="503" y="4360"/>
+                <a:ext cx="1202" cy="0"/>
+              </a:xfrm>
+              <a:prstGeom prst="line">
+                <a:avLst/>
+              </a:prstGeom>
+            </p:spPr>
+            <p:style>
+              <a:lnRef idx="1">
+                <a:schemeClr val="accent1"/>
+              </a:lnRef>
+              <a:fillRef idx="0">
+                <a:schemeClr val="accent1"/>
+              </a:fillRef>
+              <a:effectRef idx="0">
+                <a:schemeClr val="accent1"/>
+              </a:effectRef>
+              <a:fontRef idx="minor">
+                <a:schemeClr val="tx1"/>
+              </a:fontRef>
+            </p:style>
+          </p:cxnSp>
+          <p:cxnSp>
+            <p:nvCxnSpPr>
+              <p:cNvPr id="166" name="直接连接符 165"/>
+              <p:cNvCxnSpPr/>
+              <p:nvPr/>
+            </p:nvCxnSpPr>
+            <p:spPr>
+              <a:xfrm>
+                <a:off x="503" y="3849"/>
+                <a:ext cx="1202" cy="0"/>
+              </a:xfrm>
+              <a:prstGeom prst="line">
+                <a:avLst/>
+              </a:prstGeom>
+            </p:spPr>
+            <p:style>
+              <a:lnRef idx="1">
+                <a:schemeClr val="accent1"/>
+              </a:lnRef>
+              <a:fillRef idx="0">
+                <a:schemeClr val="accent1"/>
+              </a:fillRef>
+              <a:effectRef idx="0">
+                <a:schemeClr val="accent1"/>
+              </a:effectRef>
+              <a:fontRef idx="minor">
+                <a:schemeClr val="tx1"/>
+              </a:fontRef>
+            </p:style>
+          </p:cxnSp>
+          <p:cxnSp>
+            <p:nvCxnSpPr>
+              <p:cNvPr id="167" name="直接连接符 166"/>
+              <p:cNvCxnSpPr/>
+              <p:nvPr/>
+            </p:nvCxnSpPr>
+            <p:spPr>
+              <a:xfrm>
+                <a:off x="445" y="3441"/>
+                <a:ext cx="1202" cy="0"/>
+              </a:xfrm>
+              <a:prstGeom prst="line">
+                <a:avLst/>
+              </a:prstGeom>
+            </p:spPr>
+            <p:style>
+              <a:lnRef idx="1">
+                <a:schemeClr val="accent1"/>
+              </a:lnRef>
+              <a:fillRef idx="0">
+                <a:schemeClr val="accent1"/>
+              </a:fillRef>
+              <a:effectRef idx="0">
+                <a:schemeClr val="accent1"/>
+              </a:effectRef>
+              <a:fontRef idx="minor">
+                <a:schemeClr val="tx1"/>
+              </a:fontRef>
+            </p:style>
+          </p:cxnSp>
+          <p:cxnSp>
+            <p:nvCxnSpPr>
+              <p:cNvPr id="168" name="直接连接符 167"/>
+              <p:cNvCxnSpPr/>
+              <p:nvPr/>
+            </p:nvCxnSpPr>
+            <p:spPr>
+              <a:xfrm>
+                <a:off x="460" y="3052"/>
+                <a:ext cx="1202" cy="0"/>
+              </a:xfrm>
+              <a:prstGeom prst="line">
+                <a:avLst/>
+              </a:prstGeom>
+            </p:spPr>
+            <p:style>
+              <a:lnRef idx="1">
+                <a:schemeClr val="accent1"/>
+              </a:lnRef>
+              <a:fillRef idx="0">
+                <a:schemeClr val="accent1"/>
+              </a:fillRef>
+              <a:effectRef idx="0">
+                <a:schemeClr val="accent1"/>
+              </a:effectRef>
+              <a:fontRef idx="minor">
+                <a:schemeClr val="tx1"/>
+              </a:fontRef>
+            </p:style>
+          </p:cxnSp>
+          <p:sp>
+            <p:nvSpPr>
+              <p:cNvPr id="169" name="文本框 168"/>
+              <p:cNvSpPr txBox="1"/>
+              <p:nvPr/>
+            </p:nvSpPr>
+            <p:spPr>
+              <a:xfrm>
+                <a:off x="514" y="4874"/>
+                <a:ext cx="805" cy="580"/>
+              </a:xfrm>
+              <a:prstGeom prst="rect">
+                <a:avLst/>
+              </a:prstGeom>
+              <a:noFill/>
+            </p:spPr>
+            <p:txBody>
+              <a:bodyPr wrap="square" rtlCol="0">
+                <a:spAutoFit/>
+              </a:bodyPr>
+              <a:p>
+                <a:r>
+                  <a:rPr lang="en-US" altLang="zh-CN"/>
+                  <a:t>6</a:t>
+                </a:r>
+                <a:endParaRPr lang="en-US" altLang="zh-CN"/>
+              </a:p>
+            </p:txBody>
+          </p:sp>
+        </p:grpSp>
+        <p:sp>
+          <p:nvSpPr>
+            <p:cNvPr id="171" name="文本框 170"/>
+            <p:cNvSpPr txBox="1"/>
+            <p:nvPr/>
+          </p:nvSpPr>
+          <p:spPr>
+            <a:xfrm>
+              <a:off x="481" y="4336"/>
+              <a:ext cx="805" cy="580"/>
+            </a:xfrm>
+            <a:prstGeom prst="rect">
+              <a:avLst/>
+            </a:prstGeom>
+            <a:noFill/>
+          </p:spPr>
+          <p:txBody>
+            <a:bodyPr wrap="square" rtlCol="0">
+              <a:spAutoFit/>
+            </a:bodyPr>
+            <a:p>
+              <a:r>
+                <a:rPr lang="en-US" altLang="zh-CN"/>
+                <a:t>4</a:t>
+              </a:r>
+              <a:endParaRPr lang="en-US" altLang="zh-CN"/>
+            </a:p>
+          </p:txBody>
+        </p:sp>
+        <p:sp>
+          <p:nvSpPr>
+            <p:cNvPr id="172" name="文本框 171"/>
+            <p:cNvSpPr txBox="1"/>
+            <p:nvPr/>
+          </p:nvSpPr>
+          <p:spPr>
+            <a:xfrm>
+              <a:off x="514" y="3849"/>
+              <a:ext cx="805" cy="580"/>
+            </a:xfrm>
+            <a:prstGeom prst="rect">
+              <a:avLst/>
+            </a:prstGeom>
+            <a:noFill/>
+          </p:spPr>
+          <p:txBody>
+            <a:bodyPr wrap="square" rtlCol="0">
+              <a:spAutoFit/>
+            </a:bodyPr>
+            <a:p>
+              <a:r>
+                <a:rPr lang="en-US" altLang="zh-CN"/>
+                <a:t>2</a:t>
+              </a:r>
+              <a:endParaRPr lang="en-US" altLang="zh-CN"/>
+            </a:p>
+          </p:txBody>
+        </p:sp>
+        <p:sp>
+          <p:nvSpPr>
+            <p:cNvPr id="173" name="文本框 172"/>
+            <p:cNvSpPr txBox="1"/>
+            <p:nvPr/>
+          </p:nvSpPr>
+          <p:spPr>
+            <a:xfrm>
+              <a:off x="503" y="3353"/>
+              <a:ext cx="805" cy="580"/>
+            </a:xfrm>
+            <a:prstGeom prst="rect">
+              <a:avLst/>
+            </a:prstGeom>
+            <a:noFill/>
+          </p:spPr>
+          <p:txBody>
+            <a:bodyPr wrap="square" rtlCol="0">
+              <a:spAutoFit/>
+            </a:bodyPr>
+            <a:p>
+              <a:r>
+                <a:rPr lang="en-US" altLang="zh-CN"/>
+                <a:t>1</a:t>
+              </a:r>
+              <a:endParaRPr lang="en-US" altLang="zh-CN"/>
+            </a:p>
+          </p:txBody>
+        </p:sp>
+        <p:sp>
+          <p:nvSpPr>
+            <p:cNvPr id="174" name="文本框 173"/>
+            <p:cNvSpPr txBox="1"/>
+            <p:nvPr/>
+          </p:nvSpPr>
+          <p:spPr>
+            <a:xfrm>
+              <a:off x="503" y="2949"/>
+              <a:ext cx="805" cy="580"/>
+            </a:xfrm>
+            <a:prstGeom prst="rect">
+              <a:avLst/>
+            </a:prstGeom>
+            <a:noFill/>
+          </p:spPr>
+          <p:txBody>
+            <a:bodyPr wrap="square" rtlCol="0">
+              <a:spAutoFit/>
+            </a:bodyPr>
+            <a:p>
+              <a:r>
+                <a:rPr lang="en-US" altLang="zh-CN"/>
+                <a:t>0</a:t>
+              </a:r>
+              <a:endParaRPr lang="en-US" altLang="zh-CN"/>
+            </a:p>
+          </p:txBody>
+        </p:sp>
+      </p:grpSp>
+      <p:grpSp>
+        <p:nvGrpSpPr>
+          <p:cNvPr id="175" name="组合 174"/>
+          <p:cNvGrpSpPr/>
+          <p:nvPr/>
+        </p:nvGrpSpPr>
+        <p:grpSpPr>
+          <a:xfrm>
+            <a:off x="629285" y="4055745"/>
+            <a:ext cx="1206500" cy="2132965"/>
+            <a:chOff x="277" y="2663"/>
+            <a:chExt cx="1900" cy="3359"/>
+          </a:xfrm>
+        </p:grpSpPr>
+        <p:sp>
+          <p:nvSpPr>
+            <p:cNvPr id="176" name="文本框 175"/>
+            <p:cNvSpPr txBox="1"/>
+            <p:nvPr/>
+          </p:nvSpPr>
+          <p:spPr>
+            <a:xfrm>
+              <a:off x="277" y="5539"/>
+              <a:ext cx="1740" cy="483"/>
+            </a:xfrm>
+            <a:prstGeom prst="rect">
+              <a:avLst/>
+            </a:prstGeom>
+            <a:noFill/>
+          </p:spPr>
+          <p:txBody>
+            <a:bodyPr wrap="square" rtlCol="0">
+              <a:spAutoFit/>
+            </a:bodyPr>
+            <a:p>
+              <a:r>
+                <a:rPr lang="en-US" altLang="zh-CN" sz="1400"/>
+                <a:t>6-4-2-1-0</a:t>
+              </a:r>
+              <a:endParaRPr lang="en-US" altLang="zh-CN" sz="1400"/>
+            </a:p>
+          </p:txBody>
+        </p:sp>
+        <p:grpSp>
+          <p:nvGrpSpPr>
+            <p:cNvPr id="177" name="组合 176"/>
+            <p:cNvGrpSpPr/>
+            <p:nvPr/>
+          </p:nvGrpSpPr>
+          <p:grpSpPr>
+            <a:xfrm>
+              <a:off x="445" y="2663"/>
+              <a:ext cx="1732" cy="2791"/>
+              <a:chOff x="445" y="2663"/>
+              <a:chExt cx="1732" cy="2791"/>
+            </a:xfrm>
+          </p:grpSpPr>
+          <p:grpSp>
+            <p:nvGrpSpPr>
+              <p:cNvPr id="178" name="组合 177"/>
+              <p:cNvGrpSpPr/>
+              <p:nvPr/>
+            </p:nvGrpSpPr>
+            <p:grpSpPr>
+              <a:xfrm>
+                <a:off x="445" y="2663"/>
+                <a:ext cx="1260" cy="2791"/>
+                <a:chOff x="445" y="2663"/>
+                <a:chExt cx="1260" cy="2791"/>
+              </a:xfrm>
+            </p:grpSpPr>
+            <p:grpSp>
+              <p:nvGrpSpPr>
+                <p:cNvPr id="179" name="组合 178"/>
+                <p:cNvGrpSpPr/>
+                <p:nvPr/>
+              </p:nvGrpSpPr>
+              <p:grpSpPr>
+                <a:xfrm>
+                  <a:off x="481" y="2663"/>
+                  <a:ext cx="1180" cy="2684"/>
+                  <a:chOff x="1147" y="2683"/>
+                  <a:chExt cx="1180" cy="2684"/>
+                </a:xfrm>
+              </p:grpSpPr>
+              <p:cxnSp>
+                <p:nvCxnSpPr>
+                  <p:cNvPr id="180" name="直接连接符 179"/>
+                  <p:cNvCxnSpPr/>
+                  <p:nvPr/>
+                </p:nvCxnSpPr>
+                <p:spPr>
+                  <a:xfrm>
+                    <a:off x="1147" y="2683"/>
+                    <a:ext cx="0" cy="2684"/>
+                  </a:xfrm>
+                  <a:prstGeom prst="line">
+                    <a:avLst/>
+                  </a:prstGeom>
+                </p:spPr>
+                <p:style>
+                  <a:lnRef idx="1">
+                    <a:schemeClr val="accent1"/>
+                  </a:lnRef>
+                  <a:fillRef idx="0">
+                    <a:schemeClr val="accent1"/>
+                  </a:fillRef>
+                  <a:effectRef idx="0">
+                    <a:schemeClr val="accent1"/>
+                  </a:effectRef>
+                  <a:fontRef idx="minor">
+                    <a:schemeClr val="tx1"/>
+                  </a:fontRef>
+                </p:style>
+              </p:cxnSp>
+              <p:cxnSp>
+                <p:nvCxnSpPr>
+                  <p:cNvPr id="181" name="直接连接符 180"/>
+                  <p:cNvCxnSpPr/>
+                  <p:nvPr/>
+                </p:nvCxnSpPr>
+                <p:spPr>
+                  <a:xfrm>
+                    <a:off x="2313" y="2683"/>
+                    <a:ext cx="0" cy="2684"/>
+                  </a:xfrm>
+                  <a:prstGeom prst="line">
+                    <a:avLst/>
+                  </a:prstGeom>
+                </p:spPr>
+                <p:style>
+                  <a:lnRef idx="1">
+                    <a:schemeClr val="accent1"/>
+                  </a:lnRef>
+                  <a:fillRef idx="0">
+                    <a:schemeClr val="accent1"/>
+                  </a:fillRef>
+                  <a:effectRef idx="0">
+                    <a:schemeClr val="accent1"/>
+                  </a:effectRef>
+                  <a:fontRef idx="minor">
+                    <a:schemeClr val="tx1"/>
+                  </a:fontRef>
+                </p:style>
+              </p:cxnSp>
+              <p:cxnSp>
+                <p:nvCxnSpPr>
+                  <p:cNvPr id="182" name="直接连接符 181"/>
+                  <p:cNvCxnSpPr/>
+                  <p:nvPr/>
+                </p:nvCxnSpPr>
+                <p:spPr>
+                  <a:xfrm>
+                    <a:off x="1169" y="5345"/>
+                    <a:ext cx="1159" cy="0"/>
+                  </a:xfrm>
+                  <a:prstGeom prst="line">
+                    <a:avLst/>
+                  </a:prstGeom>
+                </p:spPr>
+                <p:style>
+                  <a:lnRef idx="1">
+                    <a:schemeClr val="accent1"/>
+                  </a:lnRef>
+                  <a:fillRef idx="0">
+                    <a:schemeClr val="accent1"/>
+                  </a:fillRef>
+                  <a:effectRef idx="0">
+                    <a:schemeClr val="accent1"/>
+                  </a:effectRef>
+                  <a:fontRef idx="minor">
+                    <a:schemeClr val="tx1"/>
+                  </a:fontRef>
+                </p:style>
+              </p:cxnSp>
+            </p:grpSp>
+            <p:cxnSp>
+              <p:nvCxnSpPr>
+                <p:cNvPr id="183" name="直接连接符 182"/>
+                <p:cNvCxnSpPr/>
+                <p:nvPr/>
+              </p:nvCxnSpPr>
+              <p:spPr>
+                <a:xfrm>
+                  <a:off x="471" y="4873"/>
+                  <a:ext cx="1202" cy="0"/>
+                </a:xfrm>
+                <a:prstGeom prst="line">
+                  <a:avLst/>
+                </a:prstGeom>
+              </p:spPr>
+              <p:style>
+                <a:lnRef idx="1">
+                  <a:schemeClr val="accent1"/>
+                </a:lnRef>
+                <a:fillRef idx="0">
+                  <a:schemeClr val="accent1"/>
+                </a:fillRef>
+                <a:effectRef idx="0">
+                  <a:schemeClr val="accent1"/>
+                </a:effectRef>
+                <a:fontRef idx="minor">
+                  <a:schemeClr val="tx1"/>
+                </a:fontRef>
+              </p:style>
+            </p:cxnSp>
+            <p:cxnSp>
+              <p:nvCxnSpPr>
+                <p:cNvPr id="184" name="直接连接符 183"/>
+                <p:cNvCxnSpPr/>
+                <p:nvPr/>
+              </p:nvCxnSpPr>
+              <p:spPr>
+                <a:xfrm>
+                  <a:off x="503" y="4360"/>
+                  <a:ext cx="1202" cy="0"/>
+                </a:xfrm>
+                <a:prstGeom prst="line">
+                  <a:avLst/>
+                </a:prstGeom>
+              </p:spPr>
+              <p:style>
+                <a:lnRef idx="1">
+                  <a:schemeClr val="accent1"/>
+                </a:lnRef>
+                <a:fillRef idx="0">
+                  <a:schemeClr val="accent1"/>
+                </a:fillRef>
+                <a:effectRef idx="0">
+                  <a:schemeClr val="accent1"/>
+                </a:effectRef>
+                <a:fontRef idx="minor">
+                  <a:schemeClr val="tx1"/>
+                </a:fontRef>
+              </p:style>
+            </p:cxnSp>
+            <p:cxnSp>
+              <p:nvCxnSpPr>
+                <p:cNvPr id="185" name="直接连接符 184"/>
+                <p:cNvCxnSpPr/>
+                <p:nvPr/>
+              </p:nvCxnSpPr>
+              <p:spPr>
+                <a:xfrm>
+                  <a:off x="503" y="3849"/>
+                  <a:ext cx="1202" cy="0"/>
+                </a:xfrm>
+                <a:prstGeom prst="line">
+                  <a:avLst/>
+                </a:prstGeom>
+              </p:spPr>
+              <p:style>
+                <a:lnRef idx="1">
+                  <a:schemeClr val="accent1"/>
+                </a:lnRef>
+                <a:fillRef idx="0">
+                  <a:schemeClr val="accent1"/>
+                </a:fillRef>
+                <a:effectRef idx="0">
+                  <a:schemeClr val="accent1"/>
+                </a:effectRef>
+                <a:fontRef idx="minor">
+                  <a:schemeClr val="tx1"/>
+                </a:fontRef>
+              </p:style>
+            </p:cxnSp>
+            <p:cxnSp>
+              <p:nvCxnSpPr>
+                <p:cNvPr id="186" name="直接连接符 185"/>
+                <p:cNvCxnSpPr/>
+                <p:nvPr/>
+              </p:nvCxnSpPr>
+              <p:spPr>
+                <a:xfrm>
+                  <a:off x="445" y="3441"/>
+                  <a:ext cx="1202" cy="0"/>
+                </a:xfrm>
+                <a:prstGeom prst="line">
+                  <a:avLst/>
+                </a:prstGeom>
+              </p:spPr>
+              <p:style>
+                <a:lnRef idx="1">
+                  <a:schemeClr val="accent1"/>
+                </a:lnRef>
+                <a:fillRef idx="0">
+                  <a:schemeClr val="accent1"/>
+                </a:fillRef>
+                <a:effectRef idx="0">
+                  <a:schemeClr val="accent1"/>
+                </a:effectRef>
+                <a:fontRef idx="minor">
+                  <a:schemeClr val="tx1"/>
+                </a:fontRef>
+              </p:style>
+            </p:cxnSp>
+            <p:cxnSp>
+              <p:nvCxnSpPr>
+                <p:cNvPr id="187" name="直接连接符 186"/>
+                <p:cNvCxnSpPr/>
+                <p:nvPr/>
+              </p:nvCxnSpPr>
+              <p:spPr>
+                <a:xfrm>
+                  <a:off x="460" y="3052"/>
+                  <a:ext cx="1202" cy="0"/>
+                </a:xfrm>
+                <a:prstGeom prst="line">
+                  <a:avLst/>
+                </a:prstGeom>
+              </p:spPr>
+              <p:style>
+                <a:lnRef idx="1">
+                  <a:schemeClr val="accent1"/>
+                </a:lnRef>
+                <a:fillRef idx="0">
+                  <a:schemeClr val="accent1"/>
+                </a:fillRef>
+                <a:effectRef idx="0">
+                  <a:schemeClr val="accent1"/>
+                </a:effectRef>
+                <a:fontRef idx="minor">
+                  <a:schemeClr val="tx1"/>
+                </a:fontRef>
+              </p:style>
+            </p:cxnSp>
+            <p:sp>
+              <p:nvSpPr>
+                <p:cNvPr id="188" name="文本框 187"/>
+                <p:cNvSpPr txBox="1"/>
+                <p:nvPr/>
+              </p:nvSpPr>
+              <p:spPr>
+                <a:xfrm>
+                  <a:off x="514" y="4874"/>
+                  <a:ext cx="805" cy="580"/>
+                </a:xfrm>
+                <a:prstGeom prst="rect">
+                  <a:avLst/>
+                </a:prstGeom>
+                <a:noFill/>
+              </p:spPr>
+              <p:txBody>
+                <a:bodyPr wrap="square" rtlCol="0">
+                  <a:spAutoFit/>
+                </a:bodyPr>
+                <a:p>
+                  <a:r>
+                    <a:rPr lang="en-US" altLang="zh-CN"/>
+                    <a:t>6</a:t>
+                  </a:r>
+                  <a:endParaRPr lang="en-US" altLang="zh-CN"/>
+                </a:p>
+              </p:txBody>
+            </p:sp>
+          </p:grpSp>
+          <p:sp>
+            <p:nvSpPr>
+              <p:cNvPr id="189" name="右箭头 188"/>
+              <p:cNvSpPr/>
+              <p:nvPr/>
+            </p:nvSpPr>
+            <p:spPr>
+              <a:xfrm>
+                <a:off x="1705" y="3735"/>
+                <a:ext cx="472" cy="601"/>
+              </a:xfrm>
+              <a:prstGeom prst="rightArrow">
+                <a:avLst/>
+              </a:prstGeom>
+            </p:spPr>
+            <p:style>
+              <a:lnRef idx="2">
+                <a:schemeClr val="accent1">
+                  <a:shade val="50000"/>
+                </a:schemeClr>
+              </a:lnRef>
+              <a:fillRef idx="1">
+                <a:schemeClr val="accent1"/>
+              </a:fillRef>
+              <a:effectRef idx="0">
+                <a:schemeClr val="accent1"/>
+              </a:effectRef>
+              <a:fontRef idx="minor">
+                <a:schemeClr val="lt1"/>
+              </a:fontRef>
+            </p:style>
+            <p:txBody>
+              <a:bodyPr rtlCol="0" anchor="ctr"/>
+              <a:p>
+                <a:pPr algn="ctr"/>
+                <a:endParaRPr lang="zh-CN" altLang="en-US"/>
+              </a:p>
+            </p:txBody>
+          </p:sp>
+        </p:grpSp>
+        <p:sp>
+          <p:nvSpPr>
+            <p:cNvPr id="190" name="文本框 189"/>
+            <p:cNvSpPr txBox="1"/>
+            <p:nvPr/>
+          </p:nvSpPr>
+          <p:spPr>
+            <a:xfrm>
+              <a:off x="481" y="4336"/>
+              <a:ext cx="805" cy="580"/>
+            </a:xfrm>
+            <a:prstGeom prst="rect">
+              <a:avLst/>
+            </a:prstGeom>
+            <a:noFill/>
+          </p:spPr>
+          <p:txBody>
+            <a:bodyPr wrap="square" rtlCol="0">
+              <a:spAutoFit/>
+            </a:bodyPr>
+            <a:p>
+              <a:r>
+                <a:rPr lang="en-US" altLang="zh-CN"/>
+                <a:t>4</a:t>
+              </a:r>
+              <a:endParaRPr lang="en-US" altLang="zh-CN"/>
+            </a:p>
+          </p:txBody>
+        </p:sp>
+        <p:sp>
+          <p:nvSpPr>
+            <p:cNvPr id="191" name="文本框 190"/>
+            <p:cNvSpPr txBox="1"/>
+            <p:nvPr/>
+          </p:nvSpPr>
+          <p:spPr>
+            <a:xfrm>
+              <a:off x="514" y="3849"/>
+              <a:ext cx="805" cy="580"/>
+            </a:xfrm>
+            <a:prstGeom prst="rect">
+              <a:avLst/>
+            </a:prstGeom>
+            <a:noFill/>
+          </p:spPr>
+          <p:txBody>
+            <a:bodyPr wrap="square" rtlCol="0">
+              <a:spAutoFit/>
+            </a:bodyPr>
+            <a:p>
+              <a:r>
+                <a:rPr lang="en-US" altLang="zh-CN"/>
+                <a:t>2</a:t>
+              </a:r>
+              <a:endParaRPr lang="en-US" altLang="zh-CN"/>
+            </a:p>
+          </p:txBody>
+        </p:sp>
+        <p:sp>
+          <p:nvSpPr>
+            <p:cNvPr id="192" name="文本框 191"/>
+            <p:cNvSpPr txBox="1"/>
+            <p:nvPr/>
+          </p:nvSpPr>
+          <p:spPr>
+            <a:xfrm>
+              <a:off x="471" y="3353"/>
+              <a:ext cx="805" cy="580"/>
+            </a:xfrm>
+            <a:prstGeom prst="rect">
+              <a:avLst/>
+            </a:prstGeom>
+            <a:noFill/>
+          </p:spPr>
+          <p:txBody>
+            <a:bodyPr wrap="square" rtlCol="0">
+              <a:spAutoFit/>
+            </a:bodyPr>
+            <a:p>
+              <a:endParaRPr lang="en-US" altLang="zh-CN"/>
+            </a:p>
+          </p:txBody>
+        </p:sp>
+        <p:sp>
+          <p:nvSpPr>
+            <p:cNvPr id="193" name="文本框 192"/>
+            <p:cNvSpPr txBox="1"/>
+            <p:nvPr/>
+          </p:nvSpPr>
+          <p:spPr>
+            <a:xfrm>
+              <a:off x="503" y="2949"/>
+              <a:ext cx="805" cy="580"/>
+            </a:xfrm>
+            <a:prstGeom prst="rect">
+              <a:avLst/>
+            </a:prstGeom>
+            <a:noFill/>
+          </p:spPr>
+          <p:txBody>
+            <a:bodyPr wrap="square" rtlCol="0">
+              <a:spAutoFit/>
+            </a:bodyPr>
+            <a:p>
+              <a:endParaRPr lang="en-US" altLang="zh-CN"/>
+            </a:p>
+          </p:txBody>
+        </p:sp>
+      </p:grpSp>
+      <p:cxnSp>
+        <p:nvCxnSpPr>
+          <p:cNvPr id="195" name="肘形连接符 194"/>
+          <p:cNvCxnSpPr/>
+          <p:nvPr/>
+        </p:nvCxnSpPr>
+        <p:spPr>
+          <a:xfrm rot="10800000" flipV="1">
+            <a:off x="629285" y="3813175"/>
+            <a:ext cx="4377690" cy="1049020"/>
+          </a:xfrm>
+          <a:prstGeom prst="bentConnector3">
+            <a:avLst>
+              <a:gd name="adj1" fmla="val 105657"/>
+            </a:avLst>
+          </a:prstGeom>
+          <a:ln w="38100">
+            <a:prstDash val="dash"/>
+            <a:tailEnd type="arrow"/>
+          </a:ln>
+        </p:spPr>
+        <p:style>
+          <a:lnRef idx="1">
+            <a:schemeClr val="accent1"/>
+          </a:lnRef>
+          <a:fillRef idx="0">
+            <a:schemeClr val="accent1"/>
+          </a:fillRef>
+          <a:effectRef idx="0">
+            <a:schemeClr val="accent1"/>
+          </a:effectRef>
+          <a:fontRef idx="minor">
+            <a:schemeClr val="tx1"/>
+          </a:fontRef>
+        </p:style>
+      </p:cxnSp>
+      <p:grpSp>
+        <p:nvGrpSpPr>
+          <p:cNvPr id="196" name="组合 195"/>
+          <p:cNvGrpSpPr/>
+          <p:nvPr/>
+        </p:nvGrpSpPr>
+        <p:grpSpPr>
+          <a:xfrm>
+            <a:off x="1835785" y="4020185"/>
+            <a:ext cx="1206500" cy="2132965"/>
+            <a:chOff x="277" y="2663"/>
+            <a:chExt cx="1900" cy="3359"/>
+          </a:xfrm>
+        </p:grpSpPr>
+        <p:sp>
+          <p:nvSpPr>
+            <p:cNvPr id="197" name="文本框 196"/>
+            <p:cNvSpPr txBox="1"/>
+            <p:nvPr/>
+          </p:nvSpPr>
+          <p:spPr>
+            <a:xfrm>
+              <a:off x="277" y="5539"/>
+              <a:ext cx="1740" cy="483"/>
+            </a:xfrm>
+            <a:prstGeom prst="rect">
+              <a:avLst/>
+            </a:prstGeom>
+            <a:noFill/>
+          </p:spPr>
+          <p:txBody>
+            <a:bodyPr wrap="square" rtlCol="0">
+              <a:spAutoFit/>
+            </a:bodyPr>
+            <a:p>
+              <a:r>
+                <a:rPr lang="en-US" altLang="zh-CN" sz="1400"/>
+                <a:t>6-4-2-1-0-3</a:t>
+              </a:r>
+              <a:endParaRPr lang="en-US" altLang="zh-CN" sz="1400"/>
+            </a:p>
+          </p:txBody>
+        </p:sp>
+        <p:grpSp>
+          <p:nvGrpSpPr>
+            <p:cNvPr id="198" name="组合 197"/>
+            <p:cNvGrpSpPr/>
+            <p:nvPr/>
+          </p:nvGrpSpPr>
+          <p:grpSpPr>
+            <a:xfrm>
+              <a:off x="445" y="2663"/>
+              <a:ext cx="1732" cy="2791"/>
+              <a:chOff x="445" y="2663"/>
+              <a:chExt cx="1732" cy="2791"/>
+            </a:xfrm>
+          </p:grpSpPr>
+          <p:grpSp>
+            <p:nvGrpSpPr>
+              <p:cNvPr id="199" name="组合 198"/>
+              <p:cNvGrpSpPr/>
+              <p:nvPr/>
+            </p:nvGrpSpPr>
+            <p:grpSpPr>
+              <a:xfrm>
+                <a:off x="445" y="2663"/>
+                <a:ext cx="1260" cy="2791"/>
+                <a:chOff x="445" y="2663"/>
+                <a:chExt cx="1260" cy="2791"/>
+              </a:xfrm>
+            </p:grpSpPr>
+            <p:grpSp>
+              <p:nvGrpSpPr>
+                <p:cNvPr id="200" name="组合 199"/>
+                <p:cNvGrpSpPr/>
+                <p:nvPr/>
+              </p:nvGrpSpPr>
+              <p:grpSpPr>
+                <a:xfrm>
+                  <a:off x="481" y="2663"/>
+                  <a:ext cx="1180" cy="2684"/>
+                  <a:chOff x="1147" y="2683"/>
+                  <a:chExt cx="1180" cy="2684"/>
+                </a:xfrm>
+              </p:grpSpPr>
+              <p:cxnSp>
+                <p:nvCxnSpPr>
+                  <p:cNvPr id="201" name="直接连接符 200"/>
+                  <p:cNvCxnSpPr/>
+                  <p:nvPr/>
+                </p:nvCxnSpPr>
+                <p:spPr>
+                  <a:xfrm>
+                    <a:off x="1147" y="2683"/>
+                    <a:ext cx="0" cy="2684"/>
+                  </a:xfrm>
+                  <a:prstGeom prst="line">
+                    <a:avLst/>
+                  </a:prstGeom>
+                </p:spPr>
+                <p:style>
+                  <a:lnRef idx="1">
+                    <a:schemeClr val="accent1"/>
+                  </a:lnRef>
+                  <a:fillRef idx="0">
+                    <a:schemeClr val="accent1"/>
+                  </a:fillRef>
+                  <a:effectRef idx="0">
+                    <a:schemeClr val="accent1"/>
+                  </a:effectRef>
+                  <a:fontRef idx="minor">
+                    <a:schemeClr val="tx1"/>
+                  </a:fontRef>
+                </p:style>
+              </p:cxnSp>
+              <p:cxnSp>
+                <p:nvCxnSpPr>
+                  <p:cNvPr id="202" name="直接连接符 201"/>
+                  <p:cNvCxnSpPr/>
+                  <p:nvPr/>
+                </p:nvCxnSpPr>
+                <p:spPr>
+                  <a:xfrm>
+                    <a:off x="2313" y="2683"/>
+                    <a:ext cx="0" cy="2684"/>
+                  </a:xfrm>
+                  <a:prstGeom prst="line">
+                    <a:avLst/>
+                  </a:prstGeom>
+                </p:spPr>
+                <p:style>
+                  <a:lnRef idx="1">
+                    <a:schemeClr val="accent1"/>
+                  </a:lnRef>
+                  <a:fillRef idx="0">
+                    <a:schemeClr val="accent1"/>
+                  </a:fillRef>
+                  <a:effectRef idx="0">
+                    <a:schemeClr val="accent1"/>
+                  </a:effectRef>
+                  <a:fontRef idx="minor">
+                    <a:schemeClr val="tx1"/>
+                  </a:fontRef>
+                </p:style>
+              </p:cxnSp>
+              <p:cxnSp>
+                <p:nvCxnSpPr>
+                  <p:cNvPr id="203" name="直接连接符 202"/>
+                  <p:cNvCxnSpPr/>
+                  <p:nvPr/>
+                </p:nvCxnSpPr>
+                <p:spPr>
+                  <a:xfrm>
+                    <a:off x="1169" y="5345"/>
+                    <a:ext cx="1159" cy="0"/>
+                  </a:xfrm>
+                  <a:prstGeom prst="line">
+                    <a:avLst/>
+                  </a:prstGeom>
+                </p:spPr>
+                <p:style>
+                  <a:lnRef idx="1">
+                    <a:schemeClr val="accent1"/>
+                  </a:lnRef>
+                  <a:fillRef idx="0">
+                    <a:schemeClr val="accent1"/>
+                  </a:fillRef>
+                  <a:effectRef idx="0">
+                    <a:schemeClr val="accent1"/>
+                  </a:effectRef>
+                  <a:fontRef idx="minor">
+                    <a:schemeClr val="tx1"/>
+                  </a:fontRef>
+                </p:style>
+              </p:cxnSp>
+            </p:grpSp>
+            <p:cxnSp>
+              <p:nvCxnSpPr>
+                <p:cNvPr id="204" name="直接连接符 203"/>
+                <p:cNvCxnSpPr/>
+                <p:nvPr/>
+              </p:nvCxnSpPr>
+              <p:spPr>
+                <a:xfrm>
+                  <a:off x="471" y="4873"/>
+                  <a:ext cx="1202" cy="0"/>
+                </a:xfrm>
+                <a:prstGeom prst="line">
+                  <a:avLst/>
+                </a:prstGeom>
+              </p:spPr>
+              <p:style>
+                <a:lnRef idx="1">
+                  <a:schemeClr val="accent1"/>
+                </a:lnRef>
+                <a:fillRef idx="0">
+                  <a:schemeClr val="accent1"/>
+                </a:fillRef>
+                <a:effectRef idx="0">
+                  <a:schemeClr val="accent1"/>
+                </a:effectRef>
+                <a:fontRef idx="minor">
+                  <a:schemeClr val="tx1"/>
+                </a:fontRef>
+              </p:style>
+            </p:cxnSp>
+            <p:cxnSp>
+              <p:nvCxnSpPr>
+                <p:cNvPr id="205" name="直接连接符 204"/>
+                <p:cNvCxnSpPr/>
+                <p:nvPr/>
+              </p:nvCxnSpPr>
+              <p:spPr>
+                <a:xfrm>
+                  <a:off x="503" y="4360"/>
+                  <a:ext cx="1202" cy="0"/>
+                </a:xfrm>
+                <a:prstGeom prst="line">
+                  <a:avLst/>
+                </a:prstGeom>
+              </p:spPr>
+              <p:style>
+                <a:lnRef idx="1">
+                  <a:schemeClr val="accent1"/>
+                </a:lnRef>
+                <a:fillRef idx="0">
+                  <a:schemeClr val="accent1"/>
+                </a:fillRef>
+                <a:effectRef idx="0">
+                  <a:schemeClr val="accent1"/>
+                </a:effectRef>
+                <a:fontRef idx="minor">
+                  <a:schemeClr val="tx1"/>
+                </a:fontRef>
+              </p:style>
+            </p:cxnSp>
+            <p:cxnSp>
+              <p:nvCxnSpPr>
+                <p:cNvPr id="206" name="直接连接符 205"/>
+                <p:cNvCxnSpPr/>
+                <p:nvPr/>
+              </p:nvCxnSpPr>
+              <p:spPr>
+                <a:xfrm>
+                  <a:off x="503" y="3849"/>
+                  <a:ext cx="1202" cy="0"/>
+                </a:xfrm>
+                <a:prstGeom prst="line">
+                  <a:avLst/>
+                </a:prstGeom>
+              </p:spPr>
+              <p:style>
+                <a:lnRef idx="1">
+                  <a:schemeClr val="accent1"/>
+                </a:lnRef>
+                <a:fillRef idx="0">
+                  <a:schemeClr val="accent1"/>
+                </a:fillRef>
+                <a:effectRef idx="0">
+                  <a:schemeClr val="accent1"/>
+                </a:effectRef>
+                <a:fontRef idx="minor">
+                  <a:schemeClr val="tx1"/>
+                </a:fontRef>
+              </p:style>
+            </p:cxnSp>
+            <p:cxnSp>
+              <p:nvCxnSpPr>
+                <p:cNvPr id="207" name="直接连接符 206"/>
+                <p:cNvCxnSpPr/>
+                <p:nvPr/>
+              </p:nvCxnSpPr>
+              <p:spPr>
+                <a:xfrm>
+                  <a:off x="445" y="3441"/>
+                  <a:ext cx="1202" cy="0"/>
+                </a:xfrm>
+                <a:prstGeom prst="line">
+                  <a:avLst/>
+                </a:prstGeom>
+              </p:spPr>
+              <p:style>
+                <a:lnRef idx="1">
+                  <a:schemeClr val="accent1"/>
+                </a:lnRef>
+                <a:fillRef idx="0">
+                  <a:schemeClr val="accent1"/>
+                </a:fillRef>
+                <a:effectRef idx="0">
+                  <a:schemeClr val="accent1"/>
+                </a:effectRef>
+                <a:fontRef idx="minor">
+                  <a:schemeClr val="tx1"/>
+                </a:fontRef>
+              </p:style>
+            </p:cxnSp>
+            <p:cxnSp>
+              <p:nvCxnSpPr>
+                <p:cNvPr id="208" name="直接连接符 207"/>
+                <p:cNvCxnSpPr/>
+                <p:nvPr/>
+              </p:nvCxnSpPr>
+              <p:spPr>
+                <a:xfrm>
+                  <a:off x="460" y="3052"/>
+                  <a:ext cx="1202" cy="0"/>
+                </a:xfrm>
+                <a:prstGeom prst="line">
+                  <a:avLst/>
+                </a:prstGeom>
+              </p:spPr>
+              <p:style>
+                <a:lnRef idx="1">
+                  <a:schemeClr val="accent1"/>
+                </a:lnRef>
+                <a:fillRef idx="0">
+                  <a:schemeClr val="accent1"/>
+                </a:fillRef>
+                <a:effectRef idx="0">
+                  <a:schemeClr val="accent1"/>
+                </a:effectRef>
+                <a:fontRef idx="minor">
+                  <a:schemeClr val="tx1"/>
+                </a:fontRef>
+              </p:style>
+            </p:cxnSp>
+            <p:sp>
+              <p:nvSpPr>
+                <p:cNvPr id="209" name="文本框 208"/>
+                <p:cNvSpPr txBox="1"/>
+                <p:nvPr/>
+              </p:nvSpPr>
+              <p:spPr>
+                <a:xfrm>
+                  <a:off x="514" y="4874"/>
+                  <a:ext cx="805" cy="580"/>
+                </a:xfrm>
+                <a:prstGeom prst="rect">
+                  <a:avLst/>
+                </a:prstGeom>
+                <a:noFill/>
+              </p:spPr>
+              <p:txBody>
+                <a:bodyPr wrap="square" rtlCol="0">
+                  <a:spAutoFit/>
+                </a:bodyPr>
+                <a:p>
+                  <a:r>
+                    <a:rPr lang="en-US" altLang="zh-CN"/>
+                    <a:t>6</a:t>
+                  </a:r>
+                  <a:endParaRPr lang="en-US" altLang="zh-CN"/>
+                </a:p>
+              </p:txBody>
+            </p:sp>
+          </p:grpSp>
+          <p:sp>
+            <p:nvSpPr>
+              <p:cNvPr id="210" name="右箭头 209"/>
+              <p:cNvSpPr/>
+              <p:nvPr/>
+            </p:nvSpPr>
+            <p:spPr>
+              <a:xfrm>
+                <a:off x="1705" y="3735"/>
+                <a:ext cx="472" cy="601"/>
+              </a:xfrm>
+              <a:prstGeom prst="rightArrow">
+                <a:avLst/>
+              </a:prstGeom>
+            </p:spPr>
+            <p:style>
+              <a:lnRef idx="2">
+                <a:schemeClr val="accent1">
+                  <a:shade val="50000"/>
+                </a:schemeClr>
+              </a:lnRef>
+              <a:fillRef idx="1">
+                <a:schemeClr val="accent1"/>
+              </a:fillRef>
+              <a:effectRef idx="0">
+                <a:schemeClr val="accent1"/>
+              </a:effectRef>
+              <a:fontRef idx="minor">
+                <a:schemeClr val="lt1"/>
+              </a:fontRef>
+            </p:style>
+            <p:txBody>
+              <a:bodyPr rtlCol="0" anchor="ctr"/>
+              <a:p>
+                <a:pPr algn="ctr"/>
+                <a:endParaRPr lang="zh-CN" altLang="en-US"/>
+              </a:p>
+            </p:txBody>
+          </p:sp>
+        </p:grpSp>
+        <p:sp>
+          <p:nvSpPr>
+            <p:cNvPr id="211" name="文本框 210"/>
+            <p:cNvSpPr txBox="1"/>
+            <p:nvPr/>
+          </p:nvSpPr>
+          <p:spPr>
+            <a:xfrm>
+              <a:off x="481" y="4336"/>
+              <a:ext cx="805" cy="580"/>
+            </a:xfrm>
+            <a:prstGeom prst="rect">
+              <a:avLst/>
+            </a:prstGeom>
+            <a:noFill/>
+          </p:spPr>
+          <p:txBody>
+            <a:bodyPr wrap="square" rtlCol="0">
+              <a:spAutoFit/>
+            </a:bodyPr>
+            <a:p>
+              <a:r>
+                <a:rPr lang="en-US" altLang="zh-CN"/>
+                <a:t>4</a:t>
+              </a:r>
+              <a:endParaRPr lang="en-US" altLang="zh-CN"/>
+            </a:p>
+          </p:txBody>
+        </p:sp>
+        <p:sp>
+          <p:nvSpPr>
+            <p:cNvPr id="212" name="文本框 211"/>
+            <p:cNvSpPr txBox="1"/>
+            <p:nvPr/>
+          </p:nvSpPr>
+          <p:spPr>
+            <a:xfrm>
+              <a:off x="514" y="3849"/>
+              <a:ext cx="805" cy="580"/>
+            </a:xfrm>
+            <a:prstGeom prst="rect">
+              <a:avLst/>
+            </a:prstGeom>
+            <a:noFill/>
+          </p:spPr>
+          <p:txBody>
+            <a:bodyPr wrap="square" rtlCol="0">
+              <a:spAutoFit/>
+            </a:bodyPr>
+            <a:p>
+              <a:r>
+                <a:rPr lang="en-US" altLang="zh-CN"/>
+                <a:t>2</a:t>
+              </a:r>
+              <a:endParaRPr lang="en-US" altLang="zh-CN"/>
+            </a:p>
+          </p:txBody>
+        </p:sp>
+        <p:sp>
+          <p:nvSpPr>
+            <p:cNvPr id="213" name="文本框 212"/>
+            <p:cNvSpPr txBox="1"/>
+            <p:nvPr/>
+          </p:nvSpPr>
+          <p:spPr>
+            <a:xfrm>
+              <a:off x="471" y="3353"/>
+              <a:ext cx="805" cy="580"/>
+            </a:xfrm>
+            <a:prstGeom prst="rect">
+              <a:avLst/>
+            </a:prstGeom>
+            <a:noFill/>
+          </p:spPr>
+          <p:txBody>
+            <a:bodyPr wrap="square" rtlCol="0">
+              <a:spAutoFit/>
+            </a:bodyPr>
+            <a:p>
+              <a:r>
+                <a:rPr lang="en-US" altLang="zh-CN"/>
+                <a:t>3</a:t>
+              </a:r>
+              <a:endParaRPr lang="en-US" altLang="zh-CN"/>
+            </a:p>
+          </p:txBody>
+        </p:sp>
+        <p:sp>
+          <p:nvSpPr>
+            <p:cNvPr id="214" name="文本框 213"/>
+            <p:cNvSpPr txBox="1"/>
+            <p:nvPr/>
+          </p:nvSpPr>
+          <p:spPr>
+            <a:xfrm>
+              <a:off x="503" y="2949"/>
+              <a:ext cx="805" cy="580"/>
+            </a:xfrm>
+            <a:prstGeom prst="rect">
+              <a:avLst/>
+            </a:prstGeom>
+            <a:noFill/>
+          </p:spPr>
+          <p:txBody>
+            <a:bodyPr wrap="square" rtlCol="0">
+              <a:spAutoFit/>
+            </a:bodyPr>
+            <a:p>
+              <a:endParaRPr lang="en-US" altLang="zh-CN"/>
+            </a:p>
+          </p:txBody>
+        </p:sp>
+      </p:grpSp>
+      <p:grpSp>
+        <p:nvGrpSpPr>
+          <p:cNvPr id="215" name="组合 214"/>
+          <p:cNvGrpSpPr/>
+          <p:nvPr/>
+        </p:nvGrpSpPr>
+        <p:grpSpPr>
+          <a:xfrm>
+            <a:off x="2940685" y="4020185"/>
+            <a:ext cx="1912620" cy="2132965"/>
+            <a:chOff x="277" y="2663"/>
+            <a:chExt cx="3012" cy="3359"/>
+          </a:xfrm>
+        </p:grpSpPr>
+        <p:sp>
+          <p:nvSpPr>
+            <p:cNvPr id="216" name="文本框 215"/>
+            <p:cNvSpPr txBox="1"/>
+            <p:nvPr/>
+          </p:nvSpPr>
+          <p:spPr>
+            <a:xfrm>
+              <a:off x="277" y="5539"/>
+              <a:ext cx="1899" cy="483"/>
+            </a:xfrm>
+            <a:prstGeom prst="rect">
+              <a:avLst/>
+            </a:prstGeom>
+            <a:noFill/>
+          </p:spPr>
+          <p:txBody>
+            <a:bodyPr wrap="square" rtlCol="0">
+              <a:spAutoFit/>
+            </a:bodyPr>
+            <a:p>
+              <a:r>
+                <a:rPr lang="en-US" altLang="zh-CN" sz="1400"/>
+                <a:t>6-4-2-1-0-3-8</a:t>
+              </a:r>
+              <a:endParaRPr lang="en-US" altLang="zh-CN" sz="1400"/>
+            </a:p>
+          </p:txBody>
+        </p:sp>
+        <p:grpSp>
+          <p:nvGrpSpPr>
+            <p:cNvPr id="217" name="组合 216"/>
+            <p:cNvGrpSpPr/>
+            <p:nvPr/>
+          </p:nvGrpSpPr>
+          <p:grpSpPr>
+            <a:xfrm>
+              <a:off x="445" y="2663"/>
+              <a:ext cx="2844" cy="2791"/>
+              <a:chOff x="445" y="2663"/>
+              <a:chExt cx="2844" cy="2791"/>
+            </a:xfrm>
+          </p:grpSpPr>
+          <p:grpSp>
+            <p:nvGrpSpPr>
+              <p:cNvPr id="218" name="组合 217"/>
+              <p:cNvGrpSpPr/>
+              <p:nvPr/>
+            </p:nvGrpSpPr>
+            <p:grpSpPr>
+              <a:xfrm>
+                <a:off x="445" y="2663"/>
+                <a:ext cx="1260" cy="2791"/>
+                <a:chOff x="445" y="2663"/>
+                <a:chExt cx="1260" cy="2791"/>
+              </a:xfrm>
+            </p:grpSpPr>
+            <p:grpSp>
+              <p:nvGrpSpPr>
+                <p:cNvPr id="219" name="组合 218"/>
+                <p:cNvGrpSpPr/>
+                <p:nvPr/>
+              </p:nvGrpSpPr>
+              <p:grpSpPr>
+                <a:xfrm>
+                  <a:off x="481" y="2663"/>
+                  <a:ext cx="1180" cy="2684"/>
+                  <a:chOff x="1147" y="2683"/>
+                  <a:chExt cx="1180" cy="2684"/>
+                </a:xfrm>
+              </p:grpSpPr>
+              <p:cxnSp>
+                <p:nvCxnSpPr>
+                  <p:cNvPr id="220" name="直接连接符 219"/>
+                  <p:cNvCxnSpPr/>
+                  <p:nvPr/>
+                </p:nvCxnSpPr>
+                <p:spPr>
+                  <a:xfrm>
+                    <a:off x="1147" y="2683"/>
+                    <a:ext cx="0" cy="2684"/>
+                  </a:xfrm>
+                  <a:prstGeom prst="line">
+                    <a:avLst/>
+                  </a:prstGeom>
+                </p:spPr>
+                <p:style>
+                  <a:lnRef idx="1">
+                    <a:schemeClr val="accent1"/>
+                  </a:lnRef>
+                  <a:fillRef idx="0">
+                    <a:schemeClr val="accent1"/>
+                  </a:fillRef>
+                  <a:effectRef idx="0">
+                    <a:schemeClr val="accent1"/>
+                  </a:effectRef>
+                  <a:fontRef idx="minor">
+                    <a:schemeClr val="tx1"/>
+                  </a:fontRef>
+                </p:style>
+              </p:cxnSp>
+              <p:cxnSp>
+                <p:nvCxnSpPr>
+                  <p:cNvPr id="221" name="直接连接符 220"/>
+                  <p:cNvCxnSpPr/>
+                  <p:nvPr/>
+                </p:nvCxnSpPr>
+                <p:spPr>
+                  <a:xfrm>
+                    <a:off x="2313" y="2683"/>
+                    <a:ext cx="0" cy="2684"/>
+                  </a:xfrm>
+                  <a:prstGeom prst="line">
+                    <a:avLst/>
+                  </a:prstGeom>
+                </p:spPr>
+                <p:style>
+                  <a:lnRef idx="1">
+                    <a:schemeClr val="accent1"/>
+                  </a:lnRef>
+                  <a:fillRef idx="0">
+                    <a:schemeClr val="accent1"/>
+                  </a:fillRef>
+                  <a:effectRef idx="0">
+                    <a:schemeClr val="accent1"/>
+                  </a:effectRef>
+                  <a:fontRef idx="minor">
+                    <a:schemeClr val="tx1"/>
+                  </a:fontRef>
+                </p:style>
+              </p:cxnSp>
+              <p:cxnSp>
+                <p:nvCxnSpPr>
+                  <p:cNvPr id="222" name="直接连接符 221"/>
+                  <p:cNvCxnSpPr/>
+                  <p:nvPr/>
+                </p:nvCxnSpPr>
+                <p:spPr>
+                  <a:xfrm>
+                    <a:off x="1169" y="5345"/>
+                    <a:ext cx="1159" cy="0"/>
+                  </a:xfrm>
+                  <a:prstGeom prst="line">
+                    <a:avLst/>
+                  </a:prstGeom>
+                </p:spPr>
+                <p:style>
+                  <a:lnRef idx="1">
+                    <a:schemeClr val="accent1"/>
+                  </a:lnRef>
+                  <a:fillRef idx="0">
+                    <a:schemeClr val="accent1"/>
+                  </a:fillRef>
+                  <a:effectRef idx="0">
+                    <a:schemeClr val="accent1"/>
+                  </a:effectRef>
+                  <a:fontRef idx="minor">
+                    <a:schemeClr val="tx1"/>
+                  </a:fontRef>
+                </p:style>
+              </p:cxnSp>
+            </p:grpSp>
+            <p:cxnSp>
+              <p:nvCxnSpPr>
+                <p:cNvPr id="223" name="直接连接符 222"/>
+                <p:cNvCxnSpPr/>
+                <p:nvPr/>
+              </p:nvCxnSpPr>
+              <p:spPr>
+                <a:xfrm>
+                  <a:off x="471" y="4873"/>
+                  <a:ext cx="1202" cy="0"/>
+                </a:xfrm>
+                <a:prstGeom prst="line">
+                  <a:avLst/>
+                </a:prstGeom>
+              </p:spPr>
+              <p:style>
+                <a:lnRef idx="1">
+                  <a:schemeClr val="accent1"/>
+                </a:lnRef>
+                <a:fillRef idx="0">
+                  <a:schemeClr val="accent1"/>
+                </a:fillRef>
+                <a:effectRef idx="0">
+                  <a:schemeClr val="accent1"/>
+                </a:effectRef>
+                <a:fontRef idx="minor">
+                  <a:schemeClr val="tx1"/>
+                </a:fontRef>
+              </p:style>
+            </p:cxnSp>
+            <p:cxnSp>
+              <p:nvCxnSpPr>
+                <p:cNvPr id="224" name="直接连接符 223"/>
+                <p:cNvCxnSpPr/>
+                <p:nvPr/>
+              </p:nvCxnSpPr>
+              <p:spPr>
+                <a:xfrm>
+                  <a:off x="503" y="4360"/>
+                  <a:ext cx="1202" cy="0"/>
+                </a:xfrm>
+                <a:prstGeom prst="line">
+                  <a:avLst/>
+                </a:prstGeom>
+              </p:spPr>
+              <p:style>
+                <a:lnRef idx="1">
+                  <a:schemeClr val="accent1"/>
+                </a:lnRef>
+                <a:fillRef idx="0">
+                  <a:schemeClr val="accent1"/>
+                </a:fillRef>
+                <a:effectRef idx="0">
+                  <a:schemeClr val="accent1"/>
+                </a:effectRef>
+                <a:fontRef idx="minor">
+                  <a:schemeClr val="tx1"/>
+                </a:fontRef>
+              </p:style>
+            </p:cxnSp>
+            <p:cxnSp>
+              <p:nvCxnSpPr>
+                <p:cNvPr id="225" name="直接连接符 224"/>
+                <p:cNvCxnSpPr/>
+                <p:nvPr/>
+              </p:nvCxnSpPr>
+              <p:spPr>
+                <a:xfrm>
+                  <a:off x="503" y="3849"/>
+                  <a:ext cx="1202" cy="0"/>
+                </a:xfrm>
+                <a:prstGeom prst="line">
+                  <a:avLst/>
+                </a:prstGeom>
+              </p:spPr>
+              <p:style>
+                <a:lnRef idx="1">
+                  <a:schemeClr val="accent1"/>
+                </a:lnRef>
+                <a:fillRef idx="0">
+                  <a:schemeClr val="accent1"/>
+                </a:fillRef>
+                <a:effectRef idx="0">
+                  <a:schemeClr val="accent1"/>
+                </a:effectRef>
+                <a:fontRef idx="minor">
+                  <a:schemeClr val="tx1"/>
+                </a:fontRef>
+              </p:style>
+            </p:cxnSp>
+            <p:cxnSp>
+              <p:nvCxnSpPr>
+                <p:cNvPr id="226" name="直接连接符 225"/>
+                <p:cNvCxnSpPr/>
+                <p:nvPr/>
+              </p:nvCxnSpPr>
+              <p:spPr>
+                <a:xfrm>
+                  <a:off x="445" y="3441"/>
+                  <a:ext cx="1202" cy="0"/>
+                </a:xfrm>
+                <a:prstGeom prst="line">
+                  <a:avLst/>
+                </a:prstGeom>
+              </p:spPr>
+              <p:style>
+                <a:lnRef idx="1">
+                  <a:schemeClr val="accent1"/>
+                </a:lnRef>
+                <a:fillRef idx="0">
+                  <a:schemeClr val="accent1"/>
+                </a:fillRef>
+                <a:effectRef idx="0">
+                  <a:schemeClr val="accent1"/>
+                </a:effectRef>
+                <a:fontRef idx="minor">
+                  <a:schemeClr val="tx1"/>
+                </a:fontRef>
+              </p:style>
+            </p:cxnSp>
+            <p:cxnSp>
+              <p:nvCxnSpPr>
+                <p:cNvPr id="227" name="直接连接符 226"/>
+                <p:cNvCxnSpPr/>
+                <p:nvPr/>
+              </p:nvCxnSpPr>
+              <p:spPr>
+                <a:xfrm>
+                  <a:off x="460" y="3052"/>
+                  <a:ext cx="1202" cy="0"/>
+                </a:xfrm>
+                <a:prstGeom prst="line">
+                  <a:avLst/>
+                </a:prstGeom>
+              </p:spPr>
+              <p:style>
+                <a:lnRef idx="1">
+                  <a:schemeClr val="accent1"/>
+                </a:lnRef>
+                <a:fillRef idx="0">
+                  <a:schemeClr val="accent1"/>
+                </a:fillRef>
+                <a:effectRef idx="0">
+                  <a:schemeClr val="accent1"/>
+                </a:effectRef>
+                <a:fontRef idx="minor">
+                  <a:schemeClr val="tx1"/>
+                </a:fontRef>
+              </p:style>
+            </p:cxnSp>
+            <p:sp>
+              <p:nvSpPr>
+                <p:cNvPr id="228" name="文本框 227"/>
+                <p:cNvSpPr txBox="1"/>
+                <p:nvPr/>
+              </p:nvSpPr>
+              <p:spPr>
+                <a:xfrm>
+                  <a:off x="514" y="4874"/>
+                  <a:ext cx="805" cy="580"/>
+                </a:xfrm>
+                <a:prstGeom prst="rect">
+                  <a:avLst/>
+                </a:prstGeom>
+                <a:noFill/>
+              </p:spPr>
+              <p:txBody>
+                <a:bodyPr wrap="square" rtlCol="0">
+                  <a:spAutoFit/>
+                </a:bodyPr>
+                <a:p>
+                  <a:r>
+                    <a:rPr lang="en-US" altLang="zh-CN"/>
+                    <a:t>6</a:t>
+                  </a:r>
+                  <a:endParaRPr lang="en-US" altLang="zh-CN"/>
+                </a:p>
+              </p:txBody>
+            </p:sp>
+          </p:grpSp>
+          <p:sp>
+            <p:nvSpPr>
+              <p:cNvPr id="229" name="右箭头 228"/>
+              <p:cNvSpPr/>
+              <p:nvPr/>
+            </p:nvSpPr>
+            <p:spPr>
+              <a:xfrm>
+                <a:off x="1705" y="3649"/>
+                <a:ext cx="1584" cy="886"/>
+              </a:xfrm>
+              <a:prstGeom prst="rightArrow">
+                <a:avLst/>
+              </a:prstGeom>
+            </p:spPr>
+            <p:style>
+              <a:lnRef idx="2">
+                <a:schemeClr val="accent1"/>
+              </a:lnRef>
+              <a:fillRef idx="1">
+                <a:schemeClr val="lt1"/>
+              </a:fillRef>
+              <a:effectRef idx="0">
+                <a:schemeClr val="accent1"/>
+              </a:effectRef>
+              <a:fontRef idx="minor">
+                <a:schemeClr val="dk1"/>
+              </a:fontRef>
+            </p:style>
+            <p:txBody>
+              <a:bodyPr rtlCol="0" anchor="ctr"/>
+              <a:p>
+                <a:pPr algn="ctr"/>
+                <a:r>
+                  <a:rPr lang="zh-CN" altLang="en-US"/>
+                  <a:t>省略</a:t>
+                </a:r>
+                <a:r>
+                  <a:rPr lang="en-US" altLang="zh-CN"/>
+                  <a:t>...</a:t>
+                </a:r>
+                <a:endParaRPr lang="en-US" altLang="zh-CN"/>
+              </a:p>
+            </p:txBody>
+          </p:sp>
+        </p:grpSp>
+        <p:sp>
+          <p:nvSpPr>
+            <p:cNvPr id="230" name="文本框 229"/>
+            <p:cNvSpPr txBox="1"/>
+            <p:nvPr/>
+          </p:nvSpPr>
+          <p:spPr>
+            <a:xfrm>
+              <a:off x="481" y="4336"/>
+              <a:ext cx="805" cy="580"/>
+            </a:xfrm>
+            <a:prstGeom prst="rect">
+              <a:avLst/>
+            </a:prstGeom>
+            <a:noFill/>
+          </p:spPr>
+          <p:txBody>
+            <a:bodyPr wrap="square" rtlCol="0">
+              <a:spAutoFit/>
+            </a:bodyPr>
+            <a:p>
+              <a:r>
+                <a:rPr lang="en-US" altLang="zh-CN"/>
+                <a:t>4</a:t>
+              </a:r>
+              <a:endParaRPr lang="en-US" altLang="zh-CN"/>
+            </a:p>
+          </p:txBody>
+        </p:sp>
+        <p:sp>
+          <p:nvSpPr>
+            <p:cNvPr id="231" name="文本框 230"/>
+            <p:cNvSpPr txBox="1"/>
+            <p:nvPr/>
+          </p:nvSpPr>
+          <p:spPr>
+            <a:xfrm>
+              <a:off x="514" y="3849"/>
+              <a:ext cx="805" cy="580"/>
+            </a:xfrm>
+            <a:prstGeom prst="rect">
+              <a:avLst/>
+            </a:prstGeom>
+            <a:noFill/>
+          </p:spPr>
+          <p:txBody>
+            <a:bodyPr wrap="square" rtlCol="0">
+              <a:spAutoFit/>
+            </a:bodyPr>
+            <a:p>
+              <a:r>
+                <a:rPr lang="en-US" altLang="zh-CN"/>
+                <a:t>2</a:t>
+              </a:r>
+              <a:endParaRPr lang="en-US" altLang="zh-CN"/>
+            </a:p>
+          </p:txBody>
+        </p:sp>
+        <p:sp>
+          <p:nvSpPr>
+            <p:cNvPr id="232" name="文本框 231"/>
+            <p:cNvSpPr txBox="1"/>
+            <p:nvPr/>
+          </p:nvSpPr>
+          <p:spPr>
+            <a:xfrm>
+              <a:off x="471" y="3353"/>
+              <a:ext cx="805" cy="580"/>
+            </a:xfrm>
+            <a:prstGeom prst="rect">
+              <a:avLst/>
+            </a:prstGeom>
+            <a:noFill/>
+          </p:spPr>
+          <p:txBody>
+            <a:bodyPr wrap="square" rtlCol="0">
+              <a:spAutoFit/>
+            </a:bodyPr>
+            <a:p>
+              <a:r>
+                <a:rPr lang="en-US" altLang="zh-CN"/>
+                <a:t>8</a:t>
+              </a:r>
+              <a:endParaRPr lang="en-US" altLang="zh-CN"/>
+            </a:p>
+          </p:txBody>
+        </p:sp>
+        <p:sp>
+          <p:nvSpPr>
+            <p:cNvPr id="233" name="文本框 232"/>
+            <p:cNvSpPr txBox="1"/>
+            <p:nvPr/>
+          </p:nvSpPr>
+          <p:spPr>
+            <a:xfrm>
+              <a:off x="503" y="2949"/>
+              <a:ext cx="805" cy="580"/>
+            </a:xfrm>
+            <a:prstGeom prst="rect">
+              <a:avLst/>
+            </a:prstGeom>
+            <a:noFill/>
+          </p:spPr>
+          <p:txBody>
+            <a:bodyPr wrap="square" rtlCol="0">
+              <a:spAutoFit/>
+            </a:bodyPr>
+            <a:p>
+              <a:endParaRPr lang="en-US" altLang="zh-CN"/>
+            </a:p>
+          </p:txBody>
+        </p:sp>
+      </p:grpSp>
+      <p:grpSp>
+        <p:nvGrpSpPr>
+          <p:cNvPr id="251" name="组合 250"/>
+          <p:cNvGrpSpPr/>
+          <p:nvPr/>
+        </p:nvGrpSpPr>
+        <p:grpSpPr>
+          <a:xfrm>
+            <a:off x="6419215" y="2812415"/>
+            <a:ext cx="5399405" cy="4027170"/>
+            <a:chOff x="10260" y="4344"/>
+            <a:chExt cx="8503" cy="6342"/>
+          </a:xfrm>
+        </p:grpSpPr>
+        <p:grpSp>
+          <p:nvGrpSpPr>
+            <p:cNvPr id="7" name="组合 6"/>
+            <p:cNvGrpSpPr/>
+            <p:nvPr/>
+          </p:nvGrpSpPr>
+          <p:grpSpPr>
+            <a:xfrm>
+              <a:off x="10449" y="4360"/>
+              <a:ext cx="8314" cy="6327"/>
+              <a:chOff x="3042" y="1416"/>
+              <a:chExt cx="8742" cy="6288"/>
+            </a:xfrm>
+          </p:grpSpPr>
+          <p:grpSp>
+            <p:nvGrpSpPr>
+              <p:cNvPr id="8" name="组合 7"/>
+              <p:cNvGrpSpPr/>
+              <p:nvPr/>
+            </p:nvGrpSpPr>
+            <p:grpSpPr>
+              <a:xfrm>
+                <a:off x="3042" y="1416"/>
+                <a:ext cx="8743" cy="6288"/>
+                <a:chOff x="2978" y="1480"/>
+                <a:chExt cx="8743" cy="6288"/>
+              </a:xfrm>
+            </p:grpSpPr>
+            <p:sp>
+              <p:nvSpPr>
+                <p:cNvPr id="9" name="椭圆 8"/>
+                <p:cNvSpPr/>
+                <p:nvPr/>
+              </p:nvSpPr>
+              <p:spPr>
+                <a:xfrm>
+                  <a:off x="7492" y="1480"/>
+                  <a:ext cx="687" cy="709"/>
+                </a:xfrm>
+                <a:prstGeom prst="ellipse">
+                  <a:avLst/>
+                </a:prstGeom>
+                <a:ln w="28575"/>
+              </p:spPr>
+              <p:style>
+                <a:lnRef idx="2">
+                  <a:schemeClr val="accent1"/>
+                </a:lnRef>
+                <a:fillRef idx="1">
+                  <a:schemeClr val="lt1"/>
+                </a:fillRef>
+                <a:effectRef idx="0">
+                  <a:schemeClr val="accent1"/>
+                </a:effectRef>
+                <a:fontRef idx="minor">
+                  <a:schemeClr val="dk1"/>
+                </a:fontRef>
+              </p:style>
+              <p:txBody>
+                <a:bodyPr rtlCol="0" anchor="ctr"/>
+                <a:p>
+                  <a:pPr algn="ctr"/>
+                  <a:r>
+                    <a:rPr lang="en-US" altLang="zh-CN"/>
+                    <a:t>6</a:t>
+                  </a:r>
+                  <a:endParaRPr lang="en-US" altLang="zh-CN"/>
+                </a:p>
+              </p:txBody>
+            </p:sp>
+            <p:sp>
+              <p:nvSpPr>
+                <p:cNvPr id="10" name="椭圆 9"/>
+                <p:cNvSpPr/>
+                <p:nvPr/>
+              </p:nvSpPr>
+              <p:spPr>
+                <a:xfrm>
+                  <a:off x="6181" y="2663"/>
+                  <a:ext cx="687" cy="709"/>
+                </a:xfrm>
+                <a:prstGeom prst="ellipse">
+                  <a:avLst/>
+                </a:prstGeom>
+                <a:ln w="28575"/>
+              </p:spPr>
+              <p:style>
+                <a:lnRef idx="2">
+                  <a:schemeClr val="accent1"/>
+                </a:lnRef>
+                <a:fillRef idx="1">
+                  <a:schemeClr val="lt1"/>
+                </a:fillRef>
+                <a:effectRef idx="0">
+                  <a:schemeClr val="accent1"/>
+                </a:effectRef>
+                <a:fontRef idx="minor">
+                  <a:schemeClr val="dk1"/>
+                </a:fontRef>
+              </p:style>
+              <p:txBody>
+                <a:bodyPr rtlCol="0" anchor="ctr"/>
+                <a:p>
+                  <a:pPr algn="ctr"/>
+                  <a:r>
+                    <a:rPr lang="en-US" altLang="zh-CN"/>
+                    <a:t>4</a:t>
+                  </a:r>
+                  <a:endParaRPr lang="en-US" altLang="zh-CN"/>
+                </a:p>
+              </p:txBody>
+            </p:sp>
+            <p:sp>
+              <p:nvSpPr>
+                <p:cNvPr id="11" name="椭圆 10"/>
+                <p:cNvSpPr/>
+                <p:nvPr/>
+              </p:nvSpPr>
+              <p:spPr>
+                <a:xfrm>
+                  <a:off x="8995" y="2663"/>
+                  <a:ext cx="687" cy="709"/>
+                </a:xfrm>
+                <a:prstGeom prst="ellipse">
+                  <a:avLst/>
+                </a:prstGeom>
+                <a:ln w="28575"/>
+              </p:spPr>
+              <p:style>
+                <a:lnRef idx="2">
+                  <a:schemeClr val="accent1"/>
+                </a:lnRef>
+                <a:fillRef idx="1">
+                  <a:schemeClr val="lt1"/>
+                </a:fillRef>
+                <a:effectRef idx="0">
+                  <a:schemeClr val="accent1"/>
+                </a:effectRef>
+                <a:fontRef idx="minor">
+                  <a:schemeClr val="dk1"/>
+                </a:fontRef>
+              </p:style>
+              <p:txBody>
+                <a:bodyPr rtlCol="0" anchor="ctr"/>
+                <a:p>
+                  <a:pPr algn="ctr"/>
+                  <a:r>
+                    <a:rPr lang="en-US" altLang="zh-CN"/>
+                    <a:t>8</a:t>
+                  </a:r>
+                  <a:endParaRPr lang="en-US" altLang="zh-CN"/>
+                </a:p>
+              </p:txBody>
+            </p:sp>
+            <p:sp>
+              <p:nvSpPr>
+                <p:cNvPr id="12" name="椭圆 11"/>
+                <p:cNvSpPr/>
+                <p:nvPr/>
+              </p:nvSpPr>
+              <p:spPr>
+                <a:xfrm>
+                  <a:off x="5095" y="4104"/>
+                  <a:ext cx="687" cy="709"/>
+                </a:xfrm>
+                <a:prstGeom prst="ellipse">
+                  <a:avLst/>
+                </a:prstGeom>
+                <a:ln w="28575"/>
+              </p:spPr>
+              <p:style>
+                <a:lnRef idx="2">
+                  <a:schemeClr val="accent1"/>
+                </a:lnRef>
+                <a:fillRef idx="1">
+                  <a:schemeClr val="lt1"/>
+                </a:fillRef>
+                <a:effectRef idx="0">
+                  <a:schemeClr val="accent1"/>
+                </a:effectRef>
+                <a:fontRef idx="minor">
+                  <a:schemeClr val="dk1"/>
+                </a:fontRef>
+              </p:style>
+              <p:txBody>
+                <a:bodyPr rtlCol="0" anchor="ctr"/>
+                <a:p>
+                  <a:pPr algn="ctr"/>
+                  <a:r>
+                    <a:rPr lang="en-US" altLang="zh-CN"/>
+                    <a:t>2</a:t>
+                  </a:r>
+                  <a:endParaRPr lang="en-US" altLang="zh-CN"/>
+                </a:p>
+              </p:txBody>
+            </p:sp>
+            <p:sp>
+              <p:nvSpPr>
+                <p:cNvPr id="13" name="椭圆 12"/>
+                <p:cNvSpPr/>
+                <p:nvPr/>
+              </p:nvSpPr>
+              <p:spPr>
+                <a:xfrm>
+                  <a:off x="6031" y="5513"/>
+                  <a:ext cx="687" cy="709"/>
+                </a:xfrm>
+                <a:prstGeom prst="ellipse">
+                  <a:avLst/>
+                </a:prstGeom>
+                <a:ln w="28575"/>
+              </p:spPr>
+              <p:style>
+                <a:lnRef idx="2">
+                  <a:schemeClr val="accent1"/>
+                </a:lnRef>
+                <a:fillRef idx="1">
+                  <a:schemeClr val="lt1"/>
+                </a:fillRef>
+                <a:effectRef idx="0">
+                  <a:schemeClr val="accent1"/>
+                </a:effectRef>
+                <a:fontRef idx="minor">
+                  <a:schemeClr val="dk1"/>
+                </a:fontRef>
+              </p:style>
+              <p:txBody>
+                <a:bodyPr rtlCol="0" anchor="ctr"/>
+                <a:p>
+                  <a:pPr algn="ctr"/>
+                  <a:r>
+                    <a:rPr lang="en-US" altLang="zh-CN"/>
+                    <a:t>3</a:t>
+                  </a:r>
+                  <a:endParaRPr lang="en-US" altLang="zh-CN"/>
+                </a:p>
+              </p:txBody>
+            </p:sp>
+            <p:sp>
+              <p:nvSpPr>
+                <p:cNvPr id="14" name="椭圆 13"/>
+                <p:cNvSpPr/>
+                <p:nvPr/>
+              </p:nvSpPr>
+              <p:spPr>
+                <a:xfrm>
+                  <a:off x="8308" y="4104"/>
+                  <a:ext cx="687" cy="709"/>
+                </a:xfrm>
+                <a:prstGeom prst="ellipse">
+                  <a:avLst/>
+                </a:prstGeom>
+                <a:ln w="28575"/>
+              </p:spPr>
+              <p:style>
+                <a:lnRef idx="2">
+                  <a:schemeClr val="accent1"/>
+                </a:lnRef>
+                <a:fillRef idx="1">
+                  <a:schemeClr val="lt1"/>
+                </a:fillRef>
+                <a:effectRef idx="0">
+                  <a:schemeClr val="accent1"/>
+                </a:effectRef>
+                <a:fontRef idx="minor">
+                  <a:schemeClr val="dk1"/>
+                </a:fontRef>
+              </p:style>
+              <p:txBody>
+                <a:bodyPr rtlCol="0" anchor="ctr"/>
+                <a:p>
+                  <a:pPr algn="ctr"/>
+                  <a:r>
+                    <a:rPr lang="en-US" altLang="zh-CN"/>
+                    <a:t>7</a:t>
+                  </a:r>
+                  <a:endParaRPr lang="en-US" altLang="zh-CN"/>
+                </a:p>
+              </p:txBody>
+            </p:sp>
+            <p:sp>
+              <p:nvSpPr>
+                <p:cNvPr id="15" name="椭圆 14"/>
+                <p:cNvSpPr/>
+                <p:nvPr/>
+              </p:nvSpPr>
+              <p:spPr>
+                <a:xfrm>
+                  <a:off x="9904" y="4104"/>
+                  <a:ext cx="687" cy="709"/>
+                </a:xfrm>
+                <a:prstGeom prst="ellipse">
+                  <a:avLst/>
+                </a:prstGeom>
+                <a:ln w="28575"/>
+              </p:spPr>
+              <p:style>
+                <a:lnRef idx="2">
+                  <a:schemeClr val="accent1"/>
+                </a:lnRef>
+                <a:fillRef idx="1">
+                  <a:schemeClr val="lt1"/>
+                </a:fillRef>
+                <a:effectRef idx="0">
+                  <a:schemeClr val="accent1"/>
+                </a:effectRef>
+                <a:fontRef idx="minor">
+                  <a:schemeClr val="dk1"/>
+                </a:fontRef>
+              </p:style>
+              <p:txBody>
+                <a:bodyPr rtlCol="0" anchor="ctr"/>
+                <a:p>
+                  <a:pPr algn="ctr"/>
+                  <a:r>
+                    <a:rPr lang="en-US" altLang="zh-CN"/>
+                    <a:t>9</a:t>
+                  </a:r>
+                  <a:endParaRPr lang="en-US" altLang="zh-CN"/>
+                </a:p>
+              </p:txBody>
+            </p:sp>
+            <p:sp>
+              <p:nvSpPr>
+                <p:cNvPr id="16" name="椭圆 15"/>
+                <p:cNvSpPr/>
+                <p:nvPr/>
+              </p:nvSpPr>
+              <p:spPr>
+                <a:xfrm>
+                  <a:off x="4027" y="5513"/>
+                  <a:ext cx="687" cy="709"/>
+                </a:xfrm>
+                <a:prstGeom prst="ellipse">
+                  <a:avLst/>
+                </a:prstGeom>
+                <a:ln w="28575"/>
+              </p:spPr>
+              <p:style>
+                <a:lnRef idx="2">
+                  <a:schemeClr val="accent1"/>
+                </a:lnRef>
+                <a:fillRef idx="1">
+                  <a:schemeClr val="lt1"/>
+                </a:fillRef>
+                <a:effectRef idx="0">
+                  <a:schemeClr val="accent1"/>
+                </a:effectRef>
+                <a:fontRef idx="minor">
+                  <a:schemeClr val="dk1"/>
+                </a:fontRef>
+              </p:style>
+              <p:txBody>
+                <a:bodyPr rtlCol="0" anchor="ctr"/>
+                <a:p>
+                  <a:pPr algn="ctr"/>
+                  <a:r>
+                    <a:rPr lang="en-US" altLang="zh-CN"/>
+                    <a:t>1</a:t>
+                  </a:r>
+                  <a:endParaRPr lang="en-US" altLang="zh-CN"/>
+                </a:p>
+              </p:txBody>
+            </p:sp>
+            <p:sp>
+              <p:nvSpPr>
+                <p:cNvPr id="17" name="椭圆 16"/>
+                <p:cNvSpPr/>
+                <p:nvPr/>
+              </p:nvSpPr>
+              <p:spPr>
+                <a:xfrm>
+                  <a:off x="10863" y="5385"/>
+                  <a:ext cx="858" cy="837"/>
+                </a:xfrm>
+                <a:prstGeom prst="ellipse">
+                  <a:avLst/>
+                </a:prstGeom>
+                <a:ln w="28575"/>
+              </p:spPr>
+              <p:style>
+                <a:lnRef idx="2">
+                  <a:schemeClr val="accent1"/>
+                </a:lnRef>
+                <a:fillRef idx="1">
+                  <a:schemeClr val="lt1"/>
+                </a:fillRef>
+                <a:effectRef idx="0">
+                  <a:schemeClr val="accent1"/>
+                </a:effectRef>
+                <a:fontRef idx="minor">
+                  <a:schemeClr val="dk1"/>
+                </a:fontRef>
+              </p:style>
+              <p:txBody>
+                <a:bodyPr rtlCol="0" anchor="ctr"/>
+                <a:p>
+                  <a:pPr algn="ctr"/>
+                  <a:r>
+                    <a:rPr lang="en-US" altLang="zh-CN" sz="1400"/>
+                    <a:t>10</a:t>
+                  </a:r>
+                  <a:endParaRPr lang="en-US" altLang="zh-CN" sz="1400"/>
+                </a:p>
+              </p:txBody>
+            </p:sp>
+            <p:sp>
+              <p:nvSpPr>
+                <p:cNvPr id="18" name="椭圆 17"/>
+                <p:cNvSpPr/>
+                <p:nvPr/>
+              </p:nvSpPr>
+              <p:spPr>
+                <a:xfrm>
+                  <a:off x="2978" y="7060"/>
+                  <a:ext cx="687" cy="709"/>
+                </a:xfrm>
+                <a:prstGeom prst="ellipse">
+                  <a:avLst/>
+                </a:prstGeom>
+                <a:ln w="28575"/>
+              </p:spPr>
+              <p:style>
+                <a:lnRef idx="2">
+                  <a:schemeClr val="accent1"/>
+                </a:lnRef>
+                <a:fillRef idx="1">
+                  <a:schemeClr val="lt1"/>
+                </a:fillRef>
+                <a:effectRef idx="0">
+                  <a:schemeClr val="accent1"/>
+                </a:effectRef>
+                <a:fontRef idx="minor">
+                  <a:schemeClr val="dk1"/>
+                </a:fontRef>
+              </p:style>
+              <p:txBody>
+                <a:bodyPr rtlCol="0" anchor="ctr"/>
+                <a:p>
+                  <a:pPr algn="ctr"/>
+                  <a:r>
+                    <a:rPr lang="en-US" altLang="zh-CN"/>
+                    <a:t>0</a:t>
+                  </a:r>
+                  <a:endParaRPr lang="en-US" altLang="zh-CN"/>
+                </a:p>
+              </p:txBody>
+            </p:sp>
+          </p:grpSp>
+          <p:cxnSp>
+            <p:nvCxnSpPr>
+              <p:cNvPr id="19" name="直接箭头连接符 18"/>
+              <p:cNvCxnSpPr>
+                <a:stCxn id="9" idx="3"/>
+                <a:endCxn id="10" idx="7"/>
+              </p:cNvCxnSpPr>
+              <p:nvPr/>
+            </p:nvCxnSpPr>
+            <p:spPr>
+              <a:xfrm flipH="1">
+                <a:off x="6831" y="2021"/>
+                <a:ext cx="826" cy="682"/>
+              </a:xfrm>
+              <a:prstGeom prst="straightConnector1">
+                <a:avLst/>
+              </a:prstGeom>
+              <a:ln w="38100">
+                <a:solidFill>
+                  <a:srgbClr val="FF0000"/>
+                </a:solidFill>
+                <a:tailEnd type="arrow"/>
+              </a:ln>
+            </p:spPr>
+            <p:style>
+              <a:lnRef idx="1">
+                <a:schemeClr val="accent1"/>
+              </a:lnRef>
+              <a:fillRef idx="0">
+                <a:schemeClr val="accent1"/>
+              </a:fillRef>
+              <a:effectRef idx="0">
+                <a:schemeClr val="accent1"/>
+              </a:effectRef>
+              <a:fontRef idx="minor">
+                <a:schemeClr val="tx1"/>
+              </a:fontRef>
+            </p:style>
+          </p:cxnSp>
+          <p:cxnSp>
+            <p:nvCxnSpPr>
+              <p:cNvPr id="20" name="直接箭头连接符 19"/>
+              <p:cNvCxnSpPr>
+                <a:stCxn id="10" idx="3"/>
+                <a:endCxn id="12" idx="7"/>
+              </p:cNvCxnSpPr>
+              <p:nvPr/>
+            </p:nvCxnSpPr>
+            <p:spPr>
+              <a:xfrm flipH="1">
+                <a:off x="5745" y="3204"/>
+                <a:ext cx="601" cy="940"/>
+              </a:xfrm>
+              <a:prstGeom prst="straightConnector1">
+                <a:avLst/>
+              </a:prstGeom>
+              <a:ln w="38100">
+                <a:solidFill>
+                  <a:srgbClr val="FF0000"/>
+                </a:solidFill>
+                <a:tailEnd type="arrow"/>
+              </a:ln>
+            </p:spPr>
+            <p:style>
+              <a:lnRef idx="1">
+                <a:schemeClr val="accent1"/>
+              </a:lnRef>
+              <a:fillRef idx="0">
+                <a:schemeClr val="accent1"/>
+              </a:fillRef>
+              <a:effectRef idx="0">
+                <a:schemeClr val="accent1"/>
+              </a:effectRef>
+              <a:fontRef idx="minor">
+                <a:schemeClr val="tx1"/>
+              </a:fontRef>
+            </p:style>
+          </p:cxnSp>
+          <p:cxnSp>
+            <p:nvCxnSpPr>
+              <p:cNvPr id="21" name="直接箭头连接符 20"/>
+              <p:cNvCxnSpPr>
+                <a:stCxn id="12" idx="3"/>
+                <a:endCxn id="16" idx="7"/>
+              </p:cNvCxnSpPr>
+              <p:nvPr/>
+            </p:nvCxnSpPr>
+            <p:spPr>
+              <a:xfrm flipH="1">
+                <a:off x="4677" y="4645"/>
+                <a:ext cx="583" cy="908"/>
+              </a:xfrm>
+              <a:prstGeom prst="straightConnector1">
+                <a:avLst/>
+              </a:prstGeom>
+              <a:ln w="38100">
+                <a:solidFill>
+                  <a:srgbClr val="FF0000"/>
+                </a:solidFill>
+                <a:tailEnd type="arrow"/>
+              </a:ln>
+            </p:spPr>
+            <p:style>
+              <a:lnRef idx="1">
+                <a:schemeClr val="accent1"/>
+              </a:lnRef>
+              <a:fillRef idx="0">
+                <a:schemeClr val="accent1"/>
+              </a:fillRef>
+              <a:effectRef idx="0">
+                <a:schemeClr val="accent1"/>
+              </a:effectRef>
+              <a:fontRef idx="minor">
+                <a:schemeClr val="tx1"/>
+              </a:fontRef>
+            </p:style>
+          </p:cxnSp>
+          <p:cxnSp>
+            <p:nvCxnSpPr>
+              <p:cNvPr id="22" name="直接箭头连接符 21"/>
+              <p:cNvCxnSpPr>
+                <a:stCxn id="16" idx="3"/>
+                <a:endCxn id="18" idx="7"/>
+              </p:cNvCxnSpPr>
+              <p:nvPr/>
+            </p:nvCxnSpPr>
+            <p:spPr>
+              <a:xfrm flipH="1">
+                <a:off x="3628" y="6054"/>
+                <a:ext cx="564" cy="1046"/>
+              </a:xfrm>
+              <a:prstGeom prst="straightConnector1">
+                <a:avLst/>
+              </a:prstGeom>
+              <a:ln w="38100">
+                <a:solidFill>
+                  <a:srgbClr val="FF0000"/>
+                </a:solidFill>
+                <a:tailEnd type="arrow"/>
+              </a:ln>
+            </p:spPr>
+            <p:style>
+              <a:lnRef idx="1">
+                <a:schemeClr val="accent1"/>
+              </a:lnRef>
+              <a:fillRef idx="0">
+                <a:schemeClr val="accent1"/>
+              </a:fillRef>
+              <a:effectRef idx="0">
+                <a:schemeClr val="accent1"/>
+              </a:effectRef>
+              <a:fontRef idx="minor">
+                <a:schemeClr val="tx1"/>
+              </a:fontRef>
+            </p:style>
+          </p:cxnSp>
+          <p:cxnSp>
+            <p:nvCxnSpPr>
+              <p:cNvPr id="23" name="直接箭头连接符 22"/>
+              <p:cNvCxnSpPr>
+                <a:stCxn id="12" idx="5"/>
+                <a:endCxn id="13" idx="0"/>
+              </p:cNvCxnSpPr>
+              <p:nvPr/>
+            </p:nvCxnSpPr>
+            <p:spPr>
+              <a:xfrm>
+                <a:off x="5745" y="4645"/>
+                <a:ext cx="694" cy="804"/>
+              </a:xfrm>
+              <a:prstGeom prst="straightConnector1">
+                <a:avLst/>
+              </a:prstGeom>
+              <a:ln w="38100">
+                <a:solidFill>
+                  <a:srgbClr val="FF0000"/>
+                </a:solidFill>
+                <a:tailEnd type="arrow"/>
+              </a:ln>
+            </p:spPr>
+            <p:style>
+              <a:lnRef idx="1">
+                <a:schemeClr val="accent1"/>
+              </a:lnRef>
+              <a:fillRef idx="0">
+                <a:schemeClr val="accent1"/>
+              </a:fillRef>
+              <a:effectRef idx="0">
+                <a:schemeClr val="accent1"/>
+              </a:effectRef>
+              <a:fontRef idx="minor">
+                <a:schemeClr val="tx1"/>
+              </a:fontRef>
+            </p:style>
+          </p:cxnSp>
+          <p:cxnSp>
+            <p:nvCxnSpPr>
+              <p:cNvPr id="24" name="直接箭头连接符 23"/>
+              <p:cNvCxnSpPr>
+                <a:stCxn id="11" idx="5"/>
+                <a:endCxn id="15" idx="0"/>
+              </p:cNvCxnSpPr>
+              <p:nvPr/>
+            </p:nvCxnSpPr>
+            <p:spPr>
+              <a:xfrm>
+                <a:off x="9645" y="3204"/>
+                <a:ext cx="667" cy="836"/>
+              </a:xfrm>
+              <a:prstGeom prst="straightConnector1">
+                <a:avLst/>
+              </a:prstGeom>
+              <a:ln w="38100">
+                <a:solidFill>
+                  <a:srgbClr val="FF0000"/>
+                </a:solidFill>
+                <a:tailEnd type="arrow"/>
+              </a:ln>
+            </p:spPr>
+            <p:style>
+              <a:lnRef idx="1">
+                <a:schemeClr val="accent1"/>
+              </a:lnRef>
+              <a:fillRef idx="0">
+                <a:schemeClr val="accent1"/>
+              </a:fillRef>
+              <a:effectRef idx="0">
+                <a:schemeClr val="accent1"/>
+              </a:effectRef>
+              <a:fontRef idx="minor">
+                <a:schemeClr val="tx1"/>
+              </a:fontRef>
+            </p:style>
+          </p:cxnSp>
+          <p:cxnSp>
+            <p:nvCxnSpPr>
+              <p:cNvPr id="46" name="直接箭头连接符 45"/>
+              <p:cNvCxnSpPr>
+                <a:stCxn id="11" idx="3"/>
+                <a:endCxn id="14" idx="0"/>
+              </p:cNvCxnSpPr>
+              <p:nvPr/>
+            </p:nvCxnSpPr>
+            <p:spPr>
+              <a:xfrm flipH="1">
+                <a:off x="8716" y="3204"/>
+                <a:ext cx="444" cy="836"/>
+              </a:xfrm>
+              <a:prstGeom prst="straightConnector1">
+                <a:avLst/>
+              </a:prstGeom>
+              <a:ln w="38100">
+                <a:solidFill>
+                  <a:srgbClr val="FF0000"/>
+                </a:solidFill>
+                <a:tailEnd type="arrow"/>
+              </a:ln>
+            </p:spPr>
+            <p:style>
+              <a:lnRef idx="1">
+                <a:schemeClr val="accent1"/>
+              </a:lnRef>
+              <a:fillRef idx="0">
+                <a:schemeClr val="accent1"/>
+              </a:fillRef>
+              <a:effectRef idx="0">
+                <a:schemeClr val="accent1"/>
+              </a:effectRef>
+              <a:fontRef idx="minor">
+                <a:schemeClr val="tx1"/>
+              </a:fontRef>
+            </p:style>
+          </p:cxnSp>
+          <p:cxnSp>
+            <p:nvCxnSpPr>
+              <p:cNvPr id="47" name="直接箭头连接符 46"/>
+              <p:cNvCxnSpPr>
+                <a:stCxn id="15" idx="5"/>
+                <a:endCxn id="17" idx="1"/>
+              </p:cNvCxnSpPr>
+              <p:nvPr/>
+            </p:nvCxnSpPr>
+            <p:spPr>
+              <a:xfrm>
+                <a:off x="10554" y="4645"/>
+                <a:ext cx="499" cy="799"/>
+              </a:xfrm>
+              <a:prstGeom prst="straightConnector1">
+                <a:avLst/>
+              </a:prstGeom>
+              <a:ln w="38100">
+                <a:solidFill>
+                  <a:srgbClr val="FF0000"/>
+                </a:solidFill>
+                <a:tailEnd type="arrow"/>
+              </a:ln>
+            </p:spPr>
+            <p:style>
+              <a:lnRef idx="1">
+                <a:schemeClr val="accent1"/>
+              </a:lnRef>
+              <a:fillRef idx="0">
+                <a:schemeClr val="accent1"/>
+              </a:fillRef>
+              <a:effectRef idx="0">
+                <a:schemeClr val="accent1"/>
+              </a:effectRef>
+              <a:fontRef idx="minor">
+                <a:schemeClr val="tx1"/>
+              </a:fontRef>
+            </p:style>
+          </p:cxnSp>
+          <p:cxnSp>
+            <p:nvCxnSpPr>
+              <p:cNvPr id="48" name="直接箭头连接符 47"/>
+              <p:cNvCxnSpPr>
+                <a:stCxn id="9" idx="5"/>
+                <a:endCxn id="11" idx="1"/>
+              </p:cNvCxnSpPr>
+              <p:nvPr/>
+            </p:nvCxnSpPr>
+            <p:spPr>
+              <a:xfrm>
+                <a:off x="8142" y="2021"/>
+                <a:ext cx="1018" cy="682"/>
+              </a:xfrm>
+              <a:prstGeom prst="straightConnector1">
+                <a:avLst/>
+              </a:prstGeom>
+              <a:ln w="38100">
+                <a:solidFill>
+                  <a:srgbClr val="FF0000"/>
+                </a:solidFill>
+                <a:tailEnd type="arrow"/>
+              </a:ln>
+            </p:spPr>
+            <p:style>
+              <a:lnRef idx="1">
+                <a:schemeClr val="accent1"/>
+              </a:lnRef>
+              <a:fillRef idx="0">
+                <a:schemeClr val="accent1"/>
+              </a:fillRef>
+              <a:effectRef idx="0">
+                <a:schemeClr val="accent1"/>
+              </a:effectRef>
+              <a:fontRef idx="minor">
+                <a:schemeClr val="tx1"/>
+              </a:fontRef>
+            </p:style>
+          </p:cxnSp>
+        </p:grpSp>
+        <p:cxnSp>
+          <p:nvCxnSpPr>
+            <p:cNvPr id="236" name="直接箭头连接符 235"/>
+            <p:cNvCxnSpPr/>
+            <p:nvPr/>
+          </p:nvCxnSpPr>
+          <p:spPr>
+            <a:xfrm flipH="1">
+              <a:off x="13353" y="4344"/>
+              <a:ext cx="1138" cy="1160"/>
+            </a:xfrm>
+            <a:prstGeom prst="straightConnector1">
+              <a:avLst/>
+            </a:prstGeom>
+            <a:ln w="28575">
+              <a:solidFill>
+                <a:srgbClr val="7030A0"/>
+              </a:solidFill>
+              <a:prstDash val="sysDash"/>
+              <a:tailEnd type="arrow"/>
+            </a:ln>
+          </p:spPr>
+          <p:style>
+            <a:lnRef idx="1">
+              <a:schemeClr val="accent1"/>
+            </a:lnRef>
+            <a:fillRef idx="0">
+              <a:schemeClr val="accent1"/>
+            </a:fillRef>
+            <a:effectRef idx="0">
+              <a:schemeClr val="accent1"/>
+            </a:effectRef>
+            <a:fontRef idx="minor">
+              <a:schemeClr val="tx1"/>
+            </a:fontRef>
+          </p:style>
+        </p:cxnSp>
+        <p:cxnSp>
+          <p:nvCxnSpPr>
+            <p:cNvPr id="240" name="直接箭头连接符 239"/>
+            <p:cNvCxnSpPr/>
+            <p:nvPr/>
+          </p:nvCxnSpPr>
+          <p:spPr>
+            <a:xfrm flipH="1">
+              <a:off x="12245" y="5655"/>
+              <a:ext cx="1021" cy="1239"/>
+            </a:xfrm>
+            <a:prstGeom prst="straightConnector1">
+              <a:avLst/>
+            </a:prstGeom>
+            <a:ln w="28575">
+              <a:solidFill>
+                <a:srgbClr val="7030A0"/>
+              </a:solidFill>
+              <a:prstDash val="sysDash"/>
+              <a:tailEnd type="arrow"/>
+            </a:ln>
+          </p:spPr>
+          <p:style>
+            <a:lnRef idx="1">
+              <a:schemeClr val="accent1"/>
+            </a:lnRef>
+            <a:fillRef idx="0">
+              <a:schemeClr val="accent1"/>
+            </a:fillRef>
+            <a:effectRef idx="0">
+              <a:schemeClr val="accent1"/>
+            </a:effectRef>
+            <a:fontRef idx="minor">
+              <a:schemeClr val="tx1"/>
+            </a:fontRef>
+          </p:style>
+        </p:cxnSp>
+        <p:cxnSp>
+          <p:nvCxnSpPr>
+            <p:cNvPr id="241" name="直接箭头连接符 240"/>
+            <p:cNvCxnSpPr/>
+            <p:nvPr/>
+          </p:nvCxnSpPr>
+          <p:spPr>
+            <a:xfrm flipH="1">
+              <a:off x="11241" y="7072"/>
+              <a:ext cx="915" cy="1339"/>
+            </a:xfrm>
+            <a:prstGeom prst="straightConnector1">
+              <a:avLst/>
+            </a:prstGeom>
+            <a:ln w="28575">
+              <a:solidFill>
+                <a:srgbClr val="7030A0"/>
+              </a:solidFill>
+              <a:prstDash val="sysDash"/>
+              <a:tailEnd type="arrow"/>
+            </a:ln>
+          </p:spPr>
+          <p:style>
+            <a:lnRef idx="1">
+              <a:schemeClr val="accent1"/>
+            </a:lnRef>
+            <a:fillRef idx="0">
+              <a:schemeClr val="accent1"/>
+            </a:fillRef>
+            <a:effectRef idx="0">
+              <a:schemeClr val="accent1"/>
+            </a:effectRef>
+            <a:fontRef idx="minor">
+              <a:schemeClr val="tx1"/>
+            </a:fontRef>
+          </p:style>
+        </p:cxnSp>
+        <p:cxnSp>
+          <p:nvCxnSpPr>
+            <p:cNvPr id="242" name="直接箭头连接符 241"/>
+            <p:cNvCxnSpPr/>
+            <p:nvPr/>
+          </p:nvCxnSpPr>
+          <p:spPr>
+            <a:xfrm flipH="1">
+              <a:off x="10260" y="8597"/>
+              <a:ext cx="842" cy="1421"/>
+            </a:xfrm>
+            <a:prstGeom prst="straightConnector1">
+              <a:avLst/>
+            </a:prstGeom>
+            <a:ln w="28575">
+              <a:solidFill>
+                <a:srgbClr val="7030A0"/>
+              </a:solidFill>
+              <a:prstDash val="sysDash"/>
+              <a:tailEnd type="arrow"/>
+            </a:ln>
+          </p:spPr>
+          <p:style>
+            <a:lnRef idx="1">
+              <a:schemeClr val="accent1"/>
+            </a:lnRef>
+            <a:fillRef idx="0">
+              <a:schemeClr val="accent1"/>
+            </a:fillRef>
+            <a:effectRef idx="0">
+              <a:schemeClr val="accent1"/>
+            </a:effectRef>
+            <a:fontRef idx="minor">
+              <a:schemeClr val="tx1"/>
+            </a:fontRef>
+          </p:style>
+        </p:cxnSp>
+        <p:cxnSp>
+          <p:nvCxnSpPr>
+            <p:cNvPr id="243" name="直接箭头连接符 242"/>
+            <p:cNvCxnSpPr/>
+            <p:nvPr/>
+          </p:nvCxnSpPr>
+          <p:spPr>
+            <a:xfrm flipV="1">
+              <a:off x="11498" y="7987"/>
+              <a:ext cx="1261" cy="2501"/>
+            </a:xfrm>
+            <a:prstGeom prst="straightConnector1">
+              <a:avLst/>
+            </a:prstGeom>
+            <a:ln w="28575">
+              <a:solidFill>
+                <a:srgbClr val="7030A0"/>
+              </a:solidFill>
+              <a:prstDash val="sysDash"/>
+              <a:tailEnd type="arrow"/>
+            </a:ln>
+          </p:spPr>
+          <p:style>
+            <a:lnRef idx="1">
+              <a:schemeClr val="accent1"/>
+            </a:lnRef>
+            <a:fillRef idx="0">
+              <a:schemeClr val="accent1"/>
+            </a:fillRef>
+            <a:effectRef idx="0">
+              <a:schemeClr val="accent1"/>
+            </a:effectRef>
+            <a:fontRef idx="minor">
+              <a:schemeClr val="tx1"/>
+            </a:fontRef>
+          </p:style>
+        </p:cxnSp>
+        <p:cxnSp>
+          <p:nvCxnSpPr>
+            <p:cNvPr id="244" name="直接箭头连接符 243"/>
+            <p:cNvCxnSpPr/>
+            <p:nvPr/>
+          </p:nvCxnSpPr>
+          <p:spPr>
+            <a:xfrm>
+              <a:off x="12850" y="8047"/>
+              <a:ext cx="533" cy="1323"/>
+            </a:xfrm>
+            <a:prstGeom prst="straightConnector1">
+              <a:avLst/>
+            </a:prstGeom>
+            <a:ln w="28575">
+              <a:solidFill>
+                <a:srgbClr val="7030A0"/>
+              </a:solidFill>
+              <a:prstDash val="sysDash"/>
+              <a:tailEnd type="arrow"/>
+            </a:ln>
+          </p:spPr>
+          <p:style>
+            <a:lnRef idx="1">
+              <a:schemeClr val="accent1"/>
+            </a:lnRef>
+            <a:fillRef idx="0">
+              <a:schemeClr val="accent1"/>
+            </a:fillRef>
+            <a:effectRef idx="0">
+              <a:schemeClr val="accent1"/>
+            </a:effectRef>
+            <a:fontRef idx="minor">
+              <a:schemeClr val="tx1"/>
+            </a:fontRef>
+          </p:style>
+        </p:cxnSp>
+        <p:cxnSp>
+          <p:nvCxnSpPr>
+            <p:cNvPr id="245" name="直接箭头连接符 244"/>
+            <p:cNvCxnSpPr/>
+            <p:nvPr/>
+          </p:nvCxnSpPr>
+          <p:spPr>
+            <a:xfrm flipH="1" flipV="1">
+              <a:off x="13406" y="7318"/>
+              <a:ext cx="714" cy="892"/>
+            </a:xfrm>
+            <a:prstGeom prst="straightConnector1">
+              <a:avLst/>
+            </a:prstGeom>
+            <a:ln w="28575">
+              <a:solidFill>
+                <a:srgbClr val="7030A0"/>
+              </a:solidFill>
+              <a:prstDash val="sysDash"/>
+              <a:tailEnd type="arrow"/>
+            </a:ln>
+          </p:spPr>
+          <p:style>
+            <a:lnRef idx="1">
+              <a:schemeClr val="accent1"/>
+            </a:lnRef>
+            <a:fillRef idx="0">
+              <a:schemeClr val="accent1"/>
+            </a:fillRef>
+            <a:effectRef idx="0">
+              <a:schemeClr val="accent1"/>
+            </a:effectRef>
+            <a:fontRef idx="minor">
+              <a:schemeClr val="tx1"/>
+            </a:fontRef>
+          </p:style>
+        </p:cxnSp>
+        <p:cxnSp>
+          <p:nvCxnSpPr>
+            <p:cNvPr id="246" name="直接箭头连接符 245"/>
+            <p:cNvCxnSpPr/>
+            <p:nvPr/>
+          </p:nvCxnSpPr>
+          <p:spPr>
+            <a:xfrm flipV="1">
+              <a:off x="13495" y="5421"/>
+              <a:ext cx="1584" cy="1807"/>
+            </a:xfrm>
+            <a:prstGeom prst="straightConnector1">
+              <a:avLst/>
+            </a:prstGeom>
+            <a:ln w="28575">
+              <a:solidFill>
+                <a:srgbClr val="7030A0"/>
+              </a:solidFill>
+              <a:prstDash val="sysDash"/>
+              <a:tailEnd type="arrow"/>
+            </a:ln>
+          </p:spPr>
+          <p:style>
+            <a:lnRef idx="1">
+              <a:schemeClr val="accent1"/>
+            </a:lnRef>
+            <a:fillRef idx="0">
+              <a:schemeClr val="accent1"/>
+            </a:fillRef>
+            <a:effectRef idx="0">
+              <a:schemeClr val="accent1"/>
+            </a:effectRef>
+            <a:fontRef idx="minor">
+              <a:schemeClr val="tx1"/>
+            </a:fontRef>
+          </p:style>
+        </p:cxnSp>
+        <p:cxnSp>
+          <p:nvCxnSpPr>
+            <p:cNvPr id="247" name="直接箭头连接符 246"/>
+            <p:cNvCxnSpPr/>
+            <p:nvPr/>
+          </p:nvCxnSpPr>
+          <p:spPr>
+            <a:xfrm>
+              <a:off x="15124" y="5488"/>
+              <a:ext cx="937" cy="580"/>
+            </a:xfrm>
+            <a:prstGeom prst="straightConnector1">
+              <a:avLst/>
+            </a:prstGeom>
+            <a:ln w="28575">
+              <a:solidFill>
+                <a:srgbClr val="7030A0"/>
+              </a:solidFill>
+              <a:prstDash val="sysDash"/>
+              <a:tailEnd type="arrow"/>
+            </a:ln>
+          </p:spPr>
+          <p:style>
+            <a:lnRef idx="1">
+              <a:schemeClr val="accent1"/>
+            </a:lnRef>
+            <a:fillRef idx="0">
+              <a:schemeClr val="accent1"/>
+            </a:fillRef>
+            <a:effectRef idx="0">
+              <a:schemeClr val="accent1"/>
+            </a:effectRef>
+            <a:fontRef idx="minor">
+              <a:schemeClr val="tx1"/>
+            </a:fontRef>
+          </p:style>
+        </p:cxnSp>
+        <p:cxnSp>
+          <p:nvCxnSpPr>
+            <p:cNvPr id="248" name="直接箭头连接符 247"/>
+            <p:cNvCxnSpPr/>
+            <p:nvPr/>
+          </p:nvCxnSpPr>
+          <p:spPr>
+            <a:xfrm flipH="1">
+              <a:off x="15280" y="6093"/>
+              <a:ext cx="696" cy="1068"/>
+            </a:xfrm>
+            <a:prstGeom prst="straightConnector1">
+              <a:avLst/>
+            </a:prstGeom>
+            <a:ln w="28575">
+              <a:solidFill>
+                <a:srgbClr val="7030A0"/>
+              </a:solidFill>
+              <a:prstDash val="sysDash"/>
+              <a:tailEnd type="arrow"/>
+            </a:ln>
+          </p:spPr>
+          <p:style>
+            <a:lnRef idx="1">
+              <a:schemeClr val="accent1"/>
+            </a:lnRef>
+            <a:fillRef idx="0">
+              <a:schemeClr val="accent1"/>
+            </a:fillRef>
+            <a:effectRef idx="0">
+              <a:schemeClr val="accent1"/>
+            </a:effectRef>
+            <a:fontRef idx="minor">
+              <a:schemeClr val="tx1"/>
+            </a:fontRef>
+          </p:style>
+        </p:cxnSp>
+        <p:cxnSp>
+          <p:nvCxnSpPr>
+            <p:cNvPr id="249" name="直接箭头连接符 248"/>
+            <p:cNvCxnSpPr/>
+            <p:nvPr/>
+          </p:nvCxnSpPr>
+          <p:spPr>
+            <a:xfrm flipV="1">
+              <a:off x="16195" y="6470"/>
+              <a:ext cx="418" cy="602"/>
+            </a:xfrm>
+            <a:prstGeom prst="straightConnector1">
+              <a:avLst/>
+            </a:prstGeom>
+            <a:ln w="28575">
+              <a:solidFill>
+                <a:srgbClr val="7030A0"/>
+              </a:solidFill>
+              <a:prstDash val="sysDash"/>
+              <a:tailEnd type="arrow"/>
+            </a:ln>
+          </p:spPr>
+          <p:style>
+            <a:lnRef idx="1">
+              <a:schemeClr val="accent1"/>
+            </a:lnRef>
+            <a:fillRef idx="0">
+              <a:schemeClr val="accent1"/>
+            </a:fillRef>
+            <a:effectRef idx="0">
+              <a:schemeClr val="accent1"/>
+            </a:effectRef>
+            <a:fontRef idx="minor">
+              <a:schemeClr val="tx1"/>
+            </a:fontRef>
+          </p:style>
+        </p:cxnSp>
+        <p:cxnSp>
+          <p:nvCxnSpPr>
+            <p:cNvPr id="250" name="直接箭头连接符 249"/>
+            <p:cNvCxnSpPr/>
+            <p:nvPr/>
+          </p:nvCxnSpPr>
+          <p:spPr>
+            <a:xfrm>
+              <a:off x="16664" y="6648"/>
+              <a:ext cx="981" cy="2098"/>
+            </a:xfrm>
+            <a:prstGeom prst="straightConnector1">
+              <a:avLst/>
+            </a:prstGeom>
+            <a:ln w="28575">
+              <a:solidFill>
+                <a:srgbClr val="7030A0"/>
+              </a:solidFill>
+              <a:prstDash val="sysDash"/>
+              <a:tailEnd type="arrow"/>
+            </a:ln>
+          </p:spPr>
+          <p:style>
+            <a:lnRef idx="1">
+              <a:schemeClr val="accent1"/>
+            </a:lnRef>
+            <a:fillRef idx="0">
+              <a:schemeClr val="accent1"/>
+            </a:fillRef>
+            <a:effectRef idx="0">
+              <a:schemeClr val="accent1"/>
+            </a:effectRef>
+            <a:fontRef idx="minor">
+              <a:schemeClr val="tx1"/>
+            </a:fontRef>
+          </p:style>
+        </p:cxnSp>
+      </p:grpSp>
+      <p:sp>
+        <p:nvSpPr>
+          <p:cNvPr id="252" name="文本框 251"/>
+          <p:cNvSpPr txBox="1"/>
+          <p:nvPr/>
+        </p:nvSpPr>
+        <p:spPr>
+          <a:xfrm>
+            <a:off x="5879465" y="1316990"/>
+            <a:ext cx="5695950" cy="645160"/>
+          </a:xfrm>
+          <a:prstGeom prst="rect">
+            <a:avLst/>
+          </a:prstGeom>
+          <a:noFill/>
+        </p:spPr>
+        <p:txBody>
+          <a:bodyPr wrap="square" rtlCol="0">
+            <a:spAutoFit/>
+          </a:bodyPr>
+          <a:p>
+            <a:r>
+              <a:rPr lang="en-US" altLang="zh-CN"/>
+              <a:t>1.node</a:t>
+            </a:r>
+            <a:r>
+              <a:rPr lang="zh-CN" altLang="en-US"/>
+              <a:t>节点输出</a:t>
+            </a:r>
+            <a:r>
+              <a:rPr lang="en-US" altLang="zh-CN"/>
+              <a:t>val</a:t>
+            </a:r>
+            <a:r>
+              <a:rPr lang="zh-CN" altLang="en-US"/>
+              <a:t>，然后</a:t>
+            </a:r>
+            <a:r>
+              <a:rPr lang="en-US" altLang="zh-CN"/>
+              <a:t>node-&gt;left</a:t>
+            </a:r>
+            <a:r>
+              <a:rPr lang="zh-CN" altLang="en-US"/>
+              <a:t>入栈直至</a:t>
+            </a:r>
+            <a:r>
+              <a:rPr lang="en-US" altLang="zh-CN"/>
+              <a:t>NULL</a:t>
+            </a:r>
+            <a:br>
+              <a:rPr lang="zh-CN" altLang="en-US"/>
+            </a:br>
+            <a:r>
+              <a:rPr lang="en-US" altLang="zh-CN"/>
+              <a:t>2.pop</a:t>
+            </a:r>
+            <a:r>
+              <a:rPr lang="zh-CN" altLang="en-US"/>
+              <a:t>回溯，直至有</a:t>
+            </a:r>
+            <a:r>
+              <a:rPr lang="en-US" altLang="zh-CN"/>
+              <a:t>right</a:t>
+            </a:r>
+            <a:r>
+              <a:rPr lang="zh-CN" altLang="en-US"/>
+              <a:t>节点，将</a:t>
+            </a:r>
+            <a:r>
+              <a:rPr lang="en-US" altLang="zh-CN"/>
+              <a:t>right</a:t>
+            </a:r>
+            <a:r>
+              <a:rPr lang="zh-CN" altLang="en-US"/>
+              <a:t>入栈再执行步骤</a:t>
+            </a:r>
+            <a:r>
+              <a:rPr lang="en-US" altLang="zh-CN"/>
+              <a:t>1</a:t>
+            </a:r>
+            <a:endParaRPr lang="en-US" altLang="zh-CN"/>
+          </a:p>
+        </p:txBody>
+      </p:sp>
+    </p:spTree>
+  </p:cSld>
+  <p:clrMapOvr>
+    <a:masterClrMapping/>
+  </p:clrMapOvr>
+</p:sld>
+</file>
+
 <file path=ppt/theme/theme1.xml><?xml version="1.0" encoding="utf-8"?>
 <a:theme xmlns:a="http://schemas.openxmlformats.org/drawingml/2006/main" name="Office 主题">
   <a:themeElements>
@@ -14646,4 +23067,263 @@
     </a:ext>
   </a:extLst>
 </a:theme>
+</file>
+
+<file path=ppt/theme/theme2.xml><?xml version="1.0" encoding="utf-8"?>
+<a:theme xmlns:a="http://schemas.openxmlformats.org/drawingml/2006/main" name="Office 主题">
+  <a:themeElements>
+    <a:clrScheme name="Office">
+      <a:dk1>
+        <a:sysClr val="windowText" lastClr="000000"/>
+      </a:dk1>
+      <a:lt1>
+        <a:sysClr val="window" lastClr="FFFFFF"/>
+      </a:lt1>
+      <a:dk2>
+        <a:srgbClr val="44546A"/>
+      </a:dk2>
+      <a:lt2>
+        <a:srgbClr val="E7E6E6"/>
+      </a:lt2>
+      <a:accent1>
+        <a:srgbClr val="5B9BD5"/>
+      </a:accent1>
+      <a:accent2>
+        <a:srgbClr val="ED7D31"/>
+      </a:accent2>
+      <a:accent3>
+        <a:srgbClr val="A5A5A5"/>
+      </a:accent3>
+      <a:accent4>
+        <a:srgbClr val="FFC000"/>
+      </a:accent4>
+      <a:accent5>
+        <a:srgbClr val="4472C4"/>
+      </a:accent5>
+      <a:accent6>
+        <a:srgbClr val="70AD47"/>
+      </a:accent6>
+      <a:hlink>
+        <a:srgbClr val="0563C1"/>
+      </a:hlink>
+      <a:folHlink>
+        <a:srgbClr val="954F72"/>
+      </a:folHlink>
+    </a:clrScheme>
+    <a:fontScheme name="Office">
+      <a:majorFont>
+        <a:latin typeface="Calibri Light"/>
+        <a:ea typeface=""/>
+        <a:cs typeface=""/>
+        <a:font script="Jpan" typeface="ＭＳ Ｐゴシック"/>
+        <a:font script="Hang" typeface="맑은 고딕"/>
+        <a:font script="Hans" typeface="宋体"/>
+        <a:font script="Hant" typeface="新細明體"/>
+        <a:font script="Arab" typeface="Times New Roman"/>
+        <a:font script="Hebr" typeface="Times New Roman"/>
+        <a:font script="Thai" typeface="Angsana New"/>
+        <a:font script="Ethi" typeface="Nyala"/>
+        <a:font script="Beng" typeface="Vrinda"/>
+        <a:font script="Gujr" typeface="Shruti"/>
+        <a:font script="Khmr" typeface="MoolBoran"/>
+        <a:font script="Knda" typeface="Tunga"/>
+        <a:font script="Guru" typeface="Raavi"/>
+        <a:font script="Cans" typeface="Euphemia"/>
+        <a:font script="Cher" typeface="Plantagenet Cherokee"/>
+        <a:font script="Yiii" typeface="Microsoft Yi Baiti"/>
+        <a:font script="Tibt" typeface="Microsoft Himalaya"/>
+        <a:font script="Thaa" typeface="MV Boli"/>
+        <a:font script="Deva" typeface="Mangal"/>
+        <a:font script="Telu" typeface="Gautami"/>
+        <a:font script="Taml" typeface="Latha"/>
+        <a:font script="Syrc" typeface="Estrangelo Edessa"/>
+        <a:font script="Orya" typeface="Kalinga"/>
+        <a:font script="Mlym" typeface="Kartika"/>
+        <a:font script="Laoo" typeface="DokChampa"/>
+        <a:font script="Sinh" typeface="Iskoola Pota"/>
+        <a:font script="Mong" typeface="Mongolian Baiti"/>
+        <a:font script="Viet" typeface="Times New Roman"/>
+        <a:font script="Uigh" typeface="Microsoft Uighur"/>
+        <a:font script="Geor" typeface="Sylfaen"/>
+      </a:majorFont>
+      <a:minorFont>
+        <a:latin typeface="Calibri"/>
+        <a:ea typeface=""/>
+        <a:cs typeface=""/>
+        <a:font script="Jpan" typeface="ＭＳ Ｐゴシック"/>
+        <a:font script="Hang" typeface="맑은 고딕"/>
+        <a:font script="Hans" typeface="宋体"/>
+        <a:font script="Hant" typeface="新細明體"/>
+        <a:font script="Arab" typeface="Arial"/>
+        <a:font script="Hebr" typeface="Arial"/>
+        <a:font script="Thai" typeface="Cordia New"/>
+        <a:font script="Ethi" typeface="Nyala"/>
+        <a:font script="Beng" typeface="Vrinda"/>
+        <a:font script="Gujr" typeface="Shruti"/>
+        <a:font script="Khmr" typeface="DaunPenh"/>
+        <a:font script="Knda" typeface="Tunga"/>
+        <a:font script="Guru" typeface="Raavi"/>
+        <a:font script="Cans" typeface="Euphemia"/>
+        <a:font script="Cher" typeface="Plantagenet Cherokee"/>
+        <a:font script="Yiii" typeface="Microsoft Yi Baiti"/>
+        <a:font script="Tibt" typeface="Microsoft Himalaya"/>
+        <a:font script="Thaa" typeface="MV Boli"/>
+        <a:font script="Deva" typeface="Mangal"/>
+        <a:font script="Telu" typeface="Gautami"/>
+        <a:font script="Taml" typeface="Latha"/>
+        <a:font script="Syrc" typeface="Estrangelo Edessa"/>
+        <a:font script="Orya" typeface="Kalinga"/>
+        <a:font script="Mlym" typeface="Kartika"/>
+        <a:font script="Laoo" typeface="DokChampa"/>
+        <a:font script="Sinh" typeface="Iskoola Pota"/>
+        <a:font script="Mong" typeface="Mongolian Baiti"/>
+        <a:font script="Viet" typeface="Arial"/>
+        <a:font script="Uigh" typeface="Microsoft Uighur"/>
+        <a:font script="Geor" typeface="Sylfaen"/>
+      </a:minorFont>
+    </a:fontScheme>
+    <a:fmtScheme name="Office">
+      <a:fillStyleLst>
+        <a:solidFill>
+          <a:schemeClr val="phClr"/>
+        </a:solidFill>
+        <a:gradFill rotWithShape="1">
+          <a:gsLst>
+            <a:gs pos="0">
+              <a:schemeClr val="phClr">
+                <a:lumMod val="110000"/>
+                <a:satMod val="105000"/>
+                <a:tint val="67000"/>
+              </a:schemeClr>
+            </a:gs>
+            <a:gs pos="50000">
+              <a:schemeClr val="phClr">
+                <a:lumMod val="105000"/>
+                <a:satMod val="103000"/>
+                <a:tint val="73000"/>
+              </a:schemeClr>
+            </a:gs>
+            <a:gs pos="100000">
+              <a:schemeClr val="phClr">
+                <a:lumMod val="105000"/>
+                <a:satMod val="109000"/>
+                <a:tint val="81000"/>
+              </a:schemeClr>
+            </a:gs>
+          </a:gsLst>
+          <a:lin ang="5400000" scaled="0"/>
+        </a:gradFill>
+        <a:gradFill rotWithShape="1">
+          <a:gsLst>
+            <a:gs pos="0">
+              <a:schemeClr val="phClr">
+                <a:satMod val="103000"/>
+                <a:lumMod val="102000"/>
+                <a:tint val="94000"/>
+              </a:schemeClr>
+            </a:gs>
+            <a:gs pos="50000">
+              <a:schemeClr val="phClr">
+                <a:satMod val="110000"/>
+                <a:lumMod val="100000"/>
+                <a:shade val="100000"/>
+              </a:schemeClr>
+            </a:gs>
+            <a:gs pos="100000">
+              <a:schemeClr val="phClr">
+                <a:lumMod val="99000"/>
+                <a:satMod val="120000"/>
+                <a:shade val="78000"/>
+              </a:schemeClr>
+            </a:gs>
+          </a:gsLst>
+          <a:lin ang="5400000" scaled="0"/>
+        </a:gradFill>
+      </a:fillStyleLst>
+      <a:lnStyleLst>
+        <a:ln w="6350" cap="flat" cmpd="sng" algn="ctr">
+          <a:solidFill>
+            <a:schemeClr val="phClr"/>
+          </a:solidFill>
+          <a:prstDash val="solid"/>
+          <a:miter lim="800000"/>
+        </a:ln>
+        <a:ln w="12700" cap="flat" cmpd="sng" algn="ctr">
+          <a:solidFill>
+            <a:schemeClr val="phClr"/>
+          </a:solidFill>
+          <a:prstDash val="solid"/>
+          <a:miter lim="800000"/>
+        </a:ln>
+        <a:ln w="19050" cap="flat" cmpd="sng" algn="ctr">
+          <a:solidFill>
+            <a:schemeClr val="phClr"/>
+          </a:solidFill>
+          <a:prstDash val="solid"/>
+          <a:miter lim="800000"/>
+        </a:ln>
+      </a:lnStyleLst>
+      <a:effectStyleLst>
+        <a:effectStyle>
+          <a:effectLst/>
+        </a:effectStyle>
+        <a:effectStyle>
+          <a:effectLst/>
+        </a:effectStyle>
+        <a:effectStyle>
+          <a:effectLst>
+            <a:outerShdw blurRad="57150" dist="19050" dir="5400000" algn="ctr" rotWithShape="0">
+              <a:srgbClr val="000000">
+                <a:alpha val="63000"/>
+              </a:srgbClr>
+            </a:outerShdw>
+          </a:effectLst>
+        </a:effectStyle>
+      </a:effectStyleLst>
+      <a:bgFillStyleLst>
+        <a:solidFill>
+          <a:schemeClr val="phClr"/>
+        </a:solidFill>
+        <a:solidFill>
+          <a:schemeClr val="phClr">
+            <a:tint val="95000"/>
+            <a:satMod val="170000"/>
+          </a:schemeClr>
+        </a:solidFill>
+        <a:gradFill rotWithShape="1">
+          <a:gsLst>
+            <a:gs pos="0">
+              <a:schemeClr val="phClr">
+                <a:tint val="93000"/>
+                <a:satMod val="150000"/>
+                <a:shade val="98000"/>
+                <a:lumMod val="102000"/>
+              </a:schemeClr>
+            </a:gs>
+            <a:gs pos="50000">
+              <a:schemeClr val="phClr">
+                <a:tint val="98000"/>
+                <a:satMod val="130000"/>
+                <a:shade val="90000"/>
+                <a:lumMod val="103000"/>
+              </a:schemeClr>
+            </a:gs>
+            <a:gs pos="100000">
+              <a:schemeClr val="phClr">
+                <a:shade val="63000"/>
+                <a:satMod val="120000"/>
+              </a:schemeClr>
+            </a:gs>
+          </a:gsLst>
+          <a:lin ang="5400000" scaled="0"/>
+        </a:gradFill>
+      </a:bgFillStyleLst>
+    </a:fmtScheme>
+  </a:themeElements>
+  <a:extLst>
+    <a:ext uri="{05A4C25C-085E-4340-85A3-A5531E510DB2}">
+      <thm15:themeFamily xmlns:thm15="http://schemas.microsoft.com/office/thememl/2012/main" name="Office Theme" id="{62F939B6-93AF-4DB8-9C6B-D6C7DFDC589F}" vid="{4A3C46E8-61CC-4603-A589-7422A47A8E4A}"/>
+    </a:ext>
+  </a:extLst>
+</a:theme>
 </file>
--- a/课件/课件素材.pptx
+++ b/课件/课件素材.pptx
@@ -4726,11 +4726,7 @@
           <a:p>
             <a:r>
               <a:rPr lang="zh-CN" altLang="zh-CN"/>
-              <a:t>后</a:t>
-            </a:r>
-            <a:r>
-              <a:rPr lang="zh-CN" altLang="zh-CN"/>
-              <a:t>序遍历</a:t>
+              <a:t>后序遍历</a:t>
             </a:r>
             <a:r>
               <a:rPr lang="en-US" altLang="zh-CN"/>
@@ -16537,13 +16533,7 @@
               <a:rPr lang="en-US" altLang="zh-CN">
                 <a:sym typeface="+mn-ea"/>
               </a:rPr>
-              <a:t>: </a:t>
-            </a:r>
-            <a:r>
-              <a:rPr lang="en-US" altLang="zh-CN">
-                <a:sym typeface="+mn-ea"/>
-              </a:rPr>
-              <a:t>0-1-2-3-4-6-7-8-9-10</a:t>
+              <a:t>: 0-1-2-3-4-6-7-8-9-10</a:t>
             </a:r>
             <a:br>
               <a:rPr lang="en-US" altLang="zh-CN">
@@ -16566,13 +16556,7 @@
               <a:rPr lang="zh-CN" altLang="en-US">
                 <a:sym typeface="+mn-ea"/>
               </a:rPr>
-              <a:t>（左右中</a:t>
-            </a:r>
-            <a:r>
-              <a:rPr lang="zh-CN" altLang="en-US">
-                <a:sym typeface="+mn-ea"/>
-              </a:rPr>
-              <a:t>）</a:t>
+              <a:t>（左右中）</a:t>
             </a:r>
             <a:r>
               <a:rPr lang="en-US" altLang="zh-CN">
@@ -17429,13 +17413,7 @@
               <a:rPr lang="zh-CN" altLang="zh-CN">
                 <a:sym typeface="+mn-ea"/>
               </a:rPr>
-              <a:t>非递归</a:t>
-            </a:r>
-            <a:r>
-              <a:rPr lang="zh-CN" altLang="zh-CN">
-                <a:sym typeface="+mn-ea"/>
-              </a:rPr>
-              <a:t>前序遍历</a:t>
+              <a:t>非递归前序遍历</a:t>
             </a:r>
             <a:r>
               <a:rPr lang="en-US" altLang="zh-CN">

--- a/课件/课件素材.pptx
+++ b/课件/课件素材.pptx
@@ -5,7 +5,7 @@
     <p:sldMasterId id="2147483648" r:id="rId1"/>
   </p:sldMasterIdLst>
   <p:notesMasterIdLst>
-    <p:notesMasterId r:id="rId23"/>
+    <p:notesMasterId r:id="rId25"/>
   </p:notesMasterIdLst>
   <p:sldIdLst>
     <p:sldId id="257" r:id="rId3"/>
@@ -26,9 +26,11 @@
     <p:sldId id="276" r:id="rId18"/>
     <p:sldId id="286" r:id="rId19"/>
     <p:sldId id="277" r:id="rId20"/>
-    <p:sldId id="278" r:id="rId21"/>
-    <p:sldId id="279" r:id="rId22"/>
-    <p:sldId id="280" r:id="rId24"/>
+    <p:sldId id="296" r:id="rId21"/>
+    <p:sldId id="297" r:id="rId22"/>
+    <p:sldId id="278" r:id="rId23"/>
+    <p:sldId id="279" r:id="rId24"/>
+    <p:sldId id="280" r:id="rId26"/>
   </p:sldIdLst>
   <p:sldSz cx="12192000" cy="6858000"/>
   <p:notesSz cx="6858000" cy="9144000"/>
@@ -12829,6 +12831,4180 @@
             <p:ph type="title"/>
           </p:nvPr>
         </p:nvSpPr>
+        <p:spPr/>
+        <p:txBody>
+          <a:bodyPr/>
+          <a:p>
+            <a:r>
+              <a:rPr lang="zh-CN" altLang="zh-CN"/>
+              <a:t>搜索</a:t>
+            </a:r>
+            <a:r>
+              <a:rPr lang="en-US" altLang="zh-CN" b="1">
+                <a:solidFill>
+                  <a:srgbClr val="00B050"/>
+                </a:solidFill>
+              </a:rPr>
+              <a:t>7</a:t>
+            </a:r>
+            <a:r>
+              <a:rPr lang="zh-CN" altLang="en-US"/>
+              <a:t>和</a:t>
+            </a:r>
+            <a:r>
+              <a:rPr lang="en-US" altLang="zh-CN" b="1">
+                <a:solidFill>
+                  <a:srgbClr val="7030A0"/>
+                </a:solidFill>
+              </a:rPr>
+              <a:t>11</a:t>
+            </a:r>
+            <a:endParaRPr lang="en-US" altLang="zh-CN" b="1">
+              <a:solidFill>
+                <a:srgbClr val="7030A0"/>
+              </a:solidFill>
+            </a:endParaRPr>
+          </a:p>
+        </p:txBody>
+      </p:sp>
+      <p:grpSp>
+        <p:nvGrpSpPr>
+          <p:cNvPr id="24" name="组合 23"/>
+          <p:cNvGrpSpPr/>
+          <p:nvPr/>
+        </p:nvGrpSpPr>
+        <p:grpSpPr>
+          <a:xfrm>
+            <a:off x="239395" y="1812290"/>
+            <a:ext cx="5551170" cy="3992880"/>
+            <a:chOff x="3042" y="1416"/>
+            <a:chExt cx="8742" cy="6288"/>
+          </a:xfrm>
+        </p:grpSpPr>
+        <p:grpSp>
+          <p:nvGrpSpPr>
+            <p:cNvPr id="14" name="组合 13"/>
+            <p:cNvGrpSpPr/>
+            <p:nvPr/>
+          </p:nvGrpSpPr>
+          <p:grpSpPr>
+            <a:xfrm>
+              <a:off x="3042" y="1416"/>
+              <a:ext cx="8743" cy="6288"/>
+              <a:chOff x="2978" y="1480"/>
+              <a:chExt cx="8743" cy="6288"/>
+            </a:xfrm>
+          </p:grpSpPr>
+          <p:sp>
+            <p:nvSpPr>
+              <p:cNvPr id="4" name="椭圆 3"/>
+              <p:cNvSpPr/>
+              <p:nvPr/>
+            </p:nvSpPr>
+            <p:spPr>
+              <a:xfrm>
+                <a:off x="7492" y="1480"/>
+                <a:ext cx="687" cy="709"/>
+              </a:xfrm>
+              <a:prstGeom prst="ellipse">
+                <a:avLst/>
+              </a:prstGeom>
+              <a:ln w="28575"/>
+            </p:spPr>
+            <p:style>
+              <a:lnRef idx="2">
+                <a:schemeClr val="accent1"/>
+              </a:lnRef>
+              <a:fillRef idx="1">
+                <a:schemeClr val="lt1"/>
+              </a:fillRef>
+              <a:effectRef idx="0">
+                <a:schemeClr val="accent1"/>
+              </a:effectRef>
+              <a:fontRef idx="minor">
+                <a:schemeClr val="dk1"/>
+              </a:fontRef>
+            </p:style>
+            <p:txBody>
+              <a:bodyPr rtlCol="0" anchor="ctr"/>
+              <a:p>
+                <a:pPr algn="ctr"/>
+                <a:r>
+                  <a:rPr lang="en-US" altLang="zh-CN"/>
+                  <a:t>6</a:t>
+                </a:r>
+                <a:endParaRPr lang="en-US" altLang="zh-CN"/>
+              </a:p>
+            </p:txBody>
+          </p:sp>
+          <p:sp>
+            <p:nvSpPr>
+              <p:cNvPr id="5" name="椭圆 4"/>
+              <p:cNvSpPr/>
+              <p:nvPr/>
+            </p:nvSpPr>
+            <p:spPr>
+              <a:xfrm>
+                <a:off x="6181" y="2663"/>
+                <a:ext cx="687" cy="709"/>
+              </a:xfrm>
+              <a:prstGeom prst="ellipse">
+                <a:avLst/>
+              </a:prstGeom>
+              <a:ln w="28575"/>
+            </p:spPr>
+            <p:style>
+              <a:lnRef idx="2">
+                <a:schemeClr val="accent1"/>
+              </a:lnRef>
+              <a:fillRef idx="1">
+                <a:schemeClr val="lt1"/>
+              </a:fillRef>
+              <a:effectRef idx="0">
+                <a:schemeClr val="accent1"/>
+              </a:effectRef>
+              <a:fontRef idx="minor">
+                <a:schemeClr val="dk1"/>
+              </a:fontRef>
+            </p:style>
+            <p:txBody>
+              <a:bodyPr rtlCol="0" anchor="ctr"/>
+              <a:p>
+                <a:pPr algn="ctr"/>
+                <a:r>
+                  <a:rPr lang="en-US" altLang="zh-CN"/>
+                  <a:t>4</a:t>
+                </a:r>
+                <a:endParaRPr lang="en-US" altLang="zh-CN"/>
+              </a:p>
+            </p:txBody>
+          </p:sp>
+          <p:sp>
+            <p:nvSpPr>
+              <p:cNvPr id="6" name="椭圆 5"/>
+              <p:cNvSpPr/>
+              <p:nvPr/>
+            </p:nvSpPr>
+            <p:spPr>
+              <a:xfrm>
+                <a:off x="8995" y="2663"/>
+                <a:ext cx="687" cy="709"/>
+              </a:xfrm>
+              <a:prstGeom prst="ellipse">
+                <a:avLst/>
+              </a:prstGeom>
+              <a:ln w="28575"/>
+            </p:spPr>
+            <p:style>
+              <a:lnRef idx="2">
+                <a:schemeClr val="accent1"/>
+              </a:lnRef>
+              <a:fillRef idx="1">
+                <a:schemeClr val="lt1"/>
+              </a:fillRef>
+              <a:effectRef idx="0">
+                <a:schemeClr val="accent1"/>
+              </a:effectRef>
+              <a:fontRef idx="minor">
+                <a:schemeClr val="dk1"/>
+              </a:fontRef>
+            </p:style>
+            <p:txBody>
+              <a:bodyPr rtlCol="0" anchor="ctr"/>
+              <a:p>
+                <a:pPr algn="ctr"/>
+                <a:r>
+                  <a:rPr lang="en-US" altLang="zh-CN"/>
+                  <a:t>8</a:t>
+                </a:r>
+                <a:endParaRPr lang="en-US" altLang="zh-CN"/>
+              </a:p>
+            </p:txBody>
+          </p:sp>
+          <p:sp>
+            <p:nvSpPr>
+              <p:cNvPr id="7" name="椭圆 6"/>
+              <p:cNvSpPr/>
+              <p:nvPr/>
+            </p:nvSpPr>
+            <p:spPr>
+              <a:xfrm>
+                <a:off x="5095" y="4104"/>
+                <a:ext cx="687" cy="709"/>
+              </a:xfrm>
+              <a:prstGeom prst="ellipse">
+                <a:avLst/>
+              </a:prstGeom>
+              <a:ln w="28575"/>
+            </p:spPr>
+            <p:style>
+              <a:lnRef idx="2">
+                <a:schemeClr val="accent1"/>
+              </a:lnRef>
+              <a:fillRef idx="1">
+                <a:schemeClr val="lt1"/>
+              </a:fillRef>
+              <a:effectRef idx="0">
+                <a:schemeClr val="accent1"/>
+              </a:effectRef>
+              <a:fontRef idx="minor">
+                <a:schemeClr val="dk1"/>
+              </a:fontRef>
+            </p:style>
+            <p:txBody>
+              <a:bodyPr rtlCol="0" anchor="ctr"/>
+              <a:p>
+                <a:pPr algn="ctr"/>
+                <a:r>
+                  <a:rPr lang="en-US" altLang="zh-CN"/>
+                  <a:t>2</a:t>
+                </a:r>
+                <a:endParaRPr lang="en-US" altLang="zh-CN"/>
+              </a:p>
+            </p:txBody>
+          </p:sp>
+          <p:sp>
+            <p:nvSpPr>
+              <p:cNvPr id="8" name="椭圆 7"/>
+              <p:cNvSpPr/>
+              <p:nvPr/>
+            </p:nvSpPr>
+            <p:spPr>
+              <a:xfrm>
+                <a:off x="6031" y="5513"/>
+                <a:ext cx="687" cy="709"/>
+              </a:xfrm>
+              <a:prstGeom prst="ellipse">
+                <a:avLst/>
+              </a:prstGeom>
+              <a:ln w="28575"/>
+            </p:spPr>
+            <p:style>
+              <a:lnRef idx="2">
+                <a:schemeClr val="accent1"/>
+              </a:lnRef>
+              <a:fillRef idx="1">
+                <a:schemeClr val="lt1"/>
+              </a:fillRef>
+              <a:effectRef idx="0">
+                <a:schemeClr val="accent1"/>
+              </a:effectRef>
+              <a:fontRef idx="minor">
+                <a:schemeClr val="dk1"/>
+              </a:fontRef>
+            </p:style>
+            <p:txBody>
+              <a:bodyPr rtlCol="0" anchor="ctr"/>
+              <a:p>
+                <a:pPr algn="ctr"/>
+                <a:r>
+                  <a:rPr lang="en-US" altLang="zh-CN"/>
+                  <a:t>3</a:t>
+                </a:r>
+                <a:endParaRPr lang="en-US" altLang="zh-CN"/>
+              </a:p>
+            </p:txBody>
+          </p:sp>
+          <p:sp>
+            <p:nvSpPr>
+              <p:cNvPr id="9" name="椭圆 8"/>
+              <p:cNvSpPr/>
+              <p:nvPr/>
+            </p:nvSpPr>
+            <p:spPr>
+              <a:xfrm>
+                <a:off x="8308" y="4104"/>
+                <a:ext cx="687" cy="709"/>
+              </a:xfrm>
+              <a:prstGeom prst="ellipse">
+                <a:avLst/>
+              </a:prstGeom>
+              <a:ln w="28575"/>
+            </p:spPr>
+            <p:style>
+              <a:lnRef idx="2">
+                <a:schemeClr val="accent1"/>
+              </a:lnRef>
+              <a:fillRef idx="1">
+                <a:schemeClr val="lt1"/>
+              </a:fillRef>
+              <a:effectRef idx="0">
+                <a:schemeClr val="accent1"/>
+              </a:effectRef>
+              <a:fontRef idx="minor">
+                <a:schemeClr val="dk1"/>
+              </a:fontRef>
+            </p:style>
+            <p:txBody>
+              <a:bodyPr rtlCol="0" anchor="ctr"/>
+              <a:p>
+                <a:pPr algn="ctr"/>
+                <a:r>
+                  <a:rPr lang="en-US" altLang="zh-CN"/>
+                  <a:t>7</a:t>
+                </a:r>
+                <a:endParaRPr lang="en-US" altLang="zh-CN"/>
+              </a:p>
+            </p:txBody>
+          </p:sp>
+          <p:sp>
+            <p:nvSpPr>
+              <p:cNvPr id="10" name="椭圆 9"/>
+              <p:cNvSpPr/>
+              <p:nvPr/>
+            </p:nvSpPr>
+            <p:spPr>
+              <a:xfrm>
+                <a:off x="9904" y="4104"/>
+                <a:ext cx="687" cy="709"/>
+              </a:xfrm>
+              <a:prstGeom prst="ellipse">
+                <a:avLst/>
+              </a:prstGeom>
+              <a:ln w="28575"/>
+            </p:spPr>
+            <p:style>
+              <a:lnRef idx="2">
+                <a:schemeClr val="accent1"/>
+              </a:lnRef>
+              <a:fillRef idx="1">
+                <a:schemeClr val="lt1"/>
+              </a:fillRef>
+              <a:effectRef idx="0">
+                <a:schemeClr val="accent1"/>
+              </a:effectRef>
+              <a:fontRef idx="minor">
+                <a:schemeClr val="dk1"/>
+              </a:fontRef>
+            </p:style>
+            <p:txBody>
+              <a:bodyPr rtlCol="0" anchor="ctr"/>
+              <a:p>
+                <a:pPr algn="ctr"/>
+                <a:r>
+                  <a:rPr lang="en-US" altLang="zh-CN"/>
+                  <a:t>9</a:t>
+                </a:r>
+                <a:endParaRPr lang="en-US" altLang="zh-CN"/>
+              </a:p>
+            </p:txBody>
+          </p:sp>
+          <p:sp>
+            <p:nvSpPr>
+              <p:cNvPr id="11" name="椭圆 10"/>
+              <p:cNvSpPr/>
+              <p:nvPr/>
+            </p:nvSpPr>
+            <p:spPr>
+              <a:xfrm>
+                <a:off x="4027" y="5513"/>
+                <a:ext cx="687" cy="709"/>
+              </a:xfrm>
+              <a:prstGeom prst="ellipse">
+                <a:avLst/>
+              </a:prstGeom>
+              <a:ln w="28575"/>
+            </p:spPr>
+            <p:style>
+              <a:lnRef idx="2">
+                <a:schemeClr val="accent1"/>
+              </a:lnRef>
+              <a:fillRef idx="1">
+                <a:schemeClr val="lt1"/>
+              </a:fillRef>
+              <a:effectRef idx="0">
+                <a:schemeClr val="accent1"/>
+              </a:effectRef>
+              <a:fontRef idx="minor">
+                <a:schemeClr val="dk1"/>
+              </a:fontRef>
+            </p:style>
+            <p:txBody>
+              <a:bodyPr rtlCol="0" anchor="ctr"/>
+              <a:p>
+                <a:pPr algn="ctr"/>
+                <a:r>
+                  <a:rPr lang="en-US" altLang="zh-CN"/>
+                  <a:t>1</a:t>
+                </a:r>
+                <a:endParaRPr lang="en-US" altLang="zh-CN"/>
+              </a:p>
+            </p:txBody>
+          </p:sp>
+          <p:sp>
+            <p:nvSpPr>
+              <p:cNvPr id="12" name="椭圆 11"/>
+              <p:cNvSpPr/>
+              <p:nvPr/>
+            </p:nvSpPr>
+            <p:spPr>
+              <a:xfrm>
+                <a:off x="10863" y="5385"/>
+                <a:ext cx="858" cy="837"/>
+              </a:xfrm>
+              <a:prstGeom prst="ellipse">
+                <a:avLst/>
+              </a:prstGeom>
+              <a:ln w="28575"/>
+            </p:spPr>
+            <p:style>
+              <a:lnRef idx="2">
+                <a:schemeClr val="accent1"/>
+              </a:lnRef>
+              <a:fillRef idx="1">
+                <a:schemeClr val="lt1"/>
+              </a:fillRef>
+              <a:effectRef idx="0">
+                <a:schemeClr val="accent1"/>
+              </a:effectRef>
+              <a:fontRef idx="minor">
+                <a:schemeClr val="dk1"/>
+              </a:fontRef>
+            </p:style>
+            <p:txBody>
+              <a:bodyPr rtlCol="0" anchor="ctr"/>
+              <a:p>
+                <a:pPr algn="ctr"/>
+                <a:r>
+                  <a:rPr lang="en-US" altLang="zh-CN" sz="1400"/>
+                  <a:t>10</a:t>
+                </a:r>
+                <a:endParaRPr lang="en-US" altLang="zh-CN" sz="1400"/>
+              </a:p>
+            </p:txBody>
+          </p:sp>
+          <p:sp>
+            <p:nvSpPr>
+              <p:cNvPr id="13" name="椭圆 12"/>
+              <p:cNvSpPr/>
+              <p:nvPr/>
+            </p:nvSpPr>
+            <p:spPr>
+              <a:xfrm>
+                <a:off x="2978" y="7060"/>
+                <a:ext cx="687" cy="709"/>
+              </a:xfrm>
+              <a:prstGeom prst="ellipse">
+                <a:avLst/>
+              </a:prstGeom>
+              <a:ln w="28575"/>
+            </p:spPr>
+            <p:style>
+              <a:lnRef idx="2">
+                <a:schemeClr val="accent1"/>
+              </a:lnRef>
+              <a:fillRef idx="1">
+                <a:schemeClr val="lt1"/>
+              </a:fillRef>
+              <a:effectRef idx="0">
+                <a:schemeClr val="accent1"/>
+              </a:effectRef>
+              <a:fontRef idx="minor">
+                <a:schemeClr val="dk1"/>
+              </a:fontRef>
+            </p:style>
+            <p:txBody>
+              <a:bodyPr rtlCol="0" anchor="ctr"/>
+              <a:p>
+                <a:pPr algn="ctr"/>
+                <a:r>
+                  <a:rPr lang="en-US" altLang="zh-CN"/>
+                  <a:t>0</a:t>
+                </a:r>
+                <a:endParaRPr lang="en-US" altLang="zh-CN"/>
+              </a:p>
+            </p:txBody>
+          </p:sp>
+        </p:grpSp>
+        <p:cxnSp>
+          <p:nvCxnSpPr>
+            <p:cNvPr id="15" name="直接箭头连接符 14"/>
+            <p:cNvCxnSpPr>
+              <a:stCxn id="4" idx="3"/>
+              <a:endCxn id="5" idx="7"/>
+            </p:cNvCxnSpPr>
+            <p:nvPr/>
+          </p:nvCxnSpPr>
+          <p:spPr>
+            <a:xfrm flipH="1">
+              <a:off x="6831" y="2021"/>
+              <a:ext cx="826" cy="682"/>
+            </a:xfrm>
+            <a:prstGeom prst="straightConnector1">
+              <a:avLst/>
+            </a:prstGeom>
+            <a:ln w="38100">
+              <a:solidFill>
+                <a:srgbClr val="FF0000"/>
+              </a:solidFill>
+              <a:tailEnd type="arrow"/>
+            </a:ln>
+          </p:spPr>
+          <p:style>
+            <a:lnRef idx="1">
+              <a:schemeClr val="accent1"/>
+            </a:lnRef>
+            <a:fillRef idx="0">
+              <a:schemeClr val="accent1"/>
+            </a:fillRef>
+            <a:effectRef idx="0">
+              <a:schemeClr val="accent1"/>
+            </a:effectRef>
+            <a:fontRef idx="minor">
+              <a:schemeClr val="tx1"/>
+            </a:fontRef>
+          </p:style>
+        </p:cxnSp>
+        <p:cxnSp>
+          <p:nvCxnSpPr>
+            <p:cNvPr id="16" name="直接箭头连接符 15"/>
+            <p:cNvCxnSpPr>
+              <a:stCxn id="5" idx="3"/>
+              <a:endCxn id="7" idx="7"/>
+            </p:cNvCxnSpPr>
+            <p:nvPr/>
+          </p:nvCxnSpPr>
+          <p:spPr>
+            <a:xfrm flipH="1">
+              <a:off x="5745" y="3204"/>
+              <a:ext cx="601" cy="940"/>
+            </a:xfrm>
+            <a:prstGeom prst="straightConnector1">
+              <a:avLst/>
+            </a:prstGeom>
+            <a:ln w="38100">
+              <a:solidFill>
+                <a:srgbClr val="FF0000"/>
+              </a:solidFill>
+              <a:tailEnd type="arrow"/>
+            </a:ln>
+          </p:spPr>
+          <p:style>
+            <a:lnRef idx="1">
+              <a:schemeClr val="accent1"/>
+            </a:lnRef>
+            <a:fillRef idx="0">
+              <a:schemeClr val="accent1"/>
+            </a:fillRef>
+            <a:effectRef idx="0">
+              <a:schemeClr val="accent1"/>
+            </a:effectRef>
+            <a:fontRef idx="minor">
+              <a:schemeClr val="tx1"/>
+            </a:fontRef>
+          </p:style>
+        </p:cxnSp>
+        <p:cxnSp>
+          <p:nvCxnSpPr>
+            <p:cNvPr id="17" name="直接箭头连接符 16"/>
+            <p:cNvCxnSpPr>
+              <a:stCxn id="7" idx="3"/>
+              <a:endCxn id="11" idx="7"/>
+            </p:cNvCxnSpPr>
+            <p:nvPr/>
+          </p:nvCxnSpPr>
+          <p:spPr>
+            <a:xfrm flipH="1">
+              <a:off x="4677" y="4645"/>
+              <a:ext cx="583" cy="908"/>
+            </a:xfrm>
+            <a:prstGeom prst="straightConnector1">
+              <a:avLst/>
+            </a:prstGeom>
+            <a:ln w="38100">
+              <a:solidFill>
+                <a:srgbClr val="FF0000"/>
+              </a:solidFill>
+              <a:tailEnd type="arrow"/>
+            </a:ln>
+          </p:spPr>
+          <p:style>
+            <a:lnRef idx="1">
+              <a:schemeClr val="accent1"/>
+            </a:lnRef>
+            <a:fillRef idx="0">
+              <a:schemeClr val="accent1"/>
+            </a:fillRef>
+            <a:effectRef idx="0">
+              <a:schemeClr val="accent1"/>
+            </a:effectRef>
+            <a:fontRef idx="minor">
+              <a:schemeClr val="tx1"/>
+            </a:fontRef>
+          </p:style>
+        </p:cxnSp>
+        <p:cxnSp>
+          <p:nvCxnSpPr>
+            <p:cNvPr id="18" name="直接箭头连接符 17"/>
+            <p:cNvCxnSpPr>
+              <a:stCxn id="11" idx="3"/>
+              <a:endCxn id="13" idx="7"/>
+            </p:cNvCxnSpPr>
+            <p:nvPr/>
+          </p:nvCxnSpPr>
+          <p:spPr>
+            <a:xfrm flipH="1">
+              <a:off x="3628" y="6054"/>
+              <a:ext cx="564" cy="1046"/>
+            </a:xfrm>
+            <a:prstGeom prst="straightConnector1">
+              <a:avLst/>
+            </a:prstGeom>
+            <a:ln w="38100">
+              <a:solidFill>
+                <a:srgbClr val="FF0000"/>
+              </a:solidFill>
+              <a:tailEnd type="arrow"/>
+            </a:ln>
+          </p:spPr>
+          <p:style>
+            <a:lnRef idx="1">
+              <a:schemeClr val="accent1"/>
+            </a:lnRef>
+            <a:fillRef idx="0">
+              <a:schemeClr val="accent1"/>
+            </a:fillRef>
+            <a:effectRef idx="0">
+              <a:schemeClr val="accent1"/>
+            </a:effectRef>
+            <a:fontRef idx="minor">
+              <a:schemeClr val="tx1"/>
+            </a:fontRef>
+          </p:style>
+        </p:cxnSp>
+        <p:cxnSp>
+          <p:nvCxnSpPr>
+            <p:cNvPr id="19" name="直接箭头连接符 18"/>
+            <p:cNvCxnSpPr>
+              <a:stCxn id="7" idx="5"/>
+              <a:endCxn id="8" idx="0"/>
+            </p:cNvCxnSpPr>
+            <p:nvPr/>
+          </p:nvCxnSpPr>
+          <p:spPr>
+            <a:xfrm>
+              <a:off x="5745" y="4645"/>
+              <a:ext cx="694" cy="804"/>
+            </a:xfrm>
+            <a:prstGeom prst="straightConnector1">
+              <a:avLst/>
+            </a:prstGeom>
+            <a:ln w="38100">
+              <a:solidFill>
+                <a:srgbClr val="FF0000"/>
+              </a:solidFill>
+              <a:tailEnd type="arrow"/>
+            </a:ln>
+          </p:spPr>
+          <p:style>
+            <a:lnRef idx="1">
+              <a:schemeClr val="accent1"/>
+            </a:lnRef>
+            <a:fillRef idx="0">
+              <a:schemeClr val="accent1"/>
+            </a:fillRef>
+            <a:effectRef idx="0">
+              <a:schemeClr val="accent1"/>
+            </a:effectRef>
+            <a:fontRef idx="minor">
+              <a:schemeClr val="tx1"/>
+            </a:fontRef>
+          </p:style>
+        </p:cxnSp>
+        <p:cxnSp>
+          <p:nvCxnSpPr>
+            <p:cNvPr id="20" name="直接箭头连接符 19"/>
+            <p:cNvCxnSpPr>
+              <a:stCxn id="6" idx="5"/>
+              <a:endCxn id="10" idx="0"/>
+            </p:cNvCxnSpPr>
+            <p:nvPr/>
+          </p:nvCxnSpPr>
+          <p:spPr>
+            <a:xfrm>
+              <a:off x="9645" y="3204"/>
+              <a:ext cx="667" cy="836"/>
+            </a:xfrm>
+            <a:prstGeom prst="straightConnector1">
+              <a:avLst/>
+            </a:prstGeom>
+            <a:ln w="38100">
+              <a:solidFill>
+                <a:srgbClr val="FF0000"/>
+              </a:solidFill>
+              <a:tailEnd type="arrow"/>
+            </a:ln>
+          </p:spPr>
+          <p:style>
+            <a:lnRef idx="1">
+              <a:schemeClr val="accent1"/>
+            </a:lnRef>
+            <a:fillRef idx="0">
+              <a:schemeClr val="accent1"/>
+            </a:fillRef>
+            <a:effectRef idx="0">
+              <a:schemeClr val="accent1"/>
+            </a:effectRef>
+            <a:fontRef idx="minor">
+              <a:schemeClr val="tx1"/>
+            </a:fontRef>
+          </p:style>
+        </p:cxnSp>
+        <p:cxnSp>
+          <p:nvCxnSpPr>
+            <p:cNvPr id="21" name="直接箭头连接符 20"/>
+            <p:cNvCxnSpPr>
+              <a:stCxn id="6" idx="3"/>
+              <a:endCxn id="9" idx="0"/>
+            </p:cNvCxnSpPr>
+            <p:nvPr/>
+          </p:nvCxnSpPr>
+          <p:spPr>
+            <a:xfrm flipH="1">
+              <a:off x="8716" y="3204"/>
+              <a:ext cx="444" cy="836"/>
+            </a:xfrm>
+            <a:prstGeom prst="straightConnector1">
+              <a:avLst/>
+            </a:prstGeom>
+            <a:ln w="38100">
+              <a:solidFill>
+                <a:srgbClr val="FF0000"/>
+              </a:solidFill>
+              <a:tailEnd type="arrow"/>
+            </a:ln>
+          </p:spPr>
+          <p:style>
+            <a:lnRef idx="1">
+              <a:schemeClr val="accent1"/>
+            </a:lnRef>
+            <a:fillRef idx="0">
+              <a:schemeClr val="accent1"/>
+            </a:fillRef>
+            <a:effectRef idx="0">
+              <a:schemeClr val="accent1"/>
+            </a:effectRef>
+            <a:fontRef idx="minor">
+              <a:schemeClr val="tx1"/>
+            </a:fontRef>
+          </p:style>
+        </p:cxnSp>
+        <p:cxnSp>
+          <p:nvCxnSpPr>
+            <p:cNvPr id="22" name="直接箭头连接符 21"/>
+            <p:cNvCxnSpPr>
+              <a:stCxn id="10" idx="5"/>
+              <a:endCxn id="12" idx="1"/>
+            </p:cNvCxnSpPr>
+            <p:nvPr/>
+          </p:nvCxnSpPr>
+          <p:spPr>
+            <a:xfrm>
+              <a:off x="10554" y="4645"/>
+              <a:ext cx="499" cy="799"/>
+            </a:xfrm>
+            <a:prstGeom prst="straightConnector1">
+              <a:avLst/>
+            </a:prstGeom>
+            <a:ln w="38100">
+              <a:solidFill>
+                <a:srgbClr val="FF0000"/>
+              </a:solidFill>
+              <a:tailEnd type="arrow"/>
+            </a:ln>
+          </p:spPr>
+          <p:style>
+            <a:lnRef idx="1">
+              <a:schemeClr val="accent1"/>
+            </a:lnRef>
+            <a:fillRef idx="0">
+              <a:schemeClr val="accent1"/>
+            </a:fillRef>
+            <a:effectRef idx="0">
+              <a:schemeClr val="accent1"/>
+            </a:effectRef>
+            <a:fontRef idx="minor">
+              <a:schemeClr val="tx1"/>
+            </a:fontRef>
+          </p:style>
+        </p:cxnSp>
+        <p:cxnSp>
+          <p:nvCxnSpPr>
+            <p:cNvPr id="23" name="直接箭头连接符 22"/>
+            <p:cNvCxnSpPr>
+              <a:stCxn id="4" idx="5"/>
+              <a:endCxn id="6" idx="1"/>
+            </p:cNvCxnSpPr>
+            <p:nvPr/>
+          </p:nvCxnSpPr>
+          <p:spPr>
+            <a:xfrm>
+              <a:off x="8142" y="2021"/>
+              <a:ext cx="1018" cy="682"/>
+            </a:xfrm>
+            <a:prstGeom prst="straightConnector1">
+              <a:avLst/>
+            </a:prstGeom>
+            <a:ln w="38100">
+              <a:solidFill>
+                <a:srgbClr val="FF0000"/>
+              </a:solidFill>
+              <a:tailEnd type="arrow"/>
+            </a:ln>
+          </p:spPr>
+          <p:style>
+            <a:lnRef idx="1">
+              <a:schemeClr val="accent1"/>
+            </a:lnRef>
+            <a:fillRef idx="0">
+              <a:schemeClr val="accent1"/>
+            </a:fillRef>
+            <a:effectRef idx="0">
+              <a:schemeClr val="accent1"/>
+            </a:effectRef>
+            <a:fontRef idx="minor">
+              <a:schemeClr val="tx1"/>
+            </a:fontRef>
+          </p:style>
+        </p:cxnSp>
+      </p:grpSp>
+      <p:sp>
+        <p:nvSpPr>
+          <p:cNvPr id="3" name="文本框 2"/>
+          <p:cNvSpPr txBox="1"/>
+          <p:nvPr/>
+        </p:nvSpPr>
+        <p:spPr>
+          <a:xfrm>
+            <a:off x="6217285" y="1253490"/>
+            <a:ext cx="3644900" cy="1568450"/>
+          </a:xfrm>
+          <a:prstGeom prst="rect">
+            <a:avLst/>
+          </a:prstGeom>
+          <a:noFill/>
+        </p:spPr>
+        <p:txBody>
+          <a:bodyPr wrap="square" rtlCol="0">
+            <a:spAutoFit/>
+          </a:bodyPr>
+          <a:p>
+            <a:r>
+              <a:rPr lang="zh-CN" altLang="en-US" sz="2400" b="1">
+                <a:solidFill>
+                  <a:srgbClr val="00B050"/>
+                </a:solidFill>
+              </a:rPr>
+              <a:t>搜索</a:t>
+            </a:r>
+            <a:r>
+              <a:rPr lang="en-US" altLang="zh-CN" sz="2400" b="1">
+                <a:solidFill>
+                  <a:srgbClr val="00B050"/>
+                </a:solidFill>
+              </a:rPr>
+              <a:t>7</a:t>
+            </a:r>
+            <a:r>
+              <a:rPr lang="zh-CN" altLang="en-US" sz="2400" b="1">
+                <a:solidFill>
+                  <a:srgbClr val="00B050"/>
+                </a:solidFill>
+              </a:rPr>
+              <a:t>：</a:t>
+            </a:r>
+            <a:endParaRPr lang="zh-CN" altLang="en-US" sz="2400" b="1">
+              <a:solidFill>
+                <a:srgbClr val="00B050"/>
+              </a:solidFill>
+            </a:endParaRPr>
+          </a:p>
+          <a:p>
+            <a:r>
+              <a:rPr lang="en-US" altLang="zh-CN" sz="2400" b="1">
+                <a:solidFill>
+                  <a:srgbClr val="00B050"/>
+                </a:solidFill>
+              </a:rPr>
+              <a:t>1.</a:t>
+            </a:r>
+            <a:r>
+              <a:rPr lang="zh-CN" altLang="en-US" sz="2400" b="1">
+                <a:solidFill>
+                  <a:srgbClr val="00B050"/>
+                </a:solidFill>
+              </a:rPr>
+              <a:t>大于</a:t>
+            </a:r>
+            <a:r>
+              <a:rPr lang="en-US" altLang="zh-CN" sz="2400" b="1">
+                <a:solidFill>
+                  <a:srgbClr val="00B050"/>
+                </a:solidFill>
+              </a:rPr>
+              <a:t>6</a:t>
+            </a:r>
+            <a:r>
+              <a:rPr lang="zh-CN" altLang="en-US" sz="2400" b="1">
+                <a:solidFill>
+                  <a:srgbClr val="00B050"/>
+                </a:solidFill>
+              </a:rPr>
+              <a:t>，往右边走</a:t>
+            </a:r>
+            <a:br>
+              <a:rPr lang="zh-CN" altLang="en-US" sz="2400" b="1">
+                <a:solidFill>
+                  <a:srgbClr val="00B050"/>
+                </a:solidFill>
+              </a:rPr>
+            </a:br>
+            <a:r>
+              <a:rPr lang="en-US" altLang="zh-CN" sz="2400" b="1">
+                <a:solidFill>
+                  <a:srgbClr val="00B050"/>
+                </a:solidFill>
+              </a:rPr>
+              <a:t>2.</a:t>
+            </a:r>
+            <a:r>
+              <a:rPr lang="zh-CN" altLang="en-US" sz="2400" b="1">
+                <a:solidFill>
+                  <a:srgbClr val="00B050"/>
+                </a:solidFill>
+              </a:rPr>
+              <a:t>小于</a:t>
+            </a:r>
+            <a:r>
+              <a:rPr lang="en-US" altLang="zh-CN" sz="2400" b="1">
+                <a:solidFill>
+                  <a:srgbClr val="00B050"/>
+                </a:solidFill>
+              </a:rPr>
+              <a:t>8</a:t>
+            </a:r>
+            <a:r>
+              <a:rPr lang="zh-CN" altLang="en-US" sz="2400" b="1">
+                <a:solidFill>
+                  <a:srgbClr val="00B050"/>
+                </a:solidFill>
+              </a:rPr>
+              <a:t>，往左边走</a:t>
+            </a:r>
+            <a:br>
+              <a:rPr lang="zh-CN" altLang="en-US" sz="2400" b="1">
+                <a:solidFill>
+                  <a:srgbClr val="00B050"/>
+                </a:solidFill>
+              </a:rPr>
+            </a:br>
+            <a:r>
+              <a:rPr lang="en-US" altLang="zh-CN" sz="2400" b="1">
+                <a:solidFill>
+                  <a:srgbClr val="00B050"/>
+                </a:solidFill>
+              </a:rPr>
+              <a:t>3.</a:t>
+            </a:r>
+            <a:r>
+              <a:rPr lang="zh-CN" altLang="en-US" sz="2400" b="1">
+                <a:solidFill>
+                  <a:srgbClr val="00B050"/>
+                </a:solidFill>
+              </a:rPr>
+              <a:t>找到了</a:t>
+            </a:r>
+            <a:endParaRPr lang="zh-CN" altLang="en-US" sz="2400" b="1">
+              <a:solidFill>
+                <a:srgbClr val="00B050"/>
+              </a:solidFill>
+            </a:endParaRPr>
+          </a:p>
+        </p:txBody>
+      </p:sp>
+      <p:sp>
+        <p:nvSpPr>
+          <p:cNvPr id="25" name="文本框 24"/>
+          <p:cNvSpPr txBox="1"/>
+          <p:nvPr/>
+        </p:nvSpPr>
+        <p:spPr>
+          <a:xfrm>
+            <a:off x="6217285" y="3862705"/>
+            <a:ext cx="3644900" cy="2306955"/>
+          </a:xfrm>
+          <a:prstGeom prst="rect">
+            <a:avLst/>
+          </a:prstGeom>
+          <a:noFill/>
+        </p:spPr>
+        <p:txBody>
+          <a:bodyPr wrap="square" rtlCol="0">
+            <a:spAutoFit/>
+          </a:bodyPr>
+          <a:p>
+            <a:r>
+              <a:rPr lang="zh-CN" altLang="en-US" sz="2400" b="1">
+                <a:solidFill>
+                  <a:srgbClr val="7030A0"/>
+                </a:solidFill>
+              </a:rPr>
+              <a:t>搜索</a:t>
+            </a:r>
+            <a:r>
+              <a:rPr lang="en-US" altLang="zh-CN" sz="2400" b="1">
+                <a:solidFill>
+                  <a:srgbClr val="7030A0"/>
+                </a:solidFill>
+              </a:rPr>
+              <a:t>11</a:t>
+            </a:r>
+            <a:r>
+              <a:rPr lang="zh-CN" altLang="en-US" sz="2400" b="1">
+                <a:solidFill>
+                  <a:srgbClr val="7030A0"/>
+                </a:solidFill>
+              </a:rPr>
+              <a:t>：</a:t>
+            </a:r>
+            <a:endParaRPr lang="zh-CN" altLang="en-US" sz="2400" b="1">
+              <a:solidFill>
+                <a:srgbClr val="7030A0"/>
+              </a:solidFill>
+            </a:endParaRPr>
+          </a:p>
+          <a:p>
+            <a:r>
+              <a:rPr lang="en-US" altLang="zh-CN" sz="2400" b="1">
+                <a:solidFill>
+                  <a:srgbClr val="7030A0"/>
+                </a:solidFill>
+              </a:rPr>
+              <a:t>1.</a:t>
+            </a:r>
+            <a:r>
+              <a:rPr lang="zh-CN" altLang="en-US" sz="2400" b="1">
+                <a:solidFill>
+                  <a:srgbClr val="7030A0"/>
+                </a:solidFill>
+              </a:rPr>
+              <a:t>大于</a:t>
+            </a:r>
+            <a:r>
+              <a:rPr lang="en-US" altLang="zh-CN" sz="2400" b="1">
+                <a:solidFill>
+                  <a:srgbClr val="7030A0"/>
+                </a:solidFill>
+              </a:rPr>
+              <a:t>6</a:t>
+            </a:r>
+            <a:r>
+              <a:rPr lang="zh-CN" altLang="en-US" sz="2400" b="1">
+                <a:solidFill>
+                  <a:srgbClr val="7030A0"/>
+                </a:solidFill>
+              </a:rPr>
+              <a:t>，往右边走</a:t>
+            </a:r>
+            <a:br>
+              <a:rPr lang="zh-CN" altLang="en-US" sz="2400" b="1">
+                <a:solidFill>
+                  <a:srgbClr val="7030A0"/>
+                </a:solidFill>
+              </a:rPr>
+            </a:br>
+            <a:r>
+              <a:rPr lang="en-US" altLang="zh-CN" sz="2400" b="1">
+                <a:solidFill>
+                  <a:srgbClr val="7030A0"/>
+                </a:solidFill>
+              </a:rPr>
+              <a:t>2.</a:t>
+            </a:r>
+            <a:r>
+              <a:rPr lang="zh-CN" altLang="en-US" sz="2400" b="1">
+                <a:solidFill>
+                  <a:srgbClr val="7030A0"/>
+                </a:solidFill>
+              </a:rPr>
+              <a:t>大于</a:t>
+            </a:r>
+            <a:r>
+              <a:rPr lang="en-US" altLang="zh-CN" sz="2400" b="1">
+                <a:solidFill>
+                  <a:srgbClr val="7030A0"/>
+                </a:solidFill>
+              </a:rPr>
+              <a:t>8</a:t>
+            </a:r>
+            <a:r>
+              <a:rPr lang="zh-CN" altLang="en-US" sz="2400" b="1">
+                <a:solidFill>
+                  <a:srgbClr val="7030A0"/>
+                </a:solidFill>
+              </a:rPr>
+              <a:t>，往</a:t>
+            </a:r>
+            <a:r>
+              <a:rPr lang="zh-CN" altLang="en-US" sz="2400" b="1">
+                <a:solidFill>
+                  <a:srgbClr val="7030A0"/>
+                </a:solidFill>
+                <a:sym typeface="+mn-ea"/>
+              </a:rPr>
+              <a:t>右</a:t>
+            </a:r>
+            <a:r>
+              <a:rPr lang="zh-CN" altLang="en-US" sz="2400" b="1">
+                <a:solidFill>
+                  <a:srgbClr val="7030A0"/>
+                </a:solidFill>
+              </a:rPr>
+              <a:t>边走</a:t>
+            </a:r>
+            <a:br>
+              <a:rPr lang="zh-CN" altLang="en-US" sz="2400" b="1">
+                <a:solidFill>
+                  <a:srgbClr val="7030A0"/>
+                </a:solidFill>
+              </a:rPr>
+            </a:br>
+            <a:r>
+              <a:rPr lang="en-US" altLang="zh-CN" sz="2400" b="1">
+                <a:solidFill>
+                  <a:srgbClr val="7030A0"/>
+                </a:solidFill>
+              </a:rPr>
+              <a:t>3.</a:t>
+            </a:r>
+            <a:r>
+              <a:rPr lang="zh-CN" altLang="en-US" sz="2400" b="1">
+                <a:solidFill>
+                  <a:srgbClr val="7030A0"/>
+                </a:solidFill>
+                <a:sym typeface="+mn-ea"/>
+              </a:rPr>
+              <a:t>大于</a:t>
+            </a:r>
+            <a:r>
+              <a:rPr lang="en-US" altLang="zh-CN" sz="2400" b="1">
+                <a:solidFill>
+                  <a:srgbClr val="7030A0"/>
+                </a:solidFill>
+                <a:sym typeface="+mn-ea"/>
+              </a:rPr>
+              <a:t>9</a:t>
+            </a:r>
+            <a:r>
+              <a:rPr lang="zh-CN" altLang="en-US" sz="2400" b="1">
+                <a:solidFill>
+                  <a:srgbClr val="7030A0"/>
+                </a:solidFill>
+                <a:sym typeface="+mn-ea"/>
+              </a:rPr>
+              <a:t>，往</a:t>
+            </a:r>
+            <a:r>
+              <a:rPr lang="zh-CN" altLang="en-US" sz="2400" b="1">
+                <a:solidFill>
+                  <a:srgbClr val="7030A0"/>
+                </a:solidFill>
+                <a:sym typeface="+mn-ea"/>
+              </a:rPr>
+              <a:t>右</a:t>
+            </a:r>
+            <a:r>
+              <a:rPr lang="zh-CN" altLang="en-US" sz="2400" b="1">
+                <a:solidFill>
+                  <a:srgbClr val="7030A0"/>
+                </a:solidFill>
+                <a:sym typeface="+mn-ea"/>
+              </a:rPr>
+              <a:t>边走</a:t>
+            </a:r>
+            <a:br>
+              <a:rPr lang="zh-CN" altLang="en-US" sz="2400" b="1">
+                <a:solidFill>
+                  <a:srgbClr val="7030A0"/>
+                </a:solidFill>
+                <a:sym typeface="+mn-ea"/>
+              </a:rPr>
+            </a:br>
+            <a:r>
+              <a:rPr lang="en-US" altLang="zh-CN" sz="2400" b="1">
+                <a:solidFill>
+                  <a:srgbClr val="7030A0"/>
+                </a:solidFill>
+              </a:rPr>
+              <a:t>4.</a:t>
+            </a:r>
+            <a:r>
+              <a:rPr lang="zh-CN" altLang="en-US" sz="2400" b="1">
+                <a:solidFill>
+                  <a:srgbClr val="7030A0"/>
+                </a:solidFill>
+                <a:sym typeface="+mn-ea"/>
+              </a:rPr>
+              <a:t>大于</a:t>
+            </a:r>
+            <a:r>
+              <a:rPr lang="en-US" altLang="zh-CN" sz="2400" b="1">
+                <a:solidFill>
+                  <a:srgbClr val="7030A0"/>
+                </a:solidFill>
+                <a:sym typeface="+mn-ea"/>
+              </a:rPr>
+              <a:t>10</a:t>
+            </a:r>
+            <a:r>
+              <a:rPr lang="zh-CN" altLang="en-US" sz="2400" b="1">
+                <a:solidFill>
+                  <a:srgbClr val="7030A0"/>
+                </a:solidFill>
+                <a:sym typeface="+mn-ea"/>
+              </a:rPr>
+              <a:t>，往右边走</a:t>
+            </a:r>
+            <a:br>
+              <a:rPr lang="zh-CN" altLang="en-US" sz="2400" b="1">
+                <a:solidFill>
+                  <a:srgbClr val="7030A0"/>
+                </a:solidFill>
+                <a:sym typeface="+mn-ea"/>
+              </a:rPr>
+            </a:br>
+            <a:r>
+              <a:rPr lang="zh-CN" altLang="en-US" sz="2400" b="1">
+                <a:solidFill>
+                  <a:srgbClr val="7030A0"/>
+                </a:solidFill>
+                <a:sym typeface="+mn-ea"/>
+              </a:rPr>
+              <a:t>5</a:t>
+            </a:r>
+            <a:r>
+              <a:rPr lang="en-US" altLang="zh-CN" sz="2400" b="1">
+                <a:solidFill>
+                  <a:srgbClr val="7030A0"/>
+                </a:solidFill>
+                <a:sym typeface="+mn-ea"/>
+              </a:rPr>
+              <a:t>.</a:t>
+            </a:r>
+            <a:r>
+              <a:rPr lang="zh-CN" altLang="en-US" sz="2400" b="1">
+                <a:solidFill>
+                  <a:srgbClr val="7030A0"/>
+                </a:solidFill>
+                <a:sym typeface="+mn-ea"/>
+              </a:rPr>
+              <a:t>节点为</a:t>
+            </a:r>
+            <a:r>
+              <a:rPr lang="en-US" altLang="zh-CN" sz="2400" b="1">
+                <a:solidFill>
+                  <a:srgbClr val="7030A0"/>
+                </a:solidFill>
+                <a:sym typeface="+mn-ea"/>
+              </a:rPr>
+              <a:t>NULL</a:t>
+            </a:r>
+            <a:r>
+              <a:rPr lang="zh-CN" altLang="en-US" sz="2400" b="1">
+                <a:solidFill>
+                  <a:srgbClr val="7030A0"/>
+                </a:solidFill>
+                <a:sym typeface="+mn-ea"/>
+              </a:rPr>
+              <a:t>，未找到</a:t>
+            </a:r>
+            <a:endParaRPr lang="zh-CN" altLang="en-US" sz="2400" b="1">
+              <a:solidFill>
+                <a:srgbClr val="7030A0"/>
+              </a:solidFill>
+              <a:sym typeface="+mn-ea"/>
+            </a:endParaRPr>
+          </a:p>
+        </p:txBody>
+      </p:sp>
+      <p:cxnSp>
+        <p:nvCxnSpPr>
+          <p:cNvPr id="26" name="直接箭头连接符 25"/>
+          <p:cNvCxnSpPr>
+            <a:stCxn id="4" idx="5"/>
+          </p:cNvCxnSpPr>
+          <p:nvPr/>
+        </p:nvCxnSpPr>
+        <p:spPr>
+          <a:xfrm>
+            <a:off x="3477895" y="2196465"/>
+            <a:ext cx="480695" cy="649605"/>
+          </a:xfrm>
+          <a:prstGeom prst="straightConnector1">
+            <a:avLst/>
+          </a:prstGeom>
+          <a:ln w="38100">
+            <a:solidFill>
+              <a:srgbClr val="00B050"/>
+            </a:solidFill>
+            <a:tailEnd type="arrow"/>
+          </a:ln>
+        </p:spPr>
+        <p:style>
+          <a:lnRef idx="1">
+            <a:schemeClr val="accent1"/>
+          </a:lnRef>
+          <a:fillRef idx="0">
+            <a:schemeClr val="accent1"/>
+          </a:fillRef>
+          <a:effectRef idx="0">
+            <a:schemeClr val="accent1"/>
+          </a:effectRef>
+          <a:fontRef idx="minor">
+            <a:schemeClr val="tx1"/>
+          </a:fontRef>
+        </p:style>
+      </p:cxnSp>
+      <p:cxnSp>
+        <p:nvCxnSpPr>
+          <p:cNvPr id="27" name="直接箭头连接符 26"/>
+          <p:cNvCxnSpPr/>
+          <p:nvPr/>
+        </p:nvCxnSpPr>
+        <p:spPr>
+          <a:xfrm flipH="1">
+            <a:off x="3702050" y="2822575"/>
+            <a:ext cx="233045" cy="640715"/>
+          </a:xfrm>
+          <a:prstGeom prst="straightConnector1">
+            <a:avLst/>
+          </a:prstGeom>
+          <a:ln w="38100">
+            <a:solidFill>
+              <a:srgbClr val="00B050"/>
+            </a:solidFill>
+            <a:tailEnd type="arrow"/>
+          </a:ln>
+        </p:spPr>
+        <p:style>
+          <a:lnRef idx="1">
+            <a:schemeClr val="accent1"/>
+          </a:lnRef>
+          <a:fillRef idx="0">
+            <a:schemeClr val="accent1"/>
+          </a:fillRef>
+          <a:effectRef idx="0">
+            <a:schemeClr val="accent1"/>
+          </a:effectRef>
+          <a:fontRef idx="minor">
+            <a:schemeClr val="tx1"/>
+          </a:fontRef>
+        </p:style>
+      </p:cxnSp>
+      <p:cxnSp>
+        <p:nvCxnSpPr>
+          <p:cNvPr id="28" name="直接箭头连接符 27"/>
+          <p:cNvCxnSpPr>
+            <a:stCxn id="4" idx="6"/>
+          </p:cNvCxnSpPr>
+          <p:nvPr/>
+        </p:nvCxnSpPr>
+        <p:spPr>
+          <a:xfrm>
+            <a:off x="3542030" y="2037715"/>
+            <a:ext cx="976630" cy="525780"/>
+          </a:xfrm>
+          <a:prstGeom prst="straightConnector1">
+            <a:avLst/>
+          </a:prstGeom>
+          <a:ln w="38100">
+            <a:solidFill>
+              <a:srgbClr val="7030A0"/>
+            </a:solidFill>
+            <a:tailEnd type="arrow"/>
+          </a:ln>
+        </p:spPr>
+        <p:style>
+          <a:lnRef idx="1">
+            <a:schemeClr val="accent1"/>
+          </a:lnRef>
+          <a:fillRef idx="0">
+            <a:schemeClr val="accent1"/>
+          </a:fillRef>
+          <a:effectRef idx="0">
+            <a:schemeClr val="accent1"/>
+          </a:effectRef>
+          <a:fontRef idx="minor">
+            <a:schemeClr val="tx1"/>
+          </a:fontRef>
+        </p:style>
+      </p:cxnSp>
+      <p:cxnSp>
+        <p:nvCxnSpPr>
+          <p:cNvPr id="29" name="直接箭头连接符 28"/>
+          <p:cNvCxnSpPr/>
+          <p:nvPr/>
+        </p:nvCxnSpPr>
+        <p:spPr>
+          <a:xfrm>
+            <a:off x="4471035" y="2519680"/>
+            <a:ext cx="640080" cy="1059815"/>
+          </a:xfrm>
+          <a:prstGeom prst="straightConnector1">
+            <a:avLst/>
+          </a:prstGeom>
+          <a:ln w="38100">
+            <a:solidFill>
+              <a:srgbClr val="7030A0"/>
+            </a:solidFill>
+            <a:tailEnd type="arrow"/>
+          </a:ln>
+        </p:spPr>
+        <p:style>
+          <a:lnRef idx="1">
+            <a:schemeClr val="accent1"/>
+          </a:lnRef>
+          <a:fillRef idx="0">
+            <a:schemeClr val="accent1"/>
+          </a:fillRef>
+          <a:effectRef idx="0">
+            <a:schemeClr val="accent1"/>
+          </a:effectRef>
+          <a:fontRef idx="minor">
+            <a:schemeClr val="tx1"/>
+          </a:fontRef>
+        </p:style>
+      </p:cxnSp>
+      <p:cxnSp>
+        <p:nvCxnSpPr>
+          <p:cNvPr id="30" name="直接箭头连接符 29"/>
+          <p:cNvCxnSpPr/>
+          <p:nvPr/>
+        </p:nvCxnSpPr>
+        <p:spPr>
+          <a:xfrm>
+            <a:off x="5151120" y="3544570"/>
+            <a:ext cx="612140" cy="733425"/>
+          </a:xfrm>
+          <a:prstGeom prst="straightConnector1">
+            <a:avLst/>
+          </a:prstGeom>
+          <a:ln w="38100">
+            <a:solidFill>
+              <a:srgbClr val="7030A0"/>
+            </a:solidFill>
+            <a:tailEnd type="arrow"/>
+          </a:ln>
+        </p:spPr>
+        <p:style>
+          <a:lnRef idx="1">
+            <a:schemeClr val="accent1"/>
+          </a:lnRef>
+          <a:fillRef idx="0">
+            <a:schemeClr val="accent1"/>
+          </a:fillRef>
+          <a:effectRef idx="0">
+            <a:schemeClr val="accent1"/>
+          </a:effectRef>
+          <a:fontRef idx="minor">
+            <a:schemeClr val="tx1"/>
+          </a:fontRef>
+        </p:style>
+      </p:cxnSp>
+      <p:cxnSp>
+        <p:nvCxnSpPr>
+          <p:cNvPr id="31" name="直接箭头连接符 30"/>
+          <p:cNvCxnSpPr/>
+          <p:nvPr/>
+        </p:nvCxnSpPr>
+        <p:spPr>
+          <a:xfrm>
+            <a:off x="5751830" y="4266565"/>
+            <a:ext cx="11430" cy="1141095"/>
+          </a:xfrm>
+          <a:prstGeom prst="straightConnector1">
+            <a:avLst/>
+          </a:prstGeom>
+          <a:ln w="38100">
+            <a:solidFill>
+              <a:srgbClr val="7030A0"/>
+            </a:solidFill>
+            <a:tailEnd type="arrow"/>
+          </a:ln>
+        </p:spPr>
+        <p:style>
+          <a:lnRef idx="1">
+            <a:schemeClr val="accent1"/>
+          </a:lnRef>
+          <a:fillRef idx="0">
+            <a:schemeClr val="accent1"/>
+          </a:fillRef>
+          <a:effectRef idx="0">
+            <a:schemeClr val="accent1"/>
+          </a:effectRef>
+          <a:fontRef idx="minor">
+            <a:schemeClr val="tx1"/>
+          </a:fontRef>
+        </p:style>
+      </p:cxnSp>
+      <p:sp>
+        <p:nvSpPr>
+          <p:cNvPr id="32" name="文本框 31"/>
+          <p:cNvSpPr txBox="1"/>
+          <p:nvPr/>
+        </p:nvSpPr>
+        <p:spPr>
+          <a:xfrm>
+            <a:off x="5111344" y="5407774"/>
+            <a:ext cx="1118006" cy="521728"/>
+          </a:xfrm>
+          <a:prstGeom prst="rect">
+            <a:avLst/>
+          </a:prstGeom>
+          <a:noFill/>
+        </p:spPr>
+        <p:txBody>
+          <a:bodyPr wrap="square" rtlCol="0">
+            <a:spAutoFit/>
+          </a:bodyPr>
+          <a:p>
+            <a:r>
+              <a:rPr lang="en-US" altLang="zh-CN" sz="2800" b="1">
+                <a:solidFill>
+                  <a:srgbClr val="FF0000"/>
+                </a:solidFill>
+              </a:rPr>
+              <a:t>NULL</a:t>
+            </a:r>
+            <a:endParaRPr lang="en-US" altLang="zh-CN" sz="2800" b="1">
+              <a:solidFill>
+                <a:srgbClr val="FF0000"/>
+              </a:solidFill>
+            </a:endParaRPr>
+          </a:p>
+        </p:txBody>
+      </p:sp>
+    </p:spTree>
+  </p:cSld>
+  <p:clrMapOvr>
+    <a:masterClrMapping/>
+  </p:clrMapOvr>
+</p:sld>
+</file>
+
+<file path=ppt/slides/slide2.xml><?xml version="1.0" encoding="utf-8"?>
+<p:sld xmlns:a="http://schemas.openxmlformats.org/drawingml/2006/main" xmlns:r="http://schemas.openxmlformats.org/officeDocument/2006/relationships" xmlns:p="http://schemas.openxmlformats.org/presentationml/2006/main">
+  <p:cSld>
+    <p:spTree>
+      <p:nvGrpSpPr>
+        <p:cNvPr id="1" name=""/>
+        <p:cNvGrpSpPr/>
+        <p:nvPr/>
+      </p:nvGrpSpPr>
+      <p:grpSpPr/>
+      <p:sp>
+        <p:nvSpPr>
+          <p:cNvPr id="5" name="标题 4"/>
+          <p:cNvSpPr/>
+          <p:nvPr>
+            <p:ph type="title"/>
+          </p:nvPr>
+        </p:nvSpPr>
+        <p:spPr/>
+        <p:txBody>
+          <a:bodyPr>
+            <a:normAutofit/>
+          </a:bodyPr>
+          <a:p>
+            <a:r>
+              <a:rPr lang="zh-CN" altLang="en-US">
+                <a:sym typeface="+mn-ea"/>
+              </a:rPr>
+              <a:t>插入节点</a:t>
+            </a:r>
+            <a:r>
+              <a:rPr lang="en-US" altLang="zh-CN">
+                <a:sym typeface="+mn-ea"/>
+              </a:rPr>
+              <a:t>step2</a:t>
+            </a:r>
+            <a:endParaRPr lang="zh-CN" altLang="en-US"/>
+          </a:p>
+        </p:txBody>
+      </p:sp>
+      <p:grpSp>
+        <p:nvGrpSpPr>
+          <p:cNvPr id="14" name="组合 13"/>
+          <p:cNvGrpSpPr/>
+          <p:nvPr/>
+        </p:nvGrpSpPr>
+        <p:grpSpPr>
+          <a:xfrm>
+            <a:off x="774700" y="1955165"/>
+            <a:ext cx="2056765" cy="779145"/>
+            <a:chOff x="3089" y="4589"/>
+            <a:chExt cx="3239" cy="1227"/>
+          </a:xfrm>
+        </p:grpSpPr>
+        <p:sp>
+          <p:nvSpPr>
+            <p:cNvPr id="8" name="矩形 7"/>
+            <p:cNvSpPr/>
+            <p:nvPr/>
+          </p:nvSpPr>
+          <p:spPr>
+            <a:xfrm>
+              <a:off x="3089" y="4589"/>
+              <a:ext cx="3239" cy="1227"/>
+            </a:xfrm>
+            <a:prstGeom prst="rect">
+              <a:avLst/>
+            </a:prstGeom>
+          </p:spPr>
+          <p:style>
+            <a:lnRef idx="2">
+              <a:schemeClr val="accent1"/>
+            </a:lnRef>
+            <a:fillRef idx="1">
+              <a:schemeClr val="lt1"/>
+            </a:fillRef>
+            <a:effectRef idx="0">
+              <a:schemeClr val="accent1"/>
+            </a:effectRef>
+            <a:fontRef idx="minor">
+              <a:schemeClr val="dk1"/>
+            </a:fontRef>
+          </p:style>
+          <p:txBody>
+            <a:bodyPr rtlCol="0" anchor="ctr"/>
+            <a:p>
+              <a:pPr algn="ctr"/>
+              <a:endParaRPr lang="zh-CN" altLang="en-US"/>
+            </a:p>
+          </p:txBody>
+        </p:sp>
+        <p:cxnSp>
+          <p:nvCxnSpPr>
+            <p:cNvPr id="9" name="直接连接符 8"/>
+            <p:cNvCxnSpPr/>
+            <p:nvPr/>
+          </p:nvCxnSpPr>
+          <p:spPr>
+            <a:xfrm flipH="1">
+              <a:off x="4208" y="4616"/>
+              <a:ext cx="1" cy="1200"/>
+            </a:xfrm>
+            <a:prstGeom prst="line">
+              <a:avLst/>
+            </a:prstGeom>
+          </p:spPr>
+          <p:style>
+            <a:lnRef idx="1">
+              <a:schemeClr val="accent1"/>
+            </a:lnRef>
+            <a:fillRef idx="0">
+              <a:schemeClr val="accent1"/>
+            </a:fillRef>
+            <a:effectRef idx="0">
+              <a:schemeClr val="accent1"/>
+            </a:effectRef>
+            <a:fontRef idx="minor">
+              <a:schemeClr val="tx1"/>
+            </a:fontRef>
+          </p:style>
+        </p:cxnSp>
+        <p:cxnSp>
+          <p:nvCxnSpPr>
+            <p:cNvPr id="10" name="直接连接符 9"/>
+            <p:cNvCxnSpPr/>
+            <p:nvPr/>
+          </p:nvCxnSpPr>
+          <p:spPr>
+            <a:xfrm>
+              <a:off x="5144" y="4589"/>
+              <a:ext cx="0" cy="1220"/>
+            </a:xfrm>
+            <a:prstGeom prst="line">
+              <a:avLst/>
+            </a:prstGeom>
+          </p:spPr>
+          <p:style>
+            <a:lnRef idx="1">
+              <a:schemeClr val="accent1"/>
+            </a:lnRef>
+            <a:fillRef idx="0">
+              <a:schemeClr val="accent1"/>
+            </a:fillRef>
+            <a:effectRef idx="0">
+              <a:schemeClr val="accent1"/>
+            </a:effectRef>
+            <a:fontRef idx="minor">
+              <a:schemeClr val="tx1"/>
+            </a:fontRef>
+          </p:style>
+        </p:cxnSp>
+        <p:sp>
+          <p:nvSpPr>
+            <p:cNvPr id="11" name="文本框 10"/>
+            <p:cNvSpPr txBox="1"/>
+            <p:nvPr/>
+          </p:nvSpPr>
+          <p:spPr>
+            <a:xfrm>
+              <a:off x="4220" y="4800"/>
+              <a:ext cx="1147" cy="580"/>
+            </a:xfrm>
+            <a:prstGeom prst="rect">
+              <a:avLst/>
+            </a:prstGeom>
+            <a:noFill/>
+          </p:spPr>
+          <p:txBody>
+            <a:bodyPr wrap="square" rtlCol="0">
+              <a:spAutoFit/>
+            </a:bodyPr>
+            <a:p>
+              <a:r>
+                <a:rPr lang="en-US" altLang="zh-CN"/>
+                <a:t>head</a:t>
+              </a:r>
+              <a:endParaRPr lang="en-US" altLang="zh-CN"/>
+            </a:p>
+          </p:txBody>
+        </p:sp>
+        <p:sp>
+          <p:nvSpPr>
+            <p:cNvPr id="12" name="文本框 11"/>
+            <p:cNvSpPr txBox="1"/>
+            <p:nvPr/>
+          </p:nvSpPr>
+          <p:spPr>
+            <a:xfrm>
+              <a:off x="3089" y="4674"/>
+              <a:ext cx="1118" cy="1016"/>
+            </a:xfrm>
+            <a:prstGeom prst="rect">
+              <a:avLst/>
+            </a:prstGeom>
+            <a:noFill/>
+          </p:spPr>
+          <p:txBody>
+            <a:bodyPr wrap="square" rtlCol="0">
+              <a:spAutoFit/>
+            </a:bodyPr>
+            <a:p>
+              <a:r>
+                <a:rPr lang="en-US" altLang="zh-CN"/>
+                <a:t>prev</a:t>
+              </a:r>
+              <a:r>
+                <a:rPr lang="zh-CN" altLang="en-US"/>
+                <a:t>指针</a:t>
+              </a:r>
+              <a:endParaRPr lang="zh-CN" altLang="en-US"/>
+            </a:p>
+          </p:txBody>
+        </p:sp>
+        <p:sp>
+          <p:nvSpPr>
+            <p:cNvPr id="13" name="文本框 12"/>
+            <p:cNvSpPr txBox="1"/>
+            <p:nvPr/>
+          </p:nvSpPr>
+          <p:spPr>
+            <a:xfrm>
+              <a:off x="5146" y="4708"/>
+              <a:ext cx="1182" cy="1016"/>
+            </a:xfrm>
+            <a:prstGeom prst="rect">
+              <a:avLst/>
+            </a:prstGeom>
+            <a:noFill/>
+          </p:spPr>
+          <p:txBody>
+            <a:bodyPr wrap="square" rtlCol="0">
+              <a:spAutoFit/>
+            </a:bodyPr>
+            <a:p>
+              <a:r>
+                <a:rPr lang="en-US" altLang="zh-CN"/>
+                <a:t>next</a:t>
+              </a:r>
+              <a:r>
+                <a:rPr lang="zh-CN" altLang="en-US"/>
+                <a:t>指针</a:t>
+              </a:r>
+              <a:endParaRPr lang="zh-CN" altLang="en-US"/>
+            </a:p>
+          </p:txBody>
+        </p:sp>
+      </p:grpSp>
+      <p:sp>
+        <p:nvSpPr>
+          <p:cNvPr id="18" name="文本框 17"/>
+          <p:cNvSpPr txBox="1"/>
+          <p:nvPr/>
+        </p:nvSpPr>
+        <p:spPr>
+          <a:xfrm>
+            <a:off x="9542145" y="6301740"/>
+            <a:ext cx="684530" cy="368300"/>
+          </a:xfrm>
+          <a:prstGeom prst="rect">
+            <a:avLst/>
+          </a:prstGeom>
+          <a:noFill/>
+        </p:spPr>
+        <p:txBody>
+          <a:bodyPr wrap="square" rtlCol="0">
+            <a:spAutoFit/>
+          </a:bodyPr>
+          <a:p>
+            <a:r>
+              <a:rPr lang="en-US" altLang="zh-CN" b="1">
+                <a:solidFill>
+                  <a:srgbClr val="FF0000"/>
+                </a:solidFill>
+              </a:rPr>
+              <a:t>NULL</a:t>
+            </a:r>
+            <a:endParaRPr lang="en-US" altLang="zh-CN" b="1">
+              <a:solidFill>
+                <a:srgbClr val="FF0000"/>
+              </a:solidFill>
+            </a:endParaRPr>
+          </a:p>
+        </p:txBody>
+      </p:sp>
+      <p:sp>
+        <p:nvSpPr>
+          <p:cNvPr id="19" name="文本框 18"/>
+          <p:cNvSpPr txBox="1"/>
+          <p:nvPr/>
+        </p:nvSpPr>
+        <p:spPr>
+          <a:xfrm>
+            <a:off x="159385" y="3159760"/>
+            <a:ext cx="684530" cy="368300"/>
+          </a:xfrm>
+          <a:prstGeom prst="rect">
+            <a:avLst/>
+          </a:prstGeom>
+          <a:noFill/>
+        </p:spPr>
+        <p:txBody>
+          <a:bodyPr wrap="square" rtlCol="0">
+            <a:spAutoFit/>
+          </a:bodyPr>
+          <a:p>
+            <a:r>
+              <a:rPr lang="en-US" altLang="zh-CN" b="1">
+                <a:solidFill>
+                  <a:srgbClr val="FF0000"/>
+                </a:solidFill>
+              </a:rPr>
+              <a:t>NULL</a:t>
+            </a:r>
+            <a:endParaRPr lang="en-US" altLang="zh-CN" b="1">
+              <a:solidFill>
+                <a:srgbClr val="FF0000"/>
+              </a:solidFill>
+            </a:endParaRPr>
+          </a:p>
+        </p:txBody>
+      </p:sp>
+      <p:cxnSp>
+        <p:nvCxnSpPr>
+          <p:cNvPr id="20" name="直接箭头连接符 19"/>
+          <p:cNvCxnSpPr/>
+          <p:nvPr/>
+        </p:nvCxnSpPr>
+        <p:spPr>
+          <a:xfrm flipH="1">
+            <a:off x="501650" y="2757805"/>
+            <a:ext cx="342265" cy="401955"/>
+          </a:xfrm>
+          <a:prstGeom prst="straightConnector1">
+            <a:avLst/>
+          </a:prstGeom>
+          <a:ln w="38100">
+            <a:solidFill>
+              <a:srgbClr val="FF0000"/>
+            </a:solidFill>
+            <a:tailEnd type="arrow"/>
+          </a:ln>
+        </p:spPr>
+        <p:style>
+          <a:lnRef idx="1">
+            <a:schemeClr val="accent1"/>
+          </a:lnRef>
+          <a:fillRef idx="0">
+            <a:schemeClr val="accent1"/>
+          </a:fillRef>
+          <a:effectRef idx="0">
+            <a:schemeClr val="accent1"/>
+          </a:effectRef>
+          <a:fontRef idx="minor">
+            <a:schemeClr val="tx1"/>
+          </a:fontRef>
+        </p:style>
+      </p:cxnSp>
+      <p:grpSp>
+        <p:nvGrpSpPr>
+          <p:cNvPr id="26" name="组合 25"/>
+          <p:cNvGrpSpPr/>
+          <p:nvPr/>
+        </p:nvGrpSpPr>
+        <p:grpSpPr>
+          <a:xfrm>
+            <a:off x="4854575" y="4395470"/>
+            <a:ext cx="2196465" cy="779145"/>
+            <a:chOff x="3089" y="4589"/>
+            <a:chExt cx="3459" cy="1227"/>
+          </a:xfrm>
+        </p:grpSpPr>
+        <p:sp>
+          <p:nvSpPr>
+            <p:cNvPr id="27" name="矩形 26"/>
+            <p:cNvSpPr/>
+            <p:nvPr/>
+          </p:nvSpPr>
+          <p:spPr>
+            <a:xfrm>
+              <a:off x="3089" y="4589"/>
+              <a:ext cx="3239" cy="1227"/>
+            </a:xfrm>
+            <a:prstGeom prst="rect">
+              <a:avLst/>
+            </a:prstGeom>
+          </p:spPr>
+          <p:style>
+            <a:lnRef idx="2">
+              <a:schemeClr val="accent1"/>
+            </a:lnRef>
+            <a:fillRef idx="1">
+              <a:schemeClr val="lt1"/>
+            </a:fillRef>
+            <a:effectRef idx="0">
+              <a:schemeClr val="accent1"/>
+            </a:effectRef>
+            <a:fontRef idx="minor">
+              <a:schemeClr val="dk1"/>
+            </a:fontRef>
+          </p:style>
+          <p:txBody>
+            <a:bodyPr rtlCol="0" anchor="ctr"/>
+            <a:p>
+              <a:pPr algn="ctr"/>
+              <a:endParaRPr lang="zh-CN" altLang="en-US"/>
+            </a:p>
+          </p:txBody>
+        </p:sp>
+        <p:cxnSp>
+          <p:nvCxnSpPr>
+            <p:cNvPr id="28" name="直接连接符 27"/>
+            <p:cNvCxnSpPr/>
+            <p:nvPr/>
+          </p:nvCxnSpPr>
+          <p:spPr>
+            <a:xfrm flipH="1">
+              <a:off x="4208" y="4616"/>
+              <a:ext cx="1" cy="1200"/>
+            </a:xfrm>
+            <a:prstGeom prst="line">
+              <a:avLst/>
+            </a:prstGeom>
+          </p:spPr>
+          <p:style>
+            <a:lnRef idx="1">
+              <a:schemeClr val="accent1"/>
+            </a:lnRef>
+            <a:fillRef idx="0">
+              <a:schemeClr val="accent1"/>
+            </a:fillRef>
+            <a:effectRef idx="0">
+              <a:schemeClr val="accent1"/>
+            </a:effectRef>
+            <a:fontRef idx="minor">
+              <a:schemeClr val="tx1"/>
+            </a:fontRef>
+          </p:style>
+        </p:cxnSp>
+        <p:cxnSp>
+          <p:nvCxnSpPr>
+            <p:cNvPr id="29" name="直接连接符 28"/>
+            <p:cNvCxnSpPr/>
+            <p:nvPr/>
+          </p:nvCxnSpPr>
+          <p:spPr>
+            <a:xfrm>
+              <a:off x="5144" y="4589"/>
+              <a:ext cx="0" cy="1220"/>
+            </a:xfrm>
+            <a:prstGeom prst="line">
+              <a:avLst/>
+            </a:prstGeom>
+          </p:spPr>
+          <p:style>
+            <a:lnRef idx="1">
+              <a:schemeClr val="accent1"/>
+            </a:lnRef>
+            <a:fillRef idx="0">
+              <a:schemeClr val="accent1"/>
+            </a:fillRef>
+            <a:effectRef idx="0">
+              <a:schemeClr val="accent1"/>
+            </a:effectRef>
+            <a:fontRef idx="minor">
+              <a:schemeClr val="tx1"/>
+            </a:fontRef>
+          </p:style>
+        </p:cxnSp>
+        <p:sp>
+          <p:nvSpPr>
+            <p:cNvPr id="30" name="文本框 29"/>
+            <p:cNvSpPr txBox="1"/>
+            <p:nvPr/>
+          </p:nvSpPr>
+          <p:spPr>
+            <a:xfrm>
+              <a:off x="4220" y="4800"/>
+              <a:ext cx="1147" cy="1016"/>
+            </a:xfrm>
+            <a:prstGeom prst="rect">
+              <a:avLst/>
+            </a:prstGeom>
+            <a:noFill/>
+          </p:spPr>
+          <p:txBody>
+            <a:bodyPr wrap="square" rtlCol="0">
+              <a:spAutoFit/>
+            </a:bodyPr>
+            <a:p>
+              <a:r>
+                <a:rPr lang="en-US" altLang="zh-CN"/>
+                <a:t>16</a:t>
+              </a:r>
+              <a:endParaRPr lang="en-US" altLang="zh-CN"/>
+            </a:p>
+            <a:p>
+              <a:endParaRPr lang="en-US" altLang="zh-CN"/>
+            </a:p>
+          </p:txBody>
+        </p:sp>
+        <p:sp>
+          <p:nvSpPr>
+            <p:cNvPr id="31" name="文本框 30"/>
+            <p:cNvSpPr txBox="1"/>
+            <p:nvPr/>
+          </p:nvSpPr>
+          <p:spPr>
+            <a:xfrm>
+              <a:off x="3089" y="4674"/>
+              <a:ext cx="1118" cy="1016"/>
+            </a:xfrm>
+            <a:prstGeom prst="rect">
+              <a:avLst/>
+            </a:prstGeom>
+            <a:noFill/>
+          </p:spPr>
+          <p:txBody>
+            <a:bodyPr wrap="square" rtlCol="0">
+              <a:spAutoFit/>
+            </a:bodyPr>
+            <a:p>
+              <a:r>
+                <a:rPr lang="en-US" altLang="zh-CN"/>
+                <a:t>prev</a:t>
+              </a:r>
+              <a:r>
+                <a:rPr lang="zh-CN" altLang="en-US"/>
+                <a:t>指针</a:t>
+              </a:r>
+              <a:endParaRPr lang="zh-CN" altLang="en-US"/>
+            </a:p>
+          </p:txBody>
+        </p:sp>
+        <p:sp>
+          <p:nvSpPr>
+            <p:cNvPr id="32" name="文本框 31"/>
+            <p:cNvSpPr txBox="1"/>
+            <p:nvPr/>
+          </p:nvSpPr>
+          <p:spPr>
+            <a:xfrm>
+              <a:off x="5366" y="4800"/>
+              <a:ext cx="1182" cy="1016"/>
+            </a:xfrm>
+            <a:prstGeom prst="rect">
+              <a:avLst/>
+            </a:prstGeom>
+            <a:noFill/>
+          </p:spPr>
+          <p:txBody>
+            <a:bodyPr wrap="square" rtlCol="0">
+              <a:spAutoFit/>
+            </a:bodyPr>
+            <a:p>
+              <a:r>
+                <a:rPr lang="en-US" altLang="zh-CN"/>
+                <a:t>next</a:t>
+              </a:r>
+              <a:r>
+                <a:rPr lang="zh-CN" altLang="en-US"/>
+                <a:t>指针</a:t>
+              </a:r>
+              <a:endParaRPr lang="zh-CN" altLang="en-US"/>
+            </a:p>
+          </p:txBody>
+        </p:sp>
+      </p:grpSp>
+      <p:cxnSp>
+        <p:nvCxnSpPr>
+          <p:cNvPr id="33" name="直接箭头连接符 32"/>
+          <p:cNvCxnSpPr>
+            <a:endCxn id="50" idx="0"/>
+          </p:cNvCxnSpPr>
+          <p:nvPr/>
+        </p:nvCxnSpPr>
+        <p:spPr>
+          <a:xfrm>
+            <a:off x="2653030" y="2457450"/>
+            <a:ext cx="730885" cy="923290"/>
+          </a:xfrm>
+          <a:prstGeom prst="straightConnector1">
+            <a:avLst/>
+          </a:prstGeom>
+          <a:ln w="38100">
+            <a:solidFill>
+              <a:srgbClr val="FFBCFF"/>
+            </a:solidFill>
+            <a:tailEnd type="arrow"/>
+          </a:ln>
+        </p:spPr>
+        <p:style>
+          <a:lnRef idx="1">
+            <a:schemeClr val="accent1"/>
+          </a:lnRef>
+          <a:fillRef idx="0">
+            <a:schemeClr val="accent1"/>
+          </a:fillRef>
+          <a:effectRef idx="0">
+            <a:schemeClr val="accent1"/>
+          </a:effectRef>
+          <a:fontRef idx="minor">
+            <a:schemeClr val="tx1"/>
+          </a:fontRef>
+        </p:style>
+      </p:cxnSp>
+      <p:grpSp>
+        <p:nvGrpSpPr>
+          <p:cNvPr id="34" name="组合 33"/>
+          <p:cNvGrpSpPr/>
+          <p:nvPr/>
+        </p:nvGrpSpPr>
+        <p:grpSpPr>
+          <a:xfrm>
+            <a:off x="6911340" y="5349875"/>
+            <a:ext cx="2196465" cy="779145"/>
+            <a:chOff x="3089" y="4589"/>
+            <a:chExt cx="3459" cy="1227"/>
+          </a:xfrm>
+        </p:grpSpPr>
+        <p:sp>
+          <p:nvSpPr>
+            <p:cNvPr id="35" name="矩形 34"/>
+            <p:cNvSpPr/>
+            <p:nvPr/>
+          </p:nvSpPr>
+          <p:spPr>
+            <a:xfrm>
+              <a:off x="3089" y="4589"/>
+              <a:ext cx="3239" cy="1227"/>
+            </a:xfrm>
+            <a:prstGeom prst="rect">
+              <a:avLst/>
+            </a:prstGeom>
+          </p:spPr>
+          <p:style>
+            <a:lnRef idx="2">
+              <a:schemeClr val="accent1"/>
+            </a:lnRef>
+            <a:fillRef idx="1">
+              <a:schemeClr val="lt1"/>
+            </a:fillRef>
+            <a:effectRef idx="0">
+              <a:schemeClr val="accent1"/>
+            </a:effectRef>
+            <a:fontRef idx="minor">
+              <a:schemeClr val="dk1"/>
+            </a:fontRef>
+          </p:style>
+          <p:txBody>
+            <a:bodyPr rtlCol="0" anchor="ctr"/>
+            <a:p>
+              <a:pPr algn="ctr"/>
+              <a:endParaRPr lang="zh-CN" altLang="en-US"/>
+            </a:p>
+          </p:txBody>
+        </p:sp>
+        <p:cxnSp>
+          <p:nvCxnSpPr>
+            <p:cNvPr id="36" name="直接连接符 35"/>
+            <p:cNvCxnSpPr/>
+            <p:nvPr/>
+          </p:nvCxnSpPr>
+          <p:spPr>
+            <a:xfrm flipH="1">
+              <a:off x="4208" y="4616"/>
+              <a:ext cx="1" cy="1200"/>
+            </a:xfrm>
+            <a:prstGeom prst="line">
+              <a:avLst/>
+            </a:prstGeom>
+          </p:spPr>
+          <p:style>
+            <a:lnRef idx="1">
+              <a:schemeClr val="accent1"/>
+            </a:lnRef>
+            <a:fillRef idx="0">
+              <a:schemeClr val="accent1"/>
+            </a:fillRef>
+            <a:effectRef idx="0">
+              <a:schemeClr val="accent1"/>
+            </a:effectRef>
+            <a:fontRef idx="minor">
+              <a:schemeClr val="tx1"/>
+            </a:fontRef>
+          </p:style>
+        </p:cxnSp>
+        <p:cxnSp>
+          <p:nvCxnSpPr>
+            <p:cNvPr id="37" name="直接连接符 36"/>
+            <p:cNvCxnSpPr/>
+            <p:nvPr/>
+          </p:nvCxnSpPr>
+          <p:spPr>
+            <a:xfrm>
+              <a:off x="5144" y="4589"/>
+              <a:ext cx="0" cy="1220"/>
+            </a:xfrm>
+            <a:prstGeom prst="line">
+              <a:avLst/>
+            </a:prstGeom>
+          </p:spPr>
+          <p:style>
+            <a:lnRef idx="1">
+              <a:schemeClr val="accent1"/>
+            </a:lnRef>
+            <a:fillRef idx="0">
+              <a:schemeClr val="accent1"/>
+            </a:fillRef>
+            <a:effectRef idx="0">
+              <a:schemeClr val="accent1"/>
+            </a:effectRef>
+            <a:fontRef idx="minor">
+              <a:schemeClr val="tx1"/>
+            </a:fontRef>
+          </p:style>
+        </p:cxnSp>
+        <p:sp>
+          <p:nvSpPr>
+            <p:cNvPr id="38" name="文本框 37"/>
+            <p:cNvSpPr txBox="1"/>
+            <p:nvPr/>
+          </p:nvSpPr>
+          <p:spPr>
+            <a:xfrm>
+              <a:off x="4220" y="4800"/>
+              <a:ext cx="1147" cy="580"/>
+            </a:xfrm>
+            <a:prstGeom prst="rect">
+              <a:avLst/>
+            </a:prstGeom>
+            <a:noFill/>
+          </p:spPr>
+          <p:txBody>
+            <a:bodyPr wrap="square" rtlCol="0">
+              <a:spAutoFit/>
+            </a:bodyPr>
+            <a:p>
+              <a:r>
+                <a:rPr lang="en-US" altLang="zh-CN"/>
+                <a:t>37</a:t>
+              </a:r>
+              <a:endParaRPr lang="en-US" altLang="zh-CN"/>
+            </a:p>
+          </p:txBody>
+        </p:sp>
+        <p:sp>
+          <p:nvSpPr>
+            <p:cNvPr id="39" name="文本框 38"/>
+            <p:cNvSpPr txBox="1"/>
+            <p:nvPr/>
+          </p:nvSpPr>
+          <p:spPr>
+            <a:xfrm>
+              <a:off x="3089" y="4674"/>
+              <a:ext cx="1118" cy="1016"/>
+            </a:xfrm>
+            <a:prstGeom prst="rect">
+              <a:avLst/>
+            </a:prstGeom>
+            <a:noFill/>
+          </p:spPr>
+          <p:txBody>
+            <a:bodyPr wrap="square" rtlCol="0">
+              <a:spAutoFit/>
+            </a:bodyPr>
+            <a:p>
+              <a:r>
+                <a:rPr lang="en-US" altLang="zh-CN"/>
+                <a:t>prev</a:t>
+              </a:r>
+              <a:r>
+                <a:rPr lang="zh-CN" altLang="en-US"/>
+                <a:t>指针</a:t>
+              </a:r>
+              <a:endParaRPr lang="zh-CN" altLang="en-US"/>
+            </a:p>
+          </p:txBody>
+        </p:sp>
+        <p:sp>
+          <p:nvSpPr>
+            <p:cNvPr id="40" name="文本框 39"/>
+            <p:cNvSpPr txBox="1"/>
+            <p:nvPr/>
+          </p:nvSpPr>
+          <p:spPr>
+            <a:xfrm>
+              <a:off x="5366" y="4800"/>
+              <a:ext cx="1182" cy="1016"/>
+            </a:xfrm>
+            <a:prstGeom prst="rect">
+              <a:avLst/>
+            </a:prstGeom>
+            <a:noFill/>
+          </p:spPr>
+          <p:txBody>
+            <a:bodyPr wrap="square" rtlCol="0">
+              <a:spAutoFit/>
+            </a:bodyPr>
+            <a:p>
+              <a:r>
+                <a:rPr lang="en-US" altLang="zh-CN"/>
+                <a:t>next</a:t>
+              </a:r>
+              <a:r>
+                <a:rPr lang="zh-CN" altLang="en-US"/>
+                <a:t>指针</a:t>
+              </a:r>
+              <a:endParaRPr lang="zh-CN" altLang="en-US"/>
+            </a:p>
+          </p:txBody>
+        </p:sp>
+      </p:grpSp>
+      <p:cxnSp>
+        <p:nvCxnSpPr>
+          <p:cNvPr id="41" name="直接箭头连接符 40"/>
+          <p:cNvCxnSpPr>
+            <a:stCxn id="32" idx="3"/>
+          </p:cNvCxnSpPr>
+          <p:nvPr/>
+        </p:nvCxnSpPr>
+        <p:spPr>
+          <a:xfrm>
+            <a:off x="7051040" y="4852035"/>
+            <a:ext cx="893445" cy="551815"/>
+          </a:xfrm>
+          <a:prstGeom prst="straightConnector1">
+            <a:avLst/>
+          </a:prstGeom>
+          <a:ln w="38100">
+            <a:tailEnd type="arrow"/>
+          </a:ln>
+        </p:spPr>
+        <p:style>
+          <a:lnRef idx="1">
+            <a:schemeClr val="accent1"/>
+          </a:lnRef>
+          <a:fillRef idx="0">
+            <a:schemeClr val="accent1"/>
+          </a:fillRef>
+          <a:effectRef idx="0">
+            <a:schemeClr val="accent1"/>
+          </a:effectRef>
+          <a:fontRef idx="minor">
+            <a:schemeClr val="tx1"/>
+          </a:fontRef>
+        </p:style>
+      </p:cxnSp>
+      <p:cxnSp>
+        <p:nvCxnSpPr>
+          <p:cNvPr id="46" name="直接箭头连接符 45"/>
+          <p:cNvCxnSpPr>
+            <a:stCxn id="31" idx="1"/>
+            <a:endCxn id="53" idx="2"/>
+          </p:cNvCxnSpPr>
+          <p:nvPr/>
+        </p:nvCxnSpPr>
+        <p:spPr>
+          <a:xfrm flipH="1" flipV="1">
+            <a:off x="3366770" y="4159885"/>
+            <a:ext cx="1487805" cy="612140"/>
+          </a:xfrm>
+          <a:prstGeom prst="straightConnector1">
+            <a:avLst/>
+          </a:prstGeom>
+          <a:ln w="38100">
+            <a:solidFill>
+              <a:srgbClr val="F7A200"/>
+            </a:solidFill>
+            <a:tailEnd type="arrow"/>
+          </a:ln>
+        </p:spPr>
+        <p:style>
+          <a:lnRef idx="1">
+            <a:schemeClr val="accent1"/>
+          </a:lnRef>
+          <a:fillRef idx="0">
+            <a:schemeClr val="accent1"/>
+          </a:fillRef>
+          <a:effectRef idx="0">
+            <a:schemeClr val="accent1"/>
+          </a:effectRef>
+          <a:fontRef idx="minor">
+            <a:schemeClr val="tx1"/>
+          </a:fontRef>
+        </p:style>
+      </p:cxnSp>
+      <p:cxnSp>
+        <p:nvCxnSpPr>
+          <p:cNvPr id="47" name="直接箭头连接符 46"/>
+          <p:cNvCxnSpPr>
+            <a:stCxn id="39" idx="1"/>
+            <a:endCxn id="30" idx="2"/>
+          </p:cNvCxnSpPr>
+          <p:nvPr/>
+        </p:nvCxnSpPr>
+        <p:spPr>
+          <a:xfrm flipH="1" flipV="1">
+            <a:off x="5937250" y="5174615"/>
+            <a:ext cx="974090" cy="551815"/>
+          </a:xfrm>
+          <a:prstGeom prst="straightConnector1">
+            <a:avLst/>
+          </a:prstGeom>
+          <a:ln w="38100">
+            <a:solidFill>
+              <a:srgbClr val="FF0000"/>
+            </a:solidFill>
+            <a:tailEnd type="arrow"/>
+          </a:ln>
+        </p:spPr>
+        <p:style>
+          <a:lnRef idx="1">
+            <a:schemeClr val="accent1"/>
+          </a:lnRef>
+          <a:fillRef idx="0">
+            <a:schemeClr val="accent1"/>
+          </a:fillRef>
+          <a:effectRef idx="0">
+            <a:schemeClr val="accent1"/>
+          </a:effectRef>
+          <a:fontRef idx="minor">
+            <a:schemeClr val="tx1"/>
+          </a:fontRef>
+        </p:style>
+      </p:cxnSp>
+      <p:cxnSp>
+        <p:nvCxnSpPr>
+          <p:cNvPr id="48" name="直接箭头连接符 47"/>
+          <p:cNvCxnSpPr>
+            <a:stCxn id="40" idx="3"/>
+          </p:cNvCxnSpPr>
+          <p:nvPr/>
+        </p:nvCxnSpPr>
+        <p:spPr>
+          <a:xfrm>
+            <a:off x="9107805" y="5806440"/>
+            <a:ext cx="567690" cy="457835"/>
+          </a:xfrm>
+          <a:prstGeom prst="straightConnector1">
+            <a:avLst/>
+          </a:prstGeom>
+          <a:ln w="38100">
+            <a:tailEnd type="arrow"/>
+          </a:ln>
+        </p:spPr>
+        <p:style>
+          <a:lnRef idx="1">
+            <a:schemeClr val="accent1"/>
+          </a:lnRef>
+          <a:fillRef idx="0">
+            <a:schemeClr val="accent1"/>
+          </a:fillRef>
+          <a:effectRef idx="0">
+            <a:schemeClr val="accent1"/>
+          </a:effectRef>
+          <a:fontRef idx="minor">
+            <a:schemeClr val="tx1"/>
+          </a:fontRef>
+        </p:style>
+      </p:cxnSp>
+      <p:grpSp>
+        <p:nvGrpSpPr>
+          <p:cNvPr id="49" name="组合 48"/>
+          <p:cNvGrpSpPr/>
+          <p:nvPr/>
+        </p:nvGrpSpPr>
+        <p:grpSpPr>
+          <a:xfrm>
+            <a:off x="2355215" y="3380740"/>
+            <a:ext cx="2196465" cy="779145"/>
+            <a:chOff x="3089" y="4589"/>
+            <a:chExt cx="3459" cy="1227"/>
+          </a:xfrm>
+        </p:grpSpPr>
+        <p:sp>
+          <p:nvSpPr>
+            <p:cNvPr id="50" name="矩形 49"/>
+            <p:cNvSpPr/>
+            <p:nvPr/>
+          </p:nvSpPr>
+          <p:spPr>
+            <a:xfrm>
+              <a:off x="3089" y="4589"/>
+              <a:ext cx="3239" cy="1227"/>
+            </a:xfrm>
+            <a:prstGeom prst="rect">
+              <a:avLst/>
+            </a:prstGeom>
+          </p:spPr>
+          <p:style>
+            <a:lnRef idx="2">
+              <a:schemeClr val="accent1"/>
+            </a:lnRef>
+            <a:fillRef idx="1">
+              <a:schemeClr val="lt1"/>
+            </a:fillRef>
+            <a:effectRef idx="0">
+              <a:schemeClr val="accent1"/>
+            </a:effectRef>
+            <a:fontRef idx="minor">
+              <a:schemeClr val="dk1"/>
+            </a:fontRef>
+          </p:style>
+          <p:txBody>
+            <a:bodyPr rtlCol="0" anchor="ctr"/>
+            <a:p>
+              <a:pPr algn="ctr"/>
+              <a:endParaRPr lang="zh-CN" altLang="en-US"/>
+            </a:p>
+          </p:txBody>
+        </p:sp>
+        <p:cxnSp>
+          <p:nvCxnSpPr>
+            <p:cNvPr id="51" name="直接连接符 50"/>
+            <p:cNvCxnSpPr/>
+            <p:nvPr/>
+          </p:nvCxnSpPr>
+          <p:spPr>
+            <a:xfrm flipH="1">
+              <a:off x="4208" y="4616"/>
+              <a:ext cx="1" cy="1200"/>
+            </a:xfrm>
+            <a:prstGeom prst="line">
+              <a:avLst/>
+            </a:prstGeom>
+          </p:spPr>
+          <p:style>
+            <a:lnRef idx="1">
+              <a:schemeClr val="accent1"/>
+            </a:lnRef>
+            <a:fillRef idx="0">
+              <a:schemeClr val="accent1"/>
+            </a:fillRef>
+            <a:effectRef idx="0">
+              <a:schemeClr val="accent1"/>
+            </a:effectRef>
+            <a:fontRef idx="minor">
+              <a:schemeClr val="tx1"/>
+            </a:fontRef>
+          </p:style>
+        </p:cxnSp>
+        <p:cxnSp>
+          <p:nvCxnSpPr>
+            <p:cNvPr id="52" name="直接连接符 51"/>
+            <p:cNvCxnSpPr/>
+            <p:nvPr/>
+          </p:nvCxnSpPr>
+          <p:spPr>
+            <a:xfrm>
+              <a:off x="5144" y="4589"/>
+              <a:ext cx="0" cy="1220"/>
+            </a:xfrm>
+            <a:prstGeom prst="line">
+              <a:avLst/>
+            </a:prstGeom>
+          </p:spPr>
+          <p:style>
+            <a:lnRef idx="1">
+              <a:schemeClr val="accent1"/>
+            </a:lnRef>
+            <a:fillRef idx="0">
+              <a:schemeClr val="accent1"/>
+            </a:fillRef>
+            <a:effectRef idx="0">
+              <a:schemeClr val="accent1"/>
+            </a:effectRef>
+            <a:fontRef idx="minor">
+              <a:schemeClr val="tx1"/>
+            </a:fontRef>
+          </p:style>
+        </p:cxnSp>
+        <p:sp>
+          <p:nvSpPr>
+            <p:cNvPr id="53" name="文本框 52"/>
+            <p:cNvSpPr txBox="1"/>
+            <p:nvPr/>
+          </p:nvSpPr>
+          <p:spPr>
+            <a:xfrm>
+              <a:off x="4220" y="4800"/>
+              <a:ext cx="923" cy="1016"/>
+            </a:xfrm>
+            <a:prstGeom prst="rect">
+              <a:avLst/>
+            </a:prstGeom>
+            <a:noFill/>
+          </p:spPr>
+          <p:txBody>
+            <a:bodyPr wrap="square" rtlCol="0">
+              <a:spAutoFit/>
+            </a:bodyPr>
+            <a:p>
+              <a:r>
+                <a:rPr lang="en-US" altLang="zh-CN"/>
+                <a:t>tmp</a:t>
+              </a:r>
+              <a:endParaRPr lang="en-US" altLang="zh-CN"/>
+            </a:p>
+            <a:p>
+              <a:endParaRPr lang="en-US" altLang="zh-CN"/>
+            </a:p>
+          </p:txBody>
+        </p:sp>
+        <p:sp>
+          <p:nvSpPr>
+            <p:cNvPr id="54" name="文本框 53"/>
+            <p:cNvSpPr txBox="1"/>
+            <p:nvPr/>
+          </p:nvSpPr>
+          <p:spPr>
+            <a:xfrm>
+              <a:off x="3089" y="4674"/>
+              <a:ext cx="1118" cy="1016"/>
+            </a:xfrm>
+            <a:prstGeom prst="rect">
+              <a:avLst/>
+            </a:prstGeom>
+            <a:noFill/>
+          </p:spPr>
+          <p:txBody>
+            <a:bodyPr wrap="square" rtlCol="0">
+              <a:spAutoFit/>
+            </a:bodyPr>
+            <a:p>
+              <a:r>
+                <a:rPr lang="en-US" altLang="zh-CN"/>
+                <a:t>prev</a:t>
+              </a:r>
+              <a:r>
+                <a:rPr lang="zh-CN" altLang="en-US"/>
+                <a:t>指针</a:t>
+              </a:r>
+              <a:endParaRPr lang="zh-CN" altLang="en-US"/>
+            </a:p>
+          </p:txBody>
+        </p:sp>
+        <p:sp>
+          <p:nvSpPr>
+            <p:cNvPr id="55" name="文本框 54"/>
+            <p:cNvSpPr txBox="1"/>
+            <p:nvPr/>
+          </p:nvSpPr>
+          <p:spPr>
+            <a:xfrm>
+              <a:off x="5366" y="4800"/>
+              <a:ext cx="1182" cy="1016"/>
+            </a:xfrm>
+            <a:prstGeom prst="rect">
+              <a:avLst/>
+            </a:prstGeom>
+            <a:noFill/>
+          </p:spPr>
+          <p:txBody>
+            <a:bodyPr wrap="square" rtlCol="0">
+              <a:spAutoFit/>
+            </a:bodyPr>
+            <a:p>
+              <a:r>
+                <a:rPr lang="en-US" altLang="zh-CN"/>
+                <a:t>next</a:t>
+              </a:r>
+              <a:r>
+                <a:rPr lang="zh-CN" altLang="en-US"/>
+                <a:t>指针</a:t>
+              </a:r>
+              <a:endParaRPr lang="zh-CN" altLang="en-US"/>
+            </a:p>
+          </p:txBody>
+        </p:sp>
+      </p:grpSp>
+      <p:sp>
+        <p:nvSpPr>
+          <p:cNvPr id="56" name="文本框 55"/>
+          <p:cNvSpPr txBox="1"/>
+          <p:nvPr/>
+        </p:nvSpPr>
+        <p:spPr>
+          <a:xfrm>
+            <a:off x="7279005" y="1955165"/>
+            <a:ext cx="4194810" cy="2306955"/>
+          </a:xfrm>
+          <a:prstGeom prst="rect">
+            <a:avLst/>
+          </a:prstGeom>
+          <a:noFill/>
+        </p:spPr>
+        <p:txBody>
+          <a:bodyPr wrap="square" rtlCol="0">
+            <a:spAutoFit/>
+          </a:bodyPr>
+          <a:p>
+            <a:r>
+              <a:rPr lang="zh-CN" altLang="en-US" sz="2400"/>
+              <a:t>插入新的节点</a:t>
+            </a:r>
+            <a:r>
+              <a:rPr lang="en-US" altLang="zh-CN" sz="2400"/>
+              <a:t>tmp</a:t>
+            </a:r>
+            <a:r>
+              <a:rPr lang="zh-CN" altLang="en-US" sz="2400"/>
+              <a:t>：</a:t>
+            </a:r>
+            <a:endParaRPr lang="zh-CN" altLang="en-US" sz="2400"/>
+          </a:p>
+          <a:p>
+            <a:r>
+              <a:rPr lang="en-US" altLang="zh-CN" sz="2400">
+                <a:solidFill>
+                  <a:srgbClr val="FF0000"/>
+                </a:solidFill>
+              </a:rPr>
+              <a:t>step2</a:t>
+            </a:r>
+            <a:r>
+              <a:rPr lang="zh-CN" altLang="en-US" sz="2400">
+                <a:solidFill>
+                  <a:srgbClr val="FF0000"/>
+                </a:solidFill>
+              </a:rPr>
+              <a:t>：将</a:t>
+            </a:r>
+            <a:r>
+              <a:rPr lang="en-US" altLang="zh-CN" sz="2400">
+                <a:solidFill>
+                  <a:srgbClr val="FF0000"/>
+                </a:solidFill>
+              </a:rPr>
+              <a:t>head</a:t>
+            </a:r>
+            <a:r>
+              <a:rPr lang="zh-CN" altLang="en-US" sz="2400">
+                <a:solidFill>
+                  <a:srgbClr val="FF0000"/>
+                </a:solidFill>
+              </a:rPr>
+              <a:t>和</a:t>
+            </a:r>
+            <a:endParaRPr lang="zh-CN" altLang="en-US" sz="2400">
+              <a:solidFill>
+                <a:srgbClr val="FF0000"/>
+              </a:solidFill>
+            </a:endParaRPr>
+          </a:p>
+          <a:p>
+            <a:r>
+              <a:rPr lang="en-US" altLang="zh-CN" sz="2400">
+                <a:solidFill>
+                  <a:srgbClr val="FF0000"/>
+                </a:solidFill>
+              </a:rPr>
+              <a:t>head-&gt;next</a:t>
+            </a:r>
+            <a:r>
+              <a:rPr lang="zh-CN" altLang="en-US" sz="2400">
+                <a:solidFill>
+                  <a:srgbClr val="FF0000"/>
+                </a:solidFill>
+              </a:rPr>
+              <a:t>与</a:t>
+            </a:r>
+            <a:r>
+              <a:rPr lang="en-US" altLang="zh-CN" sz="2400">
+                <a:solidFill>
+                  <a:srgbClr val="FF0000"/>
+                </a:solidFill>
+              </a:rPr>
+              <a:t>tmp</a:t>
+            </a:r>
+            <a:r>
+              <a:rPr lang="zh-CN" altLang="en-US" sz="2400">
+                <a:solidFill>
+                  <a:srgbClr val="FF0000"/>
+                </a:solidFill>
+              </a:rPr>
+              <a:t>链接起来</a:t>
+            </a:r>
+            <a:endParaRPr lang="zh-CN" altLang="en-US" sz="2400">
+              <a:solidFill>
+                <a:srgbClr val="FF0000"/>
+              </a:solidFill>
+            </a:endParaRPr>
+          </a:p>
+          <a:p>
+            <a:r>
+              <a:rPr lang="en-US" altLang="zh-CN" sz="2400">
+                <a:solidFill>
+                  <a:srgbClr val="F6A200"/>
+                </a:solidFill>
+              </a:rPr>
+              <a:t>3.if(head-&gt;next)</a:t>
+            </a:r>
+            <a:endParaRPr lang="en-US" altLang="zh-CN" sz="2400">
+              <a:solidFill>
+                <a:srgbClr val="F6A200"/>
+              </a:solidFill>
+            </a:endParaRPr>
+          </a:p>
+          <a:p>
+            <a:r>
+              <a:rPr lang="en-US" altLang="zh-CN" sz="2400">
+                <a:solidFill>
+                  <a:srgbClr val="F6A200"/>
+                </a:solidFill>
+              </a:rPr>
+              <a:t>        head-&gt;next-&gt;prev = tmp</a:t>
+            </a:r>
+            <a:endParaRPr lang="en-US" altLang="zh-CN" sz="2400">
+              <a:solidFill>
+                <a:srgbClr val="F6A200"/>
+              </a:solidFill>
+            </a:endParaRPr>
+          </a:p>
+          <a:p>
+            <a:r>
+              <a:rPr lang="en-US" altLang="zh-CN" sz="2400">
+                <a:solidFill>
+                  <a:srgbClr val="FF99FF"/>
+                </a:solidFill>
+              </a:rPr>
+              <a:t>4.head-&gt;next = tmp</a:t>
+            </a:r>
+            <a:endParaRPr lang="en-US" altLang="zh-CN" sz="2400">
+              <a:solidFill>
+                <a:srgbClr val="FF99FF"/>
+              </a:solidFill>
+            </a:endParaRPr>
+          </a:p>
+        </p:txBody>
+      </p:sp>
+      <p:cxnSp>
+        <p:nvCxnSpPr>
+          <p:cNvPr id="58" name="直接箭头连接符 57"/>
+          <p:cNvCxnSpPr>
+            <a:stCxn id="54" idx="1"/>
+            <a:endCxn id="8" idx="2"/>
+          </p:cNvCxnSpPr>
+          <p:nvPr/>
+        </p:nvCxnSpPr>
+        <p:spPr>
+          <a:xfrm flipH="1" flipV="1">
+            <a:off x="1803400" y="2734310"/>
+            <a:ext cx="551815" cy="1022985"/>
+          </a:xfrm>
+          <a:prstGeom prst="straightConnector1">
+            <a:avLst/>
+          </a:prstGeom>
+          <a:ln w="38100">
+            <a:solidFill>
+              <a:srgbClr val="7030A0"/>
+            </a:solidFill>
+            <a:tailEnd type="arrow"/>
+          </a:ln>
+        </p:spPr>
+        <p:style>
+          <a:lnRef idx="1">
+            <a:schemeClr val="accent1"/>
+          </a:lnRef>
+          <a:fillRef idx="0">
+            <a:schemeClr val="accent1"/>
+          </a:fillRef>
+          <a:effectRef idx="0">
+            <a:schemeClr val="accent1"/>
+          </a:effectRef>
+          <a:fontRef idx="minor">
+            <a:schemeClr val="tx1"/>
+          </a:fontRef>
+        </p:style>
+      </p:cxnSp>
+      <p:cxnSp>
+        <p:nvCxnSpPr>
+          <p:cNvPr id="2" name="直接箭头连接符 1"/>
+          <p:cNvCxnSpPr>
+            <a:endCxn id="27" idx="0"/>
+          </p:cNvCxnSpPr>
+          <p:nvPr/>
+        </p:nvCxnSpPr>
+        <p:spPr>
+          <a:xfrm>
+            <a:off x="4392930" y="3884930"/>
+            <a:ext cx="1490345" cy="510540"/>
+          </a:xfrm>
+          <a:prstGeom prst="straightConnector1">
+            <a:avLst/>
+          </a:prstGeom>
+          <a:ln w="38100">
+            <a:solidFill>
+              <a:srgbClr val="00B050"/>
+            </a:solidFill>
+            <a:tailEnd type="arrow"/>
+          </a:ln>
+        </p:spPr>
+        <p:style>
+          <a:lnRef idx="1">
+            <a:schemeClr val="accent1"/>
+          </a:lnRef>
+          <a:fillRef idx="0">
+            <a:schemeClr val="accent1"/>
+          </a:fillRef>
+          <a:effectRef idx="0">
+            <a:schemeClr val="accent1"/>
+          </a:effectRef>
+          <a:fontRef idx="minor">
+            <a:schemeClr val="tx1"/>
+          </a:fontRef>
+        </p:style>
+      </p:cxnSp>
+    </p:spTree>
+  </p:cSld>
+  <p:clrMapOvr>
+    <a:masterClrMapping/>
+  </p:clrMapOvr>
+</p:sld>
+</file>
+
+<file path=ppt/slides/slide20.xml><?xml version="1.0" encoding="utf-8"?>
+<p:sld xmlns:a="http://schemas.openxmlformats.org/drawingml/2006/main" xmlns:r="http://schemas.openxmlformats.org/officeDocument/2006/relationships" xmlns:p="http://schemas.openxmlformats.org/presentationml/2006/main">
+  <p:cSld>
+    <p:spTree>
+      <p:nvGrpSpPr>
+        <p:cNvPr id="1" name=""/>
+        <p:cNvGrpSpPr/>
+        <p:nvPr/>
+      </p:nvGrpSpPr>
+      <p:grpSpPr/>
+      <p:sp>
+        <p:nvSpPr>
+          <p:cNvPr id="2" name="标题 1"/>
+          <p:cNvSpPr>
+            <a:spLocks noGrp="1"/>
+          </p:cNvSpPr>
+          <p:nvPr>
+            <p:ph type="title"/>
+          </p:nvPr>
+        </p:nvSpPr>
+        <p:spPr/>
+        <p:txBody>
+          <a:bodyPr/>
+          <a:p>
+            <a:r>
+              <a:rPr lang="zh-CN" altLang="zh-CN"/>
+              <a:t>插入节点</a:t>
+            </a:r>
+            <a:r>
+              <a:rPr lang="en-US" altLang="zh-CN" b="1">
+                <a:solidFill>
+                  <a:schemeClr val="accent2">
+                    <a:lumMod val="75000"/>
+                  </a:schemeClr>
+                </a:solidFill>
+              </a:rPr>
+              <a:t>5</a:t>
+            </a:r>
+            <a:endParaRPr lang="en-US" altLang="zh-CN" b="1">
+              <a:solidFill>
+                <a:schemeClr val="accent2">
+                  <a:lumMod val="75000"/>
+                </a:schemeClr>
+              </a:solidFill>
+            </a:endParaRPr>
+          </a:p>
+        </p:txBody>
+      </p:sp>
+      <p:grpSp>
+        <p:nvGrpSpPr>
+          <p:cNvPr id="24" name="组合 23"/>
+          <p:cNvGrpSpPr/>
+          <p:nvPr/>
+        </p:nvGrpSpPr>
+        <p:grpSpPr>
+          <a:xfrm>
+            <a:off x="324485" y="1812290"/>
+            <a:ext cx="5551170" cy="3992880"/>
+            <a:chOff x="3042" y="1416"/>
+            <a:chExt cx="8742" cy="6288"/>
+          </a:xfrm>
+        </p:grpSpPr>
+        <p:grpSp>
+          <p:nvGrpSpPr>
+            <p:cNvPr id="14" name="组合 13"/>
+            <p:cNvGrpSpPr/>
+            <p:nvPr/>
+          </p:nvGrpSpPr>
+          <p:grpSpPr>
+            <a:xfrm>
+              <a:off x="3042" y="1416"/>
+              <a:ext cx="8743" cy="6288"/>
+              <a:chOff x="2978" y="1480"/>
+              <a:chExt cx="8743" cy="6288"/>
+            </a:xfrm>
+          </p:grpSpPr>
+          <p:sp>
+            <p:nvSpPr>
+              <p:cNvPr id="4" name="椭圆 3"/>
+              <p:cNvSpPr/>
+              <p:nvPr/>
+            </p:nvSpPr>
+            <p:spPr>
+              <a:xfrm>
+                <a:off x="7492" y="1480"/>
+                <a:ext cx="687" cy="709"/>
+              </a:xfrm>
+              <a:prstGeom prst="ellipse">
+                <a:avLst/>
+              </a:prstGeom>
+              <a:ln w="28575"/>
+            </p:spPr>
+            <p:style>
+              <a:lnRef idx="2">
+                <a:schemeClr val="accent1"/>
+              </a:lnRef>
+              <a:fillRef idx="1">
+                <a:schemeClr val="lt1"/>
+              </a:fillRef>
+              <a:effectRef idx="0">
+                <a:schemeClr val="accent1"/>
+              </a:effectRef>
+              <a:fontRef idx="minor">
+                <a:schemeClr val="dk1"/>
+              </a:fontRef>
+            </p:style>
+            <p:txBody>
+              <a:bodyPr rtlCol="0" anchor="ctr"/>
+              <a:p>
+                <a:pPr algn="ctr"/>
+                <a:r>
+                  <a:rPr lang="en-US" altLang="zh-CN"/>
+                  <a:t>6</a:t>
+                </a:r>
+                <a:endParaRPr lang="en-US" altLang="zh-CN"/>
+              </a:p>
+            </p:txBody>
+          </p:sp>
+          <p:sp>
+            <p:nvSpPr>
+              <p:cNvPr id="5" name="椭圆 4"/>
+              <p:cNvSpPr/>
+              <p:nvPr/>
+            </p:nvSpPr>
+            <p:spPr>
+              <a:xfrm>
+                <a:off x="6181" y="2663"/>
+                <a:ext cx="687" cy="709"/>
+              </a:xfrm>
+              <a:prstGeom prst="ellipse">
+                <a:avLst/>
+              </a:prstGeom>
+              <a:ln w="28575"/>
+            </p:spPr>
+            <p:style>
+              <a:lnRef idx="2">
+                <a:schemeClr val="accent1"/>
+              </a:lnRef>
+              <a:fillRef idx="1">
+                <a:schemeClr val="lt1"/>
+              </a:fillRef>
+              <a:effectRef idx="0">
+                <a:schemeClr val="accent1"/>
+              </a:effectRef>
+              <a:fontRef idx="minor">
+                <a:schemeClr val="dk1"/>
+              </a:fontRef>
+            </p:style>
+            <p:txBody>
+              <a:bodyPr rtlCol="0" anchor="ctr"/>
+              <a:p>
+                <a:pPr algn="ctr"/>
+                <a:r>
+                  <a:rPr lang="en-US" altLang="zh-CN"/>
+                  <a:t>4</a:t>
+                </a:r>
+                <a:endParaRPr lang="en-US" altLang="zh-CN"/>
+              </a:p>
+            </p:txBody>
+          </p:sp>
+          <p:sp>
+            <p:nvSpPr>
+              <p:cNvPr id="6" name="椭圆 5"/>
+              <p:cNvSpPr/>
+              <p:nvPr/>
+            </p:nvSpPr>
+            <p:spPr>
+              <a:xfrm>
+                <a:off x="8995" y="2663"/>
+                <a:ext cx="687" cy="709"/>
+              </a:xfrm>
+              <a:prstGeom prst="ellipse">
+                <a:avLst/>
+              </a:prstGeom>
+              <a:ln w="28575"/>
+            </p:spPr>
+            <p:style>
+              <a:lnRef idx="2">
+                <a:schemeClr val="accent1"/>
+              </a:lnRef>
+              <a:fillRef idx="1">
+                <a:schemeClr val="lt1"/>
+              </a:fillRef>
+              <a:effectRef idx="0">
+                <a:schemeClr val="accent1"/>
+              </a:effectRef>
+              <a:fontRef idx="minor">
+                <a:schemeClr val="dk1"/>
+              </a:fontRef>
+            </p:style>
+            <p:txBody>
+              <a:bodyPr rtlCol="0" anchor="ctr"/>
+              <a:p>
+                <a:pPr algn="ctr"/>
+                <a:r>
+                  <a:rPr lang="en-US" altLang="zh-CN"/>
+                  <a:t>8</a:t>
+                </a:r>
+                <a:endParaRPr lang="en-US" altLang="zh-CN"/>
+              </a:p>
+            </p:txBody>
+          </p:sp>
+          <p:sp>
+            <p:nvSpPr>
+              <p:cNvPr id="7" name="椭圆 6"/>
+              <p:cNvSpPr/>
+              <p:nvPr/>
+            </p:nvSpPr>
+            <p:spPr>
+              <a:xfrm>
+                <a:off x="5095" y="4104"/>
+                <a:ext cx="687" cy="709"/>
+              </a:xfrm>
+              <a:prstGeom prst="ellipse">
+                <a:avLst/>
+              </a:prstGeom>
+              <a:ln w="28575"/>
+            </p:spPr>
+            <p:style>
+              <a:lnRef idx="2">
+                <a:schemeClr val="accent1"/>
+              </a:lnRef>
+              <a:fillRef idx="1">
+                <a:schemeClr val="lt1"/>
+              </a:fillRef>
+              <a:effectRef idx="0">
+                <a:schemeClr val="accent1"/>
+              </a:effectRef>
+              <a:fontRef idx="minor">
+                <a:schemeClr val="dk1"/>
+              </a:fontRef>
+            </p:style>
+            <p:txBody>
+              <a:bodyPr rtlCol="0" anchor="ctr"/>
+              <a:p>
+                <a:pPr algn="ctr"/>
+                <a:r>
+                  <a:rPr lang="en-US" altLang="zh-CN"/>
+                  <a:t>2</a:t>
+                </a:r>
+                <a:endParaRPr lang="en-US" altLang="zh-CN"/>
+              </a:p>
+            </p:txBody>
+          </p:sp>
+          <p:sp>
+            <p:nvSpPr>
+              <p:cNvPr id="8" name="椭圆 7"/>
+              <p:cNvSpPr/>
+              <p:nvPr/>
+            </p:nvSpPr>
+            <p:spPr>
+              <a:xfrm>
+                <a:off x="6031" y="5513"/>
+                <a:ext cx="687" cy="709"/>
+              </a:xfrm>
+              <a:prstGeom prst="ellipse">
+                <a:avLst/>
+              </a:prstGeom>
+              <a:ln w="28575"/>
+            </p:spPr>
+            <p:style>
+              <a:lnRef idx="2">
+                <a:schemeClr val="accent1"/>
+              </a:lnRef>
+              <a:fillRef idx="1">
+                <a:schemeClr val="lt1"/>
+              </a:fillRef>
+              <a:effectRef idx="0">
+                <a:schemeClr val="accent1"/>
+              </a:effectRef>
+              <a:fontRef idx="minor">
+                <a:schemeClr val="dk1"/>
+              </a:fontRef>
+            </p:style>
+            <p:txBody>
+              <a:bodyPr rtlCol="0" anchor="ctr"/>
+              <a:p>
+                <a:pPr algn="ctr"/>
+                <a:r>
+                  <a:rPr lang="en-US" altLang="zh-CN"/>
+                  <a:t>3</a:t>
+                </a:r>
+                <a:endParaRPr lang="en-US" altLang="zh-CN"/>
+              </a:p>
+            </p:txBody>
+          </p:sp>
+          <p:sp>
+            <p:nvSpPr>
+              <p:cNvPr id="9" name="椭圆 8"/>
+              <p:cNvSpPr/>
+              <p:nvPr/>
+            </p:nvSpPr>
+            <p:spPr>
+              <a:xfrm>
+                <a:off x="8308" y="4104"/>
+                <a:ext cx="687" cy="709"/>
+              </a:xfrm>
+              <a:prstGeom prst="ellipse">
+                <a:avLst/>
+              </a:prstGeom>
+              <a:ln w="28575"/>
+            </p:spPr>
+            <p:style>
+              <a:lnRef idx="2">
+                <a:schemeClr val="accent1"/>
+              </a:lnRef>
+              <a:fillRef idx="1">
+                <a:schemeClr val="lt1"/>
+              </a:fillRef>
+              <a:effectRef idx="0">
+                <a:schemeClr val="accent1"/>
+              </a:effectRef>
+              <a:fontRef idx="minor">
+                <a:schemeClr val="dk1"/>
+              </a:fontRef>
+            </p:style>
+            <p:txBody>
+              <a:bodyPr rtlCol="0" anchor="ctr"/>
+              <a:p>
+                <a:pPr algn="ctr"/>
+                <a:r>
+                  <a:rPr lang="en-US" altLang="zh-CN"/>
+                  <a:t>7</a:t>
+                </a:r>
+                <a:endParaRPr lang="en-US" altLang="zh-CN"/>
+              </a:p>
+            </p:txBody>
+          </p:sp>
+          <p:sp>
+            <p:nvSpPr>
+              <p:cNvPr id="10" name="椭圆 9"/>
+              <p:cNvSpPr/>
+              <p:nvPr/>
+            </p:nvSpPr>
+            <p:spPr>
+              <a:xfrm>
+                <a:off x="9904" y="4104"/>
+                <a:ext cx="687" cy="709"/>
+              </a:xfrm>
+              <a:prstGeom prst="ellipse">
+                <a:avLst/>
+              </a:prstGeom>
+              <a:ln w="28575"/>
+            </p:spPr>
+            <p:style>
+              <a:lnRef idx="2">
+                <a:schemeClr val="accent1"/>
+              </a:lnRef>
+              <a:fillRef idx="1">
+                <a:schemeClr val="lt1"/>
+              </a:fillRef>
+              <a:effectRef idx="0">
+                <a:schemeClr val="accent1"/>
+              </a:effectRef>
+              <a:fontRef idx="minor">
+                <a:schemeClr val="dk1"/>
+              </a:fontRef>
+            </p:style>
+            <p:txBody>
+              <a:bodyPr rtlCol="0" anchor="ctr"/>
+              <a:p>
+                <a:pPr algn="ctr"/>
+                <a:r>
+                  <a:rPr lang="en-US" altLang="zh-CN"/>
+                  <a:t>9</a:t>
+                </a:r>
+                <a:endParaRPr lang="en-US" altLang="zh-CN"/>
+              </a:p>
+            </p:txBody>
+          </p:sp>
+          <p:sp>
+            <p:nvSpPr>
+              <p:cNvPr id="11" name="椭圆 10"/>
+              <p:cNvSpPr/>
+              <p:nvPr/>
+            </p:nvSpPr>
+            <p:spPr>
+              <a:xfrm>
+                <a:off x="4027" y="5513"/>
+                <a:ext cx="687" cy="709"/>
+              </a:xfrm>
+              <a:prstGeom prst="ellipse">
+                <a:avLst/>
+              </a:prstGeom>
+              <a:ln w="28575"/>
+            </p:spPr>
+            <p:style>
+              <a:lnRef idx="2">
+                <a:schemeClr val="accent1"/>
+              </a:lnRef>
+              <a:fillRef idx="1">
+                <a:schemeClr val="lt1"/>
+              </a:fillRef>
+              <a:effectRef idx="0">
+                <a:schemeClr val="accent1"/>
+              </a:effectRef>
+              <a:fontRef idx="minor">
+                <a:schemeClr val="dk1"/>
+              </a:fontRef>
+            </p:style>
+            <p:txBody>
+              <a:bodyPr rtlCol="0" anchor="ctr"/>
+              <a:p>
+                <a:pPr algn="ctr"/>
+                <a:r>
+                  <a:rPr lang="en-US" altLang="zh-CN"/>
+                  <a:t>1</a:t>
+                </a:r>
+                <a:endParaRPr lang="en-US" altLang="zh-CN"/>
+              </a:p>
+            </p:txBody>
+          </p:sp>
+          <p:sp>
+            <p:nvSpPr>
+              <p:cNvPr id="12" name="椭圆 11"/>
+              <p:cNvSpPr/>
+              <p:nvPr/>
+            </p:nvSpPr>
+            <p:spPr>
+              <a:xfrm>
+                <a:off x="10863" y="5385"/>
+                <a:ext cx="858" cy="837"/>
+              </a:xfrm>
+              <a:prstGeom prst="ellipse">
+                <a:avLst/>
+              </a:prstGeom>
+              <a:ln w="28575"/>
+            </p:spPr>
+            <p:style>
+              <a:lnRef idx="2">
+                <a:schemeClr val="accent1"/>
+              </a:lnRef>
+              <a:fillRef idx="1">
+                <a:schemeClr val="lt1"/>
+              </a:fillRef>
+              <a:effectRef idx="0">
+                <a:schemeClr val="accent1"/>
+              </a:effectRef>
+              <a:fontRef idx="minor">
+                <a:schemeClr val="dk1"/>
+              </a:fontRef>
+            </p:style>
+            <p:txBody>
+              <a:bodyPr rtlCol="0" anchor="ctr"/>
+              <a:p>
+                <a:pPr algn="ctr"/>
+                <a:r>
+                  <a:rPr lang="en-US" altLang="zh-CN" sz="1400"/>
+                  <a:t>10</a:t>
+                </a:r>
+                <a:endParaRPr lang="en-US" altLang="zh-CN" sz="1400"/>
+              </a:p>
+            </p:txBody>
+          </p:sp>
+          <p:sp>
+            <p:nvSpPr>
+              <p:cNvPr id="13" name="椭圆 12"/>
+              <p:cNvSpPr/>
+              <p:nvPr/>
+            </p:nvSpPr>
+            <p:spPr>
+              <a:xfrm>
+                <a:off x="2978" y="7060"/>
+                <a:ext cx="687" cy="709"/>
+              </a:xfrm>
+              <a:prstGeom prst="ellipse">
+                <a:avLst/>
+              </a:prstGeom>
+              <a:ln w="28575"/>
+            </p:spPr>
+            <p:style>
+              <a:lnRef idx="2">
+                <a:schemeClr val="accent1"/>
+              </a:lnRef>
+              <a:fillRef idx="1">
+                <a:schemeClr val="lt1"/>
+              </a:fillRef>
+              <a:effectRef idx="0">
+                <a:schemeClr val="accent1"/>
+              </a:effectRef>
+              <a:fontRef idx="minor">
+                <a:schemeClr val="dk1"/>
+              </a:fontRef>
+            </p:style>
+            <p:txBody>
+              <a:bodyPr rtlCol="0" anchor="ctr"/>
+              <a:p>
+                <a:pPr algn="ctr"/>
+                <a:r>
+                  <a:rPr lang="en-US" altLang="zh-CN"/>
+                  <a:t>0</a:t>
+                </a:r>
+                <a:endParaRPr lang="en-US" altLang="zh-CN"/>
+              </a:p>
+            </p:txBody>
+          </p:sp>
+        </p:grpSp>
+        <p:cxnSp>
+          <p:nvCxnSpPr>
+            <p:cNvPr id="15" name="直接箭头连接符 14"/>
+            <p:cNvCxnSpPr>
+              <a:stCxn id="4" idx="3"/>
+              <a:endCxn id="5" idx="7"/>
+            </p:cNvCxnSpPr>
+            <p:nvPr/>
+          </p:nvCxnSpPr>
+          <p:spPr>
+            <a:xfrm flipH="1">
+              <a:off x="6831" y="2021"/>
+              <a:ext cx="826" cy="682"/>
+            </a:xfrm>
+            <a:prstGeom prst="straightConnector1">
+              <a:avLst/>
+            </a:prstGeom>
+            <a:ln w="38100">
+              <a:solidFill>
+                <a:srgbClr val="FF0000"/>
+              </a:solidFill>
+              <a:tailEnd type="arrow"/>
+            </a:ln>
+          </p:spPr>
+          <p:style>
+            <a:lnRef idx="1">
+              <a:schemeClr val="accent1"/>
+            </a:lnRef>
+            <a:fillRef idx="0">
+              <a:schemeClr val="accent1"/>
+            </a:fillRef>
+            <a:effectRef idx="0">
+              <a:schemeClr val="accent1"/>
+            </a:effectRef>
+            <a:fontRef idx="minor">
+              <a:schemeClr val="tx1"/>
+            </a:fontRef>
+          </p:style>
+        </p:cxnSp>
+        <p:cxnSp>
+          <p:nvCxnSpPr>
+            <p:cNvPr id="16" name="直接箭头连接符 15"/>
+            <p:cNvCxnSpPr>
+              <a:stCxn id="5" idx="3"/>
+              <a:endCxn id="7" idx="7"/>
+            </p:cNvCxnSpPr>
+            <p:nvPr/>
+          </p:nvCxnSpPr>
+          <p:spPr>
+            <a:xfrm flipH="1">
+              <a:off x="5745" y="3204"/>
+              <a:ext cx="601" cy="940"/>
+            </a:xfrm>
+            <a:prstGeom prst="straightConnector1">
+              <a:avLst/>
+            </a:prstGeom>
+            <a:ln w="38100">
+              <a:solidFill>
+                <a:srgbClr val="FF0000"/>
+              </a:solidFill>
+              <a:tailEnd type="arrow"/>
+            </a:ln>
+          </p:spPr>
+          <p:style>
+            <a:lnRef idx="1">
+              <a:schemeClr val="accent1"/>
+            </a:lnRef>
+            <a:fillRef idx="0">
+              <a:schemeClr val="accent1"/>
+            </a:fillRef>
+            <a:effectRef idx="0">
+              <a:schemeClr val="accent1"/>
+            </a:effectRef>
+            <a:fontRef idx="minor">
+              <a:schemeClr val="tx1"/>
+            </a:fontRef>
+          </p:style>
+        </p:cxnSp>
+        <p:cxnSp>
+          <p:nvCxnSpPr>
+            <p:cNvPr id="17" name="直接箭头连接符 16"/>
+            <p:cNvCxnSpPr>
+              <a:stCxn id="7" idx="3"/>
+              <a:endCxn id="11" idx="7"/>
+            </p:cNvCxnSpPr>
+            <p:nvPr/>
+          </p:nvCxnSpPr>
+          <p:spPr>
+            <a:xfrm flipH="1">
+              <a:off x="4677" y="4645"/>
+              <a:ext cx="583" cy="908"/>
+            </a:xfrm>
+            <a:prstGeom prst="straightConnector1">
+              <a:avLst/>
+            </a:prstGeom>
+            <a:ln w="38100">
+              <a:solidFill>
+                <a:srgbClr val="FF0000"/>
+              </a:solidFill>
+              <a:tailEnd type="arrow"/>
+            </a:ln>
+          </p:spPr>
+          <p:style>
+            <a:lnRef idx="1">
+              <a:schemeClr val="accent1"/>
+            </a:lnRef>
+            <a:fillRef idx="0">
+              <a:schemeClr val="accent1"/>
+            </a:fillRef>
+            <a:effectRef idx="0">
+              <a:schemeClr val="accent1"/>
+            </a:effectRef>
+            <a:fontRef idx="minor">
+              <a:schemeClr val="tx1"/>
+            </a:fontRef>
+          </p:style>
+        </p:cxnSp>
+        <p:cxnSp>
+          <p:nvCxnSpPr>
+            <p:cNvPr id="18" name="直接箭头连接符 17"/>
+            <p:cNvCxnSpPr>
+              <a:stCxn id="11" idx="3"/>
+              <a:endCxn id="13" idx="7"/>
+            </p:cNvCxnSpPr>
+            <p:nvPr/>
+          </p:nvCxnSpPr>
+          <p:spPr>
+            <a:xfrm flipH="1">
+              <a:off x="3628" y="6054"/>
+              <a:ext cx="564" cy="1046"/>
+            </a:xfrm>
+            <a:prstGeom prst="straightConnector1">
+              <a:avLst/>
+            </a:prstGeom>
+            <a:ln w="38100">
+              <a:solidFill>
+                <a:srgbClr val="FF0000"/>
+              </a:solidFill>
+              <a:tailEnd type="arrow"/>
+            </a:ln>
+          </p:spPr>
+          <p:style>
+            <a:lnRef idx="1">
+              <a:schemeClr val="accent1"/>
+            </a:lnRef>
+            <a:fillRef idx="0">
+              <a:schemeClr val="accent1"/>
+            </a:fillRef>
+            <a:effectRef idx="0">
+              <a:schemeClr val="accent1"/>
+            </a:effectRef>
+            <a:fontRef idx="minor">
+              <a:schemeClr val="tx1"/>
+            </a:fontRef>
+          </p:style>
+        </p:cxnSp>
+        <p:cxnSp>
+          <p:nvCxnSpPr>
+            <p:cNvPr id="19" name="直接箭头连接符 18"/>
+            <p:cNvCxnSpPr>
+              <a:stCxn id="7" idx="5"/>
+              <a:endCxn id="8" idx="0"/>
+            </p:cNvCxnSpPr>
+            <p:nvPr/>
+          </p:nvCxnSpPr>
+          <p:spPr>
+            <a:xfrm>
+              <a:off x="5745" y="4645"/>
+              <a:ext cx="694" cy="804"/>
+            </a:xfrm>
+            <a:prstGeom prst="straightConnector1">
+              <a:avLst/>
+            </a:prstGeom>
+            <a:ln w="38100">
+              <a:solidFill>
+                <a:srgbClr val="FF0000"/>
+              </a:solidFill>
+              <a:tailEnd type="arrow"/>
+            </a:ln>
+          </p:spPr>
+          <p:style>
+            <a:lnRef idx="1">
+              <a:schemeClr val="accent1"/>
+            </a:lnRef>
+            <a:fillRef idx="0">
+              <a:schemeClr val="accent1"/>
+            </a:fillRef>
+            <a:effectRef idx="0">
+              <a:schemeClr val="accent1"/>
+            </a:effectRef>
+            <a:fontRef idx="minor">
+              <a:schemeClr val="tx1"/>
+            </a:fontRef>
+          </p:style>
+        </p:cxnSp>
+        <p:cxnSp>
+          <p:nvCxnSpPr>
+            <p:cNvPr id="20" name="直接箭头连接符 19"/>
+            <p:cNvCxnSpPr>
+              <a:stCxn id="6" idx="5"/>
+              <a:endCxn id="10" idx="0"/>
+            </p:cNvCxnSpPr>
+            <p:nvPr/>
+          </p:nvCxnSpPr>
+          <p:spPr>
+            <a:xfrm>
+              <a:off x="9645" y="3204"/>
+              <a:ext cx="667" cy="836"/>
+            </a:xfrm>
+            <a:prstGeom prst="straightConnector1">
+              <a:avLst/>
+            </a:prstGeom>
+            <a:ln w="38100">
+              <a:solidFill>
+                <a:srgbClr val="FF0000"/>
+              </a:solidFill>
+              <a:tailEnd type="arrow"/>
+            </a:ln>
+          </p:spPr>
+          <p:style>
+            <a:lnRef idx="1">
+              <a:schemeClr val="accent1"/>
+            </a:lnRef>
+            <a:fillRef idx="0">
+              <a:schemeClr val="accent1"/>
+            </a:fillRef>
+            <a:effectRef idx="0">
+              <a:schemeClr val="accent1"/>
+            </a:effectRef>
+            <a:fontRef idx="minor">
+              <a:schemeClr val="tx1"/>
+            </a:fontRef>
+          </p:style>
+        </p:cxnSp>
+        <p:cxnSp>
+          <p:nvCxnSpPr>
+            <p:cNvPr id="21" name="直接箭头连接符 20"/>
+            <p:cNvCxnSpPr>
+              <a:stCxn id="6" idx="3"/>
+              <a:endCxn id="9" idx="0"/>
+            </p:cNvCxnSpPr>
+            <p:nvPr/>
+          </p:nvCxnSpPr>
+          <p:spPr>
+            <a:xfrm flipH="1">
+              <a:off x="8716" y="3204"/>
+              <a:ext cx="444" cy="836"/>
+            </a:xfrm>
+            <a:prstGeom prst="straightConnector1">
+              <a:avLst/>
+            </a:prstGeom>
+            <a:ln w="38100">
+              <a:solidFill>
+                <a:srgbClr val="FF0000"/>
+              </a:solidFill>
+              <a:tailEnd type="arrow"/>
+            </a:ln>
+          </p:spPr>
+          <p:style>
+            <a:lnRef idx="1">
+              <a:schemeClr val="accent1"/>
+            </a:lnRef>
+            <a:fillRef idx="0">
+              <a:schemeClr val="accent1"/>
+            </a:fillRef>
+            <a:effectRef idx="0">
+              <a:schemeClr val="accent1"/>
+            </a:effectRef>
+            <a:fontRef idx="minor">
+              <a:schemeClr val="tx1"/>
+            </a:fontRef>
+          </p:style>
+        </p:cxnSp>
+        <p:cxnSp>
+          <p:nvCxnSpPr>
+            <p:cNvPr id="22" name="直接箭头连接符 21"/>
+            <p:cNvCxnSpPr>
+              <a:stCxn id="10" idx="5"/>
+              <a:endCxn id="12" idx="1"/>
+            </p:cNvCxnSpPr>
+            <p:nvPr/>
+          </p:nvCxnSpPr>
+          <p:spPr>
+            <a:xfrm>
+              <a:off x="10554" y="4645"/>
+              <a:ext cx="499" cy="799"/>
+            </a:xfrm>
+            <a:prstGeom prst="straightConnector1">
+              <a:avLst/>
+            </a:prstGeom>
+            <a:ln w="38100">
+              <a:solidFill>
+                <a:srgbClr val="FF0000"/>
+              </a:solidFill>
+              <a:tailEnd type="arrow"/>
+            </a:ln>
+          </p:spPr>
+          <p:style>
+            <a:lnRef idx="1">
+              <a:schemeClr val="accent1"/>
+            </a:lnRef>
+            <a:fillRef idx="0">
+              <a:schemeClr val="accent1"/>
+            </a:fillRef>
+            <a:effectRef idx="0">
+              <a:schemeClr val="accent1"/>
+            </a:effectRef>
+            <a:fontRef idx="minor">
+              <a:schemeClr val="tx1"/>
+            </a:fontRef>
+          </p:style>
+        </p:cxnSp>
+        <p:cxnSp>
+          <p:nvCxnSpPr>
+            <p:cNvPr id="23" name="直接箭头连接符 22"/>
+            <p:cNvCxnSpPr>
+              <a:stCxn id="4" idx="5"/>
+              <a:endCxn id="6" idx="1"/>
+            </p:cNvCxnSpPr>
+            <p:nvPr/>
+          </p:nvCxnSpPr>
+          <p:spPr>
+            <a:xfrm>
+              <a:off x="8142" y="2021"/>
+              <a:ext cx="1018" cy="682"/>
+            </a:xfrm>
+            <a:prstGeom prst="straightConnector1">
+              <a:avLst/>
+            </a:prstGeom>
+            <a:ln w="38100">
+              <a:solidFill>
+                <a:srgbClr val="FF0000"/>
+              </a:solidFill>
+              <a:tailEnd type="arrow"/>
+            </a:ln>
+          </p:spPr>
+          <p:style>
+            <a:lnRef idx="1">
+              <a:schemeClr val="accent1"/>
+            </a:lnRef>
+            <a:fillRef idx="0">
+              <a:schemeClr val="accent1"/>
+            </a:fillRef>
+            <a:effectRef idx="0">
+              <a:schemeClr val="accent1"/>
+            </a:effectRef>
+            <a:fontRef idx="minor">
+              <a:schemeClr val="tx1"/>
+            </a:fontRef>
+          </p:style>
+        </p:cxnSp>
+      </p:grpSp>
+      <p:sp>
+        <p:nvSpPr>
+          <p:cNvPr id="3" name="椭圆 2"/>
+          <p:cNvSpPr/>
+          <p:nvPr/>
+        </p:nvSpPr>
+        <p:spPr>
+          <a:xfrm>
+            <a:off x="2910840" y="3397885"/>
+            <a:ext cx="436245" cy="450215"/>
+          </a:xfrm>
+          <a:prstGeom prst="ellipse">
+            <a:avLst/>
+          </a:prstGeom>
+          <a:ln w="28575">
+            <a:solidFill>
+              <a:srgbClr val="7030A0"/>
+            </a:solidFill>
+          </a:ln>
+        </p:spPr>
+        <p:style>
+          <a:lnRef idx="2">
+            <a:schemeClr val="accent1"/>
+          </a:lnRef>
+          <a:fillRef idx="1">
+            <a:schemeClr val="lt1"/>
+          </a:fillRef>
+          <a:effectRef idx="0">
+            <a:schemeClr val="accent1"/>
+          </a:effectRef>
+          <a:fontRef idx="minor">
+            <a:schemeClr val="dk1"/>
+          </a:fontRef>
+        </p:style>
+        <p:txBody>
+          <a:bodyPr rtlCol="0" anchor="ctr"/>
+          <a:p>
+            <a:pPr algn="ctr"/>
+            <a:r>
+              <a:rPr lang="en-US" altLang="zh-CN" b="1">
+                <a:solidFill>
+                  <a:srgbClr val="7030A0"/>
+                </a:solidFill>
+              </a:rPr>
+              <a:t>5</a:t>
+            </a:r>
+            <a:endParaRPr lang="en-US" altLang="zh-CN" b="1">
+              <a:solidFill>
+                <a:srgbClr val="7030A0"/>
+              </a:solidFill>
+            </a:endParaRPr>
+          </a:p>
+        </p:txBody>
+      </p:sp>
+      <p:sp>
+        <p:nvSpPr>
+          <p:cNvPr id="25" name="文本框 24"/>
+          <p:cNvSpPr txBox="1"/>
+          <p:nvPr/>
+        </p:nvSpPr>
+        <p:spPr>
+          <a:xfrm>
+            <a:off x="6731000" y="1910080"/>
+            <a:ext cx="4525645" cy="1938020"/>
+          </a:xfrm>
+          <a:prstGeom prst="rect">
+            <a:avLst/>
+          </a:prstGeom>
+          <a:noFill/>
+        </p:spPr>
+        <p:txBody>
+          <a:bodyPr wrap="square" rtlCol="0">
+            <a:spAutoFit/>
+          </a:bodyPr>
+          <a:p>
+            <a:r>
+              <a:rPr lang="zh-CN" altLang="en-US" sz="2400" b="1">
+                <a:solidFill>
+                  <a:schemeClr val="accent2">
+                    <a:lumMod val="75000"/>
+                  </a:schemeClr>
+                </a:solidFill>
+              </a:rPr>
+              <a:t>插入</a:t>
+            </a:r>
+            <a:r>
+              <a:rPr lang="en-US" altLang="zh-CN" sz="2400" b="1">
+                <a:solidFill>
+                  <a:schemeClr val="accent2">
+                    <a:lumMod val="75000"/>
+                  </a:schemeClr>
+                </a:solidFill>
+              </a:rPr>
+              <a:t>5</a:t>
+            </a:r>
+            <a:r>
+              <a:rPr lang="zh-CN" altLang="en-US" sz="2400" b="1">
+                <a:solidFill>
+                  <a:schemeClr val="accent2">
+                    <a:lumMod val="75000"/>
+                  </a:schemeClr>
+                </a:solidFill>
+              </a:rPr>
+              <a:t>：</a:t>
+            </a:r>
+            <a:endParaRPr lang="zh-CN" altLang="en-US" sz="2400" b="1">
+              <a:solidFill>
+                <a:schemeClr val="accent2">
+                  <a:lumMod val="75000"/>
+                </a:schemeClr>
+              </a:solidFill>
+            </a:endParaRPr>
+          </a:p>
+          <a:p>
+            <a:r>
+              <a:rPr lang="en-US" altLang="zh-CN" sz="2400" b="1">
+                <a:solidFill>
+                  <a:schemeClr val="accent2">
+                    <a:lumMod val="75000"/>
+                  </a:schemeClr>
+                </a:solidFill>
+              </a:rPr>
+              <a:t>1.</a:t>
+            </a:r>
+            <a:r>
+              <a:rPr lang="zh-CN" altLang="en-US" sz="2400" b="1">
+                <a:solidFill>
+                  <a:schemeClr val="accent2">
+                    <a:lumMod val="75000"/>
+                  </a:schemeClr>
+                </a:solidFill>
+              </a:rPr>
+              <a:t>小于</a:t>
+            </a:r>
+            <a:r>
+              <a:rPr lang="en-US" altLang="zh-CN" sz="2400" b="1">
+                <a:solidFill>
+                  <a:schemeClr val="accent2">
+                    <a:lumMod val="75000"/>
+                  </a:schemeClr>
+                </a:solidFill>
+              </a:rPr>
+              <a:t>6</a:t>
+            </a:r>
+            <a:r>
+              <a:rPr lang="zh-CN" altLang="en-US" sz="2400" b="1">
+                <a:solidFill>
+                  <a:schemeClr val="accent2">
+                    <a:lumMod val="75000"/>
+                  </a:schemeClr>
+                </a:solidFill>
+              </a:rPr>
+              <a:t>，往左边寻找插入点</a:t>
+            </a:r>
+            <a:br>
+              <a:rPr lang="zh-CN" altLang="en-US" sz="2400" b="1">
+                <a:solidFill>
+                  <a:schemeClr val="accent2">
+                    <a:lumMod val="75000"/>
+                  </a:schemeClr>
+                </a:solidFill>
+              </a:rPr>
+            </a:br>
+            <a:r>
+              <a:rPr lang="en-US" altLang="zh-CN" sz="2400" b="1">
+                <a:solidFill>
+                  <a:schemeClr val="accent2">
+                    <a:lumMod val="75000"/>
+                  </a:schemeClr>
+                </a:solidFill>
+              </a:rPr>
+              <a:t>2.</a:t>
+            </a:r>
+            <a:r>
+              <a:rPr lang="zh-CN" altLang="en-US" sz="2400" b="1">
+                <a:solidFill>
+                  <a:schemeClr val="accent2">
+                    <a:lumMod val="75000"/>
+                  </a:schemeClr>
+                </a:solidFill>
+              </a:rPr>
+              <a:t>大于</a:t>
+            </a:r>
+            <a:r>
+              <a:rPr lang="en-US" altLang="zh-CN" sz="2400" b="1">
+                <a:solidFill>
+                  <a:schemeClr val="accent2">
+                    <a:lumMod val="75000"/>
+                  </a:schemeClr>
+                </a:solidFill>
+              </a:rPr>
+              <a:t>4</a:t>
+            </a:r>
+            <a:r>
+              <a:rPr lang="zh-CN" altLang="en-US" sz="2400" b="1">
+                <a:solidFill>
+                  <a:schemeClr val="accent2">
+                    <a:lumMod val="75000"/>
+                  </a:schemeClr>
+                </a:solidFill>
+              </a:rPr>
+              <a:t>，往右边寻找插入点</a:t>
+            </a:r>
+            <a:br>
+              <a:rPr lang="zh-CN" altLang="en-US" sz="2400" b="1">
+                <a:solidFill>
+                  <a:schemeClr val="accent2">
+                    <a:lumMod val="75000"/>
+                  </a:schemeClr>
+                </a:solidFill>
+              </a:rPr>
+            </a:br>
+            <a:r>
+              <a:rPr lang="en-US" altLang="zh-CN" sz="2400" b="1">
+                <a:solidFill>
+                  <a:schemeClr val="accent2">
+                    <a:lumMod val="75000"/>
+                  </a:schemeClr>
+                </a:solidFill>
+              </a:rPr>
+              <a:t>3.</a:t>
+            </a:r>
+            <a:r>
+              <a:rPr lang="zh-CN" altLang="en-US" sz="2400" b="1">
+                <a:solidFill>
+                  <a:schemeClr val="accent2">
+                    <a:lumMod val="75000"/>
+                  </a:schemeClr>
+                </a:solidFill>
+              </a:rPr>
+              <a:t>发现</a:t>
+            </a:r>
+            <a:r>
+              <a:rPr lang="en-US" altLang="zh-CN" sz="2400" b="1">
+                <a:solidFill>
+                  <a:schemeClr val="accent2">
+                    <a:lumMod val="75000"/>
+                  </a:schemeClr>
+                </a:solidFill>
+              </a:rPr>
+              <a:t>4</a:t>
+            </a:r>
+            <a:r>
+              <a:rPr lang="zh-CN" altLang="en-US" sz="2400" b="1">
+                <a:solidFill>
+                  <a:schemeClr val="accent2">
+                    <a:lumMod val="75000"/>
+                  </a:schemeClr>
+                </a:solidFill>
+              </a:rPr>
+              <a:t>的右子树为</a:t>
+            </a:r>
+            <a:r>
+              <a:rPr lang="en-US" altLang="zh-CN" sz="2400" b="1">
+                <a:solidFill>
+                  <a:schemeClr val="accent2">
+                    <a:lumMod val="75000"/>
+                  </a:schemeClr>
+                </a:solidFill>
+              </a:rPr>
+              <a:t>NULL</a:t>
+            </a:r>
+            <a:r>
+              <a:rPr lang="zh-CN" altLang="en-US" sz="2400" b="1">
+                <a:solidFill>
+                  <a:schemeClr val="accent2">
+                    <a:lumMod val="75000"/>
+                  </a:schemeClr>
+                </a:solidFill>
+              </a:rPr>
+              <a:t>，实施插入</a:t>
+            </a:r>
+            <a:endParaRPr lang="zh-CN" altLang="en-US" sz="2400" b="1">
+              <a:solidFill>
+                <a:schemeClr val="accent2">
+                  <a:lumMod val="75000"/>
+                </a:schemeClr>
+              </a:solidFill>
+            </a:endParaRPr>
+          </a:p>
+        </p:txBody>
+      </p:sp>
+      <p:cxnSp>
+        <p:nvCxnSpPr>
+          <p:cNvPr id="26" name="直接箭头连接符 25"/>
+          <p:cNvCxnSpPr>
+            <a:stCxn id="5" idx="5"/>
+            <a:endCxn id="3" idx="1"/>
+          </p:cNvCxnSpPr>
+          <p:nvPr/>
+        </p:nvCxnSpPr>
+        <p:spPr>
+          <a:xfrm>
+            <a:off x="2730500" y="2947670"/>
+            <a:ext cx="244475" cy="516255"/>
+          </a:xfrm>
+          <a:prstGeom prst="straightConnector1">
+            <a:avLst/>
+          </a:prstGeom>
+          <a:ln w="38100">
+            <a:solidFill>
+              <a:srgbClr val="7030A0"/>
+            </a:solidFill>
+            <a:tailEnd type="arrow"/>
+          </a:ln>
+        </p:spPr>
+        <p:style>
+          <a:lnRef idx="1">
+            <a:schemeClr val="accent1"/>
+          </a:lnRef>
+          <a:fillRef idx="0">
+            <a:schemeClr val="accent1"/>
+          </a:fillRef>
+          <a:effectRef idx="0">
+            <a:schemeClr val="accent1"/>
+          </a:effectRef>
+          <a:fontRef idx="minor">
+            <a:schemeClr val="tx1"/>
+          </a:fontRef>
+        </p:style>
+      </p:cxnSp>
+    </p:spTree>
+  </p:cSld>
+  <p:clrMapOvr>
+    <a:masterClrMapping/>
+  </p:clrMapOvr>
+</p:sld>
+</file>
+
+<file path=ppt/slides/slide21.xml><?xml version="1.0" encoding="utf-8"?>
+<p:sld xmlns:a="http://schemas.openxmlformats.org/drawingml/2006/main" xmlns:r="http://schemas.openxmlformats.org/officeDocument/2006/relationships" xmlns:p="http://schemas.openxmlformats.org/presentationml/2006/main">
+  <p:cSld>
+    <p:spTree>
+      <p:nvGrpSpPr>
+        <p:cNvPr id="1" name=""/>
+        <p:cNvGrpSpPr/>
+        <p:nvPr/>
+      </p:nvGrpSpPr>
+      <p:grpSpPr/>
+      <p:sp>
+        <p:nvSpPr>
+          <p:cNvPr id="2" name="标题 1"/>
+          <p:cNvSpPr>
+            <a:spLocks noGrp="1"/>
+          </p:cNvSpPr>
+          <p:nvPr>
+            <p:ph type="title"/>
+          </p:nvPr>
+        </p:nvSpPr>
         <p:spPr>
           <a:xfrm>
             <a:off x="838200" y="664845"/>
@@ -13728,1422 +17904,7 @@
 </p:sld>
 </file>
 
-<file path=ppt/slides/slide2.xml><?xml version="1.0" encoding="utf-8"?>
-<p:sld xmlns:a="http://schemas.openxmlformats.org/drawingml/2006/main" xmlns:r="http://schemas.openxmlformats.org/officeDocument/2006/relationships" xmlns:p="http://schemas.openxmlformats.org/presentationml/2006/main">
-  <p:cSld>
-    <p:spTree>
-      <p:nvGrpSpPr>
-        <p:cNvPr id="1" name=""/>
-        <p:cNvGrpSpPr/>
-        <p:nvPr/>
-      </p:nvGrpSpPr>
-      <p:grpSpPr/>
-      <p:sp>
-        <p:nvSpPr>
-          <p:cNvPr id="5" name="标题 4"/>
-          <p:cNvSpPr/>
-          <p:nvPr>
-            <p:ph type="title"/>
-          </p:nvPr>
-        </p:nvSpPr>
-        <p:spPr/>
-        <p:txBody>
-          <a:bodyPr>
-            <a:normAutofit/>
-          </a:bodyPr>
-          <a:p>
-            <a:r>
-              <a:rPr lang="zh-CN" altLang="en-US">
-                <a:sym typeface="+mn-ea"/>
-              </a:rPr>
-              <a:t>插入节点</a:t>
-            </a:r>
-            <a:r>
-              <a:rPr lang="en-US" altLang="zh-CN">
-                <a:sym typeface="+mn-ea"/>
-              </a:rPr>
-              <a:t>step2</a:t>
-            </a:r>
-            <a:endParaRPr lang="zh-CN" altLang="en-US"/>
-          </a:p>
-        </p:txBody>
-      </p:sp>
-      <p:grpSp>
-        <p:nvGrpSpPr>
-          <p:cNvPr id="14" name="组合 13"/>
-          <p:cNvGrpSpPr/>
-          <p:nvPr/>
-        </p:nvGrpSpPr>
-        <p:grpSpPr>
-          <a:xfrm>
-            <a:off x="774700" y="1955165"/>
-            <a:ext cx="2056765" cy="779145"/>
-            <a:chOff x="3089" y="4589"/>
-            <a:chExt cx="3239" cy="1227"/>
-          </a:xfrm>
-        </p:grpSpPr>
-        <p:sp>
-          <p:nvSpPr>
-            <p:cNvPr id="8" name="矩形 7"/>
-            <p:cNvSpPr/>
-            <p:nvPr/>
-          </p:nvSpPr>
-          <p:spPr>
-            <a:xfrm>
-              <a:off x="3089" y="4589"/>
-              <a:ext cx="3239" cy="1227"/>
-            </a:xfrm>
-            <a:prstGeom prst="rect">
-              <a:avLst/>
-            </a:prstGeom>
-          </p:spPr>
-          <p:style>
-            <a:lnRef idx="2">
-              <a:schemeClr val="accent1"/>
-            </a:lnRef>
-            <a:fillRef idx="1">
-              <a:schemeClr val="lt1"/>
-            </a:fillRef>
-            <a:effectRef idx="0">
-              <a:schemeClr val="accent1"/>
-            </a:effectRef>
-            <a:fontRef idx="minor">
-              <a:schemeClr val="dk1"/>
-            </a:fontRef>
-          </p:style>
-          <p:txBody>
-            <a:bodyPr rtlCol="0" anchor="ctr"/>
-            <a:p>
-              <a:pPr algn="ctr"/>
-              <a:endParaRPr lang="zh-CN" altLang="en-US"/>
-            </a:p>
-          </p:txBody>
-        </p:sp>
-        <p:cxnSp>
-          <p:nvCxnSpPr>
-            <p:cNvPr id="9" name="直接连接符 8"/>
-            <p:cNvCxnSpPr/>
-            <p:nvPr/>
-          </p:nvCxnSpPr>
-          <p:spPr>
-            <a:xfrm flipH="1">
-              <a:off x="4208" y="4616"/>
-              <a:ext cx="1" cy="1200"/>
-            </a:xfrm>
-            <a:prstGeom prst="line">
-              <a:avLst/>
-            </a:prstGeom>
-          </p:spPr>
-          <p:style>
-            <a:lnRef idx="1">
-              <a:schemeClr val="accent1"/>
-            </a:lnRef>
-            <a:fillRef idx="0">
-              <a:schemeClr val="accent1"/>
-            </a:fillRef>
-            <a:effectRef idx="0">
-              <a:schemeClr val="accent1"/>
-            </a:effectRef>
-            <a:fontRef idx="minor">
-              <a:schemeClr val="tx1"/>
-            </a:fontRef>
-          </p:style>
-        </p:cxnSp>
-        <p:cxnSp>
-          <p:nvCxnSpPr>
-            <p:cNvPr id="10" name="直接连接符 9"/>
-            <p:cNvCxnSpPr/>
-            <p:nvPr/>
-          </p:nvCxnSpPr>
-          <p:spPr>
-            <a:xfrm>
-              <a:off x="5144" y="4589"/>
-              <a:ext cx="0" cy="1220"/>
-            </a:xfrm>
-            <a:prstGeom prst="line">
-              <a:avLst/>
-            </a:prstGeom>
-          </p:spPr>
-          <p:style>
-            <a:lnRef idx="1">
-              <a:schemeClr val="accent1"/>
-            </a:lnRef>
-            <a:fillRef idx="0">
-              <a:schemeClr val="accent1"/>
-            </a:fillRef>
-            <a:effectRef idx="0">
-              <a:schemeClr val="accent1"/>
-            </a:effectRef>
-            <a:fontRef idx="minor">
-              <a:schemeClr val="tx1"/>
-            </a:fontRef>
-          </p:style>
-        </p:cxnSp>
-        <p:sp>
-          <p:nvSpPr>
-            <p:cNvPr id="11" name="文本框 10"/>
-            <p:cNvSpPr txBox="1"/>
-            <p:nvPr/>
-          </p:nvSpPr>
-          <p:spPr>
-            <a:xfrm>
-              <a:off x="4220" y="4800"/>
-              <a:ext cx="1147" cy="580"/>
-            </a:xfrm>
-            <a:prstGeom prst="rect">
-              <a:avLst/>
-            </a:prstGeom>
-            <a:noFill/>
-          </p:spPr>
-          <p:txBody>
-            <a:bodyPr wrap="square" rtlCol="0">
-              <a:spAutoFit/>
-            </a:bodyPr>
-            <a:p>
-              <a:r>
-                <a:rPr lang="en-US" altLang="zh-CN"/>
-                <a:t>head</a:t>
-              </a:r>
-              <a:endParaRPr lang="en-US" altLang="zh-CN"/>
-            </a:p>
-          </p:txBody>
-        </p:sp>
-        <p:sp>
-          <p:nvSpPr>
-            <p:cNvPr id="12" name="文本框 11"/>
-            <p:cNvSpPr txBox="1"/>
-            <p:nvPr/>
-          </p:nvSpPr>
-          <p:spPr>
-            <a:xfrm>
-              <a:off x="3089" y="4674"/>
-              <a:ext cx="1118" cy="1016"/>
-            </a:xfrm>
-            <a:prstGeom prst="rect">
-              <a:avLst/>
-            </a:prstGeom>
-            <a:noFill/>
-          </p:spPr>
-          <p:txBody>
-            <a:bodyPr wrap="square" rtlCol="0">
-              <a:spAutoFit/>
-            </a:bodyPr>
-            <a:p>
-              <a:r>
-                <a:rPr lang="en-US" altLang="zh-CN"/>
-                <a:t>prev</a:t>
-              </a:r>
-              <a:r>
-                <a:rPr lang="zh-CN" altLang="en-US"/>
-                <a:t>指针</a:t>
-              </a:r>
-              <a:endParaRPr lang="zh-CN" altLang="en-US"/>
-            </a:p>
-          </p:txBody>
-        </p:sp>
-        <p:sp>
-          <p:nvSpPr>
-            <p:cNvPr id="13" name="文本框 12"/>
-            <p:cNvSpPr txBox="1"/>
-            <p:nvPr/>
-          </p:nvSpPr>
-          <p:spPr>
-            <a:xfrm>
-              <a:off x="5146" y="4708"/>
-              <a:ext cx="1182" cy="1016"/>
-            </a:xfrm>
-            <a:prstGeom prst="rect">
-              <a:avLst/>
-            </a:prstGeom>
-            <a:noFill/>
-          </p:spPr>
-          <p:txBody>
-            <a:bodyPr wrap="square" rtlCol="0">
-              <a:spAutoFit/>
-            </a:bodyPr>
-            <a:p>
-              <a:r>
-                <a:rPr lang="en-US" altLang="zh-CN"/>
-                <a:t>next</a:t>
-              </a:r>
-              <a:r>
-                <a:rPr lang="zh-CN" altLang="en-US"/>
-                <a:t>指针</a:t>
-              </a:r>
-              <a:endParaRPr lang="zh-CN" altLang="en-US"/>
-            </a:p>
-          </p:txBody>
-        </p:sp>
-      </p:grpSp>
-      <p:sp>
-        <p:nvSpPr>
-          <p:cNvPr id="18" name="文本框 17"/>
-          <p:cNvSpPr txBox="1"/>
-          <p:nvPr/>
-        </p:nvSpPr>
-        <p:spPr>
-          <a:xfrm>
-            <a:off x="9542145" y="6301740"/>
-            <a:ext cx="684530" cy="368300"/>
-          </a:xfrm>
-          <a:prstGeom prst="rect">
-            <a:avLst/>
-          </a:prstGeom>
-          <a:noFill/>
-        </p:spPr>
-        <p:txBody>
-          <a:bodyPr wrap="square" rtlCol="0">
-            <a:spAutoFit/>
-          </a:bodyPr>
-          <a:p>
-            <a:r>
-              <a:rPr lang="en-US" altLang="zh-CN" b="1">
-                <a:solidFill>
-                  <a:srgbClr val="FF0000"/>
-                </a:solidFill>
-              </a:rPr>
-              <a:t>NULL</a:t>
-            </a:r>
-            <a:endParaRPr lang="en-US" altLang="zh-CN" b="1">
-              <a:solidFill>
-                <a:srgbClr val="FF0000"/>
-              </a:solidFill>
-            </a:endParaRPr>
-          </a:p>
-        </p:txBody>
-      </p:sp>
-      <p:sp>
-        <p:nvSpPr>
-          <p:cNvPr id="19" name="文本框 18"/>
-          <p:cNvSpPr txBox="1"/>
-          <p:nvPr/>
-        </p:nvSpPr>
-        <p:spPr>
-          <a:xfrm>
-            <a:off x="159385" y="3159760"/>
-            <a:ext cx="684530" cy="368300"/>
-          </a:xfrm>
-          <a:prstGeom prst="rect">
-            <a:avLst/>
-          </a:prstGeom>
-          <a:noFill/>
-        </p:spPr>
-        <p:txBody>
-          <a:bodyPr wrap="square" rtlCol="0">
-            <a:spAutoFit/>
-          </a:bodyPr>
-          <a:p>
-            <a:r>
-              <a:rPr lang="en-US" altLang="zh-CN" b="1">
-                <a:solidFill>
-                  <a:srgbClr val="FF0000"/>
-                </a:solidFill>
-              </a:rPr>
-              <a:t>NULL</a:t>
-            </a:r>
-            <a:endParaRPr lang="en-US" altLang="zh-CN" b="1">
-              <a:solidFill>
-                <a:srgbClr val="FF0000"/>
-              </a:solidFill>
-            </a:endParaRPr>
-          </a:p>
-        </p:txBody>
-      </p:sp>
-      <p:cxnSp>
-        <p:nvCxnSpPr>
-          <p:cNvPr id="20" name="直接箭头连接符 19"/>
-          <p:cNvCxnSpPr/>
-          <p:nvPr/>
-        </p:nvCxnSpPr>
-        <p:spPr>
-          <a:xfrm flipH="1">
-            <a:off x="501650" y="2757805"/>
-            <a:ext cx="342265" cy="401955"/>
-          </a:xfrm>
-          <a:prstGeom prst="straightConnector1">
-            <a:avLst/>
-          </a:prstGeom>
-          <a:ln w="38100">
-            <a:solidFill>
-              <a:srgbClr val="FF0000"/>
-            </a:solidFill>
-            <a:tailEnd type="arrow"/>
-          </a:ln>
-        </p:spPr>
-        <p:style>
-          <a:lnRef idx="1">
-            <a:schemeClr val="accent1"/>
-          </a:lnRef>
-          <a:fillRef idx="0">
-            <a:schemeClr val="accent1"/>
-          </a:fillRef>
-          <a:effectRef idx="0">
-            <a:schemeClr val="accent1"/>
-          </a:effectRef>
-          <a:fontRef idx="minor">
-            <a:schemeClr val="tx1"/>
-          </a:fontRef>
-        </p:style>
-      </p:cxnSp>
-      <p:grpSp>
-        <p:nvGrpSpPr>
-          <p:cNvPr id="26" name="组合 25"/>
-          <p:cNvGrpSpPr/>
-          <p:nvPr/>
-        </p:nvGrpSpPr>
-        <p:grpSpPr>
-          <a:xfrm>
-            <a:off x="4854575" y="4395470"/>
-            <a:ext cx="2196465" cy="779145"/>
-            <a:chOff x="3089" y="4589"/>
-            <a:chExt cx="3459" cy="1227"/>
-          </a:xfrm>
-        </p:grpSpPr>
-        <p:sp>
-          <p:nvSpPr>
-            <p:cNvPr id="27" name="矩形 26"/>
-            <p:cNvSpPr/>
-            <p:nvPr/>
-          </p:nvSpPr>
-          <p:spPr>
-            <a:xfrm>
-              <a:off x="3089" y="4589"/>
-              <a:ext cx="3239" cy="1227"/>
-            </a:xfrm>
-            <a:prstGeom prst="rect">
-              <a:avLst/>
-            </a:prstGeom>
-          </p:spPr>
-          <p:style>
-            <a:lnRef idx="2">
-              <a:schemeClr val="accent1"/>
-            </a:lnRef>
-            <a:fillRef idx="1">
-              <a:schemeClr val="lt1"/>
-            </a:fillRef>
-            <a:effectRef idx="0">
-              <a:schemeClr val="accent1"/>
-            </a:effectRef>
-            <a:fontRef idx="minor">
-              <a:schemeClr val="dk1"/>
-            </a:fontRef>
-          </p:style>
-          <p:txBody>
-            <a:bodyPr rtlCol="0" anchor="ctr"/>
-            <a:p>
-              <a:pPr algn="ctr"/>
-              <a:endParaRPr lang="zh-CN" altLang="en-US"/>
-            </a:p>
-          </p:txBody>
-        </p:sp>
-        <p:cxnSp>
-          <p:nvCxnSpPr>
-            <p:cNvPr id="28" name="直接连接符 27"/>
-            <p:cNvCxnSpPr/>
-            <p:nvPr/>
-          </p:nvCxnSpPr>
-          <p:spPr>
-            <a:xfrm flipH="1">
-              <a:off x="4208" y="4616"/>
-              <a:ext cx="1" cy="1200"/>
-            </a:xfrm>
-            <a:prstGeom prst="line">
-              <a:avLst/>
-            </a:prstGeom>
-          </p:spPr>
-          <p:style>
-            <a:lnRef idx="1">
-              <a:schemeClr val="accent1"/>
-            </a:lnRef>
-            <a:fillRef idx="0">
-              <a:schemeClr val="accent1"/>
-            </a:fillRef>
-            <a:effectRef idx="0">
-              <a:schemeClr val="accent1"/>
-            </a:effectRef>
-            <a:fontRef idx="minor">
-              <a:schemeClr val="tx1"/>
-            </a:fontRef>
-          </p:style>
-        </p:cxnSp>
-        <p:cxnSp>
-          <p:nvCxnSpPr>
-            <p:cNvPr id="29" name="直接连接符 28"/>
-            <p:cNvCxnSpPr/>
-            <p:nvPr/>
-          </p:nvCxnSpPr>
-          <p:spPr>
-            <a:xfrm>
-              <a:off x="5144" y="4589"/>
-              <a:ext cx="0" cy="1220"/>
-            </a:xfrm>
-            <a:prstGeom prst="line">
-              <a:avLst/>
-            </a:prstGeom>
-          </p:spPr>
-          <p:style>
-            <a:lnRef idx="1">
-              <a:schemeClr val="accent1"/>
-            </a:lnRef>
-            <a:fillRef idx="0">
-              <a:schemeClr val="accent1"/>
-            </a:fillRef>
-            <a:effectRef idx="0">
-              <a:schemeClr val="accent1"/>
-            </a:effectRef>
-            <a:fontRef idx="minor">
-              <a:schemeClr val="tx1"/>
-            </a:fontRef>
-          </p:style>
-        </p:cxnSp>
-        <p:sp>
-          <p:nvSpPr>
-            <p:cNvPr id="30" name="文本框 29"/>
-            <p:cNvSpPr txBox="1"/>
-            <p:nvPr/>
-          </p:nvSpPr>
-          <p:spPr>
-            <a:xfrm>
-              <a:off x="4220" y="4800"/>
-              <a:ext cx="1147" cy="1016"/>
-            </a:xfrm>
-            <a:prstGeom prst="rect">
-              <a:avLst/>
-            </a:prstGeom>
-            <a:noFill/>
-          </p:spPr>
-          <p:txBody>
-            <a:bodyPr wrap="square" rtlCol="0">
-              <a:spAutoFit/>
-            </a:bodyPr>
-            <a:p>
-              <a:r>
-                <a:rPr lang="en-US" altLang="zh-CN"/>
-                <a:t>16</a:t>
-              </a:r>
-              <a:endParaRPr lang="en-US" altLang="zh-CN"/>
-            </a:p>
-            <a:p>
-              <a:endParaRPr lang="en-US" altLang="zh-CN"/>
-            </a:p>
-          </p:txBody>
-        </p:sp>
-        <p:sp>
-          <p:nvSpPr>
-            <p:cNvPr id="31" name="文本框 30"/>
-            <p:cNvSpPr txBox="1"/>
-            <p:nvPr/>
-          </p:nvSpPr>
-          <p:spPr>
-            <a:xfrm>
-              <a:off x="3089" y="4674"/>
-              <a:ext cx="1118" cy="1016"/>
-            </a:xfrm>
-            <a:prstGeom prst="rect">
-              <a:avLst/>
-            </a:prstGeom>
-            <a:noFill/>
-          </p:spPr>
-          <p:txBody>
-            <a:bodyPr wrap="square" rtlCol="0">
-              <a:spAutoFit/>
-            </a:bodyPr>
-            <a:p>
-              <a:r>
-                <a:rPr lang="en-US" altLang="zh-CN"/>
-                <a:t>prev</a:t>
-              </a:r>
-              <a:r>
-                <a:rPr lang="zh-CN" altLang="en-US"/>
-                <a:t>指针</a:t>
-              </a:r>
-              <a:endParaRPr lang="zh-CN" altLang="en-US"/>
-            </a:p>
-          </p:txBody>
-        </p:sp>
-        <p:sp>
-          <p:nvSpPr>
-            <p:cNvPr id="32" name="文本框 31"/>
-            <p:cNvSpPr txBox="1"/>
-            <p:nvPr/>
-          </p:nvSpPr>
-          <p:spPr>
-            <a:xfrm>
-              <a:off x="5366" y="4800"/>
-              <a:ext cx="1182" cy="1016"/>
-            </a:xfrm>
-            <a:prstGeom prst="rect">
-              <a:avLst/>
-            </a:prstGeom>
-            <a:noFill/>
-          </p:spPr>
-          <p:txBody>
-            <a:bodyPr wrap="square" rtlCol="0">
-              <a:spAutoFit/>
-            </a:bodyPr>
-            <a:p>
-              <a:r>
-                <a:rPr lang="en-US" altLang="zh-CN"/>
-                <a:t>next</a:t>
-              </a:r>
-              <a:r>
-                <a:rPr lang="zh-CN" altLang="en-US"/>
-                <a:t>指针</a:t>
-              </a:r>
-              <a:endParaRPr lang="zh-CN" altLang="en-US"/>
-            </a:p>
-          </p:txBody>
-        </p:sp>
-      </p:grpSp>
-      <p:cxnSp>
-        <p:nvCxnSpPr>
-          <p:cNvPr id="33" name="直接箭头连接符 32"/>
-          <p:cNvCxnSpPr>
-            <a:endCxn id="50" idx="0"/>
-          </p:cNvCxnSpPr>
-          <p:nvPr/>
-        </p:nvCxnSpPr>
-        <p:spPr>
-          <a:xfrm>
-            <a:off x="2653030" y="2457450"/>
-            <a:ext cx="730885" cy="923290"/>
-          </a:xfrm>
-          <a:prstGeom prst="straightConnector1">
-            <a:avLst/>
-          </a:prstGeom>
-          <a:ln w="38100">
-            <a:solidFill>
-              <a:srgbClr val="FFBCFF"/>
-            </a:solidFill>
-            <a:tailEnd type="arrow"/>
-          </a:ln>
-        </p:spPr>
-        <p:style>
-          <a:lnRef idx="1">
-            <a:schemeClr val="accent1"/>
-          </a:lnRef>
-          <a:fillRef idx="0">
-            <a:schemeClr val="accent1"/>
-          </a:fillRef>
-          <a:effectRef idx="0">
-            <a:schemeClr val="accent1"/>
-          </a:effectRef>
-          <a:fontRef idx="minor">
-            <a:schemeClr val="tx1"/>
-          </a:fontRef>
-        </p:style>
-      </p:cxnSp>
-      <p:grpSp>
-        <p:nvGrpSpPr>
-          <p:cNvPr id="34" name="组合 33"/>
-          <p:cNvGrpSpPr/>
-          <p:nvPr/>
-        </p:nvGrpSpPr>
-        <p:grpSpPr>
-          <a:xfrm>
-            <a:off x="6911340" y="5349875"/>
-            <a:ext cx="2196465" cy="779145"/>
-            <a:chOff x="3089" y="4589"/>
-            <a:chExt cx="3459" cy="1227"/>
-          </a:xfrm>
-        </p:grpSpPr>
-        <p:sp>
-          <p:nvSpPr>
-            <p:cNvPr id="35" name="矩形 34"/>
-            <p:cNvSpPr/>
-            <p:nvPr/>
-          </p:nvSpPr>
-          <p:spPr>
-            <a:xfrm>
-              <a:off x="3089" y="4589"/>
-              <a:ext cx="3239" cy="1227"/>
-            </a:xfrm>
-            <a:prstGeom prst="rect">
-              <a:avLst/>
-            </a:prstGeom>
-          </p:spPr>
-          <p:style>
-            <a:lnRef idx="2">
-              <a:schemeClr val="accent1"/>
-            </a:lnRef>
-            <a:fillRef idx="1">
-              <a:schemeClr val="lt1"/>
-            </a:fillRef>
-            <a:effectRef idx="0">
-              <a:schemeClr val="accent1"/>
-            </a:effectRef>
-            <a:fontRef idx="minor">
-              <a:schemeClr val="dk1"/>
-            </a:fontRef>
-          </p:style>
-          <p:txBody>
-            <a:bodyPr rtlCol="0" anchor="ctr"/>
-            <a:p>
-              <a:pPr algn="ctr"/>
-              <a:endParaRPr lang="zh-CN" altLang="en-US"/>
-            </a:p>
-          </p:txBody>
-        </p:sp>
-        <p:cxnSp>
-          <p:nvCxnSpPr>
-            <p:cNvPr id="36" name="直接连接符 35"/>
-            <p:cNvCxnSpPr/>
-            <p:nvPr/>
-          </p:nvCxnSpPr>
-          <p:spPr>
-            <a:xfrm flipH="1">
-              <a:off x="4208" y="4616"/>
-              <a:ext cx="1" cy="1200"/>
-            </a:xfrm>
-            <a:prstGeom prst="line">
-              <a:avLst/>
-            </a:prstGeom>
-          </p:spPr>
-          <p:style>
-            <a:lnRef idx="1">
-              <a:schemeClr val="accent1"/>
-            </a:lnRef>
-            <a:fillRef idx="0">
-              <a:schemeClr val="accent1"/>
-            </a:fillRef>
-            <a:effectRef idx="0">
-              <a:schemeClr val="accent1"/>
-            </a:effectRef>
-            <a:fontRef idx="minor">
-              <a:schemeClr val="tx1"/>
-            </a:fontRef>
-          </p:style>
-        </p:cxnSp>
-        <p:cxnSp>
-          <p:nvCxnSpPr>
-            <p:cNvPr id="37" name="直接连接符 36"/>
-            <p:cNvCxnSpPr/>
-            <p:nvPr/>
-          </p:nvCxnSpPr>
-          <p:spPr>
-            <a:xfrm>
-              <a:off x="5144" y="4589"/>
-              <a:ext cx="0" cy="1220"/>
-            </a:xfrm>
-            <a:prstGeom prst="line">
-              <a:avLst/>
-            </a:prstGeom>
-          </p:spPr>
-          <p:style>
-            <a:lnRef idx="1">
-              <a:schemeClr val="accent1"/>
-            </a:lnRef>
-            <a:fillRef idx="0">
-              <a:schemeClr val="accent1"/>
-            </a:fillRef>
-            <a:effectRef idx="0">
-              <a:schemeClr val="accent1"/>
-            </a:effectRef>
-            <a:fontRef idx="minor">
-              <a:schemeClr val="tx1"/>
-            </a:fontRef>
-          </p:style>
-        </p:cxnSp>
-        <p:sp>
-          <p:nvSpPr>
-            <p:cNvPr id="38" name="文本框 37"/>
-            <p:cNvSpPr txBox="1"/>
-            <p:nvPr/>
-          </p:nvSpPr>
-          <p:spPr>
-            <a:xfrm>
-              <a:off x="4220" y="4800"/>
-              <a:ext cx="1147" cy="580"/>
-            </a:xfrm>
-            <a:prstGeom prst="rect">
-              <a:avLst/>
-            </a:prstGeom>
-            <a:noFill/>
-          </p:spPr>
-          <p:txBody>
-            <a:bodyPr wrap="square" rtlCol="0">
-              <a:spAutoFit/>
-            </a:bodyPr>
-            <a:p>
-              <a:r>
-                <a:rPr lang="en-US" altLang="zh-CN"/>
-                <a:t>37</a:t>
-              </a:r>
-              <a:endParaRPr lang="en-US" altLang="zh-CN"/>
-            </a:p>
-          </p:txBody>
-        </p:sp>
-        <p:sp>
-          <p:nvSpPr>
-            <p:cNvPr id="39" name="文本框 38"/>
-            <p:cNvSpPr txBox="1"/>
-            <p:nvPr/>
-          </p:nvSpPr>
-          <p:spPr>
-            <a:xfrm>
-              <a:off x="3089" y="4674"/>
-              <a:ext cx="1118" cy="1016"/>
-            </a:xfrm>
-            <a:prstGeom prst="rect">
-              <a:avLst/>
-            </a:prstGeom>
-            <a:noFill/>
-          </p:spPr>
-          <p:txBody>
-            <a:bodyPr wrap="square" rtlCol="0">
-              <a:spAutoFit/>
-            </a:bodyPr>
-            <a:p>
-              <a:r>
-                <a:rPr lang="en-US" altLang="zh-CN"/>
-                <a:t>prev</a:t>
-              </a:r>
-              <a:r>
-                <a:rPr lang="zh-CN" altLang="en-US"/>
-                <a:t>指针</a:t>
-              </a:r>
-              <a:endParaRPr lang="zh-CN" altLang="en-US"/>
-            </a:p>
-          </p:txBody>
-        </p:sp>
-        <p:sp>
-          <p:nvSpPr>
-            <p:cNvPr id="40" name="文本框 39"/>
-            <p:cNvSpPr txBox="1"/>
-            <p:nvPr/>
-          </p:nvSpPr>
-          <p:spPr>
-            <a:xfrm>
-              <a:off x="5366" y="4800"/>
-              <a:ext cx="1182" cy="1016"/>
-            </a:xfrm>
-            <a:prstGeom prst="rect">
-              <a:avLst/>
-            </a:prstGeom>
-            <a:noFill/>
-          </p:spPr>
-          <p:txBody>
-            <a:bodyPr wrap="square" rtlCol="0">
-              <a:spAutoFit/>
-            </a:bodyPr>
-            <a:p>
-              <a:r>
-                <a:rPr lang="en-US" altLang="zh-CN"/>
-                <a:t>next</a:t>
-              </a:r>
-              <a:r>
-                <a:rPr lang="zh-CN" altLang="en-US"/>
-                <a:t>指针</a:t>
-              </a:r>
-              <a:endParaRPr lang="zh-CN" altLang="en-US"/>
-            </a:p>
-          </p:txBody>
-        </p:sp>
-      </p:grpSp>
-      <p:cxnSp>
-        <p:nvCxnSpPr>
-          <p:cNvPr id="41" name="直接箭头连接符 40"/>
-          <p:cNvCxnSpPr>
-            <a:stCxn id="32" idx="3"/>
-          </p:cNvCxnSpPr>
-          <p:nvPr/>
-        </p:nvCxnSpPr>
-        <p:spPr>
-          <a:xfrm>
-            <a:off x="7051040" y="4852035"/>
-            <a:ext cx="893445" cy="551815"/>
-          </a:xfrm>
-          <a:prstGeom prst="straightConnector1">
-            <a:avLst/>
-          </a:prstGeom>
-          <a:ln w="38100">
-            <a:tailEnd type="arrow"/>
-          </a:ln>
-        </p:spPr>
-        <p:style>
-          <a:lnRef idx="1">
-            <a:schemeClr val="accent1"/>
-          </a:lnRef>
-          <a:fillRef idx="0">
-            <a:schemeClr val="accent1"/>
-          </a:fillRef>
-          <a:effectRef idx="0">
-            <a:schemeClr val="accent1"/>
-          </a:effectRef>
-          <a:fontRef idx="minor">
-            <a:schemeClr val="tx1"/>
-          </a:fontRef>
-        </p:style>
-      </p:cxnSp>
-      <p:cxnSp>
-        <p:nvCxnSpPr>
-          <p:cNvPr id="46" name="直接箭头连接符 45"/>
-          <p:cNvCxnSpPr>
-            <a:stCxn id="31" idx="1"/>
-            <a:endCxn id="53" idx="2"/>
-          </p:cNvCxnSpPr>
-          <p:nvPr/>
-        </p:nvCxnSpPr>
-        <p:spPr>
-          <a:xfrm flipH="1" flipV="1">
-            <a:off x="3366770" y="4159885"/>
-            <a:ext cx="1487805" cy="612140"/>
-          </a:xfrm>
-          <a:prstGeom prst="straightConnector1">
-            <a:avLst/>
-          </a:prstGeom>
-          <a:ln w="38100">
-            <a:solidFill>
-              <a:srgbClr val="F7A200"/>
-            </a:solidFill>
-            <a:tailEnd type="arrow"/>
-          </a:ln>
-        </p:spPr>
-        <p:style>
-          <a:lnRef idx="1">
-            <a:schemeClr val="accent1"/>
-          </a:lnRef>
-          <a:fillRef idx="0">
-            <a:schemeClr val="accent1"/>
-          </a:fillRef>
-          <a:effectRef idx="0">
-            <a:schemeClr val="accent1"/>
-          </a:effectRef>
-          <a:fontRef idx="minor">
-            <a:schemeClr val="tx1"/>
-          </a:fontRef>
-        </p:style>
-      </p:cxnSp>
-      <p:cxnSp>
-        <p:nvCxnSpPr>
-          <p:cNvPr id="47" name="直接箭头连接符 46"/>
-          <p:cNvCxnSpPr>
-            <a:stCxn id="39" idx="1"/>
-            <a:endCxn id="30" idx="2"/>
-          </p:cNvCxnSpPr>
-          <p:nvPr/>
-        </p:nvCxnSpPr>
-        <p:spPr>
-          <a:xfrm flipH="1" flipV="1">
-            <a:off x="5937250" y="5174615"/>
-            <a:ext cx="974090" cy="551815"/>
-          </a:xfrm>
-          <a:prstGeom prst="straightConnector1">
-            <a:avLst/>
-          </a:prstGeom>
-          <a:ln w="38100">
-            <a:solidFill>
-              <a:srgbClr val="FF0000"/>
-            </a:solidFill>
-            <a:tailEnd type="arrow"/>
-          </a:ln>
-        </p:spPr>
-        <p:style>
-          <a:lnRef idx="1">
-            <a:schemeClr val="accent1"/>
-          </a:lnRef>
-          <a:fillRef idx="0">
-            <a:schemeClr val="accent1"/>
-          </a:fillRef>
-          <a:effectRef idx="0">
-            <a:schemeClr val="accent1"/>
-          </a:effectRef>
-          <a:fontRef idx="minor">
-            <a:schemeClr val="tx1"/>
-          </a:fontRef>
-        </p:style>
-      </p:cxnSp>
-      <p:cxnSp>
-        <p:nvCxnSpPr>
-          <p:cNvPr id="48" name="直接箭头连接符 47"/>
-          <p:cNvCxnSpPr>
-            <a:stCxn id="40" idx="3"/>
-          </p:cNvCxnSpPr>
-          <p:nvPr/>
-        </p:nvCxnSpPr>
-        <p:spPr>
-          <a:xfrm>
-            <a:off x="9107805" y="5806440"/>
-            <a:ext cx="567690" cy="457835"/>
-          </a:xfrm>
-          <a:prstGeom prst="straightConnector1">
-            <a:avLst/>
-          </a:prstGeom>
-          <a:ln w="38100">
-            <a:tailEnd type="arrow"/>
-          </a:ln>
-        </p:spPr>
-        <p:style>
-          <a:lnRef idx="1">
-            <a:schemeClr val="accent1"/>
-          </a:lnRef>
-          <a:fillRef idx="0">
-            <a:schemeClr val="accent1"/>
-          </a:fillRef>
-          <a:effectRef idx="0">
-            <a:schemeClr val="accent1"/>
-          </a:effectRef>
-          <a:fontRef idx="minor">
-            <a:schemeClr val="tx1"/>
-          </a:fontRef>
-        </p:style>
-      </p:cxnSp>
-      <p:grpSp>
-        <p:nvGrpSpPr>
-          <p:cNvPr id="49" name="组合 48"/>
-          <p:cNvGrpSpPr/>
-          <p:nvPr/>
-        </p:nvGrpSpPr>
-        <p:grpSpPr>
-          <a:xfrm>
-            <a:off x="2355215" y="3380740"/>
-            <a:ext cx="2196465" cy="779145"/>
-            <a:chOff x="3089" y="4589"/>
-            <a:chExt cx="3459" cy="1227"/>
-          </a:xfrm>
-        </p:grpSpPr>
-        <p:sp>
-          <p:nvSpPr>
-            <p:cNvPr id="50" name="矩形 49"/>
-            <p:cNvSpPr/>
-            <p:nvPr/>
-          </p:nvSpPr>
-          <p:spPr>
-            <a:xfrm>
-              <a:off x="3089" y="4589"/>
-              <a:ext cx="3239" cy="1227"/>
-            </a:xfrm>
-            <a:prstGeom prst="rect">
-              <a:avLst/>
-            </a:prstGeom>
-          </p:spPr>
-          <p:style>
-            <a:lnRef idx="2">
-              <a:schemeClr val="accent1"/>
-            </a:lnRef>
-            <a:fillRef idx="1">
-              <a:schemeClr val="lt1"/>
-            </a:fillRef>
-            <a:effectRef idx="0">
-              <a:schemeClr val="accent1"/>
-            </a:effectRef>
-            <a:fontRef idx="minor">
-              <a:schemeClr val="dk1"/>
-            </a:fontRef>
-          </p:style>
-          <p:txBody>
-            <a:bodyPr rtlCol="0" anchor="ctr"/>
-            <a:p>
-              <a:pPr algn="ctr"/>
-              <a:endParaRPr lang="zh-CN" altLang="en-US"/>
-            </a:p>
-          </p:txBody>
-        </p:sp>
-        <p:cxnSp>
-          <p:nvCxnSpPr>
-            <p:cNvPr id="51" name="直接连接符 50"/>
-            <p:cNvCxnSpPr/>
-            <p:nvPr/>
-          </p:nvCxnSpPr>
-          <p:spPr>
-            <a:xfrm flipH="1">
-              <a:off x="4208" y="4616"/>
-              <a:ext cx="1" cy="1200"/>
-            </a:xfrm>
-            <a:prstGeom prst="line">
-              <a:avLst/>
-            </a:prstGeom>
-          </p:spPr>
-          <p:style>
-            <a:lnRef idx="1">
-              <a:schemeClr val="accent1"/>
-            </a:lnRef>
-            <a:fillRef idx="0">
-              <a:schemeClr val="accent1"/>
-            </a:fillRef>
-            <a:effectRef idx="0">
-              <a:schemeClr val="accent1"/>
-            </a:effectRef>
-            <a:fontRef idx="minor">
-              <a:schemeClr val="tx1"/>
-            </a:fontRef>
-          </p:style>
-        </p:cxnSp>
-        <p:cxnSp>
-          <p:nvCxnSpPr>
-            <p:cNvPr id="52" name="直接连接符 51"/>
-            <p:cNvCxnSpPr/>
-            <p:nvPr/>
-          </p:nvCxnSpPr>
-          <p:spPr>
-            <a:xfrm>
-              <a:off x="5144" y="4589"/>
-              <a:ext cx="0" cy="1220"/>
-            </a:xfrm>
-            <a:prstGeom prst="line">
-              <a:avLst/>
-            </a:prstGeom>
-          </p:spPr>
-          <p:style>
-            <a:lnRef idx="1">
-              <a:schemeClr val="accent1"/>
-            </a:lnRef>
-            <a:fillRef idx="0">
-              <a:schemeClr val="accent1"/>
-            </a:fillRef>
-            <a:effectRef idx="0">
-              <a:schemeClr val="accent1"/>
-            </a:effectRef>
-            <a:fontRef idx="minor">
-              <a:schemeClr val="tx1"/>
-            </a:fontRef>
-          </p:style>
-        </p:cxnSp>
-        <p:sp>
-          <p:nvSpPr>
-            <p:cNvPr id="53" name="文本框 52"/>
-            <p:cNvSpPr txBox="1"/>
-            <p:nvPr/>
-          </p:nvSpPr>
-          <p:spPr>
-            <a:xfrm>
-              <a:off x="4220" y="4800"/>
-              <a:ext cx="923" cy="1016"/>
-            </a:xfrm>
-            <a:prstGeom prst="rect">
-              <a:avLst/>
-            </a:prstGeom>
-            <a:noFill/>
-          </p:spPr>
-          <p:txBody>
-            <a:bodyPr wrap="square" rtlCol="0">
-              <a:spAutoFit/>
-            </a:bodyPr>
-            <a:p>
-              <a:r>
-                <a:rPr lang="en-US" altLang="zh-CN"/>
-                <a:t>tmp</a:t>
-              </a:r>
-              <a:endParaRPr lang="en-US" altLang="zh-CN"/>
-            </a:p>
-            <a:p>
-              <a:endParaRPr lang="en-US" altLang="zh-CN"/>
-            </a:p>
-          </p:txBody>
-        </p:sp>
-        <p:sp>
-          <p:nvSpPr>
-            <p:cNvPr id="54" name="文本框 53"/>
-            <p:cNvSpPr txBox="1"/>
-            <p:nvPr/>
-          </p:nvSpPr>
-          <p:spPr>
-            <a:xfrm>
-              <a:off x="3089" y="4674"/>
-              <a:ext cx="1118" cy="1016"/>
-            </a:xfrm>
-            <a:prstGeom prst="rect">
-              <a:avLst/>
-            </a:prstGeom>
-            <a:noFill/>
-          </p:spPr>
-          <p:txBody>
-            <a:bodyPr wrap="square" rtlCol="0">
-              <a:spAutoFit/>
-            </a:bodyPr>
-            <a:p>
-              <a:r>
-                <a:rPr lang="en-US" altLang="zh-CN"/>
-                <a:t>prev</a:t>
-              </a:r>
-              <a:r>
-                <a:rPr lang="zh-CN" altLang="en-US"/>
-                <a:t>指针</a:t>
-              </a:r>
-              <a:endParaRPr lang="zh-CN" altLang="en-US"/>
-            </a:p>
-          </p:txBody>
-        </p:sp>
-        <p:sp>
-          <p:nvSpPr>
-            <p:cNvPr id="55" name="文本框 54"/>
-            <p:cNvSpPr txBox="1"/>
-            <p:nvPr/>
-          </p:nvSpPr>
-          <p:spPr>
-            <a:xfrm>
-              <a:off x="5366" y="4800"/>
-              <a:ext cx="1182" cy="1016"/>
-            </a:xfrm>
-            <a:prstGeom prst="rect">
-              <a:avLst/>
-            </a:prstGeom>
-            <a:noFill/>
-          </p:spPr>
-          <p:txBody>
-            <a:bodyPr wrap="square" rtlCol="0">
-              <a:spAutoFit/>
-            </a:bodyPr>
-            <a:p>
-              <a:r>
-                <a:rPr lang="en-US" altLang="zh-CN"/>
-                <a:t>next</a:t>
-              </a:r>
-              <a:r>
-                <a:rPr lang="zh-CN" altLang="en-US"/>
-                <a:t>指针</a:t>
-              </a:r>
-              <a:endParaRPr lang="zh-CN" altLang="en-US"/>
-            </a:p>
-          </p:txBody>
-        </p:sp>
-      </p:grpSp>
-      <p:sp>
-        <p:nvSpPr>
-          <p:cNvPr id="56" name="文本框 55"/>
-          <p:cNvSpPr txBox="1"/>
-          <p:nvPr/>
-        </p:nvSpPr>
-        <p:spPr>
-          <a:xfrm>
-            <a:off x="7279005" y="1955165"/>
-            <a:ext cx="4194810" cy="2306955"/>
-          </a:xfrm>
-          <a:prstGeom prst="rect">
-            <a:avLst/>
-          </a:prstGeom>
-          <a:noFill/>
-        </p:spPr>
-        <p:txBody>
-          <a:bodyPr wrap="square" rtlCol="0">
-            <a:spAutoFit/>
-          </a:bodyPr>
-          <a:p>
-            <a:r>
-              <a:rPr lang="zh-CN" altLang="en-US" sz="2400"/>
-              <a:t>插入新的节点</a:t>
-            </a:r>
-            <a:r>
-              <a:rPr lang="en-US" altLang="zh-CN" sz="2400"/>
-              <a:t>tmp</a:t>
-            </a:r>
-            <a:r>
-              <a:rPr lang="zh-CN" altLang="en-US" sz="2400"/>
-              <a:t>：</a:t>
-            </a:r>
-            <a:endParaRPr lang="zh-CN" altLang="en-US" sz="2400"/>
-          </a:p>
-          <a:p>
-            <a:r>
-              <a:rPr lang="en-US" altLang="zh-CN" sz="2400">
-                <a:solidFill>
-                  <a:srgbClr val="FF0000"/>
-                </a:solidFill>
-              </a:rPr>
-              <a:t>step2</a:t>
-            </a:r>
-            <a:r>
-              <a:rPr lang="zh-CN" altLang="en-US" sz="2400">
-                <a:solidFill>
-                  <a:srgbClr val="FF0000"/>
-                </a:solidFill>
-              </a:rPr>
-              <a:t>：将</a:t>
-            </a:r>
-            <a:r>
-              <a:rPr lang="en-US" altLang="zh-CN" sz="2400">
-                <a:solidFill>
-                  <a:srgbClr val="FF0000"/>
-                </a:solidFill>
-              </a:rPr>
-              <a:t>head</a:t>
-            </a:r>
-            <a:r>
-              <a:rPr lang="zh-CN" altLang="en-US" sz="2400">
-                <a:solidFill>
-                  <a:srgbClr val="FF0000"/>
-                </a:solidFill>
-              </a:rPr>
-              <a:t>和</a:t>
-            </a:r>
-            <a:endParaRPr lang="zh-CN" altLang="en-US" sz="2400">
-              <a:solidFill>
-                <a:srgbClr val="FF0000"/>
-              </a:solidFill>
-            </a:endParaRPr>
-          </a:p>
-          <a:p>
-            <a:r>
-              <a:rPr lang="en-US" altLang="zh-CN" sz="2400">
-                <a:solidFill>
-                  <a:srgbClr val="FF0000"/>
-                </a:solidFill>
-              </a:rPr>
-              <a:t>head-&gt;next</a:t>
-            </a:r>
-            <a:r>
-              <a:rPr lang="zh-CN" altLang="en-US" sz="2400">
-                <a:solidFill>
-                  <a:srgbClr val="FF0000"/>
-                </a:solidFill>
-              </a:rPr>
-              <a:t>与</a:t>
-            </a:r>
-            <a:r>
-              <a:rPr lang="en-US" altLang="zh-CN" sz="2400">
-                <a:solidFill>
-                  <a:srgbClr val="FF0000"/>
-                </a:solidFill>
-              </a:rPr>
-              <a:t>tmp</a:t>
-            </a:r>
-            <a:r>
-              <a:rPr lang="zh-CN" altLang="en-US" sz="2400">
-                <a:solidFill>
-                  <a:srgbClr val="FF0000"/>
-                </a:solidFill>
-              </a:rPr>
-              <a:t>链接起来</a:t>
-            </a:r>
-            <a:endParaRPr lang="zh-CN" altLang="en-US" sz="2400">
-              <a:solidFill>
-                <a:srgbClr val="FF0000"/>
-              </a:solidFill>
-            </a:endParaRPr>
-          </a:p>
-          <a:p>
-            <a:r>
-              <a:rPr lang="en-US" altLang="zh-CN" sz="2400">
-                <a:solidFill>
-                  <a:srgbClr val="F6A200"/>
-                </a:solidFill>
-              </a:rPr>
-              <a:t>3.if(head-&gt;next)</a:t>
-            </a:r>
-            <a:endParaRPr lang="en-US" altLang="zh-CN" sz="2400">
-              <a:solidFill>
-                <a:srgbClr val="F6A200"/>
-              </a:solidFill>
-            </a:endParaRPr>
-          </a:p>
-          <a:p>
-            <a:r>
-              <a:rPr lang="en-US" altLang="zh-CN" sz="2400">
-                <a:solidFill>
-                  <a:srgbClr val="F6A200"/>
-                </a:solidFill>
-              </a:rPr>
-              <a:t>        head-&gt;next-&gt;prev = tmp</a:t>
-            </a:r>
-            <a:endParaRPr lang="en-US" altLang="zh-CN" sz="2400">
-              <a:solidFill>
-                <a:srgbClr val="F6A200"/>
-              </a:solidFill>
-            </a:endParaRPr>
-          </a:p>
-          <a:p>
-            <a:r>
-              <a:rPr lang="en-US" altLang="zh-CN" sz="2400">
-                <a:solidFill>
-                  <a:srgbClr val="FF99FF"/>
-                </a:solidFill>
-              </a:rPr>
-              <a:t>4.head-&gt;next = tmp</a:t>
-            </a:r>
-            <a:endParaRPr lang="en-US" altLang="zh-CN" sz="2400">
-              <a:solidFill>
-                <a:srgbClr val="FF99FF"/>
-              </a:solidFill>
-            </a:endParaRPr>
-          </a:p>
-        </p:txBody>
-      </p:sp>
-      <p:cxnSp>
-        <p:nvCxnSpPr>
-          <p:cNvPr id="58" name="直接箭头连接符 57"/>
-          <p:cNvCxnSpPr>
-            <a:stCxn id="54" idx="1"/>
-            <a:endCxn id="8" idx="2"/>
-          </p:cNvCxnSpPr>
-          <p:nvPr/>
-        </p:nvCxnSpPr>
-        <p:spPr>
-          <a:xfrm flipH="1" flipV="1">
-            <a:off x="1803400" y="2734310"/>
-            <a:ext cx="551815" cy="1022985"/>
-          </a:xfrm>
-          <a:prstGeom prst="straightConnector1">
-            <a:avLst/>
-          </a:prstGeom>
-          <a:ln w="38100">
-            <a:solidFill>
-              <a:srgbClr val="7030A0"/>
-            </a:solidFill>
-            <a:tailEnd type="arrow"/>
-          </a:ln>
-        </p:spPr>
-        <p:style>
-          <a:lnRef idx="1">
-            <a:schemeClr val="accent1"/>
-          </a:lnRef>
-          <a:fillRef idx="0">
-            <a:schemeClr val="accent1"/>
-          </a:fillRef>
-          <a:effectRef idx="0">
-            <a:schemeClr val="accent1"/>
-          </a:effectRef>
-          <a:fontRef idx="minor">
-            <a:schemeClr val="tx1"/>
-          </a:fontRef>
-        </p:style>
-      </p:cxnSp>
-      <p:cxnSp>
-        <p:nvCxnSpPr>
-          <p:cNvPr id="2" name="直接箭头连接符 1"/>
-          <p:cNvCxnSpPr>
-            <a:endCxn id="27" idx="0"/>
-          </p:cNvCxnSpPr>
-          <p:nvPr/>
-        </p:nvCxnSpPr>
-        <p:spPr>
-          <a:xfrm>
-            <a:off x="4392930" y="3884930"/>
-            <a:ext cx="1490345" cy="510540"/>
-          </a:xfrm>
-          <a:prstGeom prst="straightConnector1">
-            <a:avLst/>
-          </a:prstGeom>
-          <a:ln w="38100">
-            <a:solidFill>
-              <a:srgbClr val="00B050"/>
-            </a:solidFill>
-            <a:tailEnd type="arrow"/>
-          </a:ln>
-        </p:spPr>
-        <p:style>
-          <a:lnRef idx="1">
-            <a:schemeClr val="accent1"/>
-          </a:lnRef>
-          <a:fillRef idx="0">
-            <a:schemeClr val="accent1"/>
-          </a:fillRef>
-          <a:effectRef idx="0">
-            <a:schemeClr val="accent1"/>
-          </a:effectRef>
-          <a:fontRef idx="minor">
-            <a:schemeClr val="tx1"/>
-          </a:fontRef>
-        </p:style>
-      </p:cxnSp>
-    </p:spTree>
-  </p:cSld>
-  <p:clrMapOvr>
-    <a:masterClrMapping/>
-  </p:clrMapOvr>
-</p:sld>
-</file>
-
-<file path=ppt/slides/slide20.xml><?xml version="1.0" encoding="utf-8"?>
+<file path=ppt/slides/slide22.xml><?xml version="1.0" encoding="utf-8"?>
 <p:sld xmlns:a="http://schemas.openxmlformats.org/drawingml/2006/main" xmlns:r="http://schemas.openxmlformats.org/officeDocument/2006/relationships" xmlns:p="http://schemas.openxmlformats.org/presentationml/2006/main">
   <p:cSld>
     <p:spTree>
@@ -19207,7 +21968,7 @@
         </p:nvGrpSpPr>
         <p:grpSpPr>
           <a:xfrm>
-            <a:off x="6419215" y="2812415"/>
+            <a:off x="6419215" y="2740025"/>
             <a:ext cx="5399405" cy="4027170"/>
             <a:chOff x="10260" y="4344"/>
             <a:chExt cx="8503" cy="6342"/>
@@ -20468,7 +23229,7 @@
         <p:spPr>
           <a:xfrm>
             <a:off x="5879465" y="1316990"/>
-            <a:ext cx="5695950" cy="645160"/>
+            <a:ext cx="5695950" cy="1014730"/>
           </a:xfrm>
           <a:prstGeom prst="rect">
             <a:avLst/>
@@ -20481,65 +23242,65 @@
           </a:bodyPr>
           <a:p>
             <a:r>
-              <a:rPr lang="en-US" altLang="zh-CN"/>
+              <a:rPr lang="en-US" altLang="zh-CN" sz="2000"/>
               <a:t>1.node</a:t>
             </a:r>
             <a:r>
-              <a:rPr lang="zh-CN" altLang="en-US"/>
+              <a:rPr lang="zh-CN" altLang="en-US" sz="2000"/>
               <a:t>节点输出</a:t>
             </a:r>
             <a:r>
-              <a:rPr lang="en-US" altLang="zh-CN"/>
+              <a:rPr lang="en-US" altLang="zh-CN" sz="2000"/>
               <a:t>val</a:t>
             </a:r>
             <a:r>
-              <a:rPr lang="zh-CN" altLang="en-US"/>
+              <a:rPr lang="zh-CN" altLang="en-US" sz="2000"/>
               <a:t>，然后</a:t>
             </a:r>
             <a:r>
-              <a:rPr lang="en-US" altLang="zh-CN"/>
+              <a:rPr lang="en-US" altLang="zh-CN" sz="2000"/>
               <a:t>node-&gt;left</a:t>
             </a:r>
             <a:r>
-              <a:rPr lang="zh-CN" altLang="en-US"/>
+              <a:rPr lang="zh-CN" altLang="en-US" sz="2000"/>
               <a:t>入栈直至</a:t>
             </a:r>
             <a:r>
-              <a:rPr lang="en-US" altLang="zh-CN"/>
+              <a:rPr lang="en-US" altLang="zh-CN" sz="2000"/>
               <a:t>NULL</a:t>
             </a:r>
             <a:br>
-              <a:rPr lang="zh-CN" altLang="en-US"/>
+              <a:rPr lang="zh-CN" altLang="en-US" sz="2000"/>
             </a:br>
             <a:r>
-              <a:rPr lang="en-US" altLang="zh-CN"/>
+              <a:rPr lang="en-US" altLang="zh-CN" sz="2000"/>
               <a:t>2.pop</a:t>
             </a:r>
             <a:r>
-              <a:rPr lang="zh-CN" altLang="en-US"/>
+              <a:rPr lang="zh-CN" altLang="en-US" sz="2000"/>
               <a:t>回溯，直至有</a:t>
             </a:r>
             <a:r>
-              <a:rPr lang="en-US" altLang="zh-CN"/>
+              <a:rPr lang="en-US" altLang="zh-CN" sz="2000"/>
               <a:t>right</a:t>
             </a:r>
             <a:r>
-              <a:rPr lang="zh-CN" altLang="en-US"/>
+              <a:rPr lang="zh-CN" altLang="en-US" sz="2000"/>
               <a:t>节点，将</a:t>
             </a:r>
             <a:r>
-              <a:rPr lang="en-US" altLang="zh-CN"/>
+              <a:rPr lang="en-US" altLang="zh-CN" sz="2000"/>
               <a:t>right</a:t>
             </a:r>
             <a:r>
-              <a:rPr lang="zh-CN" altLang="en-US"/>
+              <a:rPr lang="zh-CN" altLang="en-US" sz="2000"/>
               <a:t>入栈再执行步骤</a:t>
             </a:r>
             <a:r>
-              <a:rPr lang="en-US" altLang="zh-CN"/>
+              <a:rPr lang="en-US" altLang="zh-CN" sz="2000"/>
               <a:t>1</a:t>
             </a:r>
-            <a:endParaRPr lang="en-US" altLang="zh-CN"/>
+            <a:endParaRPr lang="en-US" altLang="zh-CN" sz="2000"/>
           </a:p>
         </p:txBody>
       </p:sp>
@@ -20551,7 +23312,7 @@
 </p:sld>
 </file>
 
-<file path=ppt/slides/slide21.xml><?xml version="1.0" encoding="utf-8"?>
+<file path=ppt/slides/slide23.xml><?xml version="1.0" encoding="utf-8"?>
 <p:sld xmlns:a="http://schemas.openxmlformats.org/drawingml/2006/main" xmlns:r="http://schemas.openxmlformats.org/officeDocument/2006/relationships" xmlns:p="http://schemas.openxmlformats.org/presentationml/2006/main">
   <p:cSld>
     <p:spTree>

--- a/课件/课件素材.pptx
+++ b/课件/课件素材.pptx
@@ -31,6 +31,10 @@
     <p:sldId id="278" r:id="rId23"/>
     <p:sldId id="279" r:id="rId24"/>
     <p:sldId id="280" r:id="rId26"/>
+    <p:sldId id="301" r:id="rId27"/>
+    <p:sldId id="302" r:id="rId28"/>
+    <p:sldId id="304" r:id="rId29"/>
+    <p:sldId id="303" r:id="rId30"/>
   </p:sldIdLst>
   <p:sldSz cx="12192000" cy="6858000"/>
   <p:notesSz cx="6858000" cy="9144000"/>
@@ -14002,25 +14006,7 @@
                 </a:solidFill>
                 <a:sym typeface="+mn-ea"/>
               </a:rPr>
-              <a:t>，往</a:t>
-            </a:r>
-            <a:r>
-              <a:rPr lang="zh-CN" altLang="en-US" sz="2400" b="1">
-                <a:solidFill>
-                  <a:srgbClr val="7030A0"/>
-                </a:solidFill>
-                <a:sym typeface="+mn-ea"/>
-              </a:rPr>
-              <a:t>右</a:t>
-            </a:r>
-            <a:r>
-              <a:rPr lang="zh-CN" altLang="en-US" sz="2400" b="1">
-                <a:solidFill>
-                  <a:srgbClr val="7030A0"/>
-                </a:solidFill>
-                <a:sym typeface="+mn-ea"/>
-              </a:rPr>
-              <a:t>边走</a:t>
+              <a:t>，往右边走</a:t>
             </a:r>
             <a:br>
               <a:rPr lang="zh-CN" altLang="en-US" sz="2400" b="1">
@@ -23356,7 +23342,7 @@
         </p:nvGrpSpPr>
         <p:grpSpPr>
           <a:xfrm>
-            <a:off x="1999615" y="1812290"/>
+            <a:off x="2008505" y="1812290"/>
             <a:ext cx="5551170" cy="3992880"/>
             <a:chOff x="3042" y="1416"/>
             <a:chExt cx="8742" cy="6288"/>
@@ -24149,6 +24135,9079 @@
           </p:style>
         </p:cxnSp>
       </p:grpSp>
+    </p:spTree>
+  </p:cSld>
+  <p:clrMapOvr>
+    <a:masterClrMapping/>
+  </p:clrMapOvr>
+</p:sld>
+</file>
+
+<file path=ppt/slides/slide24.xml><?xml version="1.0" encoding="utf-8"?>
+<p:sld xmlns:a="http://schemas.openxmlformats.org/drawingml/2006/main" xmlns:r="http://schemas.openxmlformats.org/officeDocument/2006/relationships" xmlns:p="http://schemas.openxmlformats.org/presentationml/2006/main">
+  <p:cSld>
+    <p:spTree>
+      <p:nvGrpSpPr>
+        <p:cNvPr id="1" name=""/>
+        <p:cNvGrpSpPr/>
+        <p:nvPr/>
+      </p:nvGrpSpPr>
+      <p:grpSpPr/>
+      <p:sp>
+        <p:nvSpPr>
+          <p:cNvPr id="2" name="标题 1"/>
+          <p:cNvSpPr>
+            <a:spLocks noGrp="1"/>
+          </p:cNvSpPr>
+          <p:nvPr>
+            <p:ph type="title"/>
+          </p:nvPr>
+        </p:nvSpPr>
+        <p:spPr>
+          <a:xfrm>
+            <a:off x="929640" y="352425"/>
+            <a:ext cx="10515600" cy="1325563"/>
+          </a:xfrm>
+        </p:spPr>
+        <p:txBody>
+          <a:bodyPr/>
+          <a:p>
+            <a:r>
+              <a:rPr lang="zh-CN" altLang="zh-CN"/>
+              <a:t>层次遍历</a:t>
+            </a:r>
+            <a:r>
+              <a:rPr lang="en-US" altLang="zh-CN"/>
+              <a:t>:[6]-[4,8]-[2,7,9]-[1,3,10]-[0]</a:t>
+            </a:r>
+            <a:endParaRPr lang="zh-CN" altLang="en-US"/>
+          </a:p>
+        </p:txBody>
+      </p:sp>
+      <p:grpSp>
+        <p:nvGrpSpPr>
+          <p:cNvPr id="25" name="组合 24"/>
+          <p:cNvGrpSpPr/>
+          <p:nvPr/>
+        </p:nvGrpSpPr>
+        <p:grpSpPr>
+          <a:xfrm>
+            <a:off x="263525" y="1995170"/>
+            <a:ext cx="5551170" cy="3992880"/>
+            <a:chOff x="3042" y="1416"/>
+            <a:chExt cx="8742" cy="6288"/>
+          </a:xfrm>
+        </p:grpSpPr>
+        <p:grpSp>
+          <p:nvGrpSpPr>
+            <p:cNvPr id="26" name="组合 25"/>
+            <p:cNvGrpSpPr/>
+            <p:nvPr/>
+          </p:nvGrpSpPr>
+          <p:grpSpPr>
+            <a:xfrm>
+              <a:off x="3042" y="1416"/>
+              <a:ext cx="8743" cy="6288"/>
+              <a:chOff x="2978" y="1480"/>
+              <a:chExt cx="8743" cy="6288"/>
+            </a:xfrm>
+          </p:grpSpPr>
+          <p:sp>
+            <p:nvSpPr>
+              <p:cNvPr id="27" name="椭圆 26"/>
+              <p:cNvSpPr/>
+              <p:nvPr/>
+            </p:nvSpPr>
+            <p:spPr>
+              <a:xfrm>
+                <a:off x="7492" y="1480"/>
+                <a:ext cx="687" cy="709"/>
+              </a:xfrm>
+              <a:prstGeom prst="ellipse">
+                <a:avLst/>
+              </a:prstGeom>
+              <a:ln w="28575"/>
+            </p:spPr>
+            <p:style>
+              <a:lnRef idx="2">
+                <a:schemeClr val="accent1"/>
+              </a:lnRef>
+              <a:fillRef idx="1">
+                <a:schemeClr val="lt1"/>
+              </a:fillRef>
+              <a:effectRef idx="0">
+                <a:schemeClr val="accent1"/>
+              </a:effectRef>
+              <a:fontRef idx="minor">
+                <a:schemeClr val="dk1"/>
+              </a:fontRef>
+            </p:style>
+            <p:txBody>
+              <a:bodyPr rtlCol="0" anchor="ctr"/>
+              <a:p>
+                <a:pPr algn="ctr"/>
+                <a:r>
+                  <a:rPr lang="en-US" altLang="zh-CN"/>
+                  <a:t>6</a:t>
+                </a:r>
+                <a:endParaRPr lang="en-US" altLang="zh-CN"/>
+              </a:p>
+            </p:txBody>
+          </p:sp>
+          <p:sp>
+            <p:nvSpPr>
+              <p:cNvPr id="28" name="椭圆 27"/>
+              <p:cNvSpPr/>
+              <p:nvPr/>
+            </p:nvSpPr>
+            <p:spPr>
+              <a:xfrm>
+                <a:off x="6181" y="2663"/>
+                <a:ext cx="687" cy="709"/>
+              </a:xfrm>
+              <a:prstGeom prst="ellipse">
+                <a:avLst/>
+              </a:prstGeom>
+              <a:ln w="28575"/>
+            </p:spPr>
+            <p:style>
+              <a:lnRef idx="2">
+                <a:schemeClr val="accent1"/>
+              </a:lnRef>
+              <a:fillRef idx="1">
+                <a:schemeClr val="lt1"/>
+              </a:fillRef>
+              <a:effectRef idx="0">
+                <a:schemeClr val="accent1"/>
+              </a:effectRef>
+              <a:fontRef idx="minor">
+                <a:schemeClr val="dk1"/>
+              </a:fontRef>
+            </p:style>
+            <p:txBody>
+              <a:bodyPr rtlCol="0" anchor="ctr"/>
+              <a:p>
+                <a:pPr algn="ctr"/>
+                <a:r>
+                  <a:rPr lang="en-US" altLang="zh-CN"/>
+                  <a:t>4</a:t>
+                </a:r>
+                <a:endParaRPr lang="en-US" altLang="zh-CN"/>
+              </a:p>
+            </p:txBody>
+          </p:sp>
+          <p:sp>
+            <p:nvSpPr>
+              <p:cNvPr id="29" name="椭圆 28"/>
+              <p:cNvSpPr/>
+              <p:nvPr/>
+            </p:nvSpPr>
+            <p:spPr>
+              <a:xfrm>
+                <a:off x="8995" y="2663"/>
+                <a:ext cx="687" cy="709"/>
+              </a:xfrm>
+              <a:prstGeom prst="ellipse">
+                <a:avLst/>
+              </a:prstGeom>
+              <a:ln w="28575"/>
+            </p:spPr>
+            <p:style>
+              <a:lnRef idx="2">
+                <a:schemeClr val="accent1"/>
+              </a:lnRef>
+              <a:fillRef idx="1">
+                <a:schemeClr val="lt1"/>
+              </a:fillRef>
+              <a:effectRef idx="0">
+                <a:schemeClr val="accent1"/>
+              </a:effectRef>
+              <a:fontRef idx="minor">
+                <a:schemeClr val="dk1"/>
+              </a:fontRef>
+            </p:style>
+            <p:txBody>
+              <a:bodyPr rtlCol="0" anchor="ctr"/>
+              <a:p>
+                <a:pPr algn="ctr"/>
+                <a:r>
+                  <a:rPr lang="en-US" altLang="zh-CN"/>
+                  <a:t>8</a:t>
+                </a:r>
+                <a:endParaRPr lang="en-US" altLang="zh-CN"/>
+              </a:p>
+            </p:txBody>
+          </p:sp>
+          <p:sp>
+            <p:nvSpPr>
+              <p:cNvPr id="30" name="椭圆 29"/>
+              <p:cNvSpPr/>
+              <p:nvPr/>
+            </p:nvSpPr>
+            <p:spPr>
+              <a:xfrm>
+                <a:off x="5095" y="4104"/>
+                <a:ext cx="687" cy="709"/>
+              </a:xfrm>
+              <a:prstGeom prst="ellipse">
+                <a:avLst/>
+              </a:prstGeom>
+              <a:ln w="28575"/>
+            </p:spPr>
+            <p:style>
+              <a:lnRef idx="2">
+                <a:schemeClr val="accent1"/>
+              </a:lnRef>
+              <a:fillRef idx="1">
+                <a:schemeClr val="lt1"/>
+              </a:fillRef>
+              <a:effectRef idx="0">
+                <a:schemeClr val="accent1"/>
+              </a:effectRef>
+              <a:fontRef idx="minor">
+                <a:schemeClr val="dk1"/>
+              </a:fontRef>
+            </p:style>
+            <p:txBody>
+              <a:bodyPr rtlCol="0" anchor="ctr"/>
+              <a:p>
+                <a:pPr algn="ctr"/>
+                <a:r>
+                  <a:rPr lang="en-US" altLang="zh-CN"/>
+                  <a:t>2</a:t>
+                </a:r>
+                <a:endParaRPr lang="en-US" altLang="zh-CN"/>
+              </a:p>
+            </p:txBody>
+          </p:sp>
+          <p:sp>
+            <p:nvSpPr>
+              <p:cNvPr id="31" name="椭圆 30"/>
+              <p:cNvSpPr/>
+              <p:nvPr/>
+            </p:nvSpPr>
+            <p:spPr>
+              <a:xfrm>
+                <a:off x="6031" y="5513"/>
+                <a:ext cx="687" cy="709"/>
+              </a:xfrm>
+              <a:prstGeom prst="ellipse">
+                <a:avLst/>
+              </a:prstGeom>
+              <a:ln w="28575"/>
+            </p:spPr>
+            <p:style>
+              <a:lnRef idx="2">
+                <a:schemeClr val="accent1"/>
+              </a:lnRef>
+              <a:fillRef idx="1">
+                <a:schemeClr val="lt1"/>
+              </a:fillRef>
+              <a:effectRef idx="0">
+                <a:schemeClr val="accent1"/>
+              </a:effectRef>
+              <a:fontRef idx="minor">
+                <a:schemeClr val="dk1"/>
+              </a:fontRef>
+            </p:style>
+            <p:txBody>
+              <a:bodyPr rtlCol="0" anchor="ctr"/>
+              <a:p>
+                <a:pPr algn="ctr"/>
+                <a:r>
+                  <a:rPr lang="en-US" altLang="zh-CN"/>
+                  <a:t>3</a:t>
+                </a:r>
+                <a:endParaRPr lang="en-US" altLang="zh-CN"/>
+              </a:p>
+            </p:txBody>
+          </p:sp>
+          <p:sp>
+            <p:nvSpPr>
+              <p:cNvPr id="32" name="椭圆 31"/>
+              <p:cNvSpPr/>
+              <p:nvPr/>
+            </p:nvSpPr>
+            <p:spPr>
+              <a:xfrm>
+                <a:off x="8308" y="4104"/>
+                <a:ext cx="687" cy="709"/>
+              </a:xfrm>
+              <a:prstGeom prst="ellipse">
+                <a:avLst/>
+              </a:prstGeom>
+              <a:ln w="28575"/>
+            </p:spPr>
+            <p:style>
+              <a:lnRef idx="2">
+                <a:schemeClr val="accent1"/>
+              </a:lnRef>
+              <a:fillRef idx="1">
+                <a:schemeClr val="lt1"/>
+              </a:fillRef>
+              <a:effectRef idx="0">
+                <a:schemeClr val="accent1"/>
+              </a:effectRef>
+              <a:fontRef idx="minor">
+                <a:schemeClr val="dk1"/>
+              </a:fontRef>
+            </p:style>
+            <p:txBody>
+              <a:bodyPr rtlCol="0" anchor="ctr"/>
+              <a:p>
+                <a:pPr algn="ctr"/>
+                <a:r>
+                  <a:rPr lang="en-US" altLang="zh-CN"/>
+                  <a:t>7</a:t>
+                </a:r>
+                <a:endParaRPr lang="en-US" altLang="zh-CN"/>
+              </a:p>
+            </p:txBody>
+          </p:sp>
+          <p:sp>
+            <p:nvSpPr>
+              <p:cNvPr id="33" name="椭圆 32"/>
+              <p:cNvSpPr/>
+              <p:nvPr/>
+            </p:nvSpPr>
+            <p:spPr>
+              <a:xfrm>
+                <a:off x="9904" y="4104"/>
+                <a:ext cx="687" cy="709"/>
+              </a:xfrm>
+              <a:prstGeom prst="ellipse">
+                <a:avLst/>
+              </a:prstGeom>
+              <a:ln w="28575"/>
+            </p:spPr>
+            <p:style>
+              <a:lnRef idx="2">
+                <a:schemeClr val="accent1"/>
+              </a:lnRef>
+              <a:fillRef idx="1">
+                <a:schemeClr val="lt1"/>
+              </a:fillRef>
+              <a:effectRef idx="0">
+                <a:schemeClr val="accent1"/>
+              </a:effectRef>
+              <a:fontRef idx="minor">
+                <a:schemeClr val="dk1"/>
+              </a:fontRef>
+            </p:style>
+            <p:txBody>
+              <a:bodyPr rtlCol="0" anchor="ctr"/>
+              <a:p>
+                <a:pPr algn="ctr"/>
+                <a:r>
+                  <a:rPr lang="en-US" altLang="zh-CN"/>
+                  <a:t>9</a:t>
+                </a:r>
+                <a:endParaRPr lang="en-US" altLang="zh-CN"/>
+              </a:p>
+            </p:txBody>
+          </p:sp>
+          <p:sp>
+            <p:nvSpPr>
+              <p:cNvPr id="34" name="椭圆 33"/>
+              <p:cNvSpPr/>
+              <p:nvPr/>
+            </p:nvSpPr>
+            <p:spPr>
+              <a:xfrm>
+                <a:off x="4027" y="5513"/>
+                <a:ext cx="687" cy="709"/>
+              </a:xfrm>
+              <a:prstGeom prst="ellipse">
+                <a:avLst/>
+              </a:prstGeom>
+              <a:ln w="28575"/>
+            </p:spPr>
+            <p:style>
+              <a:lnRef idx="2">
+                <a:schemeClr val="accent1"/>
+              </a:lnRef>
+              <a:fillRef idx="1">
+                <a:schemeClr val="lt1"/>
+              </a:fillRef>
+              <a:effectRef idx="0">
+                <a:schemeClr val="accent1"/>
+              </a:effectRef>
+              <a:fontRef idx="minor">
+                <a:schemeClr val="dk1"/>
+              </a:fontRef>
+            </p:style>
+            <p:txBody>
+              <a:bodyPr rtlCol="0" anchor="ctr"/>
+              <a:p>
+                <a:pPr algn="ctr"/>
+                <a:r>
+                  <a:rPr lang="en-US" altLang="zh-CN"/>
+                  <a:t>1</a:t>
+                </a:r>
+                <a:endParaRPr lang="en-US" altLang="zh-CN"/>
+              </a:p>
+            </p:txBody>
+          </p:sp>
+          <p:sp>
+            <p:nvSpPr>
+              <p:cNvPr id="35" name="椭圆 34"/>
+              <p:cNvSpPr/>
+              <p:nvPr/>
+            </p:nvSpPr>
+            <p:spPr>
+              <a:xfrm>
+                <a:off x="10863" y="5385"/>
+                <a:ext cx="858" cy="837"/>
+              </a:xfrm>
+              <a:prstGeom prst="ellipse">
+                <a:avLst/>
+              </a:prstGeom>
+              <a:ln w="28575"/>
+            </p:spPr>
+            <p:style>
+              <a:lnRef idx="2">
+                <a:schemeClr val="accent1"/>
+              </a:lnRef>
+              <a:fillRef idx="1">
+                <a:schemeClr val="lt1"/>
+              </a:fillRef>
+              <a:effectRef idx="0">
+                <a:schemeClr val="accent1"/>
+              </a:effectRef>
+              <a:fontRef idx="minor">
+                <a:schemeClr val="dk1"/>
+              </a:fontRef>
+            </p:style>
+            <p:txBody>
+              <a:bodyPr rtlCol="0" anchor="ctr"/>
+              <a:p>
+                <a:pPr algn="ctr"/>
+                <a:r>
+                  <a:rPr lang="en-US" altLang="zh-CN" sz="1400"/>
+                  <a:t>10</a:t>
+                </a:r>
+                <a:endParaRPr lang="en-US" altLang="zh-CN" sz="1400"/>
+              </a:p>
+            </p:txBody>
+          </p:sp>
+          <p:sp>
+            <p:nvSpPr>
+              <p:cNvPr id="36" name="椭圆 35"/>
+              <p:cNvSpPr/>
+              <p:nvPr/>
+            </p:nvSpPr>
+            <p:spPr>
+              <a:xfrm>
+                <a:off x="2978" y="7060"/>
+                <a:ext cx="687" cy="709"/>
+              </a:xfrm>
+              <a:prstGeom prst="ellipse">
+                <a:avLst/>
+              </a:prstGeom>
+              <a:ln w="28575"/>
+            </p:spPr>
+            <p:style>
+              <a:lnRef idx="2">
+                <a:schemeClr val="accent1"/>
+              </a:lnRef>
+              <a:fillRef idx="1">
+                <a:schemeClr val="lt1"/>
+              </a:fillRef>
+              <a:effectRef idx="0">
+                <a:schemeClr val="accent1"/>
+              </a:effectRef>
+              <a:fontRef idx="minor">
+                <a:schemeClr val="dk1"/>
+              </a:fontRef>
+            </p:style>
+            <p:txBody>
+              <a:bodyPr rtlCol="0" anchor="ctr"/>
+              <a:p>
+                <a:pPr algn="ctr"/>
+                <a:r>
+                  <a:rPr lang="en-US" altLang="zh-CN"/>
+                  <a:t>0</a:t>
+                </a:r>
+                <a:endParaRPr lang="en-US" altLang="zh-CN"/>
+              </a:p>
+            </p:txBody>
+          </p:sp>
+        </p:grpSp>
+        <p:cxnSp>
+          <p:nvCxnSpPr>
+            <p:cNvPr id="37" name="直接箭头连接符 36"/>
+            <p:cNvCxnSpPr>
+              <a:stCxn id="27" idx="3"/>
+              <a:endCxn id="28" idx="7"/>
+            </p:cNvCxnSpPr>
+            <p:nvPr/>
+          </p:nvCxnSpPr>
+          <p:spPr>
+            <a:xfrm flipH="1">
+              <a:off x="6831" y="2021"/>
+              <a:ext cx="826" cy="682"/>
+            </a:xfrm>
+            <a:prstGeom prst="straightConnector1">
+              <a:avLst/>
+            </a:prstGeom>
+            <a:ln w="38100">
+              <a:solidFill>
+                <a:srgbClr val="FF0000"/>
+              </a:solidFill>
+              <a:tailEnd type="arrow"/>
+            </a:ln>
+          </p:spPr>
+          <p:style>
+            <a:lnRef idx="1">
+              <a:schemeClr val="accent1"/>
+            </a:lnRef>
+            <a:fillRef idx="0">
+              <a:schemeClr val="accent1"/>
+            </a:fillRef>
+            <a:effectRef idx="0">
+              <a:schemeClr val="accent1"/>
+            </a:effectRef>
+            <a:fontRef idx="minor">
+              <a:schemeClr val="tx1"/>
+            </a:fontRef>
+          </p:style>
+        </p:cxnSp>
+        <p:cxnSp>
+          <p:nvCxnSpPr>
+            <p:cNvPr id="38" name="直接箭头连接符 37"/>
+            <p:cNvCxnSpPr>
+              <a:stCxn id="28" idx="3"/>
+              <a:endCxn id="30" idx="7"/>
+            </p:cNvCxnSpPr>
+            <p:nvPr/>
+          </p:nvCxnSpPr>
+          <p:spPr>
+            <a:xfrm flipH="1">
+              <a:off x="5745" y="3204"/>
+              <a:ext cx="601" cy="940"/>
+            </a:xfrm>
+            <a:prstGeom prst="straightConnector1">
+              <a:avLst/>
+            </a:prstGeom>
+            <a:ln w="38100">
+              <a:solidFill>
+                <a:srgbClr val="FF0000"/>
+              </a:solidFill>
+              <a:tailEnd type="arrow"/>
+            </a:ln>
+          </p:spPr>
+          <p:style>
+            <a:lnRef idx="1">
+              <a:schemeClr val="accent1"/>
+            </a:lnRef>
+            <a:fillRef idx="0">
+              <a:schemeClr val="accent1"/>
+            </a:fillRef>
+            <a:effectRef idx="0">
+              <a:schemeClr val="accent1"/>
+            </a:effectRef>
+            <a:fontRef idx="minor">
+              <a:schemeClr val="tx1"/>
+            </a:fontRef>
+          </p:style>
+        </p:cxnSp>
+        <p:cxnSp>
+          <p:nvCxnSpPr>
+            <p:cNvPr id="39" name="直接箭头连接符 38"/>
+            <p:cNvCxnSpPr>
+              <a:stCxn id="30" idx="3"/>
+              <a:endCxn id="34" idx="7"/>
+            </p:cNvCxnSpPr>
+            <p:nvPr/>
+          </p:nvCxnSpPr>
+          <p:spPr>
+            <a:xfrm flipH="1">
+              <a:off x="4677" y="4645"/>
+              <a:ext cx="583" cy="908"/>
+            </a:xfrm>
+            <a:prstGeom prst="straightConnector1">
+              <a:avLst/>
+            </a:prstGeom>
+            <a:ln w="38100">
+              <a:solidFill>
+                <a:srgbClr val="FF0000"/>
+              </a:solidFill>
+              <a:tailEnd type="arrow"/>
+            </a:ln>
+          </p:spPr>
+          <p:style>
+            <a:lnRef idx="1">
+              <a:schemeClr val="accent1"/>
+            </a:lnRef>
+            <a:fillRef idx="0">
+              <a:schemeClr val="accent1"/>
+            </a:fillRef>
+            <a:effectRef idx="0">
+              <a:schemeClr val="accent1"/>
+            </a:effectRef>
+            <a:fontRef idx="minor">
+              <a:schemeClr val="tx1"/>
+            </a:fontRef>
+          </p:style>
+        </p:cxnSp>
+        <p:cxnSp>
+          <p:nvCxnSpPr>
+            <p:cNvPr id="40" name="直接箭头连接符 39"/>
+            <p:cNvCxnSpPr>
+              <a:stCxn id="34" idx="3"/>
+              <a:endCxn id="36" idx="7"/>
+            </p:cNvCxnSpPr>
+            <p:nvPr/>
+          </p:nvCxnSpPr>
+          <p:spPr>
+            <a:xfrm flipH="1">
+              <a:off x="3628" y="6054"/>
+              <a:ext cx="564" cy="1046"/>
+            </a:xfrm>
+            <a:prstGeom prst="straightConnector1">
+              <a:avLst/>
+            </a:prstGeom>
+            <a:ln w="38100">
+              <a:solidFill>
+                <a:srgbClr val="FF0000"/>
+              </a:solidFill>
+              <a:tailEnd type="arrow"/>
+            </a:ln>
+          </p:spPr>
+          <p:style>
+            <a:lnRef idx="1">
+              <a:schemeClr val="accent1"/>
+            </a:lnRef>
+            <a:fillRef idx="0">
+              <a:schemeClr val="accent1"/>
+            </a:fillRef>
+            <a:effectRef idx="0">
+              <a:schemeClr val="accent1"/>
+            </a:effectRef>
+            <a:fontRef idx="minor">
+              <a:schemeClr val="tx1"/>
+            </a:fontRef>
+          </p:style>
+        </p:cxnSp>
+        <p:cxnSp>
+          <p:nvCxnSpPr>
+            <p:cNvPr id="41" name="直接箭头连接符 40"/>
+            <p:cNvCxnSpPr>
+              <a:stCxn id="30" idx="5"/>
+              <a:endCxn id="31" idx="0"/>
+            </p:cNvCxnSpPr>
+            <p:nvPr/>
+          </p:nvCxnSpPr>
+          <p:spPr>
+            <a:xfrm>
+              <a:off x="5745" y="4645"/>
+              <a:ext cx="694" cy="804"/>
+            </a:xfrm>
+            <a:prstGeom prst="straightConnector1">
+              <a:avLst/>
+            </a:prstGeom>
+            <a:ln w="38100">
+              <a:solidFill>
+                <a:srgbClr val="FF0000"/>
+              </a:solidFill>
+              <a:tailEnd type="arrow"/>
+            </a:ln>
+          </p:spPr>
+          <p:style>
+            <a:lnRef idx="1">
+              <a:schemeClr val="accent1"/>
+            </a:lnRef>
+            <a:fillRef idx="0">
+              <a:schemeClr val="accent1"/>
+            </a:fillRef>
+            <a:effectRef idx="0">
+              <a:schemeClr val="accent1"/>
+            </a:effectRef>
+            <a:fontRef idx="minor">
+              <a:schemeClr val="tx1"/>
+            </a:fontRef>
+          </p:style>
+        </p:cxnSp>
+        <p:cxnSp>
+          <p:nvCxnSpPr>
+            <p:cNvPr id="42" name="直接箭头连接符 41"/>
+            <p:cNvCxnSpPr>
+              <a:stCxn id="29" idx="5"/>
+              <a:endCxn id="33" idx="0"/>
+            </p:cNvCxnSpPr>
+            <p:nvPr/>
+          </p:nvCxnSpPr>
+          <p:spPr>
+            <a:xfrm>
+              <a:off x="9645" y="3204"/>
+              <a:ext cx="667" cy="836"/>
+            </a:xfrm>
+            <a:prstGeom prst="straightConnector1">
+              <a:avLst/>
+            </a:prstGeom>
+            <a:ln w="38100">
+              <a:solidFill>
+                <a:srgbClr val="FF0000"/>
+              </a:solidFill>
+              <a:tailEnd type="arrow"/>
+            </a:ln>
+          </p:spPr>
+          <p:style>
+            <a:lnRef idx="1">
+              <a:schemeClr val="accent1"/>
+            </a:lnRef>
+            <a:fillRef idx="0">
+              <a:schemeClr val="accent1"/>
+            </a:fillRef>
+            <a:effectRef idx="0">
+              <a:schemeClr val="accent1"/>
+            </a:effectRef>
+            <a:fontRef idx="minor">
+              <a:schemeClr val="tx1"/>
+            </a:fontRef>
+          </p:style>
+        </p:cxnSp>
+        <p:cxnSp>
+          <p:nvCxnSpPr>
+            <p:cNvPr id="43" name="直接箭头连接符 42"/>
+            <p:cNvCxnSpPr>
+              <a:stCxn id="29" idx="3"/>
+              <a:endCxn id="32" idx="0"/>
+            </p:cNvCxnSpPr>
+            <p:nvPr/>
+          </p:nvCxnSpPr>
+          <p:spPr>
+            <a:xfrm flipH="1">
+              <a:off x="8716" y="3204"/>
+              <a:ext cx="444" cy="836"/>
+            </a:xfrm>
+            <a:prstGeom prst="straightConnector1">
+              <a:avLst/>
+            </a:prstGeom>
+            <a:ln w="38100">
+              <a:solidFill>
+                <a:srgbClr val="FF0000"/>
+              </a:solidFill>
+              <a:tailEnd type="arrow"/>
+            </a:ln>
+          </p:spPr>
+          <p:style>
+            <a:lnRef idx="1">
+              <a:schemeClr val="accent1"/>
+            </a:lnRef>
+            <a:fillRef idx="0">
+              <a:schemeClr val="accent1"/>
+            </a:fillRef>
+            <a:effectRef idx="0">
+              <a:schemeClr val="accent1"/>
+            </a:effectRef>
+            <a:fontRef idx="minor">
+              <a:schemeClr val="tx1"/>
+            </a:fontRef>
+          </p:style>
+        </p:cxnSp>
+        <p:cxnSp>
+          <p:nvCxnSpPr>
+            <p:cNvPr id="44" name="直接箭头连接符 43"/>
+            <p:cNvCxnSpPr>
+              <a:stCxn id="33" idx="5"/>
+              <a:endCxn id="35" idx="1"/>
+            </p:cNvCxnSpPr>
+            <p:nvPr/>
+          </p:nvCxnSpPr>
+          <p:spPr>
+            <a:xfrm>
+              <a:off x="10554" y="4645"/>
+              <a:ext cx="499" cy="799"/>
+            </a:xfrm>
+            <a:prstGeom prst="straightConnector1">
+              <a:avLst/>
+            </a:prstGeom>
+            <a:ln w="38100">
+              <a:solidFill>
+                <a:srgbClr val="FF0000"/>
+              </a:solidFill>
+              <a:tailEnd type="arrow"/>
+            </a:ln>
+          </p:spPr>
+          <p:style>
+            <a:lnRef idx="1">
+              <a:schemeClr val="accent1"/>
+            </a:lnRef>
+            <a:fillRef idx="0">
+              <a:schemeClr val="accent1"/>
+            </a:fillRef>
+            <a:effectRef idx="0">
+              <a:schemeClr val="accent1"/>
+            </a:effectRef>
+            <a:fontRef idx="minor">
+              <a:schemeClr val="tx1"/>
+            </a:fontRef>
+          </p:style>
+        </p:cxnSp>
+        <p:cxnSp>
+          <p:nvCxnSpPr>
+            <p:cNvPr id="45" name="直接箭头连接符 44"/>
+            <p:cNvCxnSpPr>
+              <a:stCxn id="27" idx="5"/>
+              <a:endCxn id="29" idx="1"/>
+            </p:cNvCxnSpPr>
+            <p:nvPr/>
+          </p:nvCxnSpPr>
+          <p:spPr>
+            <a:xfrm>
+              <a:off x="8142" y="2021"/>
+              <a:ext cx="1018" cy="682"/>
+            </a:xfrm>
+            <a:prstGeom prst="straightConnector1">
+              <a:avLst/>
+            </a:prstGeom>
+            <a:ln w="38100">
+              <a:solidFill>
+                <a:srgbClr val="FF0000"/>
+              </a:solidFill>
+              <a:tailEnd type="arrow"/>
+            </a:ln>
+          </p:spPr>
+          <p:style>
+            <a:lnRef idx="1">
+              <a:schemeClr val="accent1"/>
+            </a:lnRef>
+            <a:fillRef idx="0">
+              <a:schemeClr val="accent1"/>
+            </a:fillRef>
+            <a:effectRef idx="0">
+              <a:schemeClr val="accent1"/>
+            </a:effectRef>
+            <a:fontRef idx="minor">
+              <a:schemeClr val="tx1"/>
+            </a:fontRef>
+          </p:style>
+        </p:cxnSp>
+      </p:grpSp>
+      <p:sp>
+        <p:nvSpPr>
+          <p:cNvPr id="3" name="右箭头 2"/>
+          <p:cNvSpPr/>
+          <p:nvPr/>
+        </p:nvSpPr>
+        <p:spPr>
+          <a:xfrm>
+            <a:off x="1812925" y="1910715"/>
+            <a:ext cx="3400425" cy="619125"/>
+          </a:xfrm>
+          <a:prstGeom prst="rightArrow">
+            <a:avLst/>
+          </a:prstGeom>
+          <a:noFill/>
+          <a:ln w="38100">
+            <a:solidFill>
+              <a:schemeClr val="accent6">
+                <a:lumMod val="75000"/>
+              </a:schemeClr>
+            </a:solidFill>
+          </a:ln>
+          <a:extLst>
+            <a:ext uri="{909E8E84-426E-40DD-AFC4-6F175D3DCCD1}">
+              <a14:hiddenFill xmlns:a14="http://schemas.microsoft.com/office/drawing/2010/main">
+                <a:solidFill>
+                  <a:schemeClr val="lt1"/>
+                </a:solidFill>
+              </a14:hiddenFill>
+            </a:ext>
+          </a:extLst>
+        </p:spPr>
+        <p:style>
+          <a:lnRef idx="2">
+            <a:schemeClr val="accent1"/>
+          </a:lnRef>
+          <a:fillRef idx="1">
+            <a:schemeClr val="lt1"/>
+          </a:fillRef>
+          <a:effectRef idx="0">
+            <a:schemeClr val="accent1"/>
+          </a:effectRef>
+          <a:fontRef idx="minor">
+            <a:schemeClr val="dk1"/>
+          </a:fontRef>
+        </p:style>
+        <p:txBody>
+          <a:bodyPr rtlCol="0" anchor="ctr"/>
+          <a:p>
+            <a:pPr algn="ctr"/>
+            <a:r>
+              <a:rPr lang="en-US" altLang="zh-CN"/>
+              <a:t>                                             Lv1</a:t>
+            </a:r>
+            <a:endParaRPr lang="en-US" altLang="zh-CN"/>
+          </a:p>
+        </p:txBody>
+      </p:sp>
+      <p:sp>
+        <p:nvSpPr>
+          <p:cNvPr id="4" name="右箭头 3"/>
+          <p:cNvSpPr/>
+          <p:nvPr/>
+        </p:nvSpPr>
+        <p:spPr>
+          <a:xfrm>
+            <a:off x="1207135" y="2627630"/>
+            <a:ext cx="4784090" cy="688340"/>
+          </a:xfrm>
+          <a:prstGeom prst="rightArrow">
+            <a:avLst/>
+          </a:prstGeom>
+          <a:noFill/>
+          <a:ln w="38100">
+            <a:solidFill>
+              <a:schemeClr val="accent6">
+                <a:lumMod val="75000"/>
+              </a:schemeClr>
+            </a:solidFill>
+          </a:ln>
+          <a:extLst>
+            <a:ext uri="{909E8E84-426E-40DD-AFC4-6F175D3DCCD1}">
+              <a14:hiddenFill xmlns:a14="http://schemas.microsoft.com/office/drawing/2010/main">
+                <a:solidFill>
+                  <a:schemeClr val="lt1"/>
+                </a:solidFill>
+              </a14:hiddenFill>
+            </a:ext>
+          </a:extLst>
+        </p:spPr>
+        <p:style>
+          <a:lnRef idx="2">
+            <a:schemeClr val="accent1"/>
+          </a:lnRef>
+          <a:fillRef idx="1">
+            <a:schemeClr val="lt1"/>
+          </a:fillRef>
+          <a:effectRef idx="0">
+            <a:schemeClr val="accent1"/>
+          </a:effectRef>
+          <a:fontRef idx="minor">
+            <a:schemeClr val="dk1"/>
+          </a:fontRef>
+        </p:style>
+        <p:txBody>
+          <a:bodyPr rtlCol="0" anchor="ctr"/>
+          <a:p>
+            <a:pPr algn="ctr"/>
+            <a:r>
+              <a:rPr lang="en-US" altLang="zh-CN"/>
+              <a:t>                                                                      Lv2</a:t>
+            </a:r>
+            <a:endParaRPr lang="en-US" altLang="zh-CN"/>
+          </a:p>
+        </p:txBody>
+      </p:sp>
+      <p:sp>
+        <p:nvSpPr>
+          <p:cNvPr id="5" name="右箭头 4"/>
+          <p:cNvSpPr/>
+          <p:nvPr/>
+        </p:nvSpPr>
+        <p:spPr>
+          <a:xfrm>
+            <a:off x="838200" y="3553460"/>
+            <a:ext cx="5880735" cy="666750"/>
+          </a:xfrm>
+          <a:prstGeom prst="rightArrow">
+            <a:avLst/>
+          </a:prstGeom>
+          <a:noFill/>
+          <a:ln w="38100">
+            <a:solidFill>
+              <a:schemeClr val="accent6">
+                <a:lumMod val="75000"/>
+              </a:schemeClr>
+            </a:solidFill>
+          </a:ln>
+          <a:extLst>
+            <a:ext uri="{909E8E84-426E-40DD-AFC4-6F175D3DCCD1}">
+              <a14:hiddenFill xmlns:a14="http://schemas.microsoft.com/office/drawing/2010/main">
+                <a:solidFill>
+                  <a:schemeClr val="lt1"/>
+                </a:solidFill>
+              </a14:hiddenFill>
+            </a:ext>
+          </a:extLst>
+        </p:spPr>
+        <p:style>
+          <a:lnRef idx="2">
+            <a:schemeClr val="accent1"/>
+          </a:lnRef>
+          <a:fillRef idx="1">
+            <a:schemeClr val="lt1"/>
+          </a:fillRef>
+          <a:effectRef idx="0">
+            <a:schemeClr val="accent1"/>
+          </a:effectRef>
+          <a:fontRef idx="minor">
+            <a:schemeClr val="dk1"/>
+          </a:fontRef>
+        </p:style>
+        <p:txBody>
+          <a:bodyPr rtlCol="0" anchor="ctr"/>
+          <a:p>
+            <a:pPr algn="ctr"/>
+            <a:r>
+              <a:rPr lang="en-US" altLang="zh-CN"/>
+              <a:t>                                                                                     Lv3</a:t>
+            </a:r>
+            <a:endParaRPr lang="en-US" altLang="zh-CN"/>
+          </a:p>
+        </p:txBody>
+      </p:sp>
+      <p:sp>
+        <p:nvSpPr>
+          <p:cNvPr id="6" name="右箭头 5"/>
+          <p:cNvSpPr/>
+          <p:nvPr/>
+        </p:nvSpPr>
+        <p:spPr>
+          <a:xfrm>
+            <a:off x="461645" y="4443095"/>
+            <a:ext cx="6984365" cy="594995"/>
+          </a:xfrm>
+          <a:prstGeom prst="rightArrow">
+            <a:avLst/>
+          </a:prstGeom>
+          <a:noFill/>
+          <a:ln w="38100">
+            <a:solidFill>
+              <a:schemeClr val="accent6">
+                <a:lumMod val="75000"/>
+              </a:schemeClr>
+            </a:solidFill>
+          </a:ln>
+          <a:extLst>
+            <a:ext uri="{909E8E84-426E-40DD-AFC4-6F175D3DCCD1}">
+              <a14:hiddenFill xmlns:a14="http://schemas.microsoft.com/office/drawing/2010/main">
+                <a:solidFill>
+                  <a:schemeClr val="lt1"/>
+                </a:solidFill>
+              </a14:hiddenFill>
+            </a:ext>
+          </a:extLst>
+        </p:spPr>
+        <p:style>
+          <a:lnRef idx="2">
+            <a:schemeClr val="accent1"/>
+          </a:lnRef>
+          <a:fillRef idx="1">
+            <a:schemeClr val="lt1"/>
+          </a:fillRef>
+          <a:effectRef idx="0">
+            <a:schemeClr val="accent1"/>
+          </a:effectRef>
+          <a:fontRef idx="minor">
+            <a:schemeClr val="dk1"/>
+          </a:fontRef>
+        </p:style>
+        <p:txBody>
+          <a:bodyPr rtlCol="0" anchor="ctr"/>
+          <a:p>
+            <a:pPr algn="ctr"/>
+            <a:r>
+              <a:rPr lang="en-US" altLang="zh-CN"/>
+              <a:t>                                                                                                           Lv4</a:t>
+            </a:r>
+            <a:endParaRPr lang="en-US" altLang="zh-CN"/>
+          </a:p>
+        </p:txBody>
+      </p:sp>
+      <p:sp>
+        <p:nvSpPr>
+          <p:cNvPr id="7" name="右箭头 6"/>
+          <p:cNvSpPr/>
+          <p:nvPr/>
+        </p:nvSpPr>
+        <p:spPr>
+          <a:xfrm>
+            <a:off x="168910" y="5477510"/>
+            <a:ext cx="7625080" cy="625475"/>
+          </a:xfrm>
+          <a:prstGeom prst="rightArrow">
+            <a:avLst/>
+          </a:prstGeom>
+          <a:noFill/>
+          <a:ln w="38100">
+            <a:solidFill>
+              <a:schemeClr val="accent6">
+                <a:lumMod val="75000"/>
+              </a:schemeClr>
+            </a:solidFill>
+          </a:ln>
+          <a:extLst>
+            <a:ext uri="{909E8E84-426E-40DD-AFC4-6F175D3DCCD1}">
+              <a14:hiddenFill xmlns:a14="http://schemas.microsoft.com/office/drawing/2010/main">
+                <a:solidFill>
+                  <a:schemeClr val="lt1"/>
+                </a:solidFill>
+              </a14:hiddenFill>
+            </a:ext>
+          </a:extLst>
+        </p:spPr>
+        <p:style>
+          <a:lnRef idx="2">
+            <a:schemeClr val="accent1"/>
+          </a:lnRef>
+          <a:fillRef idx="1">
+            <a:schemeClr val="lt1"/>
+          </a:fillRef>
+          <a:effectRef idx="0">
+            <a:schemeClr val="accent1"/>
+          </a:effectRef>
+          <a:fontRef idx="minor">
+            <a:schemeClr val="dk1"/>
+          </a:fontRef>
+        </p:style>
+        <p:txBody>
+          <a:bodyPr rtlCol="0" anchor="ctr"/>
+          <a:p>
+            <a:pPr algn="ctr"/>
+            <a:r>
+              <a:rPr lang="en-US" altLang="zh-CN"/>
+              <a:t>                                                                                                                             Lv5</a:t>
+            </a:r>
+            <a:endParaRPr lang="en-US" altLang="zh-CN"/>
+          </a:p>
+        </p:txBody>
+      </p:sp>
+    </p:spTree>
+  </p:cSld>
+  <p:clrMapOvr>
+    <a:masterClrMapping/>
+  </p:clrMapOvr>
+</p:sld>
+</file>
+
+<file path=ppt/slides/slide25.xml><?xml version="1.0" encoding="utf-8"?>
+<p:sld xmlns:a="http://schemas.openxmlformats.org/drawingml/2006/main" xmlns:r="http://schemas.openxmlformats.org/officeDocument/2006/relationships" xmlns:p="http://schemas.openxmlformats.org/presentationml/2006/main">
+  <p:cSld>
+    <p:spTree>
+      <p:nvGrpSpPr>
+        <p:cNvPr id="1" name=""/>
+        <p:cNvGrpSpPr/>
+        <p:nvPr/>
+      </p:nvGrpSpPr>
+      <p:grpSpPr/>
+      <p:sp>
+        <p:nvSpPr>
+          <p:cNvPr id="2" name="标题 1"/>
+          <p:cNvSpPr>
+            <a:spLocks noGrp="1"/>
+          </p:cNvSpPr>
+          <p:nvPr>
+            <p:ph type="title"/>
+          </p:nvPr>
+        </p:nvSpPr>
+        <p:spPr>
+          <a:xfrm>
+            <a:off x="929640" y="352425"/>
+            <a:ext cx="10515600" cy="1325563"/>
+          </a:xfrm>
+        </p:spPr>
+        <p:txBody>
+          <a:bodyPr/>
+          <a:p>
+            <a:r>
+              <a:rPr lang="zh-CN" altLang="zh-CN"/>
+              <a:t>层次遍历</a:t>
+            </a:r>
+            <a:r>
+              <a:rPr lang="en-US" altLang="zh-CN"/>
+              <a:t>:[6]-[4,8]-[2,7,9]-[1,3,10]-[0]</a:t>
+            </a:r>
+            <a:endParaRPr lang="zh-CN" altLang="en-US"/>
+          </a:p>
+        </p:txBody>
+      </p:sp>
+      <p:grpSp>
+        <p:nvGrpSpPr>
+          <p:cNvPr id="8" name="组合 7"/>
+          <p:cNvGrpSpPr/>
+          <p:nvPr/>
+        </p:nvGrpSpPr>
+        <p:grpSpPr>
+          <a:xfrm>
+            <a:off x="6394450" y="1964690"/>
+            <a:ext cx="5551170" cy="3992880"/>
+            <a:chOff x="3042" y="1416"/>
+            <a:chExt cx="8742" cy="6288"/>
+          </a:xfrm>
+        </p:grpSpPr>
+        <p:grpSp>
+          <p:nvGrpSpPr>
+            <p:cNvPr id="9" name="组合 8"/>
+            <p:cNvGrpSpPr/>
+            <p:nvPr/>
+          </p:nvGrpSpPr>
+          <p:grpSpPr>
+            <a:xfrm>
+              <a:off x="3042" y="1416"/>
+              <a:ext cx="8743" cy="6288"/>
+              <a:chOff x="2978" y="1480"/>
+              <a:chExt cx="8743" cy="6288"/>
+            </a:xfrm>
+          </p:grpSpPr>
+          <p:sp>
+            <p:nvSpPr>
+              <p:cNvPr id="10" name="椭圆 9"/>
+              <p:cNvSpPr/>
+              <p:nvPr/>
+            </p:nvSpPr>
+            <p:spPr>
+              <a:xfrm>
+                <a:off x="7492" y="1480"/>
+                <a:ext cx="687" cy="709"/>
+              </a:xfrm>
+              <a:prstGeom prst="ellipse">
+                <a:avLst/>
+              </a:prstGeom>
+              <a:ln w="28575"/>
+            </p:spPr>
+            <p:style>
+              <a:lnRef idx="2">
+                <a:schemeClr val="accent1"/>
+              </a:lnRef>
+              <a:fillRef idx="1">
+                <a:schemeClr val="lt1"/>
+              </a:fillRef>
+              <a:effectRef idx="0">
+                <a:schemeClr val="accent1"/>
+              </a:effectRef>
+              <a:fontRef idx="minor">
+                <a:schemeClr val="dk1"/>
+              </a:fontRef>
+            </p:style>
+            <p:txBody>
+              <a:bodyPr rtlCol="0" anchor="ctr"/>
+              <a:p>
+                <a:pPr algn="ctr"/>
+                <a:r>
+                  <a:rPr lang="en-US" altLang="zh-CN"/>
+                  <a:t>6</a:t>
+                </a:r>
+                <a:endParaRPr lang="en-US" altLang="zh-CN"/>
+              </a:p>
+            </p:txBody>
+          </p:sp>
+          <p:sp>
+            <p:nvSpPr>
+              <p:cNvPr id="11" name="椭圆 10"/>
+              <p:cNvSpPr/>
+              <p:nvPr/>
+            </p:nvSpPr>
+            <p:spPr>
+              <a:xfrm>
+                <a:off x="6181" y="2663"/>
+                <a:ext cx="687" cy="709"/>
+              </a:xfrm>
+              <a:prstGeom prst="ellipse">
+                <a:avLst/>
+              </a:prstGeom>
+              <a:ln w="28575"/>
+            </p:spPr>
+            <p:style>
+              <a:lnRef idx="2">
+                <a:schemeClr val="accent1"/>
+              </a:lnRef>
+              <a:fillRef idx="1">
+                <a:schemeClr val="lt1"/>
+              </a:fillRef>
+              <a:effectRef idx="0">
+                <a:schemeClr val="accent1"/>
+              </a:effectRef>
+              <a:fontRef idx="minor">
+                <a:schemeClr val="dk1"/>
+              </a:fontRef>
+            </p:style>
+            <p:txBody>
+              <a:bodyPr rtlCol="0" anchor="ctr"/>
+              <a:p>
+                <a:pPr algn="ctr"/>
+                <a:r>
+                  <a:rPr lang="en-US" altLang="zh-CN"/>
+                  <a:t>4</a:t>
+                </a:r>
+                <a:endParaRPr lang="en-US" altLang="zh-CN"/>
+              </a:p>
+            </p:txBody>
+          </p:sp>
+          <p:sp>
+            <p:nvSpPr>
+              <p:cNvPr id="12" name="椭圆 11"/>
+              <p:cNvSpPr/>
+              <p:nvPr/>
+            </p:nvSpPr>
+            <p:spPr>
+              <a:xfrm>
+                <a:off x="8995" y="2663"/>
+                <a:ext cx="687" cy="709"/>
+              </a:xfrm>
+              <a:prstGeom prst="ellipse">
+                <a:avLst/>
+              </a:prstGeom>
+              <a:ln w="28575"/>
+            </p:spPr>
+            <p:style>
+              <a:lnRef idx="2">
+                <a:schemeClr val="accent1"/>
+              </a:lnRef>
+              <a:fillRef idx="1">
+                <a:schemeClr val="lt1"/>
+              </a:fillRef>
+              <a:effectRef idx="0">
+                <a:schemeClr val="accent1"/>
+              </a:effectRef>
+              <a:fontRef idx="minor">
+                <a:schemeClr val="dk1"/>
+              </a:fontRef>
+            </p:style>
+            <p:txBody>
+              <a:bodyPr rtlCol="0" anchor="ctr"/>
+              <a:p>
+                <a:pPr algn="ctr"/>
+                <a:r>
+                  <a:rPr lang="en-US" altLang="zh-CN"/>
+                  <a:t>8</a:t>
+                </a:r>
+                <a:endParaRPr lang="en-US" altLang="zh-CN"/>
+              </a:p>
+            </p:txBody>
+          </p:sp>
+          <p:sp>
+            <p:nvSpPr>
+              <p:cNvPr id="13" name="椭圆 12"/>
+              <p:cNvSpPr/>
+              <p:nvPr/>
+            </p:nvSpPr>
+            <p:spPr>
+              <a:xfrm>
+                <a:off x="5095" y="4104"/>
+                <a:ext cx="687" cy="709"/>
+              </a:xfrm>
+              <a:prstGeom prst="ellipse">
+                <a:avLst/>
+              </a:prstGeom>
+              <a:ln w="28575"/>
+            </p:spPr>
+            <p:style>
+              <a:lnRef idx="2">
+                <a:schemeClr val="accent1"/>
+              </a:lnRef>
+              <a:fillRef idx="1">
+                <a:schemeClr val="lt1"/>
+              </a:fillRef>
+              <a:effectRef idx="0">
+                <a:schemeClr val="accent1"/>
+              </a:effectRef>
+              <a:fontRef idx="minor">
+                <a:schemeClr val="dk1"/>
+              </a:fontRef>
+            </p:style>
+            <p:txBody>
+              <a:bodyPr rtlCol="0" anchor="ctr"/>
+              <a:p>
+                <a:pPr algn="ctr"/>
+                <a:r>
+                  <a:rPr lang="en-US" altLang="zh-CN"/>
+                  <a:t>2</a:t>
+                </a:r>
+                <a:endParaRPr lang="en-US" altLang="zh-CN"/>
+              </a:p>
+            </p:txBody>
+          </p:sp>
+          <p:sp>
+            <p:nvSpPr>
+              <p:cNvPr id="14" name="椭圆 13"/>
+              <p:cNvSpPr/>
+              <p:nvPr/>
+            </p:nvSpPr>
+            <p:spPr>
+              <a:xfrm>
+                <a:off x="6031" y="5513"/>
+                <a:ext cx="687" cy="709"/>
+              </a:xfrm>
+              <a:prstGeom prst="ellipse">
+                <a:avLst/>
+              </a:prstGeom>
+              <a:ln w="28575"/>
+            </p:spPr>
+            <p:style>
+              <a:lnRef idx="2">
+                <a:schemeClr val="accent1"/>
+              </a:lnRef>
+              <a:fillRef idx="1">
+                <a:schemeClr val="lt1"/>
+              </a:fillRef>
+              <a:effectRef idx="0">
+                <a:schemeClr val="accent1"/>
+              </a:effectRef>
+              <a:fontRef idx="minor">
+                <a:schemeClr val="dk1"/>
+              </a:fontRef>
+            </p:style>
+            <p:txBody>
+              <a:bodyPr rtlCol="0" anchor="ctr"/>
+              <a:p>
+                <a:pPr algn="ctr"/>
+                <a:r>
+                  <a:rPr lang="en-US" altLang="zh-CN"/>
+                  <a:t>3</a:t>
+                </a:r>
+                <a:endParaRPr lang="en-US" altLang="zh-CN"/>
+              </a:p>
+            </p:txBody>
+          </p:sp>
+          <p:sp>
+            <p:nvSpPr>
+              <p:cNvPr id="15" name="椭圆 14"/>
+              <p:cNvSpPr/>
+              <p:nvPr/>
+            </p:nvSpPr>
+            <p:spPr>
+              <a:xfrm>
+                <a:off x="8308" y="4104"/>
+                <a:ext cx="687" cy="709"/>
+              </a:xfrm>
+              <a:prstGeom prst="ellipse">
+                <a:avLst/>
+              </a:prstGeom>
+              <a:ln w="28575"/>
+            </p:spPr>
+            <p:style>
+              <a:lnRef idx="2">
+                <a:schemeClr val="accent1"/>
+              </a:lnRef>
+              <a:fillRef idx="1">
+                <a:schemeClr val="lt1"/>
+              </a:fillRef>
+              <a:effectRef idx="0">
+                <a:schemeClr val="accent1"/>
+              </a:effectRef>
+              <a:fontRef idx="minor">
+                <a:schemeClr val="dk1"/>
+              </a:fontRef>
+            </p:style>
+            <p:txBody>
+              <a:bodyPr rtlCol="0" anchor="ctr"/>
+              <a:p>
+                <a:pPr algn="ctr"/>
+                <a:r>
+                  <a:rPr lang="en-US" altLang="zh-CN"/>
+                  <a:t>7</a:t>
+                </a:r>
+                <a:endParaRPr lang="en-US" altLang="zh-CN"/>
+              </a:p>
+            </p:txBody>
+          </p:sp>
+          <p:sp>
+            <p:nvSpPr>
+              <p:cNvPr id="16" name="椭圆 15"/>
+              <p:cNvSpPr/>
+              <p:nvPr/>
+            </p:nvSpPr>
+            <p:spPr>
+              <a:xfrm>
+                <a:off x="9904" y="4104"/>
+                <a:ext cx="687" cy="709"/>
+              </a:xfrm>
+              <a:prstGeom prst="ellipse">
+                <a:avLst/>
+              </a:prstGeom>
+              <a:ln w="28575"/>
+            </p:spPr>
+            <p:style>
+              <a:lnRef idx="2">
+                <a:schemeClr val="accent1"/>
+              </a:lnRef>
+              <a:fillRef idx="1">
+                <a:schemeClr val="lt1"/>
+              </a:fillRef>
+              <a:effectRef idx="0">
+                <a:schemeClr val="accent1"/>
+              </a:effectRef>
+              <a:fontRef idx="minor">
+                <a:schemeClr val="dk1"/>
+              </a:fontRef>
+            </p:style>
+            <p:txBody>
+              <a:bodyPr rtlCol="0" anchor="ctr"/>
+              <a:p>
+                <a:pPr algn="ctr"/>
+                <a:r>
+                  <a:rPr lang="en-US" altLang="zh-CN"/>
+                  <a:t>9</a:t>
+                </a:r>
+                <a:endParaRPr lang="en-US" altLang="zh-CN"/>
+              </a:p>
+            </p:txBody>
+          </p:sp>
+          <p:sp>
+            <p:nvSpPr>
+              <p:cNvPr id="17" name="椭圆 16"/>
+              <p:cNvSpPr/>
+              <p:nvPr/>
+            </p:nvSpPr>
+            <p:spPr>
+              <a:xfrm>
+                <a:off x="4027" y="5513"/>
+                <a:ext cx="687" cy="709"/>
+              </a:xfrm>
+              <a:prstGeom prst="ellipse">
+                <a:avLst/>
+              </a:prstGeom>
+              <a:ln w="28575"/>
+            </p:spPr>
+            <p:style>
+              <a:lnRef idx="2">
+                <a:schemeClr val="accent1"/>
+              </a:lnRef>
+              <a:fillRef idx="1">
+                <a:schemeClr val="lt1"/>
+              </a:fillRef>
+              <a:effectRef idx="0">
+                <a:schemeClr val="accent1"/>
+              </a:effectRef>
+              <a:fontRef idx="minor">
+                <a:schemeClr val="dk1"/>
+              </a:fontRef>
+            </p:style>
+            <p:txBody>
+              <a:bodyPr rtlCol="0" anchor="ctr"/>
+              <a:p>
+                <a:pPr algn="ctr"/>
+                <a:r>
+                  <a:rPr lang="en-US" altLang="zh-CN"/>
+                  <a:t>1</a:t>
+                </a:r>
+                <a:endParaRPr lang="en-US" altLang="zh-CN"/>
+              </a:p>
+            </p:txBody>
+          </p:sp>
+          <p:sp>
+            <p:nvSpPr>
+              <p:cNvPr id="18" name="椭圆 17"/>
+              <p:cNvSpPr/>
+              <p:nvPr/>
+            </p:nvSpPr>
+            <p:spPr>
+              <a:xfrm>
+                <a:off x="10863" y="5385"/>
+                <a:ext cx="858" cy="837"/>
+              </a:xfrm>
+              <a:prstGeom prst="ellipse">
+                <a:avLst/>
+              </a:prstGeom>
+              <a:ln w="28575"/>
+            </p:spPr>
+            <p:style>
+              <a:lnRef idx="2">
+                <a:schemeClr val="accent1"/>
+              </a:lnRef>
+              <a:fillRef idx="1">
+                <a:schemeClr val="lt1"/>
+              </a:fillRef>
+              <a:effectRef idx="0">
+                <a:schemeClr val="accent1"/>
+              </a:effectRef>
+              <a:fontRef idx="minor">
+                <a:schemeClr val="dk1"/>
+              </a:fontRef>
+            </p:style>
+            <p:txBody>
+              <a:bodyPr rtlCol="0" anchor="ctr"/>
+              <a:p>
+                <a:pPr algn="ctr"/>
+                <a:r>
+                  <a:rPr lang="en-US" altLang="zh-CN" sz="1400"/>
+                  <a:t>10</a:t>
+                </a:r>
+                <a:endParaRPr lang="en-US" altLang="zh-CN" sz="1400"/>
+              </a:p>
+            </p:txBody>
+          </p:sp>
+          <p:sp>
+            <p:nvSpPr>
+              <p:cNvPr id="19" name="椭圆 18"/>
+              <p:cNvSpPr/>
+              <p:nvPr/>
+            </p:nvSpPr>
+            <p:spPr>
+              <a:xfrm>
+                <a:off x="2978" y="7060"/>
+                <a:ext cx="687" cy="709"/>
+              </a:xfrm>
+              <a:prstGeom prst="ellipse">
+                <a:avLst/>
+              </a:prstGeom>
+              <a:ln w="28575"/>
+            </p:spPr>
+            <p:style>
+              <a:lnRef idx="2">
+                <a:schemeClr val="accent1"/>
+              </a:lnRef>
+              <a:fillRef idx="1">
+                <a:schemeClr val="lt1"/>
+              </a:fillRef>
+              <a:effectRef idx="0">
+                <a:schemeClr val="accent1"/>
+              </a:effectRef>
+              <a:fontRef idx="minor">
+                <a:schemeClr val="dk1"/>
+              </a:fontRef>
+            </p:style>
+            <p:txBody>
+              <a:bodyPr rtlCol="0" anchor="ctr"/>
+              <a:p>
+                <a:pPr algn="ctr"/>
+                <a:r>
+                  <a:rPr lang="en-US" altLang="zh-CN"/>
+                  <a:t>0</a:t>
+                </a:r>
+                <a:endParaRPr lang="en-US" altLang="zh-CN"/>
+              </a:p>
+            </p:txBody>
+          </p:sp>
+        </p:grpSp>
+        <p:cxnSp>
+          <p:nvCxnSpPr>
+            <p:cNvPr id="20" name="直接箭头连接符 19"/>
+            <p:cNvCxnSpPr>
+              <a:stCxn id="10" idx="3"/>
+              <a:endCxn id="11" idx="7"/>
+            </p:cNvCxnSpPr>
+            <p:nvPr/>
+          </p:nvCxnSpPr>
+          <p:spPr>
+            <a:xfrm flipH="1">
+              <a:off x="6831" y="2021"/>
+              <a:ext cx="826" cy="682"/>
+            </a:xfrm>
+            <a:prstGeom prst="straightConnector1">
+              <a:avLst/>
+            </a:prstGeom>
+            <a:ln w="38100">
+              <a:solidFill>
+                <a:srgbClr val="FF0000"/>
+              </a:solidFill>
+              <a:tailEnd type="arrow"/>
+            </a:ln>
+          </p:spPr>
+          <p:style>
+            <a:lnRef idx="1">
+              <a:schemeClr val="accent1"/>
+            </a:lnRef>
+            <a:fillRef idx="0">
+              <a:schemeClr val="accent1"/>
+            </a:fillRef>
+            <a:effectRef idx="0">
+              <a:schemeClr val="accent1"/>
+            </a:effectRef>
+            <a:fontRef idx="minor">
+              <a:schemeClr val="tx1"/>
+            </a:fontRef>
+          </p:style>
+        </p:cxnSp>
+        <p:cxnSp>
+          <p:nvCxnSpPr>
+            <p:cNvPr id="21" name="直接箭头连接符 20"/>
+            <p:cNvCxnSpPr>
+              <a:stCxn id="11" idx="3"/>
+              <a:endCxn id="13" idx="7"/>
+            </p:cNvCxnSpPr>
+            <p:nvPr/>
+          </p:nvCxnSpPr>
+          <p:spPr>
+            <a:xfrm flipH="1">
+              <a:off x="5745" y="3204"/>
+              <a:ext cx="601" cy="940"/>
+            </a:xfrm>
+            <a:prstGeom prst="straightConnector1">
+              <a:avLst/>
+            </a:prstGeom>
+            <a:ln w="38100">
+              <a:solidFill>
+                <a:srgbClr val="FF0000"/>
+              </a:solidFill>
+              <a:tailEnd type="arrow"/>
+            </a:ln>
+          </p:spPr>
+          <p:style>
+            <a:lnRef idx="1">
+              <a:schemeClr val="accent1"/>
+            </a:lnRef>
+            <a:fillRef idx="0">
+              <a:schemeClr val="accent1"/>
+            </a:fillRef>
+            <a:effectRef idx="0">
+              <a:schemeClr val="accent1"/>
+            </a:effectRef>
+            <a:fontRef idx="minor">
+              <a:schemeClr val="tx1"/>
+            </a:fontRef>
+          </p:style>
+        </p:cxnSp>
+        <p:cxnSp>
+          <p:nvCxnSpPr>
+            <p:cNvPr id="22" name="直接箭头连接符 21"/>
+            <p:cNvCxnSpPr>
+              <a:stCxn id="13" idx="3"/>
+              <a:endCxn id="17" idx="7"/>
+            </p:cNvCxnSpPr>
+            <p:nvPr/>
+          </p:nvCxnSpPr>
+          <p:spPr>
+            <a:xfrm flipH="1">
+              <a:off x="4677" y="4645"/>
+              <a:ext cx="583" cy="908"/>
+            </a:xfrm>
+            <a:prstGeom prst="straightConnector1">
+              <a:avLst/>
+            </a:prstGeom>
+            <a:ln w="38100">
+              <a:solidFill>
+                <a:srgbClr val="FF0000"/>
+              </a:solidFill>
+              <a:tailEnd type="arrow"/>
+            </a:ln>
+          </p:spPr>
+          <p:style>
+            <a:lnRef idx="1">
+              <a:schemeClr val="accent1"/>
+            </a:lnRef>
+            <a:fillRef idx="0">
+              <a:schemeClr val="accent1"/>
+            </a:fillRef>
+            <a:effectRef idx="0">
+              <a:schemeClr val="accent1"/>
+            </a:effectRef>
+            <a:fontRef idx="minor">
+              <a:schemeClr val="tx1"/>
+            </a:fontRef>
+          </p:style>
+        </p:cxnSp>
+        <p:cxnSp>
+          <p:nvCxnSpPr>
+            <p:cNvPr id="23" name="直接箭头连接符 22"/>
+            <p:cNvCxnSpPr>
+              <a:stCxn id="17" idx="3"/>
+              <a:endCxn id="19" idx="7"/>
+            </p:cNvCxnSpPr>
+            <p:nvPr/>
+          </p:nvCxnSpPr>
+          <p:spPr>
+            <a:xfrm flipH="1">
+              <a:off x="3628" y="6054"/>
+              <a:ext cx="564" cy="1046"/>
+            </a:xfrm>
+            <a:prstGeom prst="straightConnector1">
+              <a:avLst/>
+            </a:prstGeom>
+            <a:ln w="38100">
+              <a:solidFill>
+                <a:srgbClr val="FF0000"/>
+              </a:solidFill>
+              <a:tailEnd type="arrow"/>
+            </a:ln>
+          </p:spPr>
+          <p:style>
+            <a:lnRef idx="1">
+              <a:schemeClr val="accent1"/>
+            </a:lnRef>
+            <a:fillRef idx="0">
+              <a:schemeClr val="accent1"/>
+            </a:fillRef>
+            <a:effectRef idx="0">
+              <a:schemeClr val="accent1"/>
+            </a:effectRef>
+            <a:fontRef idx="minor">
+              <a:schemeClr val="tx1"/>
+            </a:fontRef>
+          </p:style>
+        </p:cxnSp>
+        <p:cxnSp>
+          <p:nvCxnSpPr>
+            <p:cNvPr id="24" name="直接箭头连接符 23"/>
+            <p:cNvCxnSpPr>
+              <a:stCxn id="13" idx="5"/>
+              <a:endCxn id="14" idx="0"/>
+            </p:cNvCxnSpPr>
+            <p:nvPr/>
+          </p:nvCxnSpPr>
+          <p:spPr>
+            <a:xfrm>
+              <a:off x="5745" y="4645"/>
+              <a:ext cx="694" cy="804"/>
+            </a:xfrm>
+            <a:prstGeom prst="straightConnector1">
+              <a:avLst/>
+            </a:prstGeom>
+            <a:ln w="38100">
+              <a:solidFill>
+                <a:srgbClr val="FF0000"/>
+              </a:solidFill>
+              <a:tailEnd type="arrow"/>
+            </a:ln>
+          </p:spPr>
+          <p:style>
+            <a:lnRef idx="1">
+              <a:schemeClr val="accent1"/>
+            </a:lnRef>
+            <a:fillRef idx="0">
+              <a:schemeClr val="accent1"/>
+            </a:fillRef>
+            <a:effectRef idx="0">
+              <a:schemeClr val="accent1"/>
+            </a:effectRef>
+            <a:fontRef idx="minor">
+              <a:schemeClr val="tx1"/>
+            </a:fontRef>
+          </p:style>
+        </p:cxnSp>
+        <p:cxnSp>
+          <p:nvCxnSpPr>
+            <p:cNvPr id="46" name="直接箭头连接符 45"/>
+            <p:cNvCxnSpPr>
+              <a:stCxn id="12" idx="5"/>
+              <a:endCxn id="16" idx="0"/>
+            </p:cNvCxnSpPr>
+            <p:nvPr/>
+          </p:nvCxnSpPr>
+          <p:spPr>
+            <a:xfrm>
+              <a:off x="9645" y="3204"/>
+              <a:ext cx="667" cy="836"/>
+            </a:xfrm>
+            <a:prstGeom prst="straightConnector1">
+              <a:avLst/>
+            </a:prstGeom>
+            <a:ln w="38100">
+              <a:solidFill>
+                <a:srgbClr val="FF0000"/>
+              </a:solidFill>
+              <a:tailEnd type="arrow"/>
+            </a:ln>
+          </p:spPr>
+          <p:style>
+            <a:lnRef idx="1">
+              <a:schemeClr val="accent1"/>
+            </a:lnRef>
+            <a:fillRef idx="0">
+              <a:schemeClr val="accent1"/>
+            </a:fillRef>
+            <a:effectRef idx="0">
+              <a:schemeClr val="accent1"/>
+            </a:effectRef>
+            <a:fontRef idx="minor">
+              <a:schemeClr val="tx1"/>
+            </a:fontRef>
+          </p:style>
+        </p:cxnSp>
+        <p:cxnSp>
+          <p:nvCxnSpPr>
+            <p:cNvPr id="47" name="直接箭头连接符 46"/>
+            <p:cNvCxnSpPr>
+              <a:stCxn id="12" idx="3"/>
+              <a:endCxn id="15" idx="0"/>
+            </p:cNvCxnSpPr>
+            <p:nvPr/>
+          </p:nvCxnSpPr>
+          <p:spPr>
+            <a:xfrm flipH="1">
+              <a:off x="8716" y="3204"/>
+              <a:ext cx="444" cy="836"/>
+            </a:xfrm>
+            <a:prstGeom prst="straightConnector1">
+              <a:avLst/>
+            </a:prstGeom>
+            <a:ln w="38100">
+              <a:solidFill>
+                <a:srgbClr val="FF0000"/>
+              </a:solidFill>
+              <a:tailEnd type="arrow"/>
+            </a:ln>
+          </p:spPr>
+          <p:style>
+            <a:lnRef idx="1">
+              <a:schemeClr val="accent1"/>
+            </a:lnRef>
+            <a:fillRef idx="0">
+              <a:schemeClr val="accent1"/>
+            </a:fillRef>
+            <a:effectRef idx="0">
+              <a:schemeClr val="accent1"/>
+            </a:effectRef>
+            <a:fontRef idx="minor">
+              <a:schemeClr val="tx1"/>
+            </a:fontRef>
+          </p:style>
+        </p:cxnSp>
+        <p:cxnSp>
+          <p:nvCxnSpPr>
+            <p:cNvPr id="48" name="直接箭头连接符 47"/>
+            <p:cNvCxnSpPr>
+              <a:stCxn id="16" idx="5"/>
+              <a:endCxn id="18" idx="1"/>
+            </p:cNvCxnSpPr>
+            <p:nvPr/>
+          </p:nvCxnSpPr>
+          <p:spPr>
+            <a:xfrm>
+              <a:off x="10554" y="4645"/>
+              <a:ext cx="499" cy="799"/>
+            </a:xfrm>
+            <a:prstGeom prst="straightConnector1">
+              <a:avLst/>
+            </a:prstGeom>
+            <a:ln w="38100">
+              <a:solidFill>
+                <a:srgbClr val="FF0000"/>
+              </a:solidFill>
+              <a:tailEnd type="arrow"/>
+            </a:ln>
+          </p:spPr>
+          <p:style>
+            <a:lnRef idx="1">
+              <a:schemeClr val="accent1"/>
+            </a:lnRef>
+            <a:fillRef idx="0">
+              <a:schemeClr val="accent1"/>
+            </a:fillRef>
+            <a:effectRef idx="0">
+              <a:schemeClr val="accent1"/>
+            </a:effectRef>
+            <a:fontRef idx="minor">
+              <a:schemeClr val="tx1"/>
+            </a:fontRef>
+          </p:style>
+        </p:cxnSp>
+        <p:cxnSp>
+          <p:nvCxnSpPr>
+            <p:cNvPr id="49" name="直接箭头连接符 48"/>
+            <p:cNvCxnSpPr>
+              <a:stCxn id="10" idx="5"/>
+              <a:endCxn id="12" idx="1"/>
+            </p:cNvCxnSpPr>
+            <p:nvPr/>
+          </p:nvCxnSpPr>
+          <p:spPr>
+            <a:xfrm>
+              <a:off x="8142" y="2021"/>
+              <a:ext cx="1018" cy="682"/>
+            </a:xfrm>
+            <a:prstGeom prst="straightConnector1">
+              <a:avLst/>
+            </a:prstGeom>
+            <a:ln w="38100">
+              <a:solidFill>
+                <a:srgbClr val="FF0000"/>
+              </a:solidFill>
+              <a:tailEnd type="arrow"/>
+            </a:ln>
+          </p:spPr>
+          <p:style>
+            <a:lnRef idx="1">
+              <a:schemeClr val="accent1"/>
+            </a:lnRef>
+            <a:fillRef idx="0">
+              <a:schemeClr val="accent1"/>
+            </a:fillRef>
+            <a:effectRef idx="0">
+              <a:schemeClr val="accent1"/>
+            </a:effectRef>
+            <a:fontRef idx="minor">
+              <a:schemeClr val="tx1"/>
+            </a:fontRef>
+          </p:style>
+        </p:cxnSp>
+      </p:grpSp>
+      <p:grpSp>
+        <p:nvGrpSpPr>
+          <p:cNvPr id="74" name="组合 73"/>
+          <p:cNvGrpSpPr/>
+          <p:nvPr/>
+        </p:nvGrpSpPr>
+        <p:grpSpPr>
+          <a:xfrm>
+            <a:off x="1257300" y="1718945"/>
+            <a:ext cx="2534920" cy="1209040"/>
+            <a:chOff x="622" y="2105"/>
+            <a:chExt cx="3992" cy="1904"/>
+          </a:xfrm>
+        </p:grpSpPr>
+        <p:grpSp>
+          <p:nvGrpSpPr>
+            <p:cNvPr id="62" name="组合 61"/>
+            <p:cNvGrpSpPr/>
+            <p:nvPr/>
+          </p:nvGrpSpPr>
+          <p:grpSpPr>
+            <a:xfrm>
+              <a:off x="622" y="2105"/>
+              <a:ext cx="3992" cy="1905"/>
+              <a:chOff x="621" y="2416"/>
+              <a:chExt cx="3992" cy="1905"/>
+            </a:xfrm>
+          </p:grpSpPr>
+          <p:grpSp>
+            <p:nvGrpSpPr>
+              <p:cNvPr id="60" name="组合 59"/>
+              <p:cNvGrpSpPr/>
+              <p:nvPr/>
+            </p:nvGrpSpPr>
+            <p:grpSpPr>
+              <a:xfrm>
+                <a:off x="621" y="2982"/>
+                <a:ext cx="3992" cy="1339"/>
+                <a:chOff x="607" y="2830"/>
+                <a:chExt cx="3992" cy="1339"/>
+              </a:xfrm>
+            </p:grpSpPr>
+            <p:grpSp>
+              <p:nvGrpSpPr>
+                <p:cNvPr id="58" name="组合 57"/>
+                <p:cNvGrpSpPr/>
+                <p:nvPr/>
+              </p:nvGrpSpPr>
+              <p:grpSpPr>
+                <a:xfrm>
+                  <a:off x="607" y="2830"/>
+                  <a:ext cx="3992" cy="594"/>
+                  <a:chOff x="607" y="2830"/>
+                  <a:chExt cx="3992" cy="594"/>
+                </a:xfrm>
+              </p:grpSpPr>
+              <p:sp>
+                <p:nvSpPr>
+                  <p:cNvPr id="50" name="矩形 49"/>
+                  <p:cNvSpPr/>
+                  <p:nvPr/>
+                </p:nvSpPr>
+                <p:spPr>
+                  <a:xfrm>
+                    <a:off x="607" y="2830"/>
+                    <a:ext cx="3992" cy="594"/>
+                  </a:xfrm>
+                  <a:prstGeom prst="rect">
+                    <a:avLst/>
+                  </a:prstGeom>
+                </p:spPr>
+                <p:style>
+                  <a:lnRef idx="2">
+                    <a:schemeClr val="accent1"/>
+                  </a:lnRef>
+                  <a:fillRef idx="1">
+                    <a:schemeClr val="lt1"/>
+                  </a:fillRef>
+                  <a:effectRef idx="0">
+                    <a:schemeClr val="accent1"/>
+                  </a:effectRef>
+                  <a:fontRef idx="minor">
+                    <a:schemeClr val="dk1"/>
+                  </a:fontRef>
+                </p:style>
+                <p:txBody>
+                  <a:bodyPr rtlCol="0" anchor="ctr"/>
+                  <a:p>
+                    <a:pPr algn="ctr"/>
+                    <a:endParaRPr lang="zh-CN" altLang="en-US"/>
+                  </a:p>
+                </p:txBody>
+              </p:sp>
+              <p:cxnSp>
+                <p:nvCxnSpPr>
+                  <p:cNvPr id="51" name="直接连接符 50"/>
+                  <p:cNvCxnSpPr>
+                    <a:stCxn id="50" idx="0"/>
+                    <a:endCxn id="50" idx="2"/>
+                  </p:cNvCxnSpPr>
+                  <p:nvPr/>
+                </p:nvCxnSpPr>
+                <p:spPr>
+                  <a:xfrm>
+                    <a:off x="2603" y="2830"/>
+                    <a:ext cx="0" cy="594"/>
+                  </a:xfrm>
+                  <a:prstGeom prst="line">
+                    <a:avLst/>
+                  </a:prstGeom>
+                </p:spPr>
+                <p:style>
+                  <a:lnRef idx="1">
+                    <a:schemeClr val="accent1"/>
+                  </a:lnRef>
+                  <a:fillRef idx="0">
+                    <a:schemeClr val="accent1"/>
+                  </a:fillRef>
+                  <a:effectRef idx="0">
+                    <a:schemeClr val="accent1"/>
+                  </a:effectRef>
+                  <a:fontRef idx="minor">
+                    <a:schemeClr val="tx1"/>
+                  </a:fontRef>
+                </p:style>
+              </p:cxnSp>
+              <p:cxnSp>
+                <p:nvCxnSpPr>
+                  <p:cNvPr id="52" name="直接连接符 51"/>
+                  <p:cNvCxnSpPr/>
+                  <p:nvPr/>
+                </p:nvCxnSpPr>
+                <p:spPr>
+                  <a:xfrm>
+                    <a:off x="1599" y="2830"/>
+                    <a:ext cx="0" cy="594"/>
+                  </a:xfrm>
+                  <a:prstGeom prst="line">
+                    <a:avLst/>
+                  </a:prstGeom>
+                </p:spPr>
+                <p:style>
+                  <a:lnRef idx="1">
+                    <a:schemeClr val="accent1"/>
+                  </a:lnRef>
+                  <a:fillRef idx="0">
+                    <a:schemeClr val="accent1"/>
+                  </a:fillRef>
+                  <a:effectRef idx="0">
+                    <a:schemeClr val="accent1"/>
+                  </a:effectRef>
+                  <a:fontRef idx="minor">
+                    <a:schemeClr val="tx1"/>
+                  </a:fontRef>
+                </p:style>
+              </p:cxnSp>
+              <p:cxnSp>
+                <p:nvCxnSpPr>
+                  <p:cNvPr id="53" name="直接连接符 52"/>
+                  <p:cNvCxnSpPr/>
+                  <p:nvPr/>
+                </p:nvCxnSpPr>
+                <p:spPr>
+                  <a:xfrm>
+                    <a:off x="3595" y="2830"/>
+                    <a:ext cx="0" cy="594"/>
+                  </a:xfrm>
+                  <a:prstGeom prst="line">
+                    <a:avLst/>
+                  </a:prstGeom>
+                </p:spPr>
+                <p:style>
+                  <a:lnRef idx="1">
+                    <a:schemeClr val="accent1"/>
+                  </a:lnRef>
+                  <a:fillRef idx="0">
+                    <a:schemeClr val="accent1"/>
+                  </a:fillRef>
+                  <a:effectRef idx="0">
+                    <a:schemeClr val="accent1"/>
+                  </a:effectRef>
+                  <a:fontRef idx="minor">
+                    <a:schemeClr val="tx1"/>
+                  </a:fontRef>
+                </p:style>
+              </p:cxnSp>
+              <p:sp>
+                <p:nvSpPr>
+                  <p:cNvPr id="54" name="文本框 53"/>
+                  <p:cNvSpPr txBox="1"/>
+                  <p:nvPr/>
+                </p:nvSpPr>
+                <p:spPr>
+                  <a:xfrm>
+                    <a:off x="804" y="2844"/>
+                    <a:ext cx="470" cy="580"/>
+                  </a:xfrm>
+                  <a:prstGeom prst="rect">
+                    <a:avLst/>
+                  </a:prstGeom>
+                  <a:noFill/>
+                </p:spPr>
+                <p:txBody>
+                  <a:bodyPr wrap="none" rtlCol="0">
+                    <a:spAutoFit/>
+                  </a:bodyPr>
+                  <a:p>
+                    <a:r>
+                      <a:rPr lang="en-US" altLang="zh-CN"/>
+                      <a:t>6</a:t>
+                    </a:r>
+                    <a:endParaRPr lang="en-US" altLang="zh-CN"/>
+                  </a:p>
+                </p:txBody>
+              </p:sp>
+            </p:grpSp>
+            <p:sp>
+              <p:nvSpPr>
+                <p:cNvPr id="59" name="下箭头 58"/>
+                <p:cNvSpPr/>
+                <p:nvPr/>
+              </p:nvSpPr>
+              <p:spPr>
+                <a:xfrm>
+                  <a:off x="2404" y="3858"/>
+                  <a:ext cx="397" cy="311"/>
+                </a:xfrm>
+                <a:prstGeom prst="downArrow">
+                  <a:avLst/>
+                </a:prstGeom>
+              </p:spPr>
+              <p:style>
+                <a:lnRef idx="2">
+                  <a:schemeClr val="accent1">
+                    <a:shade val="50000"/>
+                  </a:schemeClr>
+                </a:lnRef>
+                <a:fillRef idx="1">
+                  <a:schemeClr val="accent1"/>
+                </a:fillRef>
+                <a:effectRef idx="0">
+                  <a:schemeClr val="accent1"/>
+                </a:effectRef>
+                <a:fontRef idx="minor">
+                  <a:schemeClr val="lt1"/>
+                </a:fontRef>
+              </p:style>
+              <p:txBody>
+                <a:bodyPr rtlCol="0" anchor="ctr"/>
+                <a:p>
+                  <a:pPr algn="ctr"/>
+                  <a:endParaRPr lang="zh-CN" altLang="en-US"/>
+                </a:p>
+              </p:txBody>
+            </p:sp>
+          </p:grpSp>
+          <p:sp>
+            <p:nvSpPr>
+              <p:cNvPr id="61" name="文本框 60"/>
+              <p:cNvSpPr txBox="1"/>
+              <p:nvPr/>
+            </p:nvSpPr>
+            <p:spPr>
+              <a:xfrm>
+                <a:off x="621" y="2416"/>
+                <a:ext cx="3430" cy="580"/>
+              </a:xfrm>
+              <a:prstGeom prst="rect">
+                <a:avLst/>
+              </a:prstGeom>
+              <a:noFill/>
+            </p:spPr>
+            <p:txBody>
+              <a:bodyPr wrap="none" rtlCol="0">
+                <a:spAutoFit/>
+              </a:bodyPr>
+              <a:p>
+                <a:r>
+                  <a:rPr lang="en-US" altLang="zh-CN"/>
+                  <a:t>step1:root</a:t>
+                </a:r>
+                <a:r>
+                  <a:rPr lang="zh-CN" altLang="en-US"/>
+                  <a:t>节点</a:t>
+                </a:r>
+                <a:r>
+                  <a:rPr lang="en-US" altLang="zh-CN"/>
+                  <a:t>6</a:t>
+                </a:r>
+                <a:r>
+                  <a:rPr lang="zh-CN" altLang="en-US"/>
+                  <a:t>入队</a:t>
+                </a:r>
+                <a:endParaRPr lang="zh-CN" altLang="en-US"/>
+              </a:p>
+            </p:txBody>
+          </p:sp>
+        </p:grpSp>
+        <p:sp>
+          <p:nvSpPr>
+            <p:cNvPr id="73" name="文本框 72"/>
+            <p:cNvSpPr txBox="1"/>
+            <p:nvPr/>
+          </p:nvSpPr>
+          <p:spPr>
+            <a:xfrm>
+              <a:off x="691" y="3265"/>
+              <a:ext cx="1545" cy="580"/>
+            </a:xfrm>
+            <a:prstGeom prst="rect">
+              <a:avLst/>
+            </a:prstGeom>
+            <a:noFill/>
+          </p:spPr>
+          <p:txBody>
+            <a:bodyPr wrap="none" rtlCol="0">
+              <a:spAutoFit/>
+            </a:bodyPr>
+            <a:p>
+              <a:r>
+                <a:rPr lang="zh-CN" altLang="en-US"/>
+                <a:t>输出</a:t>
+              </a:r>
+              <a:r>
+                <a:rPr lang="en-US" altLang="zh-CN"/>
+                <a:t>: </a:t>
+              </a:r>
+              <a:r>
+                <a:rPr lang="zh-CN" altLang="en-US"/>
+                <a:t>无</a:t>
+              </a:r>
+              <a:endParaRPr lang="zh-CN" altLang="en-US"/>
+            </a:p>
+          </p:txBody>
+        </p:sp>
+      </p:grpSp>
+      <p:grpSp>
+        <p:nvGrpSpPr>
+          <p:cNvPr id="75" name="组合 74"/>
+          <p:cNvGrpSpPr/>
+          <p:nvPr/>
+        </p:nvGrpSpPr>
+        <p:grpSpPr>
+          <a:xfrm>
+            <a:off x="1301115" y="2928620"/>
+            <a:ext cx="3272155" cy="1209675"/>
+            <a:chOff x="622" y="2105"/>
+            <a:chExt cx="5153" cy="1905"/>
+          </a:xfrm>
+        </p:grpSpPr>
+        <p:grpSp>
+          <p:nvGrpSpPr>
+            <p:cNvPr id="76" name="组合 75"/>
+            <p:cNvGrpSpPr/>
+            <p:nvPr/>
+          </p:nvGrpSpPr>
+          <p:grpSpPr>
+            <a:xfrm>
+              <a:off x="622" y="2105"/>
+              <a:ext cx="5153" cy="1905"/>
+              <a:chOff x="621" y="2416"/>
+              <a:chExt cx="5153" cy="1905"/>
+            </a:xfrm>
+          </p:grpSpPr>
+          <p:grpSp>
+            <p:nvGrpSpPr>
+              <p:cNvPr id="77" name="组合 76"/>
+              <p:cNvGrpSpPr/>
+              <p:nvPr/>
+            </p:nvGrpSpPr>
+            <p:grpSpPr>
+              <a:xfrm>
+                <a:off x="621" y="2982"/>
+                <a:ext cx="3992" cy="1339"/>
+                <a:chOff x="607" y="2830"/>
+                <a:chExt cx="3992" cy="1339"/>
+              </a:xfrm>
+            </p:grpSpPr>
+            <p:grpSp>
+              <p:nvGrpSpPr>
+                <p:cNvPr id="78" name="组合 77"/>
+                <p:cNvGrpSpPr/>
+                <p:nvPr/>
+              </p:nvGrpSpPr>
+              <p:grpSpPr>
+                <a:xfrm>
+                  <a:off x="607" y="2830"/>
+                  <a:ext cx="3992" cy="594"/>
+                  <a:chOff x="607" y="2830"/>
+                  <a:chExt cx="3992" cy="594"/>
+                </a:xfrm>
+              </p:grpSpPr>
+              <p:sp>
+                <p:nvSpPr>
+                  <p:cNvPr id="79" name="矩形 78"/>
+                  <p:cNvSpPr/>
+                  <p:nvPr/>
+                </p:nvSpPr>
+                <p:spPr>
+                  <a:xfrm>
+                    <a:off x="607" y="2830"/>
+                    <a:ext cx="3992" cy="594"/>
+                  </a:xfrm>
+                  <a:prstGeom prst="rect">
+                    <a:avLst/>
+                  </a:prstGeom>
+                </p:spPr>
+                <p:style>
+                  <a:lnRef idx="2">
+                    <a:schemeClr val="accent1"/>
+                  </a:lnRef>
+                  <a:fillRef idx="1">
+                    <a:schemeClr val="lt1"/>
+                  </a:fillRef>
+                  <a:effectRef idx="0">
+                    <a:schemeClr val="accent1"/>
+                  </a:effectRef>
+                  <a:fontRef idx="minor">
+                    <a:schemeClr val="dk1"/>
+                  </a:fontRef>
+                </p:style>
+                <p:txBody>
+                  <a:bodyPr rtlCol="0" anchor="ctr"/>
+                  <a:p>
+                    <a:pPr algn="ctr"/>
+                    <a:endParaRPr lang="zh-CN" altLang="en-US"/>
+                  </a:p>
+                </p:txBody>
+              </p:sp>
+              <p:cxnSp>
+                <p:nvCxnSpPr>
+                  <p:cNvPr id="80" name="直接连接符 79"/>
+                  <p:cNvCxnSpPr>
+                    <a:stCxn id="79" idx="0"/>
+                    <a:endCxn id="79" idx="2"/>
+                  </p:cNvCxnSpPr>
+                  <p:nvPr/>
+                </p:nvCxnSpPr>
+                <p:spPr>
+                  <a:xfrm>
+                    <a:off x="2603" y="2830"/>
+                    <a:ext cx="0" cy="594"/>
+                  </a:xfrm>
+                  <a:prstGeom prst="line">
+                    <a:avLst/>
+                  </a:prstGeom>
+                </p:spPr>
+                <p:style>
+                  <a:lnRef idx="1">
+                    <a:schemeClr val="accent1"/>
+                  </a:lnRef>
+                  <a:fillRef idx="0">
+                    <a:schemeClr val="accent1"/>
+                  </a:fillRef>
+                  <a:effectRef idx="0">
+                    <a:schemeClr val="accent1"/>
+                  </a:effectRef>
+                  <a:fontRef idx="minor">
+                    <a:schemeClr val="tx1"/>
+                  </a:fontRef>
+                </p:style>
+              </p:cxnSp>
+              <p:cxnSp>
+                <p:nvCxnSpPr>
+                  <p:cNvPr id="81" name="直接连接符 80"/>
+                  <p:cNvCxnSpPr/>
+                  <p:nvPr/>
+                </p:nvCxnSpPr>
+                <p:spPr>
+                  <a:xfrm>
+                    <a:off x="1599" y="2830"/>
+                    <a:ext cx="0" cy="594"/>
+                  </a:xfrm>
+                  <a:prstGeom prst="line">
+                    <a:avLst/>
+                  </a:prstGeom>
+                </p:spPr>
+                <p:style>
+                  <a:lnRef idx="1">
+                    <a:schemeClr val="accent1"/>
+                  </a:lnRef>
+                  <a:fillRef idx="0">
+                    <a:schemeClr val="accent1"/>
+                  </a:fillRef>
+                  <a:effectRef idx="0">
+                    <a:schemeClr val="accent1"/>
+                  </a:effectRef>
+                  <a:fontRef idx="minor">
+                    <a:schemeClr val="tx1"/>
+                  </a:fontRef>
+                </p:style>
+              </p:cxnSp>
+              <p:cxnSp>
+                <p:nvCxnSpPr>
+                  <p:cNvPr id="82" name="直接连接符 81"/>
+                  <p:cNvCxnSpPr/>
+                  <p:nvPr/>
+                </p:nvCxnSpPr>
+                <p:spPr>
+                  <a:xfrm>
+                    <a:off x="3595" y="2830"/>
+                    <a:ext cx="0" cy="594"/>
+                  </a:xfrm>
+                  <a:prstGeom prst="line">
+                    <a:avLst/>
+                  </a:prstGeom>
+                </p:spPr>
+                <p:style>
+                  <a:lnRef idx="1">
+                    <a:schemeClr val="accent1"/>
+                  </a:lnRef>
+                  <a:fillRef idx="0">
+                    <a:schemeClr val="accent1"/>
+                  </a:fillRef>
+                  <a:effectRef idx="0">
+                    <a:schemeClr val="accent1"/>
+                  </a:effectRef>
+                  <a:fontRef idx="minor">
+                    <a:schemeClr val="tx1"/>
+                  </a:fontRef>
+                </p:style>
+              </p:cxnSp>
+              <p:sp>
+                <p:nvSpPr>
+                  <p:cNvPr id="83" name="文本框 82"/>
+                  <p:cNvSpPr txBox="1"/>
+                  <p:nvPr/>
+                </p:nvSpPr>
+                <p:spPr>
+                  <a:xfrm>
+                    <a:off x="804" y="2844"/>
+                    <a:ext cx="470" cy="580"/>
+                  </a:xfrm>
+                  <a:prstGeom prst="rect">
+                    <a:avLst/>
+                  </a:prstGeom>
+                  <a:noFill/>
+                </p:spPr>
+                <p:txBody>
+                  <a:bodyPr wrap="none" rtlCol="0">
+                    <a:spAutoFit/>
+                  </a:bodyPr>
+                  <a:p>
+                    <a:r>
+                      <a:rPr lang="en-US" altLang="zh-CN"/>
+                      <a:t>4</a:t>
+                    </a:r>
+                    <a:endParaRPr lang="en-US" altLang="zh-CN"/>
+                  </a:p>
+                </p:txBody>
+              </p:sp>
+            </p:grpSp>
+            <p:sp>
+              <p:nvSpPr>
+                <p:cNvPr id="84" name="下箭头 83"/>
+                <p:cNvSpPr/>
+                <p:nvPr/>
+              </p:nvSpPr>
+              <p:spPr>
+                <a:xfrm>
+                  <a:off x="2404" y="3858"/>
+                  <a:ext cx="397" cy="311"/>
+                </a:xfrm>
+                <a:prstGeom prst="downArrow">
+                  <a:avLst/>
+                </a:prstGeom>
+              </p:spPr>
+              <p:style>
+                <a:lnRef idx="2">
+                  <a:schemeClr val="accent1">
+                    <a:shade val="50000"/>
+                  </a:schemeClr>
+                </a:lnRef>
+                <a:fillRef idx="1">
+                  <a:schemeClr val="accent1"/>
+                </a:fillRef>
+                <a:effectRef idx="0">
+                  <a:schemeClr val="accent1"/>
+                </a:effectRef>
+                <a:fontRef idx="minor">
+                  <a:schemeClr val="lt1"/>
+                </a:fontRef>
+              </p:style>
+              <p:txBody>
+                <a:bodyPr rtlCol="0" anchor="ctr"/>
+                <a:p>
+                  <a:pPr algn="ctr"/>
+                  <a:endParaRPr lang="zh-CN" altLang="en-US"/>
+                </a:p>
+              </p:txBody>
+            </p:sp>
+          </p:grpSp>
+          <p:sp>
+            <p:nvSpPr>
+              <p:cNvPr id="85" name="文本框 84"/>
+              <p:cNvSpPr txBox="1"/>
+              <p:nvPr/>
+            </p:nvSpPr>
+            <p:spPr>
+              <a:xfrm>
+                <a:off x="621" y="2416"/>
+                <a:ext cx="5153" cy="580"/>
+              </a:xfrm>
+              <a:prstGeom prst="rect">
+                <a:avLst/>
+              </a:prstGeom>
+              <a:noFill/>
+            </p:spPr>
+            <p:txBody>
+              <a:bodyPr wrap="none" rtlCol="0">
+                <a:spAutoFit/>
+              </a:bodyPr>
+              <a:p>
+                <a:r>
+                  <a:rPr lang="en-US" altLang="zh-CN"/>
+                  <a:t>step2:</a:t>
+                </a:r>
+                <a:r>
+                  <a:rPr lang="en-US"/>
+                  <a:t>6</a:t>
+                </a:r>
+                <a:r>
+                  <a:rPr lang="zh-CN" altLang="en-US"/>
+                  <a:t>出队</a:t>
+                </a:r>
+                <a:r>
+                  <a:rPr lang="en-US" altLang="zh-CN"/>
+                  <a:t>,</a:t>
+                </a:r>
+                <a:r>
+                  <a:rPr lang="zh-CN" altLang="en-US"/>
+                  <a:t>访问</a:t>
+                </a:r>
+                <a:r>
+                  <a:rPr lang="en-US" altLang="zh-CN"/>
+                  <a:t>6,6</a:t>
+                </a:r>
+                <a:r>
+                  <a:rPr lang="zh-CN" altLang="en-US"/>
+                  <a:t>的左右入队</a:t>
+                </a:r>
+                <a:endParaRPr lang="zh-CN" altLang="en-US"/>
+              </a:p>
+            </p:txBody>
+          </p:sp>
+        </p:grpSp>
+        <p:sp>
+          <p:nvSpPr>
+            <p:cNvPr id="86" name="文本框 85"/>
+            <p:cNvSpPr txBox="1"/>
+            <p:nvPr/>
+          </p:nvSpPr>
+          <p:spPr>
+            <a:xfrm>
+              <a:off x="691" y="3265"/>
+              <a:ext cx="1367" cy="580"/>
+            </a:xfrm>
+            <a:prstGeom prst="rect">
+              <a:avLst/>
+            </a:prstGeom>
+            <a:noFill/>
+          </p:spPr>
+          <p:txBody>
+            <a:bodyPr wrap="none" rtlCol="0">
+              <a:spAutoFit/>
+            </a:bodyPr>
+            <a:p>
+              <a:r>
+                <a:rPr lang="zh-CN" altLang="en-US"/>
+                <a:t>输出</a:t>
+              </a:r>
+              <a:r>
+                <a:rPr lang="en-US" altLang="zh-CN"/>
+                <a:t>: 6</a:t>
+              </a:r>
+              <a:endParaRPr lang="en-US" altLang="zh-CN"/>
+            </a:p>
+          </p:txBody>
+        </p:sp>
+      </p:grpSp>
+      <p:sp>
+        <p:nvSpPr>
+          <p:cNvPr id="87" name="文本框 86"/>
+          <p:cNvSpPr txBox="1"/>
+          <p:nvPr/>
+        </p:nvSpPr>
+        <p:spPr>
+          <a:xfrm>
+            <a:off x="2099945" y="3288030"/>
+            <a:ext cx="298450" cy="368300"/>
+          </a:xfrm>
+          <a:prstGeom prst="rect">
+            <a:avLst/>
+          </a:prstGeom>
+          <a:noFill/>
+        </p:spPr>
+        <p:txBody>
+          <a:bodyPr wrap="none" rtlCol="0">
+            <a:spAutoFit/>
+          </a:bodyPr>
+          <a:p>
+            <a:r>
+              <a:rPr lang="en-US" altLang="zh-CN"/>
+              <a:t>8</a:t>
+            </a:r>
+            <a:endParaRPr lang="en-US" altLang="zh-CN"/>
+          </a:p>
+        </p:txBody>
+      </p:sp>
+      <p:grpSp>
+        <p:nvGrpSpPr>
+          <p:cNvPr id="89" name="组合 88"/>
+          <p:cNvGrpSpPr/>
+          <p:nvPr/>
+        </p:nvGrpSpPr>
+        <p:grpSpPr>
+          <a:xfrm>
+            <a:off x="1212417" y="4138295"/>
+            <a:ext cx="3449955" cy="1584960"/>
+            <a:chOff x="548" y="1594"/>
+            <a:chExt cx="5688" cy="2496"/>
+          </a:xfrm>
+        </p:grpSpPr>
+        <p:grpSp>
+          <p:nvGrpSpPr>
+            <p:cNvPr id="90" name="组合 89"/>
+            <p:cNvGrpSpPr/>
+            <p:nvPr/>
+          </p:nvGrpSpPr>
+          <p:grpSpPr>
+            <a:xfrm>
+              <a:off x="548" y="1594"/>
+              <a:ext cx="5688" cy="2496"/>
+              <a:chOff x="547" y="1905"/>
+              <a:chExt cx="5688" cy="2496"/>
+            </a:xfrm>
+          </p:grpSpPr>
+          <p:grpSp>
+            <p:nvGrpSpPr>
+              <p:cNvPr id="91" name="组合 90"/>
+              <p:cNvGrpSpPr/>
+              <p:nvPr/>
+            </p:nvGrpSpPr>
+            <p:grpSpPr>
+              <a:xfrm>
+                <a:off x="621" y="2982"/>
+                <a:ext cx="3992" cy="1419"/>
+                <a:chOff x="607" y="2830"/>
+                <a:chExt cx="3992" cy="1419"/>
+              </a:xfrm>
+            </p:grpSpPr>
+            <p:grpSp>
+              <p:nvGrpSpPr>
+                <p:cNvPr id="92" name="组合 91"/>
+                <p:cNvGrpSpPr/>
+                <p:nvPr/>
+              </p:nvGrpSpPr>
+              <p:grpSpPr>
+                <a:xfrm>
+                  <a:off x="607" y="2830"/>
+                  <a:ext cx="3992" cy="594"/>
+                  <a:chOff x="607" y="2830"/>
+                  <a:chExt cx="3992" cy="594"/>
+                </a:xfrm>
+              </p:grpSpPr>
+              <p:sp>
+                <p:nvSpPr>
+                  <p:cNvPr id="93" name="矩形 92"/>
+                  <p:cNvSpPr/>
+                  <p:nvPr/>
+                </p:nvSpPr>
+                <p:spPr>
+                  <a:xfrm>
+                    <a:off x="607" y="2830"/>
+                    <a:ext cx="3992" cy="594"/>
+                  </a:xfrm>
+                  <a:prstGeom prst="rect">
+                    <a:avLst/>
+                  </a:prstGeom>
+                </p:spPr>
+                <p:style>
+                  <a:lnRef idx="2">
+                    <a:schemeClr val="accent1"/>
+                  </a:lnRef>
+                  <a:fillRef idx="1">
+                    <a:schemeClr val="lt1"/>
+                  </a:fillRef>
+                  <a:effectRef idx="0">
+                    <a:schemeClr val="accent1"/>
+                  </a:effectRef>
+                  <a:fontRef idx="minor">
+                    <a:schemeClr val="dk1"/>
+                  </a:fontRef>
+                </p:style>
+                <p:txBody>
+                  <a:bodyPr rtlCol="0" anchor="ctr"/>
+                  <a:p>
+                    <a:pPr algn="ctr"/>
+                    <a:endParaRPr lang="zh-CN" altLang="en-US"/>
+                  </a:p>
+                </p:txBody>
+              </p:sp>
+              <p:cxnSp>
+                <p:nvCxnSpPr>
+                  <p:cNvPr id="94" name="直接连接符 93"/>
+                  <p:cNvCxnSpPr>
+                    <a:stCxn id="93" idx="0"/>
+                    <a:endCxn id="93" idx="2"/>
+                  </p:cNvCxnSpPr>
+                  <p:nvPr/>
+                </p:nvCxnSpPr>
+                <p:spPr>
+                  <a:xfrm>
+                    <a:off x="2603" y="2830"/>
+                    <a:ext cx="0" cy="594"/>
+                  </a:xfrm>
+                  <a:prstGeom prst="line">
+                    <a:avLst/>
+                  </a:prstGeom>
+                </p:spPr>
+                <p:style>
+                  <a:lnRef idx="1">
+                    <a:schemeClr val="accent1"/>
+                  </a:lnRef>
+                  <a:fillRef idx="0">
+                    <a:schemeClr val="accent1"/>
+                  </a:fillRef>
+                  <a:effectRef idx="0">
+                    <a:schemeClr val="accent1"/>
+                  </a:effectRef>
+                  <a:fontRef idx="minor">
+                    <a:schemeClr val="tx1"/>
+                  </a:fontRef>
+                </p:style>
+              </p:cxnSp>
+              <p:cxnSp>
+                <p:nvCxnSpPr>
+                  <p:cNvPr id="95" name="直接连接符 94"/>
+                  <p:cNvCxnSpPr/>
+                  <p:nvPr/>
+                </p:nvCxnSpPr>
+                <p:spPr>
+                  <a:xfrm>
+                    <a:off x="1599" y="2830"/>
+                    <a:ext cx="0" cy="594"/>
+                  </a:xfrm>
+                  <a:prstGeom prst="line">
+                    <a:avLst/>
+                  </a:prstGeom>
+                </p:spPr>
+                <p:style>
+                  <a:lnRef idx="1">
+                    <a:schemeClr val="accent1"/>
+                  </a:lnRef>
+                  <a:fillRef idx="0">
+                    <a:schemeClr val="accent1"/>
+                  </a:fillRef>
+                  <a:effectRef idx="0">
+                    <a:schemeClr val="accent1"/>
+                  </a:effectRef>
+                  <a:fontRef idx="minor">
+                    <a:schemeClr val="tx1"/>
+                  </a:fontRef>
+                </p:style>
+              </p:cxnSp>
+              <p:cxnSp>
+                <p:nvCxnSpPr>
+                  <p:cNvPr id="96" name="直接连接符 95"/>
+                  <p:cNvCxnSpPr/>
+                  <p:nvPr/>
+                </p:nvCxnSpPr>
+                <p:spPr>
+                  <a:xfrm>
+                    <a:off x="3595" y="2830"/>
+                    <a:ext cx="0" cy="594"/>
+                  </a:xfrm>
+                  <a:prstGeom prst="line">
+                    <a:avLst/>
+                  </a:prstGeom>
+                </p:spPr>
+                <p:style>
+                  <a:lnRef idx="1">
+                    <a:schemeClr val="accent1"/>
+                  </a:lnRef>
+                  <a:fillRef idx="0">
+                    <a:schemeClr val="accent1"/>
+                  </a:fillRef>
+                  <a:effectRef idx="0">
+                    <a:schemeClr val="accent1"/>
+                  </a:effectRef>
+                  <a:fontRef idx="minor">
+                    <a:schemeClr val="tx1"/>
+                  </a:fontRef>
+                </p:style>
+              </p:cxnSp>
+              <p:sp>
+                <p:nvSpPr>
+                  <p:cNvPr id="97" name="文本框 96"/>
+                  <p:cNvSpPr txBox="1"/>
+                  <p:nvPr/>
+                </p:nvSpPr>
+                <p:spPr>
+                  <a:xfrm>
+                    <a:off x="804" y="2844"/>
+                    <a:ext cx="470" cy="580"/>
+                  </a:xfrm>
+                  <a:prstGeom prst="rect">
+                    <a:avLst/>
+                  </a:prstGeom>
+                  <a:noFill/>
+                </p:spPr>
+                <p:txBody>
+                  <a:bodyPr wrap="square" rtlCol="0">
+                    <a:spAutoFit/>
+                  </a:bodyPr>
+                  <a:p>
+                    <a:r>
+                      <a:rPr lang="en-US" altLang="zh-CN"/>
+                      <a:t>2</a:t>
+                    </a:r>
+                    <a:endParaRPr lang="en-US" altLang="zh-CN"/>
+                  </a:p>
+                </p:txBody>
+              </p:sp>
+            </p:grpSp>
+            <p:sp>
+              <p:nvSpPr>
+                <p:cNvPr id="98" name="下箭头 97"/>
+                <p:cNvSpPr/>
+                <p:nvPr/>
+              </p:nvSpPr>
+              <p:spPr>
+                <a:xfrm>
+                  <a:off x="2697" y="3938"/>
+                  <a:ext cx="397" cy="311"/>
+                </a:xfrm>
+                <a:prstGeom prst="downArrow">
+                  <a:avLst/>
+                </a:prstGeom>
+              </p:spPr>
+              <p:style>
+                <a:lnRef idx="2">
+                  <a:schemeClr val="accent1">
+                    <a:shade val="50000"/>
+                  </a:schemeClr>
+                </a:lnRef>
+                <a:fillRef idx="1">
+                  <a:schemeClr val="accent1"/>
+                </a:fillRef>
+                <a:effectRef idx="0">
+                  <a:schemeClr val="accent1"/>
+                </a:effectRef>
+                <a:fontRef idx="minor">
+                  <a:schemeClr val="lt1"/>
+                </a:fontRef>
+              </p:style>
+              <p:txBody>
+                <a:bodyPr rtlCol="0" anchor="ctr"/>
+                <a:p>
+                  <a:pPr algn="ctr"/>
+                  <a:endParaRPr lang="zh-CN" altLang="en-US"/>
+                </a:p>
+              </p:txBody>
+            </p:sp>
+          </p:grpSp>
+          <p:sp>
+            <p:nvSpPr>
+              <p:cNvPr id="99" name="文本框 98"/>
+              <p:cNvSpPr txBox="1"/>
+              <p:nvPr/>
+            </p:nvSpPr>
+            <p:spPr>
+              <a:xfrm>
+                <a:off x="547" y="1905"/>
+                <a:ext cx="5688" cy="1452"/>
+              </a:xfrm>
+              <a:prstGeom prst="rect">
+                <a:avLst/>
+              </a:prstGeom>
+              <a:noFill/>
+            </p:spPr>
+            <p:txBody>
+              <a:bodyPr wrap="square" rtlCol="0">
+                <a:spAutoFit/>
+              </a:bodyPr>
+              <a:p>
+                <a:r>
+                  <a:rPr lang="en-US" altLang="zh-CN"/>
+                  <a:t>step3:</a:t>
+                </a:r>
+                <a:r>
+                  <a:rPr lang="zh-CN" altLang="en-US"/>
+                  <a:t>所有元素出队</a:t>
+                </a:r>
+                <a:r>
+                  <a:rPr lang="ja-JP" altLang="en-US"/>
+                  <a:t>、</a:t>
+                </a:r>
+                <a:r>
+                  <a:rPr lang="zh-CN" altLang="en-US"/>
+                  <a:t>访问自身</a:t>
+                </a:r>
+                <a:r>
+                  <a:rPr lang="ja-JP" altLang="en-US"/>
+                  <a:t>、</a:t>
+                </a:r>
+                <a:br>
+                  <a:rPr lang="ja-JP" altLang="en-US"/>
+                </a:br>
+                <a:r>
+                  <a:rPr lang="zh-CN" altLang="ja-JP"/>
+                  <a:t>然后其左右子树入队（如果存在</a:t>
+                </a:r>
+                <a:r>
+                  <a:rPr lang="zh-CN" altLang="ja-JP"/>
+                  <a:t>）</a:t>
+                </a:r>
+                <a:br>
+                  <a:rPr lang="zh-CN" altLang="ja-JP"/>
+                </a:br>
+                <a:endParaRPr lang="zh-CN" altLang="ja-JP"/>
+              </a:p>
+            </p:txBody>
+          </p:sp>
+        </p:grpSp>
+        <p:sp>
+          <p:nvSpPr>
+            <p:cNvPr id="100" name="文本框 99"/>
+            <p:cNvSpPr txBox="1"/>
+            <p:nvPr/>
+          </p:nvSpPr>
+          <p:spPr>
+            <a:xfrm>
+              <a:off x="691" y="3265"/>
+              <a:ext cx="3383" cy="580"/>
+            </a:xfrm>
+            <a:prstGeom prst="rect">
+              <a:avLst/>
+            </a:prstGeom>
+            <a:noFill/>
+          </p:spPr>
+          <p:txBody>
+            <a:bodyPr wrap="square" rtlCol="0">
+              <a:spAutoFit/>
+            </a:bodyPr>
+            <a:p>
+              <a:r>
+                <a:rPr lang="zh-CN" altLang="en-US"/>
+                <a:t>输出</a:t>
+              </a:r>
+              <a:r>
+                <a:rPr lang="en-US" altLang="zh-CN"/>
+                <a:t>:[6] [4,8] </a:t>
+              </a:r>
+              <a:endParaRPr lang="zh-CN" altLang="en-US"/>
+            </a:p>
+          </p:txBody>
+        </p:sp>
+      </p:grpSp>
+      <p:sp>
+        <p:nvSpPr>
+          <p:cNvPr id="101" name="文本框 100"/>
+          <p:cNvSpPr txBox="1"/>
+          <p:nvPr/>
+        </p:nvSpPr>
+        <p:spPr>
+          <a:xfrm>
+            <a:off x="1997182" y="4822190"/>
+            <a:ext cx="285070" cy="368300"/>
+          </a:xfrm>
+          <a:prstGeom prst="rect">
+            <a:avLst/>
+          </a:prstGeom>
+          <a:noFill/>
+        </p:spPr>
+        <p:txBody>
+          <a:bodyPr wrap="square" rtlCol="0">
+            <a:spAutoFit/>
+          </a:bodyPr>
+          <a:p>
+            <a:r>
+              <a:rPr lang="en-US" altLang="zh-CN"/>
+              <a:t>7</a:t>
+            </a:r>
+            <a:endParaRPr lang="en-US" altLang="zh-CN"/>
+          </a:p>
+        </p:txBody>
+      </p:sp>
+      <p:sp>
+        <p:nvSpPr>
+          <p:cNvPr id="102" name="文本框 101"/>
+          <p:cNvSpPr txBox="1"/>
+          <p:nvPr/>
+        </p:nvSpPr>
+        <p:spPr>
+          <a:xfrm>
+            <a:off x="2587732" y="4822190"/>
+            <a:ext cx="285070" cy="368300"/>
+          </a:xfrm>
+          <a:prstGeom prst="rect">
+            <a:avLst/>
+          </a:prstGeom>
+          <a:noFill/>
+        </p:spPr>
+        <p:txBody>
+          <a:bodyPr wrap="square" rtlCol="0">
+            <a:spAutoFit/>
+          </a:bodyPr>
+          <a:p>
+            <a:r>
+              <a:rPr lang="en-US" altLang="zh-CN"/>
+              <a:t>9</a:t>
+            </a:r>
+            <a:endParaRPr lang="en-US" altLang="zh-CN"/>
+          </a:p>
+        </p:txBody>
+      </p:sp>
+      <p:sp>
+        <p:nvSpPr>
+          <p:cNvPr id="103" name="文本框 102"/>
+          <p:cNvSpPr txBox="1"/>
+          <p:nvPr/>
+        </p:nvSpPr>
+        <p:spPr>
+          <a:xfrm>
+            <a:off x="1319530" y="5823585"/>
+            <a:ext cx="2902585" cy="368300"/>
+          </a:xfrm>
+          <a:prstGeom prst="rect">
+            <a:avLst/>
+          </a:prstGeom>
+          <a:noFill/>
+        </p:spPr>
+        <p:txBody>
+          <a:bodyPr wrap="square" rtlCol="0">
+            <a:spAutoFit/>
+          </a:bodyPr>
+          <a:p>
+            <a:r>
+              <a:rPr lang="zh-CN" altLang="en-US"/>
+              <a:t>重复</a:t>
+            </a:r>
+            <a:r>
+              <a:rPr lang="en-US" altLang="zh-CN"/>
+              <a:t>step3,</a:t>
+            </a:r>
+            <a:r>
+              <a:rPr lang="zh-CN" altLang="en-US"/>
+              <a:t>直至队列</a:t>
+            </a:r>
+            <a:r>
+              <a:rPr lang="zh-CN" altLang="en-US"/>
+              <a:t>为空</a:t>
+            </a:r>
+            <a:endParaRPr lang="zh-CN" altLang="en-US"/>
+          </a:p>
+        </p:txBody>
+      </p:sp>
+    </p:spTree>
+  </p:cSld>
+  <p:clrMapOvr>
+    <a:masterClrMapping/>
+  </p:clrMapOvr>
+</p:sld>
+</file>
+
+<file path=ppt/slides/slide26.xml><?xml version="1.0" encoding="utf-8"?>
+<p:sld xmlns:a="http://schemas.openxmlformats.org/drawingml/2006/main" xmlns:r="http://schemas.openxmlformats.org/officeDocument/2006/relationships" xmlns:p="http://schemas.openxmlformats.org/presentationml/2006/main">
+  <p:cSld>
+    <p:spTree>
+      <p:nvGrpSpPr>
+        <p:cNvPr id="1" name=""/>
+        <p:cNvGrpSpPr/>
+        <p:nvPr/>
+      </p:nvGrpSpPr>
+      <p:grpSpPr/>
+      <p:sp>
+        <p:nvSpPr>
+          <p:cNvPr id="2" name="标题 1"/>
+          <p:cNvSpPr>
+            <a:spLocks noGrp="1"/>
+          </p:cNvSpPr>
+          <p:nvPr>
+            <p:ph type="title"/>
+          </p:nvPr>
+        </p:nvSpPr>
+        <p:spPr>
+          <a:xfrm>
+            <a:off x="885825" y="325755"/>
+            <a:ext cx="10515600" cy="1325563"/>
+          </a:xfrm>
+        </p:spPr>
+        <p:txBody>
+          <a:bodyPr/>
+          <a:p>
+            <a:r>
+              <a:rPr lang="en-US" altLang="zh-CN"/>
+              <a:t>zigzag</a:t>
+            </a:r>
+            <a:r>
+              <a:rPr lang="zh-CN" altLang="zh-CN"/>
+              <a:t>遍历</a:t>
+            </a:r>
+            <a:r>
+              <a:rPr lang="en-US" altLang="zh-CN"/>
+              <a:t>:[6]-[8,4]-[2,7,9]-[10,3,1]-[0]</a:t>
+            </a:r>
+            <a:endParaRPr lang="zh-CN" altLang="en-US"/>
+          </a:p>
+        </p:txBody>
+      </p:sp>
+      <p:grpSp>
+        <p:nvGrpSpPr>
+          <p:cNvPr id="8" name="组合 7"/>
+          <p:cNvGrpSpPr/>
+          <p:nvPr/>
+        </p:nvGrpSpPr>
+        <p:grpSpPr>
+          <a:xfrm>
+            <a:off x="6394450" y="1964690"/>
+            <a:ext cx="5551170" cy="3992880"/>
+            <a:chOff x="3042" y="1416"/>
+            <a:chExt cx="8742" cy="6288"/>
+          </a:xfrm>
+        </p:grpSpPr>
+        <p:grpSp>
+          <p:nvGrpSpPr>
+            <p:cNvPr id="9" name="组合 8"/>
+            <p:cNvGrpSpPr/>
+            <p:nvPr/>
+          </p:nvGrpSpPr>
+          <p:grpSpPr>
+            <a:xfrm>
+              <a:off x="3042" y="1416"/>
+              <a:ext cx="8743" cy="6288"/>
+              <a:chOff x="2978" y="1480"/>
+              <a:chExt cx="8743" cy="6288"/>
+            </a:xfrm>
+          </p:grpSpPr>
+          <p:sp>
+            <p:nvSpPr>
+              <p:cNvPr id="10" name="椭圆 9"/>
+              <p:cNvSpPr/>
+              <p:nvPr/>
+            </p:nvSpPr>
+            <p:spPr>
+              <a:xfrm>
+                <a:off x="7492" y="1480"/>
+                <a:ext cx="687" cy="709"/>
+              </a:xfrm>
+              <a:prstGeom prst="ellipse">
+                <a:avLst/>
+              </a:prstGeom>
+              <a:ln w="28575"/>
+            </p:spPr>
+            <p:style>
+              <a:lnRef idx="2">
+                <a:schemeClr val="accent1"/>
+              </a:lnRef>
+              <a:fillRef idx="1">
+                <a:schemeClr val="lt1"/>
+              </a:fillRef>
+              <a:effectRef idx="0">
+                <a:schemeClr val="accent1"/>
+              </a:effectRef>
+              <a:fontRef idx="minor">
+                <a:schemeClr val="dk1"/>
+              </a:fontRef>
+            </p:style>
+            <p:txBody>
+              <a:bodyPr rtlCol="0" anchor="ctr"/>
+              <a:p>
+                <a:pPr algn="ctr"/>
+                <a:r>
+                  <a:rPr lang="en-US" altLang="zh-CN"/>
+                  <a:t>6</a:t>
+                </a:r>
+                <a:endParaRPr lang="en-US" altLang="zh-CN"/>
+              </a:p>
+            </p:txBody>
+          </p:sp>
+          <p:sp>
+            <p:nvSpPr>
+              <p:cNvPr id="11" name="椭圆 10"/>
+              <p:cNvSpPr/>
+              <p:nvPr/>
+            </p:nvSpPr>
+            <p:spPr>
+              <a:xfrm>
+                <a:off x="6181" y="2663"/>
+                <a:ext cx="687" cy="709"/>
+              </a:xfrm>
+              <a:prstGeom prst="ellipse">
+                <a:avLst/>
+              </a:prstGeom>
+              <a:ln w="28575"/>
+            </p:spPr>
+            <p:style>
+              <a:lnRef idx="2">
+                <a:schemeClr val="accent1"/>
+              </a:lnRef>
+              <a:fillRef idx="1">
+                <a:schemeClr val="lt1"/>
+              </a:fillRef>
+              <a:effectRef idx="0">
+                <a:schemeClr val="accent1"/>
+              </a:effectRef>
+              <a:fontRef idx="minor">
+                <a:schemeClr val="dk1"/>
+              </a:fontRef>
+            </p:style>
+            <p:txBody>
+              <a:bodyPr rtlCol="0" anchor="ctr"/>
+              <a:p>
+                <a:pPr algn="ctr"/>
+                <a:r>
+                  <a:rPr lang="en-US" altLang="zh-CN"/>
+                  <a:t>4</a:t>
+                </a:r>
+                <a:endParaRPr lang="en-US" altLang="zh-CN"/>
+              </a:p>
+            </p:txBody>
+          </p:sp>
+          <p:sp>
+            <p:nvSpPr>
+              <p:cNvPr id="12" name="椭圆 11"/>
+              <p:cNvSpPr/>
+              <p:nvPr/>
+            </p:nvSpPr>
+            <p:spPr>
+              <a:xfrm>
+                <a:off x="8995" y="2663"/>
+                <a:ext cx="687" cy="709"/>
+              </a:xfrm>
+              <a:prstGeom prst="ellipse">
+                <a:avLst/>
+              </a:prstGeom>
+              <a:ln w="28575"/>
+            </p:spPr>
+            <p:style>
+              <a:lnRef idx="2">
+                <a:schemeClr val="accent1"/>
+              </a:lnRef>
+              <a:fillRef idx="1">
+                <a:schemeClr val="lt1"/>
+              </a:fillRef>
+              <a:effectRef idx="0">
+                <a:schemeClr val="accent1"/>
+              </a:effectRef>
+              <a:fontRef idx="minor">
+                <a:schemeClr val="dk1"/>
+              </a:fontRef>
+            </p:style>
+            <p:txBody>
+              <a:bodyPr rtlCol="0" anchor="ctr"/>
+              <a:p>
+                <a:pPr algn="ctr"/>
+                <a:r>
+                  <a:rPr lang="en-US" altLang="zh-CN"/>
+                  <a:t>8</a:t>
+                </a:r>
+                <a:endParaRPr lang="en-US" altLang="zh-CN"/>
+              </a:p>
+            </p:txBody>
+          </p:sp>
+          <p:sp>
+            <p:nvSpPr>
+              <p:cNvPr id="13" name="椭圆 12"/>
+              <p:cNvSpPr/>
+              <p:nvPr/>
+            </p:nvSpPr>
+            <p:spPr>
+              <a:xfrm>
+                <a:off x="5095" y="4104"/>
+                <a:ext cx="687" cy="709"/>
+              </a:xfrm>
+              <a:prstGeom prst="ellipse">
+                <a:avLst/>
+              </a:prstGeom>
+              <a:ln w="28575"/>
+            </p:spPr>
+            <p:style>
+              <a:lnRef idx="2">
+                <a:schemeClr val="accent1"/>
+              </a:lnRef>
+              <a:fillRef idx="1">
+                <a:schemeClr val="lt1"/>
+              </a:fillRef>
+              <a:effectRef idx="0">
+                <a:schemeClr val="accent1"/>
+              </a:effectRef>
+              <a:fontRef idx="minor">
+                <a:schemeClr val="dk1"/>
+              </a:fontRef>
+            </p:style>
+            <p:txBody>
+              <a:bodyPr rtlCol="0" anchor="ctr"/>
+              <a:p>
+                <a:pPr algn="ctr"/>
+                <a:r>
+                  <a:rPr lang="en-US" altLang="zh-CN"/>
+                  <a:t>2</a:t>
+                </a:r>
+                <a:endParaRPr lang="en-US" altLang="zh-CN"/>
+              </a:p>
+            </p:txBody>
+          </p:sp>
+          <p:sp>
+            <p:nvSpPr>
+              <p:cNvPr id="14" name="椭圆 13"/>
+              <p:cNvSpPr/>
+              <p:nvPr/>
+            </p:nvSpPr>
+            <p:spPr>
+              <a:xfrm>
+                <a:off x="6031" y="5513"/>
+                <a:ext cx="687" cy="709"/>
+              </a:xfrm>
+              <a:prstGeom prst="ellipse">
+                <a:avLst/>
+              </a:prstGeom>
+              <a:ln w="28575"/>
+            </p:spPr>
+            <p:style>
+              <a:lnRef idx="2">
+                <a:schemeClr val="accent1"/>
+              </a:lnRef>
+              <a:fillRef idx="1">
+                <a:schemeClr val="lt1"/>
+              </a:fillRef>
+              <a:effectRef idx="0">
+                <a:schemeClr val="accent1"/>
+              </a:effectRef>
+              <a:fontRef idx="minor">
+                <a:schemeClr val="dk1"/>
+              </a:fontRef>
+            </p:style>
+            <p:txBody>
+              <a:bodyPr rtlCol="0" anchor="ctr"/>
+              <a:p>
+                <a:pPr algn="ctr"/>
+                <a:r>
+                  <a:rPr lang="en-US" altLang="zh-CN"/>
+                  <a:t>3</a:t>
+                </a:r>
+                <a:endParaRPr lang="en-US" altLang="zh-CN"/>
+              </a:p>
+            </p:txBody>
+          </p:sp>
+          <p:sp>
+            <p:nvSpPr>
+              <p:cNvPr id="15" name="椭圆 14"/>
+              <p:cNvSpPr/>
+              <p:nvPr/>
+            </p:nvSpPr>
+            <p:spPr>
+              <a:xfrm>
+                <a:off x="8308" y="4104"/>
+                <a:ext cx="687" cy="709"/>
+              </a:xfrm>
+              <a:prstGeom prst="ellipse">
+                <a:avLst/>
+              </a:prstGeom>
+              <a:ln w="28575"/>
+            </p:spPr>
+            <p:style>
+              <a:lnRef idx="2">
+                <a:schemeClr val="accent1"/>
+              </a:lnRef>
+              <a:fillRef idx="1">
+                <a:schemeClr val="lt1"/>
+              </a:fillRef>
+              <a:effectRef idx="0">
+                <a:schemeClr val="accent1"/>
+              </a:effectRef>
+              <a:fontRef idx="minor">
+                <a:schemeClr val="dk1"/>
+              </a:fontRef>
+            </p:style>
+            <p:txBody>
+              <a:bodyPr rtlCol="0" anchor="ctr"/>
+              <a:p>
+                <a:pPr algn="ctr"/>
+                <a:r>
+                  <a:rPr lang="en-US" altLang="zh-CN"/>
+                  <a:t>7</a:t>
+                </a:r>
+                <a:endParaRPr lang="en-US" altLang="zh-CN"/>
+              </a:p>
+            </p:txBody>
+          </p:sp>
+          <p:sp>
+            <p:nvSpPr>
+              <p:cNvPr id="16" name="椭圆 15"/>
+              <p:cNvSpPr/>
+              <p:nvPr/>
+            </p:nvSpPr>
+            <p:spPr>
+              <a:xfrm>
+                <a:off x="9904" y="4104"/>
+                <a:ext cx="687" cy="709"/>
+              </a:xfrm>
+              <a:prstGeom prst="ellipse">
+                <a:avLst/>
+              </a:prstGeom>
+              <a:ln w="28575"/>
+            </p:spPr>
+            <p:style>
+              <a:lnRef idx="2">
+                <a:schemeClr val="accent1"/>
+              </a:lnRef>
+              <a:fillRef idx="1">
+                <a:schemeClr val="lt1"/>
+              </a:fillRef>
+              <a:effectRef idx="0">
+                <a:schemeClr val="accent1"/>
+              </a:effectRef>
+              <a:fontRef idx="minor">
+                <a:schemeClr val="dk1"/>
+              </a:fontRef>
+            </p:style>
+            <p:txBody>
+              <a:bodyPr rtlCol="0" anchor="ctr"/>
+              <a:p>
+                <a:pPr algn="ctr"/>
+                <a:r>
+                  <a:rPr lang="en-US" altLang="zh-CN"/>
+                  <a:t>9</a:t>
+                </a:r>
+                <a:endParaRPr lang="en-US" altLang="zh-CN"/>
+              </a:p>
+            </p:txBody>
+          </p:sp>
+          <p:sp>
+            <p:nvSpPr>
+              <p:cNvPr id="17" name="椭圆 16"/>
+              <p:cNvSpPr/>
+              <p:nvPr/>
+            </p:nvSpPr>
+            <p:spPr>
+              <a:xfrm>
+                <a:off x="4027" y="5513"/>
+                <a:ext cx="687" cy="709"/>
+              </a:xfrm>
+              <a:prstGeom prst="ellipse">
+                <a:avLst/>
+              </a:prstGeom>
+              <a:ln w="28575"/>
+            </p:spPr>
+            <p:style>
+              <a:lnRef idx="2">
+                <a:schemeClr val="accent1"/>
+              </a:lnRef>
+              <a:fillRef idx="1">
+                <a:schemeClr val="lt1"/>
+              </a:fillRef>
+              <a:effectRef idx="0">
+                <a:schemeClr val="accent1"/>
+              </a:effectRef>
+              <a:fontRef idx="minor">
+                <a:schemeClr val="dk1"/>
+              </a:fontRef>
+            </p:style>
+            <p:txBody>
+              <a:bodyPr rtlCol="0" anchor="ctr"/>
+              <a:p>
+                <a:pPr algn="ctr"/>
+                <a:r>
+                  <a:rPr lang="en-US" altLang="zh-CN"/>
+                  <a:t>1</a:t>
+                </a:r>
+                <a:endParaRPr lang="en-US" altLang="zh-CN"/>
+              </a:p>
+            </p:txBody>
+          </p:sp>
+          <p:sp>
+            <p:nvSpPr>
+              <p:cNvPr id="18" name="椭圆 17"/>
+              <p:cNvSpPr/>
+              <p:nvPr/>
+            </p:nvSpPr>
+            <p:spPr>
+              <a:xfrm>
+                <a:off x="10863" y="5385"/>
+                <a:ext cx="858" cy="837"/>
+              </a:xfrm>
+              <a:prstGeom prst="ellipse">
+                <a:avLst/>
+              </a:prstGeom>
+              <a:ln w="28575"/>
+            </p:spPr>
+            <p:style>
+              <a:lnRef idx="2">
+                <a:schemeClr val="accent1"/>
+              </a:lnRef>
+              <a:fillRef idx="1">
+                <a:schemeClr val="lt1"/>
+              </a:fillRef>
+              <a:effectRef idx="0">
+                <a:schemeClr val="accent1"/>
+              </a:effectRef>
+              <a:fontRef idx="minor">
+                <a:schemeClr val="dk1"/>
+              </a:fontRef>
+            </p:style>
+            <p:txBody>
+              <a:bodyPr rtlCol="0" anchor="ctr"/>
+              <a:p>
+                <a:pPr algn="ctr"/>
+                <a:r>
+                  <a:rPr lang="en-US" altLang="zh-CN" sz="1400"/>
+                  <a:t>10</a:t>
+                </a:r>
+                <a:endParaRPr lang="en-US" altLang="zh-CN" sz="1400"/>
+              </a:p>
+            </p:txBody>
+          </p:sp>
+          <p:sp>
+            <p:nvSpPr>
+              <p:cNvPr id="19" name="椭圆 18"/>
+              <p:cNvSpPr/>
+              <p:nvPr/>
+            </p:nvSpPr>
+            <p:spPr>
+              <a:xfrm>
+                <a:off x="2978" y="7060"/>
+                <a:ext cx="687" cy="709"/>
+              </a:xfrm>
+              <a:prstGeom prst="ellipse">
+                <a:avLst/>
+              </a:prstGeom>
+              <a:ln w="28575"/>
+            </p:spPr>
+            <p:style>
+              <a:lnRef idx="2">
+                <a:schemeClr val="accent1"/>
+              </a:lnRef>
+              <a:fillRef idx="1">
+                <a:schemeClr val="lt1"/>
+              </a:fillRef>
+              <a:effectRef idx="0">
+                <a:schemeClr val="accent1"/>
+              </a:effectRef>
+              <a:fontRef idx="minor">
+                <a:schemeClr val="dk1"/>
+              </a:fontRef>
+            </p:style>
+            <p:txBody>
+              <a:bodyPr rtlCol="0" anchor="ctr"/>
+              <a:p>
+                <a:pPr algn="ctr"/>
+                <a:r>
+                  <a:rPr lang="en-US" altLang="zh-CN"/>
+                  <a:t>0</a:t>
+                </a:r>
+                <a:endParaRPr lang="en-US" altLang="zh-CN"/>
+              </a:p>
+            </p:txBody>
+          </p:sp>
+        </p:grpSp>
+        <p:cxnSp>
+          <p:nvCxnSpPr>
+            <p:cNvPr id="20" name="直接箭头连接符 19"/>
+            <p:cNvCxnSpPr>
+              <a:stCxn id="10" idx="3"/>
+              <a:endCxn id="11" idx="7"/>
+            </p:cNvCxnSpPr>
+            <p:nvPr/>
+          </p:nvCxnSpPr>
+          <p:spPr>
+            <a:xfrm flipH="1">
+              <a:off x="6831" y="2021"/>
+              <a:ext cx="826" cy="682"/>
+            </a:xfrm>
+            <a:prstGeom prst="straightConnector1">
+              <a:avLst/>
+            </a:prstGeom>
+            <a:ln w="38100">
+              <a:solidFill>
+                <a:srgbClr val="FF0000"/>
+              </a:solidFill>
+              <a:tailEnd type="arrow"/>
+            </a:ln>
+          </p:spPr>
+          <p:style>
+            <a:lnRef idx="1">
+              <a:schemeClr val="accent1"/>
+            </a:lnRef>
+            <a:fillRef idx="0">
+              <a:schemeClr val="accent1"/>
+            </a:fillRef>
+            <a:effectRef idx="0">
+              <a:schemeClr val="accent1"/>
+            </a:effectRef>
+            <a:fontRef idx="minor">
+              <a:schemeClr val="tx1"/>
+            </a:fontRef>
+          </p:style>
+        </p:cxnSp>
+        <p:cxnSp>
+          <p:nvCxnSpPr>
+            <p:cNvPr id="21" name="直接箭头连接符 20"/>
+            <p:cNvCxnSpPr>
+              <a:stCxn id="11" idx="3"/>
+              <a:endCxn id="13" idx="7"/>
+            </p:cNvCxnSpPr>
+            <p:nvPr/>
+          </p:nvCxnSpPr>
+          <p:spPr>
+            <a:xfrm flipH="1">
+              <a:off x="5745" y="3204"/>
+              <a:ext cx="601" cy="940"/>
+            </a:xfrm>
+            <a:prstGeom prst="straightConnector1">
+              <a:avLst/>
+            </a:prstGeom>
+            <a:ln w="38100">
+              <a:solidFill>
+                <a:srgbClr val="FF0000"/>
+              </a:solidFill>
+              <a:tailEnd type="arrow"/>
+            </a:ln>
+          </p:spPr>
+          <p:style>
+            <a:lnRef idx="1">
+              <a:schemeClr val="accent1"/>
+            </a:lnRef>
+            <a:fillRef idx="0">
+              <a:schemeClr val="accent1"/>
+            </a:fillRef>
+            <a:effectRef idx="0">
+              <a:schemeClr val="accent1"/>
+            </a:effectRef>
+            <a:fontRef idx="minor">
+              <a:schemeClr val="tx1"/>
+            </a:fontRef>
+          </p:style>
+        </p:cxnSp>
+        <p:cxnSp>
+          <p:nvCxnSpPr>
+            <p:cNvPr id="22" name="直接箭头连接符 21"/>
+            <p:cNvCxnSpPr>
+              <a:stCxn id="13" idx="3"/>
+              <a:endCxn id="17" idx="7"/>
+            </p:cNvCxnSpPr>
+            <p:nvPr/>
+          </p:nvCxnSpPr>
+          <p:spPr>
+            <a:xfrm flipH="1">
+              <a:off x="4677" y="4645"/>
+              <a:ext cx="583" cy="908"/>
+            </a:xfrm>
+            <a:prstGeom prst="straightConnector1">
+              <a:avLst/>
+            </a:prstGeom>
+            <a:ln w="38100">
+              <a:solidFill>
+                <a:srgbClr val="FF0000"/>
+              </a:solidFill>
+              <a:tailEnd type="arrow"/>
+            </a:ln>
+          </p:spPr>
+          <p:style>
+            <a:lnRef idx="1">
+              <a:schemeClr val="accent1"/>
+            </a:lnRef>
+            <a:fillRef idx="0">
+              <a:schemeClr val="accent1"/>
+            </a:fillRef>
+            <a:effectRef idx="0">
+              <a:schemeClr val="accent1"/>
+            </a:effectRef>
+            <a:fontRef idx="minor">
+              <a:schemeClr val="tx1"/>
+            </a:fontRef>
+          </p:style>
+        </p:cxnSp>
+        <p:cxnSp>
+          <p:nvCxnSpPr>
+            <p:cNvPr id="23" name="直接箭头连接符 22"/>
+            <p:cNvCxnSpPr>
+              <a:stCxn id="17" idx="3"/>
+              <a:endCxn id="19" idx="7"/>
+            </p:cNvCxnSpPr>
+            <p:nvPr/>
+          </p:nvCxnSpPr>
+          <p:spPr>
+            <a:xfrm flipH="1">
+              <a:off x="3628" y="6054"/>
+              <a:ext cx="564" cy="1046"/>
+            </a:xfrm>
+            <a:prstGeom prst="straightConnector1">
+              <a:avLst/>
+            </a:prstGeom>
+            <a:ln w="38100">
+              <a:solidFill>
+                <a:srgbClr val="FF0000"/>
+              </a:solidFill>
+              <a:tailEnd type="arrow"/>
+            </a:ln>
+          </p:spPr>
+          <p:style>
+            <a:lnRef idx="1">
+              <a:schemeClr val="accent1"/>
+            </a:lnRef>
+            <a:fillRef idx="0">
+              <a:schemeClr val="accent1"/>
+            </a:fillRef>
+            <a:effectRef idx="0">
+              <a:schemeClr val="accent1"/>
+            </a:effectRef>
+            <a:fontRef idx="minor">
+              <a:schemeClr val="tx1"/>
+            </a:fontRef>
+          </p:style>
+        </p:cxnSp>
+        <p:cxnSp>
+          <p:nvCxnSpPr>
+            <p:cNvPr id="24" name="直接箭头连接符 23"/>
+            <p:cNvCxnSpPr>
+              <a:stCxn id="13" idx="5"/>
+              <a:endCxn id="14" idx="0"/>
+            </p:cNvCxnSpPr>
+            <p:nvPr/>
+          </p:nvCxnSpPr>
+          <p:spPr>
+            <a:xfrm>
+              <a:off x="5745" y="4645"/>
+              <a:ext cx="694" cy="804"/>
+            </a:xfrm>
+            <a:prstGeom prst="straightConnector1">
+              <a:avLst/>
+            </a:prstGeom>
+            <a:ln w="38100">
+              <a:solidFill>
+                <a:srgbClr val="FF0000"/>
+              </a:solidFill>
+              <a:tailEnd type="arrow"/>
+            </a:ln>
+          </p:spPr>
+          <p:style>
+            <a:lnRef idx="1">
+              <a:schemeClr val="accent1"/>
+            </a:lnRef>
+            <a:fillRef idx="0">
+              <a:schemeClr val="accent1"/>
+            </a:fillRef>
+            <a:effectRef idx="0">
+              <a:schemeClr val="accent1"/>
+            </a:effectRef>
+            <a:fontRef idx="minor">
+              <a:schemeClr val="tx1"/>
+            </a:fontRef>
+          </p:style>
+        </p:cxnSp>
+        <p:cxnSp>
+          <p:nvCxnSpPr>
+            <p:cNvPr id="46" name="直接箭头连接符 45"/>
+            <p:cNvCxnSpPr>
+              <a:stCxn id="12" idx="5"/>
+              <a:endCxn id="16" idx="0"/>
+            </p:cNvCxnSpPr>
+            <p:nvPr/>
+          </p:nvCxnSpPr>
+          <p:spPr>
+            <a:xfrm>
+              <a:off x="9645" y="3204"/>
+              <a:ext cx="667" cy="836"/>
+            </a:xfrm>
+            <a:prstGeom prst="straightConnector1">
+              <a:avLst/>
+            </a:prstGeom>
+            <a:ln w="38100">
+              <a:solidFill>
+                <a:srgbClr val="FF0000"/>
+              </a:solidFill>
+              <a:tailEnd type="arrow"/>
+            </a:ln>
+          </p:spPr>
+          <p:style>
+            <a:lnRef idx="1">
+              <a:schemeClr val="accent1"/>
+            </a:lnRef>
+            <a:fillRef idx="0">
+              <a:schemeClr val="accent1"/>
+            </a:fillRef>
+            <a:effectRef idx="0">
+              <a:schemeClr val="accent1"/>
+            </a:effectRef>
+            <a:fontRef idx="minor">
+              <a:schemeClr val="tx1"/>
+            </a:fontRef>
+          </p:style>
+        </p:cxnSp>
+        <p:cxnSp>
+          <p:nvCxnSpPr>
+            <p:cNvPr id="47" name="直接箭头连接符 46"/>
+            <p:cNvCxnSpPr>
+              <a:stCxn id="12" idx="3"/>
+              <a:endCxn id="15" idx="0"/>
+            </p:cNvCxnSpPr>
+            <p:nvPr/>
+          </p:nvCxnSpPr>
+          <p:spPr>
+            <a:xfrm flipH="1">
+              <a:off x="8716" y="3204"/>
+              <a:ext cx="444" cy="836"/>
+            </a:xfrm>
+            <a:prstGeom prst="straightConnector1">
+              <a:avLst/>
+            </a:prstGeom>
+            <a:ln w="38100">
+              <a:solidFill>
+                <a:srgbClr val="FF0000"/>
+              </a:solidFill>
+              <a:tailEnd type="arrow"/>
+            </a:ln>
+          </p:spPr>
+          <p:style>
+            <a:lnRef idx="1">
+              <a:schemeClr val="accent1"/>
+            </a:lnRef>
+            <a:fillRef idx="0">
+              <a:schemeClr val="accent1"/>
+            </a:fillRef>
+            <a:effectRef idx="0">
+              <a:schemeClr val="accent1"/>
+            </a:effectRef>
+            <a:fontRef idx="minor">
+              <a:schemeClr val="tx1"/>
+            </a:fontRef>
+          </p:style>
+        </p:cxnSp>
+        <p:cxnSp>
+          <p:nvCxnSpPr>
+            <p:cNvPr id="48" name="直接箭头连接符 47"/>
+            <p:cNvCxnSpPr>
+              <a:stCxn id="16" idx="5"/>
+              <a:endCxn id="18" idx="1"/>
+            </p:cNvCxnSpPr>
+            <p:nvPr/>
+          </p:nvCxnSpPr>
+          <p:spPr>
+            <a:xfrm>
+              <a:off x="10554" y="4645"/>
+              <a:ext cx="499" cy="799"/>
+            </a:xfrm>
+            <a:prstGeom prst="straightConnector1">
+              <a:avLst/>
+            </a:prstGeom>
+            <a:ln w="38100">
+              <a:solidFill>
+                <a:srgbClr val="FF0000"/>
+              </a:solidFill>
+              <a:tailEnd type="arrow"/>
+            </a:ln>
+          </p:spPr>
+          <p:style>
+            <a:lnRef idx="1">
+              <a:schemeClr val="accent1"/>
+            </a:lnRef>
+            <a:fillRef idx="0">
+              <a:schemeClr val="accent1"/>
+            </a:fillRef>
+            <a:effectRef idx="0">
+              <a:schemeClr val="accent1"/>
+            </a:effectRef>
+            <a:fontRef idx="minor">
+              <a:schemeClr val="tx1"/>
+            </a:fontRef>
+          </p:style>
+        </p:cxnSp>
+        <p:cxnSp>
+          <p:nvCxnSpPr>
+            <p:cNvPr id="49" name="直接箭头连接符 48"/>
+            <p:cNvCxnSpPr>
+              <a:stCxn id="10" idx="5"/>
+              <a:endCxn id="12" idx="1"/>
+            </p:cNvCxnSpPr>
+            <p:nvPr/>
+          </p:nvCxnSpPr>
+          <p:spPr>
+            <a:xfrm>
+              <a:off x="8142" y="2021"/>
+              <a:ext cx="1018" cy="682"/>
+            </a:xfrm>
+            <a:prstGeom prst="straightConnector1">
+              <a:avLst/>
+            </a:prstGeom>
+            <a:ln w="38100">
+              <a:solidFill>
+                <a:srgbClr val="FF0000"/>
+              </a:solidFill>
+              <a:tailEnd type="arrow"/>
+            </a:ln>
+          </p:spPr>
+          <p:style>
+            <a:lnRef idx="1">
+              <a:schemeClr val="accent1"/>
+            </a:lnRef>
+            <a:fillRef idx="0">
+              <a:schemeClr val="accent1"/>
+            </a:fillRef>
+            <a:effectRef idx="0">
+              <a:schemeClr val="accent1"/>
+            </a:effectRef>
+            <a:fontRef idx="minor">
+              <a:schemeClr val="tx1"/>
+            </a:fontRef>
+          </p:style>
+        </p:cxnSp>
+      </p:grpSp>
+      <p:grpSp>
+        <p:nvGrpSpPr>
+          <p:cNvPr id="74" name="组合 73"/>
+          <p:cNvGrpSpPr/>
+          <p:nvPr/>
+        </p:nvGrpSpPr>
+        <p:grpSpPr>
+          <a:xfrm>
+            <a:off x="1257300" y="1718945"/>
+            <a:ext cx="2534920" cy="1209040"/>
+            <a:chOff x="622" y="2105"/>
+            <a:chExt cx="3992" cy="1904"/>
+          </a:xfrm>
+        </p:grpSpPr>
+        <p:grpSp>
+          <p:nvGrpSpPr>
+            <p:cNvPr id="62" name="组合 61"/>
+            <p:cNvGrpSpPr/>
+            <p:nvPr/>
+          </p:nvGrpSpPr>
+          <p:grpSpPr>
+            <a:xfrm>
+              <a:off x="622" y="2105"/>
+              <a:ext cx="3992" cy="1905"/>
+              <a:chOff x="621" y="2416"/>
+              <a:chExt cx="3992" cy="1905"/>
+            </a:xfrm>
+          </p:grpSpPr>
+          <p:grpSp>
+            <p:nvGrpSpPr>
+              <p:cNvPr id="60" name="组合 59"/>
+              <p:cNvGrpSpPr/>
+              <p:nvPr/>
+            </p:nvGrpSpPr>
+            <p:grpSpPr>
+              <a:xfrm>
+                <a:off x="621" y="2982"/>
+                <a:ext cx="3992" cy="1339"/>
+                <a:chOff x="607" y="2830"/>
+                <a:chExt cx="3992" cy="1339"/>
+              </a:xfrm>
+            </p:grpSpPr>
+            <p:grpSp>
+              <p:nvGrpSpPr>
+                <p:cNvPr id="58" name="组合 57"/>
+                <p:cNvGrpSpPr/>
+                <p:nvPr/>
+              </p:nvGrpSpPr>
+              <p:grpSpPr>
+                <a:xfrm>
+                  <a:off x="607" y="2830"/>
+                  <a:ext cx="3992" cy="594"/>
+                  <a:chOff x="607" y="2830"/>
+                  <a:chExt cx="3992" cy="594"/>
+                </a:xfrm>
+              </p:grpSpPr>
+              <p:sp>
+                <p:nvSpPr>
+                  <p:cNvPr id="50" name="矩形 49"/>
+                  <p:cNvSpPr/>
+                  <p:nvPr/>
+                </p:nvSpPr>
+                <p:spPr>
+                  <a:xfrm>
+                    <a:off x="607" y="2830"/>
+                    <a:ext cx="3992" cy="594"/>
+                  </a:xfrm>
+                  <a:prstGeom prst="rect">
+                    <a:avLst/>
+                  </a:prstGeom>
+                </p:spPr>
+                <p:style>
+                  <a:lnRef idx="2">
+                    <a:schemeClr val="accent1"/>
+                  </a:lnRef>
+                  <a:fillRef idx="1">
+                    <a:schemeClr val="lt1"/>
+                  </a:fillRef>
+                  <a:effectRef idx="0">
+                    <a:schemeClr val="accent1"/>
+                  </a:effectRef>
+                  <a:fontRef idx="minor">
+                    <a:schemeClr val="dk1"/>
+                  </a:fontRef>
+                </p:style>
+                <p:txBody>
+                  <a:bodyPr rtlCol="0" anchor="ctr"/>
+                  <a:p>
+                    <a:pPr algn="ctr"/>
+                    <a:endParaRPr lang="zh-CN" altLang="en-US"/>
+                  </a:p>
+                </p:txBody>
+              </p:sp>
+              <p:cxnSp>
+                <p:nvCxnSpPr>
+                  <p:cNvPr id="51" name="直接连接符 50"/>
+                  <p:cNvCxnSpPr>
+                    <a:stCxn id="50" idx="0"/>
+                    <a:endCxn id="50" idx="2"/>
+                  </p:cNvCxnSpPr>
+                  <p:nvPr/>
+                </p:nvCxnSpPr>
+                <p:spPr>
+                  <a:xfrm>
+                    <a:off x="2603" y="2830"/>
+                    <a:ext cx="0" cy="594"/>
+                  </a:xfrm>
+                  <a:prstGeom prst="line">
+                    <a:avLst/>
+                  </a:prstGeom>
+                </p:spPr>
+                <p:style>
+                  <a:lnRef idx="1">
+                    <a:schemeClr val="accent1"/>
+                  </a:lnRef>
+                  <a:fillRef idx="0">
+                    <a:schemeClr val="accent1"/>
+                  </a:fillRef>
+                  <a:effectRef idx="0">
+                    <a:schemeClr val="accent1"/>
+                  </a:effectRef>
+                  <a:fontRef idx="minor">
+                    <a:schemeClr val="tx1"/>
+                  </a:fontRef>
+                </p:style>
+              </p:cxnSp>
+              <p:cxnSp>
+                <p:nvCxnSpPr>
+                  <p:cNvPr id="52" name="直接连接符 51"/>
+                  <p:cNvCxnSpPr/>
+                  <p:nvPr/>
+                </p:nvCxnSpPr>
+                <p:spPr>
+                  <a:xfrm>
+                    <a:off x="1599" y="2830"/>
+                    <a:ext cx="0" cy="594"/>
+                  </a:xfrm>
+                  <a:prstGeom prst="line">
+                    <a:avLst/>
+                  </a:prstGeom>
+                </p:spPr>
+                <p:style>
+                  <a:lnRef idx="1">
+                    <a:schemeClr val="accent1"/>
+                  </a:lnRef>
+                  <a:fillRef idx="0">
+                    <a:schemeClr val="accent1"/>
+                  </a:fillRef>
+                  <a:effectRef idx="0">
+                    <a:schemeClr val="accent1"/>
+                  </a:effectRef>
+                  <a:fontRef idx="minor">
+                    <a:schemeClr val="tx1"/>
+                  </a:fontRef>
+                </p:style>
+              </p:cxnSp>
+              <p:cxnSp>
+                <p:nvCxnSpPr>
+                  <p:cNvPr id="53" name="直接连接符 52"/>
+                  <p:cNvCxnSpPr/>
+                  <p:nvPr/>
+                </p:nvCxnSpPr>
+                <p:spPr>
+                  <a:xfrm>
+                    <a:off x="3595" y="2830"/>
+                    <a:ext cx="0" cy="594"/>
+                  </a:xfrm>
+                  <a:prstGeom prst="line">
+                    <a:avLst/>
+                  </a:prstGeom>
+                </p:spPr>
+                <p:style>
+                  <a:lnRef idx="1">
+                    <a:schemeClr val="accent1"/>
+                  </a:lnRef>
+                  <a:fillRef idx="0">
+                    <a:schemeClr val="accent1"/>
+                  </a:fillRef>
+                  <a:effectRef idx="0">
+                    <a:schemeClr val="accent1"/>
+                  </a:effectRef>
+                  <a:fontRef idx="minor">
+                    <a:schemeClr val="tx1"/>
+                  </a:fontRef>
+                </p:style>
+              </p:cxnSp>
+              <p:sp>
+                <p:nvSpPr>
+                  <p:cNvPr id="54" name="文本框 53"/>
+                  <p:cNvSpPr txBox="1"/>
+                  <p:nvPr/>
+                </p:nvSpPr>
+                <p:spPr>
+                  <a:xfrm>
+                    <a:off x="804" y="2844"/>
+                    <a:ext cx="470" cy="580"/>
+                  </a:xfrm>
+                  <a:prstGeom prst="rect">
+                    <a:avLst/>
+                  </a:prstGeom>
+                  <a:noFill/>
+                </p:spPr>
+                <p:txBody>
+                  <a:bodyPr wrap="none" rtlCol="0">
+                    <a:spAutoFit/>
+                  </a:bodyPr>
+                  <a:p>
+                    <a:r>
+                      <a:rPr lang="en-US" altLang="zh-CN"/>
+                      <a:t>6</a:t>
+                    </a:r>
+                    <a:endParaRPr lang="en-US" altLang="zh-CN"/>
+                  </a:p>
+                </p:txBody>
+              </p:sp>
+            </p:grpSp>
+            <p:sp>
+              <p:nvSpPr>
+                <p:cNvPr id="59" name="下箭头 58"/>
+                <p:cNvSpPr/>
+                <p:nvPr/>
+              </p:nvSpPr>
+              <p:spPr>
+                <a:xfrm>
+                  <a:off x="2404" y="3858"/>
+                  <a:ext cx="397" cy="311"/>
+                </a:xfrm>
+                <a:prstGeom prst="downArrow">
+                  <a:avLst/>
+                </a:prstGeom>
+              </p:spPr>
+              <p:style>
+                <a:lnRef idx="2">
+                  <a:schemeClr val="accent1">
+                    <a:shade val="50000"/>
+                  </a:schemeClr>
+                </a:lnRef>
+                <a:fillRef idx="1">
+                  <a:schemeClr val="accent1"/>
+                </a:fillRef>
+                <a:effectRef idx="0">
+                  <a:schemeClr val="accent1"/>
+                </a:effectRef>
+                <a:fontRef idx="minor">
+                  <a:schemeClr val="lt1"/>
+                </a:fontRef>
+              </p:style>
+              <p:txBody>
+                <a:bodyPr rtlCol="0" anchor="ctr"/>
+                <a:p>
+                  <a:pPr algn="ctr"/>
+                  <a:endParaRPr lang="zh-CN" altLang="en-US"/>
+                </a:p>
+              </p:txBody>
+            </p:sp>
+          </p:grpSp>
+          <p:sp>
+            <p:nvSpPr>
+              <p:cNvPr id="61" name="文本框 60"/>
+              <p:cNvSpPr txBox="1"/>
+              <p:nvPr/>
+            </p:nvSpPr>
+            <p:spPr>
+              <a:xfrm>
+                <a:off x="621" y="2416"/>
+                <a:ext cx="3430" cy="580"/>
+              </a:xfrm>
+              <a:prstGeom prst="rect">
+                <a:avLst/>
+              </a:prstGeom>
+              <a:noFill/>
+            </p:spPr>
+            <p:txBody>
+              <a:bodyPr wrap="none" rtlCol="0">
+                <a:spAutoFit/>
+              </a:bodyPr>
+              <a:p>
+                <a:r>
+                  <a:rPr lang="en-US" altLang="zh-CN"/>
+                  <a:t>step1:root</a:t>
+                </a:r>
+                <a:r>
+                  <a:rPr lang="zh-CN" altLang="en-US"/>
+                  <a:t>节点</a:t>
+                </a:r>
+                <a:r>
+                  <a:rPr lang="en-US" altLang="zh-CN"/>
+                  <a:t>6</a:t>
+                </a:r>
+                <a:r>
+                  <a:rPr lang="zh-CN" altLang="en-US"/>
+                  <a:t>入队</a:t>
+                </a:r>
+                <a:endParaRPr lang="zh-CN" altLang="en-US"/>
+              </a:p>
+            </p:txBody>
+          </p:sp>
+        </p:grpSp>
+        <p:sp>
+          <p:nvSpPr>
+            <p:cNvPr id="73" name="文本框 72"/>
+            <p:cNvSpPr txBox="1"/>
+            <p:nvPr/>
+          </p:nvSpPr>
+          <p:spPr>
+            <a:xfrm>
+              <a:off x="691" y="3265"/>
+              <a:ext cx="1545" cy="580"/>
+            </a:xfrm>
+            <a:prstGeom prst="rect">
+              <a:avLst/>
+            </a:prstGeom>
+            <a:noFill/>
+          </p:spPr>
+          <p:txBody>
+            <a:bodyPr wrap="none" rtlCol="0">
+              <a:spAutoFit/>
+            </a:bodyPr>
+            <a:p>
+              <a:r>
+                <a:rPr lang="zh-CN" altLang="en-US"/>
+                <a:t>输出</a:t>
+              </a:r>
+              <a:r>
+                <a:rPr lang="en-US" altLang="zh-CN"/>
+                <a:t>: </a:t>
+              </a:r>
+              <a:r>
+                <a:rPr lang="zh-CN" altLang="en-US"/>
+                <a:t>无</a:t>
+              </a:r>
+              <a:endParaRPr lang="zh-CN" altLang="en-US"/>
+            </a:p>
+          </p:txBody>
+        </p:sp>
+      </p:grpSp>
+      <p:grpSp>
+        <p:nvGrpSpPr>
+          <p:cNvPr id="75" name="组合 74"/>
+          <p:cNvGrpSpPr/>
+          <p:nvPr/>
+        </p:nvGrpSpPr>
+        <p:grpSpPr>
+          <a:xfrm>
+            <a:off x="1301115" y="2928620"/>
+            <a:ext cx="3272155" cy="1209675"/>
+            <a:chOff x="622" y="2105"/>
+            <a:chExt cx="5153" cy="1905"/>
+          </a:xfrm>
+        </p:grpSpPr>
+        <p:grpSp>
+          <p:nvGrpSpPr>
+            <p:cNvPr id="76" name="组合 75"/>
+            <p:cNvGrpSpPr/>
+            <p:nvPr/>
+          </p:nvGrpSpPr>
+          <p:grpSpPr>
+            <a:xfrm>
+              <a:off x="622" y="2105"/>
+              <a:ext cx="5153" cy="1905"/>
+              <a:chOff x="621" y="2416"/>
+              <a:chExt cx="5153" cy="1905"/>
+            </a:xfrm>
+          </p:grpSpPr>
+          <p:grpSp>
+            <p:nvGrpSpPr>
+              <p:cNvPr id="77" name="组合 76"/>
+              <p:cNvGrpSpPr/>
+              <p:nvPr/>
+            </p:nvGrpSpPr>
+            <p:grpSpPr>
+              <a:xfrm>
+                <a:off x="621" y="2982"/>
+                <a:ext cx="3992" cy="1339"/>
+                <a:chOff x="607" y="2830"/>
+                <a:chExt cx="3992" cy="1339"/>
+              </a:xfrm>
+            </p:grpSpPr>
+            <p:grpSp>
+              <p:nvGrpSpPr>
+                <p:cNvPr id="78" name="组合 77"/>
+                <p:cNvGrpSpPr/>
+                <p:nvPr/>
+              </p:nvGrpSpPr>
+              <p:grpSpPr>
+                <a:xfrm>
+                  <a:off x="607" y="2830"/>
+                  <a:ext cx="3992" cy="594"/>
+                  <a:chOff x="607" y="2830"/>
+                  <a:chExt cx="3992" cy="594"/>
+                </a:xfrm>
+              </p:grpSpPr>
+              <p:sp>
+                <p:nvSpPr>
+                  <p:cNvPr id="79" name="矩形 78"/>
+                  <p:cNvSpPr/>
+                  <p:nvPr/>
+                </p:nvSpPr>
+                <p:spPr>
+                  <a:xfrm>
+                    <a:off x="607" y="2830"/>
+                    <a:ext cx="3992" cy="594"/>
+                  </a:xfrm>
+                  <a:prstGeom prst="rect">
+                    <a:avLst/>
+                  </a:prstGeom>
+                </p:spPr>
+                <p:style>
+                  <a:lnRef idx="2">
+                    <a:schemeClr val="accent1"/>
+                  </a:lnRef>
+                  <a:fillRef idx="1">
+                    <a:schemeClr val="lt1"/>
+                  </a:fillRef>
+                  <a:effectRef idx="0">
+                    <a:schemeClr val="accent1"/>
+                  </a:effectRef>
+                  <a:fontRef idx="minor">
+                    <a:schemeClr val="dk1"/>
+                  </a:fontRef>
+                </p:style>
+                <p:txBody>
+                  <a:bodyPr rtlCol="0" anchor="ctr"/>
+                  <a:p>
+                    <a:pPr algn="ctr"/>
+                    <a:endParaRPr lang="zh-CN" altLang="en-US"/>
+                  </a:p>
+                </p:txBody>
+              </p:sp>
+              <p:cxnSp>
+                <p:nvCxnSpPr>
+                  <p:cNvPr id="80" name="直接连接符 79"/>
+                  <p:cNvCxnSpPr>
+                    <a:stCxn id="79" idx="0"/>
+                    <a:endCxn id="79" idx="2"/>
+                  </p:cNvCxnSpPr>
+                  <p:nvPr/>
+                </p:nvCxnSpPr>
+                <p:spPr>
+                  <a:xfrm>
+                    <a:off x="2603" y="2830"/>
+                    <a:ext cx="0" cy="594"/>
+                  </a:xfrm>
+                  <a:prstGeom prst="line">
+                    <a:avLst/>
+                  </a:prstGeom>
+                </p:spPr>
+                <p:style>
+                  <a:lnRef idx="1">
+                    <a:schemeClr val="accent1"/>
+                  </a:lnRef>
+                  <a:fillRef idx="0">
+                    <a:schemeClr val="accent1"/>
+                  </a:fillRef>
+                  <a:effectRef idx="0">
+                    <a:schemeClr val="accent1"/>
+                  </a:effectRef>
+                  <a:fontRef idx="minor">
+                    <a:schemeClr val="tx1"/>
+                  </a:fontRef>
+                </p:style>
+              </p:cxnSp>
+              <p:cxnSp>
+                <p:nvCxnSpPr>
+                  <p:cNvPr id="81" name="直接连接符 80"/>
+                  <p:cNvCxnSpPr/>
+                  <p:nvPr/>
+                </p:nvCxnSpPr>
+                <p:spPr>
+                  <a:xfrm>
+                    <a:off x="1599" y="2830"/>
+                    <a:ext cx="0" cy="594"/>
+                  </a:xfrm>
+                  <a:prstGeom prst="line">
+                    <a:avLst/>
+                  </a:prstGeom>
+                </p:spPr>
+                <p:style>
+                  <a:lnRef idx="1">
+                    <a:schemeClr val="accent1"/>
+                  </a:lnRef>
+                  <a:fillRef idx="0">
+                    <a:schemeClr val="accent1"/>
+                  </a:fillRef>
+                  <a:effectRef idx="0">
+                    <a:schemeClr val="accent1"/>
+                  </a:effectRef>
+                  <a:fontRef idx="minor">
+                    <a:schemeClr val="tx1"/>
+                  </a:fontRef>
+                </p:style>
+              </p:cxnSp>
+              <p:cxnSp>
+                <p:nvCxnSpPr>
+                  <p:cNvPr id="82" name="直接连接符 81"/>
+                  <p:cNvCxnSpPr/>
+                  <p:nvPr/>
+                </p:nvCxnSpPr>
+                <p:spPr>
+                  <a:xfrm>
+                    <a:off x="3595" y="2830"/>
+                    <a:ext cx="0" cy="594"/>
+                  </a:xfrm>
+                  <a:prstGeom prst="line">
+                    <a:avLst/>
+                  </a:prstGeom>
+                </p:spPr>
+                <p:style>
+                  <a:lnRef idx="1">
+                    <a:schemeClr val="accent1"/>
+                  </a:lnRef>
+                  <a:fillRef idx="0">
+                    <a:schemeClr val="accent1"/>
+                  </a:fillRef>
+                  <a:effectRef idx="0">
+                    <a:schemeClr val="accent1"/>
+                  </a:effectRef>
+                  <a:fontRef idx="minor">
+                    <a:schemeClr val="tx1"/>
+                  </a:fontRef>
+                </p:style>
+              </p:cxnSp>
+              <p:sp>
+                <p:nvSpPr>
+                  <p:cNvPr id="83" name="文本框 82"/>
+                  <p:cNvSpPr txBox="1"/>
+                  <p:nvPr/>
+                </p:nvSpPr>
+                <p:spPr>
+                  <a:xfrm>
+                    <a:off x="804" y="2844"/>
+                    <a:ext cx="470" cy="580"/>
+                  </a:xfrm>
+                  <a:prstGeom prst="rect">
+                    <a:avLst/>
+                  </a:prstGeom>
+                  <a:noFill/>
+                </p:spPr>
+                <p:txBody>
+                  <a:bodyPr wrap="none" rtlCol="0">
+                    <a:spAutoFit/>
+                  </a:bodyPr>
+                  <a:p>
+                    <a:r>
+                      <a:rPr lang="en-US" altLang="zh-CN"/>
+                      <a:t>4</a:t>
+                    </a:r>
+                    <a:endParaRPr lang="en-US" altLang="zh-CN"/>
+                  </a:p>
+                </p:txBody>
+              </p:sp>
+            </p:grpSp>
+            <p:sp>
+              <p:nvSpPr>
+                <p:cNvPr id="84" name="下箭头 83"/>
+                <p:cNvSpPr/>
+                <p:nvPr/>
+              </p:nvSpPr>
+              <p:spPr>
+                <a:xfrm>
+                  <a:off x="2404" y="3858"/>
+                  <a:ext cx="397" cy="311"/>
+                </a:xfrm>
+                <a:prstGeom prst="downArrow">
+                  <a:avLst/>
+                </a:prstGeom>
+              </p:spPr>
+              <p:style>
+                <a:lnRef idx="2">
+                  <a:schemeClr val="accent1">
+                    <a:shade val="50000"/>
+                  </a:schemeClr>
+                </a:lnRef>
+                <a:fillRef idx="1">
+                  <a:schemeClr val="accent1"/>
+                </a:fillRef>
+                <a:effectRef idx="0">
+                  <a:schemeClr val="accent1"/>
+                </a:effectRef>
+                <a:fontRef idx="minor">
+                  <a:schemeClr val="lt1"/>
+                </a:fontRef>
+              </p:style>
+              <p:txBody>
+                <a:bodyPr rtlCol="0" anchor="ctr"/>
+                <a:p>
+                  <a:pPr algn="ctr"/>
+                  <a:endParaRPr lang="zh-CN" altLang="en-US"/>
+                </a:p>
+              </p:txBody>
+            </p:sp>
+          </p:grpSp>
+          <p:sp>
+            <p:nvSpPr>
+              <p:cNvPr id="85" name="文本框 84"/>
+              <p:cNvSpPr txBox="1"/>
+              <p:nvPr/>
+            </p:nvSpPr>
+            <p:spPr>
+              <a:xfrm>
+                <a:off x="621" y="2416"/>
+                <a:ext cx="5153" cy="580"/>
+              </a:xfrm>
+              <a:prstGeom prst="rect">
+                <a:avLst/>
+              </a:prstGeom>
+              <a:noFill/>
+            </p:spPr>
+            <p:txBody>
+              <a:bodyPr wrap="none" rtlCol="0">
+                <a:spAutoFit/>
+              </a:bodyPr>
+              <a:p>
+                <a:r>
+                  <a:rPr lang="en-US" altLang="zh-CN"/>
+                  <a:t>step2:</a:t>
+                </a:r>
+                <a:r>
+                  <a:rPr lang="en-US"/>
+                  <a:t>6</a:t>
+                </a:r>
+                <a:r>
+                  <a:rPr lang="zh-CN" altLang="en-US"/>
+                  <a:t>出队</a:t>
+                </a:r>
+                <a:r>
+                  <a:rPr lang="en-US" altLang="zh-CN"/>
+                  <a:t>,</a:t>
+                </a:r>
+                <a:r>
+                  <a:rPr lang="zh-CN" altLang="en-US"/>
+                  <a:t>访问</a:t>
+                </a:r>
+                <a:r>
+                  <a:rPr lang="en-US" altLang="zh-CN"/>
+                  <a:t>6,6</a:t>
+                </a:r>
+                <a:r>
+                  <a:rPr lang="zh-CN" altLang="en-US"/>
+                  <a:t>的左右入队</a:t>
+                </a:r>
+                <a:endParaRPr lang="zh-CN" altLang="en-US"/>
+              </a:p>
+            </p:txBody>
+          </p:sp>
+        </p:grpSp>
+        <p:sp>
+          <p:nvSpPr>
+            <p:cNvPr id="86" name="文本框 85"/>
+            <p:cNvSpPr txBox="1"/>
+            <p:nvPr/>
+          </p:nvSpPr>
+          <p:spPr>
+            <a:xfrm>
+              <a:off x="691" y="3265"/>
+              <a:ext cx="1367" cy="580"/>
+            </a:xfrm>
+            <a:prstGeom prst="rect">
+              <a:avLst/>
+            </a:prstGeom>
+            <a:noFill/>
+          </p:spPr>
+          <p:txBody>
+            <a:bodyPr wrap="none" rtlCol="0">
+              <a:spAutoFit/>
+            </a:bodyPr>
+            <a:p>
+              <a:r>
+                <a:rPr lang="zh-CN" altLang="en-US"/>
+                <a:t>输出</a:t>
+              </a:r>
+              <a:r>
+                <a:rPr lang="en-US" altLang="zh-CN"/>
+                <a:t>: 6</a:t>
+              </a:r>
+              <a:endParaRPr lang="en-US" altLang="zh-CN"/>
+            </a:p>
+          </p:txBody>
+        </p:sp>
+      </p:grpSp>
+      <p:sp>
+        <p:nvSpPr>
+          <p:cNvPr id="87" name="文本框 86"/>
+          <p:cNvSpPr txBox="1"/>
+          <p:nvPr/>
+        </p:nvSpPr>
+        <p:spPr>
+          <a:xfrm>
+            <a:off x="2099945" y="3288030"/>
+            <a:ext cx="298450" cy="368300"/>
+          </a:xfrm>
+          <a:prstGeom prst="rect">
+            <a:avLst/>
+          </a:prstGeom>
+          <a:noFill/>
+        </p:spPr>
+        <p:txBody>
+          <a:bodyPr wrap="none" rtlCol="0">
+            <a:spAutoFit/>
+          </a:bodyPr>
+          <a:p>
+            <a:r>
+              <a:rPr lang="en-US" altLang="zh-CN"/>
+              <a:t>8</a:t>
+            </a:r>
+            <a:endParaRPr lang="en-US" altLang="zh-CN"/>
+          </a:p>
+        </p:txBody>
+      </p:sp>
+      <p:grpSp>
+        <p:nvGrpSpPr>
+          <p:cNvPr id="89" name="组合 88"/>
+          <p:cNvGrpSpPr/>
+          <p:nvPr/>
+        </p:nvGrpSpPr>
+        <p:grpSpPr>
+          <a:xfrm>
+            <a:off x="1212417" y="4138295"/>
+            <a:ext cx="3449955" cy="1584960"/>
+            <a:chOff x="548" y="1594"/>
+            <a:chExt cx="5688" cy="2496"/>
+          </a:xfrm>
+        </p:grpSpPr>
+        <p:grpSp>
+          <p:nvGrpSpPr>
+            <p:cNvPr id="90" name="组合 89"/>
+            <p:cNvGrpSpPr/>
+            <p:nvPr/>
+          </p:nvGrpSpPr>
+          <p:grpSpPr>
+            <a:xfrm>
+              <a:off x="548" y="1594"/>
+              <a:ext cx="5688" cy="2496"/>
+              <a:chOff x="547" y="1905"/>
+              <a:chExt cx="5688" cy="2496"/>
+            </a:xfrm>
+          </p:grpSpPr>
+          <p:grpSp>
+            <p:nvGrpSpPr>
+              <p:cNvPr id="91" name="组合 90"/>
+              <p:cNvGrpSpPr/>
+              <p:nvPr/>
+            </p:nvGrpSpPr>
+            <p:grpSpPr>
+              <a:xfrm>
+                <a:off x="621" y="2982"/>
+                <a:ext cx="3992" cy="1419"/>
+                <a:chOff x="607" y="2830"/>
+                <a:chExt cx="3992" cy="1419"/>
+              </a:xfrm>
+            </p:grpSpPr>
+            <p:grpSp>
+              <p:nvGrpSpPr>
+                <p:cNvPr id="92" name="组合 91"/>
+                <p:cNvGrpSpPr/>
+                <p:nvPr/>
+              </p:nvGrpSpPr>
+              <p:grpSpPr>
+                <a:xfrm>
+                  <a:off x="607" y="2830"/>
+                  <a:ext cx="3992" cy="594"/>
+                  <a:chOff x="607" y="2830"/>
+                  <a:chExt cx="3992" cy="594"/>
+                </a:xfrm>
+              </p:grpSpPr>
+              <p:sp>
+                <p:nvSpPr>
+                  <p:cNvPr id="93" name="矩形 92"/>
+                  <p:cNvSpPr/>
+                  <p:nvPr/>
+                </p:nvSpPr>
+                <p:spPr>
+                  <a:xfrm>
+                    <a:off x="607" y="2830"/>
+                    <a:ext cx="3992" cy="594"/>
+                  </a:xfrm>
+                  <a:prstGeom prst="rect">
+                    <a:avLst/>
+                  </a:prstGeom>
+                </p:spPr>
+                <p:style>
+                  <a:lnRef idx="2">
+                    <a:schemeClr val="accent1"/>
+                  </a:lnRef>
+                  <a:fillRef idx="1">
+                    <a:schemeClr val="lt1"/>
+                  </a:fillRef>
+                  <a:effectRef idx="0">
+                    <a:schemeClr val="accent1"/>
+                  </a:effectRef>
+                  <a:fontRef idx="minor">
+                    <a:schemeClr val="dk1"/>
+                  </a:fontRef>
+                </p:style>
+                <p:txBody>
+                  <a:bodyPr rtlCol="0" anchor="ctr"/>
+                  <a:p>
+                    <a:pPr algn="ctr"/>
+                    <a:endParaRPr lang="zh-CN" altLang="en-US"/>
+                  </a:p>
+                </p:txBody>
+              </p:sp>
+              <p:cxnSp>
+                <p:nvCxnSpPr>
+                  <p:cNvPr id="94" name="直接连接符 93"/>
+                  <p:cNvCxnSpPr>
+                    <a:stCxn id="93" idx="0"/>
+                    <a:endCxn id="93" idx="2"/>
+                  </p:cNvCxnSpPr>
+                  <p:nvPr/>
+                </p:nvCxnSpPr>
+                <p:spPr>
+                  <a:xfrm>
+                    <a:off x="2603" y="2830"/>
+                    <a:ext cx="0" cy="594"/>
+                  </a:xfrm>
+                  <a:prstGeom prst="line">
+                    <a:avLst/>
+                  </a:prstGeom>
+                </p:spPr>
+                <p:style>
+                  <a:lnRef idx="1">
+                    <a:schemeClr val="accent1"/>
+                  </a:lnRef>
+                  <a:fillRef idx="0">
+                    <a:schemeClr val="accent1"/>
+                  </a:fillRef>
+                  <a:effectRef idx="0">
+                    <a:schemeClr val="accent1"/>
+                  </a:effectRef>
+                  <a:fontRef idx="minor">
+                    <a:schemeClr val="tx1"/>
+                  </a:fontRef>
+                </p:style>
+              </p:cxnSp>
+              <p:cxnSp>
+                <p:nvCxnSpPr>
+                  <p:cNvPr id="95" name="直接连接符 94"/>
+                  <p:cNvCxnSpPr/>
+                  <p:nvPr/>
+                </p:nvCxnSpPr>
+                <p:spPr>
+                  <a:xfrm>
+                    <a:off x="1599" y="2830"/>
+                    <a:ext cx="0" cy="594"/>
+                  </a:xfrm>
+                  <a:prstGeom prst="line">
+                    <a:avLst/>
+                  </a:prstGeom>
+                </p:spPr>
+                <p:style>
+                  <a:lnRef idx="1">
+                    <a:schemeClr val="accent1"/>
+                  </a:lnRef>
+                  <a:fillRef idx="0">
+                    <a:schemeClr val="accent1"/>
+                  </a:fillRef>
+                  <a:effectRef idx="0">
+                    <a:schemeClr val="accent1"/>
+                  </a:effectRef>
+                  <a:fontRef idx="minor">
+                    <a:schemeClr val="tx1"/>
+                  </a:fontRef>
+                </p:style>
+              </p:cxnSp>
+              <p:cxnSp>
+                <p:nvCxnSpPr>
+                  <p:cNvPr id="96" name="直接连接符 95"/>
+                  <p:cNvCxnSpPr/>
+                  <p:nvPr/>
+                </p:nvCxnSpPr>
+                <p:spPr>
+                  <a:xfrm>
+                    <a:off x="3595" y="2830"/>
+                    <a:ext cx="0" cy="594"/>
+                  </a:xfrm>
+                  <a:prstGeom prst="line">
+                    <a:avLst/>
+                  </a:prstGeom>
+                </p:spPr>
+                <p:style>
+                  <a:lnRef idx="1">
+                    <a:schemeClr val="accent1"/>
+                  </a:lnRef>
+                  <a:fillRef idx="0">
+                    <a:schemeClr val="accent1"/>
+                  </a:fillRef>
+                  <a:effectRef idx="0">
+                    <a:schemeClr val="accent1"/>
+                  </a:effectRef>
+                  <a:fontRef idx="minor">
+                    <a:schemeClr val="tx1"/>
+                  </a:fontRef>
+                </p:style>
+              </p:cxnSp>
+              <p:sp>
+                <p:nvSpPr>
+                  <p:cNvPr id="97" name="文本框 96"/>
+                  <p:cNvSpPr txBox="1"/>
+                  <p:nvPr/>
+                </p:nvSpPr>
+                <p:spPr>
+                  <a:xfrm>
+                    <a:off x="804" y="2844"/>
+                    <a:ext cx="470" cy="580"/>
+                  </a:xfrm>
+                  <a:prstGeom prst="rect">
+                    <a:avLst/>
+                  </a:prstGeom>
+                  <a:noFill/>
+                </p:spPr>
+                <p:txBody>
+                  <a:bodyPr wrap="square" rtlCol="0">
+                    <a:spAutoFit/>
+                  </a:bodyPr>
+                  <a:p>
+                    <a:r>
+                      <a:rPr lang="en-US" altLang="zh-CN"/>
+                      <a:t>2</a:t>
+                    </a:r>
+                    <a:endParaRPr lang="en-US" altLang="zh-CN"/>
+                  </a:p>
+                </p:txBody>
+              </p:sp>
+            </p:grpSp>
+            <p:sp>
+              <p:nvSpPr>
+                <p:cNvPr id="98" name="下箭头 97"/>
+                <p:cNvSpPr/>
+                <p:nvPr/>
+              </p:nvSpPr>
+              <p:spPr>
+                <a:xfrm>
+                  <a:off x="2697" y="3938"/>
+                  <a:ext cx="397" cy="311"/>
+                </a:xfrm>
+                <a:prstGeom prst="downArrow">
+                  <a:avLst/>
+                </a:prstGeom>
+              </p:spPr>
+              <p:style>
+                <a:lnRef idx="2">
+                  <a:schemeClr val="accent1">
+                    <a:shade val="50000"/>
+                  </a:schemeClr>
+                </a:lnRef>
+                <a:fillRef idx="1">
+                  <a:schemeClr val="accent1"/>
+                </a:fillRef>
+                <a:effectRef idx="0">
+                  <a:schemeClr val="accent1"/>
+                </a:effectRef>
+                <a:fontRef idx="minor">
+                  <a:schemeClr val="lt1"/>
+                </a:fontRef>
+              </p:style>
+              <p:txBody>
+                <a:bodyPr rtlCol="0" anchor="ctr"/>
+                <a:p>
+                  <a:pPr algn="ctr"/>
+                  <a:endParaRPr lang="zh-CN" altLang="en-US"/>
+                </a:p>
+              </p:txBody>
+            </p:sp>
+          </p:grpSp>
+          <p:sp>
+            <p:nvSpPr>
+              <p:cNvPr id="99" name="文本框 98"/>
+              <p:cNvSpPr txBox="1"/>
+              <p:nvPr/>
+            </p:nvSpPr>
+            <p:spPr>
+              <a:xfrm>
+                <a:off x="547" y="1905"/>
+                <a:ext cx="5688" cy="1452"/>
+              </a:xfrm>
+              <a:prstGeom prst="rect">
+                <a:avLst/>
+              </a:prstGeom>
+              <a:noFill/>
+            </p:spPr>
+            <p:txBody>
+              <a:bodyPr wrap="square" rtlCol="0">
+                <a:spAutoFit/>
+              </a:bodyPr>
+              <a:p>
+                <a:r>
+                  <a:rPr lang="en-US" altLang="zh-CN"/>
+                  <a:t>step3:</a:t>
+                </a:r>
+                <a:r>
+                  <a:rPr lang="zh-CN" altLang="en-US"/>
+                  <a:t>所有元素出队</a:t>
+                </a:r>
+                <a:r>
+                  <a:rPr lang="ja-JP" altLang="en-US"/>
+                  <a:t>、</a:t>
+                </a:r>
+                <a:r>
+                  <a:rPr lang="zh-CN" altLang="en-US"/>
+                  <a:t>访问自身</a:t>
+                </a:r>
+                <a:r>
+                  <a:rPr lang="ja-JP" altLang="en-US"/>
+                  <a:t>、</a:t>
+                </a:r>
+                <a:br>
+                  <a:rPr lang="ja-JP" altLang="en-US"/>
+                </a:br>
+                <a:r>
+                  <a:rPr lang="zh-CN" altLang="ja-JP"/>
+                  <a:t>然后其左右子树入队（如果存在）</a:t>
+                </a:r>
+                <a:br>
+                  <a:rPr lang="zh-CN" altLang="ja-JP"/>
+                </a:br>
+                <a:endParaRPr lang="zh-CN" altLang="ja-JP"/>
+              </a:p>
+            </p:txBody>
+          </p:sp>
+        </p:grpSp>
+        <p:sp>
+          <p:nvSpPr>
+            <p:cNvPr id="100" name="文本框 99"/>
+            <p:cNvSpPr txBox="1"/>
+            <p:nvPr/>
+          </p:nvSpPr>
+          <p:spPr>
+            <a:xfrm>
+              <a:off x="691" y="3265"/>
+              <a:ext cx="3383" cy="580"/>
+            </a:xfrm>
+            <a:prstGeom prst="rect">
+              <a:avLst/>
+            </a:prstGeom>
+            <a:noFill/>
+          </p:spPr>
+          <p:txBody>
+            <a:bodyPr wrap="square" rtlCol="0">
+              <a:spAutoFit/>
+            </a:bodyPr>
+            <a:p>
+              <a:r>
+                <a:rPr lang="zh-CN" altLang="en-US"/>
+                <a:t>输出</a:t>
+              </a:r>
+              <a:r>
+                <a:rPr lang="en-US" altLang="zh-CN"/>
+                <a:t>:[6] [4,8] </a:t>
+              </a:r>
+              <a:endParaRPr lang="zh-CN" altLang="en-US"/>
+            </a:p>
+          </p:txBody>
+        </p:sp>
+      </p:grpSp>
+      <p:sp>
+        <p:nvSpPr>
+          <p:cNvPr id="101" name="文本框 100"/>
+          <p:cNvSpPr txBox="1"/>
+          <p:nvPr/>
+        </p:nvSpPr>
+        <p:spPr>
+          <a:xfrm>
+            <a:off x="1997182" y="4822190"/>
+            <a:ext cx="285070" cy="368300"/>
+          </a:xfrm>
+          <a:prstGeom prst="rect">
+            <a:avLst/>
+          </a:prstGeom>
+          <a:noFill/>
+        </p:spPr>
+        <p:txBody>
+          <a:bodyPr wrap="square" rtlCol="0">
+            <a:spAutoFit/>
+          </a:bodyPr>
+          <a:p>
+            <a:r>
+              <a:rPr lang="en-US" altLang="zh-CN"/>
+              <a:t>7</a:t>
+            </a:r>
+            <a:endParaRPr lang="en-US" altLang="zh-CN"/>
+          </a:p>
+        </p:txBody>
+      </p:sp>
+      <p:sp>
+        <p:nvSpPr>
+          <p:cNvPr id="102" name="文本框 101"/>
+          <p:cNvSpPr txBox="1"/>
+          <p:nvPr/>
+        </p:nvSpPr>
+        <p:spPr>
+          <a:xfrm>
+            <a:off x="2587732" y="4822190"/>
+            <a:ext cx="285070" cy="368300"/>
+          </a:xfrm>
+          <a:prstGeom prst="rect">
+            <a:avLst/>
+          </a:prstGeom>
+          <a:noFill/>
+        </p:spPr>
+        <p:txBody>
+          <a:bodyPr wrap="square" rtlCol="0">
+            <a:spAutoFit/>
+          </a:bodyPr>
+          <a:p>
+            <a:r>
+              <a:rPr lang="en-US" altLang="zh-CN"/>
+              <a:t>9</a:t>
+            </a:r>
+            <a:endParaRPr lang="en-US" altLang="zh-CN"/>
+          </a:p>
+        </p:txBody>
+      </p:sp>
+      <p:sp>
+        <p:nvSpPr>
+          <p:cNvPr id="103" name="文本框 102"/>
+          <p:cNvSpPr txBox="1"/>
+          <p:nvPr/>
+        </p:nvSpPr>
+        <p:spPr>
+          <a:xfrm>
+            <a:off x="1319530" y="5823585"/>
+            <a:ext cx="2902585" cy="368300"/>
+          </a:xfrm>
+          <a:prstGeom prst="rect">
+            <a:avLst/>
+          </a:prstGeom>
+          <a:noFill/>
+        </p:spPr>
+        <p:txBody>
+          <a:bodyPr wrap="square" rtlCol="0">
+            <a:spAutoFit/>
+          </a:bodyPr>
+          <a:p>
+            <a:r>
+              <a:rPr lang="zh-CN" altLang="en-US"/>
+              <a:t>重复</a:t>
+            </a:r>
+            <a:r>
+              <a:rPr lang="en-US" altLang="zh-CN"/>
+              <a:t>step3,</a:t>
+            </a:r>
+            <a:r>
+              <a:rPr lang="zh-CN" altLang="en-US"/>
+              <a:t>直至队列为空</a:t>
+            </a:r>
+            <a:endParaRPr lang="zh-CN" altLang="en-US"/>
+          </a:p>
+        </p:txBody>
+      </p:sp>
+      <p:sp>
+        <p:nvSpPr>
+          <p:cNvPr id="4" name="任意多边形 3"/>
+          <p:cNvSpPr/>
+          <p:nvPr/>
+        </p:nvSpPr>
+        <p:spPr>
+          <a:xfrm>
+            <a:off x="6394450" y="2099310"/>
+            <a:ext cx="5390515" cy="3623945"/>
+          </a:xfrm>
+          <a:custGeom>
+            <a:avLst/>
+            <a:gdLst>
+              <a:gd name="connisteX0" fmla="*/ 3058477 w 5390300"/>
+              <a:gd name="connsiteY0" fmla="*/ 63711 h 3623733"/>
+              <a:gd name="connisteX1" fmla="*/ 3130867 w 5390300"/>
+              <a:gd name="connsiteY1" fmla="*/ 45931 h 3623733"/>
+              <a:gd name="connisteX2" fmla="*/ 3265487 w 5390300"/>
+              <a:gd name="connsiteY2" fmla="*/ 27516 h 3623733"/>
+              <a:gd name="connisteX3" fmla="*/ 3337242 w 5390300"/>
+              <a:gd name="connsiteY3" fmla="*/ 9736 h 3623733"/>
+              <a:gd name="connisteX4" fmla="*/ 3408997 w 5390300"/>
+              <a:gd name="connsiteY4" fmla="*/ 9736 h 3623733"/>
+              <a:gd name="connisteX5" fmla="*/ 3499167 w 5390300"/>
+              <a:gd name="connsiteY5" fmla="*/ 846 h 3623733"/>
+              <a:gd name="connisteX6" fmla="*/ 3570922 w 5390300"/>
+              <a:gd name="connsiteY6" fmla="*/ 846 h 3623733"/>
+              <a:gd name="connisteX7" fmla="*/ 3661092 w 5390300"/>
+              <a:gd name="connsiteY7" fmla="*/ 846 h 3623733"/>
+              <a:gd name="connisteX8" fmla="*/ 3741737 w 5390300"/>
+              <a:gd name="connsiteY8" fmla="*/ 846 h 3623733"/>
+              <a:gd name="connisteX9" fmla="*/ 3831907 w 5390300"/>
+              <a:gd name="connsiteY9" fmla="*/ 846 h 3623733"/>
+              <a:gd name="connisteX10" fmla="*/ 3930332 w 5390300"/>
+              <a:gd name="connsiteY10" fmla="*/ 9736 h 3623733"/>
+              <a:gd name="connisteX11" fmla="*/ 4038282 w 5390300"/>
+              <a:gd name="connsiteY11" fmla="*/ 27516 h 3623733"/>
+              <a:gd name="connisteX12" fmla="*/ 4119562 w 5390300"/>
+              <a:gd name="connsiteY12" fmla="*/ 63711 h 3623733"/>
+              <a:gd name="connisteX13" fmla="*/ 4191317 w 5390300"/>
+              <a:gd name="connsiteY13" fmla="*/ 91016 h 3623733"/>
+              <a:gd name="connisteX14" fmla="*/ 4263072 w 5390300"/>
+              <a:gd name="connsiteY14" fmla="*/ 135466 h 3623733"/>
+              <a:gd name="connisteX15" fmla="*/ 4353242 w 5390300"/>
+              <a:gd name="connsiteY15" fmla="*/ 198331 h 3623733"/>
+              <a:gd name="connisteX16" fmla="*/ 4424997 w 5390300"/>
+              <a:gd name="connsiteY16" fmla="*/ 288501 h 3623733"/>
+              <a:gd name="connisteX17" fmla="*/ 4487862 w 5390300"/>
+              <a:gd name="connsiteY17" fmla="*/ 360256 h 3623733"/>
+              <a:gd name="connisteX18" fmla="*/ 4515167 w 5390300"/>
+              <a:gd name="connsiteY18" fmla="*/ 432011 h 3623733"/>
+              <a:gd name="connisteX19" fmla="*/ 4532947 w 5390300"/>
+              <a:gd name="connsiteY19" fmla="*/ 504401 h 3623733"/>
+              <a:gd name="connisteX20" fmla="*/ 4524057 w 5390300"/>
+              <a:gd name="connsiteY20" fmla="*/ 576156 h 3623733"/>
+              <a:gd name="connisteX21" fmla="*/ 4451667 w 5390300"/>
+              <a:gd name="connsiteY21" fmla="*/ 621241 h 3623733"/>
+              <a:gd name="connisteX22" fmla="*/ 4379912 w 5390300"/>
+              <a:gd name="connsiteY22" fmla="*/ 675216 h 3623733"/>
+              <a:gd name="connisteX23" fmla="*/ 4299267 w 5390300"/>
+              <a:gd name="connsiteY23" fmla="*/ 710776 h 3623733"/>
+              <a:gd name="connisteX24" fmla="*/ 4227512 w 5390300"/>
+              <a:gd name="connsiteY24" fmla="*/ 738081 h 3623733"/>
+              <a:gd name="connisteX25" fmla="*/ 4155122 w 5390300"/>
+              <a:gd name="connsiteY25" fmla="*/ 755861 h 3623733"/>
+              <a:gd name="connisteX26" fmla="*/ 4056697 w 5390300"/>
+              <a:gd name="connsiteY26" fmla="*/ 773641 h 3623733"/>
+              <a:gd name="connisteX27" fmla="*/ 3984307 w 5390300"/>
+              <a:gd name="connsiteY27" fmla="*/ 782531 h 3623733"/>
+              <a:gd name="connisteX28" fmla="*/ 3912552 w 5390300"/>
+              <a:gd name="connsiteY28" fmla="*/ 782531 h 3623733"/>
+              <a:gd name="connisteX29" fmla="*/ 3831907 w 5390300"/>
+              <a:gd name="connsiteY29" fmla="*/ 792056 h 3623733"/>
+              <a:gd name="connisteX30" fmla="*/ 3732847 w 5390300"/>
+              <a:gd name="connsiteY30" fmla="*/ 800946 h 3623733"/>
+              <a:gd name="connisteX31" fmla="*/ 3652202 w 5390300"/>
+              <a:gd name="connsiteY31" fmla="*/ 800946 h 3623733"/>
+              <a:gd name="connisteX32" fmla="*/ 3562032 w 5390300"/>
+              <a:gd name="connsiteY32" fmla="*/ 800946 h 3623733"/>
+              <a:gd name="connisteX33" fmla="*/ 3481387 w 5390300"/>
+              <a:gd name="connsiteY33" fmla="*/ 818726 h 3623733"/>
+              <a:gd name="connisteX34" fmla="*/ 3408997 w 5390300"/>
+              <a:gd name="connsiteY34" fmla="*/ 818726 h 3623733"/>
+              <a:gd name="connisteX35" fmla="*/ 3337242 w 5390300"/>
+              <a:gd name="connsiteY35" fmla="*/ 818726 h 3623733"/>
+              <a:gd name="connisteX36" fmla="*/ 3238817 w 5390300"/>
+              <a:gd name="connsiteY36" fmla="*/ 827616 h 3623733"/>
+              <a:gd name="connisteX37" fmla="*/ 3157537 w 5390300"/>
+              <a:gd name="connsiteY37" fmla="*/ 827616 h 3623733"/>
+              <a:gd name="connisteX38" fmla="*/ 3058477 w 5390300"/>
+              <a:gd name="connsiteY38" fmla="*/ 827616 h 3623733"/>
+              <a:gd name="connisteX39" fmla="*/ 2968942 w 5390300"/>
+              <a:gd name="connsiteY39" fmla="*/ 827616 h 3623733"/>
+              <a:gd name="connisteX40" fmla="*/ 2897187 w 5390300"/>
+              <a:gd name="connsiteY40" fmla="*/ 827616 h 3623733"/>
+              <a:gd name="connisteX41" fmla="*/ 2824797 w 5390300"/>
+              <a:gd name="connsiteY41" fmla="*/ 827616 h 3623733"/>
+              <a:gd name="connisteX42" fmla="*/ 2726372 w 5390300"/>
+              <a:gd name="connsiteY42" fmla="*/ 809836 h 3623733"/>
+              <a:gd name="connisteX43" fmla="*/ 2645092 w 5390300"/>
+              <a:gd name="connsiteY43" fmla="*/ 809836 h 3623733"/>
+              <a:gd name="connisteX44" fmla="*/ 2555557 w 5390300"/>
+              <a:gd name="connsiteY44" fmla="*/ 800946 h 3623733"/>
+              <a:gd name="connisteX45" fmla="*/ 2474277 w 5390300"/>
+              <a:gd name="connsiteY45" fmla="*/ 800946 h 3623733"/>
+              <a:gd name="connisteX46" fmla="*/ 2366962 w 5390300"/>
+              <a:gd name="connsiteY46" fmla="*/ 792056 h 3623733"/>
+              <a:gd name="connisteX47" fmla="*/ 2285682 w 5390300"/>
+              <a:gd name="connsiteY47" fmla="*/ 792056 h 3623733"/>
+              <a:gd name="connisteX48" fmla="*/ 2205037 w 5390300"/>
+              <a:gd name="connsiteY48" fmla="*/ 782531 h 3623733"/>
+              <a:gd name="connisteX49" fmla="*/ 2133282 w 5390300"/>
+              <a:gd name="connsiteY49" fmla="*/ 782531 h 3623733"/>
+              <a:gd name="connisteX50" fmla="*/ 2060892 w 5390300"/>
+              <a:gd name="connsiteY50" fmla="*/ 782531 h 3623733"/>
+              <a:gd name="connisteX51" fmla="*/ 1980247 w 5390300"/>
+              <a:gd name="connsiteY51" fmla="*/ 792056 h 3623733"/>
+              <a:gd name="connisteX52" fmla="*/ 1908492 w 5390300"/>
+              <a:gd name="connsiteY52" fmla="*/ 800946 h 3623733"/>
+              <a:gd name="connisteX53" fmla="*/ 1836102 w 5390300"/>
+              <a:gd name="connsiteY53" fmla="*/ 809836 h 3623733"/>
+              <a:gd name="connisteX54" fmla="*/ 1755457 w 5390300"/>
+              <a:gd name="connsiteY54" fmla="*/ 836506 h 3623733"/>
+              <a:gd name="connisteX55" fmla="*/ 1683702 w 5390300"/>
+              <a:gd name="connsiteY55" fmla="*/ 872701 h 3623733"/>
+              <a:gd name="connisteX56" fmla="*/ 1611947 w 5390300"/>
+              <a:gd name="connsiteY56" fmla="*/ 926676 h 3623733"/>
+              <a:gd name="connisteX57" fmla="*/ 1539557 w 5390300"/>
+              <a:gd name="connsiteY57" fmla="*/ 980651 h 3623733"/>
+              <a:gd name="connisteX58" fmla="*/ 1485582 w 5390300"/>
+              <a:gd name="connsiteY58" fmla="*/ 1052406 h 3623733"/>
+              <a:gd name="connisteX59" fmla="*/ 1413827 w 5390300"/>
+              <a:gd name="connsiteY59" fmla="*/ 1133051 h 3623733"/>
+              <a:gd name="connisteX60" fmla="*/ 1396047 w 5390300"/>
+              <a:gd name="connsiteY60" fmla="*/ 1205441 h 3623733"/>
+              <a:gd name="connisteX61" fmla="*/ 1378267 w 5390300"/>
+              <a:gd name="connsiteY61" fmla="*/ 1286086 h 3623733"/>
+              <a:gd name="connisteX62" fmla="*/ 1368742 w 5390300"/>
+              <a:gd name="connsiteY62" fmla="*/ 1367366 h 3623733"/>
+              <a:gd name="connisteX63" fmla="*/ 1368742 w 5390300"/>
+              <a:gd name="connsiteY63" fmla="*/ 1439121 h 3623733"/>
+              <a:gd name="connisteX64" fmla="*/ 1431607 w 5390300"/>
+              <a:gd name="connsiteY64" fmla="*/ 1510876 h 3623733"/>
+              <a:gd name="connisteX65" fmla="*/ 1485582 w 5390300"/>
+              <a:gd name="connsiteY65" fmla="*/ 1582631 h 3623733"/>
+              <a:gd name="connisteX66" fmla="*/ 1557972 w 5390300"/>
+              <a:gd name="connsiteY66" fmla="*/ 1609936 h 3623733"/>
+              <a:gd name="connisteX67" fmla="*/ 1629727 w 5390300"/>
+              <a:gd name="connsiteY67" fmla="*/ 1636606 h 3623733"/>
+              <a:gd name="connisteX68" fmla="*/ 1710372 w 5390300"/>
+              <a:gd name="connsiteY68" fmla="*/ 1654386 h 3623733"/>
+              <a:gd name="connisteX69" fmla="*/ 1809432 w 5390300"/>
+              <a:gd name="connsiteY69" fmla="*/ 1663911 h 3623733"/>
+              <a:gd name="connisteX70" fmla="*/ 1899602 w 5390300"/>
+              <a:gd name="connsiteY70" fmla="*/ 1663911 h 3623733"/>
+              <a:gd name="connisteX71" fmla="*/ 2006917 w 5390300"/>
+              <a:gd name="connsiteY71" fmla="*/ 1663911 h 3623733"/>
+              <a:gd name="connisteX72" fmla="*/ 2105977 w 5390300"/>
+              <a:gd name="connsiteY72" fmla="*/ 1663911 h 3623733"/>
+              <a:gd name="connisteX73" fmla="*/ 2231707 w 5390300"/>
+              <a:gd name="connsiteY73" fmla="*/ 1681691 h 3623733"/>
+              <a:gd name="connisteX74" fmla="*/ 2312987 w 5390300"/>
+              <a:gd name="connsiteY74" fmla="*/ 1681691 h 3623733"/>
+              <a:gd name="connisteX75" fmla="*/ 2384742 w 5390300"/>
+              <a:gd name="connsiteY75" fmla="*/ 1681691 h 3623733"/>
+              <a:gd name="connisteX76" fmla="*/ 2474277 w 5390300"/>
+              <a:gd name="connsiteY76" fmla="*/ 1681691 h 3623733"/>
+              <a:gd name="connisteX77" fmla="*/ 2546667 w 5390300"/>
+              <a:gd name="connsiteY77" fmla="*/ 1681691 h 3623733"/>
+              <a:gd name="connisteX78" fmla="*/ 2618422 w 5390300"/>
+              <a:gd name="connsiteY78" fmla="*/ 1681691 h 3623733"/>
+              <a:gd name="connisteX79" fmla="*/ 2690177 w 5390300"/>
+              <a:gd name="connsiteY79" fmla="*/ 1681691 h 3623733"/>
+              <a:gd name="connisteX80" fmla="*/ 2824797 w 5390300"/>
+              <a:gd name="connsiteY80" fmla="*/ 1681691 h 3623733"/>
+              <a:gd name="connisteX81" fmla="*/ 2897187 w 5390300"/>
+              <a:gd name="connsiteY81" fmla="*/ 1681691 h 3623733"/>
+              <a:gd name="connisteX82" fmla="*/ 2968942 w 5390300"/>
+              <a:gd name="connsiteY82" fmla="*/ 1681691 h 3623733"/>
+              <a:gd name="connisteX83" fmla="*/ 3058477 w 5390300"/>
+              <a:gd name="connsiteY83" fmla="*/ 1681691 h 3623733"/>
+              <a:gd name="connisteX84" fmla="*/ 3139757 w 5390300"/>
+              <a:gd name="connsiteY84" fmla="*/ 1681691 h 3623733"/>
+              <a:gd name="connisteX85" fmla="*/ 3229292 w 5390300"/>
+              <a:gd name="connsiteY85" fmla="*/ 1681691 h 3623733"/>
+              <a:gd name="connisteX86" fmla="*/ 3364547 w 5390300"/>
+              <a:gd name="connsiteY86" fmla="*/ 1681691 h 3623733"/>
+              <a:gd name="connisteX87" fmla="*/ 3436302 w 5390300"/>
+              <a:gd name="connsiteY87" fmla="*/ 1681691 h 3623733"/>
+              <a:gd name="connisteX88" fmla="*/ 3535362 w 5390300"/>
+              <a:gd name="connsiteY88" fmla="*/ 1681691 h 3623733"/>
+              <a:gd name="connisteX89" fmla="*/ 3643312 w 5390300"/>
+              <a:gd name="connsiteY89" fmla="*/ 1681691 h 3623733"/>
+              <a:gd name="connisteX90" fmla="*/ 3715067 w 5390300"/>
+              <a:gd name="connsiteY90" fmla="*/ 1681691 h 3623733"/>
+              <a:gd name="connisteX91" fmla="*/ 3823017 w 5390300"/>
+              <a:gd name="connsiteY91" fmla="*/ 1681691 h 3623733"/>
+              <a:gd name="connisteX92" fmla="*/ 3903662 w 5390300"/>
+              <a:gd name="connsiteY92" fmla="*/ 1681691 h 3623733"/>
+              <a:gd name="connisteX93" fmla="*/ 3984307 w 5390300"/>
+              <a:gd name="connsiteY93" fmla="*/ 1681691 h 3623733"/>
+              <a:gd name="connisteX94" fmla="*/ 4083367 w 5390300"/>
+              <a:gd name="connsiteY94" fmla="*/ 1681691 h 3623733"/>
+              <a:gd name="connisteX95" fmla="*/ 4173537 w 5390300"/>
+              <a:gd name="connsiteY95" fmla="*/ 1690581 h 3623733"/>
+              <a:gd name="connisteX96" fmla="*/ 4254182 w 5390300"/>
+              <a:gd name="connsiteY96" fmla="*/ 1690581 h 3623733"/>
+              <a:gd name="connisteX97" fmla="*/ 4325937 w 5390300"/>
+              <a:gd name="connsiteY97" fmla="*/ 1699471 h 3623733"/>
+              <a:gd name="connisteX98" fmla="*/ 4398327 w 5390300"/>
+              <a:gd name="connsiteY98" fmla="*/ 1699471 h 3623733"/>
+              <a:gd name="connisteX99" fmla="*/ 4470082 w 5390300"/>
+              <a:gd name="connsiteY99" fmla="*/ 1708361 h 3623733"/>
+              <a:gd name="connisteX100" fmla="*/ 4541837 w 5390300"/>
+              <a:gd name="connsiteY100" fmla="*/ 1717886 h 3623733"/>
+              <a:gd name="connisteX101" fmla="*/ 4632007 w 5390300"/>
+              <a:gd name="connsiteY101" fmla="*/ 1735666 h 3623733"/>
+              <a:gd name="connisteX102" fmla="*/ 4703762 w 5390300"/>
+              <a:gd name="connsiteY102" fmla="*/ 1753446 h 3623733"/>
+              <a:gd name="connisteX103" fmla="*/ 4775517 w 5390300"/>
+              <a:gd name="connsiteY103" fmla="*/ 1762336 h 3623733"/>
+              <a:gd name="connisteX104" fmla="*/ 4847272 w 5390300"/>
+              <a:gd name="connsiteY104" fmla="*/ 1789641 h 3623733"/>
+              <a:gd name="connisteX105" fmla="*/ 4928552 w 5390300"/>
+              <a:gd name="connsiteY105" fmla="*/ 1816311 h 3623733"/>
+              <a:gd name="connisteX106" fmla="*/ 5009197 w 5390300"/>
+              <a:gd name="connsiteY106" fmla="*/ 1888066 h 3623733"/>
+              <a:gd name="connisteX107" fmla="*/ 5080952 w 5390300"/>
+              <a:gd name="connsiteY107" fmla="*/ 1942041 h 3623733"/>
+              <a:gd name="connisteX108" fmla="*/ 5143817 w 5390300"/>
+              <a:gd name="connsiteY108" fmla="*/ 2023321 h 3623733"/>
+              <a:gd name="connisteX109" fmla="*/ 5216207 w 5390300"/>
+              <a:gd name="connsiteY109" fmla="*/ 2086186 h 3623733"/>
+              <a:gd name="connisteX110" fmla="*/ 5287962 w 5390300"/>
+              <a:gd name="connsiteY110" fmla="*/ 2140161 h 3623733"/>
+              <a:gd name="connisteX111" fmla="*/ 5333047 w 5390300"/>
+              <a:gd name="connsiteY111" fmla="*/ 2211916 h 3623733"/>
+              <a:gd name="connisteX112" fmla="*/ 5368607 w 5390300"/>
+              <a:gd name="connsiteY112" fmla="*/ 2292561 h 3623733"/>
+              <a:gd name="connisteX113" fmla="*/ 5387022 w 5390300"/>
+              <a:gd name="connsiteY113" fmla="*/ 2364951 h 3623733"/>
+              <a:gd name="connisteX114" fmla="*/ 5314632 w 5390300"/>
+              <a:gd name="connsiteY114" fmla="*/ 2427816 h 3623733"/>
+              <a:gd name="connisteX115" fmla="*/ 5233987 w 5390300"/>
+              <a:gd name="connsiteY115" fmla="*/ 2445596 h 3623733"/>
+              <a:gd name="connisteX116" fmla="*/ 5162232 w 5390300"/>
+              <a:gd name="connsiteY116" fmla="*/ 2463376 h 3623733"/>
+              <a:gd name="connisteX117" fmla="*/ 5089842 w 5390300"/>
+              <a:gd name="connsiteY117" fmla="*/ 2463376 h 3623733"/>
+              <a:gd name="connisteX118" fmla="*/ 5018087 w 5390300"/>
+              <a:gd name="connsiteY118" fmla="*/ 2472901 h 3623733"/>
+              <a:gd name="connisteX119" fmla="*/ 4946332 w 5390300"/>
+              <a:gd name="connsiteY119" fmla="*/ 2481791 h 3623733"/>
+              <a:gd name="connisteX120" fmla="*/ 4874577 w 5390300"/>
+              <a:gd name="connsiteY120" fmla="*/ 2481791 h 3623733"/>
+              <a:gd name="connisteX121" fmla="*/ 4802187 w 5390300"/>
+              <a:gd name="connsiteY121" fmla="*/ 2490681 h 3623733"/>
+              <a:gd name="connisteX122" fmla="*/ 4730432 w 5390300"/>
+              <a:gd name="connsiteY122" fmla="*/ 2490681 h 3623733"/>
+              <a:gd name="connisteX123" fmla="*/ 4649787 w 5390300"/>
+              <a:gd name="connsiteY123" fmla="*/ 2499571 h 3623733"/>
+              <a:gd name="connisteX124" fmla="*/ 4578032 w 5390300"/>
+              <a:gd name="connsiteY124" fmla="*/ 2526241 h 3623733"/>
+              <a:gd name="connisteX125" fmla="*/ 4496752 w 5390300"/>
+              <a:gd name="connsiteY125" fmla="*/ 2535766 h 3623733"/>
+              <a:gd name="connisteX126" fmla="*/ 4388802 w 5390300"/>
+              <a:gd name="connsiteY126" fmla="*/ 2535766 h 3623733"/>
+              <a:gd name="connisteX127" fmla="*/ 4317047 w 5390300"/>
+              <a:gd name="connsiteY127" fmla="*/ 2544656 h 3623733"/>
+              <a:gd name="connisteX128" fmla="*/ 4236402 w 5390300"/>
+              <a:gd name="connsiteY128" fmla="*/ 2544656 h 3623733"/>
+              <a:gd name="connisteX129" fmla="*/ 4146232 w 5390300"/>
+              <a:gd name="connsiteY129" fmla="*/ 2544656 h 3623733"/>
+              <a:gd name="connisteX130" fmla="*/ 4038282 w 5390300"/>
+              <a:gd name="connsiteY130" fmla="*/ 2544656 h 3623733"/>
+              <a:gd name="connisteX131" fmla="*/ 3939857 w 5390300"/>
+              <a:gd name="connsiteY131" fmla="*/ 2544656 h 3623733"/>
+              <a:gd name="connisteX132" fmla="*/ 3867467 w 5390300"/>
+              <a:gd name="connsiteY132" fmla="*/ 2544656 h 3623733"/>
+              <a:gd name="connisteX133" fmla="*/ 3786822 w 5390300"/>
+              <a:gd name="connsiteY133" fmla="*/ 2544656 h 3623733"/>
+              <a:gd name="connisteX134" fmla="*/ 3696652 w 5390300"/>
+              <a:gd name="connsiteY134" fmla="*/ 2544656 h 3623733"/>
+              <a:gd name="connisteX135" fmla="*/ 3598227 w 5390300"/>
+              <a:gd name="connsiteY135" fmla="*/ 2544656 h 3623733"/>
+              <a:gd name="connisteX136" fmla="*/ 3516947 w 5390300"/>
+              <a:gd name="connsiteY136" fmla="*/ 2544656 h 3623733"/>
+              <a:gd name="connisteX137" fmla="*/ 3436302 w 5390300"/>
+              <a:gd name="connsiteY137" fmla="*/ 2544656 h 3623733"/>
+              <a:gd name="connisteX138" fmla="*/ 3355657 w 5390300"/>
+              <a:gd name="connsiteY138" fmla="*/ 2544656 h 3623733"/>
+              <a:gd name="connisteX139" fmla="*/ 3283267 w 5390300"/>
+              <a:gd name="connsiteY139" fmla="*/ 2544656 h 3623733"/>
+              <a:gd name="connisteX140" fmla="*/ 3202622 w 5390300"/>
+              <a:gd name="connsiteY140" fmla="*/ 2544656 h 3623733"/>
+              <a:gd name="connisteX141" fmla="*/ 3130867 w 5390300"/>
+              <a:gd name="connsiteY141" fmla="*/ 2544656 h 3623733"/>
+              <a:gd name="connisteX142" fmla="*/ 3005137 w 5390300"/>
+              <a:gd name="connsiteY142" fmla="*/ 2544656 h 3623733"/>
+              <a:gd name="connisteX143" fmla="*/ 2888297 w 5390300"/>
+              <a:gd name="connsiteY143" fmla="*/ 2544656 h 3623733"/>
+              <a:gd name="connisteX144" fmla="*/ 2807017 w 5390300"/>
+              <a:gd name="connsiteY144" fmla="*/ 2544656 h 3623733"/>
+              <a:gd name="connisteX145" fmla="*/ 2735262 w 5390300"/>
+              <a:gd name="connsiteY145" fmla="*/ 2544656 h 3623733"/>
+              <a:gd name="connisteX146" fmla="*/ 2663507 w 5390300"/>
+              <a:gd name="connsiteY146" fmla="*/ 2544656 h 3623733"/>
+              <a:gd name="connisteX147" fmla="*/ 2582227 w 5390300"/>
+              <a:gd name="connsiteY147" fmla="*/ 2544656 h 3623733"/>
+              <a:gd name="connisteX148" fmla="*/ 2501582 w 5390300"/>
+              <a:gd name="connsiteY148" fmla="*/ 2544656 h 3623733"/>
+              <a:gd name="connisteX149" fmla="*/ 2411412 w 5390300"/>
+              <a:gd name="connsiteY149" fmla="*/ 2544656 h 3623733"/>
+              <a:gd name="connisteX150" fmla="*/ 2339657 w 5390300"/>
+              <a:gd name="connsiteY150" fmla="*/ 2544656 h 3623733"/>
+              <a:gd name="connisteX151" fmla="*/ 2267902 w 5390300"/>
+              <a:gd name="connsiteY151" fmla="*/ 2544656 h 3623733"/>
+              <a:gd name="connisteX152" fmla="*/ 2196147 w 5390300"/>
+              <a:gd name="connsiteY152" fmla="*/ 2544656 h 3623733"/>
+              <a:gd name="connisteX153" fmla="*/ 2114867 w 5390300"/>
+              <a:gd name="connsiteY153" fmla="*/ 2544656 h 3623733"/>
+              <a:gd name="connisteX154" fmla="*/ 2043112 w 5390300"/>
+              <a:gd name="connsiteY154" fmla="*/ 2544656 h 3623733"/>
+              <a:gd name="connisteX155" fmla="*/ 1971357 w 5390300"/>
+              <a:gd name="connsiteY155" fmla="*/ 2544656 h 3623733"/>
+              <a:gd name="connisteX156" fmla="*/ 1872297 w 5390300"/>
+              <a:gd name="connsiteY156" fmla="*/ 2535766 h 3623733"/>
+              <a:gd name="connisteX157" fmla="*/ 1782762 w 5390300"/>
+              <a:gd name="connsiteY157" fmla="*/ 2535766 h 3623733"/>
+              <a:gd name="connisteX158" fmla="*/ 1692592 w 5390300"/>
+              <a:gd name="connsiteY158" fmla="*/ 2535766 h 3623733"/>
+              <a:gd name="connisteX159" fmla="*/ 1620837 w 5390300"/>
+              <a:gd name="connsiteY159" fmla="*/ 2535766 h 3623733"/>
+              <a:gd name="connisteX160" fmla="*/ 1512887 w 5390300"/>
+              <a:gd name="connsiteY160" fmla="*/ 2535766 h 3623733"/>
+              <a:gd name="connisteX161" fmla="*/ 1441132 w 5390300"/>
+              <a:gd name="connsiteY161" fmla="*/ 2535766 h 3623733"/>
+              <a:gd name="connisteX162" fmla="*/ 1359852 w 5390300"/>
+              <a:gd name="connsiteY162" fmla="*/ 2535766 h 3623733"/>
+              <a:gd name="connisteX163" fmla="*/ 1288097 w 5390300"/>
+              <a:gd name="connsiteY163" fmla="*/ 2535766 h 3623733"/>
+              <a:gd name="connisteX164" fmla="*/ 1207452 w 5390300"/>
+              <a:gd name="connsiteY164" fmla="*/ 2544656 h 3623733"/>
+              <a:gd name="connisteX165" fmla="*/ 1135062 w 5390300"/>
+              <a:gd name="connsiteY165" fmla="*/ 2544656 h 3623733"/>
+              <a:gd name="connisteX166" fmla="*/ 1045527 w 5390300"/>
+              <a:gd name="connsiteY166" fmla="*/ 2553546 h 3623733"/>
+              <a:gd name="connisteX167" fmla="*/ 955357 w 5390300"/>
+              <a:gd name="connsiteY167" fmla="*/ 2553546 h 3623733"/>
+              <a:gd name="connisteX168" fmla="*/ 883602 w 5390300"/>
+              <a:gd name="connsiteY168" fmla="*/ 2553546 h 3623733"/>
+              <a:gd name="connisteX169" fmla="*/ 802957 w 5390300"/>
+              <a:gd name="connsiteY169" fmla="*/ 2562436 h 3623733"/>
+              <a:gd name="connisteX170" fmla="*/ 730567 w 5390300"/>
+              <a:gd name="connsiteY170" fmla="*/ 2571326 h 3623733"/>
+              <a:gd name="connisteX171" fmla="*/ 649922 w 5390300"/>
+              <a:gd name="connsiteY171" fmla="*/ 2580216 h 3623733"/>
+              <a:gd name="connisteX172" fmla="*/ 559752 w 5390300"/>
+              <a:gd name="connsiteY172" fmla="*/ 2607521 h 3623733"/>
+              <a:gd name="connisteX173" fmla="*/ 479107 w 5390300"/>
+              <a:gd name="connsiteY173" fmla="*/ 2616411 h 3623733"/>
+              <a:gd name="connisteX174" fmla="*/ 407352 w 5390300"/>
+              <a:gd name="connsiteY174" fmla="*/ 2634191 h 3623733"/>
+              <a:gd name="connisteX175" fmla="*/ 326072 w 5390300"/>
+              <a:gd name="connsiteY175" fmla="*/ 2670386 h 3623733"/>
+              <a:gd name="connisteX176" fmla="*/ 254317 w 5390300"/>
+              <a:gd name="connsiteY176" fmla="*/ 2706581 h 3623733"/>
+              <a:gd name="connisteX177" fmla="*/ 173672 w 5390300"/>
+              <a:gd name="connsiteY177" fmla="*/ 2769446 h 3623733"/>
+              <a:gd name="connisteX178" fmla="*/ 110807 w 5390300"/>
+              <a:gd name="connsiteY178" fmla="*/ 2850091 h 3623733"/>
+              <a:gd name="connisteX179" fmla="*/ 56832 w 5390300"/>
+              <a:gd name="connsiteY179" fmla="*/ 2940261 h 3623733"/>
+              <a:gd name="connisteX180" fmla="*/ 20637 w 5390300"/>
+              <a:gd name="connsiteY180" fmla="*/ 3012016 h 3623733"/>
+              <a:gd name="connisteX181" fmla="*/ 2857 w 5390300"/>
+              <a:gd name="connsiteY181" fmla="*/ 3083771 h 3623733"/>
+              <a:gd name="connisteX182" fmla="*/ 2857 w 5390300"/>
+              <a:gd name="connsiteY182" fmla="*/ 3155526 h 3623733"/>
+              <a:gd name="connisteX183" fmla="*/ 20637 w 5390300"/>
+              <a:gd name="connsiteY183" fmla="*/ 3227916 h 3623733"/>
+              <a:gd name="connisteX184" fmla="*/ 47942 w 5390300"/>
+              <a:gd name="connsiteY184" fmla="*/ 3299671 h 3623733"/>
+              <a:gd name="connisteX185" fmla="*/ 101917 w 5390300"/>
+              <a:gd name="connsiteY185" fmla="*/ 3371426 h 3623733"/>
+              <a:gd name="connisteX186" fmla="*/ 173672 w 5390300"/>
+              <a:gd name="connsiteY186" fmla="*/ 3416511 h 3623733"/>
+              <a:gd name="connisteX187" fmla="*/ 245427 w 5390300"/>
+              <a:gd name="connsiteY187" fmla="*/ 3479376 h 3623733"/>
+              <a:gd name="connisteX188" fmla="*/ 335597 w 5390300"/>
+              <a:gd name="connsiteY188" fmla="*/ 3506046 h 3623733"/>
+              <a:gd name="connisteX189" fmla="*/ 425132 w 5390300"/>
+              <a:gd name="connsiteY189" fmla="*/ 3533351 h 3623733"/>
+              <a:gd name="connisteX190" fmla="*/ 506412 w 5390300"/>
+              <a:gd name="connsiteY190" fmla="*/ 3542241 h 3623733"/>
+              <a:gd name="connisteX191" fmla="*/ 587057 w 5390300"/>
+              <a:gd name="connsiteY191" fmla="*/ 3551131 h 3623733"/>
+              <a:gd name="connisteX192" fmla="*/ 695007 w 5390300"/>
+              <a:gd name="connsiteY192" fmla="*/ 3578436 h 3623733"/>
+              <a:gd name="connisteX193" fmla="*/ 766762 w 5390300"/>
+              <a:gd name="connsiteY193" fmla="*/ 3596216 h 3623733"/>
+              <a:gd name="connisteX194" fmla="*/ 847407 w 5390300"/>
+              <a:gd name="connsiteY194" fmla="*/ 3605106 h 3623733"/>
+              <a:gd name="connisteX195" fmla="*/ 946467 w 5390300"/>
+              <a:gd name="connsiteY195" fmla="*/ 3613996 h 3623733"/>
+              <a:gd name="connisteX196" fmla="*/ 1018222 w 5390300"/>
+              <a:gd name="connsiteY196" fmla="*/ 3622886 h 3623733"/>
+              <a:gd name="connisteX197" fmla="*/ 1090612 w 5390300"/>
+              <a:gd name="connsiteY197" fmla="*/ 3622886 h 3623733"/>
+            </a:gdLst>
+            <a:ahLst/>
+            <a:cxnLst>
+              <a:cxn ang="0">
+                <a:pos x="connisteX0" y="connsiteY0"/>
+              </a:cxn>
+              <a:cxn ang="0">
+                <a:pos x="connisteX1" y="connsiteY1"/>
+              </a:cxn>
+              <a:cxn ang="0">
+                <a:pos x="connisteX2" y="connsiteY2"/>
+              </a:cxn>
+              <a:cxn ang="0">
+                <a:pos x="connisteX3" y="connsiteY3"/>
+              </a:cxn>
+              <a:cxn ang="0">
+                <a:pos x="connisteX4" y="connsiteY4"/>
+              </a:cxn>
+              <a:cxn ang="0">
+                <a:pos x="connisteX5" y="connsiteY5"/>
+              </a:cxn>
+              <a:cxn ang="0">
+                <a:pos x="connisteX6" y="connsiteY6"/>
+              </a:cxn>
+              <a:cxn ang="0">
+                <a:pos x="connisteX7" y="connsiteY7"/>
+              </a:cxn>
+              <a:cxn ang="0">
+                <a:pos x="connisteX8" y="connsiteY8"/>
+              </a:cxn>
+              <a:cxn ang="0">
+                <a:pos x="connisteX9" y="connsiteY9"/>
+              </a:cxn>
+              <a:cxn ang="0">
+                <a:pos x="connisteX10" y="connsiteY10"/>
+              </a:cxn>
+              <a:cxn ang="0">
+                <a:pos x="connisteX11" y="connsiteY11"/>
+              </a:cxn>
+              <a:cxn ang="0">
+                <a:pos x="connisteX12" y="connsiteY12"/>
+              </a:cxn>
+              <a:cxn ang="0">
+                <a:pos x="connisteX13" y="connsiteY13"/>
+              </a:cxn>
+              <a:cxn ang="0">
+                <a:pos x="connisteX14" y="connsiteY14"/>
+              </a:cxn>
+              <a:cxn ang="0">
+                <a:pos x="connisteX15" y="connsiteY15"/>
+              </a:cxn>
+              <a:cxn ang="0">
+                <a:pos x="connisteX16" y="connsiteY16"/>
+              </a:cxn>
+              <a:cxn ang="0">
+                <a:pos x="connisteX17" y="connsiteY17"/>
+              </a:cxn>
+              <a:cxn ang="0">
+                <a:pos x="connisteX18" y="connsiteY18"/>
+              </a:cxn>
+              <a:cxn ang="0">
+                <a:pos x="connisteX19" y="connsiteY19"/>
+              </a:cxn>
+              <a:cxn ang="0">
+                <a:pos x="connisteX20" y="connsiteY20"/>
+              </a:cxn>
+              <a:cxn ang="0">
+                <a:pos x="connisteX21" y="connsiteY21"/>
+              </a:cxn>
+              <a:cxn ang="0">
+                <a:pos x="connisteX22" y="connsiteY22"/>
+              </a:cxn>
+              <a:cxn ang="0">
+                <a:pos x="connisteX23" y="connsiteY23"/>
+              </a:cxn>
+              <a:cxn ang="0">
+                <a:pos x="connisteX24" y="connsiteY24"/>
+              </a:cxn>
+              <a:cxn ang="0">
+                <a:pos x="connisteX25" y="connsiteY25"/>
+              </a:cxn>
+              <a:cxn ang="0">
+                <a:pos x="connisteX26" y="connsiteY26"/>
+              </a:cxn>
+              <a:cxn ang="0">
+                <a:pos x="connisteX27" y="connsiteY27"/>
+              </a:cxn>
+              <a:cxn ang="0">
+                <a:pos x="connisteX28" y="connsiteY28"/>
+              </a:cxn>
+              <a:cxn ang="0">
+                <a:pos x="connisteX29" y="connsiteY29"/>
+              </a:cxn>
+              <a:cxn ang="0">
+                <a:pos x="connisteX30" y="connsiteY30"/>
+              </a:cxn>
+              <a:cxn ang="0">
+                <a:pos x="connisteX31" y="connsiteY31"/>
+              </a:cxn>
+              <a:cxn ang="0">
+                <a:pos x="connisteX32" y="connsiteY32"/>
+              </a:cxn>
+              <a:cxn ang="0">
+                <a:pos x="connisteX33" y="connsiteY33"/>
+              </a:cxn>
+              <a:cxn ang="0">
+                <a:pos x="connisteX34" y="connsiteY34"/>
+              </a:cxn>
+              <a:cxn ang="0">
+                <a:pos x="connisteX35" y="connsiteY35"/>
+              </a:cxn>
+              <a:cxn ang="0">
+                <a:pos x="connisteX36" y="connsiteY36"/>
+              </a:cxn>
+              <a:cxn ang="0">
+                <a:pos x="connisteX37" y="connsiteY37"/>
+              </a:cxn>
+              <a:cxn ang="0">
+                <a:pos x="connisteX38" y="connsiteY38"/>
+              </a:cxn>
+              <a:cxn ang="0">
+                <a:pos x="connisteX39" y="connsiteY39"/>
+              </a:cxn>
+              <a:cxn ang="0">
+                <a:pos x="connisteX40" y="connsiteY40"/>
+              </a:cxn>
+              <a:cxn ang="0">
+                <a:pos x="connisteX41" y="connsiteY41"/>
+              </a:cxn>
+              <a:cxn ang="0">
+                <a:pos x="connisteX42" y="connsiteY42"/>
+              </a:cxn>
+              <a:cxn ang="0">
+                <a:pos x="connisteX43" y="connsiteY43"/>
+              </a:cxn>
+              <a:cxn ang="0">
+                <a:pos x="connisteX44" y="connsiteY44"/>
+              </a:cxn>
+              <a:cxn ang="0">
+                <a:pos x="connisteX45" y="connsiteY45"/>
+              </a:cxn>
+              <a:cxn ang="0">
+                <a:pos x="connisteX46" y="connsiteY46"/>
+              </a:cxn>
+              <a:cxn ang="0">
+                <a:pos x="connisteX47" y="connsiteY47"/>
+              </a:cxn>
+              <a:cxn ang="0">
+                <a:pos x="connisteX48" y="connsiteY48"/>
+              </a:cxn>
+              <a:cxn ang="0">
+                <a:pos x="connisteX49" y="connsiteY49"/>
+              </a:cxn>
+              <a:cxn ang="0">
+                <a:pos x="connisteX50" y="connsiteY50"/>
+              </a:cxn>
+              <a:cxn ang="0">
+                <a:pos x="connisteX51" y="connsiteY51"/>
+              </a:cxn>
+              <a:cxn ang="0">
+                <a:pos x="connisteX52" y="connsiteY52"/>
+              </a:cxn>
+              <a:cxn ang="0">
+                <a:pos x="connisteX53" y="connsiteY53"/>
+              </a:cxn>
+              <a:cxn ang="0">
+                <a:pos x="connisteX54" y="connsiteY54"/>
+              </a:cxn>
+              <a:cxn ang="0">
+                <a:pos x="connisteX55" y="connsiteY55"/>
+              </a:cxn>
+              <a:cxn ang="0">
+                <a:pos x="connisteX56" y="connsiteY56"/>
+              </a:cxn>
+              <a:cxn ang="0">
+                <a:pos x="connisteX57" y="connsiteY57"/>
+              </a:cxn>
+              <a:cxn ang="0">
+                <a:pos x="connisteX58" y="connsiteY58"/>
+              </a:cxn>
+              <a:cxn ang="0">
+                <a:pos x="connisteX59" y="connsiteY59"/>
+              </a:cxn>
+              <a:cxn ang="0">
+                <a:pos x="connisteX60" y="connsiteY60"/>
+              </a:cxn>
+              <a:cxn ang="0">
+                <a:pos x="connisteX61" y="connsiteY61"/>
+              </a:cxn>
+              <a:cxn ang="0">
+                <a:pos x="connisteX62" y="connsiteY62"/>
+              </a:cxn>
+              <a:cxn ang="0">
+                <a:pos x="connisteX63" y="connsiteY63"/>
+              </a:cxn>
+              <a:cxn ang="0">
+                <a:pos x="connisteX64" y="connsiteY64"/>
+              </a:cxn>
+              <a:cxn ang="0">
+                <a:pos x="connisteX65" y="connsiteY65"/>
+              </a:cxn>
+              <a:cxn ang="0">
+                <a:pos x="connisteX66" y="connsiteY66"/>
+              </a:cxn>
+              <a:cxn ang="0">
+                <a:pos x="connisteX67" y="connsiteY67"/>
+              </a:cxn>
+              <a:cxn ang="0">
+                <a:pos x="connisteX68" y="connsiteY68"/>
+              </a:cxn>
+              <a:cxn ang="0">
+                <a:pos x="connisteX69" y="connsiteY69"/>
+              </a:cxn>
+              <a:cxn ang="0">
+                <a:pos x="connisteX70" y="connsiteY70"/>
+              </a:cxn>
+              <a:cxn ang="0">
+                <a:pos x="connisteX71" y="connsiteY71"/>
+              </a:cxn>
+              <a:cxn ang="0">
+                <a:pos x="connisteX72" y="connsiteY72"/>
+              </a:cxn>
+              <a:cxn ang="0">
+                <a:pos x="connisteX73" y="connsiteY73"/>
+              </a:cxn>
+              <a:cxn ang="0">
+                <a:pos x="connisteX74" y="connsiteY74"/>
+              </a:cxn>
+              <a:cxn ang="0">
+                <a:pos x="connisteX75" y="connsiteY75"/>
+              </a:cxn>
+              <a:cxn ang="0">
+                <a:pos x="connisteX76" y="connsiteY76"/>
+              </a:cxn>
+              <a:cxn ang="0">
+                <a:pos x="connisteX77" y="connsiteY77"/>
+              </a:cxn>
+              <a:cxn ang="0">
+                <a:pos x="connisteX78" y="connsiteY78"/>
+              </a:cxn>
+              <a:cxn ang="0">
+                <a:pos x="connisteX79" y="connsiteY79"/>
+              </a:cxn>
+              <a:cxn ang="0">
+                <a:pos x="connisteX80" y="connsiteY80"/>
+              </a:cxn>
+              <a:cxn ang="0">
+                <a:pos x="connisteX81" y="connsiteY81"/>
+              </a:cxn>
+              <a:cxn ang="0">
+                <a:pos x="connisteX82" y="connsiteY82"/>
+              </a:cxn>
+              <a:cxn ang="0">
+                <a:pos x="connisteX83" y="connsiteY83"/>
+              </a:cxn>
+              <a:cxn ang="0">
+                <a:pos x="connisteX84" y="connsiteY84"/>
+              </a:cxn>
+              <a:cxn ang="0">
+                <a:pos x="connisteX85" y="connsiteY85"/>
+              </a:cxn>
+              <a:cxn ang="0">
+                <a:pos x="connisteX86" y="connsiteY86"/>
+              </a:cxn>
+              <a:cxn ang="0">
+                <a:pos x="connisteX87" y="connsiteY87"/>
+              </a:cxn>
+              <a:cxn ang="0">
+                <a:pos x="connisteX88" y="connsiteY88"/>
+              </a:cxn>
+              <a:cxn ang="0">
+                <a:pos x="connisteX89" y="connsiteY89"/>
+              </a:cxn>
+              <a:cxn ang="0">
+                <a:pos x="connisteX90" y="connsiteY90"/>
+              </a:cxn>
+              <a:cxn ang="0">
+                <a:pos x="connisteX91" y="connsiteY91"/>
+              </a:cxn>
+              <a:cxn ang="0">
+                <a:pos x="connisteX92" y="connsiteY92"/>
+              </a:cxn>
+              <a:cxn ang="0">
+                <a:pos x="connisteX93" y="connsiteY93"/>
+              </a:cxn>
+              <a:cxn ang="0">
+                <a:pos x="connisteX94" y="connsiteY94"/>
+              </a:cxn>
+              <a:cxn ang="0">
+                <a:pos x="connisteX95" y="connsiteY95"/>
+              </a:cxn>
+              <a:cxn ang="0">
+                <a:pos x="connisteX96" y="connsiteY96"/>
+              </a:cxn>
+              <a:cxn ang="0">
+                <a:pos x="connisteX97" y="connsiteY97"/>
+              </a:cxn>
+              <a:cxn ang="0">
+                <a:pos x="connisteX98" y="connsiteY98"/>
+              </a:cxn>
+              <a:cxn ang="0">
+                <a:pos x="connisteX99" y="connsiteY99"/>
+              </a:cxn>
+              <a:cxn ang="0">
+                <a:pos x="connisteX100" y="connsiteY100"/>
+              </a:cxn>
+              <a:cxn ang="0">
+                <a:pos x="connisteX101" y="connsiteY101"/>
+              </a:cxn>
+              <a:cxn ang="0">
+                <a:pos x="connisteX102" y="connsiteY102"/>
+              </a:cxn>
+              <a:cxn ang="0">
+                <a:pos x="connisteX103" y="connsiteY103"/>
+              </a:cxn>
+              <a:cxn ang="0">
+                <a:pos x="connisteX104" y="connsiteY104"/>
+              </a:cxn>
+              <a:cxn ang="0">
+                <a:pos x="connisteX105" y="connsiteY105"/>
+              </a:cxn>
+              <a:cxn ang="0">
+                <a:pos x="connisteX106" y="connsiteY106"/>
+              </a:cxn>
+              <a:cxn ang="0">
+                <a:pos x="connisteX107" y="connsiteY107"/>
+              </a:cxn>
+              <a:cxn ang="0">
+                <a:pos x="connisteX108" y="connsiteY108"/>
+              </a:cxn>
+              <a:cxn ang="0">
+                <a:pos x="connisteX109" y="connsiteY109"/>
+              </a:cxn>
+              <a:cxn ang="0">
+                <a:pos x="connisteX110" y="connsiteY110"/>
+              </a:cxn>
+              <a:cxn ang="0">
+                <a:pos x="connisteX111" y="connsiteY111"/>
+              </a:cxn>
+              <a:cxn ang="0">
+                <a:pos x="connisteX112" y="connsiteY112"/>
+              </a:cxn>
+              <a:cxn ang="0">
+                <a:pos x="connisteX113" y="connsiteY113"/>
+              </a:cxn>
+              <a:cxn ang="0">
+                <a:pos x="connisteX114" y="connsiteY114"/>
+              </a:cxn>
+              <a:cxn ang="0">
+                <a:pos x="connisteX115" y="connsiteY115"/>
+              </a:cxn>
+              <a:cxn ang="0">
+                <a:pos x="connisteX116" y="connsiteY116"/>
+              </a:cxn>
+              <a:cxn ang="0">
+                <a:pos x="connisteX117" y="connsiteY117"/>
+              </a:cxn>
+              <a:cxn ang="0">
+                <a:pos x="connisteX118" y="connsiteY118"/>
+              </a:cxn>
+              <a:cxn ang="0">
+                <a:pos x="connisteX119" y="connsiteY119"/>
+              </a:cxn>
+              <a:cxn ang="0">
+                <a:pos x="connisteX120" y="connsiteY120"/>
+              </a:cxn>
+              <a:cxn ang="0">
+                <a:pos x="connisteX121" y="connsiteY121"/>
+              </a:cxn>
+              <a:cxn ang="0">
+                <a:pos x="connisteX122" y="connsiteY122"/>
+              </a:cxn>
+              <a:cxn ang="0">
+                <a:pos x="connisteX123" y="connsiteY123"/>
+              </a:cxn>
+              <a:cxn ang="0">
+                <a:pos x="connisteX124" y="connsiteY124"/>
+              </a:cxn>
+              <a:cxn ang="0">
+                <a:pos x="connisteX125" y="connsiteY125"/>
+              </a:cxn>
+              <a:cxn ang="0">
+                <a:pos x="connisteX126" y="connsiteY126"/>
+              </a:cxn>
+              <a:cxn ang="0">
+                <a:pos x="connisteX127" y="connsiteY127"/>
+              </a:cxn>
+              <a:cxn ang="0">
+                <a:pos x="connisteX128" y="connsiteY128"/>
+              </a:cxn>
+              <a:cxn ang="0">
+                <a:pos x="connisteX129" y="connsiteY129"/>
+              </a:cxn>
+              <a:cxn ang="0">
+                <a:pos x="connisteX130" y="connsiteY130"/>
+              </a:cxn>
+              <a:cxn ang="0">
+                <a:pos x="connisteX131" y="connsiteY131"/>
+              </a:cxn>
+              <a:cxn ang="0">
+                <a:pos x="connisteX132" y="connsiteY132"/>
+              </a:cxn>
+              <a:cxn ang="0">
+                <a:pos x="connisteX133" y="connsiteY133"/>
+              </a:cxn>
+              <a:cxn ang="0">
+                <a:pos x="connisteX134" y="connsiteY134"/>
+              </a:cxn>
+              <a:cxn ang="0">
+                <a:pos x="connisteX135" y="connsiteY135"/>
+              </a:cxn>
+              <a:cxn ang="0">
+                <a:pos x="connisteX136" y="connsiteY136"/>
+              </a:cxn>
+              <a:cxn ang="0">
+                <a:pos x="connisteX137" y="connsiteY137"/>
+              </a:cxn>
+              <a:cxn ang="0">
+                <a:pos x="connisteX138" y="connsiteY138"/>
+              </a:cxn>
+              <a:cxn ang="0">
+                <a:pos x="connisteX139" y="connsiteY139"/>
+              </a:cxn>
+              <a:cxn ang="0">
+                <a:pos x="connisteX140" y="connsiteY140"/>
+              </a:cxn>
+              <a:cxn ang="0">
+                <a:pos x="connisteX141" y="connsiteY141"/>
+              </a:cxn>
+              <a:cxn ang="0">
+                <a:pos x="connisteX142" y="connsiteY142"/>
+              </a:cxn>
+              <a:cxn ang="0">
+                <a:pos x="connisteX143" y="connsiteY143"/>
+              </a:cxn>
+              <a:cxn ang="0">
+                <a:pos x="connisteX144" y="connsiteY144"/>
+              </a:cxn>
+              <a:cxn ang="0">
+                <a:pos x="connisteX145" y="connsiteY145"/>
+              </a:cxn>
+              <a:cxn ang="0">
+                <a:pos x="connisteX146" y="connsiteY146"/>
+              </a:cxn>
+              <a:cxn ang="0">
+                <a:pos x="connisteX147" y="connsiteY147"/>
+              </a:cxn>
+              <a:cxn ang="0">
+                <a:pos x="connisteX148" y="connsiteY148"/>
+              </a:cxn>
+              <a:cxn ang="0">
+                <a:pos x="connisteX149" y="connsiteY149"/>
+              </a:cxn>
+              <a:cxn ang="0">
+                <a:pos x="connisteX150" y="connsiteY150"/>
+              </a:cxn>
+              <a:cxn ang="0">
+                <a:pos x="connisteX151" y="connsiteY151"/>
+              </a:cxn>
+              <a:cxn ang="0">
+                <a:pos x="connisteX152" y="connsiteY152"/>
+              </a:cxn>
+              <a:cxn ang="0">
+                <a:pos x="connisteX153" y="connsiteY153"/>
+              </a:cxn>
+              <a:cxn ang="0">
+                <a:pos x="connisteX154" y="connsiteY154"/>
+              </a:cxn>
+              <a:cxn ang="0">
+                <a:pos x="connisteX155" y="connsiteY155"/>
+              </a:cxn>
+              <a:cxn ang="0">
+                <a:pos x="connisteX156" y="connsiteY156"/>
+              </a:cxn>
+              <a:cxn ang="0">
+                <a:pos x="connisteX157" y="connsiteY157"/>
+              </a:cxn>
+              <a:cxn ang="0">
+                <a:pos x="connisteX158" y="connsiteY158"/>
+              </a:cxn>
+              <a:cxn ang="0">
+                <a:pos x="connisteX159" y="connsiteY159"/>
+              </a:cxn>
+              <a:cxn ang="0">
+                <a:pos x="connisteX160" y="connsiteY160"/>
+              </a:cxn>
+              <a:cxn ang="0">
+                <a:pos x="connisteX161" y="connsiteY161"/>
+              </a:cxn>
+              <a:cxn ang="0">
+                <a:pos x="connisteX162" y="connsiteY162"/>
+              </a:cxn>
+              <a:cxn ang="0">
+                <a:pos x="connisteX163" y="connsiteY163"/>
+              </a:cxn>
+              <a:cxn ang="0">
+                <a:pos x="connisteX164" y="connsiteY164"/>
+              </a:cxn>
+              <a:cxn ang="0">
+                <a:pos x="connisteX165" y="connsiteY165"/>
+              </a:cxn>
+              <a:cxn ang="0">
+                <a:pos x="connisteX166" y="connsiteY166"/>
+              </a:cxn>
+              <a:cxn ang="0">
+                <a:pos x="connisteX167" y="connsiteY167"/>
+              </a:cxn>
+              <a:cxn ang="0">
+                <a:pos x="connisteX168" y="connsiteY168"/>
+              </a:cxn>
+              <a:cxn ang="0">
+                <a:pos x="connisteX169" y="connsiteY169"/>
+              </a:cxn>
+              <a:cxn ang="0">
+                <a:pos x="connisteX170" y="connsiteY170"/>
+              </a:cxn>
+              <a:cxn ang="0">
+                <a:pos x="connisteX171" y="connsiteY171"/>
+              </a:cxn>
+              <a:cxn ang="0">
+                <a:pos x="connisteX172" y="connsiteY172"/>
+              </a:cxn>
+              <a:cxn ang="0">
+                <a:pos x="connisteX173" y="connsiteY173"/>
+              </a:cxn>
+              <a:cxn ang="0">
+                <a:pos x="connisteX174" y="connsiteY174"/>
+              </a:cxn>
+              <a:cxn ang="0">
+                <a:pos x="connisteX175" y="connsiteY175"/>
+              </a:cxn>
+              <a:cxn ang="0">
+                <a:pos x="connisteX176" y="connsiteY176"/>
+              </a:cxn>
+              <a:cxn ang="0">
+                <a:pos x="connisteX177" y="connsiteY177"/>
+              </a:cxn>
+              <a:cxn ang="0">
+                <a:pos x="connisteX178" y="connsiteY178"/>
+              </a:cxn>
+              <a:cxn ang="0">
+                <a:pos x="connisteX179" y="connsiteY179"/>
+              </a:cxn>
+              <a:cxn ang="0">
+                <a:pos x="connisteX180" y="connsiteY180"/>
+              </a:cxn>
+              <a:cxn ang="0">
+                <a:pos x="connisteX181" y="connsiteY181"/>
+              </a:cxn>
+              <a:cxn ang="0">
+                <a:pos x="connisteX182" y="connsiteY182"/>
+              </a:cxn>
+              <a:cxn ang="0">
+                <a:pos x="connisteX183" y="connsiteY183"/>
+              </a:cxn>
+              <a:cxn ang="0">
+                <a:pos x="connisteX184" y="connsiteY184"/>
+              </a:cxn>
+              <a:cxn ang="0">
+                <a:pos x="connisteX185" y="connsiteY185"/>
+              </a:cxn>
+              <a:cxn ang="0">
+                <a:pos x="connisteX186" y="connsiteY186"/>
+              </a:cxn>
+              <a:cxn ang="0">
+                <a:pos x="connisteX187" y="connsiteY187"/>
+              </a:cxn>
+              <a:cxn ang="0">
+                <a:pos x="connisteX188" y="connsiteY188"/>
+              </a:cxn>
+              <a:cxn ang="0">
+                <a:pos x="connisteX189" y="connsiteY189"/>
+              </a:cxn>
+              <a:cxn ang="0">
+                <a:pos x="connisteX190" y="connsiteY190"/>
+              </a:cxn>
+              <a:cxn ang="0">
+                <a:pos x="connisteX191" y="connsiteY191"/>
+              </a:cxn>
+              <a:cxn ang="0">
+                <a:pos x="connisteX192" y="connsiteY192"/>
+              </a:cxn>
+              <a:cxn ang="0">
+                <a:pos x="connisteX193" y="connsiteY193"/>
+              </a:cxn>
+              <a:cxn ang="0">
+                <a:pos x="connisteX194" y="connsiteY194"/>
+              </a:cxn>
+              <a:cxn ang="0">
+                <a:pos x="connisteX195" y="connsiteY195"/>
+              </a:cxn>
+              <a:cxn ang="0">
+                <a:pos x="connisteX196" y="connsiteY196"/>
+              </a:cxn>
+              <a:cxn ang="0">
+                <a:pos x="connisteX197" y="connsiteY197"/>
+              </a:cxn>
+            </a:cxnLst>
+            <a:rect l="l" t="t" r="r" b="b"/>
+            <a:pathLst>
+              <a:path w="5390301" h="3623733">
+                <a:moveTo>
+                  <a:pt x="3058478" y="63712"/>
+                </a:moveTo>
+                <a:cubicBezTo>
+                  <a:pt x="3070543" y="60537"/>
+                  <a:pt x="3089593" y="52917"/>
+                  <a:pt x="3130868" y="45932"/>
+                </a:cubicBezTo>
+                <a:cubicBezTo>
+                  <a:pt x="3172143" y="38947"/>
+                  <a:pt x="3224213" y="34502"/>
+                  <a:pt x="3265488" y="27517"/>
+                </a:cubicBezTo>
+                <a:cubicBezTo>
+                  <a:pt x="3306763" y="20532"/>
+                  <a:pt x="3308668" y="13547"/>
+                  <a:pt x="3337243" y="9737"/>
+                </a:cubicBezTo>
+                <a:cubicBezTo>
+                  <a:pt x="3365818" y="5927"/>
+                  <a:pt x="3376613" y="11642"/>
+                  <a:pt x="3408998" y="9737"/>
+                </a:cubicBezTo>
+                <a:cubicBezTo>
+                  <a:pt x="3441383" y="7832"/>
+                  <a:pt x="3466783" y="2752"/>
+                  <a:pt x="3499168" y="847"/>
+                </a:cubicBezTo>
+                <a:cubicBezTo>
+                  <a:pt x="3531553" y="-1058"/>
+                  <a:pt x="3538538" y="847"/>
+                  <a:pt x="3570923" y="847"/>
+                </a:cubicBezTo>
+                <a:cubicBezTo>
+                  <a:pt x="3603308" y="847"/>
+                  <a:pt x="3626803" y="847"/>
+                  <a:pt x="3661093" y="847"/>
+                </a:cubicBezTo>
+                <a:cubicBezTo>
+                  <a:pt x="3695383" y="847"/>
+                  <a:pt x="3707448" y="847"/>
+                  <a:pt x="3741738" y="847"/>
+                </a:cubicBezTo>
+                <a:cubicBezTo>
+                  <a:pt x="3776028" y="847"/>
+                  <a:pt x="3794443" y="-1058"/>
+                  <a:pt x="3831908" y="847"/>
+                </a:cubicBezTo>
+                <a:cubicBezTo>
+                  <a:pt x="3869373" y="2752"/>
+                  <a:pt x="3889058" y="4657"/>
+                  <a:pt x="3930333" y="9737"/>
+                </a:cubicBezTo>
+                <a:cubicBezTo>
+                  <a:pt x="3971608" y="14817"/>
+                  <a:pt x="4000183" y="16722"/>
+                  <a:pt x="4038283" y="27517"/>
+                </a:cubicBezTo>
+                <a:cubicBezTo>
+                  <a:pt x="4076383" y="38312"/>
+                  <a:pt x="4089083" y="51012"/>
+                  <a:pt x="4119563" y="63712"/>
+                </a:cubicBezTo>
+                <a:cubicBezTo>
+                  <a:pt x="4150043" y="76412"/>
+                  <a:pt x="4162743" y="76412"/>
+                  <a:pt x="4191318" y="91017"/>
+                </a:cubicBezTo>
+                <a:cubicBezTo>
+                  <a:pt x="4219893" y="105622"/>
+                  <a:pt x="4230688" y="113877"/>
+                  <a:pt x="4263073" y="135467"/>
+                </a:cubicBezTo>
+                <a:cubicBezTo>
+                  <a:pt x="4295458" y="157057"/>
+                  <a:pt x="4320858" y="167852"/>
+                  <a:pt x="4353243" y="198332"/>
+                </a:cubicBezTo>
+                <a:cubicBezTo>
+                  <a:pt x="4385628" y="228812"/>
+                  <a:pt x="4398328" y="256117"/>
+                  <a:pt x="4424998" y="288502"/>
+                </a:cubicBezTo>
+                <a:cubicBezTo>
+                  <a:pt x="4451668" y="320887"/>
+                  <a:pt x="4470083" y="331682"/>
+                  <a:pt x="4487863" y="360257"/>
+                </a:cubicBezTo>
+                <a:cubicBezTo>
+                  <a:pt x="4505643" y="388832"/>
+                  <a:pt x="4506278" y="403437"/>
+                  <a:pt x="4515168" y="432012"/>
+                </a:cubicBezTo>
+                <a:cubicBezTo>
+                  <a:pt x="4524058" y="460587"/>
+                  <a:pt x="4531043" y="475827"/>
+                  <a:pt x="4532948" y="504402"/>
+                </a:cubicBezTo>
+                <a:cubicBezTo>
+                  <a:pt x="4534853" y="532977"/>
+                  <a:pt x="4540568" y="552662"/>
+                  <a:pt x="4524058" y="576157"/>
+                </a:cubicBezTo>
+                <a:cubicBezTo>
+                  <a:pt x="4507548" y="599652"/>
+                  <a:pt x="4480243" y="601557"/>
+                  <a:pt x="4451668" y="621242"/>
+                </a:cubicBezTo>
+                <a:cubicBezTo>
+                  <a:pt x="4423093" y="640927"/>
+                  <a:pt x="4410393" y="657437"/>
+                  <a:pt x="4379913" y="675217"/>
+                </a:cubicBezTo>
+                <a:cubicBezTo>
+                  <a:pt x="4349433" y="692997"/>
+                  <a:pt x="4329748" y="698077"/>
+                  <a:pt x="4299268" y="710777"/>
+                </a:cubicBezTo>
+                <a:cubicBezTo>
+                  <a:pt x="4268788" y="723477"/>
+                  <a:pt x="4256088" y="729192"/>
+                  <a:pt x="4227513" y="738082"/>
+                </a:cubicBezTo>
+                <a:cubicBezTo>
+                  <a:pt x="4198938" y="746972"/>
+                  <a:pt x="4189413" y="748877"/>
+                  <a:pt x="4155123" y="755862"/>
+                </a:cubicBezTo>
+                <a:cubicBezTo>
+                  <a:pt x="4120833" y="762847"/>
+                  <a:pt x="4090988" y="768562"/>
+                  <a:pt x="4056698" y="773642"/>
+                </a:cubicBezTo>
+                <a:cubicBezTo>
+                  <a:pt x="4022408" y="778722"/>
+                  <a:pt x="4012883" y="780627"/>
+                  <a:pt x="3984308" y="782532"/>
+                </a:cubicBezTo>
+                <a:cubicBezTo>
+                  <a:pt x="3955733" y="784437"/>
+                  <a:pt x="3943033" y="780627"/>
+                  <a:pt x="3912553" y="782532"/>
+                </a:cubicBezTo>
+                <a:cubicBezTo>
+                  <a:pt x="3882073" y="784437"/>
+                  <a:pt x="3868103" y="788247"/>
+                  <a:pt x="3831908" y="792057"/>
+                </a:cubicBezTo>
+                <a:cubicBezTo>
+                  <a:pt x="3795713" y="795867"/>
+                  <a:pt x="3769043" y="799042"/>
+                  <a:pt x="3732848" y="800947"/>
+                </a:cubicBezTo>
+                <a:cubicBezTo>
+                  <a:pt x="3696653" y="802852"/>
+                  <a:pt x="3686493" y="800947"/>
+                  <a:pt x="3652203" y="800947"/>
+                </a:cubicBezTo>
+                <a:cubicBezTo>
+                  <a:pt x="3617913" y="800947"/>
+                  <a:pt x="3596323" y="797137"/>
+                  <a:pt x="3562033" y="800947"/>
+                </a:cubicBezTo>
+                <a:cubicBezTo>
+                  <a:pt x="3527743" y="804757"/>
+                  <a:pt x="3511868" y="814917"/>
+                  <a:pt x="3481388" y="818727"/>
+                </a:cubicBezTo>
+                <a:cubicBezTo>
+                  <a:pt x="3450908" y="822537"/>
+                  <a:pt x="3437573" y="818727"/>
+                  <a:pt x="3408998" y="818727"/>
+                </a:cubicBezTo>
+                <a:cubicBezTo>
+                  <a:pt x="3380423" y="818727"/>
+                  <a:pt x="3371533" y="816822"/>
+                  <a:pt x="3337243" y="818727"/>
+                </a:cubicBezTo>
+                <a:cubicBezTo>
+                  <a:pt x="3302953" y="820632"/>
+                  <a:pt x="3275013" y="825712"/>
+                  <a:pt x="3238818" y="827617"/>
+                </a:cubicBezTo>
+                <a:cubicBezTo>
+                  <a:pt x="3202623" y="829522"/>
+                  <a:pt x="3193733" y="827617"/>
+                  <a:pt x="3157538" y="827617"/>
+                </a:cubicBezTo>
+                <a:cubicBezTo>
+                  <a:pt x="3121343" y="827617"/>
+                  <a:pt x="3095943" y="827617"/>
+                  <a:pt x="3058478" y="827617"/>
+                </a:cubicBezTo>
+                <a:cubicBezTo>
+                  <a:pt x="3021013" y="827617"/>
+                  <a:pt x="3001328" y="827617"/>
+                  <a:pt x="2968943" y="827617"/>
+                </a:cubicBezTo>
+                <a:cubicBezTo>
+                  <a:pt x="2936558" y="827617"/>
+                  <a:pt x="2925763" y="827617"/>
+                  <a:pt x="2897188" y="827617"/>
+                </a:cubicBezTo>
+                <a:cubicBezTo>
+                  <a:pt x="2868613" y="827617"/>
+                  <a:pt x="2859088" y="831427"/>
+                  <a:pt x="2824798" y="827617"/>
+                </a:cubicBezTo>
+                <a:cubicBezTo>
+                  <a:pt x="2790508" y="823807"/>
+                  <a:pt x="2762568" y="813647"/>
+                  <a:pt x="2726373" y="809837"/>
+                </a:cubicBezTo>
+                <a:cubicBezTo>
+                  <a:pt x="2690178" y="806027"/>
+                  <a:pt x="2679383" y="811742"/>
+                  <a:pt x="2645093" y="809837"/>
+                </a:cubicBezTo>
+                <a:cubicBezTo>
+                  <a:pt x="2610803" y="807932"/>
+                  <a:pt x="2589848" y="802852"/>
+                  <a:pt x="2555558" y="800947"/>
+                </a:cubicBezTo>
+                <a:cubicBezTo>
+                  <a:pt x="2521268" y="799042"/>
+                  <a:pt x="2511743" y="802852"/>
+                  <a:pt x="2474278" y="800947"/>
+                </a:cubicBezTo>
+                <a:cubicBezTo>
+                  <a:pt x="2436813" y="799042"/>
+                  <a:pt x="2404428" y="793962"/>
+                  <a:pt x="2366963" y="792057"/>
+                </a:cubicBezTo>
+                <a:cubicBezTo>
+                  <a:pt x="2329498" y="790152"/>
+                  <a:pt x="2318068" y="793962"/>
+                  <a:pt x="2285683" y="792057"/>
+                </a:cubicBezTo>
+                <a:cubicBezTo>
+                  <a:pt x="2253298" y="790152"/>
+                  <a:pt x="2235518" y="784437"/>
+                  <a:pt x="2205038" y="782532"/>
+                </a:cubicBezTo>
+                <a:cubicBezTo>
+                  <a:pt x="2174558" y="780627"/>
+                  <a:pt x="2161858" y="782532"/>
+                  <a:pt x="2133283" y="782532"/>
+                </a:cubicBezTo>
+                <a:cubicBezTo>
+                  <a:pt x="2104708" y="782532"/>
+                  <a:pt x="2091373" y="780627"/>
+                  <a:pt x="2060893" y="782532"/>
+                </a:cubicBezTo>
+                <a:cubicBezTo>
+                  <a:pt x="2030413" y="784437"/>
+                  <a:pt x="2010728" y="788247"/>
+                  <a:pt x="1980248" y="792057"/>
+                </a:cubicBezTo>
+                <a:cubicBezTo>
+                  <a:pt x="1949768" y="795867"/>
+                  <a:pt x="1937068" y="797137"/>
+                  <a:pt x="1908493" y="800947"/>
+                </a:cubicBezTo>
+                <a:cubicBezTo>
+                  <a:pt x="1879918" y="804757"/>
+                  <a:pt x="1866583" y="802852"/>
+                  <a:pt x="1836103" y="809837"/>
+                </a:cubicBezTo>
+                <a:cubicBezTo>
+                  <a:pt x="1805623" y="816822"/>
+                  <a:pt x="1785938" y="823807"/>
+                  <a:pt x="1755458" y="836507"/>
+                </a:cubicBezTo>
+                <a:cubicBezTo>
+                  <a:pt x="1724978" y="849207"/>
+                  <a:pt x="1712278" y="854922"/>
+                  <a:pt x="1683703" y="872702"/>
+                </a:cubicBezTo>
+                <a:cubicBezTo>
+                  <a:pt x="1655128" y="890482"/>
+                  <a:pt x="1640523" y="905087"/>
+                  <a:pt x="1611948" y="926677"/>
+                </a:cubicBezTo>
+                <a:cubicBezTo>
+                  <a:pt x="1583373" y="948267"/>
+                  <a:pt x="1564958" y="955252"/>
+                  <a:pt x="1539558" y="980652"/>
+                </a:cubicBezTo>
+                <a:cubicBezTo>
+                  <a:pt x="1514158" y="1006052"/>
+                  <a:pt x="1510983" y="1021927"/>
+                  <a:pt x="1485583" y="1052407"/>
+                </a:cubicBezTo>
+                <a:cubicBezTo>
+                  <a:pt x="1460183" y="1082887"/>
+                  <a:pt x="1431608" y="1102572"/>
+                  <a:pt x="1413828" y="1133052"/>
+                </a:cubicBezTo>
+                <a:cubicBezTo>
+                  <a:pt x="1396048" y="1163532"/>
+                  <a:pt x="1403033" y="1174962"/>
+                  <a:pt x="1396048" y="1205442"/>
+                </a:cubicBezTo>
+                <a:cubicBezTo>
+                  <a:pt x="1389063" y="1235922"/>
+                  <a:pt x="1383983" y="1253702"/>
+                  <a:pt x="1378268" y="1286087"/>
+                </a:cubicBezTo>
+                <a:cubicBezTo>
+                  <a:pt x="1372553" y="1318472"/>
+                  <a:pt x="1370648" y="1336887"/>
+                  <a:pt x="1368743" y="1367367"/>
+                </a:cubicBezTo>
+                <a:cubicBezTo>
+                  <a:pt x="1366838" y="1397847"/>
+                  <a:pt x="1356043" y="1410547"/>
+                  <a:pt x="1368743" y="1439122"/>
+                </a:cubicBezTo>
+                <a:cubicBezTo>
+                  <a:pt x="1381443" y="1467697"/>
+                  <a:pt x="1408113" y="1482302"/>
+                  <a:pt x="1431608" y="1510877"/>
+                </a:cubicBezTo>
+                <a:cubicBezTo>
+                  <a:pt x="1455103" y="1539452"/>
+                  <a:pt x="1460183" y="1562947"/>
+                  <a:pt x="1485583" y="1582632"/>
+                </a:cubicBezTo>
+                <a:cubicBezTo>
+                  <a:pt x="1510983" y="1602317"/>
+                  <a:pt x="1529398" y="1599142"/>
+                  <a:pt x="1557973" y="1609937"/>
+                </a:cubicBezTo>
+                <a:cubicBezTo>
+                  <a:pt x="1586548" y="1620732"/>
+                  <a:pt x="1599248" y="1627717"/>
+                  <a:pt x="1629728" y="1636607"/>
+                </a:cubicBezTo>
+                <a:cubicBezTo>
+                  <a:pt x="1660208" y="1645497"/>
+                  <a:pt x="1674178" y="1648672"/>
+                  <a:pt x="1710373" y="1654387"/>
+                </a:cubicBezTo>
+                <a:cubicBezTo>
+                  <a:pt x="1746568" y="1660102"/>
+                  <a:pt x="1771333" y="1662007"/>
+                  <a:pt x="1809433" y="1663912"/>
+                </a:cubicBezTo>
+                <a:cubicBezTo>
+                  <a:pt x="1847533" y="1665817"/>
+                  <a:pt x="1860233" y="1663912"/>
+                  <a:pt x="1899603" y="1663912"/>
+                </a:cubicBezTo>
+                <a:cubicBezTo>
+                  <a:pt x="1938973" y="1663912"/>
+                  <a:pt x="1965643" y="1663912"/>
+                  <a:pt x="2006918" y="1663912"/>
+                </a:cubicBezTo>
+                <a:cubicBezTo>
+                  <a:pt x="2048193" y="1663912"/>
+                  <a:pt x="2060893" y="1660102"/>
+                  <a:pt x="2105978" y="1663912"/>
+                </a:cubicBezTo>
+                <a:cubicBezTo>
+                  <a:pt x="2151063" y="1667722"/>
+                  <a:pt x="2190433" y="1677882"/>
+                  <a:pt x="2231708" y="1681692"/>
+                </a:cubicBezTo>
+                <a:cubicBezTo>
+                  <a:pt x="2272983" y="1685502"/>
+                  <a:pt x="2282508" y="1681692"/>
+                  <a:pt x="2312988" y="1681692"/>
+                </a:cubicBezTo>
+                <a:cubicBezTo>
+                  <a:pt x="2343468" y="1681692"/>
+                  <a:pt x="2352358" y="1681692"/>
+                  <a:pt x="2384743" y="1681692"/>
+                </a:cubicBezTo>
+                <a:cubicBezTo>
+                  <a:pt x="2417128" y="1681692"/>
+                  <a:pt x="2441893" y="1681692"/>
+                  <a:pt x="2474278" y="1681692"/>
+                </a:cubicBezTo>
+                <a:cubicBezTo>
+                  <a:pt x="2506663" y="1681692"/>
+                  <a:pt x="2518093" y="1681692"/>
+                  <a:pt x="2546668" y="1681692"/>
+                </a:cubicBezTo>
+                <a:cubicBezTo>
+                  <a:pt x="2575243" y="1681692"/>
+                  <a:pt x="2589848" y="1681692"/>
+                  <a:pt x="2618423" y="1681692"/>
+                </a:cubicBezTo>
+                <a:cubicBezTo>
+                  <a:pt x="2646998" y="1681692"/>
+                  <a:pt x="2648903" y="1681692"/>
+                  <a:pt x="2690178" y="1681692"/>
+                </a:cubicBezTo>
+                <a:cubicBezTo>
+                  <a:pt x="2731453" y="1681692"/>
+                  <a:pt x="2783523" y="1681692"/>
+                  <a:pt x="2824798" y="1681692"/>
+                </a:cubicBezTo>
+                <a:cubicBezTo>
+                  <a:pt x="2866073" y="1681692"/>
+                  <a:pt x="2868613" y="1681692"/>
+                  <a:pt x="2897188" y="1681692"/>
+                </a:cubicBezTo>
+                <a:cubicBezTo>
+                  <a:pt x="2925763" y="1681692"/>
+                  <a:pt x="2936558" y="1681692"/>
+                  <a:pt x="2968943" y="1681692"/>
+                </a:cubicBezTo>
+                <a:cubicBezTo>
+                  <a:pt x="3001328" y="1681692"/>
+                  <a:pt x="3024188" y="1681692"/>
+                  <a:pt x="3058478" y="1681692"/>
+                </a:cubicBezTo>
+                <a:cubicBezTo>
+                  <a:pt x="3092768" y="1681692"/>
+                  <a:pt x="3105468" y="1681692"/>
+                  <a:pt x="3139758" y="1681692"/>
+                </a:cubicBezTo>
+                <a:cubicBezTo>
+                  <a:pt x="3174048" y="1681692"/>
+                  <a:pt x="3184208" y="1681692"/>
+                  <a:pt x="3229293" y="1681692"/>
+                </a:cubicBezTo>
+                <a:cubicBezTo>
+                  <a:pt x="3274378" y="1681692"/>
+                  <a:pt x="3323273" y="1681692"/>
+                  <a:pt x="3364548" y="1681692"/>
+                </a:cubicBezTo>
+                <a:cubicBezTo>
+                  <a:pt x="3405823" y="1681692"/>
+                  <a:pt x="3402013" y="1681692"/>
+                  <a:pt x="3436303" y="1681692"/>
+                </a:cubicBezTo>
+                <a:cubicBezTo>
+                  <a:pt x="3470593" y="1681692"/>
+                  <a:pt x="3494088" y="1681692"/>
+                  <a:pt x="3535363" y="1681692"/>
+                </a:cubicBezTo>
+                <a:cubicBezTo>
+                  <a:pt x="3576638" y="1681692"/>
+                  <a:pt x="3607118" y="1681692"/>
+                  <a:pt x="3643313" y="1681692"/>
+                </a:cubicBezTo>
+                <a:cubicBezTo>
+                  <a:pt x="3679508" y="1681692"/>
+                  <a:pt x="3678873" y="1681692"/>
+                  <a:pt x="3715068" y="1681692"/>
+                </a:cubicBezTo>
+                <a:cubicBezTo>
+                  <a:pt x="3751263" y="1681692"/>
+                  <a:pt x="3785553" y="1681692"/>
+                  <a:pt x="3823018" y="1681692"/>
+                </a:cubicBezTo>
+                <a:cubicBezTo>
+                  <a:pt x="3860483" y="1681692"/>
+                  <a:pt x="3871278" y="1681692"/>
+                  <a:pt x="3903663" y="1681692"/>
+                </a:cubicBezTo>
+                <a:cubicBezTo>
+                  <a:pt x="3936048" y="1681692"/>
+                  <a:pt x="3948113" y="1681692"/>
+                  <a:pt x="3984308" y="1681692"/>
+                </a:cubicBezTo>
+                <a:cubicBezTo>
+                  <a:pt x="4020503" y="1681692"/>
+                  <a:pt x="4045268" y="1679787"/>
+                  <a:pt x="4083368" y="1681692"/>
+                </a:cubicBezTo>
+                <a:cubicBezTo>
+                  <a:pt x="4121468" y="1683597"/>
+                  <a:pt x="4139248" y="1688677"/>
+                  <a:pt x="4173538" y="1690582"/>
+                </a:cubicBezTo>
+                <a:cubicBezTo>
+                  <a:pt x="4207828" y="1692487"/>
+                  <a:pt x="4223703" y="1688677"/>
+                  <a:pt x="4254183" y="1690582"/>
+                </a:cubicBezTo>
+                <a:cubicBezTo>
+                  <a:pt x="4284663" y="1692487"/>
+                  <a:pt x="4297363" y="1697567"/>
+                  <a:pt x="4325938" y="1699472"/>
+                </a:cubicBezTo>
+                <a:cubicBezTo>
+                  <a:pt x="4354513" y="1701377"/>
+                  <a:pt x="4369753" y="1697567"/>
+                  <a:pt x="4398328" y="1699472"/>
+                </a:cubicBezTo>
+                <a:cubicBezTo>
+                  <a:pt x="4426903" y="1701377"/>
+                  <a:pt x="4441508" y="1704552"/>
+                  <a:pt x="4470083" y="1708362"/>
+                </a:cubicBezTo>
+                <a:cubicBezTo>
+                  <a:pt x="4498658" y="1712172"/>
+                  <a:pt x="4509453" y="1712172"/>
+                  <a:pt x="4541838" y="1717887"/>
+                </a:cubicBezTo>
+                <a:cubicBezTo>
+                  <a:pt x="4574223" y="1723602"/>
+                  <a:pt x="4599623" y="1728682"/>
+                  <a:pt x="4632008" y="1735667"/>
+                </a:cubicBezTo>
+                <a:cubicBezTo>
+                  <a:pt x="4664393" y="1742652"/>
+                  <a:pt x="4675188" y="1748367"/>
+                  <a:pt x="4703763" y="1753447"/>
+                </a:cubicBezTo>
+                <a:cubicBezTo>
+                  <a:pt x="4732338" y="1758527"/>
+                  <a:pt x="4746943" y="1755352"/>
+                  <a:pt x="4775518" y="1762337"/>
+                </a:cubicBezTo>
+                <a:cubicBezTo>
+                  <a:pt x="4804093" y="1769322"/>
+                  <a:pt x="4816793" y="1778847"/>
+                  <a:pt x="4847273" y="1789642"/>
+                </a:cubicBezTo>
+                <a:cubicBezTo>
+                  <a:pt x="4877753" y="1800437"/>
+                  <a:pt x="4896168" y="1796627"/>
+                  <a:pt x="4928553" y="1816312"/>
+                </a:cubicBezTo>
+                <a:cubicBezTo>
+                  <a:pt x="4960938" y="1835997"/>
+                  <a:pt x="4978718" y="1862667"/>
+                  <a:pt x="5009198" y="1888067"/>
+                </a:cubicBezTo>
+                <a:cubicBezTo>
+                  <a:pt x="5039678" y="1913467"/>
+                  <a:pt x="5054283" y="1914737"/>
+                  <a:pt x="5080953" y="1942042"/>
+                </a:cubicBezTo>
+                <a:cubicBezTo>
+                  <a:pt x="5107623" y="1969347"/>
+                  <a:pt x="5116513" y="1994747"/>
+                  <a:pt x="5143818" y="2023322"/>
+                </a:cubicBezTo>
+                <a:cubicBezTo>
+                  <a:pt x="5171123" y="2051897"/>
+                  <a:pt x="5187633" y="2062692"/>
+                  <a:pt x="5216208" y="2086187"/>
+                </a:cubicBezTo>
+                <a:cubicBezTo>
+                  <a:pt x="5244783" y="2109682"/>
+                  <a:pt x="5264468" y="2114762"/>
+                  <a:pt x="5287963" y="2140162"/>
+                </a:cubicBezTo>
+                <a:cubicBezTo>
+                  <a:pt x="5311458" y="2165562"/>
+                  <a:pt x="5317173" y="2181437"/>
+                  <a:pt x="5333048" y="2211917"/>
+                </a:cubicBezTo>
+                <a:cubicBezTo>
+                  <a:pt x="5348923" y="2242397"/>
+                  <a:pt x="5357813" y="2262082"/>
+                  <a:pt x="5368608" y="2292562"/>
+                </a:cubicBezTo>
+                <a:cubicBezTo>
+                  <a:pt x="5379403" y="2323042"/>
+                  <a:pt x="5397818" y="2337647"/>
+                  <a:pt x="5387023" y="2364952"/>
+                </a:cubicBezTo>
+                <a:cubicBezTo>
+                  <a:pt x="5376228" y="2392257"/>
+                  <a:pt x="5345113" y="2411942"/>
+                  <a:pt x="5314633" y="2427817"/>
+                </a:cubicBezTo>
+                <a:cubicBezTo>
+                  <a:pt x="5284153" y="2443692"/>
+                  <a:pt x="5264468" y="2438612"/>
+                  <a:pt x="5233988" y="2445597"/>
+                </a:cubicBezTo>
+                <a:cubicBezTo>
+                  <a:pt x="5203508" y="2452582"/>
+                  <a:pt x="5190808" y="2459567"/>
+                  <a:pt x="5162233" y="2463377"/>
+                </a:cubicBezTo>
+                <a:cubicBezTo>
+                  <a:pt x="5133658" y="2467187"/>
+                  <a:pt x="5118418" y="2461472"/>
+                  <a:pt x="5089843" y="2463377"/>
+                </a:cubicBezTo>
+                <a:cubicBezTo>
+                  <a:pt x="5061268" y="2465282"/>
+                  <a:pt x="5046663" y="2469092"/>
+                  <a:pt x="5018088" y="2472902"/>
+                </a:cubicBezTo>
+                <a:cubicBezTo>
+                  <a:pt x="4989513" y="2476712"/>
+                  <a:pt x="4974908" y="2479887"/>
+                  <a:pt x="4946333" y="2481792"/>
+                </a:cubicBezTo>
+                <a:cubicBezTo>
+                  <a:pt x="4917758" y="2483697"/>
+                  <a:pt x="4903153" y="2479887"/>
+                  <a:pt x="4874578" y="2481792"/>
+                </a:cubicBezTo>
+                <a:cubicBezTo>
+                  <a:pt x="4846003" y="2483697"/>
+                  <a:pt x="4830763" y="2488777"/>
+                  <a:pt x="4802188" y="2490682"/>
+                </a:cubicBezTo>
+                <a:cubicBezTo>
+                  <a:pt x="4773613" y="2492587"/>
+                  <a:pt x="4760913" y="2488777"/>
+                  <a:pt x="4730433" y="2490682"/>
+                </a:cubicBezTo>
+                <a:cubicBezTo>
+                  <a:pt x="4699953" y="2492587"/>
+                  <a:pt x="4680268" y="2492587"/>
+                  <a:pt x="4649788" y="2499572"/>
+                </a:cubicBezTo>
+                <a:cubicBezTo>
+                  <a:pt x="4619308" y="2506557"/>
+                  <a:pt x="4608513" y="2519257"/>
+                  <a:pt x="4578033" y="2526242"/>
+                </a:cubicBezTo>
+                <a:cubicBezTo>
+                  <a:pt x="4547553" y="2533227"/>
+                  <a:pt x="4534853" y="2533862"/>
+                  <a:pt x="4496753" y="2535767"/>
+                </a:cubicBezTo>
+                <a:cubicBezTo>
+                  <a:pt x="4458653" y="2537672"/>
+                  <a:pt x="4424998" y="2533862"/>
+                  <a:pt x="4388803" y="2535767"/>
+                </a:cubicBezTo>
+                <a:cubicBezTo>
+                  <a:pt x="4352608" y="2537672"/>
+                  <a:pt x="4347528" y="2542752"/>
+                  <a:pt x="4317048" y="2544657"/>
+                </a:cubicBezTo>
+                <a:cubicBezTo>
+                  <a:pt x="4286568" y="2546562"/>
+                  <a:pt x="4270693" y="2544657"/>
+                  <a:pt x="4236403" y="2544657"/>
+                </a:cubicBezTo>
+                <a:cubicBezTo>
+                  <a:pt x="4202113" y="2544657"/>
+                  <a:pt x="4185603" y="2544657"/>
+                  <a:pt x="4146233" y="2544657"/>
+                </a:cubicBezTo>
+                <a:cubicBezTo>
+                  <a:pt x="4106863" y="2544657"/>
+                  <a:pt x="4079558" y="2544657"/>
+                  <a:pt x="4038283" y="2544657"/>
+                </a:cubicBezTo>
+                <a:cubicBezTo>
+                  <a:pt x="3997008" y="2544657"/>
+                  <a:pt x="3974148" y="2544657"/>
+                  <a:pt x="3939858" y="2544657"/>
+                </a:cubicBezTo>
+                <a:cubicBezTo>
+                  <a:pt x="3905568" y="2544657"/>
+                  <a:pt x="3897948" y="2544657"/>
+                  <a:pt x="3867468" y="2544657"/>
+                </a:cubicBezTo>
+                <a:cubicBezTo>
+                  <a:pt x="3836988" y="2544657"/>
+                  <a:pt x="3821113" y="2544657"/>
+                  <a:pt x="3786823" y="2544657"/>
+                </a:cubicBezTo>
+                <a:cubicBezTo>
+                  <a:pt x="3752533" y="2544657"/>
+                  <a:pt x="3734118" y="2544657"/>
+                  <a:pt x="3696653" y="2544657"/>
+                </a:cubicBezTo>
+                <a:cubicBezTo>
+                  <a:pt x="3659188" y="2544657"/>
+                  <a:pt x="3634423" y="2544657"/>
+                  <a:pt x="3598228" y="2544657"/>
+                </a:cubicBezTo>
+                <a:cubicBezTo>
+                  <a:pt x="3562033" y="2544657"/>
+                  <a:pt x="3549333" y="2544657"/>
+                  <a:pt x="3516948" y="2544657"/>
+                </a:cubicBezTo>
+                <a:cubicBezTo>
+                  <a:pt x="3484563" y="2544657"/>
+                  <a:pt x="3468688" y="2544657"/>
+                  <a:pt x="3436303" y="2544657"/>
+                </a:cubicBezTo>
+                <a:cubicBezTo>
+                  <a:pt x="3403918" y="2544657"/>
+                  <a:pt x="3386138" y="2544657"/>
+                  <a:pt x="3355658" y="2544657"/>
+                </a:cubicBezTo>
+                <a:cubicBezTo>
+                  <a:pt x="3325178" y="2544657"/>
+                  <a:pt x="3313748" y="2544657"/>
+                  <a:pt x="3283268" y="2544657"/>
+                </a:cubicBezTo>
+                <a:cubicBezTo>
+                  <a:pt x="3252788" y="2544657"/>
+                  <a:pt x="3233103" y="2544657"/>
+                  <a:pt x="3202623" y="2544657"/>
+                </a:cubicBezTo>
+                <a:cubicBezTo>
+                  <a:pt x="3172143" y="2544657"/>
+                  <a:pt x="3170238" y="2544657"/>
+                  <a:pt x="3130868" y="2544657"/>
+                </a:cubicBezTo>
+                <a:cubicBezTo>
+                  <a:pt x="3091498" y="2544657"/>
+                  <a:pt x="3053398" y="2544657"/>
+                  <a:pt x="3005138" y="2544657"/>
+                </a:cubicBezTo>
+                <a:cubicBezTo>
+                  <a:pt x="2956878" y="2544657"/>
+                  <a:pt x="2927668" y="2544657"/>
+                  <a:pt x="2888298" y="2544657"/>
+                </a:cubicBezTo>
+                <a:cubicBezTo>
+                  <a:pt x="2848928" y="2544657"/>
+                  <a:pt x="2837498" y="2544657"/>
+                  <a:pt x="2807018" y="2544657"/>
+                </a:cubicBezTo>
+                <a:cubicBezTo>
+                  <a:pt x="2776538" y="2544657"/>
+                  <a:pt x="2763838" y="2544657"/>
+                  <a:pt x="2735263" y="2544657"/>
+                </a:cubicBezTo>
+                <a:cubicBezTo>
+                  <a:pt x="2706688" y="2544657"/>
+                  <a:pt x="2693988" y="2544657"/>
+                  <a:pt x="2663508" y="2544657"/>
+                </a:cubicBezTo>
+                <a:cubicBezTo>
+                  <a:pt x="2633028" y="2544657"/>
+                  <a:pt x="2614613" y="2544657"/>
+                  <a:pt x="2582228" y="2544657"/>
+                </a:cubicBezTo>
+                <a:cubicBezTo>
+                  <a:pt x="2549843" y="2544657"/>
+                  <a:pt x="2535873" y="2544657"/>
+                  <a:pt x="2501583" y="2544657"/>
+                </a:cubicBezTo>
+                <a:cubicBezTo>
+                  <a:pt x="2467293" y="2544657"/>
+                  <a:pt x="2443798" y="2544657"/>
+                  <a:pt x="2411413" y="2544657"/>
+                </a:cubicBezTo>
+                <a:cubicBezTo>
+                  <a:pt x="2379028" y="2544657"/>
+                  <a:pt x="2368233" y="2544657"/>
+                  <a:pt x="2339658" y="2544657"/>
+                </a:cubicBezTo>
+                <a:cubicBezTo>
+                  <a:pt x="2311083" y="2544657"/>
+                  <a:pt x="2296478" y="2544657"/>
+                  <a:pt x="2267903" y="2544657"/>
+                </a:cubicBezTo>
+                <a:cubicBezTo>
+                  <a:pt x="2239328" y="2544657"/>
+                  <a:pt x="2226628" y="2544657"/>
+                  <a:pt x="2196148" y="2544657"/>
+                </a:cubicBezTo>
+                <a:cubicBezTo>
+                  <a:pt x="2165668" y="2544657"/>
+                  <a:pt x="2145348" y="2544657"/>
+                  <a:pt x="2114868" y="2544657"/>
+                </a:cubicBezTo>
+                <a:cubicBezTo>
+                  <a:pt x="2084388" y="2544657"/>
+                  <a:pt x="2071688" y="2544657"/>
+                  <a:pt x="2043113" y="2544657"/>
+                </a:cubicBezTo>
+                <a:cubicBezTo>
+                  <a:pt x="2014538" y="2544657"/>
+                  <a:pt x="2005648" y="2546562"/>
+                  <a:pt x="1971358" y="2544657"/>
+                </a:cubicBezTo>
+                <a:cubicBezTo>
+                  <a:pt x="1937068" y="2542752"/>
+                  <a:pt x="1909763" y="2537672"/>
+                  <a:pt x="1872298" y="2535767"/>
+                </a:cubicBezTo>
+                <a:cubicBezTo>
+                  <a:pt x="1834833" y="2533862"/>
+                  <a:pt x="1818958" y="2535767"/>
+                  <a:pt x="1782763" y="2535767"/>
+                </a:cubicBezTo>
+                <a:cubicBezTo>
+                  <a:pt x="1746568" y="2535767"/>
+                  <a:pt x="1724978" y="2535767"/>
+                  <a:pt x="1692593" y="2535767"/>
+                </a:cubicBezTo>
+                <a:cubicBezTo>
+                  <a:pt x="1660208" y="2535767"/>
+                  <a:pt x="1657033" y="2535767"/>
+                  <a:pt x="1620838" y="2535767"/>
+                </a:cubicBezTo>
+                <a:cubicBezTo>
+                  <a:pt x="1584643" y="2535767"/>
+                  <a:pt x="1549083" y="2535767"/>
+                  <a:pt x="1512888" y="2535767"/>
+                </a:cubicBezTo>
+                <a:cubicBezTo>
+                  <a:pt x="1476693" y="2535767"/>
+                  <a:pt x="1471613" y="2535767"/>
+                  <a:pt x="1441133" y="2535767"/>
+                </a:cubicBezTo>
+                <a:cubicBezTo>
+                  <a:pt x="1410653" y="2535767"/>
+                  <a:pt x="1390333" y="2535767"/>
+                  <a:pt x="1359853" y="2535767"/>
+                </a:cubicBezTo>
+                <a:cubicBezTo>
+                  <a:pt x="1329373" y="2535767"/>
+                  <a:pt x="1318578" y="2533862"/>
+                  <a:pt x="1288098" y="2535767"/>
+                </a:cubicBezTo>
+                <a:cubicBezTo>
+                  <a:pt x="1257618" y="2537672"/>
+                  <a:pt x="1237933" y="2542752"/>
+                  <a:pt x="1207453" y="2544657"/>
+                </a:cubicBezTo>
+                <a:cubicBezTo>
+                  <a:pt x="1176973" y="2546562"/>
+                  <a:pt x="1167448" y="2542752"/>
+                  <a:pt x="1135063" y="2544657"/>
+                </a:cubicBezTo>
+                <a:cubicBezTo>
+                  <a:pt x="1102678" y="2546562"/>
+                  <a:pt x="1081723" y="2551642"/>
+                  <a:pt x="1045528" y="2553547"/>
+                </a:cubicBezTo>
+                <a:cubicBezTo>
+                  <a:pt x="1009333" y="2555452"/>
+                  <a:pt x="987743" y="2553547"/>
+                  <a:pt x="955358" y="2553547"/>
+                </a:cubicBezTo>
+                <a:cubicBezTo>
+                  <a:pt x="922973" y="2553547"/>
+                  <a:pt x="914083" y="2551642"/>
+                  <a:pt x="883603" y="2553547"/>
+                </a:cubicBezTo>
+                <a:cubicBezTo>
+                  <a:pt x="853123" y="2555452"/>
+                  <a:pt x="833438" y="2558627"/>
+                  <a:pt x="802958" y="2562437"/>
+                </a:cubicBezTo>
+                <a:cubicBezTo>
+                  <a:pt x="772478" y="2566247"/>
+                  <a:pt x="761048" y="2567517"/>
+                  <a:pt x="730568" y="2571327"/>
+                </a:cubicBezTo>
+                <a:cubicBezTo>
+                  <a:pt x="700088" y="2575137"/>
+                  <a:pt x="684213" y="2573232"/>
+                  <a:pt x="649923" y="2580217"/>
+                </a:cubicBezTo>
+                <a:cubicBezTo>
+                  <a:pt x="615633" y="2587202"/>
+                  <a:pt x="594043" y="2600537"/>
+                  <a:pt x="559753" y="2607522"/>
+                </a:cubicBezTo>
+                <a:cubicBezTo>
+                  <a:pt x="525463" y="2614507"/>
+                  <a:pt x="509588" y="2611332"/>
+                  <a:pt x="479108" y="2616412"/>
+                </a:cubicBezTo>
+                <a:cubicBezTo>
+                  <a:pt x="448628" y="2621492"/>
+                  <a:pt x="437833" y="2623397"/>
+                  <a:pt x="407353" y="2634192"/>
+                </a:cubicBezTo>
+                <a:cubicBezTo>
+                  <a:pt x="376873" y="2644987"/>
+                  <a:pt x="356553" y="2655782"/>
+                  <a:pt x="326073" y="2670387"/>
+                </a:cubicBezTo>
+                <a:cubicBezTo>
+                  <a:pt x="295593" y="2684992"/>
+                  <a:pt x="284798" y="2686897"/>
+                  <a:pt x="254318" y="2706582"/>
+                </a:cubicBezTo>
+                <a:cubicBezTo>
+                  <a:pt x="223838" y="2726267"/>
+                  <a:pt x="202248" y="2740872"/>
+                  <a:pt x="173673" y="2769447"/>
+                </a:cubicBezTo>
+                <a:cubicBezTo>
+                  <a:pt x="145098" y="2798022"/>
+                  <a:pt x="134303" y="2815802"/>
+                  <a:pt x="110808" y="2850092"/>
+                </a:cubicBezTo>
+                <a:cubicBezTo>
+                  <a:pt x="87313" y="2884382"/>
+                  <a:pt x="74613" y="2907877"/>
+                  <a:pt x="56833" y="2940262"/>
+                </a:cubicBezTo>
+                <a:cubicBezTo>
+                  <a:pt x="39053" y="2972647"/>
+                  <a:pt x="31433" y="2983442"/>
+                  <a:pt x="20638" y="3012017"/>
+                </a:cubicBezTo>
+                <a:cubicBezTo>
+                  <a:pt x="9843" y="3040592"/>
+                  <a:pt x="6668" y="3055197"/>
+                  <a:pt x="2858" y="3083772"/>
+                </a:cubicBezTo>
+                <a:cubicBezTo>
+                  <a:pt x="-952" y="3112347"/>
+                  <a:pt x="-952" y="3126952"/>
+                  <a:pt x="2858" y="3155527"/>
+                </a:cubicBezTo>
+                <a:cubicBezTo>
+                  <a:pt x="6668" y="3184102"/>
+                  <a:pt x="11748" y="3199342"/>
+                  <a:pt x="20638" y="3227917"/>
+                </a:cubicBezTo>
+                <a:cubicBezTo>
+                  <a:pt x="29528" y="3256492"/>
+                  <a:pt x="31433" y="3271097"/>
+                  <a:pt x="47943" y="3299672"/>
+                </a:cubicBezTo>
+                <a:cubicBezTo>
+                  <a:pt x="64453" y="3328247"/>
+                  <a:pt x="76518" y="3347932"/>
+                  <a:pt x="101918" y="3371427"/>
+                </a:cubicBezTo>
+                <a:cubicBezTo>
+                  <a:pt x="127318" y="3394922"/>
+                  <a:pt x="145098" y="3394922"/>
+                  <a:pt x="173673" y="3416512"/>
+                </a:cubicBezTo>
+                <a:cubicBezTo>
+                  <a:pt x="202248" y="3438102"/>
+                  <a:pt x="213043" y="3461597"/>
+                  <a:pt x="245428" y="3479377"/>
+                </a:cubicBezTo>
+                <a:cubicBezTo>
+                  <a:pt x="277813" y="3497157"/>
+                  <a:pt x="299403" y="3495252"/>
+                  <a:pt x="335598" y="3506047"/>
+                </a:cubicBezTo>
+                <a:cubicBezTo>
+                  <a:pt x="371793" y="3516842"/>
+                  <a:pt x="390843" y="3526367"/>
+                  <a:pt x="425133" y="3533352"/>
+                </a:cubicBezTo>
+                <a:cubicBezTo>
+                  <a:pt x="459423" y="3540337"/>
+                  <a:pt x="474028" y="3538432"/>
+                  <a:pt x="506413" y="3542242"/>
+                </a:cubicBezTo>
+                <a:cubicBezTo>
+                  <a:pt x="538798" y="3546052"/>
+                  <a:pt x="549593" y="3544147"/>
+                  <a:pt x="587058" y="3551132"/>
+                </a:cubicBezTo>
+                <a:cubicBezTo>
+                  <a:pt x="624523" y="3558117"/>
+                  <a:pt x="658813" y="3569547"/>
+                  <a:pt x="695008" y="3578437"/>
+                </a:cubicBezTo>
+                <a:cubicBezTo>
+                  <a:pt x="731203" y="3587327"/>
+                  <a:pt x="736283" y="3591137"/>
+                  <a:pt x="766763" y="3596217"/>
+                </a:cubicBezTo>
+                <a:cubicBezTo>
+                  <a:pt x="797243" y="3601297"/>
+                  <a:pt x="811213" y="3601297"/>
+                  <a:pt x="847408" y="3605107"/>
+                </a:cubicBezTo>
+                <a:cubicBezTo>
+                  <a:pt x="883603" y="3608917"/>
+                  <a:pt x="912178" y="3610187"/>
+                  <a:pt x="946468" y="3613997"/>
+                </a:cubicBezTo>
+                <a:cubicBezTo>
+                  <a:pt x="980758" y="3617807"/>
+                  <a:pt x="989648" y="3620982"/>
+                  <a:pt x="1018223" y="3622887"/>
+                </a:cubicBezTo>
+                <a:cubicBezTo>
+                  <a:pt x="1046798" y="3624792"/>
+                  <a:pt x="1077278" y="3622887"/>
+                  <a:pt x="1090613" y="3622887"/>
+                </a:cubicBezTo>
+              </a:path>
+            </a:pathLst>
+          </a:custGeom>
+          <a:noFill/>
+        </p:spPr>
+        <p:style>
+          <a:lnRef idx="2">
+            <a:schemeClr val="accent1">
+              <a:shade val="50000"/>
+            </a:schemeClr>
+          </a:lnRef>
+          <a:fillRef idx="1">
+            <a:schemeClr val="accent1"/>
+          </a:fillRef>
+          <a:effectRef idx="0">
+            <a:schemeClr val="accent1"/>
+          </a:effectRef>
+          <a:fontRef idx="minor">
+            <a:schemeClr val="lt1"/>
+          </a:fontRef>
+        </p:style>
+        <p:txBody>
+          <a:bodyPr rtlCol="0" anchor="ctr"/>
+          <a:p>
+            <a:pPr algn="ctr"/>
+            <a:endParaRPr lang="zh-CN" altLang="en-US"/>
+          </a:p>
+        </p:txBody>
+      </p:sp>
+      <p:sp>
+        <p:nvSpPr>
+          <p:cNvPr id="5" name="任意多边形 4"/>
+          <p:cNvSpPr/>
+          <p:nvPr/>
+        </p:nvSpPr>
+        <p:spPr>
+          <a:xfrm>
+            <a:off x="7215505" y="5589905"/>
+            <a:ext cx="287655" cy="215900"/>
+          </a:xfrm>
+          <a:custGeom>
+            <a:avLst/>
+            <a:gdLst>
+              <a:gd name="connisteX0" fmla="*/ 72390 w 287655"/>
+              <a:gd name="connsiteY0" fmla="*/ 0 h 215900"/>
+              <a:gd name="connisteX1" fmla="*/ 144145 w 287655"/>
+              <a:gd name="connsiteY1" fmla="*/ 62865 h 215900"/>
+              <a:gd name="connisteX2" fmla="*/ 215900 w 287655"/>
+              <a:gd name="connsiteY2" fmla="*/ 81280 h 215900"/>
+              <a:gd name="connisteX3" fmla="*/ 287655 w 287655"/>
+              <a:gd name="connsiteY3" fmla="*/ 107950 h 215900"/>
+              <a:gd name="connisteX4" fmla="*/ 215900 w 287655"/>
+              <a:gd name="connsiteY4" fmla="*/ 144145 h 215900"/>
+              <a:gd name="connisteX5" fmla="*/ 144145 w 287655"/>
+              <a:gd name="connsiteY5" fmla="*/ 161925 h 215900"/>
+              <a:gd name="connisteX6" fmla="*/ 72390 w 287655"/>
+              <a:gd name="connsiteY6" fmla="*/ 198120 h 215900"/>
+              <a:gd name="connisteX7" fmla="*/ 0 w 287655"/>
+              <a:gd name="connsiteY7" fmla="*/ 215900 h 215900"/>
+            </a:gdLst>
+            <a:ahLst/>
+            <a:cxnLst>
+              <a:cxn ang="0">
+                <a:pos x="connisteX0" y="connsiteY0"/>
+              </a:cxn>
+              <a:cxn ang="0">
+                <a:pos x="connisteX1" y="connsiteY1"/>
+              </a:cxn>
+              <a:cxn ang="0">
+                <a:pos x="connisteX2" y="connsiteY2"/>
+              </a:cxn>
+              <a:cxn ang="0">
+                <a:pos x="connisteX3" y="connsiteY3"/>
+              </a:cxn>
+              <a:cxn ang="0">
+                <a:pos x="connisteX4" y="connsiteY4"/>
+              </a:cxn>
+              <a:cxn ang="0">
+                <a:pos x="connisteX5" y="connsiteY5"/>
+              </a:cxn>
+              <a:cxn ang="0">
+                <a:pos x="connisteX6" y="connsiteY6"/>
+              </a:cxn>
+              <a:cxn ang="0">
+                <a:pos x="connisteX7" y="connsiteY7"/>
+              </a:cxn>
+            </a:cxnLst>
+            <a:rect l="l" t="t" r="r" b="b"/>
+            <a:pathLst>
+              <a:path w="287655" h="215900">
+                <a:moveTo>
+                  <a:pt x="72390" y="0"/>
+                </a:moveTo>
+                <a:cubicBezTo>
+                  <a:pt x="85090" y="12065"/>
+                  <a:pt x="115570" y="46355"/>
+                  <a:pt x="144145" y="62865"/>
+                </a:cubicBezTo>
+                <a:cubicBezTo>
+                  <a:pt x="172720" y="79375"/>
+                  <a:pt x="187325" y="72390"/>
+                  <a:pt x="215900" y="81280"/>
+                </a:cubicBezTo>
+                <a:cubicBezTo>
+                  <a:pt x="244475" y="90170"/>
+                  <a:pt x="287655" y="95250"/>
+                  <a:pt x="287655" y="107950"/>
+                </a:cubicBezTo>
+                <a:cubicBezTo>
+                  <a:pt x="287655" y="120650"/>
+                  <a:pt x="244475" y="133350"/>
+                  <a:pt x="215900" y="144145"/>
+                </a:cubicBezTo>
+                <a:cubicBezTo>
+                  <a:pt x="187325" y="154940"/>
+                  <a:pt x="172720" y="151130"/>
+                  <a:pt x="144145" y="161925"/>
+                </a:cubicBezTo>
+                <a:cubicBezTo>
+                  <a:pt x="115570" y="172720"/>
+                  <a:pt x="100965" y="187325"/>
+                  <a:pt x="72390" y="198120"/>
+                </a:cubicBezTo>
+                <a:cubicBezTo>
+                  <a:pt x="43815" y="208915"/>
+                  <a:pt x="13335" y="213360"/>
+                  <a:pt x="0" y="215900"/>
+                </a:cubicBezTo>
+              </a:path>
+            </a:pathLst>
+          </a:custGeom>
+          <a:noFill/>
+        </p:spPr>
+        <p:style>
+          <a:lnRef idx="2">
+            <a:schemeClr val="accent1">
+              <a:shade val="50000"/>
+            </a:schemeClr>
+          </a:lnRef>
+          <a:fillRef idx="1">
+            <a:schemeClr val="accent1"/>
+          </a:fillRef>
+          <a:effectRef idx="0">
+            <a:schemeClr val="accent1"/>
+          </a:effectRef>
+          <a:fontRef idx="minor">
+            <a:schemeClr val="lt1"/>
+          </a:fontRef>
+        </p:style>
+        <p:txBody>
+          <a:bodyPr rtlCol="0" anchor="ctr"/>
+          <a:p>
+            <a:pPr algn="ctr"/>
+            <a:endParaRPr lang="zh-CN" altLang="en-US"/>
+          </a:p>
+        </p:txBody>
+      </p:sp>
+    </p:spTree>
+  </p:cSld>
+  <p:clrMapOvr>
+    <a:masterClrMapping/>
+  </p:clrMapOvr>
+</p:sld>
+</file>
+
+<file path=ppt/slides/slide27.xml><?xml version="1.0" encoding="utf-8"?>
+<p:sld xmlns:a="http://schemas.openxmlformats.org/drawingml/2006/main" xmlns:r="http://schemas.openxmlformats.org/officeDocument/2006/relationships" xmlns:p="http://schemas.openxmlformats.org/presentationml/2006/main">
+  <p:cSld>
+    <p:spTree>
+      <p:nvGrpSpPr>
+        <p:cNvPr id="1" name=""/>
+        <p:cNvGrpSpPr/>
+        <p:nvPr/>
+      </p:nvGrpSpPr>
+      <p:grpSpPr/>
+      <p:sp>
+        <p:nvSpPr>
+          <p:cNvPr id="2" name="标题 1"/>
+          <p:cNvSpPr>
+            <a:spLocks noGrp="1"/>
+          </p:cNvSpPr>
+          <p:nvPr>
+            <p:ph type="title"/>
+          </p:nvPr>
+        </p:nvSpPr>
+        <p:spPr>
+          <a:xfrm>
+            <a:off x="920750" y="370205"/>
+            <a:ext cx="10515600" cy="1325563"/>
+          </a:xfrm>
+        </p:spPr>
+        <p:txBody>
+          <a:bodyPr/>
+          <a:p>
+            <a:r>
+              <a:rPr lang="zh-CN" altLang="zh-CN">
+                <a:sym typeface="+mn-ea"/>
+              </a:rPr>
+              <a:t>删除节点</a:t>
+            </a:r>
+            <a:r>
+              <a:rPr lang="en-US" altLang="zh-CN">
+                <a:sym typeface="+mn-ea"/>
+              </a:rPr>
+              <a:t>6(</a:t>
+            </a:r>
+            <a:r>
+              <a:rPr lang="zh-CN" altLang="en-US">
+                <a:sym typeface="+mn-ea"/>
+              </a:rPr>
+              <a:t>后驱值</a:t>
+            </a:r>
+            <a:r>
+              <a:rPr lang="en-US" altLang="zh-CN">
+                <a:sym typeface="+mn-ea"/>
+              </a:rPr>
+              <a:t>7</a:t>
+            </a:r>
+            <a:r>
+              <a:rPr lang="zh-CN" altLang="en-US">
+                <a:sym typeface="+mn-ea"/>
+              </a:rPr>
+              <a:t>代替</a:t>
+            </a:r>
+            <a:r>
+              <a:rPr lang="en-US" altLang="zh-CN">
+                <a:sym typeface="+mn-ea"/>
+              </a:rPr>
+              <a:t>)</a:t>
+            </a:r>
+            <a:endParaRPr lang="en-US" altLang="zh-CN"/>
+          </a:p>
+        </p:txBody>
+      </p:sp>
+      <p:grpSp>
+        <p:nvGrpSpPr>
+          <p:cNvPr id="8" name="组合 7"/>
+          <p:cNvGrpSpPr/>
+          <p:nvPr/>
+        </p:nvGrpSpPr>
+        <p:grpSpPr>
+          <a:xfrm>
+            <a:off x="444500" y="1704340"/>
+            <a:ext cx="4509135" cy="3580130"/>
+            <a:chOff x="3042" y="1416"/>
+            <a:chExt cx="8742" cy="6288"/>
+          </a:xfrm>
+        </p:grpSpPr>
+        <p:grpSp>
+          <p:nvGrpSpPr>
+            <p:cNvPr id="9" name="组合 8"/>
+            <p:cNvGrpSpPr/>
+            <p:nvPr/>
+          </p:nvGrpSpPr>
+          <p:grpSpPr>
+            <a:xfrm>
+              <a:off x="3042" y="1416"/>
+              <a:ext cx="8743" cy="6288"/>
+              <a:chOff x="2978" y="1480"/>
+              <a:chExt cx="8743" cy="6288"/>
+            </a:xfrm>
+          </p:grpSpPr>
+          <p:sp>
+            <p:nvSpPr>
+              <p:cNvPr id="10" name="椭圆 9"/>
+              <p:cNvSpPr/>
+              <p:nvPr/>
+            </p:nvSpPr>
+            <p:spPr>
+              <a:xfrm>
+                <a:off x="7492" y="1480"/>
+                <a:ext cx="687" cy="709"/>
+              </a:xfrm>
+              <a:prstGeom prst="ellipse">
+                <a:avLst/>
+              </a:prstGeom>
+              <a:ln w="38100">
+                <a:solidFill>
+                  <a:srgbClr val="7030A0"/>
+                </a:solidFill>
+              </a:ln>
+            </p:spPr>
+            <p:style>
+              <a:lnRef idx="2">
+                <a:schemeClr val="accent1"/>
+              </a:lnRef>
+              <a:fillRef idx="1">
+                <a:schemeClr val="lt1"/>
+              </a:fillRef>
+              <a:effectRef idx="0">
+                <a:schemeClr val="accent1"/>
+              </a:effectRef>
+              <a:fontRef idx="minor">
+                <a:schemeClr val="dk1"/>
+              </a:fontRef>
+            </p:style>
+            <p:txBody>
+              <a:bodyPr rtlCol="0" anchor="ctr"/>
+              <a:p>
+                <a:pPr algn="ctr"/>
+                <a:r>
+                  <a:rPr lang="en-US" altLang="zh-CN"/>
+                  <a:t>6</a:t>
+                </a:r>
+                <a:endParaRPr lang="en-US" altLang="zh-CN"/>
+              </a:p>
+            </p:txBody>
+          </p:sp>
+          <p:sp>
+            <p:nvSpPr>
+              <p:cNvPr id="11" name="椭圆 10"/>
+              <p:cNvSpPr/>
+              <p:nvPr/>
+            </p:nvSpPr>
+            <p:spPr>
+              <a:xfrm>
+                <a:off x="6181" y="2663"/>
+                <a:ext cx="687" cy="709"/>
+              </a:xfrm>
+              <a:prstGeom prst="ellipse">
+                <a:avLst/>
+              </a:prstGeom>
+              <a:ln w="28575"/>
+            </p:spPr>
+            <p:style>
+              <a:lnRef idx="2">
+                <a:schemeClr val="accent1"/>
+              </a:lnRef>
+              <a:fillRef idx="1">
+                <a:schemeClr val="lt1"/>
+              </a:fillRef>
+              <a:effectRef idx="0">
+                <a:schemeClr val="accent1"/>
+              </a:effectRef>
+              <a:fontRef idx="minor">
+                <a:schemeClr val="dk1"/>
+              </a:fontRef>
+            </p:style>
+            <p:txBody>
+              <a:bodyPr rtlCol="0" anchor="ctr"/>
+              <a:p>
+                <a:pPr algn="ctr"/>
+                <a:r>
+                  <a:rPr lang="en-US" altLang="zh-CN"/>
+                  <a:t>4</a:t>
+                </a:r>
+                <a:endParaRPr lang="en-US" altLang="zh-CN"/>
+              </a:p>
+            </p:txBody>
+          </p:sp>
+          <p:sp>
+            <p:nvSpPr>
+              <p:cNvPr id="12" name="椭圆 11"/>
+              <p:cNvSpPr/>
+              <p:nvPr/>
+            </p:nvSpPr>
+            <p:spPr>
+              <a:xfrm>
+                <a:off x="8995" y="2663"/>
+                <a:ext cx="687" cy="709"/>
+              </a:xfrm>
+              <a:prstGeom prst="ellipse">
+                <a:avLst/>
+              </a:prstGeom>
+              <a:ln w="28575"/>
+            </p:spPr>
+            <p:style>
+              <a:lnRef idx="2">
+                <a:schemeClr val="accent1"/>
+              </a:lnRef>
+              <a:fillRef idx="1">
+                <a:schemeClr val="lt1"/>
+              </a:fillRef>
+              <a:effectRef idx="0">
+                <a:schemeClr val="accent1"/>
+              </a:effectRef>
+              <a:fontRef idx="minor">
+                <a:schemeClr val="dk1"/>
+              </a:fontRef>
+            </p:style>
+            <p:txBody>
+              <a:bodyPr rtlCol="0" anchor="ctr"/>
+              <a:p>
+                <a:pPr algn="ctr"/>
+                <a:r>
+                  <a:rPr lang="en-US" altLang="zh-CN"/>
+                  <a:t>8</a:t>
+                </a:r>
+                <a:endParaRPr lang="en-US" altLang="zh-CN"/>
+              </a:p>
+            </p:txBody>
+          </p:sp>
+          <p:sp>
+            <p:nvSpPr>
+              <p:cNvPr id="13" name="椭圆 12"/>
+              <p:cNvSpPr/>
+              <p:nvPr/>
+            </p:nvSpPr>
+            <p:spPr>
+              <a:xfrm>
+                <a:off x="5095" y="4104"/>
+                <a:ext cx="687" cy="709"/>
+              </a:xfrm>
+              <a:prstGeom prst="ellipse">
+                <a:avLst/>
+              </a:prstGeom>
+              <a:ln w="28575"/>
+            </p:spPr>
+            <p:style>
+              <a:lnRef idx="2">
+                <a:schemeClr val="accent1"/>
+              </a:lnRef>
+              <a:fillRef idx="1">
+                <a:schemeClr val="lt1"/>
+              </a:fillRef>
+              <a:effectRef idx="0">
+                <a:schemeClr val="accent1"/>
+              </a:effectRef>
+              <a:fontRef idx="minor">
+                <a:schemeClr val="dk1"/>
+              </a:fontRef>
+            </p:style>
+            <p:txBody>
+              <a:bodyPr rtlCol="0" anchor="ctr"/>
+              <a:p>
+                <a:pPr algn="ctr"/>
+                <a:r>
+                  <a:rPr lang="en-US" altLang="zh-CN"/>
+                  <a:t>2</a:t>
+                </a:r>
+                <a:endParaRPr lang="en-US" altLang="zh-CN"/>
+              </a:p>
+            </p:txBody>
+          </p:sp>
+          <p:sp>
+            <p:nvSpPr>
+              <p:cNvPr id="14" name="椭圆 13"/>
+              <p:cNvSpPr/>
+              <p:nvPr/>
+            </p:nvSpPr>
+            <p:spPr>
+              <a:xfrm>
+                <a:off x="6031" y="5513"/>
+                <a:ext cx="687" cy="709"/>
+              </a:xfrm>
+              <a:prstGeom prst="ellipse">
+                <a:avLst/>
+              </a:prstGeom>
+              <a:ln w="28575"/>
+            </p:spPr>
+            <p:style>
+              <a:lnRef idx="2">
+                <a:schemeClr val="accent1"/>
+              </a:lnRef>
+              <a:fillRef idx="1">
+                <a:schemeClr val="lt1"/>
+              </a:fillRef>
+              <a:effectRef idx="0">
+                <a:schemeClr val="accent1"/>
+              </a:effectRef>
+              <a:fontRef idx="minor">
+                <a:schemeClr val="dk1"/>
+              </a:fontRef>
+            </p:style>
+            <p:txBody>
+              <a:bodyPr rtlCol="0" anchor="ctr"/>
+              <a:p>
+                <a:pPr algn="ctr"/>
+                <a:r>
+                  <a:rPr lang="en-US" altLang="zh-CN"/>
+                  <a:t>3</a:t>
+                </a:r>
+                <a:endParaRPr lang="en-US" altLang="zh-CN"/>
+              </a:p>
+            </p:txBody>
+          </p:sp>
+          <p:sp>
+            <p:nvSpPr>
+              <p:cNvPr id="15" name="椭圆 14"/>
+              <p:cNvSpPr/>
+              <p:nvPr/>
+            </p:nvSpPr>
+            <p:spPr>
+              <a:xfrm>
+                <a:off x="8308" y="4104"/>
+                <a:ext cx="687" cy="709"/>
+              </a:xfrm>
+              <a:prstGeom prst="ellipse">
+                <a:avLst/>
+              </a:prstGeom>
+              <a:ln w="28575"/>
+            </p:spPr>
+            <p:style>
+              <a:lnRef idx="2">
+                <a:schemeClr val="accent1"/>
+              </a:lnRef>
+              <a:fillRef idx="1">
+                <a:schemeClr val="lt1"/>
+              </a:fillRef>
+              <a:effectRef idx="0">
+                <a:schemeClr val="accent1"/>
+              </a:effectRef>
+              <a:fontRef idx="minor">
+                <a:schemeClr val="dk1"/>
+              </a:fontRef>
+            </p:style>
+            <p:txBody>
+              <a:bodyPr rtlCol="0" anchor="ctr"/>
+              <a:p>
+                <a:pPr algn="ctr"/>
+                <a:r>
+                  <a:rPr lang="en-US" altLang="zh-CN"/>
+                  <a:t>7</a:t>
+                </a:r>
+                <a:endParaRPr lang="en-US" altLang="zh-CN"/>
+              </a:p>
+            </p:txBody>
+          </p:sp>
+          <p:sp>
+            <p:nvSpPr>
+              <p:cNvPr id="16" name="椭圆 15"/>
+              <p:cNvSpPr/>
+              <p:nvPr/>
+            </p:nvSpPr>
+            <p:spPr>
+              <a:xfrm>
+                <a:off x="9904" y="4104"/>
+                <a:ext cx="687" cy="709"/>
+              </a:xfrm>
+              <a:prstGeom prst="ellipse">
+                <a:avLst/>
+              </a:prstGeom>
+              <a:ln w="28575"/>
+            </p:spPr>
+            <p:style>
+              <a:lnRef idx="2">
+                <a:schemeClr val="accent1"/>
+              </a:lnRef>
+              <a:fillRef idx="1">
+                <a:schemeClr val="lt1"/>
+              </a:fillRef>
+              <a:effectRef idx="0">
+                <a:schemeClr val="accent1"/>
+              </a:effectRef>
+              <a:fontRef idx="minor">
+                <a:schemeClr val="dk1"/>
+              </a:fontRef>
+            </p:style>
+            <p:txBody>
+              <a:bodyPr rtlCol="0" anchor="ctr"/>
+              <a:p>
+                <a:pPr algn="ctr"/>
+                <a:r>
+                  <a:rPr lang="en-US" altLang="zh-CN"/>
+                  <a:t>9</a:t>
+                </a:r>
+                <a:endParaRPr lang="en-US" altLang="zh-CN"/>
+              </a:p>
+            </p:txBody>
+          </p:sp>
+          <p:sp>
+            <p:nvSpPr>
+              <p:cNvPr id="17" name="椭圆 16"/>
+              <p:cNvSpPr/>
+              <p:nvPr/>
+            </p:nvSpPr>
+            <p:spPr>
+              <a:xfrm>
+                <a:off x="4027" y="5513"/>
+                <a:ext cx="687" cy="709"/>
+              </a:xfrm>
+              <a:prstGeom prst="ellipse">
+                <a:avLst/>
+              </a:prstGeom>
+              <a:ln w="28575"/>
+            </p:spPr>
+            <p:style>
+              <a:lnRef idx="2">
+                <a:schemeClr val="accent1"/>
+              </a:lnRef>
+              <a:fillRef idx="1">
+                <a:schemeClr val="lt1"/>
+              </a:fillRef>
+              <a:effectRef idx="0">
+                <a:schemeClr val="accent1"/>
+              </a:effectRef>
+              <a:fontRef idx="minor">
+                <a:schemeClr val="dk1"/>
+              </a:fontRef>
+            </p:style>
+            <p:txBody>
+              <a:bodyPr rtlCol="0" anchor="ctr"/>
+              <a:p>
+                <a:pPr algn="ctr"/>
+                <a:r>
+                  <a:rPr lang="en-US" altLang="zh-CN"/>
+                  <a:t>1</a:t>
+                </a:r>
+                <a:endParaRPr lang="en-US" altLang="zh-CN"/>
+              </a:p>
+            </p:txBody>
+          </p:sp>
+          <p:sp>
+            <p:nvSpPr>
+              <p:cNvPr id="18" name="椭圆 17"/>
+              <p:cNvSpPr/>
+              <p:nvPr/>
+            </p:nvSpPr>
+            <p:spPr>
+              <a:xfrm>
+                <a:off x="10863" y="5385"/>
+                <a:ext cx="858" cy="837"/>
+              </a:xfrm>
+              <a:prstGeom prst="ellipse">
+                <a:avLst/>
+              </a:prstGeom>
+              <a:ln w="28575"/>
+            </p:spPr>
+            <p:style>
+              <a:lnRef idx="2">
+                <a:schemeClr val="accent1"/>
+              </a:lnRef>
+              <a:fillRef idx="1">
+                <a:schemeClr val="lt1"/>
+              </a:fillRef>
+              <a:effectRef idx="0">
+                <a:schemeClr val="accent1"/>
+              </a:effectRef>
+              <a:fontRef idx="minor">
+                <a:schemeClr val="dk1"/>
+              </a:fontRef>
+            </p:style>
+            <p:txBody>
+              <a:bodyPr rtlCol="0" anchor="ctr"/>
+              <a:p>
+                <a:pPr algn="ctr"/>
+                <a:r>
+                  <a:rPr lang="en-US" altLang="zh-CN" sz="1400"/>
+                  <a:t>10</a:t>
+                </a:r>
+                <a:endParaRPr lang="en-US" altLang="zh-CN" sz="1400"/>
+              </a:p>
+            </p:txBody>
+          </p:sp>
+          <p:sp>
+            <p:nvSpPr>
+              <p:cNvPr id="19" name="椭圆 18"/>
+              <p:cNvSpPr/>
+              <p:nvPr/>
+            </p:nvSpPr>
+            <p:spPr>
+              <a:xfrm>
+                <a:off x="2978" y="7060"/>
+                <a:ext cx="687" cy="709"/>
+              </a:xfrm>
+              <a:prstGeom prst="ellipse">
+                <a:avLst/>
+              </a:prstGeom>
+              <a:ln w="28575"/>
+            </p:spPr>
+            <p:style>
+              <a:lnRef idx="2">
+                <a:schemeClr val="accent1"/>
+              </a:lnRef>
+              <a:fillRef idx="1">
+                <a:schemeClr val="lt1"/>
+              </a:fillRef>
+              <a:effectRef idx="0">
+                <a:schemeClr val="accent1"/>
+              </a:effectRef>
+              <a:fontRef idx="minor">
+                <a:schemeClr val="dk1"/>
+              </a:fontRef>
+            </p:style>
+            <p:txBody>
+              <a:bodyPr rtlCol="0" anchor="ctr"/>
+              <a:p>
+                <a:pPr algn="ctr"/>
+                <a:r>
+                  <a:rPr lang="en-US" altLang="zh-CN"/>
+                  <a:t>0</a:t>
+                </a:r>
+                <a:endParaRPr lang="en-US" altLang="zh-CN"/>
+              </a:p>
+            </p:txBody>
+          </p:sp>
+        </p:grpSp>
+        <p:cxnSp>
+          <p:nvCxnSpPr>
+            <p:cNvPr id="20" name="直接箭头连接符 19"/>
+            <p:cNvCxnSpPr>
+              <a:stCxn id="10" idx="3"/>
+              <a:endCxn id="11" idx="7"/>
+            </p:cNvCxnSpPr>
+            <p:nvPr/>
+          </p:nvCxnSpPr>
+          <p:spPr>
+            <a:xfrm flipH="1">
+              <a:off x="6831" y="2021"/>
+              <a:ext cx="826" cy="682"/>
+            </a:xfrm>
+            <a:prstGeom prst="straightConnector1">
+              <a:avLst/>
+            </a:prstGeom>
+            <a:ln w="38100">
+              <a:solidFill>
+                <a:srgbClr val="FF0000"/>
+              </a:solidFill>
+              <a:tailEnd type="arrow"/>
+            </a:ln>
+          </p:spPr>
+          <p:style>
+            <a:lnRef idx="1">
+              <a:schemeClr val="accent1"/>
+            </a:lnRef>
+            <a:fillRef idx="0">
+              <a:schemeClr val="accent1"/>
+            </a:fillRef>
+            <a:effectRef idx="0">
+              <a:schemeClr val="accent1"/>
+            </a:effectRef>
+            <a:fontRef idx="minor">
+              <a:schemeClr val="tx1"/>
+            </a:fontRef>
+          </p:style>
+        </p:cxnSp>
+        <p:cxnSp>
+          <p:nvCxnSpPr>
+            <p:cNvPr id="21" name="直接箭头连接符 20"/>
+            <p:cNvCxnSpPr>
+              <a:stCxn id="11" idx="3"/>
+              <a:endCxn id="13" idx="7"/>
+            </p:cNvCxnSpPr>
+            <p:nvPr/>
+          </p:nvCxnSpPr>
+          <p:spPr>
+            <a:xfrm flipH="1">
+              <a:off x="5745" y="3204"/>
+              <a:ext cx="601" cy="940"/>
+            </a:xfrm>
+            <a:prstGeom prst="straightConnector1">
+              <a:avLst/>
+            </a:prstGeom>
+            <a:ln w="38100">
+              <a:solidFill>
+                <a:srgbClr val="FF0000"/>
+              </a:solidFill>
+              <a:tailEnd type="arrow"/>
+            </a:ln>
+          </p:spPr>
+          <p:style>
+            <a:lnRef idx="1">
+              <a:schemeClr val="accent1"/>
+            </a:lnRef>
+            <a:fillRef idx="0">
+              <a:schemeClr val="accent1"/>
+            </a:fillRef>
+            <a:effectRef idx="0">
+              <a:schemeClr val="accent1"/>
+            </a:effectRef>
+            <a:fontRef idx="minor">
+              <a:schemeClr val="tx1"/>
+            </a:fontRef>
+          </p:style>
+        </p:cxnSp>
+        <p:cxnSp>
+          <p:nvCxnSpPr>
+            <p:cNvPr id="22" name="直接箭头连接符 21"/>
+            <p:cNvCxnSpPr>
+              <a:stCxn id="13" idx="3"/>
+              <a:endCxn id="17" idx="7"/>
+            </p:cNvCxnSpPr>
+            <p:nvPr/>
+          </p:nvCxnSpPr>
+          <p:spPr>
+            <a:xfrm flipH="1">
+              <a:off x="4677" y="4645"/>
+              <a:ext cx="583" cy="908"/>
+            </a:xfrm>
+            <a:prstGeom prst="straightConnector1">
+              <a:avLst/>
+            </a:prstGeom>
+            <a:ln w="38100">
+              <a:solidFill>
+                <a:srgbClr val="FF0000"/>
+              </a:solidFill>
+              <a:tailEnd type="arrow"/>
+            </a:ln>
+          </p:spPr>
+          <p:style>
+            <a:lnRef idx="1">
+              <a:schemeClr val="accent1"/>
+            </a:lnRef>
+            <a:fillRef idx="0">
+              <a:schemeClr val="accent1"/>
+            </a:fillRef>
+            <a:effectRef idx="0">
+              <a:schemeClr val="accent1"/>
+            </a:effectRef>
+            <a:fontRef idx="minor">
+              <a:schemeClr val="tx1"/>
+            </a:fontRef>
+          </p:style>
+        </p:cxnSp>
+        <p:cxnSp>
+          <p:nvCxnSpPr>
+            <p:cNvPr id="23" name="直接箭头连接符 22"/>
+            <p:cNvCxnSpPr>
+              <a:stCxn id="17" idx="3"/>
+              <a:endCxn id="19" idx="7"/>
+            </p:cNvCxnSpPr>
+            <p:nvPr/>
+          </p:nvCxnSpPr>
+          <p:spPr>
+            <a:xfrm flipH="1">
+              <a:off x="3628" y="6054"/>
+              <a:ext cx="564" cy="1046"/>
+            </a:xfrm>
+            <a:prstGeom prst="straightConnector1">
+              <a:avLst/>
+            </a:prstGeom>
+            <a:ln w="38100">
+              <a:solidFill>
+                <a:srgbClr val="FF0000"/>
+              </a:solidFill>
+              <a:tailEnd type="arrow"/>
+            </a:ln>
+          </p:spPr>
+          <p:style>
+            <a:lnRef idx="1">
+              <a:schemeClr val="accent1"/>
+            </a:lnRef>
+            <a:fillRef idx="0">
+              <a:schemeClr val="accent1"/>
+            </a:fillRef>
+            <a:effectRef idx="0">
+              <a:schemeClr val="accent1"/>
+            </a:effectRef>
+            <a:fontRef idx="minor">
+              <a:schemeClr val="tx1"/>
+            </a:fontRef>
+          </p:style>
+        </p:cxnSp>
+        <p:cxnSp>
+          <p:nvCxnSpPr>
+            <p:cNvPr id="24" name="直接箭头连接符 23"/>
+            <p:cNvCxnSpPr>
+              <a:stCxn id="13" idx="5"/>
+              <a:endCxn id="14" idx="0"/>
+            </p:cNvCxnSpPr>
+            <p:nvPr/>
+          </p:nvCxnSpPr>
+          <p:spPr>
+            <a:xfrm>
+              <a:off x="5745" y="4645"/>
+              <a:ext cx="694" cy="804"/>
+            </a:xfrm>
+            <a:prstGeom prst="straightConnector1">
+              <a:avLst/>
+            </a:prstGeom>
+            <a:ln w="38100">
+              <a:solidFill>
+                <a:srgbClr val="FF0000"/>
+              </a:solidFill>
+              <a:tailEnd type="arrow"/>
+            </a:ln>
+          </p:spPr>
+          <p:style>
+            <a:lnRef idx="1">
+              <a:schemeClr val="accent1"/>
+            </a:lnRef>
+            <a:fillRef idx="0">
+              <a:schemeClr val="accent1"/>
+            </a:fillRef>
+            <a:effectRef idx="0">
+              <a:schemeClr val="accent1"/>
+            </a:effectRef>
+            <a:fontRef idx="minor">
+              <a:schemeClr val="tx1"/>
+            </a:fontRef>
+          </p:style>
+        </p:cxnSp>
+        <p:cxnSp>
+          <p:nvCxnSpPr>
+            <p:cNvPr id="46" name="直接箭头连接符 45"/>
+            <p:cNvCxnSpPr>
+              <a:stCxn id="12" idx="5"/>
+              <a:endCxn id="16" idx="0"/>
+            </p:cNvCxnSpPr>
+            <p:nvPr/>
+          </p:nvCxnSpPr>
+          <p:spPr>
+            <a:xfrm>
+              <a:off x="9645" y="3204"/>
+              <a:ext cx="667" cy="836"/>
+            </a:xfrm>
+            <a:prstGeom prst="straightConnector1">
+              <a:avLst/>
+            </a:prstGeom>
+            <a:ln w="38100">
+              <a:solidFill>
+                <a:srgbClr val="FF0000"/>
+              </a:solidFill>
+              <a:tailEnd type="arrow"/>
+            </a:ln>
+          </p:spPr>
+          <p:style>
+            <a:lnRef idx="1">
+              <a:schemeClr val="accent1"/>
+            </a:lnRef>
+            <a:fillRef idx="0">
+              <a:schemeClr val="accent1"/>
+            </a:fillRef>
+            <a:effectRef idx="0">
+              <a:schemeClr val="accent1"/>
+            </a:effectRef>
+            <a:fontRef idx="minor">
+              <a:schemeClr val="tx1"/>
+            </a:fontRef>
+          </p:style>
+        </p:cxnSp>
+        <p:cxnSp>
+          <p:nvCxnSpPr>
+            <p:cNvPr id="47" name="直接箭头连接符 46"/>
+            <p:cNvCxnSpPr>
+              <a:stCxn id="12" idx="3"/>
+              <a:endCxn id="15" idx="0"/>
+            </p:cNvCxnSpPr>
+            <p:nvPr/>
+          </p:nvCxnSpPr>
+          <p:spPr>
+            <a:xfrm flipH="1">
+              <a:off x="8716" y="3204"/>
+              <a:ext cx="444" cy="836"/>
+            </a:xfrm>
+            <a:prstGeom prst="straightConnector1">
+              <a:avLst/>
+            </a:prstGeom>
+            <a:ln w="38100">
+              <a:solidFill>
+                <a:srgbClr val="FF0000"/>
+              </a:solidFill>
+              <a:tailEnd type="arrow"/>
+            </a:ln>
+          </p:spPr>
+          <p:style>
+            <a:lnRef idx="1">
+              <a:schemeClr val="accent1"/>
+            </a:lnRef>
+            <a:fillRef idx="0">
+              <a:schemeClr val="accent1"/>
+            </a:fillRef>
+            <a:effectRef idx="0">
+              <a:schemeClr val="accent1"/>
+            </a:effectRef>
+            <a:fontRef idx="minor">
+              <a:schemeClr val="tx1"/>
+            </a:fontRef>
+          </p:style>
+        </p:cxnSp>
+        <p:cxnSp>
+          <p:nvCxnSpPr>
+            <p:cNvPr id="48" name="直接箭头连接符 47"/>
+            <p:cNvCxnSpPr>
+              <a:stCxn id="16" idx="5"/>
+              <a:endCxn id="18" idx="1"/>
+            </p:cNvCxnSpPr>
+            <p:nvPr/>
+          </p:nvCxnSpPr>
+          <p:spPr>
+            <a:xfrm>
+              <a:off x="10554" y="4645"/>
+              <a:ext cx="499" cy="799"/>
+            </a:xfrm>
+            <a:prstGeom prst="straightConnector1">
+              <a:avLst/>
+            </a:prstGeom>
+            <a:ln w="38100">
+              <a:solidFill>
+                <a:srgbClr val="FF0000"/>
+              </a:solidFill>
+              <a:tailEnd type="arrow"/>
+            </a:ln>
+          </p:spPr>
+          <p:style>
+            <a:lnRef idx="1">
+              <a:schemeClr val="accent1"/>
+            </a:lnRef>
+            <a:fillRef idx="0">
+              <a:schemeClr val="accent1"/>
+            </a:fillRef>
+            <a:effectRef idx="0">
+              <a:schemeClr val="accent1"/>
+            </a:effectRef>
+            <a:fontRef idx="minor">
+              <a:schemeClr val="tx1"/>
+            </a:fontRef>
+          </p:style>
+        </p:cxnSp>
+        <p:cxnSp>
+          <p:nvCxnSpPr>
+            <p:cNvPr id="49" name="直接箭头连接符 48"/>
+            <p:cNvCxnSpPr>
+              <a:stCxn id="10" idx="5"/>
+              <a:endCxn id="12" idx="1"/>
+            </p:cNvCxnSpPr>
+            <p:nvPr/>
+          </p:nvCxnSpPr>
+          <p:spPr>
+            <a:xfrm>
+              <a:off x="8142" y="2021"/>
+              <a:ext cx="1018" cy="682"/>
+            </a:xfrm>
+            <a:prstGeom prst="straightConnector1">
+              <a:avLst/>
+            </a:prstGeom>
+            <a:ln w="38100">
+              <a:solidFill>
+                <a:srgbClr val="FF0000"/>
+              </a:solidFill>
+              <a:tailEnd type="arrow"/>
+            </a:ln>
+          </p:spPr>
+          <p:style>
+            <a:lnRef idx="1">
+              <a:schemeClr val="accent1"/>
+            </a:lnRef>
+            <a:fillRef idx="0">
+              <a:schemeClr val="accent1"/>
+            </a:fillRef>
+            <a:effectRef idx="0">
+              <a:schemeClr val="accent1"/>
+            </a:effectRef>
+            <a:fontRef idx="minor">
+              <a:schemeClr val="tx1"/>
+            </a:fontRef>
+          </p:style>
+        </p:cxnSp>
+      </p:grpSp>
+      <p:grpSp>
+        <p:nvGrpSpPr>
+          <p:cNvPr id="41" name="组合 40"/>
+          <p:cNvGrpSpPr/>
+          <p:nvPr/>
+        </p:nvGrpSpPr>
+        <p:grpSpPr>
+          <a:xfrm>
+            <a:off x="5793740" y="1645285"/>
+            <a:ext cx="4509135" cy="3580130"/>
+            <a:chOff x="3042" y="1416"/>
+            <a:chExt cx="8742" cy="6288"/>
+          </a:xfrm>
+        </p:grpSpPr>
+        <p:grpSp>
+          <p:nvGrpSpPr>
+            <p:cNvPr id="42" name="组合 41"/>
+            <p:cNvGrpSpPr/>
+            <p:nvPr/>
+          </p:nvGrpSpPr>
+          <p:grpSpPr>
+            <a:xfrm>
+              <a:off x="3042" y="1416"/>
+              <a:ext cx="8743" cy="6288"/>
+              <a:chOff x="2978" y="1480"/>
+              <a:chExt cx="8743" cy="6288"/>
+            </a:xfrm>
+          </p:grpSpPr>
+          <p:sp>
+            <p:nvSpPr>
+              <p:cNvPr id="43" name="椭圆 42"/>
+              <p:cNvSpPr/>
+              <p:nvPr/>
+            </p:nvSpPr>
+            <p:spPr>
+              <a:xfrm>
+                <a:off x="7492" y="1480"/>
+                <a:ext cx="687" cy="709"/>
+              </a:xfrm>
+              <a:prstGeom prst="ellipse">
+                <a:avLst/>
+              </a:prstGeom>
+              <a:ln w="38100">
+                <a:solidFill>
+                  <a:srgbClr val="7030A0"/>
+                </a:solidFill>
+              </a:ln>
+            </p:spPr>
+            <p:style>
+              <a:lnRef idx="2">
+                <a:schemeClr val="accent1"/>
+              </a:lnRef>
+              <a:fillRef idx="1">
+                <a:schemeClr val="lt1"/>
+              </a:fillRef>
+              <a:effectRef idx="0">
+                <a:schemeClr val="accent1"/>
+              </a:effectRef>
+              <a:fontRef idx="minor">
+                <a:schemeClr val="dk1"/>
+              </a:fontRef>
+            </p:style>
+            <p:txBody>
+              <a:bodyPr rtlCol="0" anchor="ctr"/>
+              <a:p>
+                <a:pPr algn="ctr"/>
+                <a:r>
+                  <a:rPr lang="en-US" altLang="zh-CN"/>
+                  <a:t>7</a:t>
+                </a:r>
+                <a:endParaRPr lang="en-US" altLang="zh-CN"/>
+              </a:p>
+            </p:txBody>
+          </p:sp>
+          <p:sp>
+            <p:nvSpPr>
+              <p:cNvPr id="44" name="椭圆 43"/>
+              <p:cNvSpPr/>
+              <p:nvPr/>
+            </p:nvSpPr>
+            <p:spPr>
+              <a:xfrm>
+                <a:off x="6181" y="2663"/>
+                <a:ext cx="687" cy="709"/>
+              </a:xfrm>
+              <a:prstGeom prst="ellipse">
+                <a:avLst/>
+              </a:prstGeom>
+              <a:ln w="28575"/>
+            </p:spPr>
+            <p:style>
+              <a:lnRef idx="2">
+                <a:schemeClr val="accent1"/>
+              </a:lnRef>
+              <a:fillRef idx="1">
+                <a:schemeClr val="lt1"/>
+              </a:fillRef>
+              <a:effectRef idx="0">
+                <a:schemeClr val="accent1"/>
+              </a:effectRef>
+              <a:fontRef idx="minor">
+                <a:schemeClr val="dk1"/>
+              </a:fontRef>
+            </p:style>
+            <p:txBody>
+              <a:bodyPr rtlCol="0" anchor="ctr"/>
+              <a:p>
+                <a:pPr algn="ctr"/>
+                <a:r>
+                  <a:rPr lang="en-US" altLang="zh-CN"/>
+                  <a:t>4</a:t>
+                </a:r>
+                <a:endParaRPr lang="en-US" altLang="zh-CN"/>
+              </a:p>
+            </p:txBody>
+          </p:sp>
+          <p:sp>
+            <p:nvSpPr>
+              <p:cNvPr id="45" name="椭圆 44"/>
+              <p:cNvSpPr/>
+              <p:nvPr/>
+            </p:nvSpPr>
+            <p:spPr>
+              <a:xfrm>
+                <a:off x="8995" y="2663"/>
+                <a:ext cx="687" cy="709"/>
+              </a:xfrm>
+              <a:prstGeom prst="ellipse">
+                <a:avLst/>
+              </a:prstGeom>
+              <a:ln w="28575"/>
+            </p:spPr>
+            <p:style>
+              <a:lnRef idx="2">
+                <a:schemeClr val="accent1"/>
+              </a:lnRef>
+              <a:fillRef idx="1">
+                <a:schemeClr val="lt1"/>
+              </a:fillRef>
+              <a:effectRef idx="0">
+                <a:schemeClr val="accent1"/>
+              </a:effectRef>
+              <a:fontRef idx="minor">
+                <a:schemeClr val="dk1"/>
+              </a:fontRef>
+            </p:style>
+            <p:txBody>
+              <a:bodyPr rtlCol="0" anchor="ctr"/>
+              <a:p>
+                <a:pPr algn="ctr"/>
+                <a:r>
+                  <a:rPr lang="en-US" altLang="zh-CN"/>
+                  <a:t>8</a:t>
+                </a:r>
+                <a:endParaRPr lang="en-US" altLang="zh-CN"/>
+              </a:p>
+            </p:txBody>
+          </p:sp>
+          <p:sp>
+            <p:nvSpPr>
+              <p:cNvPr id="55" name="椭圆 54"/>
+              <p:cNvSpPr/>
+              <p:nvPr/>
+            </p:nvSpPr>
+            <p:spPr>
+              <a:xfrm>
+                <a:off x="5095" y="4104"/>
+                <a:ext cx="687" cy="709"/>
+              </a:xfrm>
+              <a:prstGeom prst="ellipse">
+                <a:avLst/>
+              </a:prstGeom>
+              <a:ln w="28575"/>
+            </p:spPr>
+            <p:style>
+              <a:lnRef idx="2">
+                <a:schemeClr val="accent1"/>
+              </a:lnRef>
+              <a:fillRef idx="1">
+                <a:schemeClr val="lt1"/>
+              </a:fillRef>
+              <a:effectRef idx="0">
+                <a:schemeClr val="accent1"/>
+              </a:effectRef>
+              <a:fontRef idx="minor">
+                <a:schemeClr val="dk1"/>
+              </a:fontRef>
+            </p:style>
+            <p:txBody>
+              <a:bodyPr rtlCol="0" anchor="ctr"/>
+              <a:p>
+                <a:pPr algn="ctr"/>
+                <a:r>
+                  <a:rPr lang="en-US" altLang="zh-CN"/>
+                  <a:t>2</a:t>
+                </a:r>
+                <a:endParaRPr lang="en-US" altLang="zh-CN"/>
+              </a:p>
+            </p:txBody>
+          </p:sp>
+          <p:sp>
+            <p:nvSpPr>
+              <p:cNvPr id="56" name="椭圆 55"/>
+              <p:cNvSpPr/>
+              <p:nvPr/>
+            </p:nvSpPr>
+            <p:spPr>
+              <a:xfrm>
+                <a:off x="6031" y="5513"/>
+                <a:ext cx="687" cy="709"/>
+              </a:xfrm>
+              <a:prstGeom prst="ellipse">
+                <a:avLst/>
+              </a:prstGeom>
+              <a:ln w="28575"/>
+            </p:spPr>
+            <p:style>
+              <a:lnRef idx="2">
+                <a:schemeClr val="accent1"/>
+              </a:lnRef>
+              <a:fillRef idx="1">
+                <a:schemeClr val="lt1"/>
+              </a:fillRef>
+              <a:effectRef idx="0">
+                <a:schemeClr val="accent1"/>
+              </a:effectRef>
+              <a:fontRef idx="minor">
+                <a:schemeClr val="dk1"/>
+              </a:fontRef>
+            </p:style>
+            <p:txBody>
+              <a:bodyPr rtlCol="0" anchor="ctr"/>
+              <a:p>
+                <a:pPr algn="ctr"/>
+                <a:r>
+                  <a:rPr lang="en-US" altLang="zh-CN"/>
+                  <a:t>3</a:t>
+                </a:r>
+                <a:endParaRPr lang="en-US" altLang="zh-CN"/>
+              </a:p>
+            </p:txBody>
+          </p:sp>
+          <p:sp>
+            <p:nvSpPr>
+              <p:cNvPr id="57" name="椭圆 56"/>
+              <p:cNvSpPr/>
+              <p:nvPr/>
+            </p:nvSpPr>
+            <p:spPr>
+              <a:xfrm>
+                <a:off x="8308" y="4104"/>
+                <a:ext cx="687" cy="709"/>
+              </a:xfrm>
+              <a:prstGeom prst="ellipse">
+                <a:avLst/>
+              </a:prstGeom>
+              <a:ln w="28575"/>
+            </p:spPr>
+            <p:style>
+              <a:lnRef idx="2">
+                <a:schemeClr val="accent1"/>
+              </a:lnRef>
+              <a:fillRef idx="1">
+                <a:schemeClr val="lt1"/>
+              </a:fillRef>
+              <a:effectRef idx="0">
+                <a:schemeClr val="accent1"/>
+              </a:effectRef>
+              <a:fontRef idx="minor">
+                <a:schemeClr val="dk1"/>
+              </a:fontRef>
+            </p:style>
+            <p:txBody>
+              <a:bodyPr rtlCol="0" anchor="ctr"/>
+              <a:p>
+                <a:pPr algn="ctr"/>
+                <a:r>
+                  <a:rPr lang="en-US" altLang="zh-CN"/>
+                  <a:t>7</a:t>
+                </a:r>
+                <a:endParaRPr lang="en-US" altLang="zh-CN"/>
+              </a:p>
+            </p:txBody>
+          </p:sp>
+          <p:sp>
+            <p:nvSpPr>
+              <p:cNvPr id="63" name="椭圆 62"/>
+              <p:cNvSpPr/>
+              <p:nvPr/>
+            </p:nvSpPr>
+            <p:spPr>
+              <a:xfrm>
+                <a:off x="9904" y="4104"/>
+                <a:ext cx="687" cy="709"/>
+              </a:xfrm>
+              <a:prstGeom prst="ellipse">
+                <a:avLst/>
+              </a:prstGeom>
+              <a:ln w="28575"/>
+            </p:spPr>
+            <p:style>
+              <a:lnRef idx="2">
+                <a:schemeClr val="accent1"/>
+              </a:lnRef>
+              <a:fillRef idx="1">
+                <a:schemeClr val="lt1"/>
+              </a:fillRef>
+              <a:effectRef idx="0">
+                <a:schemeClr val="accent1"/>
+              </a:effectRef>
+              <a:fontRef idx="minor">
+                <a:schemeClr val="dk1"/>
+              </a:fontRef>
+            </p:style>
+            <p:txBody>
+              <a:bodyPr rtlCol="0" anchor="ctr"/>
+              <a:p>
+                <a:pPr algn="ctr"/>
+                <a:r>
+                  <a:rPr lang="en-US" altLang="zh-CN"/>
+                  <a:t>9</a:t>
+                </a:r>
+                <a:endParaRPr lang="en-US" altLang="zh-CN"/>
+              </a:p>
+            </p:txBody>
+          </p:sp>
+          <p:sp>
+            <p:nvSpPr>
+              <p:cNvPr id="64" name="椭圆 63"/>
+              <p:cNvSpPr/>
+              <p:nvPr/>
+            </p:nvSpPr>
+            <p:spPr>
+              <a:xfrm>
+                <a:off x="4027" y="5513"/>
+                <a:ext cx="687" cy="709"/>
+              </a:xfrm>
+              <a:prstGeom prst="ellipse">
+                <a:avLst/>
+              </a:prstGeom>
+              <a:ln w="28575"/>
+            </p:spPr>
+            <p:style>
+              <a:lnRef idx="2">
+                <a:schemeClr val="accent1"/>
+              </a:lnRef>
+              <a:fillRef idx="1">
+                <a:schemeClr val="lt1"/>
+              </a:fillRef>
+              <a:effectRef idx="0">
+                <a:schemeClr val="accent1"/>
+              </a:effectRef>
+              <a:fontRef idx="minor">
+                <a:schemeClr val="dk1"/>
+              </a:fontRef>
+            </p:style>
+            <p:txBody>
+              <a:bodyPr rtlCol="0" anchor="ctr"/>
+              <a:p>
+                <a:pPr algn="ctr"/>
+                <a:r>
+                  <a:rPr lang="en-US" altLang="zh-CN"/>
+                  <a:t>1</a:t>
+                </a:r>
+                <a:endParaRPr lang="en-US" altLang="zh-CN"/>
+              </a:p>
+            </p:txBody>
+          </p:sp>
+          <p:sp>
+            <p:nvSpPr>
+              <p:cNvPr id="65" name="椭圆 64"/>
+              <p:cNvSpPr/>
+              <p:nvPr/>
+            </p:nvSpPr>
+            <p:spPr>
+              <a:xfrm>
+                <a:off x="10863" y="5385"/>
+                <a:ext cx="858" cy="837"/>
+              </a:xfrm>
+              <a:prstGeom prst="ellipse">
+                <a:avLst/>
+              </a:prstGeom>
+              <a:ln w="28575"/>
+            </p:spPr>
+            <p:style>
+              <a:lnRef idx="2">
+                <a:schemeClr val="accent1"/>
+              </a:lnRef>
+              <a:fillRef idx="1">
+                <a:schemeClr val="lt1"/>
+              </a:fillRef>
+              <a:effectRef idx="0">
+                <a:schemeClr val="accent1"/>
+              </a:effectRef>
+              <a:fontRef idx="minor">
+                <a:schemeClr val="dk1"/>
+              </a:fontRef>
+            </p:style>
+            <p:txBody>
+              <a:bodyPr rtlCol="0" anchor="ctr"/>
+              <a:p>
+                <a:pPr algn="ctr"/>
+                <a:r>
+                  <a:rPr lang="en-US" altLang="zh-CN" sz="1400"/>
+                  <a:t>10</a:t>
+                </a:r>
+                <a:endParaRPr lang="en-US" altLang="zh-CN" sz="1400"/>
+              </a:p>
+            </p:txBody>
+          </p:sp>
+          <p:sp>
+            <p:nvSpPr>
+              <p:cNvPr id="66" name="椭圆 65"/>
+              <p:cNvSpPr/>
+              <p:nvPr/>
+            </p:nvSpPr>
+            <p:spPr>
+              <a:xfrm>
+                <a:off x="2978" y="7060"/>
+                <a:ext cx="687" cy="709"/>
+              </a:xfrm>
+              <a:prstGeom prst="ellipse">
+                <a:avLst/>
+              </a:prstGeom>
+              <a:ln w="28575"/>
+            </p:spPr>
+            <p:style>
+              <a:lnRef idx="2">
+                <a:schemeClr val="accent1"/>
+              </a:lnRef>
+              <a:fillRef idx="1">
+                <a:schemeClr val="lt1"/>
+              </a:fillRef>
+              <a:effectRef idx="0">
+                <a:schemeClr val="accent1"/>
+              </a:effectRef>
+              <a:fontRef idx="minor">
+                <a:schemeClr val="dk1"/>
+              </a:fontRef>
+            </p:style>
+            <p:txBody>
+              <a:bodyPr rtlCol="0" anchor="ctr"/>
+              <a:p>
+                <a:pPr algn="ctr"/>
+                <a:r>
+                  <a:rPr lang="en-US" altLang="zh-CN"/>
+                  <a:t>0</a:t>
+                </a:r>
+                <a:endParaRPr lang="en-US" altLang="zh-CN"/>
+              </a:p>
+            </p:txBody>
+          </p:sp>
+        </p:grpSp>
+        <p:cxnSp>
+          <p:nvCxnSpPr>
+            <p:cNvPr id="67" name="直接箭头连接符 66"/>
+            <p:cNvCxnSpPr>
+              <a:stCxn id="43" idx="3"/>
+              <a:endCxn id="44" idx="7"/>
+            </p:cNvCxnSpPr>
+            <p:nvPr/>
+          </p:nvCxnSpPr>
+          <p:spPr>
+            <a:xfrm flipH="1">
+              <a:off x="6831" y="2021"/>
+              <a:ext cx="826" cy="682"/>
+            </a:xfrm>
+            <a:prstGeom prst="straightConnector1">
+              <a:avLst/>
+            </a:prstGeom>
+            <a:ln w="38100">
+              <a:solidFill>
+                <a:srgbClr val="FF0000"/>
+              </a:solidFill>
+              <a:tailEnd type="arrow"/>
+            </a:ln>
+          </p:spPr>
+          <p:style>
+            <a:lnRef idx="1">
+              <a:schemeClr val="accent1"/>
+            </a:lnRef>
+            <a:fillRef idx="0">
+              <a:schemeClr val="accent1"/>
+            </a:fillRef>
+            <a:effectRef idx="0">
+              <a:schemeClr val="accent1"/>
+            </a:effectRef>
+            <a:fontRef idx="minor">
+              <a:schemeClr val="tx1"/>
+            </a:fontRef>
+          </p:style>
+        </p:cxnSp>
+        <p:cxnSp>
+          <p:nvCxnSpPr>
+            <p:cNvPr id="68" name="直接箭头连接符 67"/>
+            <p:cNvCxnSpPr>
+              <a:stCxn id="44" idx="3"/>
+              <a:endCxn id="55" idx="7"/>
+            </p:cNvCxnSpPr>
+            <p:nvPr/>
+          </p:nvCxnSpPr>
+          <p:spPr>
+            <a:xfrm flipH="1">
+              <a:off x="5745" y="3204"/>
+              <a:ext cx="601" cy="940"/>
+            </a:xfrm>
+            <a:prstGeom prst="straightConnector1">
+              <a:avLst/>
+            </a:prstGeom>
+            <a:ln w="38100">
+              <a:solidFill>
+                <a:srgbClr val="FF0000"/>
+              </a:solidFill>
+              <a:tailEnd type="arrow"/>
+            </a:ln>
+          </p:spPr>
+          <p:style>
+            <a:lnRef idx="1">
+              <a:schemeClr val="accent1"/>
+            </a:lnRef>
+            <a:fillRef idx="0">
+              <a:schemeClr val="accent1"/>
+            </a:fillRef>
+            <a:effectRef idx="0">
+              <a:schemeClr val="accent1"/>
+            </a:effectRef>
+            <a:fontRef idx="minor">
+              <a:schemeClr val="tx1"/>
+            </a:fontRef>
+          </p:style>
+        </p:cxnSp>
+        <p:cxnSp>
+          <p:nvCxnSpPr>
+            <p:cNvPr id="69" name="直接箭头连接符 68"/>
+            <p:cNvCxnSpPr>
+              <a:stCxn id="55" idx="3"/>
+              <a:endCxn id="64" idx="7"/>
+            </p:cNvCxnSpPr>
+            <p:nvPr/>
+          </p:nvCxnSpPr>
+          <p:spPr>
+            <a:xfrm flipH="1">
+              <a:off x="4677" y="4645"/>
+              <a:ext cx="583" cy="908"/>
+            </a:xfrm>
+            <a:prstGeom prst="straightConnector1">
+              <a:avLst/>
+            </a:prstGeom>
+            <a:ln w="38100">
+              <a:solidFill>
+                <a:srgbClr val="FF0000"/>
+              </a:solidFill>
+              <a:tailEnd type="arrow"/>
+            </a:ln>
+          </p:spPr>
+          <p:style>
+            <a:lnRef idx="1">
+              <a:schemeClr val="accent1"/>
+            </a:lnRef>
+            <a:fillRef idx="0">
+              <a:schemeClr val="accent1"/>
+            </a:fillRef>
+            <a:effectRef idx="0">
+              <a:schemeClr val="accent1"/>
+            </a:effectRef>
+            <a:fontRef idx="minor">
+              <a:schemeClr val="tx1"/>
+            </a:fontRef>
+          </p:style>
+        </p:cxnSp>
+        <p:cxnSp>
+          <p:nvCxnSpPr>
+            <p:cNvPr id="70" name="直接箭头连接符 69"/>
+            <p:cNvCxnSpPr>
+              <a:stCxn id="64" idx="3"/>
+              <a:endCxn id="66" idx="7"/>
+            </p:cNvCxnSpPr>
+            <p:nvPr/>
+          </p:nvCxnSpPr>
+          <p:spPr>
+            <a:xfrm flipH="1">
+              <a:off x="3628" y="6054"/>
+              <a:ext cx="564" cy="1046"/>
+            </a:xfrm>
+            <a:prstGeom prst="straightConnector1">
+              <a:avLst/>
+            </a:prstGeom>
+            <a:ln w="38100">
+              <a:solidFill>
+                <a:srgbClr val="FF0000"/>
+              </a:solidFill>
+              <a:tailEnd type="arrow"/>
+            </a:ln>
+          </p:spPr>
+          <p:style>
+            <a:lnRef idx="1">
+              <a:schemeClr val="accent1"/>
+            </a:lnRef>
+            <a:fillRef idx="0">
+              <a:schemeClr val="accent1"/>
+            </a:fillRef>
+            <a:effectRef idx="0">
+              <a:schemeClr val="accent1"/>
+            </a:effectRef>
+            <a:fontRef idx="minor">
+              <a:schemeClr val="tx1"/>
+            </a:fontRef>
+          </p:style>
+        </p:cxnSp>
+        <p:cxnSp>
+          <p:nvCxnSpPr>
+            <p:cNvPr id="71" name="直接箭头连接符 70"/>
+            <p:cNvCxnSpPr>
+              <a:stCxn id="55" idx="5"/>
+              <a:endCxn id="56" idx="0"/>
+            </p:cNvCxnSpPr>
+            <p:nvPr/>
+          </p:nvCxnSpPr>
+          <p:spPr>
+            <a:xfrm>
+              <a:off x="5745" y="4645"/>
+              <a:ext cx="694" cy="804"/>
+            </a:xfrm>
+            <a:prstGeom prst="straightConnector1">
+              <a:avLst/>
+            </a:prstGeom>
+            <a:ln w="38100">
+              <a:solidFill>
+                <a:srgbClr val="FF0000"/>
+              </a:solidFill>
+              <a:tailEnd type="arrow"/>
+            </a:ln>
+          </p:spPr>
+          <p:style>
+            <a:lnRef idx="1">
+              <a:schemeClr val="accent1"/>
+            </a:lnRef>
+            <a:fillRef idx="0">
+              <a:schemeClr val="accent1"/>
+            </a:fillRef>
+            <a:effectRef idx="0">
+              <a:schemeClr val="accent1"/>
+            </a:effectRef>
+            <a:fontRef idx="minor">
+              <a:schemeClr val="tx1"/>
+            </a:fontRef>
+          </p:style>
+        </p:cxnSp>
+        <p:cxnSp>
+          <p:nvCxnSpPr>
+            <p:cNvPr id="72" name="直接箭头连接符 71"/>
+            <p:cNvCxnSpPr>
+              <a:stCxn id="45" idx="5"/>
+              <a:endCxn id="63" idx="0"/>
+            </p:cNvCxnSpPr>
+            <p:nvPr/>
+          </p:nvCxnSpPr>
+          <p:spPr>
+            <a:xfrm>
+              <a:off x="9645" y="3204"/>
+              <a:ext cx="667" cy="836"/>
+            </a:xfrm>
+            <a:prstGeom prst="straightConnector1">
+              <a:avLst/>
+            </a:prstGeom>
+            <a:ln w="38100">
+              <a:solidFill>
+                <a:srgbClr val="FF0000"/>
+              </a:solidFill>
+              <a:tailEnd type="arrow"/>
+            </a:ln>
+          </p:spPr>
+          <p:style>
+            <a:lnRef idx="1">
+              <a:schemeClr val="accent1"/>
+            </a:lnRef>
+            <a:fillRef idx="0">
+              <a:schemeClr val="accent1"/>
+            </a:fillRef>
+            <a:effectRef idx="0">
+              <a:schemeClr val="accent1"/>
+            </a:effectRef>
+            <a:fontRef idx="minor">
+              <a:schemeClr val="tx1"/>
+            </a:fontRef>
+          </p:style>
+        </p:cxnSp>
+        <p:cxnSp>
+          <p:nvCxnSpPr>
+            <p:cNvPr id="88" name="直接箭头连接符 87"/>
+            <p:cNvCxnSpPr>
+              <a:stCxn id="45" idx="3"/>
+              <a:endCxn id="57" idx="0"/>
+            </p:cNvCxnSpPr>
+            <p:nvPr/>
+          </p:nvCxnSpPr>
+          <p:spPr>
+            <a:xfrm flipH="1">
+              <a:off x="8716" y="3204"/>
+              <a:ext cx="444" cy="836"/>
+            </a:xfrm>
+            <a:prstGeom prst="straightConnector1">
+              <a:avLst/>
+            </a:prstGeom>
+            <a:ln w="38100">
+              <a:solidFill>
+                <a:srgbClr val="FF0000"/>
+              </a:solidFill>
+              <a:tailEnd type="arrow"/>
+            </a:ln>
+          </p:spPr>
+          <p:style>
+            <a:lnRef idx="1">
+              <a:schemeClr val="accent1"/>
+            </a:lnRef>
+            <a:fillRef idx="0">
+              <a:schemeClr val="accent1"/>
+            </a:fillRef>
+            <a:effectRef idx="0">
+              <a:schemeClr val="accent1"/>
+            </a:effectRef>
+            <a:fontRef idx="minor">
+              <a:schemeClr val="tx1"/>
+            </a:fontRef>
+          </p:style>
+        </p:cxnSp>
+        <p:cxnSp>
+          <p:nvCxnSpPr>
+            <p:cNvPr id="104" name="直接箭头连接符 103"/>
+            <p:cNvCxnSpPr>
+              <a:stCxn id="63" idx="5"/>
+              <a:endCxn id="65" idx="1"/>
+            </p:cNvCxnSpPr>
+            <p:nvPr/>
+          </p:nvCxnSpPr>
+          <p:spPr>
+            <a:xfrm>
+              <a:off x="10554" y="4645"/>
+              <a:ext cx="499" cy="799"/>
+            </a:xfrm>
+            <a:prstGeom prst="straightConnector1">
+              <a:avLst/>
+            </a:prstGeom>
+            <a:ln w="38100">
+              <a:solidFill>
+                <a:srgbClr val="FF0000"/>
+              </a:solidFill>
+              <a:tailEnd type="arrow"/>
+            </a:ln>
+          </p:spPr>
+          <p:style>
+            <a:lnRef idx="1">
+              <a:schemeClr val="accent1"/>
+            </a:lnRef>
+            <a:fillRef idx="0">
+              <a:schemeClr val="accent1"/>
+            </a:fillRef>
+            <a:effectRef idx="0">
+              <a:schemeClr val="accent1"/>
+            </a:effectRef>
+            <a:fontRef idx="minor">
+              <a:schemeClr val="tx1"/>
+            </a:fontRef>
+          </p:style>
+        </p:cxnSp>
+        <p:cxnSp>
+          <p:nvCxnSpPr>
+            <p:cNvPr id="105" name="直接箭头连接符 104"/>
+            <p:cNvCxnSpPr>
+              <a:stCxn id="43" idx="5"/>
+              <a:endCxn id="45" idx="1"/>
+            </p:cNvCxnSpPr>
+            <p:nvPr/>
+          </p:nvCxnSpPr>
+          <p:spPr>
+            <a:xfrm>
+              <a:off x="8142" y="2021"/>
+              <a:ext cx="1018" cy="682"/>
+            </a:xfrm>
+            <a:prstGeom prst="straightConnector1">
+              <a:avLst/>
+            </a:prstGeom>
+            <a:ln w="38100">
+              <a:solidFill>
+                <a:srgbClr val="FF0000"/>
+              </a:solidFill>
+              <a:tailEnd type="arrow"/>
+            </a:ln>
+          </p:spPr>
+          <p:style>
+            <a:lnRef idx="1">
+              <a:schemeClr val="accent1"/>
+            </a:lnRef>
+            <a:fillRef idx="0">
+              <a:schemeClr val="accent1"/>
+            </a:fillRef>
+            <a:effectRef idx="0">
+              <a:schemeClr val="accent1"/>
+            </a:effectRef>
+            <a:fontRef idx="minor">
+              <a:schemeClr val="tx1"/>
+            </a:fontRef>
+          </p:style>
+        </p:cxnSp>
+      </p:grpSp>
+      <p:sp>
+        <p:nvSpPr>
+          <p:cNvPr id="106" name="乘号 105"/>
+          <p:cNvSpPr/>
+          <p:nvPr/>
+        </p:nvSpPr>
+        <p:spPr>
+          <a:xfrm>
+            <a:off x="8583295" y="2677795"/>
+            <a:ext cx="503555" cy="447040"/>
+          </a:xfrm>
+          <a:prstGeom prst="mathMultiply">
+            <a:avLst/>
+          </a:prstGeom>
+        </p:spPr>
+        <p:style>
+          <a:lnRef idx="2">
+            <a:schemeClr val="dk1">
+              <a:shade val="50000"/>
+            </a:schemeClr>
+          </a:lnRef>
+          <a:fillRef idx="1">
+            <a:schemeClr val="dk1"/>
+          </a:fillRef>
+          <a:effectRef idx="0">
+            <a:schemeClr val="dk1"/>
+          </a:effectRef>
+          <a:fontRef idx="minor">
+            <a:schemeClr val="lt1"/>
+          </a:fontRef>
+        </p:style>
+        <p:txBody>
+          <a:bodyPr rtlCol="0" anchor="ctr"/>
+          <a:p>
+            <a:pPr algn="ctr"/>
+            <a:endParaRPr lang="zh-CN" altLang="en-US"/>
+          </a:p>
+        </p:txBody>
+      </p:sp>
+      <p:sp>
+        <p:nvSpPr>
+          <p:cNvPr id="107" name="右箭头 106"/>
+          <p:cNvSpPr/>
+          <p:nvPr/>
+        </p:nvSpPr>
+        <p:spPr>
+          <a:xfrm>
+            <a:off x="5039360" y="2625090"/>
+            <a:ext cx="1123315" cy="854075"/>
+          </a:xfrm>
+          <a:prstGeom prst="rightArrow">
+            <a:avLst/>
+          </a:prstGeom>
+        </p:spPr>
+        <p:style>
+          <a:lnRef idx="2">
+            <a:schemeClr val="accent1">
+              <a:shade val="50000"/>
+            </a:schemeClr>
+          </a:lnRef>
+          <a:fillRef idx="1">
+            <a:schemeClr val="accent1"/>
+          </a:fillRef>
+          <a:effectRef idx="0">
+            <a:schemeClr val="accent1"/>
+          </a:effectRef>
+          <a:fontRef idx="minor">
+            <a:schemeClr val="lt1"/>
+          </a:fontRef>
+        </p:style>
+        <p:txBody>
+          <a:bodyPr rtlCol="0" anchor="ctr"/>
+          <a:p>
+            <a:pPr algn="ctr"/>
+            <a:endParaRPr lang="zh-CN" altLang="en-US"/>
+          </a:p>
+        </p:txBody>
+      </p:sp>
     </p:spTree>
   </p:cSld>
   <p:clrMapOvr>

--- a/课件/课件素材.pptx
+++ b/课件/课件素材.pptx
@@ -35,6 +35,8 @@
     <p:sldId id="302" r:id="rId28"/>
     <p:sldId id="304" r:id="rId29"/>
     <p:sldId id="303" r:id="rId30"/>
+    <p:sldId id="306" r:id="rId31"/>
+    <p:sldId id="307" r:id="rId32"/>
   </p:sldIdLst>
   <p:sldSz cx="12192000" cy="6858000"/>
   <p:notesSz cx="6858000" cy="9144000"/>
@@ -27136,11 +27138,7 @@
                 </a:br>
                 <a:r>
                   <a:rPr lang="zh-CN" altLang="ja-JP"/>
-                  <a:t>然后其左右子树入队（如果存在</a:t>
-                </a:r>
-                <a:r>
-                  <a:rPr lang="zh-CN" altLang="ja-JP"/>
-                  <a:t>）</a:t>
+                  <a:t>然后其左右子树入队（如果存在）</a:t>
                 </a:r>
                 <a:br>
                   <a:rPr lang="zh-CN" altLang="ja-JP"/>
@@ -27273,11 +27271,7 @@
             </a:r>
             <a:r>
               <a:rPr lang="zh-CN" altLang="en-US"/>
-              <a:t>直至队列</a:t>
-            </a:r>
-            <a:r>
-              <a:rPr lang="zh-CN" altLang="en-US"/>
-              <a:t>为空</a:t>
+              <a:t>直至队列为空</a:t>
             </a:r>
             <a:endParaRPr lang="zh-CN" altLang="en-US"/>
           </a:p>
@@ -33208,6 +33202,1594 @@
           </a:p>
         </p:txBody>
       </p:sp>
+    </p:spTree>
+  </p:cSld>
+  <p:clrMapOvr>
+    <a:masterClrMapping/>
+  </p:clrMapOvr>
+</p:sld>
+</file>
+
+<file path=ppt/slides/slide28.xml><?xml version="1.0" encoding="utf-8"?>
+<p:sld xmlns:a="http://schemas.openxmlformats.org/drawingml/2006/main" xmlns:r="http://schemas.openxmlformats.org/officeDocument/2006/relationships" xmlns:p="http://schemas.openxmlformats.org/presentationml/2006/main">
+  <p:cSld>
+    <p:spTree>
+      <p:nvGrpSpPr>
+        <p:cNvPr id="1" name=""/>
+        <p:cNvGrpSpPr/>
+        <p:nvPr/>
+      </p:nvGrpSpPr>
+      <p:grpSpPr/>
+      <p:sp>
+        <p:nvSpPr>
+          <p:cNvPr id="2" name="标题 1"/>
+          <p:cNvSpPr>
+            <a:spLocks noGrp="1"/>
+          </p:cNvSpPr>
+          <p:nvPr>
+            <p:ph type="title"/>
+          </p:nvPr>
+        </p:nvSpPr>
+        <p:spPr>
+          <a:xfrm>
+            <a:off x="838200" y="365125"/>
+            <a:ext cx="10515600" cy="1325563"/>
+          </a:xfrm>
+        </p:spPr>
+        <p:txBody>
+          <a:bodyPr/>
+          <a:p>
+            <a:r>
+              <a:rPr lang="zh-CN" altLang="en-US"/>
+              <a:t>拓扑排序</a:t>
+            </a:r>
+            <a:endParaRPr lang="zh-CN" altLang="en-US"/>
+          </a:p>
+        </p:txBody>
+      </p:sp>
+      <p:grpSp>
+        <p:nvGrpSpPr>
+          <p:cNvPr id="24" name="组合 23"/>
+          <p:cNvGrpSpPr/>
+          <p:nvPr/>
+        </p:nvGrpSpPr>
+        <p:grpSpPr>
+          <a:xfrm>
+            <a:off x="294005" y="1534795"/>
+            <a:ext cx="3065780" cy="2141220"/>
+            <a:chOff x="683" y="2879"/>
+            <a:chExt cx="4828" cy="3372"/>
+          </a:xfrm>
+        </p:grpSpPr>
+        <p:grpSp>
+          <p:nvGrpSpPr>
+            <p:cNvPr id="11" name="组合 10"/>
+            <p:cNvGrpSpPr/>
+            <p:nvPr/>
+          </p:nvGrpSpPr>
+          <p:grpSpPr>
+            <a:xfrm>
+              <a:off x="683" y="2879"/>
+              <a:ext cx="4829" cy="3372"/>
+              <a:chOff x="1057" y="3298"/>
+              <a:chExt cx="4829" cy="3372"/>
+            </a:xfrm>
+          </p:grpSpPr>
+          <p:sp>
+            <p:nvSpPr>
+              <p:cNvPr id="4" name="椭圆 3"/>
+              <p:cNvSpPr/>
+              <p:nvPr/>
+            </p:nvSpPr>
+            <p:spPr>
+              <a:xfrm>
+                <a:off x="2311" y="3298"/>
+                <a:ext cx="727" cy="727"/>
+              </a:xfrm>
+              <a:prstGeom prst="ellipse">
+                <a:avLst/>
+              </a:prstGeom>
+            </p:spPr>
+            <p:style>
+              <a:lnRef idx="2">
+                <a:schemeClr val="accent1"/>
+              </a:lnRef>
+              <a:fillRef idx="1">
+                <a:schemeClr val="lt1"/>
+              </a:fillRef>
+              <a:effectRef idx="0">
+                <a:schemeClr val="accent1"/>
+              </a:effectRef>
+              <a:fontRef idx="minor">
+                <a:schemeClr val="dk1"/>
+              </a:fontRef>
+            </p:style>
+            <p:txBody>
+              <a:bodyPr rtlCol="0" anchor="ctr"/>
+              <a:p>
+                <a:pPr algn="ctr"/>
+                <a:r>
+                  <a:rPr lang="en-US" altLang="zh-CN"/>
+                  <a:t>0</a:t>
+                </a:r>
+                <a:endParaRPr lang="en-US" altLang="zh-CN"/>
+              </a:p>
+            </p:txBody>
+          </p:sp>
+          <p:sp>
+            <p:nvSpPr>
+              <p:cNvPr id="5" name="椭圆 4"/>
+              <p:cNvSpPr/>
+              <p:nvPr/>
+            </p:nvSpPr>
+            <p:spPr>
+              <a:xfrm>
+                <a:off x="1057" y="4625"/>
+                <a:ext cx="727" cy="727"/>
+              </a:xfrm>
+              <a:prstGeom prst="ellipse">
+                <a:avLst/>
+              </a:prstGeom>
+            </p:spPr>
+            <p:style>
+              <a:lnRef idx="2">
+                <a:schemeClr val="accent1"/>
+              </a:lnRef>
+              <a:fillRef idx="1">
+                <a:schemeClr val="lt1"/>
+              </a:fillRef>
+              <a:effectRef idx="0">
+                <a:schemeClr val="accent1"/>
+              </a:effectRef>
+              <a:fontRef idx="minor">
+                <a:schemeClr val="dk1"/>
+              </a:fontRef>
+            </p:style>
+            <p:txBody>
+              <a:bodyPr rtlCol="0" anchor="ctr"/>
+              <a:p>
+                <a:pPr algn="ctr"/>
+                <a:r>
+                  <a:rPr lang="en-US" altLang="zh-CN"/>
+                  <a:t>2</a:t>
+                </a:r>
+                <a:endParaRPr lang="en-US" altLang="zh-CN"/>
+              </a:p>
+            </p:txBody>
+          </p:sp>
+          <p:sp>
+            <p:nvSpPr>
+              <p:cNvPr id="6" name="椭圆 5"/>
+              <p:cNvSpPr/>
+              <p:nvPr/>
+            </p:nvSpPr>
+            <p:spPr>
+              <a:xfrm>
+                <a:off x="4099" y="3298"/>
+                <a:ext cx="727" cy="727"/>
+              </a:xfrm>
+              <a:prstGeom prst="ellipse">
+                <a:avLst/>
+              </a:prstGeom>
+            </p:spPr>
+            <p:style>
+              <a:lnRef idx="2">
+                <a:schemeClr val="accent1"/>
+              </a:lnRef>
+              <a:fillRef idx="1">
+                <a:schemeClr val="lt1"/>
+              </a:fillRef>
+              <a:effectRef idx="0">
+                <a:schemeClr val="accent1"/>
+              </a:effectRef>
+              <a:fontRef idx="minor">
+                <a:schemeClr val="dk1"/>
+              </a:fontRef>
+            </p:style>
+            <p:txBody>
+              <a:bodyPr rtlCol="0" anchor="ctr"/>
+              <a:p>
+                <a:pPr algn="ctr"/>
+                <a:r>
+                  <a:rPr lang="en-US" altLang="zh-CN"/>
+                  <a:t>1</a:t>
+                </a:r>
+                <a:endParaRPr lang="en-US" altLang="zh-CN"/>
+              </a:p>
+            </p:txBody>
+          </p:sp>
+          <p:sp>
+            <p:nvSpPr>
+              <p:cNvPr id="7" name="椭圆 6"/>
+              <p:cNvSpPr/>
+              <p:nvPr/>
+            </p:nvSpPr>
+            <p:spPr>
+              <a:xfrm>
+                <a:off x="2311" y="5944"/>
+                <a:ext cx="727" cy="727"/>
+              </a:xfrm>
+              <a:prstGeom prst="ellipse">
+                <a:avLst/>
+              </a:prstGeom>
+            </p:spPr>
+            <p:style>
+              <a:lnRef idx="2">
+                <a:schemeClr val="accent1"/>
+              </a:lnRef>
+              <a:fillRef idx="1">
+                <a:schemeClr val="lt1"/>
+              </a:fillRef>
+              <a:effectRef idx="0">
+                <a:schemeClr val="accent1"/>
+              </a:effectRef>
+              <a:fontRef idx="minor">
+                <a:schemeClr val="dk1"/>
+              </a:fontRef>
+            </p:style>
+            <p:txBody>
+              <a:bodyPr rtlCol="0" anchor="ctr"/>
+              <a:p>
+                <a:pPr algn="ctr"/>
+                <a:r>
+                  <a:rPr lang="en-US" altLang="zh-CN"/>
+                  <a:t>5</a:t>
+                </a:r>
+                <a:endParaRPr lang="en-US" altLang="zh-CN"/>
+              </a:p>
+            </p:txBody>
+          </p:sp>
+          <p:sp>
+            <p:nvSpPr>
+              <p:cNvPr id="8" name="椭圆 7"/>
+              <p:cNvSpPr/>
+              <p:nvPr/>
+            </p:nvSpPr>
+            <p:spPr>
+              <a:xfrm>
+                <a:off x="4099" y="5944"/>
+                <a:ext cx="727" cy="727"/>
+              </a:xfrm>
+              <a:prstGeom prst="ellipse">
+                <a:avLst/>
+              </a:prstGeom>
+            </p:spPr>
+            <p:style>
+              <a:lnRef idx="2">
+                <a:schemeClr val="accent1"/>
+              </a:lnRef>
+              <a:fillRef idx="1">
+                <a:schemeClr val="lt1"/>
+              </a:fillRef>
+              <a:effectRef idx="0">
+                <a:schemeClr val="accent1"/>
+              </a:effectRef>
+              <a:fontRef idx="minor">
+                <a:schemeClr val="dk1"/>
+              </a:fontRef>
+            </p:style>
+            <p:txBody>
+              <a:bodyPr rtlCol="0" anchor="ctr"/>
+              <a:p>
+                <a:pPr algn="ctr"/>
+                <a:r>
+                  <a:rPr lang="en-US" altLang="zh-CN"/>
+                  <a:t>6</a:t>
+                </a:r>
+                <a:endParaRPr lang="en-US" altLang="zh-CN"/>
+              </a:p>
+            </p:txBody>
+          </p:sp>
+          <p:sp>
+            <p:nvSpPr>
+              <p:cNvPr id="9" name="椭圆 8"/>
+              <p:cNvSpPr/>
+              <p:nvPr/>
+            </p:nvSpPr>
+            <p:spPr>
+              <a:xfrm>
+                <a:off x="5160" y="4625"/>
+                <a:ext cx="727" cy="727"/>
+              </a:xfrm>
+              <a:prstGeom prst="ellipse">
+                <a:avLst/>
+              </a:prstGeom>
+            </p:spPr>
+            <p:style>
+              <a:lnRef idx="2">
+                <a:schemeClr val="accent1"/>
+              </a:lnRef>
+              <a:fillRef idx="1">
+                <a:schemeClr val="lt1"/>
+              </a:fillRef>
+              <a:effectRef idx="0">
+                <a:schemeClr val="accent1"/>
+              </a:effectRef>
+              <a:fontRef idx="minor">
+                <a:schemeClr val="dk1"/>
+              </a:fontRef>
+            </p:style>
+            <p:txBody>
+              <a:bodyPr rtlCol="0" anchor="ctr"/>
+              <a:p>
+                <a:pPr algn="ctr"/>
+                <a:r>
+                  <a:rPr lang="en-US" altLang="zh-CN"/>
+                  <a:t>4</a:t>
+                </a:r>
+                <a:endParaRPr lang="en-US" altLang="zh-CN"/>
+              </a:p>
+            </p:txBody>
+          </p:sp>
+          <p:sp>
+            <p:nvSpPr>
+              <p:cNvPr id="10" name="椭圆 9"/>
+              <p:cNvSpPr/>
+              <p:nvPr/>
+            </p:nvSpPr>
+            <p:spPr>
+              <a:xfrm>
+                <a:off x="3175" y="4625"/>
+                <a:ext cx="727" cy="727"/>
+              </a:xfrm>
+              <a:prstGeom prst="ellipse">
+                <a:avLst/>
+              </a:prstGeom>
+            </p:spPr>
+            <p:style>
+              <a:lnRef idx="2">
+                <a:schemeClr val="accent1"/>
+              </a:lnRef>
+              <a:fillRef idx="1">
+                <a:schemeClr val="lt1"/>
+              </a:fillRef>
+              <a:effectRef idx="0">
+                <a:schemeClr val="accent1"/>
+              </a:effectRef>
+              <a:fontRef idx="minor">
+                <a:schemeClr val="dk1"/>
+              </a:fontRef>
+            </p:style>
+            <p:txBody>
+              <a:bodyPr rtlCol="0" anchor="ctr"/>
+              <a:p>
+                <a:pPr algn="ctr"/>
+                <a:r>
+                  <a:rPr lang="en-US" altLang="zh-CN"/>
+                  <a:t>3</a:t>
+                </a:r>
+                <a:endParaRPr lang="en-US" altLang="zh-CN"/>
+              </a:p>
+            </p:txBody>
+          </p:sp>
+        </p:grpSp>
+        <p:cxnSp>
+          <p:nvCxnSpPr>
+            <p:cNvPr id="12" name="直接箭头连接符 11"/>
+            <p:cNvCxnSpPr>
+              <a:stCxn id="4" idx="6"/>
+              <a:endCxn id="6" idx="2"/>
+            </p:cNvCxnSpPr>
+            <p:nvPr/>
+          </p:nvCxnSpPr>
+          <p:spPr>
+            <a:xfrm>
+              <a:off x="2664" y="3243"/>
+              <a:ext cx="1061" cy="0"/>
+            </a:xfrm>
+            <a:prstGeom prst="straightConnector1">
+              <a:avLst/>
+            </a:prstGeom>
+            <a:ln w="38100">
+              <a:tailEnd type="arrow"/>
+            </a:ln>
+          </p:spPr>
+          <p:style>
+            <a:lnRef idx="1">
+              <a:schemeClr val="accent1"/>
+            </a:lnRef>
+            <a:fillRef idx="0">
+              <a:schemeClr val="accent1"/>
+            </a:fillRef>
+            <a:effectRef idx="0">
+              <a:schemeClr val="accent1"/>
+            </a:effectRef>
+            <a:fontRef idx="minor">
+              <a:schemeClr val="tx1"/>
+            </a:fontRef>
+          </p:style>
+        </p:cxnSp>
+        <p:cxnSp>
+          <p:nvCxnSpPr>
+            <p:cNvPr id="13" name="直接箭头连接符 12"/>
+            <p:cNvCxnSpPr>
+              <a:stCxn id="6" idx="5"/>
+              <a:endCxn id="9" idx="1"/>
+            </p:cNvCxnSpPr>
+            <p:nvPr/>
+          </p:nvCxnSpPr>
+          <p:spPr>
+            <a:xfrm>
+              <a:off x="4346" y="3500"/>
+              <a:ext cx="546" cy="812"/>
+            </a:xfrm>
+            <a:prstGeom prst="straightConnector1">
+              <a:avLst/>
+            </a:prstGeom>
+            <a:ln w="38100">
+              <a:tailEnd type="arrow"/>
+            </a:ln>
+          </p:spPr>
+          <p:style>
+            <a:lnRef idx="1">
+              <a:schemeClr val="accent1"/>
+            </a:lnRef>
+            <a:fillRef idx="0">
+              <a:schemeClr val="accent1"/>
+            </a:fillRef>
+            <a:effectRef idx="0">
+              <a:schemeClr val="accent1"/>
+            </a:effectRef>
+            <a:fontRef idx="minor">
+              <a:schemeClr val="tx1"/>
+            </a:fontRef>
+          </p:style>
+        </p:cxnSp>
+        <p:cxnSp>
+          <p:nvCxnSpPr>
+            <p:cNvPr id="14" name="直接箭头连接符 13"/>
+            <p:cNvCxnSpPr>
+              <a:stCxn id="6" idx="3"/>
+              <a:endCxn id="10" idx="7"/>
+            </p:cNvCxnSpPr>
+            <p:nvPr/>
+          </p:nvCxnSpPr>
+          <p:spPr>
+            <a:xfrm flipH="1">
+              <a:off x="3422" y="3500"/>
+              <a:ext cx="409" cy="812"/>
+            </a:xfrm>
+            <a:prstGeom prst="straightConnector1">
+              <a:avLst/>
+            </a:prstGeom>
+            <a:ln w="38100">
+              <a:tailEnd type="arrow"/>
+            </a:ln>
+          </p:spPr>
+          <p:style>
+            <a:lnRef idx="1">
+              <a:schemeClr val="accent1"/>
+            </a:lnRef>
+            <a:fillRef idx="0">
+              <a:schemeClr val="accent1"/>
+            </a:fillRef>
+            <a:effectRef idx="0">
+              <a:schemeClr val="accent1"/>
+            </a:effectRef>
+            <a:fontRef idx="minor">
+              <a:schemeClr val="tx1"/>
+            </a:fontRef>
+          </p:style>
+        </p:cxnSp>
+        <p:cxnSp>
+          <p:nvCxnSpPr>
+            <p:cNvPr id="15" name="直接箭头连接符 14"/>
+            <p:cNvCxnSpPr>
+              <a:stCxn id="4" idx="3"/>
+              <a:endCxn id="5" idx="7"/>
+            </p:cNvCxnSpPr>
+            <p:nvPr/>
+          </p:nvCxnSpPr>
+          <p:spPr>
+            <a:xfrm flipH="1">
+              <a:off x="1304" y="3500"/>
+              <a:ext cx="739" cy="812"/>
+            </a:xfrm>
+            <a:prstGeom prst="straightConnector1">
+              <a:avLst/>
+            </a:prstGeom>
+            <a:ln w="38100">
+              <a:tailEnd type="arrow"/>
+            </a:ln>
+          </p:spPr>
+          <p:style>
+            <a:lnRef idx="1">
+              <a:schemeClr val="accent1"/>
+            </a:lnRef>
+            <a:fillRef idx="0">
+              <a:schemeClr val="accent1"/>
+            </a:fillRef>
+            <a:effectRef idx="0">
+              <a:schemeClr val="accent1"/>
+            </a:effectRef>
+            <a:fontRef idx="minor">
+              <a:schemeClr val="tx1"/>
+            </a:fontRef>
+          </p:style>
+        </p:cxnSp>
+        <p:cxnSp>
+          <p:nvCxnSpPr>
+            <p:cNvPr id="16" name="直接箭头连接符 15"/>
+            <p:cNvCxnSpPr>
+              <a:stCxn id="4" idx="5"/>
+              <a:endCxn id="10" idx="1"/>
+            </p:cNvCxnSpPr>
+            <p:nvPr/>
+          </p:nvCxnSpPr>
+          <p:spPr>
+            <a:xfrm>
+              <a:off x="2558" y="3500"/>
+              <a:ext cx="349" cy="812"/>
+            </a:xfrm>
+            <a:prstGeom prst="straightConnector1">
+              <a:avLst/>
+            </a:prstGeom>
+            <a:ln w="38100">
+              <a:tailEnd type="arrow"/>
+            </a:ln>
+          </p:spPr>
+          <p:style>
+            <a:lnRef idx="1">
+              <a:schemeClr val="accent1"/>
+            </a:lnRef>
+            <a:fillRef idx="0">
+              <a:schemeClr val="accent1"/>
+            </a:fillRef>
+            <a:effectRef idx="0">
+              <a:schemeClr val="accent1"/>
+            </a:effectRef>
+            <a:fontRef idx="minor">
+              <a:schemeClr val="tx1"/>
+            </a:fontRef>
+          </p:style>
+        </p:cxnSp>
+        <p:cxnSp>
+          <p:nvCxnSpPr>
+            <p:cNvPr id="17" name="直接箭头连接符 16"/>
+            <p:cNvCxnSpPr>
+              <a:stCxn id="10" idx="2"/>
+              <a:endCxn id="5" idx="6"/>
+            </p:cNvCxnSpPr>
+            <p:nvPr/>
+          </p:nvCxnSpPr>
+          <p:spPr>
+            <a:xfrm flipH="1">
+              <a:off x="1410" y="4570"/>
+              <a:ext cx="1391" cy="0"/>
+            </a:xfrm>
+            <a:prstGeom prst="straightConnector1">
+              <a:avLst/>
+            </a:prstGeom>
+            <a:ln w="38100">
+              <a:tailEnd type="arrow"/>
+            </a:ln>
+          </p:spPr>
+          <p:style>
+            <a:lnRef idx="1">
+              <a:schemeClr val="accent1"/>
+            </a:lnRef>
+            <a:fillRef idx="0">
+              <a:schemeClr val="accent1"/>
+            </a:fillRef>
+            <a:effectRef idx="0">
+              <a:schemeClr val="accent1"/>
+            </a:effectRef>
+            <a:fontRef idx="minor">
+              <a:schemeClr val="tx1"/>
+            </a:fontRef>
+          </p:style>
+        </p:cxnSp>
+        <p:cxnSp>
+          <p:nvCxnSpPr>
+            <p:cNvPr id="18" name="直接箭头连接符 17"/>
+            <p:cNvCxnSpPr>
+              <a:stCxn id="10" idx="3"/>
+              <a:endCxn id="7" idx="7"/>
+            </p:cNvCxnSpPr>
+            <p:nvPr/>
+          </p:nvCxnSpPr>
+          <p:spPr>
+            <a:xfrm flipH="1">
+              <a:off x="2558" y="4827"/>
+              <a:ext cx="349" cy="804"/>
+            </a:xfrm>
+            <a:prstGeom prst="straightConnector1">
+              <a:avLst/>
+            </a:prstGeom>
+            <a:ln w="38100">
+              <a:tailEnd type="arrow"/>
+            </a:ln>
+          </p:spPr>
+          <p:style>
+            <a:lnRef idx="1">
+              <a:schemeClr val="accent1"/>
+            </a:lnRef>
+            <a:fillRef idx="0">
+              <a:schemeClr val="accent1"/>
+            </a:fillRef>
+            <a:effectRef idx="0">
+              <a:schemeClr val="accent1"/>
+            </a:effectRef>
+            <a:fontRef idx="minor">
+              <a:schemeClr val="tx1"/>
+            </a:fontRef>
+          </p:style>
+        </p:cxnSp>
+        <p:cxnSp>
+          <p:nvCxnSpPr>
+            <p:cNvPr id="19" name="直接箭头连接符 18"/>
+            <p:cNvCxnSpPr>
+              <a:stCxn id="10" idx="5"/>
+              <a:endCxn id="8" idx="1"/>
+            </p:cNvCxnSpPr>
+            <p:nvPr/>
+          </p:nvCxnSpPr>
+          <p:spPr>
+            <a:xfrm>
+              <a:off x="3422" y="4827"/>
+              <a:ext cx="409" cy="804"/>
+            </a:xfrm>
+            <a:prstGeom prst="straightConnector1">
+              <a:avLst/>
+            </a:prstGeom>
+            <a:ln w="38100">
+              <a:tailEnd type="arrow"/>
+            </a:ln>
+          </p:spPr>
+          <p:style>
+            <a:lnRef idx="1">
+              <a:schemeClr val="accent1"/>
+            </a:lnRef>
+            <a:fillRef idx="0">
+              <a:schemeClr val="accent1"/>
+            </a:fillRef>
+            <a:effectRef idx="0">
+              <a:schemeClr val="accent1"/>
+            </a:effectRef>
+            <a:fontRef idx="minor">
+              <a:schemeClr val="tx1"/>
+            </a:fontRef>
+          </p:style>
+        </p:cxnSp>
+        <p:cxnSp>
+          <p:nvCxnSpPr>
+            <p:cNvPr id="20" name="直接箭头连接符 19"/>
+            <p:cNvCxnSpPr>
+              <a:stCxn id="8" idx="2"/>
+              <a:endCxn id="7" idx="6"/>
+            </p:cNvCxnSpPr>
+            <p:nvPr/>
+          </p:nvCxnSpPr>
+          <p:spPr>
+            <a:xfrm flipH="1">
+              <a:off x="2664" y="5889"/>
+              <a:ext cx="1061" cy="0"/>
+            </a:xfrm>
+            <a:prstGeom prst="straightConnector1">
+              <a:avLst/>
+            </a:prstGeom>
+            <a:ln w="38100">
+              <a:tailEnd type="arrow"/>
+            </a:ln>
+          </p:spPr>
+          <p:style>
+            <a:lnRef idx="1">
+              <a:schemeClr val="accent1"/>
+            </a:lnRef>
+            <a:fillRef idx="0">
+              <a:schemeClr val="accent1"/>
+            </a:fillRef>
+            <a:effectRef idx="0">
+              <a:schemeClr val="accent1"/>
+            </a:effectRef>
+            <a:fontRef idx="minor">
+              <a:schemeClr val="tx1"/>
+            </a:fontRef>
+          </p:style>
+        </p:cxnSp>
+        <p:cxnSp>
+          <p:nvCxnSpPr>
+            <p:cNvPr id="21" name="直接箭头连接符 20"/>
+            <p:cNvCxnSpPr>
+              <a:stCxn id="9" idx="3"/>
+              <a:endCxn id="8" idx="7"/>
+            </p:cNvCxnSpPr>
+            <p:nvPr/>
+          </p:nvCxnSpPr>
+          <p:spPr>
+            <a:xfrm flipH="1">
+              <a:off x="4346" y="4827"/>
+              <a:ext cx="546" cy="804"/>
+            </a:xfrm>
+            <a:prstGeom prst="straightConnector1">
+              <a:avLst/>
+            </a:prstGeom>
+            <a:ln w="38100">
+              <a:tailEnd type="arrow"/>
+            </a:ln>
+          </p:spPr>
+          <p:style>
+            <a:lnRef idx="1">
+              <a:schemeClr val="accent1"/>
+            </a:lnRef>
+            <a:fillRef idx="0">
+              <a:schemeClr val="accent1"/>
+            </a:fillRef>
+            <a:effectRef idx="0">
+              <a:schemeClr val="accent1"/>
+            </a:effectRef>
+            <a:fontRef idx="minor">
+              <a:schemeClr val="tx1"/>
+            </a:fontRef>
+          </p:style>
+        </p:cxnSp>
+        <p:cxnSp>
+          <p:nvCxnSpPr>
+            <p:cNvPr id="22" name="直接箭头连接符 21"/>
+            <p:cNvCxnSpPr>
+              <a:stCxn id="9" idx="2"/>
+              <a:endCxn id="10" idx="6"/>
+            </p:cNvCxnSpPr>
+            <p:nvPr/>
+          </p:nvCxnSpPr>
+          <p:spPr>
+            <a:xfrm flipH="1">
+              <a:off x="3528" y="4570"/>
+              <a:ext cx="1258" cy="0"/>
+            </a:xfrm>
+            <a:prstGeom prst="straightConnector1">
+              <a:avLst/>
+            </a:prstGeom>
+            <a:ln w="38100">
+              <a:tailEnd type="arrow"/>
+            </a:ln>
+          </p:spPr>
+          <p:style>
+            <a:lnRef idx="1">
+              <a:schemeClr val="accent1"/>
+            </a:lnRef>
+            <a:fillRef idx="0">
+              <a:schemeClr val="accent1"/>
+            </a:fillRef>
+            <a:effectRef idx="0">
+              <a:schemeClr val="accent1"/>
+            </a:effectRef>
+            <a:fontRef idx="minor">
+              <a:schemeClr val="tx1"/>
+            </a:fontRef>
+          </p:style>
+        </p:cxnSp>
+        <p:cxnSp>
+          <p:nvCxnSpPr>
+            <p:cNvPr id="23" name="直接箭头连接符 22"/>
+            <p:cNvCxnSpPr>
+              <a:stCxn id="5" idx="5"/>
+              <a:endCxn id="7" idx="1"/>
+            </p:cNvCxnSpPr>
+            <p:nvPr/>
+          </p:nvCxnSpPr>
+          <p:spPr>
+            <a:xfrm>
+              <a:off x="1304" y="4827"/>
+              <a:ext cx="739" cy="804"/>
+            </a:xfrm>
+            <a:prstGeom prst="straightConnector1">
+              <a:avLst/>
+            </a:prstGeom>
+            <a:ln w="38100">
+              <a:tailEnd type="arrow"/>
+            </a:ln>
+          </p:spPr>
+          <p:style>
+            <a:lnRef idx="1">
+              <a:schemeClr val="accent1"/>
+            </a:lnRef>
+            <a:fillRef idx="0">
+              <a:schemeClr val="accent1"/>
+            </a:fillRef>
+            <a:effectRef idx="0">
+              <a:schemeClr val="accent1"/>
+            </a:effectRef>
+            <a:fontRef idx="minor">
+              <a:schemeClr val="tx1"/>
+            </a:fontRef>
+          </p:style>
+        </p:cxnSp>
+      </p:grpSp>
+    </p:spTree>
+  </p:cSld>
+  <p:clrMapOvr>
+    <a:masterClrMapping/>
+  </p:clrMapOvr>
+</p:sld>
+</file>
+
+<file path=ppt/slides/slide29.xml><?xml version="1.0" encoding="utf-8"?>
+<p:sld xmlns:a="http://schemas.openxmlformats.org/drawingml/2006/main" xmlns:r="http://schemas.openxmlformats.org/officeDocument/2006/relationships" xmlns:p="http://schemas.openxmlformats.org/presentationml/2006/main">
+  <p:cSld>
+    <p:spTree>
+      <p:nvGrpSpPr>
+        <p:cNvPr id="1" name=""/>
+        <p:cNvGrpSpPr/>
+        <p:nvPr/>
+      </p:nvGrpSpPr>
+      <p:grpSpPr/>
+      <p:sp>
+        <p:nvSpPr>
+          <p:cNvPr id="2" name="标题 1"/>
+          <p:cNvSpPr>
+            <a:spLocks noGrp="1"/>
+          </p:cNvSpPr>
+          <p:nvPr>
+            <p:ph type="title"/>
+          </p:nvPr>
+        </p:nvSpPr>
+        <p:spPr>
+          <a:xfrm>
+            <a:off x="838200" y="365125"/>
+            <a:ext cx="10515600" cy="1325563"/>
+          </a:xfrm>
+        </p:spPr>
+        <p:txBody>
+          <a:bodyPr/>
+          <a:p>
+            <a:r>
+              <a:rPr lang="zh-CN" altLang="en-US"/>
+              <a:t>无权最短路径</a:t>
+            </a:r>
+            <a:endParaRPr lang="zh-CN" altLang="en-US"/>
+          </a:p>
+        </p:txBody>
+      </p:sp>
+      <p:grpSp>
+        <p:nvGrpSpPr>
+          <p:cNvPr id="24" name="组合 23"/>
+          <p:cNvGrpSpPr/>
+          <p:nvPr/>
+        </p:nvGrpSpPr>
+        <p:grpSpPr>
+          <a:xfrm>
+            <a:off x="294005" y="2527300"/>
+            <a:ext cx="3066415" cy="2141220"/>
+            <a:chOff x="683" y="2879"/>
+            <a:chExt cx="4829" cy="3372"/>
+          </a:xfrm>
+        </p:grpSpPr>
+        <p:grpSp>
+          <p:nvGrpSpPr>
+            <p:cNvPr id="11" name="组合 10"/>
+            <p:cNvGrpSpPr/>
+            <p:nvPr/>
+          </p:nvGrpSpPr>
+          <p:grpSpPr>
+            <a:xfrm>
+              <a:off x="683" y="2879"/>
+              <a:ext cx="4829" cy="3372"/>
+              <a:chOff x="1057" y="3298"/>
+              <a:chExt cx="4829" cy="3372"/>
+            </a:xfrm>
+          </p:grpSpPr>
+          <p:sp>
+            <p:nvSpPr>
+              <p:cNvPr id="4" name="椭圆 3"/>
+              <p:cNvSpPr/>
+              <p:nvPr/>
+            </p:nvSpPr>
+            <p:spPr>
+              <a:xfrm>
+                <a:off x="2311" y="3298"/>
+                <a:ext cx="727" cy="727"/>
+              </a:xfrm>
+              <a:prstGeom prst="ellipse">
+                <a:avLst/>
+              </a:prstGeom>
+            </p:spPr>
+            <p:style>
+              <a:lnRef idx="2">
+                <a:schemeClr val="accent1"/>
+              </a:lnRef>
+              <a:fillRef idx="1">
+                <a:schemeClr val="lt1"/>
+              </a:fillRef>
+              <a:effectRef idx="0">
+                <a:schemeClr val="accent1"/>
+              </a:effectRef>
+              <a:fontRef idx="minor">
+                <a:schemeClr val="dk1"/>
+              </a:fontRef>
+            </p:style>
+            <p:txBody>
+              <a:bodyPr rtlCol="0" anchor="ctr"/>
+              <a:p>
+                <a:pPr algn="ctr"/>
+                <a:r>
+                  <a:rPr lang="en-US" altLang="zh-CN"/>
+                  <a:t>0</a:t>
+                </a:r>
+                <a:endParaRPr lang="en-US" altLang="zh-CN"/>
+              </a:p>
+            </p:txBody>
+          </p:sp>
+          <p:sp>
+            <p:nvSpPr>
+              <p:cNvPr id="5" name="椭圆 4"/>
+              <p:cNvSpPr/>
+              <p:nvPr/>
+            </p:nvSpPr>
+            <p:spPr>
+              <a:xfrm>
+                <a:off x="1057" y="4625"/>
+                <a:ext cx="727" cy="727"/>
+              </a:xfrm>
+              <a:prstGeom prst="ellipse">
+                <a:avLst/>
+              </a:prstGeom>
+            </p:spPr>
+            <p:style>
+              <a:lnRef idx="2">
+                <a:schemeClr val="accent1"/>
+              </a:lnRef>
+              <a:fillRef idx="1">
+                <a:schemeClr val="lt1"/>
+              </a:fillRef>
+              <a:effectRef idx="0">
+                <a:schemeClr val="accent1"/>
+              </a:effectRef>
+              <a:fontRef idx="minor">
+                <a:schemeClr val="dk1"/>
+              </a:fontRef>
+            </p:style>
+            <p:txBody>
+              <a:bodyPr rtlCol="0" anchor="ctr"/>
+              <a:p>
+                <a:pPr algn="ctr"/>
+                <a:r>
+                  <a:rPr lang="en-US" altLang="zh-CN"/>
+                  <a:t>2</a:t>
+                </a:r>
+                <a:endParaRPr lang="en-US" altLang="zh-CN"/>
+              </a:p>
+            </p:txBody>
+          </p:sp>
+          <p:sp>
+            <p:nvSpPr>
+              <p:cNvPr id="6" name="椭圆 5"/>
+              <p:cNvSpPr/>
+              <p:nvPr/>
+            </p:nvSpPr>
+            <p:spPr>
+              <a:xfrm>
+                <a:off x="4099" y="3298"/>
+                <a:ext cx="727" cy="727"/>
+              </a:xfrm>
+              <a:prstGeom prst="ellipse">
+                <a:avLst/>
+              </a:prstGeom>
+            </p:spPr>
+            <p:style>
+              <a:lnRef idx="2">
+                <a:schemeClr val="accent1"/>
+              </a:lnRef>
+              <a:fillRef idx="1">
+                <a:schemeClr val="lt1"/>
+              </a:fillRef>
+              <a:effectRef idx="0">
+                <a:schemeClr val="accent1"/>
+              </a:effectRef>
+              <a:fontRef idx="minor">
+                <a:schemeClr val="dk1"/>
+              </a:fontRef>
+            </p:style>
+            <p:txBody>
+              <a:bodyPr rtlCol="0" anchor="ctr"/>
+              <a:p>
+                <a:pPr algn="ctr"/>
+                <a:r>
+                  <a:rPr lang="en-US" altLang="zh-CN"/>
+                  <a:t>1</a:t>
+                </a:r>
+                <a:endParaRPr lang="en-US" altLang="zh-CN"/>
+              </a:p>
+            </p:txBody>
+          </p:sp>
+          <p:sp>
+            <p:nvSpPr>
+              <p:cNvPr id="7" name="椭圆 6"/>
+              <p:cNvSpPr/>
+              <p:nvPr/>
+            </p:nvSpPr>
+            <p:spPr>
+              <a:xfrm>
+                <a:off x="2311" y="5944"/>
+                <a:ext cx="727" cy="727"/>
+              </a:xfrm>
+              <a:prstGeom prst="ellipse">
+                <a:avLst/>
+              </a:prstGeom>
+            </p:spPr>
+            <p:style>
+              <a:lnRef idx="2">
+                <a:schemeClr val="accent1"/>
+              </a:lnRef>
+              <a:fillRef idx="1">
+                <a:schemeClr val="lt1"/>
+              </a:fillRef>
+              <a:effectRef idx="0">
+                <a:schemeClr val="accent1"/>
+              </a:effectRef>
+              <a:fontRef idx="minor">
+                <a:schemeClr val="dk1"/>
+              </a:fontRef>
+            </p:style>
+            <p:txBody>
+              <a:bodyPr rtlCol="0" anchor="ctr"/>
+              <a:p>
+                <a:pPr algn="ctr"/>
+                <a:r>
+                  <a:rPr lang="en-US" altLang="zh-CN"/>
+                  <a:t>5</a:t>
+                </a:r>
+                <a:endParaRPr lang="en-US" altLang="zh-CN"/>
+              </a:p>
+            </p:txBody>
+          </p:sp>
+          <p:sp>
+            <p:nvSpPr>
+              <p:cNvPr id="8" name="椭圆 7"/>
+              <p:cNvSpPr/>
+              <p:nvPr/>
+            </p:nvSpPr>
+            <p:spPr>
+              <a:xfrm>
+                <a:off x="4099" y="5944"/>
+                <a:ext cx="727" cy="727"/>
+              </a:xfrm>
+              <a:prstGeom prst="ellipse">
+                <a:avLst/>
+              </a:prstGeom>
+            </p:spPr>
+            <p:style>
+              <a:lnRef idx="2">
+                <a:schemeClr val="accent1"/>
+              </a:lnRef>
+              <a:fillRef idx="1">
+                <a:schemeClr val="lt1"/>
+              </a:fillRef>
+              <a:effectRef idx="0">
+                <a:schemeClr val="accent1"/>
+              </a:effectRef>
+              <a:fontRef idx="minor">
+                <a:schemeClr val="dk1"/>
+              </a:fontRef>
+            </p:style>
+            <p:txBody>
+              <a:bodyPr rtlCol="0" anchor="ctr"/>
+              <a:p>
+                <a:pPr algn="ctr"/>
+                <a:r>
+                  <a:rPr lang="en-US" altLang="zh-CN"/>
+                  <a:t>6</a:t>
+                </a:r>
+                <a:endParaRPr lang="en-US" altLang="zh-CN"/>
+              </a:p>
+            </p:txBody>
+          </p:sp>
+          <p:sp>
+            <p:nvSpPr>
+              <p:cNvPr id="9" name="椭圆 8"/>
+              <p:cNvSpPr/>
+              <p:nvPr/>
+            </p:nvSpPr>
+            <p:spPr>
+              <a:xfrm>
+                <a:off x="5160" y="4625"/>
+                <a:ext cx="727" cy="727"/>
+              </a:xfrm>
+              <a:prstGeom prst="ellipse">
+                <a:avLst/>
+              </a:prstGeom>
+            </p:spPr>
+            <p:style>
+              <a:lnRef idx="2">
+                <a:schemeClr val="accent1"/>
+              </a:lnRef>
+              <a:fillRef idx="1">
+                <a:schemeClr val="lt1"/>
+              </a:fillRef>
+              <a:effectRef idx="0">
+                <a:schemeClr val="accent1"/>
+              </a:effectRef>
+              <a:fontRef idx="minor">
+                <a:schemeClr val="dk1"/>
+              </a:fontRef>
+            </p:style>
+            <p:txBody>
+              <a:bodyPr rtlCol="0" anchor="ctr"/>
+              <a:p>
+                <a:pPr algn="ctr"/>
+                <a:r>
+                  <a:rPr lang="en-US" altLang="zh-CN"/>
+                  <a:t>4</a:t>
+                </a:r>
+                <a:endParaRPr lang="en-US" altLang="zh-CN"/>
+              </a:p>
+            </p:txBody>
+          </p:sp>
+          <p:sp>
+            <p:nvSpPr>
+              <p:cNvPr id="10" name="椭圆 9"/>
+              <p:cNvSpPr/>
+              <p:nvPr/>
+            </p:nvSpPr>
+            <p:spPr>
+              <a:xfrm>
+                <a:off x="3175" y="4625"/>
+                <a:ext cx="727" cy="727"/>
+              </a:xfrm>
+              <a:prstGeom prst="ellipse">
+                <a:avLst/>
+              </a:prstGeom>
+            </p:spPr>
+            <p:style>
+              <a:lnRef idx="2">
+                <a:schemeClr val="accent1"/>
+              </a:lnRef>
+              <a:fillRef idx="1">
+                <a:schemeClr val="lt1"/>
+              </a:fillRef>
+              <a:effectRef idx="0">
+                <a:schemeClr val="accent1"/>
+              </a:effectRef>
+              <a:fontRef idx="minor">
+                <a:schemeClr val="dk1"/>
+              </a:fontRef>
+            </p:style>
+            <p:txBody>
+              <a:bodyPr rtlCol="0" anchor="ctr"/>
+              <a:p>
+                <a:pPr algn="ctr"/>
+                <a:r>
+                  <a:rPr lang="en-US" altLang="zh-CN"/>
+                  <a:t>3</a:t>
+                </a:r>
+                <a:endParaRPr lang="en-US" altLang="zh-CN"/>
+              </a:p>
+            </p:txBody>
+          </p:sp>
+        </p:grpSp>
+        <p:cxnSp>
+          <p:nvCxnSpPr>
+            <p:cNvPr id="12" name="直接箭头连接符 11"/>
+            <p:cNvCxnSpPr>
+              <a:stCxn id="4" idx="6"/>
+              <a:endCxn id="6" idx="2"/>
+            </p:cNvCxnSpPr>
+            <p:nvPr/>
+          </p:nvCxnSpPr>
+          <p:spPr>
+            <a:xfrm>
+              <a:off x="2664" y="3243"/>
+              <a:ext cx="1061" cy="0"/>
+            </a:xfrm>
+            <a:prstGeom prst="straightConnector1">
+              <a:avLst/>
+            </a:prstGeom>
+            <a:ln w="38100">
+              <a:tailEnd type="arrow"/>
+            </a:ln>
+          </p:spPr>
+          <p:style>
+            <a:lnRef idx="1">
+              <a:schemeClr val="accent1"/>
+            </a:lnRef>
+            <a:fillRef idx="0">
+              <a:schemeClr val="accent1"/>
+            </a:fillRef>
+            <a:effectRef idx="0">
+              <a:schemeClr val="accent1"/>
+            </a:effectRef>
+            <a:fontRef idx="minor">
+              <a:schemeClr val="tx1"/>
+            </a:fontRef>
+          </p:style>
+        </p:cxnSp>
+        <p:cxnSp>
+          <p:nvCxnSpPr>
+            <p:cNvPr id="13" name="直接箭头连接符 12"/>
+            <p:cNvCxnSpPr>
+              <a:stCxn id="6" idx="5"/>
+              <a:endCxn id="9" idx="1"/>
+            </p:cNvCxnSpPr>
+            <p:nvPr/>
+          </p:nvCxnSpPr>
+          <p:spPr>
+            <a:xfrm>
+              <a:off x="4346" y="3500"/>
+              <a:ext cx="546" cy="812"/>
+            </a:xfrm>
+            <a:prstGeom prst="straightConnector1">
+              <a:avLst/>
+            </a:prstGeom>
+            <a:ln w="38100">
+              <a:tailEnd type="arrow"/>
+            </a:ln>
+          </p:spPr>
+          <p:style>
+            <a:lnRef idx="1">
+              <a:schemeClr val="accent1"/>
+            </a:lnRef>
+            <a:fillRef idx="0">
+              <a:schemeClr val="accent1"/>
+            </a:fillRef>
+            <a:effectRef idx="0">
+              <a:schemeClr val="accent1"/>
+            </a:effectRef>
+            <a:fontRef idx="minor">
+              <a:schemeClr val="tx1"/>
+            </a:fontRef>
+          </p:style>
+        </p:cxnSp>
+        <p:cxnSp>
+          <p:nvCxnSpPr>
+            <p:cNvPr id="14" name="直接箭头连接符 13"/>
+            <p:cNvCxnSpPr>
+              <a:stCxn id="6" idx="3"/>
+              <a:endCxn id="10" idx="7"/>
+            </p:cNvCxnSpPr>
+            <p:nvPr/>
+          </p:nvCxnSpPr>
+          <p:spPr>
+            <a:xfrm flipH="1">
+              <a:off x="3422" y="3500"/>
+              <a:ext cx="409" cy="812"/>
+            </a:xfrm>
+            <a:prstGeom prst="straightConnector1">
+              <a:avLst/>
+            </a:prstGeom>
+            <a:ln w="38100">
+              <a:tailEnd type="arrow"/>
+            </a:ln>
+          </p:spPr>
+          <p:style>
+            <a:lnRef idx="1">
+              <a:schemeClr val="accent1"/>
+            </a:lnRef>
+            <a:fillRef idx="0">
+              <a:schemeClr val="accent1"/>
+            </a:fillRef>
+            <a:effectRef idx="0">
+              <a:schemeClr val="accent1"/>
+            </a:effectRef>
+            <a:fontRef idx="minor">
+              <a:schemeClr val="tx1"/>
+            </a:fontRef>
+          </p:style>
+        </p:cxnSp>
+        <p:cxnSp>
+          <p:nvCxnSpPr>
+            <p:cNvPr id="15" name="直接箭头连接符 14"/>
+            <p:cNvCxnSpPr>
+              <a:stCxn id="5" idx="7"/>
+              <a:endCxn id="4" idx="3"/>
+            </p:cNvCxnSpPr>
+            <p:nvPr/>
+          </p:nvCxnSpPr>
+          <p:spPr>
+            <a:xfrm flipV="1">
+              <a:off x="1304" y="3500"/>
+              <a:ext cx="739" cy="812"/>
+            </a:xfrm>
+            <a:prstGeom prst="straightConnector1">
+              <a:avLst/>
+            </a:prstGeom>
+            <a:ln w="38100">
+              <a:tailEnd type="arrow"/>
+            </a:ln>
+          </p:spPr>
+          <p:style>
+            <a:lnRef idx="1">
+              <a:schemeClr val="accent1"/>
+            </a:lnRef>
+            <a:fillRef idx="0">
+              <a:schemeClr val="accent1"/>
+            </a:fillRef>
+            <a:effectRef idx="0">
+              <a:schemeClr val="accent1"/>
+            </a:effectRef>
+            <a:fontRef idx="minor">
+              <a:schemeClr val="tx1"/>
+            </a:fontRef>
+          </p:style>
+        </p:cxnSp>
+        <p:cxnSp>
+          <p:nvCxnSpPr>
+            <p:cNvPr id="16" name="直接箭头连接符 15"/>
+            <p:cNvCxnSpPr>
+              <a:stCxn id="4" idx="5"/>
+              <a:endCxn id="10" idx="1"/>
+            </p:cNvCxnSpPr>
+            <p:nvPr/>
+          </p:nvCxnSpPr>
+          <p:spPr>
+            <a:xfrm>
+              <a:off x="2558" y="3500"/>
+              <a:ext cx="349" cy="812"/>
+            </a:xfrm>
+            <a:prstGeom prst="straightConnector1">
+              <a:avLst/>
+            </a:prstGeom>
+            <a:ln w="38100">
+              <a:tailEnd type="arrow"/>
+            </a:ln>
+          </p:spPr>
+          <p:style>
+            <a:lnRef idx="1">
+              <a:schemeClr val="accent1"/>
+            </a:lnRef>
+            <a:fillRef idx="0">
+              <a:schemeClr val="accent1"/>
+            </a:fillRef>
+            <a:effectRef idx="0">
+              <a:schemeClr val="accent1"/>
+            </a:effectRef>
+            <a:fontRef idx="minor">
+              <a:schemeClr val="tx1"/>
+            </a:fontRef>
+          </p:style>
+        </p:cxnSp>
+        <p:cxnSp>
+          <p:nvCxnSpPr>
+            <p:cNvPr id="17" name="直接箭头连接符 16"/>
+            <p:cNvCxnSpPr>
+              <a:stCxn id="10" idx="2"/>
+              <a:endCxn id="5" idx="6"/>
+            </p:cNvCxnSpPr>
+            <p:nvPr/>
+          </p:nvCxnSpPr>
+          <p:spPr>
+            <a:xfrm flipH="1">
+              <a:off x="1410" y="4570"/>
+              <a:ext cx="1391" cy="0"/>
+            </a:xfrm>
+            <a:prstGeom prst="straightConnector1">
+              <a:avLst/>
+            </a:prstGeom>
+            <a:ln w="38100">
+              <a:tailEnd type="arrow"/>
+            </a:ln>
+          </p:spPr>
+          <p:style>
+            <a:lnRef idx="1">
+              <a:schemeClr val="accent1"/>
+            </a:lnRef>
+            <a:fillRef idx="0">
+              <a:schemeClr val="accent1"/>
+            </a:fillRef>
+            <a:effectRef idx="0">
+              <a:schemeClr val="accent1"/>
+            </a:effectRef>
+            <a:fontRef idx="minor">
+              <a:schemeClr val="tx1"/>
+            </a:fontRef>
+          </p:style>
+        </p:cxnSp>
+        <p:cxnSp>
+          <p:nvCxnSpPr>
+            <p:cNvPr id="18" name="直接箭头连接符 17"/>
+            <p:cNvCxnSpPr>
+              <a:stCxn id="10" idx="3"/>
+              <a:endCxn id="7" idx="7"/>
+            </p:cNvCxnSpPr>
+            <p:nvPr/>
+          </p:nvCxnSpPr>
+          <p:spPr>
+            <a:xfrm flipH="1">
+              <a:off x="2558" y="4827"/>
+              <a:ext cx="349" cy="804"/>
+            </a:xfrm>
+            <a:prstGeom prst="straightConnector1">
+              <a:avLst/>
+            </a:prstGeom>
+            <a:ln w="38100">
+              <a:tailEnd type="arrow"/>
+            </a:ln>
+          </p:spPr>
+          <p:style>
+            <a:lnRef idx="1">
+              <a:schemeClr val="accent1"/>
+            </a:lnRef>
+            <a:fillRef idx="0">
+              <a:schemeClr val="accent1"/>
+            </a:fillRef>
+            <a:effectRef idx="0">
+              <a:schemeClr val="accent1"/>
+            </a:effectRef>
+            <a:fontRef idx="minor">
+              <a:schemeClr val="tx1"/>
+            </a:fontRef>
+          </p:style>
+        </p:cxnSp>
+        <p:cxnSp>
+          <p:nvCxnSpPr>
+            <p:cNvPr id="19" name="直接箭头连接符 18"/>
+            <p:cNvCxnSpPr>
+              <a:stCxn id="10" idx="5"/>
+              <a:endCxn id="8" idx="1"/>
+            </p:cNvCxnSpPr>
+            <p:nvPr/>
+          </p:nvCxnSpPr>
+          <p:spPr>
+            <a:xfrm>
+              <a:off x="3422" y="4827"/>
+              <a:ext cx="409" cy="804"/>
+            </a:xfrm>
+            <a:prstGeom prst="straightConnector1">
+              <a:avLst/>
+            </a:prstGeom>
+            <a:ln w="38100">
+              <a:tailEnd type="arrow"/>
+            </a:ln>
+          </p:spPr>
+          <p:style>
+            <a:lnRef idx="1">
+              <a:schemeClr val="accent1"/>
+            </a:lnRef>
+            <a:fillRef idx="0">
+              <a:schemeClr val="accent1"/>
+            </a:fillRef>
+            <a:effectRef idx="0">
+              <a:schemeClr val="accent1"/>
+            </a:effectRef>
+            <a:fontRef idx="minor">
+              <a:schemeClr val="tx1"/>
+            </a:fontRef>
+          </p:style>
+        </p:cxnSp>
+        <p:cxnSp>
+          <p:nvCxnSpPr>
+            <p:cNvPr id="20" name="直接箭头连接符 19"/>
+            <p:cNvCxnSpPr>
+              <a:stCxn id="8" idx="2"/>
+              <a:endCxn id="7" idx="6"/>
+            </p:cNvCxnSpPr>
+            <p:nvPr/>
+          </p:nvCxnSpPr>
+          <p:spPr>
+            <a:xfrm flipH="1">
+              <a:off x="2664" y="5889"/>
+              <a:ext cx="1061" cy="0"/>
+            </a:xfrm>
+            <a:prstGeom prst="straightConnector1">
+              <a:avLst/>
+            </a:prstGeom>
+            <a:ln w="38100">
+              <a:tailEnd type="arrow"/>
+            </a:ln>
+          </p:spPr>
+          <p:style>
+            <a:lnRef idx="1">
+              <a:schemeClr val="accent1"/>
+            </a:lnRef>
+            <a:fillRef idx="0">
+              <a:schemeClr val="accent1"/>
+            </a:fillRef>
+            <a:effectRef idx="0">
+              <a:schemeClr val="accent1"/>
+            </a:effectRef>
+            <a:fontRef idx="minor">
+              <a:schemeClr val="tx1"/>
+            </a:fontRef>
+          </p:style>
+        </p:cxnSp>
+        <p:cxnSp>
+          <p:nvCxnSpPr>
+            <p:cNvPr id="21" name="直接箭头连接符 20"/>
+            <p:cNvCxnSpPr>
+              <a:stCxn id="9" idx="3"/>
+              <a:endCxn id="8" idx="7"/>
+            </p:cNvCxnSpPr>
+            <p:nvPr/>
+          </p:nvCxnSpPr>
+          <p:spPr>
+            <a:xfrm flipH="1">
+              <a:off x="4346" y="4827"/>
+              <a:ext cx="546" cy="804"/>
+            </a:xfrm>
+            <a:prstGeom prst="straightConnector1">
+              <a:avLst/>
+            </a:prstGeom>
+            <a:ln w="38100">
+              <a:tailEnd type="arrow"/>
+            </a:ln>
+          </p:spPr>
+          <p:style>
+            <a:lnRef idx="1">
+              <a:schemeClr val="accent1"/>
+            </a:lnRef>
+            <a:fillRef idx="0">
+              <a:schemeClr val="accent1"/>
+            </a:fillRef>
+            <a:effectRef idx="0">
+              <a:schemeClr val="accent1"/>
+            </a:effectRef>
+            <a:fontRef idx="minor">
+              <a:schemeClr val="tx1"/>
+            </a:fontRef>
+          </p:style>
+        </p:cxnSp>
+        <p:cxnSp>
+          <p:nvCxnSpPr>
+            <p:cNvPr id="22" name="直接箭头连接符 21"/>
+            <p:cNvCxnSpPr>
+              <a:stCxn id="10" idx="6"/>
+              <a:endCxn id="9" idx="2"/>
+            </p:cNvCxnSpPr>
+            <p:nvPr/>
+          </p:nvCxnSpPr>
+          <p:spPr>
+            <a:xfrm>
+              <a:off x="3528" y="4570"/>
+              <a:ext cx="1258" cy="0"/>
+            </a:xfrm>
+            <a:prstGeom prst="straightConnector1">
+              <a:avLst/>
+            </a:prstGeom>
+            <a:ln w="38100">
+              <a:tailEnd type="arrow"/>
+            </a:ln>
+          </p:spPr>
+          <p:style>
+            <a:lnRef idx="1">
+              <a:schemeClr val="accent1"/>
+            </a:lnRef>
+            <a:fillRef idx="0">
+              <a:schemeClr val="accent1"/>
+            </a:fillRef>
+            <a:effectRef idx="0">
+              <a:schemeClr val="accent1"/>
+            </a:effectRef>
+            <a:fontRef idx="minor">
+              <a:schemeClr val="tx1"/>
+            </a:fontRef>
+          </p:style>
+        </p:cxnSp>
+        <p:cxnSp>
+          <p:nvCxnSpPr>
+            <p:cNvPr id="23" name="直接箭头连接符 22"/>
+            <p:cNvCxnSpPr>
+              <a:stCxn id="5" idx="5"/>
+              <a:endCxn id="7" idx="1"/>
+            </p:cNvCxnSpPr>
+            <p:nvPr/>
+          </p:nvCxnSpPr>
+          <p:spPr>
+            <a:xfrm>
+              <a:off x="1304" y="4827"/>
+              <a:ext cx="739" cy="804"/>
+            </a:xfrm>
+            <a:prstGeom prst="straightConnector1">
+              <a:avLst/>
+            </a:prstGeom>
+            <a:ln w="38100">
+              <a:tailEnd type="arrow"/>
+            </a:ln>
+          </p:spPr>
+          <p:style>
+            <a:lnRef idx="1">
+              <a:schemeClr val="accent1"/>
+            </a:lnRef>
+            <a:fillRef idx="0">
+              <a:schemeClr val="accent1"/>
+            </a:fillRef>
+            <a:effectRef idx="0">
+              <a:schemeClr val="accent1"/>
+            </a:effectRef>
+            <a:fontRef idx="minor">
+              <a:schemeClr val="tx1"/>
+            </a:fontRef>
+          </p:style>
+        </p:cxnSp>
+      </p:grpSp>
     </p:spTree>
   </p:cSld>
   <p:clrMapOvr>

--- a/课件/课件素材.pptx
+++ b/课件/课件素材.pptx
@@ -37,6 +37,10 @@
     <p:sldId id="303" r:id="rId30"/>
     <p:sldId id="306" r:id="rId31"/>
     <p:sldId id="307" r:id="rId32"/>
+    <p:sldId id="308" r:id="rId33"/>
+    <p:sldId id="312" r:id="rId34"/>
+    <p:sldId id="313" r:id="rId35"/>
+    <p:sldId id="310" r:id="rId36"/>
   </p:sldIdLst>
   <p:sldSz cx="12192000" cy="6858000"/>
   <p:notesSz cx="6858000" cy="9144000"/>
@@ -36384,6 +36388,9214 @@
 </p:sld>
 </file>
 
+<file path=ppt/slides/slide30.xml><?xml version="1.0" encoding="utf-8"?>
+<p:sld xmlns:a="http://schemas.openxmlformats.org/drawingml/2006/main" xmlns:r="http://schemas.openxmlformats.org/officeDocument/2006/relationships" xmlns:p="http://schemas.openxmlformats.org/presentationml/2006/main">
+  <p:cSld>
+    <p:spTree>
+      <p:nvGrpSpPr>
+        <p:cNvPr id="1" name=""/>
+        <p:cNvGrpSpPr/>
+        <p:nvPr/>
+      </p:nvGrpSpPr>
+      <p:grpSpPr/>
+      <p:sp>
+        <p:nvSpPr>
+          <p:cNvPr id="2" name="标题 1"/>
+          <p:cNvSpPr>
+            <a:spLocks noGrp="1"/>
+          </p:cNvSpPr>
+          <p:nvPr>
+            <p:ph type="title"/>
+          </p:nvPr>
+        </p:nvSpPr>
+        <p:spPr>
+          <a:xfrm>
+            <a:off x="251460" y="10795"/>
+            <a:ext cx="10515600" cy="1325563"/>
+          </a:xfrm>
+        </p:spPr>
+        <p:txBody>
+          <a:bodyPr/>
+          <a:p>
+            <a:r>
+              <a:rPr lang="zh-CN" altLang="en-US"/>
+              <a:t>有权最短路径 </a:t>
+            </a:r>
+            <a:r>
+              <a:rPr lang="en-US" altLang="zh-CN"/>
+              <a:t>Dijkstra</a:t>
+            </a:r>
+            <a:r>
+              <a:rPr lang="zh-CN" altLang="en-US"/>
+              <a:t>算法</a:t>
+            </a:r>
+            <a:r>
+              <a:rPr lang="en-US" altLang="zh-CN"/>
+              <a:t>(1/4)</a:t>
+            </a:r>
+            <a:endParaRPr lang="en-US" altLang="zh-CN"/>
+          </a:p>
+        </p:txBody>
+      </p:sp>
+      <p:grpSp>
+        <p:nvGrpSpPr>
+          <p:cNvPr id="37" name="组合 36"/>
+          <p:cNvGrpSpPr/>
+          <p:nvPr/>
+        </p:nvGrpSpPr>
+        <p:grpSpPr>
+          <a:xfrm>
+            <a:off x="251460" y="1227455"/>
+            <a:ext cx="3654425" cy="2545080"/>
+            <a:chOff x="485" y="3320"/>
+            <a:chExt cx="6194" cy="4142"/>
+          </a:xfrm>
+        </p:grpSpPr>
+        <p:grpSp>
+          <p:nvGrpSpPr>
+            <p:cNvPr id="24" name="组合 23"/>
+            <p:cNvGrpSpPr/>
+            <p:nvPr/>
+          </p:nvGrpSpPr>
+          <p:grpSpPr>
+            <a:xfrm>
+              <a:off x="485" y="3364"/>
+              <a:ext cx="6194" cy="4098"/>
+              <a:chOff x="683" y="2879"/>
+              <a:chExt cx="4829" cy="3372"/>
+            </a:xfrm>
+          </p:grpSpPr>
+          <p:grpSp>
+            <p:nvGrpSpPr>
+              <p:cNvPr id="11" name="组合 10"/>
+              <p:cNvGrpSpPr/>
+              <p:nvPr/>
+            </p:nvGrpSpPr>
+            <p:grpSpPr>
+              <a:xfrm>
+                <a:off x="683" y="2879"/>
+                <a:ext cx="4829" cy="3372"/>
+                <a:chOff x="1057" y="3298"/>
+                <a:chExt cx="4829" cy="3372"/>
+              </a:xfrm>
+            </p:grpSpPr>
+            <p:sp>
+              <p:nvSpPr>
+                <p:cNvPr id="4" name="椭圆 3"/>
+                <p:cNvSpPr/>
+                <p:nvPr/>
+              </p:nvSpPr>
+              <p:spPr>
+                <a:xfrm>
+                  <a:off x="2311" y="3298"/>
+                  <a:ext cx="727" cy="727"/>
+                </a:xfrm>
+                <a:prstGeom prst="ellipse">
+                  <a:avLst/>
+                </a:prstGeom>
+                <a:ln>
+                  <a:solidFill>
+                    <a:srgbClr val="FF0000"/>
+                  </a:solidFill>
+                </a:ln>
+              </p:spPr>
+              <p:style>
+                <a:lnRef idx="2">
+                  <a:schemeClr val="accent1"/>
+                </a:lnRef>
+                <a:fillRef idx="1">
+                  <a:schemeClr val="lt1"/>
+                </a:fillRef>
+                <a:effectRef idx="0">
+                  <a:schemeClr val="accent1"/>
+                </a:effectRef>
+                <a:fontRef idx="minor">
+                  <a:schemeClr val="dk1"/>
+                </a:fontRef>
+              </p:style>
+              <p:txBody>
+                <a:bodyPr rtlCol="0" anchor="ctr"/>
+                <a:p>
+                  <a:pPr algn="ctr"/>
+                  <a:r>
+                    <a:rPr lang="en-US" altLang="zh-CN" sz="2800" b="1">
+                      <a:solidFill>
+                        <a:srgbClr val="7030A0"/>
+                      </a:solidFill>
+                    </a:rPr>
+                    <a:t>0</a:t>
+                  </a:r>
+                  <a:endParaRPr lang="en-US" altLang="zh-CN" sz="2800" b="1">
+                    <a:solidFill>
+                      <a:srgbClr val="7030A0"/>
+                    </a:solidFill>
+                  </a:endParaRPr>
+                </a:p>
+              </p:txBody>
+            </p:sp>
+            <p:sp>
+              <p:nvSpPr>
+                <p:cNvPr id="5" name="椭圆 4"/>
+                <p:cNvSpPr/>
+                <p:nvPr/>
+              </p:nvSpPr>
+              <p:spPr>
+                <a:xfrm>
+                  <a:off x="1057" y="4625"/>
+                  <a:ext cx="727" cy="727"/>
+                </a:xfrm>
+                <a:prstGeom prst="ellipse">
+                  <a:avLst/>
+                </a:prstGeom>
+              </p:spPr>
+              <p:style>
+                <a:lnRef idx="2">
+                  <a:schemeClr val="accent1"/>
+                </a:lnRef>
+                <a:fillRef idx="1">
+                  <a:schemeClr val="lt1"/>
+                </a:fillRef>
+                <a:effectRef idx="0">
+                  <a:schemeClr val="accent1"/>
+                </a:effectRef>
+                <a:fontRef idx="minor">
+                  <a:schemeClr val="dk1"/>
+                </a:fontRef>
+              </p:style>
+              <p:txBody>
+                <a:bodyPr rtlCol="0" anchor="ctr"/>
+                <a:p>
+                  <a:pPr algn="ctr"/>
+                  <a:r>
+                    <a:rPr lang="en-US" altLang="zh-CN"/>
+                    <a:t>2</a:t>
+                  </a:r>
+                  <a:endParaRPr lang="en-US" altLang="zh-CN"/>
+                </a:p>
+              </p:txBody>
+            </p:sp>
+            <p:sp>
+              <p:nvSpPr>
+                <p:cNvPr id="6" name="椭圆 5"/>
+                <p:cNvSpPr/>
+                <p:nvPr/>
+              </p:nvSpPr>
+              <p:spPr>
+                <a:xfrm>
+                  <a:off x="4099" y="3298"/>
+                  <a:ext cx="727" cy="727"/>
+                </a:xfrm>
+                <a:prstGeom prst="ellipse">
+                  <a:avLst/>
+                </a:prstGeom>
+              </p:spPr>
+              <p:style>
+                <a:lnRef idx="2">
+                  <a:schemeClr val="accent1"/>
+                </a:lnRef>
+                <a:fillRef idx="1">
+                  <a:schemeClr val="lt1"/>
+                </a:fillRef>
+                <a:effectRef idx="0">
+                  <a:schemeClr val="accent1"/>
+                </a:effectRef>
+                <a:fontRef idx="minor">
+                  <a:schemeClr val="dk1"/>
+                </a:fontRef>
+              </p:style>
+              <p:txBody>
+                <a:bodyPr rtlCol="0" anchor="ctr"/>
+                <a:p>
+                  <a:pPr algn="ctr"/>
+                  <a:r>
+                    <a:rPr lang="en-US" altLang="zh-CN"/>
+                    <a:t>1</a:t>
+                  </a:r>
+                  <a:endParaRPr lang="en-US" altLang="zh-CN"/>
+                </a:p>
+              </p:txBody>
+            </p:sp>
+            <p:sp>
+              <p:nvSpPr>
+                <p:cNvPr id="7" name="椭圆 6"/>
+                <p:cNvSpPr/>
+                <p:nvPr/>
+              </p:nvSpPr>
+              <p:spPr>
+                <a:xfrm>
+                  <a:off x="2311" y="5944"/>
+                  <a:ext cx="727" cy="727"/>
+                </a:xfrm>
+                <a:prstGeom prst="ellipse">
+                  <a:avLst/>
+                </a:prstGeom>
+              </p:spPr>
+              <p:style>
+                <a:lnRef idx="2">
+                  <a:schemeClr val="accent1"/>
+                </a:lnRef>
+                <a:fillRef idx="1">
+                  <a:schemeClr val="lt1"/>
+                </a:fillRef>
+                <a:effectRef idx="0">
+                  <a:schemeClr val="accent1"/>
+                </a:effectRef>
+                <a:fontRef idx="minor">
+                  <a:schemeClr val="dk1"/>
+                </a:fontRef>
+              </p:style>
+              <p:txBody>
+                <a:bodyPr rtlCol="0" anchor="ctr"/>
+                <a:p>
+                  <a:pPr algn="ctr"/>
+                  <a:r>
+                    <a:rPr lang="en-US" altLang="zh-CN"/>
+                    <a:t>5</a:t>
+                  </a:r>
+                  <a:endParaRPr lang="en-US" altLang="zh-CN"/>
+                </a:p>
+              </p:txBody>
+            </p:sp>
+            <p:sp>
+              <p:nvSpPr>
+                <p:cNvPr id="8" name="椭圆 7"/>
+                <p:cNvSpPr/>
+                <p:nvPr/>
+              </p:nvSpPr>
+              <p:spPr>
+                <a:xfrm>
+                  <a:off x="4099" y="5944"/>
+                  <a:ext cx="727" cy="727"/>
+                </a:xfrm>
+                <a:prstGeom prst="ellipse">
+                  <a:avLst/>
+                </a:prstGeom>
+              </p:spPr>
+              <p:style>
+                <a:lnRef idx="2">
+                  <a:schemeClr val="accent1"/>
+                </a:lnRef>
+                <a:fillRef idx="1">
+                  <a:schemeClr val="lt1"/>
+                </a:fillRef>
+                <a:effectRef idx="0">
+                  <a:schemeClr val="accent1"/>
+                </a:effectRef>
+                <a:fontRef idx="minor">
+                  <a:schemeClr val="dk1"/>
+                </a:fontRef>
+              </p:style>
+              <p:txBody>
+                <a:bodyPr rtlCol="0" anchor="ctr"/>
+                <a:p>
+                  <a:pPr algn="ctr"/>
+                  <a:r>
+                    <a:rPr lang="en-US" altLang="zh-CN"/>
+                    <a:t>6</a:t>
+                  </a:r>
+                  <a:endParaRPr lang="en-US" altLang="zh-CN"/>
+                </a:p>
+              </p:txBody>
+            </p:sp>
+            <p:sp>
+              <p:nvSpPr>
+                <p:cNvPr id="9" name="椭圆 8"/>
+                <p:cNvSpPr/>
+                <p:nvPr/>
+              </p:nvSpPr>
+              <p:spPr>
+                <a:xfrm>
+                  <a:off x="5160" y="4625"/>
+                  <a:ext cx="727" cy="727"/>
+                </a:xfrm>
+                <a:prstGeom prst="ellipse">
+                  <a:avLst/>
+                </a:prstGeom>
+              </p:spPr>
+              <p:style>
+                <a:lnRef idx="2">
+                  <a:schemeClr val="accent1"/>
+                </a:lnRef>
+                <a:fillRef idx="1">
+                  <a:schemeClr val="lt1"/>
+                </a:fillRef>
+                <a:effectRef idx="0">
+                  <a:schemeClr val="accent1"/>
+                </a:effectRef>
+                <a:fontRef idx="minor">
+                  <a:schemeClr val="dk1"/>
+                </a:fontRef>
+              </p:style>
+              <p:txBody>
+                <a:bodyPr rtlCol="0" anchor="ctr"/>
+                <a:p>
+                  <a:pPr algn="ctr"/>
+                  <a:r>
+                    <a:rPr lang="en-US" altLang="zh-CN"/>
+                    <a:t>4</a:t>
+                  </a:r>
+                  <a:endParaRPr lang="en-US" altLang="zh-CN"/>
+                </a:p>
+              </p:txBody>
+            </p:sp>
+            <p:sp>
+              <p:nvSpPr>
+                <p:cNvPr id="10" name="椭圆 9"/>
+                <p:cNvSpPr/>
+                <p:nvPr/>
+              </p:nvSpPr>
+              <p:spPr>
+                <a:xfrm>
+                  <a:off x="3175" y="4625"/>
+                  <a:ext cx="727" cy="727"/>
+                </a:xfrm>
+                <a:prstGeom prst="ellipse">
+                  <a:avLst/>
+                </a:prstGeom>
+              </p:spPr>
+              <p:style>
+                <a:lnRef idx="2">
+                  <a:schemeClr val="accent1"/>
+                </a:lnRef>
+                <a:fillRef idx="1">
+                  <a:schemeClr val="lt1"/>
+                </a:fillRef>
+                <a:effectRef idx="0">
+                  <a:schemeClr val="accent1"/>
+                </a:effectRef>
+                <a:fontRef idx="minor">
+                  <a:schemeClr val="dk1"/>
+                </a:fontRef>
+              </p:style>
+              <p:txBody>
+                <a:bodyPr rtlCol="0" anchor="ctr"/>
+                <a:p>
+                  <a:pPr algn="ctr"/>
+                  <a:r>
+                    <a:rPr lang="en-US" altLang="zh-CN"/>
+                    <a:t>3</a:t>
+                  </a:r>
+                  <a:endParaRPr lang="en-US" altLang="zh-CN"/>
+                </a:p>
+              </p:txBody>
+            </p:sp>
+          </p:grpSp>
+          <p:cxnSp>
+            <p:nvCxnSpPr>
+              <p:cNvPr id="12" name="直接箭头连接符 11"/>
+              <p:cNvCxnSpPr>
+                <a:stCxn id="4" idx="6"/>
+                <a:endCxn id="6" idx="2"/>
+              </p:cNvCxnSpPr>
+              <p:nvPr/>
+            </p:nvCxnSpPr>
+            <p:spPr>
+              <a:xfrm>
+                <a:off x="2664" y="3243"/>
+                <a:ext cx="1061" cy="0"/>
+              </a:xfrm>
+              <a:prstGeom prst="straightConnector1">
+                <a:avLst/>
+              </a:prstGeom>
+              <a:ln w="38100">
+                <a:tailEnd type="arrow"/>
+              </a:ln>
+            </p:spPr>
+            <p:style>
+              <a:lnRef idx="1">
+                <a:schemeClr val="accent1"/>
+              </a:lnRef>
+              <a:fillRef idx="0">
+                <a:schemeClr val="accent1"/>
+              </a:fillRef>
+              <a:effectRef idx="0">
+                <a:schemeClr val="accent1"/>
+              </a:effectRef>
+              <a:fontRef idx="minor">
+                <a:schemeClr val="tx1"/>
+              </a:fontRef>
+            </p:style>
+          </p:cxnSp>
+          <p:cxnSp>
+            <p:nvCxnSpPr>
+              <p:cNvPr id="13" name="直接箭头连接符 12"/>
+              <p:cNvCxnSpPr>
+                <a:stCxn id="6" idx="5"/>
+                <a:endCxn id="9" idx="1"/>
+              </p:cNvCxnSpPr>
+              <p:nvPr/>
+            </p:nvCxnSpPr>
+            <p:spPr>
+              <a:xfrm>
+                <a:off x="4346" y="3500"/>
+                <a:ext cx="546" cy="812"/>
+              </a:xfrm>
+              <a:prstGeom prst="straightConnector1">
+                <a:avLst/>
+              </a:prstGeom>
+              <a:ln w="38100">
+                <a:tailEnd type="arrow"/>
+              </a:ln>
+            </p:spPr>
+            <p:style>
+              <a:lnRef idx="1">
+                <a:schemeClr val="accent1"/>
+              </a:lnRef>
+              <a:fillRef idx="0">
+                <a:schemeClr val="accent1"/>
+              </a:fillRef>
+              <a:effectRef idx="0">
+                <a:schemeClr val="accent1"/>
+              </a:effectRef>
+              <a:fontRef idx="minor">
+                <a:schemeClr val="tx1"/>
+              </a:fontRef>
+            </p:style>
+          </p:cxnSp>
+          <p:cxnSp>
+            <p:nvCxnSpPr>
+              <p:cNvPr id="14" name="直接箭头连接符 13"/>
+              <p:cNvCxnSpPr>
+                <a:stCxn id="6" idx="3"/>
+                <a:endCxn id="10" idx="7"/>
+              </p:cNvCxnSpPr>
+              <p:nvPr/>
+            </p:nvCxnSpPr>
+            <p:spPr>
+              <a:xfrm flipH="1">
+                <a:off x="3422" y="3500"/>
+                <a:ext cx="409" cy="812"/>
+              </a:xfrm>
+              <a:prstGeom prst="straightConnector1">
+                <a:avLst/>
+              </a:prstGeom>
+              <a:ln w="38100">
+                <a:tailEnd type="arrow"/>
+              </a:ln>
+            </p:spPr>
+            <p:style>
+              <a:lnRef idx="1">
+                <a:schemeClr val="accent1"/>
+              </a:lnRef>
+              <a:fillRef idx="0">
+                <a:schemeClr val="accent1"/>
+              </a:fillRef>
+              <a:effectRef idx="0">
+                <a:schemeClr val="accent1"/>
+              </a:effectRef>
+              <a:fontRef idx="minor">
+                <a:schemeClr val="tx1"/>
+              </a:fontRef>
+            </p:style>
+          </p:cxnSp>
+          <p:cxnSp>
+            <p:nvCxnSpPr>
+              <p:cNvPr id="15" name="直接箭头连接符 14"/>
+              <p:cNvCxnSpPr>
+                <a:stCxn id="5" idx="7"/>
+                <a:endCxn id="4" idx="3"/>
+              </p:cNvCxnSpPr>
+              <p:nvPr/>
+            </p:nvCxnSpPr>
+            <p:spPr>
+              <a:xfrm flipV="1">
+                <a:off x="1304" y="3500"/>
+                <a:ext cx="739" cy="812"/>
+              </a:xfrm>
+              <a:prstGeom prst="straightConnector1">
+                <a:avLst/>
+              </a:prstGeom>
+              <a:ln w="38100">
+                <a:tailEnd type="arrow"/>
+              </a:ln>
+            </p:spPr>
+            <p:style>
+              <a:lnRef idx="1">
+                <a:schemeClr val="accent1"/>
+              </a:lnRef>
+              <a:fillRef idx="0">
+                <a:schemeClr val="accent1"/>
+              </a:fillRef>
+              <a:effectRef idx="0">
+                <a:schemeClr val="accent1"/>
+              </a:effectRef>
+              <a:fontRef idx="minor">
+                <a:schemeClr val="tx1"/>
+              </a:fontRef>
+            </p:style>
+          </p:cxnSp>
+          <p:cxnSp>
+            <p:nvCxnSpPr>
+              <p:cNvPr id="16" name="直接箭头连接符 15"/>
+              <p:cNvCxnSpPr>
+                <a:stCxn id="4" idx="5"/>
+                <a:endCxn id="10" idx="1"/>
+              </p:cNvCxnSpPr>
+              <p:nvPr/>
+            </p:nvCxnSpPr>
+            <p:spPr>
+              <a:xfrm>
+                <a:off x="2558" y="3500"/>
+                <a:ext cx="349" cy="812"/>
+              </a:xfrm>
+              <a:prstGeom prst="straightConnector1">
+                <a:avLst/>
+              </a:prstGeom>
+              <a:ln w="38100">
+                <a:tailEnd type="arrow"/>
+              </a:ln>
+            </p:spPr>
+            <p:style>
+              <a:lnRef idx="1">
+                <a:schemeClr val="accent1"/>
+              </a:lnRef>
+              <a:fillRef idx="0">
+                <a:schemeClr val="accent1"/>
+              </a:fillRef>
+              <a:effectRef idx="0">
+                <a:schemeClr val="accent1"/>
+              </a:effectRef>
+              <a:fontRef idx="minor">
+                <a:schemeClr val="tx1"/>
+              </a:fontRef>
+            </p:style>
+          </p:cxnSp>
+          <p:cxnSp>
+            <p:nvCxnSpPr>
+              <p:cNvPr id="17" name="直接箭头连接符 16"/>
+              <p:cNvCxnSpPr>
+                <a:stCxn id="10" idx="2"/>
+                <a:endCxn id="5" idx="6"/>
+              </p:cNvCxnSpPr>
+              <p:nvPr/>
+            </p:nvCxnSpPr>
+            <p:spPr>
+              <a:xfrm flipH="1">
+                <a:off x="1410" y="4570"/>
+                <a:ext cx="1391" cy="0"/>
+              </a:xfrm>
+              <a:prstGeom prst="straightConnector1">
+                <a:avLst/>
+              </a:prstGeom>
+              <a:ln w="38100">
+                <a:tailEnd type="arrow"/>
+              </a:ln>
+            </p:spPr>
+            <p:style>
+              <a:lnRef idx="1">
+                <a:schemeClr val="accent1"/>
+              </a:lnRef>
+              <a:fillRef idx="0">
+                <a:schemeClr val="accent1"/>
+              </a:fillRef>
+              <a:effectRef idx="0">
+                <a:schemeClr val="accent1"/>
+              </a:effectRef>
+              <a:fontRef idx="minor">
+                <a:schemeClr val="tx1"/>
+              </a:fontRef>
+            </p:style>
+          </p:cxnSp>
+          <p:cxnSp>
+            <p:nvCxnSpPr>
+              <p:cNvPr id="18" name="直接箭头连接符 17"/>
+              <p:cNvCxnSpPr>
+                <a:stCxn id="10" idx="3"/>
+                <a:endCxn id="7" idx="7"/>
+              </p:cNvCxnSpPr>
+              <p:nvPr/>
+            </p:nvCxnSpPr>
+            <p:spPr>
+              <a:xfrm flipH="1">
+                <a:off x="2558" y="4827"/>
+                <a:ext cx="349" cy="804"/>
+              </a:xfrm>
+              <a:prstGeom prst="straightConnector1">
+                <a:avLst/>
+              </a:prstGeom>
+              <a:ln w="38100">
+                <a:tailEnd type="arrow"/>
+              </a:ln>
+            </p:spPr>
+            <p:style>
+              <a:lnRef idx="1">
+                <a:schemeClr val="accent1"/>
+              </a:lnRef>
+              <a:fillRef idx="0">
+                <a:schemeClr val="accent1"/>
+              </a:fillRef>
+              <a:effectRef idx="0">
+                <a:schemeClr val="accent1"/>
+              </a:effectRef>
+              <a:fontRef idx="minor">
+                <a:schemeClr val="tx1"/>
+              </a:fontRef>
+            </p:style>
+          </p:cxnSp>
+          <p:cxnSp>
+            <p:nvCxnSpPr>
+              <p:cNvPr id="19" name="直接箭头连接符 18"/>
+              <p:cNvCxnSpPr>
+                <a:stCxn id="10" idx="5"/>
+                <a:endCxn id="8" idx="1"/>
+              </p:cNvCxnSpPr>
+              <p:nvPr/>
+            </p:nvCxnSpPr>
+            <p:spPr>
+              <a:xfrm>
+                <a:off x="3422" y="4827"/>
+                <a:ext cx="409" cy="804"/>
+              </a:xfrm>
+              <a:prstGeom prst="straightConnector1">
+                <a:avLst/>
+              </a:prstGeom>
+              <a:ln w="38100">
+                <a:tailEnd type="arrow"/>
+              </a:ln>
+            </p:spPr>
+            <p:style>
+              <a:lnRef idx="1">
+                <a:schemeClr val="accent1"/>
+              </a:lnRef>
+              <a:fillRef idx="0">
+                <a:schemeClr val="accent1"/>
+              </a:fillRef>
+              <a:effectRef idx="0">
+                <a:schemeClr val="accent1"/>
+              </a:effectRef>
+              <a:fontRef idx="minor">
+                <a:schemeClr val="tx1"/>
+              </a:fontRef>
+            </p:style>
+          </p:cxnSp>
+          <p:cxnSp>
+            <p:nvCxnSpPr>
+              <p:cNvPr id="20" name="直接箭头连接符 19"/>
+              <p:cNvCxnSpPr>
+                <a:stCxn id="8" idx="2"/>
+                <a:endCxn id="7" idx="6"/>
+              </p:cNvCxnSpPr>
+              <p:nvPr/>
+            </p:nvCxnSpPr>
+            <p:spPr>
+              <a:xfrm flipH="1">
+                <a:off x="2664" y="5889"/>
+                <a:ext cx="1061" cy="0"/>
+              </a:xfrm>
+              <a:prstGeom prst="straightConnector1">
+                <a:avLst/>
+              </a:prstGeom>
+              <a:ln w="38100">
+                <a:tailEnd type="arrow"/>
+              </a:ln>
+            </p:spPr>
+            <p:style>
+              <a:lnRef idx="1">
+                <a:schemeClr val="accent1"/>
+              </a:lnRef>
+              <a:fillRef idx="0">
+                <a:schemeClr val="accent1"/>
+              </a:fillRef>
+              <a:effectRef idx="0">
+                <a:schemeClr val="accent1"/>
+              </a:effectRef>
+              <a:fontRef idx="minor">
+                <a:schemeClr val="tx1"/>
+              </a:fontRef>
+            </p:style>
+          </p:cxnSp>
+          <p:cxnSp>
+            <p:nvCxnSpPr>
+              <p:cNvPr id="21" name="直接箭头连接符 20"/>
+              <p:cNvCxnSpPr>
+                <a:stCxn id="9" idx="3"/>
+                <a:endCxn id="8" idx="7"/>
+              </p:cNvCxnSpPr>
+              <p:nvPr/>
+            </p:nvCxnSpPr>
+            <p:spPr>
+              <a:xfrm flipH="1">
+                <a:off x="4346" y="4827"/>
+                <a:ext cx="546" cy="804"/>
+              </a:xfrm>
+              <a:prstGeom prst="straightConnector1">
+                <a:avLst/>
+              </a:prstGeom>
+              <a:ln w="38100">
+                <a:tailEnd type="arrow"/>
+              </a:ln>
+            </p:spPr>
+            <p:style>
+              <a:lnRef idx="1">
+                <a:schemeClr val="accent1"/>
+              </a:lnRef>
+              <a:fillRef idx="0">
+                <a:schemeClr val="accent1"/>
+              </a:fillRef>
+              <a:effectRef idx="0">
+                <a:schemeClr val="accent1"/>
+              </a:effectRef>
+              <a:fontRef idx="minor">
+                <a:schemeClr val="tx1"/>
+              </a:fontRef>
+            </p:style>
+          </p:cxnSp>
+          <p:cxnSp>
+            <p:nvCxnSpPr>
+              <p:cNvPr id="22" name="直接箭头连接符 21"/>
+              <p:cNvCxnSpPr>
+                <a:stCxn id="10" idx="6"/>
+                <a:endCxn id="9" idx="2"/>
+              </p:cNvCxnSpPr>
+              <p:nvPr/>
+            </p:nvCxnSpPr>
+            <p:spPr>
+              <a:xfrm>
+                <a:off x="3528" y="4570"/>
+                <a:ext cx="1258" cy="0"/>
+              </a:xfrm>
+              <a:prstGeom prst="straightConnector1">
+                <a:avLst/>
+              </a:prstGeom>
+              <a:ln w="38100">
+                <a:tailEnd type="arrow"/>
+              </a:ln>
+            </p:spPr>
+            <p:style>
+              <a:lnRef idx="1">
+                <a:schemeClr val="accent1"/>
+              </a:lnRef>
+              <a:fillRef idx="0">
+                <a:schemeClr val="accent1"/>
+              </a:fillRef>
+              <a:effectRef idx="0">
+                <a:schemeClr val="accent1"/>
+              </a:effectRef>
+              <a:fontRef idx="minor">
+                <a:schemeClr val="tx1"/>
+              </a:fontRef>
+            </p:style>
+          </p:cxnSp>
+          <p:cxnSp>
+            <p:nvCxnSpPr>
+              <p:cNvPr id="23" name="直接箭头连接符 22"/>
+              <p:cNvCxnSpPr>
+                <a:stCxn id="5" idx="5"/>
+                <a:endCxn id="7" idx="1"/>
+              </p:cNvCxnSpPr>
+              <p:nvPr/>
+            </p:nvCxnSpPr>
+            <p:spPr>
+              <a:xfrm>
+                <a:off x="1304" y="4827"/>
+                <a:ext cx="739" cy="804"/>
+              </a:xfrm>
+              <a:prstGeom prst="straightConnector1">
+                <a:avLst/>
+              </a:prstGeom>
+              <a:ln w="38100">
+                <a:tailEnd type="arrow"/>
+              </a:ln>
+            </p:spPr>
+            <p:style>
+              <a:lnRef idx="1">
+                <a:schemeClr val="accent1"/>
+              </a:lnRef>
+              <a:fillRef idx="0">
+                <a:schemeClr val="accent1"/>
+              </a:fillRef>
+              <a:effectRef idx="0">
+                <a:schemeClr val="accent1"/>
+              </a:effectRef>
+              <a:fontRef idx="minor">
+                <a:schemeClr val="tx1"/>
+              </a:fontRef>
+            </p:style>
+          </p:cxnSp>
+        </p:grpSp>
+        <p:sp>
+          <p:nvSpPr>
+            <p:cNvPr id="25" name="文本框 24"/>
+            <p:cNvSpPr txBox="1"/>
+            <p:nvPr/>
+          </p:nvSpPr>
+          <p:spPr>
+            <a:xfrm>
+              <a:off x="3426" y="3320"/>
+              <a:ext cx="484" cy="599"/>
+            </a:xfrm>
+            <a:prstGeom prst="rect">
+              <a:avLst/>
+            </a:prstGeom>
+            <a:noFill/>
+          </p:spPr>
+          <p:txBody>
+            <a:bodyPr wrap="square" rtlCol="0">
+              <a:spAutoFit/>
+            </a:bodyPr>
+            <a:p>
+              <a:r>
+                <a:rPr lang="en-US" altLang="zh-CN"/>
+                <a:t>2</a:t>
+              </a:r>
+              <a:endParaRPr lang="en-US" altLang="zh-CN"/>
+            </a:p>
+          </p:txBody>
+        </p:sp>
+        <p:sp>
+          <p:nvSpPr>
+            <p:cNvPr id="26" name="文本框 25"/>
+            <p:cNvSpPr txBox="1"/>
+            <p:nvPr/>
+          </p:nvSpPr>
+          <p:spPr>
+            <a:xfrm>
+              <a:off x="5399" y="4119"/>
+              <a:ext cx="851" cy="599"/>
+            </a:xfrm>
+            <a:prstGeom prst="rect">
+              <a:avLst/>
+            </a:prstGeom>
+            <a:noFill/>
+          </p:spPr>
+          <p:txBody>
+            <a:bodyPr wrap="square" rtlCol="0">
+              <a:spAutoFit/>
+            </a:bodyPr>
+            <a:p>
+              <a:r>
+                <a:rPr lang="en-US" altLang="zh-CN"/>
+                <a:t>10</a:t>
+              </a:r>
+              <a:endParaRPr lang="en-US" altLang="zh-CN"/>
+            </a:p>
+          </p:txBody>
+        </p:sp>
+        <p:sp>
+          <p:nvSpPr>
+            <p:cNvPr id="27" name="文本框 26"/>
+            <p:cNvSpPr txBox="1"/>
+            <p:nvPr/>
+          </p:nvSpPr>
+          <p:spPr>
+            <a:xfrm>
+              <a:off x="3910" y="4119"/>
+              <a:ext cx="484" cy="599"/>
+            </a:xfrm>
+            <a:prstGeom prst="rect">
+              <a:avLst/>
+            </a:prstGeom>
+            <a:noFill/>
+          </p:spPr>
+          <p:txBody>
+            <a:bodyPr wrap="square" rtlCol="0">
+              <a:spAutoFit/>
+            </a:bodyPr>
+            <a:p>
+              <a:r>
+                <a:rPr lang="en-US" altLang="zh-CN"/>
+                <a:t>3</a:t>
+              </a:r>
+              <a:endParaRPr lang="en-US" altLang="zh-CN"/>
+            </a:p>
+          </p:txBody>
+        </p:sp>
+        <p:sp>
+          <p:nvSpPr>
+            <p:cNvPr id="28" name="文本框 27"/>
+            <p:cNvSpPr txBox="1"/>
+            <p:nvPr/>
+          </p:nvSpPr>
+          <p:spPr>
+            <a:xfrm>
+              <a:off x="3026" y="4119"/>
+              <a:ext cx="484" cy="599"/>
+            </a:xfrm>
+            <a:prstGeom prst="rect">
+              <a:avLst/>
+            </a:prstGeom>
+            <a:noFill/>
+          </p:spPr>
+          <p:txBody>
+            <a:bodyPr wrap="square" rtlCol="0">
+              <a:spAutoFit/>
+            </a:bodyPr>
+            <a:p>
+              <a:r>
+                <a:rPr lang="en-US" altLang="zh-CN"/>
+                <a:t>1</a:t>
+              </a:r>
+              <a:endParaRPr lang="en-US" altLang="zh-CN"/>
+            </a:p>
+          </p:txBody>
+        </p:sp>
+        <p:sp>
+          <p:nvSpPr>
+            <p:cNvPr id="29" name="文本框 28"/>
+            <p:cNvSpPr txBox="1"/>
+            <p:nvPr/>
+          </p:nvSpPr>
+          <p:spPr>
+            <a:xfrm>
+              <a:off x="1320" y="4119"/>
+              <a:ext cx="484" cy="599"/>
+            </a:xfrm>
+            <a:prstGeom prst="rect">
+              <a:avLst/>
+            </a:prstGeom>
+            <a:noFill/>
+          </p:spPr>
+          <p:txBody>
+            <a:bodyPr wrap="square" rtlCol="0">
+              <a:spAutoFit/>
+            </a:bodyPr>
+            <a:p>
+              <a:r>
+                <a:rPr lang="en-US" altLang="zh-CN"/>
+                <a:t>4</a:t>
+              </a:r>
+              <a:endParaRPr lang="en-US" altLang="zh-CN"/>
+            </a:p>
+          </p:txBody>
+        </p:sp>
+        <p:sp>
+          <p:nvSpPr>
+            <p:cNvPr id="30" name="文本框 29"/>
+            <p:cNvSpPr txBox="1"/>
+            <p:nvPr/>
+          </p:nvSpPr>
+          <p:spPr>
+            <a:xfrm>
+              <a:off x="2230" y="4839"/>
+              <a:ext cx="484" cy="599"/>
+            </a:xfrm>
+            <a:prstGeom prst="rect">
+              <a:avLst/>
+            </a:prstGeom>
+            <a:noFill/>
+          </p:spPr>
+          <p:txBody>
+            <a:bodyPr wrap="square" rtlCol="0">
+              <a:spAutoFit/>
+            </a:bodyPr>
+            <a:p>
+              <a:r>
+                <a:rPr lang="en-US" altLang="zh-CN"/>
+                <a:t>2</a:t>
+              </a:r>
+              <a:endParaRPr lang="en-US" altLang="zh-CN"/>
+            </a:p>
+          </p:txBody>
+        </p:sp>
+        <p:sp>
+          <p:nvSpPr>
+            <p:cNvPr id="31" name="文本框 30"/>
+            <p:cNvSpPr txBox="1"/>
+            <p:nvPr/>
+          </p:nvSpPr>
+          <p:spPr>
+            <a:xfrm>
+              <a:off x="4699" y="4839"/>
+              <a:ext cx="484" cy="599"/>
+            </a:xfrm>
+            <a:prstGeom prst="rect">
+              <a:avLst/>
+            </a:prstGeom>
+            <a:noFill/>
+          </p:spPr>
+          <p:txBody>
+            <a:bodyPr wrap="square" rtlCol="0">
+              <a:spAutoFit/>
+            </a:bodyPr>
+            <a:p>
+              <a:r>
+                <a:rPr lang="en-US" altLang="zh-CN"/>
+                <a:t>2</a:t>
+              </a:r>
+              <a:endParaRPr lang="en-US" altLang="zh-CN"/>
+            </a:p>
+          </p:txBody>
+        </p:sp>
+        <p:sp>
+          <p:nvSpPr>
+            <p:cNvPr id="32" name="文本框 31"/>
+            <p:cNvSpPr txBox="1"/>
+            <p:nvPr/>
+          </p:nvSpPr>
+          <p:spPr>
+            <a:xfrm>
+              <a:off x="5183" y="5861"/>
+              <a:ext cx="484" cy="599"/>
+            </a:xfrm>
+            <a:prstGeom prst="rect">
+              <a:avLst/>
+            </a:prstGeom>
+            <a:noFill/>
+          </p:spPr>
+          <p:txBody>
+            <a:bodyPr wrap="square" rtlCol="0">
+              <a:spAutoFit/>
+            </a:bodyPr>
+            <a:p>
+              <a:r>
+                <a:rPr lang="en-US" altLang="zh-CN"/>
+                <a:t>6</a:t>
+              </a:r>
+              <a:endParaRPr lang="en-US" altLang="zh-CN"/>
+            </a:p>
+          </p:txBody>
+        </p:sp>
+        <p:sp>
+          <p:nvSpPr>
+            <p:cNvPr id="33" name="文本框 32"/>
+            <p:cNvSpPr txBox="1"/>
+            <p:nvPr/>
+          </p:nvSpPr>
+          <p:spPr>
+            <a:xfrm>
+              <a:off x="3514" y="6442"/>
+              <a:ext cx="484" cy="599"/>
+            </a:xfrm>
+            <a:prstGeom prst="rect">
+              <a:avLst/>
+            </a:prstGeom>
+            <a:noFill/>
+          </p:spPr>
+          <p:txBody>
+            <a:bodyPr wrap="square" rtlCol="0">
+              <a:spAutoFit/>
+            </a:bodyPr>
+            <a:p>
+              <a:r>
+                <a:rPr lang="en-US" altLang="zh-CN"/>
+                <a:t>1</a:t>
+              </a:r>
+              <a:endParaRPr lang="en-US" altLang="zh-CN"/>
+            </a:p>
+          </p:txBody>
+        </p:sp>
+        <p:sp>
+          <p:nvSpPr>
+            <p:cNvPr id="34" name="文本框 33"/>
+            <p:cNvSpPr txBox="1"/>
+            <p:nvPr/>
+          </p:nvSpPr>
+          <p:spPr>
+            <a:xfrm>
+              <a:off x="1804" y="5731"/>
+              <a:ext cx="484" cy="599"/>
+            </a:xfrm>
+            <a:prstGeom prst="rect">
+              <a:avLst/>
+            </a:prstGeom>
+            <a:noFill/>
+          </p:spPr>
+          <p:txBody>
+            <a:bodyPr wrap="square" rtlCol="0">
+              <a:spAutoFit/>
+            </a:bodyPr>
+            <a:p>
+              <a:r>
+                <a:rPr lang="en-US" altLang="zh-CN"/>
+                <a:t>5</a:t>
+              </a:r>
+              <a:endParaRPr lang="en-US" altLang="zh-CN"/>
+            </a:p>
+          </p:txBody>
+        </p:sp>
+        <p:sp>
+          <p:nvSpPr>
+            <p:cNvPr id="35" name="文本框 34"/>
+            <p:cNvSpPr txBox="1"/>
+            <p:nvPr/>
+          </p:nvSpPr>
+          <p:spPr>
+            <a:xfrm>
+              <a:off x="2714" y="5731"/>
+              <a:ext cx="484" cy="599"/>
+            </a:xfrm>
+            <a:prstGeom prst="rect">
+              <a:avLst/>
+            </a:prstGeom>
+            <a:noFill/>
+          </p:spPr>
+          <p:txBody>
+            <a:bodyPr wrap="square" rtlCol="0">
+              <a:spAutoFit/>
+            </a:bodyPr>
+            <a:p>
+              <a:r>
+                <a:rPr lang="en-US" altLang="zh-CN"/>
+                <a:t>8</a:t>
+              </a:r>
+              <a:endParaRPr lang="en-US" altLang="zh-CN"/>
+            </a:p>
+          </p:txBody>
+        </p:sp>
+        <p:sp>
+          <p:nvSpPr>
+            <p:cNvPr id="36" name="文本框 35"/>
+            <p:cNvSpPr txBox="1"/>
+            <p:nvPr/>
+          </p:nvSpPr>
+          <p:spPr>
+            <a:xfrm>
+              <a:off x="4215" y="5731"/>
+              <a:ext cx="484" cy="599"/>
+            </a:xfrm>
+            <a:prstGeom prst="rect">
+              <a:avLst/>
+            </a:prstGeom>
+            <a:noFill/>
+          </p:spPr>
+          <p:txBody>
+            <a:bodyPr wrap="square" rtlCol="0">
+              <a:spAutoFit/>
+            </a:bodyPr>
+            <a:p>
+              <a:r>
+                <a:rPr lang="en-US" altLang="zh-CN"/>
+                <a:t>4</a:t>
+              </a:r>
+              <a:endParaRPr lang="en-US" altLang="zh-CN"/>
+            </a:p>
+          </p:txBody>
+        </p:sp>
+      </p:grpSp>
+      <p:grpSp>
+        <p:nvGrpSpPr>
+          <p:cNvPr id="73" name="组合 72"/>
+          <p:cNvGrpSpPr/>
+          <p:nvPr/>
+        </p:nvGrpSpPr>
+        <p:grpSpPr>
+          <a:xfrm>
+            <a:off x="251460" y="4157980"/>
+            <a:ext cx="3654425" cy="2545080"/>
+            <a:chOff x="485" y="3320"/>
+            <a:chExt cx="6194" cy="4142"/>
+          </a:xfrm>
+        </p:grpSpPr>
+        <p:grpSp>
+          <p:nvGrpSpPr>
+            <p:cNvPr id="74" name="组合 73"/>
+            <p:cNvGrpSpPr/>
+            <p:nvPr/>
+          </p:nvGrpSpPr>
+          <p:grpSpPr>
+            <a:xfrm>
+              <a:off x="485" y="3364"/>
+              <a:ext cx="6194" cy="4098"/>
+              <a:chOff x="683" y="2879"/>
+              <a:chExt cx="4829" cy="3372"/>
+            </a:xfrm>
+          </p:grpSpPr>
+          <p:grpSp>
+            <p:nvGrpSpPr>
+              <p:cNvPr id="75" name="组合 74"/>
+              <p:cNvGrpSpPr/>
+              <p:nvPr/>
+            </p:nvGrpSpPr>
+            <p:grpSpPr>
+              <a:xfrm>
+                <a:off x="683" y="2879"/>
+                <a:ext cx="4829" cy="3372"/>
+                <a:chOff x="1057" y="3298"/>
+                <a:chExt cx="4829" cy="3372"/>
+              </a:xfrm>
+            </p:grpSpPr>
+            <p:sp>
+              <p:nvSpPr>
+                <p:cNvPr id="76" name="椭圆 75"/>
+                <p:cNvSpPr/>
+                <p:nvPr/>
+              </p:nvSpPr>
+              <p:spPr>
+                <a:xfrm>
+                  <a:off x="2311" y="3298"/>
+                  <a:ext cx="727" cy="727"/>
+                </a:xfrm>
+                <a:prstGeom prst="ellipse">
+                  <a:avLst/>
+                </a:prstGeom>
+                <a:ln>
+                  <a:solidFill>
+                    <a:srgbClr val="FF0000"/>
+                  </a:solidFill>
+                </a:ln>
+              </p:spPr>
+              <p:style>
+                <a:lnRef idx="2">
+                  <a:schemeClr val="accent1"/>
+                </a:lnRef>
+                <a:fillRef idx="1">
+                  <a:schemeClr val="lt1"/>
+                </a:fillRef>
+                <a:effectRef idx="0">
+                  <a:schemeClr val="accent1"/>
+                </a:effectRef>
+                <a:fontRef idx="minor">
+                  <a:schemeClr val="dk1"/>
+                </a:fontRef>
+              </p:style>
+              <p:txBody>
+                <a:bodyPr rtlCol="0" anchor="ctr"/>
+                <a:p>
+                  <a:pPr algn="ctr"/>
+                  <a:r>
+                    <a:rPr lang="en-US" altLang="zh-CN"/>
+                    <a:t>0</a:t>
+                  </a:r>
+                  <a:endParaRPr lang="en-US" altLang="zh-CN"/>
+                </a:p>
+              </p:txBody>
+            </p:sp>
+            <p:sp>
+              <p:nvSpPr>
+                <p:cNvPr id="77" name="椭圆 76"/>
+                <p:cNvSpPr/>
+                <p:nvPr/>
+              </p:nvSpPr>
+              <p:spPr>
+                <a:xfrm>
+                  <a:off x="1057" y="4625"/>
+                  <a:ext cx="727" cy="727"/>
+                </a:xfrm>
+                <a:prstGeom prst="ellipse">
+                  <a:avLst/>
+                </a:prstGeom>
+              </p:spPr>
+              <p:style>
+                <a:lnRef idx="2">
+                  <a:schemeClr val="accent1"/>
+                </a:lnRef>
+                <a:fillRef idx="1">
+                  <a:schemeClr val="lt1"/>
+                </a:fillRef>
+                <a:effectRef idx="0">
+                  <a:schemeClr val="accent1"/>
+                </a:effectRef>
+                <a:fontRef idx="minor">
+                  <a:schemeClr val="dk1"/>
+                </a:fontRef>
+              </p:style>
+              <p:txBody>
+                <a:bodyPr rtlCol="0" anchor="ctr"/>
+                <a:p>
+                  <a:pPr algn="ctr"/>
+                  <a:r>
+                    <a:rPr lang="en-US" altLang="zh-CN"/>
+                    <a:t>2</a:t>
+                  </a:r>
+                  <a:endParaRPr lang="en-US" altLang="zh-CN"/>
+                </a:p>
+              </p:txBody>
+            </p:sp>
+            <p:sp>
+              <p:nvSpPr>
+                <p:cNvPr id="78" name="椭圆 77"/>
+                <p:cNvSpPr/>
+                <p:nvPr/>
+              </p:nvSpPr>
+              <p:spPr>
+                <a:xfrm>
+                  <a:off x="4099" y="3298"/>
+                  <a:ext cx="727" cy="727"/>
+                </a:xfrm>
+                <a:prstGeom prst="ellipse">
+                  <a:avLst/>
+                </a:prstGeom>
+                <a:ln>
+                  <a:solidFill>
+                    <a:srgbClr val="FF0000"/>
+                  </a:solidFill>
+                </a:ln>
+              </p:spPr>
+              <p:style>
+                <a:lnRef idx="2">
+                  <a:schemeClr val="accent1"/>
+                </a:lnRef>
+                <a:fillRef idx="1">
+                  <a:schemeClr val="lt1"/>
+                </a:fillRef>
+                <a:effectRef idx="0">
+                  <a:schemeClr val="accent1"/>
+                </a:effectRef>
+                <a:fontRef idx="minor">
+                  <a:schemeClr val="dk1"/>
+                </a:fontRef>
+              </p:style>
+              <p:txBody>
+                <a:bodyPr rtlCol="0" anchor="ctr"/>
+                <a:p>
+                  <a:pPr algn="ctr"/>
+                  <a:r>
+                    <a:rPr lang="en-US" altLang="zh-CN"/>
+                    <a:t>1</a:t>
+                  </a:r>
+                  <a:endParaRPr lang="en-US" altLang="zh-CN"/>
+                </a:p>
+              </p:txBody>
+            </p:sp>
+            <p:sp>
+              <p:nvSpPr>
+                <p:cNvPr id="79" name="椭圆 78"/>
+                <p:cNvSpPr/>
+                <p:nvPr/>
+              </p:nvSpPr>
+              <p:spPr>
+                <a:xfrm>
+                  <a:off x="2311" y="5944"/>
+                  <a:ext cx="727" cy="727"/>
+                </a:xfrm>
+                <a:prstGeom prst="ellipse">
+                  <a:avLst/>
+                </a:prstGeom>
+              </p:spPr>
+              <p:style>
+                <a:lnRef idx="2">
+                  <a:schemeClr val="accent1"/>
+                </a:lnRef>
+                <a:fillRef idx="1">
+                  <a:schemeClr val="lt1"/>
+                </a:fillRef>
+                <a:effectRef idx="0">
+                  <a:schemeClr val="accent1"/>
+                </a:effectRef>
+                <a:fontRef idx="minor">
+                  <a:schemeClr val="dk1"/>
+                </a:fontRef>
+              </p:style>
+              <p:txBody>
+                <a:bodyPr rtlCol="0" anchor="ctr"/>
+                <a:p>
+                  <a:pPr algn="ctr"/>
+                  <a:r>
+                    <a:rPr lang="en-US" altLang="zh-CN"/>
+                    <a:t>5</a:t>
+                  </a:r>
+                  <a:endParaRPr lang="en-US" altLang="zh-CN"/>
+                </a:p>
+              </p:txBody>
+            </p:sp>
+            <p:sp>
+              <p:nvSpPr>
+                <p:cNvPr id="80" name="椭圆 79"/>
+                <p:cNvSpPr/>
+                <p:nvPr/>
+              </p:nvSpPr>
+              <p:spPr>
+                <a:xfrm>
+                  <a:off x="4099" y="5944"/>
+                  <a:ext cx="727" cy="727"/>
+                </a:xfrm>
+                <a:prstGeom prst="ellipse">
+                  <a:avLst/>
+                </a:prstGeom>
+              </p:spPr>
+              <p:style>
+                <a:lnRef idx="2">
+                  <a:schemeClr val="accent1"/>
+                </a:lnRef>
+                <a:fillRef idx="1">
+                  <a:schemeClr val="lt1"/>
+                </a:fillRef>
+                <a:effectRef idx="0">
+                  <a:schemeClr val="accent1"/>
+                </a:effectRef>
+                <a:fontRef idx="minor">
+                  <a:schemeClr val="dk1"/>
+                </a:fontRef>
+              </p:style>
+              <p:txBody>
+                <a:bodyPr rtlCol="0" anchor="ctr"/>
+                <a:p>
+                  <a:pPr algn="ctr"/>
+                  <a:r>
+                    <a:rPr lang="en-US" altLang="zh-CN"/>
+                    <a:t>6</a:t>
+                  </a:r>
+                  <a:endParaRPr lang="en-US" altLang="zh-CN"/>
+                </a:p>
+              </p:txBody>
+            </p:sp>
+            <p:sp>
+              <p:nvSpPr>
+                <p:cNvPr id="81" name="椭圆 80"/>
+                <p:cNvSpPr/>
+                <p:nvPr/>
+              </p:nvSpPr>
+              <p:spPr>
+                <a:xfrm>
+                  <a:off x="5160" y="4625"/>
+                  <a:ext cx="727" cy="727"/>
+                </a:xfrm>
+                <a:prstGeom prst="ellipse">
+                  <a:avLst/>
+                </a:prstGeom>
+              </p:spPr>
+              <p:style>
+                <a:lnRef idx="2">
+                  <a:schemeClr val="accent1"/>
+                </a:lnRef>
+                <a:fillRef idx="1">
+                  <a:schemeClr val="lt1"/>
+                </a:fillRef>
+                <a:effectRef idx="0">
+                  <a:schemeClr val="accent1"/>
+                </a:effectRef>
+                <a:fontRef idx="minor">
+                  <a:schemeClr val="dk1"/>
+                </a:fontRef>
+              </p:style>
+              <p:txBody>
+                <a:bodyPr rtlCol="0" anchor="ctr"/>
+                <a:p>
+                  <a:pPr algn="ctr"/>
+                  <a:r>
+                    <a:rPr lang="en-US" altLang="zh-CN"/>
+                    <a:t>4</a:t>
+                  </a:r>
+                  <a:endParaRPr lang="en-US" altLang="zh-CN"/>
+                </a:p>
+              </p:txBody>
+            </p:sp>
+            <p:sp>
+              <p:nvSpPr>
+                <p:cNvPr id="82" name="椭圆 81"/>
+                <p:cNvSpPr/>
+                <p:nvPr/>
+              </p:nvSpPr>
+              <p:spPr>
+                <a:xfrm>
+                  <a:off x="3175" y="4625"/>
+                  <a:ext cx="727" cy="727"/>
+                </a:xfrm>
+                <a:prstGeom prst="ellipse">
+                  <a:avLst/>
+                </a:prstGeom>
+                <a:ln>
+                  <a:solidFill>
+                    <a:srgbClr val="FF0000"/>
+                  </a:solidFill>
+                </a:ln>
+              </p:spPr>
+              <p:style>
+                <a:lnRef idx="2">
+                  <a:schemeClr val="accent1"/>
+                </a:lnRef>
+                <a:fillRef idx="1">
+                  <a:schemeClr val="lt1"/>
+                </a:fillRef>
+                <a:effectRef idx="0">
+                  <a:schemeClr val="accent1"/>
+                </a:effectRef>
+                <a:fontRef idx="minor">
+                  <a:schemeClr val="dk1"/>
+                </a:fontRef>
+              </p:style>
+              <p:txBody>
+                <a:bodyPr rtlCol="0" anchor="ctr"/>
+                <a:p>
+                  <a:pPr algn="ctr"/>
+                  <a:r>
+                    <a:rPr lang="en-US" altLang="zh-CN" sz="2800" b="1">
+                      <a:solidFill>
+                        <a:srgbClr val="7030A0"/>
+                      </a:solidFill>
+                    </a:rPr>
+                    <a:t>3</a:t>
+                  </a:r>
+                  <a:endParaRPr lang="en-US" altLang="zh-CN" sz="2800" b="1">
+                    <a:solidFill>
+                      <a:srgbClr val="7030A0"/>
+                    </a:solidFill>
+                  </a:endParaRPr>
+                </a:p>
+              </p:txBody>
+            </p:sp>
+          </p:grpSp>
+          <p:cxnSp>
+            <p:nvCxnSpPr>
+              <p:cNvPr id="83" name="直接箭头连接符 82"/>
+              <p:cNvCxnSpPr>
+                <a:stCxn id="76" idx="6"/>
+                <a:endCxn id="78" idx="2"/>
+              </p:cNvCxnSpPr>
+              <p:nvPr/>
+            </p:nvCxnSpPr>
+            <p:spPr>
+              <a:xfrm>
+                <a:off x="2664" y="3243"/>
+                <a:ext cx="1061" cy="0"/>
+              </a:xfrm>
+              <a:prstGeom prst="straightConnector1">
+                <a:avLst/>
+              </a:prstGeom>
+              <a:ln w="38100">
+                <a:solidFill>
+                  <a:srgbClr val="FF0000"/>
+                </a:solidFill>
+                <a:tailEnd type="arrow"/>
+              </a:ln>
+            </p:spPr>
+            <p:style>
+              <a:lnRef idx="1">
+                <a:schemeClr val="accent1"/>
+              </a:lnRef>
+              <a:fillRef idx="0">
+                <a:schemeClr val="accent1"/>
+              </a:fillRef>
+              <a:effectRef idx="0">
+                <a:schemeClr val="accent1"/>
+              </a:effectRef>
+              <a:fontRef idx="minor">
+                <a:schemeClr val="tx1"/>
+              </a:fontRef>
+            </p:style>
+          </p:cxnSp>
+          <p:cxnSp>
+            <p:nvCxnSpPr>
+              <p:cNvPr id="84" name="直接箭头连接符 83"/>
+              <p:cNvCxnSpPr>
+                <a:stCxn id="78" idx="5"/>
+                <a:endCxn id="81" idx="1"/>
+              </p:cNvCxnSpPr>
+              <p:nvPr/>
+            </p:nvCxnSpPr>
+            <p:spPr>
+              <a:xfrm>
+                <a:off x="4346" y="3500"/>
+                <a:ext cx="546" cy="812"/>
+              </a:xfrm>
+              <a:prstGeom prst="straightConnector1">
+                <a:avLst/>
+              </a:prstGeom>
+              <a:ln w="38100">
+                <a:tailEnd type="arrow"/>
+              </a:ln>
+            </p:spPr>
+            <p:style>
+              <a:lnRef idx="1">
+                <a:schemeClr val="accent1"/>
+              </a:lnRef>
+              <a:fillRef idx="0">
+                <a:schemeClr val="accent1"/>
+              </a:fillRef>
+              <a:effectRef idx="0">
+                <a:schemeClr val="accent1"/>
+              </a:effectRef>
+              <a:fontRef idx="minor">
+                <a:schemeClr val="tx1"/>
+              </a:fontRef>
+            </p:style>
+          </p:cxnSp>
+          <p:cxnSp>
+            <p:nvCxnSpPr>
+              <p:cNvPr id="85" name="直接箭头连接符 84"/>
+              <p:cNvCxnSpPr>
+                <a:stCxn id="78" idx="3"/>
+                <a:endCxn id="82" idx="7"/>
+              </p:cNvCxnSpPr>
+              <p:nvPr/>
+            </p:nvCxnSpPr>
+            <p:spPr>
+              <a:xfrm flipH="1">
+                <a:off x="3422" y="3500"/>
+                <a:ext cx="409" cy="812"/>
+              </a:xfrm>
+              <a:prstGeom prst="straightConnector1">
+                <a:avLst/>
+              </a:prstGeom>
+              <a:ln w="38100">
+                <a:tailEnd type="arrow"/>
+              </a:ln>
+            </p:spPr>
+            <p:style>
+              <a:lnRef idx="1">
+                <a:schemeClr val="accent1"/>
+              </a:lnRef>
+              <a:fillRef idx="0">
+                <a:schemeClr val="accent1"/>
+              </a:fillRef>
+              <a:effectRef idx="0">
+                <a:schemeClr val="accent1"/>
+              </a:effectRef>
+              <a:fontRef idx="minor">
+                <a:schemeClr val="tx1"/>
+              </a:fontRef>
+            </p:style>
+          </p:cxnSp>
+          <p:cxnSp>
+            <p:nvCxnSpPr>
+              <p:cNvPr id="86" name="直接箭头连接符 85"/>
+              <p:cNvCxnSpPr>
+                <a:stCxn id="77" idx="7"/>
+                <a:endCxn id="76" idx="3"/>
+              </p:cNvCxnSpPr>
+              <p:nvPr/>
+            </p:nvCxnSpPr>
+            <p:spPr>
+              <a:xfrm flipV="1">
+                <a:off x="1304" y="3500"/>
+                <a:ext cx="739" cy="812"/>
+              </a:xfrm>
+              <a:prstGeom prst="straightConnector1">
+                <a:avLst/>
+              </a:prstGeom>
+              <a:ln w="38100">
+                <a:tailEnd type="arrow"/>
+              </a:ln>
+            </p:spPr>
+            <p:style>
+              <a:lnRef idx="1">
+                <a:schemeClr val="accent1"/>
+              </a:lnRef>
+              <a:fillRef idx="0">
+                <a:schemeClr val="accent1"/>
+              </a:fillRef>
+              <a:effectRef idx="0">
+                <a:schemeClr val="accent1"/>
+              </a:effectRef>
+              <a:fontRef idx="minor">
+                <a:schemeClr val="tx1"/>
+              </a:fontRef>
+            </p:style>
+          </p:cxnSp>
+          <p:cxnSp>
+            <p:nvCxnSpPr>
+              <p:cNvPr id="87" name="直接箭头连接符 86"/>
+              <p:cNvCxnSpPr>
+                <a:stCxn id="76" idx="5"/>
+                <a:endCxn id="82" idx="1"/>
+              </p:cNvCxnSpPr>
+              <p:nvPr/>
+            </p:nvCxnSpPr>
+            <p:spPr>
+              <a:xfrm>
+                <a:off x="2558" y="3500"/>
+                <a:ext cx="349" cy="812"/>
+              </a:xfrm>
+              <a:prstGeom prst="straightConnector1">
+                <a:avLst/>
+              </a:prstGeom>
+              <a:ln w="38100">
+                <a:solidFill>
+                  <a:srgbClr val="FF0000"/>
+                </a:solidFill>
+                <a:tailEnd type="arrow"/>
+              </a:ln>
+            </p:spPr>
+            <p:style>
+              <a:lnRef idx="1">
+                <a:schemeClr val="accent1"/>
+              </a:lnRef>
+              <a:fillRef idx="0">
+                <a:schemeClr val="accent1"/>
+              </a:fillRef>
+              <a:effectRef idx="0">
+                <a:schemeClr val="accent1"/>
+              </a:effectRef>
+              <a:fontRef idx="minor">
+                <a:schemeClr val="tx1"/>
+              </a:fontRef>
+            </p:style>
+          </p:cxnSp>
+          <p:cxnSp>
+            <p:nvCxnSpPr>
+              <p:cNvPr id="88" name="直接箭头连接符 87"/>
+              <p:cNvCxnSpPr>
+                <a:stCxn id="82" idx="2"/>
+                <a:endCxn id="77" idx="6"/>
+              </p:cNvCxnSpPr>
+              <p:nvPr/>
+            </p:nvCxnSpPr>
+            <p:spPr>
+              <a:xfrm flipH="1">
+                <a:off x="1410" y="4570"/>
+                <a:ext cx="1391" cy="0"/>
+              </a:xfrm>
+              <a:prstGeom prst="straightConnector1">
+                <a:avLst/>
+              </a:prstGeom>
+              <a:ln w="38100">
+                <a:tailEnd type="arrow"/>
+              </a:ln>
+            </p:spPr>
+            <p:style>
+              <a:lnRef idx="1">
+                <a:schemeClr val="accent1"/>
+              </a:lnRef>
+              <a:fillRef idx="0">
+                <a:schemeClr val="accent1"/>
+              </a:fillRef>
+              <a:effectRef idx="0">
+                <a:schemeClr val="accent1"/>
+              </a:effectRef>
+              <a:fontRef idx="minor">
+                <a:schemeClr val="tx1"/>
+              </a:fontRef>
+            </p:style>
+          </p:cxnSp>
+          <p:cxnSp>
+            <p:nvCxnSpPr>
+              <p:cNvPr id="89" name="直接箭头连接符 88"/>
+              <p:cNvCxnSpPr>
+                <a:stCxn id="82" idx="3"/>
+                <a:endCxn id="79" idx="7"/>
+              </p:cNvCxnSpPr>
+              <p:nvPr/>
+            </p:nvCxnSpPr>
+            <p:spPr>
+              <a:xfrm flipH="1">
+                <a:off x="2558" y="4827"/>
+                <a:ext cx="349" cy="804"/>
+              </a:xfrm>
+              <a:prstGeom prst="straightConnector1">
+                <a:avLst/>
+              </a:prstGeom>
+              <a:ln w="38100">
+                <a:tailEnd type="arrow"/>
+              </a:ln>
+            </p:spPr>
+            <p:style>
+              <a:lnRef idx="1">
+                <a:schemeClr val="accent1"/>
+              </a:lnRef>
+              <a:fillRef idx="0">
+                <a:schemeClr val="accent1"/>
+              </a:fillRef>
+              <a:effectRef idx="0">
+                <a:schemeClr val="accent1"/>
+              </a:effectRef>
+              <a:fontRef idx="minor">
+                <a:schemeClr val="tx1"/>
+              </a:fontRef>
+            </p:style>
+          </p:cxnSp>
+          <p:cxnSp>
+            <p:nvCxnSpPr>
+              <p:cNvPr id="90" name="直接箭头连接符 89"/>
+              <p:cNvCxnSpPr>
+                <a:stCxn id="82" idx="5"/>
+                <a:endCxn id="80" idx="1"/>
+              </p:cNvCxnSpPr>
+              <p:nvPr/>
+            </p:nvCxnSpPr>
+            <p:spPr>
+              <a:xfrm>
+                <a:off x="3422" y="4827"/>
+                <a:ext cx="409" cy="804"/>
+              </a:xfrm>
+              <a:prstGeom prst="straightConnector1">
+                <a:avLst/>
+              </a:prstGeom>
+              <a:ln w="38100">
+                <a:tailEnd type="arrow"/>
+              </a:ln>
+            </p:spPr>
+            <p:style>
+              <a:lnRef idx="1">
+                <a:schemeClr val="accent1"/>
+              </a:lnRef>
+              <a:fillRef idx="0">
+                <a:schemeClr val="accent1"/>
+              </a:fillRef>
+              <a:effectRef idx="0">
+                <a:schemeClr val="accent1"/>
+              </a:effectRef>
+              <a:fontRef idx="minor">
+                <a:schemeClr val="tx1"/>
+              </a:fontRef>
+            </p:style>
+          </p:cxnSp>
+          <p:cxnSp>
+            <p:nvCxnSpPr>
+              <p:cNvPr id="91" name="直接箭头连接符 90"/>
+              <p:cNvCxnSpPr>
+                <a:stCxn id="80" idx="2"/>
+                <a:endCxn id="79" idx="6"/>
+              </p:cNvCxnSpPr>
+              <p:nvPr/>
+            </p:nvCxnSpPr>
+            <p:spPr>
+              <a:xfrm flipH="1">
+                <a:off x="2664" y="5889"/>
+                <a:ext cx="1061" cy="0"/>
+              </a:xfrm>
+              <a:prstGeom prst="straightConnector1">
+                <a:avLst/>
+              </a:prstGeom>
+              <a:ln w="38100">
+                <a:tailEnd type="arrow"/>
+              </a:ln>
+            </p:spPr>
+            <p:style>
+              <a:lnRef idx="1">
+                <a:schemeClr val="accent1"/>
+              </a:lnRef>
+              <a:fillRef idx="0">
+                <a:schemeClr val="accent1"/>
+              </a:fillRef>
+              <a:effectRef idx="0">
+                <a:schemeClr val="accent1"/>
+              </a:effectRef>
+              <a:fontRef idx="minor">
+                <a:schemeClr val="tx1"/>
+              </a:fontRef>
+            </p:style>
+          </p:cxnSp>
+          <p:cxnSp>
+            <p:nvCxnSpPr>
+              <p:cNvPr id="92" name="直接箭头连接符 91"/>
+              <p:cNvCxnSpPr>
+                <a:stCxn id="81" idx="3"/>
+                <a:endCxn id="80" idx="7"/>
+              </p:cNvCxnSpPr>
+              <p:nvPr/>
+            </p:nvCxnSpPr>
+            <p:spPr>
+              <a:xfrm flipH="1">
+                <a:off x="4346" y="4827"/>
+                <a:ext cx="546" cy="804"/>
+              </a:xfrm>
+              <a:prstGeom prst="straightConnector1">
+                <a:avLst/>
+              </a:prstGeom>
+              <a:ln w="38100">
+                <a:tailEnd type="arrow"/>
+              </a:ln>
+            </p:spPr>
+            <p:style>
+              <a:lnRef idx="1">
+                <a:schemeClr val="accent1"/>
+              </a:lnRef>
+              <a:fillRef idx="0">
+                <a:schemeClr val="accent1"/>
+              </a:fillRef>
+              <a:effectRef idx="0">
+                <a:schemeClr val="accent1"/>
+              </a:effectRef>
+              <a:fontRef idx="minor">
+                <a:schemeClr val="tx1"/>
+              </a:fontRef>
+            </p:style>
+          </p:cxnSp>
+          <p:cxnSp>
+            <p:nvCxnSpPr>
+              <p:cNvPr id="93" name="直接箭头连接符 92"/>
+              <p:cNvCxnSpPr>
+                <a:stCxn id="82" idx="6"/>
+                <a:endCxn id="81" idx="2"/>
+              </p:cNvCxnSpPr>
+              <p:nvPr/>
+            </p:nvCxnSpPr>
+            <p:spPr>
+              <a:xfrm>
+                <a:off x="3528" y="4570"/>
+                <a:ext cx="1258" cy="0"/>
+              </a:xfrm>
+              <a:prstGeom prst="straightConnector1">
+                <a:avLst/>
+              </a:prstGeom>
+              <a:ln w="38100">
+                <a:tailEnd type="arrow"/>
+              </a:ln>
+            </p:spPr>
+            <p:style>
+              <a:lnRef idx="1">
+                <a:schemeClr val="accent1"/>
+              </a:lnRef>
+              <a:fillRef idx="0">
+                <a:schemeClr val="accent1"/>
+              </a:fillRef>
+              <a:effectRef idx="0">
+                <a:schemeClr val="accent1"/>
+              </a:effectRef>
+              <a:fontRef idx="minor">
+                <a:schemeClr val="tx1"/>
+              </a:fontRef>
+            </p:style>
+          </p:cxnSp>
+          <p:cxnSp>
+            <p:nvCxnSpPr>
+              <p:cNvPr id="94" name="直接箭头连接符 93"/>
+              <p:cNvCxnSpPr>
+                <a:stCxn id="77" idx="5"/>
+                <a:endCxn id="79" idx="1"/>
+              </p:cNvCxnSpPr>
+              <p:nvPr/>
+            </p:nvCxnSpPr>
+            <p:spPr>
+              <a:xfrm>
+                <a:off x="1304" y="4827"/>
+                <a:ext cx="739" cy="804"/>
+              </a:xfrm>
+              <a:prstGeom prst="straightConnector1">
+                <a:avLst/>
+              </a:prstGeom>
+              <a:ln w="38100">
+                <a:tailEnd type="arrow"/>
+              </a:ln>
+            </p:spPr>
+            <p:style>
+              <a:lnRef idx="1">
+                <a:schemeClr val="accent1"/>
+              </a:lnRef>
+              <a:fillRef idx="0">
+                <a:schemeClr val="accent1"/>
+              </a:fillRef>
+              <a:effectRef idx="0">
+                <a:schemeClr val="accent1"/>
+              </a:effectRef>
+              <a:fontRef idx="minor">
+                <a:schemeClr val="tx1"/>
+              </a:fontRef>
+            </p:style>
+          </p:cxnSp>
+        </p:grpSp>
+        <p:sp>
+          <p:nvSpPr>
+            <p:cNvPr id="95" name="文本框 94"/>
+            <p:cNvSpPr txBox="1"/>
+            <p:nvPr/>
+          </p:nvSpPr>
+          <p:spPr>
+            <a:xfrm>
+              <a:off x="3426" y="3320"/>
+              <a:ext cx="484" cy="599"/>
+            </a:xfrm>
+            <a:prstGeom prst="rect">
+              <a:avLst/>
+            </a:prstGeom>
+            <a:noFill/>
+          </p:spPr>
+          <p:txBody>
+            <a:bodyPr wrap="square" rtlCol="0">
+              <a:spAutoFit/>
+            </a:bodyPr>
+            <a:p>
+              <a:r>
+                <a:rPr lang="en-US" altLang="zh-CN" b="1">
+                  <a:solidFill>
+                    <a:srgbClr val="FF0000"/>
+                  </a:solidFill>
+                </a:rPr>
+                <a:t>2</a:t>
+              </a:r>
+              <a:endParaRPr lang="en-US" altLang="zh-CN" b="1">
+                <a:solidFill>
+                  <a:srgbClr val="FF0000"/>
+                </a:solidFill>
+              </a:endParaRPr>
+            </a:p>
+          </p:txBody>
+        </p:sp>
+        <p:sp>
+          <p:nvSpPr>
+            <p:cNvPr id="96" name="文本框 95"/>
+            <p:cNvSpPr txBox="1"/>
+            <p:nvPr/>
+          </p:nvSpPr>
+          <p:spPr>
+            <a:xfrm>
+              <a:off x="5399" y="4119"/>
+              <a:ext cx="875" cy="599"/>
+            </a:xfrm>
+            <a:prstGeom prst="rect">
+              <a:avLst/>
+            </a:prstGeom>
+            <a:noFill/>
+          </p:spPr>
+          <p:txBody>
+            <a:bodyPr wrap="square" rtlCol="0">
+              <a:spAutoFit/>
+            </a:bodyPr>
+            <a:p>
+              <a:r>
+                <a:rPr lang="en-US" altLang="zh-CN"/>
+                <a:t>10</a:t>
+              </a:r>
+              <a:endParaRPr lang="en-US" altLang="zh-CN"/>
+            </a:p>
+          </p:txBody>
+        </p:sp>
+        <p:sp>
+          <p:nvSpPr>
+            <p:cNvPr id="97" name="文本框 96"/>
+            <p:cNvSpPr txBox="1"/>
+            <p:nvPr/>
+          </p:nvSpPr>
+          <p:spPr>
+            <a:xfrm>
+              <a:off x="3910" y="4119"/>
+              <a:ext cx="484" cy="599"/>
+            </a:xfrm>
+            <a:prstGeom prst="rect">
+              <a:avLst/>
+            </a:prstGeom>
+            <a:noFill/>
+          </p:spPr>
+          <p:txBody>
+            <a:bodyPr wrap="square" rtlCol="0">
+              <a:spAutoFit/>
+            </a:bodyPr>
+            <a:p>
+              <a:r>
+                <a:rPr lang="en-US" altLang="zh-CN"/>
+                <a:t>3</a:t>
+              </a:r>
+              <a:endParaRPr lang="en-US" altLang="zh-CN"/>
+            </a:p>
+          </p:txBody>
+        </p:sp>
+        <p:sp>
+          <p:nvSpPr>
+            <p:cNvPr id="98" name="文本框 97"/>
+            <p:cNvSpPr txBox="1"/>
+            <p:nvPr/>
+          </p:nvSpPr>
+          <p:spPr>
+            <a:xfrm>
+              <a:off x="3026" y="4119"/>
+              <a:ext cx="484" cy="599"/>
+            </a:xfrm>
+            <a:prstGeom prst="rect">
+              <a:avLst/>
+            </a:prstGeom>
+            <a:noFill/>
+          </p:spPr>
+          <p:txBody>
+            <a:bodyPr wrap="square" rtlCol="0">
+              <a:spAutoFit/>
+            </a:bodyPr>
+            <a:p>
+              <a:r>
+                <a:rPr lang="en-US" altLang="zh-CN" b="1">
+                  <a:solidFill>
+                    <a:srgbClr val="FF0000"/>
+                  </a:solidFill>
+                </a:rPr>
+                <a:t>1</a:t>
+              </a:r>
+              <a:endParaRPr lang="en-US" altLang="zh-CN" b="1">
+                <a:solidFill>
+                  <a:srgbClr val="FF0000"/>
+                </a:solidFill>
+              </a:endParaRPr>
+            </a:p>
+          </p:txBody>
+        </p:sp>
+        <p:sp>
+          <p:nvSpPr>
+            <p:cNvPr id="99" name="文本框 98"/>
+            <p:cNvSpPr txBox="1"/>
+            <p:nvPr/>
+          </p:nvSpPr>
+          <p:spPr>
+            <a:xfrm>
+              <a:off x="1320" y="4119"/>
+              <a:ext cx="484" cy="599"/>
+            </a:xfrm>
+            <a:prstGeom prst="rect">
+              <a:avLst/>
+            </a:prstGeom>
+            <a:noFill/>
+          </p:spPr>
+          <p:txBody>
+            <a:bodyPr wrap="square" rtlCol="0">
+              <a:spAutoFit/>
+            </a:bodyPr>
+            <a:p>
+              <a:r>
+                <a:rPr lang="en-US" altLang="zh-CN"/>
+                <a:t>4</a:t>
+              </a:r>
+              <a:endParaRPr lang="en-US" altLang="zh-CN"/>
+            </a:p>
+          </p:txBody>
+        </p:sp>
+        <p:sp>
+          <p:nvSpPr>
+            <p:cNvPr id="100" name="文本框 99"/>
+            <p:cNvSpPr txBox="1"/>
+            <p:nvPr/>
+          </p:nvSpPr>
+          <p:spPr>
+            <a:xfrm>
+              <a:off x="2230" y="4839"/>
+              <a:ext cx="484" cy="599"/>
+            </a:xfrm>
+            <a:prstGeom prst="rect">
+              <a:avLst/>
+            </a:prstGeom>
+            <a:noFill/>
+          </p:spPr>
+          <p:txBody>
+            <a:bodyPr wrap="square" rtlCol="0">
+              <a:spAutoFit/>
+            </a:bodyPr>
+            <a:p>
+              <a:r>
+                <a:rPr lang="en-US" altLang="zh-CN"/>
+                <a:t>2</a:t>
+              </a:r>
+              <a:endParaRPr lang="en-US" altLang="zh-CN"/>
+            </a:p>
+          </p:txBody>
+        </p:sp>
+        <p:sp>
+          <p:nvSpPr>
+            <p:cNvPr id="101" name="文本框 100"/>
+            <p:cNvSpPr txBox="1"/>
+            <p:nvPr/>
+          </p:nvSpPr>
+          <p:spPr>
+            <a:xfrm>
+              <a:off x="4699" y="4839"/>
+              <a:ext cx="484" cy="599"/>
+            </a:xfrm>
+            <a:prstGeom prst="rect">
+              <a:avLst/>
+            </a:prstGeom>
+            <a:noFill/>
+          </p:spPr>
+          <p:txBody>
+            <a:bodyPr wrap="square" rtlCol="0">
+              <a:spAutoFit/>
+            </a:bodyPr>
+            <a:p>
+              <a:r>
+                <a:rPr lang="en-US" altLang="zh-CN"/>
+                <a:t>2</a:t>
+              </a:r>
+              <a:endParaRPr lang="en-US" altLang="zh-CN"/>
+            </a:p>
+          </p:txBody>
+        </p:sp>
+        <p:sp>
+          <p:nvSpPr>
+            <p:cNvPr id="102" name="文本框 101"/>
+            <p:cNvSpPr txBox="1"/>
+            <p:nvPr/>
+          </p:nvSpPr>
+          <p:spPr>
+            <a:xfrm>
+              <a:off x="5183" y="5861"/>
+              <a:ext cx="484" cy="599"/>
+            </a:xfrm>
+            <a:prstGeom prst="rect">
+              <a:avLst/>
+            </a:prstGeom>
+            <a:noFill/>
+          </p:spPr>
+          <p:txBody>
+            <a:bodyPr wrap="square" rtlCol="0">
+              <a:spAutoFit/>
+            </a:bodyPr>
+            <a:p>
+              <a:r>
+                <a:rPr lang="en-US" altLang="zh-CN"/>
+                <a:t>6</a:t>
+              </a:r>
+              <a:endParaRPr lang="en-US" altLang="zh-CN"/>
+            </a:p>
+          </p:txBody>
+        </p:sp>
+        <p:sp>
+          <p:nvSpPr>
+            <p:cNvPr id="103" name="文本框 102"/>
+            <p:cNvSpPr txBox="1"/>
+            <p:nvPr/>
+          </p:nvSpPr>
+          <p:spPr>
+            <a:xfrm>
+              <a:off x="3514" y="6442"/>
+              <a:ext cx="484" cy="599"/>
+            </a:xfrm>
+            <a:prstGeom prst="rect">
+              <a:avLst/>
+            </a:prstGeom>
+            <a:noFill/>
+          </p:spPr>
+          <p:txBody>
+            <a:bodyPr wrap="square" rtlCol="0">
+              <a:spAutoFit/>
+            </a:bodyPr>
+            <a:p>
+              <a:r>
+                <a:rPr lang="en-US" altLang="zh-CN"/>
+                <a:t>1</a:t>
+              </a:r>
+              <a:endParaRPr lang="en-US" altLang="zh-CN"/>
+            </a:p>
+          </p:txBody>
+        </p:sp>
+        <p:sp>
+          <p:nvSpPr>
+            <p:cNvPr id="104" name="文本框 103"/>
+            <p:cNvSpPr txBox="1"/>
+            <p:nvPr/>
+          </p:nvSpPr>
+          <p:spPr>
+            <a:xfrm>
+              <a:off x="1804" y="5731"/>
+              <a:ext cx="484" cy="599"/>
+            </a:xfrm>
+            <a:prstGeom prst="rect">
+              <a:avLst/>
+            </a:prstGeom>
+            <a:noFill/>
+          </p:spPr>
+          <p:txBody>
+            <a:bodyPr wrap="square" rtlCol="0">
+              <a:spAutoFit/>
+            </a:bodyPr>
+            <a:p>
+              <a:r>
+                <a:rPr lang="en-US" altLang="zh-CN"/>
+                <a:t>5</a:t>
+              </a:r>
+              <a:endParaRPr lang="en-US" altLang="zh-CN"/>
+            </a:p>
+          </p:txBody>
+        </p:sp>
+        <p:sp>
+          <p:nvSpPr>
+            <p:cNvPr id="105" name="文本框 104"/>
+            <p:cNvSpPr txBox="1"/>
+            <p:nvPr/>
+          </p:nvSpPr>
+          <p:spPr>
+            <a:xfrm>
+              <a:off x="2714" y="5731"/>
+              <a:ext cx="484" cy="599"/>
+            </a:xfrm>
+            <a:prstGeom prst="rect">
+              <a:avLst/>
+            </a:prstGeom>
+            <a:noFill/>
+          </p:spPr>
+          <p:txBody>
+            <a:bodyPr wrap="square" rtlCol="0">
+              <a:spAutoFit/>
+            </a:bodyPr>
+            <a:p>
+              <a:r>
+                <a:rPr lang="en-US" altLang="zh-CN"/>
+                <a:t>8</a:t>
+              </a:r>
+              <a:endParaRPr lang="en-US" altLang="zh-CN"/>
+            </a:p>
+          </p:txBody>
+        </p:sp>
+        <p:sp>
+          <p:nvSpPr>
+            <p:cNvPr id="106" name="文本框 105"/>
+            <p:cNvSpPr txBox="1"/>
+            <p:nvPr/>
+          </p:nvSpPr>
+          <p:spPr>
+            <a:xfrm>
+              <a:off x="4215" y="5731"/>
+              <a:ext cx="484" cy="599"/>
+            </a:xfrm>
+            <a:prstGeom prst="rect">
+              <a:avLst/>
+            </a:prstGeom>
+            <a:noFill/>
+          </p:spPr>
+          <p:txBody>
+            <a:bodyPr wrap="square" rtlCol="0">
+              <a:spAutoFit/>
+            </a:bodyPr>
+            <a:p>
+              <a:r>
+                <a:rPr lang="en-US" altLang="zh-CN"/>
+                <a:t>4</a:t>
+              </a:r>
+              <a:endParaRPr lang="en-US" altLang="zh-CN"/>
+            </a:p>
+          </p:txBody>
+        </p:sp>
+      </p:grpSp>
+      <p:sp>
+        <p:nvSpPr>
+          <p:cNvPr id="209" name="文本框 208"/>
+          <p:cNvSpPr txBox="1"/>
+          <p:nvPr/>
+        </p:nvSpPr>
+        <p:spPr>
+          <a:xfrm>
+            <a:off x="4249420" y="1471930"/>
+            <a:ext cx="2403475" cy="2030095"/>
+          </a:xfrm>
+          <a:prstGeom prst="rect">
+            <a:avLst/>
+          </a:prstGeom>
+          <a:noFill/>
+        </p:spPr>
+        <p:txBody>
+          <a:bodyPr wrap="square" rtlCol="0">
+            <a:spAutoFit/>
+          </a:bodyPr>
+          <a:p>
+            <a:r>
+              <a:rPr lang="en-US" altLang="zh-CN" b="1">
+                <a:solidFill>
+                  <a:srgbClr val="7030A0"/>
+                </a:solidFill>
+              </a:rPr>
+              <a:t>dis[0] = 0     prev[0] = 0</a:t>
+            </a:r>
+            <a:endParaRPr lang="en-US" altLang="zh-CN" b="1">
+              <a:solidFill>
+                <a:srgbClr val="7030A0"/>
+              </a:solidFill>
+            </a:endParaRPr>
+          </a:p>
+          <a:p>
+            <a:r>
+              <a:rPr lang="en-US" altLang="zh-CN"/>
+              <a:t>dis[1] = M    prev[1] = ?</a:t>
+            </a:r>
+            <a:endParaRPr lang="en-US" altLang="zh-CN"/>
+          </a:p>
+          <a:p>
+            <a:r>
+              <a:rPr lang="en-US" altLang="zh-CN">
+                <a:sym typeface="+mn-ea"/>
+              </a:rPr>
+              <a:t>dis[2] = M    prev[2] = ?</a:t>
+            </a:r>
+            <a:endParaRPr lang="en-US" altLang="zh-CN"/>
+          </a:p>
+          <a:p>
+            <a:r>
+              <a:rPr lang="en-US" altLang="zh-CN">
+                <a:sym typeface="+mn-ea"/>
+              </a:rPr>
+              <a:t>dis[3] = M    prev[3] = ?</a:t>
+            </a:r>
+            <a:endParaRPr lang="en-US" altLang="zh-CN"/>
+          </a:p>
+          <a:p>
+            <a:r>
+              <a:rPr lang="en-US" altLang="zh-CN">
+                <a:sym typeface="+mn-ea"/>
+              </a:rPr>
+              <a:t>dis[4] = M    prev[4] = ?</a:t>
+            </a:r>
+            <a:endParaRPr lang="en-US" altLang="zh-CN">
+              <a:sym typeface="+mn-ea"/>
+            </a:endParaRPr>
+          </a:p>
+          <a:p>
+            <a:r>
+              <a:rPr lang="en-US" altLang="zh-CN">
+                <a:sym typeface="+mn-ea"/>
+              </a:rPr>
+              <a:t>dis[5] = M    prev[5 = ?</a:t>
+            </a:r>
+            <a:endParaRPr lang="en-US" altLang="zh-CN"/>
+          </a:p>
+          <a:p>
+            <a:r>
+              <a:rPr lang="en-US" altLang="zh-CN">
+                <a:sym typeface="+mn-ea"/>
+              </a:rPr>
+              <a:t>dis[6] = M    prev[6] = ?</a:t>
+            </a:r>
+            <a:endParaRPr lang="en-US" altLang="zh-CN"/>
+          </a:p>
+        </p:txBody>
+      </p:sp>
+      <p:sp>
+        <p:nvSpPr>
+          <p:cNvPr id="214" name="文本框 213"/>
+          <p:cNvSpPr txBox="1"/>
+          <p:nvPr/>
+        </p:nvSpPr>
+        <p:spPr>
+          <a:xfrm>
+            <a:off x="4307840" y="4292600"/>
+            <a:ext cx="2403475" cy="2030095"/>
+          </a:xfrm>
+          <a:prstGeom prst="rect">
+            <a:avLst/>
+          </a:prstGeom>
+          <a:noFill/>
+        </p:spPr>
+        <p:txBody>
+          <a:bodyPr wrap="square" rtlCol="0">
+            <a:spAutoFit/>
+          </a:bodyPr>
+          <a:p>
+            <a:r>
+              <a:rPr lang="en-US" altLang="zh-CN" b="1">
+                <a:solidFill>
+                  <a:schemeClr val="tx1"/>
+                </a:solidFill>
+              </a:rPr>
+              <a:t>dis[0] = 0     prev[0] = 0</a:t>
+            </a:r>
+            <a:endParaRPr lang="en-US" altLang="zh-CN" b="1">
+              <a:solidFill>
+                <a:schemeClr val="tx1"/>
+              </a:solidFill>
+            </a:endParaRPr>
+          </a:p>
+          <a:p>
+            <a:r>
+              <a:rPr lang="en-US" altLang="zh-CN"/>
+              <a:t>dis[1] = 2     prev[1] = 0</a:t>
+            </a:r>
+            <a:endParaRPr lang="en-US" altLang="zh-CN"/>
+          </a:p>
+          <a:p>
+            <a:r>
+              <a:rPr lang="en-US" altLang="zh-CN">
+                <a:sym typeface="+mn-ea"/>
+              </a:rPr>
+              <a:t>dis[2] = M    prev[2] = ?</a:t>
+            </a:r>
+            <a:endParaRPr lang="en-US" altLang="zh-CN"/>
+          </a:p>
+          <a:p>
+            <a:r>
+              <a:rPr lang="en-US" altLang="zh-CN" b="1">
+                <a:solidFill>
+                  <a:srgbClr val="7030A0"/>
+                </a:solidFill>
+                <a:sym typeface="+mn-ea"/>
+              </a:rPr>
+              <a:t>dis[3] = 1     prev[3] = 0</a:t>
+            </a:r>
+            <a:endParaRPr lang="en-US" altLang="zh-CN" b="1">
+              <a:solidFill>
+                <a:srgbClr val="7030A0"/>
+              </a:solidFill>
+              <a:sym typeface="+mn-ea"/>
+            </a:endParaRPr>
+          </a:p>
+          <a:p>
+            <a:r>
+              <a:rPr lang="en-US" altLang="zh-CN">
+                <a:sym typeface="+mn-ea"/>
+              </a:rPr>
+              <a:t>dis[4] = M    prev[4] = ?</a:t>
+            </a:r>
+            <a:endParaRPr lang="en-US" altLang="zh-CN">
+              <a:sym typeface="+mn-ea"/>
+            </a:endParaRPr>
+          </a:p>
+          <a:p>
+            <a:r>
+              <a:rPr lang="en-US" altLang="zh-CN">
+                <a:sym typeface="+mn-ea"/>
+              </a:rPr>
+              <a:t>dis[5] = M    prev[5] = ?</a:t>
+            </a:r>
+            <a:endParaRPr lang="en-US" altLang="zh-CN"/>
+          </a:p>
+          <a:p>
+            <a:r>
+              <a:rPr lang="en-US" altLang="zh-CN">
+                <a:sym typeface="+mn-ea"/>
+              </a:rPr>
+              <a:t>dis[6] = M    prev[6] = ?</a:t>
+            </a:r>
+            <a:endParaRPr lang="en-US" altLang="zh-CN"/>
+          </a:p>
+        </p:txBody>
+      </p:sp>
+    </p:spTree>
+  </p:cSld>
+  <p:clrMapOvr>
+    <a:masterClrMapping/>
+  </p:clrMapOvr>
+</p:sld>
+</file>
+
+<file path=ppt/slides/slide31.xml><?xml version="1.0" encoding="utf-8"?>
+<p:sld xmlns:a="http://schemas.openxmlformats.org/drawingml/2006/main" xmlns:r="http://schemas.openxmlformats.org/officeDocument/2006/relationships" xmlns:p="http://schemas.openxmlformats.org/presentationml/2006/main">
+  <p:cSld>
+    <p:spTree>
+      <p:nvGrpSpPr>
+        <p:cNvPr id="1" name=""/>
+        <p:cNvGrpSpPr/>
+        <p:nvPr/>
+      </p:nvGrpSpPr>
+      <p:grpSpPr/>
+      <p:sp>
+        <p:nvSpPr>
+          <p:cNvPr id="2" name="标题 1"/>
+          <p:cNvSpPr>
+            <a:spLocks noGrp="1"/>
+          </p:cNvSpPr>
+          <p:nvPr>
+            <p:ph type="title"/>
+          </p:nvPr>
+        </p:nvSpPr>
+        <p:spPr>
+          <a:xfrm>
+            <a:off x="251460" y="10795"/>
+            <a:ext cx="10515600" cy="1325563"/>
+          </a:xfrm>
+        </p:spPr>
+        <p:txBody>
+          <a:bodyPr/>
+          <a:p>
+            <a:r>
+              <a:rPr lang="zh-CN" altLang="en-US"/>
+              <a:t>有权最短路径 </a:t>
+            </a:r>
+            <a:r>
+              <a:rPr lang="en-US" altLang="zh-CN"/>
+              <a:t>Dijkstra</a:t>
+            </a:r>
+            <a:r>
+              <a:rPr lang="zh-CN" altLang="en-US"/>
+              <a:t>算法</a:t>
+            </a:r>
+            <a:r>
+              <a:rPr lang="en-US" altLang="zh-CN"/>
+              <a:t>(2/4)</a:t>
+            </a:r>
+            <a:endParaRPr lang="en-US" altLang="zh-CN"/>
+          </a:p>
+        </p:txBody>
+      </p:sp>
+      <p:grpSp>
+        <p:nvGrpSpPr>
+          <p:cNvPr id="107" name="组合 106"/>
+          <p:cNvGrpSpPr/>
+          <p:nvPr/>
+        </p:nvGrpSpPr>
+        <p:grpSpPr>
+          <a:xfrm>
+            <a:off x="338455" y="1286510"/>
+            <a:ext cx="3654425" cy="2545080"/>
+            <a:chOff x="485" y="3320"/>
+            <a:chExt cx="6194" cy="4142"/>
+          </a:xfrm>
+        </p:grpSpPr>
+        <p:grpSp>
+          <p:nvGrpSpPr>
+            <p:cNvPr id="108" name="组合 107"/>
+            <p:cNvGrpSpPr/>
+            <p:nvPr/>
+          </p:nvGrpSpPr>
+          <p:grpSpPr>
+            <a:xfrm>
+              <a:off x="485" y="3364"/>
+              <a:ext cx="6194" cy="4098"/>
+              <a:chOff x="683" y="2879"/>
+              <a:chExt cx="4829" cy="3372"/>
+            </a:xfrm>
+          </p:grpSpPr>
+          <p:grpSp>
+            <p:nvGrpSpPr>
+              <p:cNvPr id="109" name="组合 108"/>
+              <p:cNvGrpSpPr/>
+              <p:nvPr/>
+            </p:nvGrpSpPr>
+            <p:grpSpPr>
+              <a:xfrm>
+                <a:off x="683" y="2879"/>
+                <a:ext cx="4829" cy="3372"/>
+                <a:chOff x="1057" y="3298"/>
+                <a:chExt cx="4829" cy="3372"/>
+              </a:xfrm>
+            </p:grpSpPr>
+            <p:sp>
+              <p:nvSpPr>
+                <p:cNvPr id="110" name="椭圆 109"/>
+                <p:cNvSpPr/>
+                <p:nvPr/>
+              </p:nvSpPr>
+              <p:spPr>
+                <a:xfrm>
+                  <a:off x="2311" y="3298"/>
+                  <a:ext cx="727" cy="727"/>
+                </a:xfrm>
+                <a:prstGeom prst="ellipse">
+                  <a:avLst/>
+                </a:prstGeom>
+                <a:ln>
+                  <a:solidFill>
+                    <a:srgbClr val="FF0000"/>
+                  </a:solidFill>
+                </a:ln>
+              </p:spPr>
+              <p:style>
+                <a:lnRef idx="2">
+                  <a:schemeClr val="accent1"/>
+                </a:lnRef>
+                <a:fillRef idx="1">
+                  <a:schemeClr val="lt1"/>
+                </a:fillRef>
+                <a:effectRef idx="0">
+                  <a:schemeClr val="accent1"/>
+                </a:effectRef>
+                <a:fontRef idx="minor">
+                  <a:schemeClr val="dk1"/>
+                </a:fontRef>
+              </p:style>
+              <p:txBody>
+                <a:bodyPr rtlCol="0" anchor="ctr"/>
+                <a:p>
+                  <a:pPr algn="ctr"/>
+                  <a:r>
+                    <a:rPr lang="en-US" altLang="zh-CN"/>
+                    <a:t>0</a:t>
+                  </a:r>
+                  <a:endParaRPr lang="en-US" altLang="zh-CN"/>
+                </a:p>
+              </p:txBody>
+            </p:sp>
+            <p:sp>
+              <p:nvSpPr>
+                <p:cNvPr id="111" name="椭圆 110"/>
+                <p:cNvSpPr/>
+                <p:nvPr/>
+              </p:nvSpPr>
+              <p:spPr>
+                <a:xfrm>
+                  <a:off x="1057" y="4625"/>
+                  <a:ext cx="727" cy="727"/>
+                </a:xfrm>
+                <a:prstGeom prst="ellipse">
+                  <a:avLst/>
+                </a:prstGeom>
+                <a:ln>
+                  <a:solidFill>
+                    <a:srgbClr val="FF0000"/>
+                  </a:solidFill>
+                </a:ln>
+              </p:spPr>
+              <p:style>
+                <a:lnRef idx="2">
+                  <a:schemeClr val="accent1"/>
+                </a:lnRef>
+                <a:fillRef idx="1">
+                  <a:schemeClr val="lt1"/>
+                </a:fillRef>
+                <a:effectRef idx="0">
+                  <a:schemeClr val="accent1"/>
+                </a:effectRef>
+                <a:fontRef idx="minor">
+                  <a:schemeClr val="dk1"/>
+                </a:fontRef>
+              </p:style>
+              <p:txBody>
+                <a:bodyPr rtlCol="0" anchor="ctr"/>
+                <a:p>
+                  <a:pPr algn="ctr"/>
+                  <a:r>
+                    <a:rPr lang="en-US" altLang="zh-CN">
+                      <a:solidFill>
+                        <a:schemeClr val="tx1"/>
+                      </a:solidFill>
+                    </a:rPr>
+                    <a:t>2</a:t>
+                  </a:r>
+                  <a:endParaRPr lang="en-US" altLang="zh-CN">
+                    <a:solidFill>
+                      <a:schemeClr val="tx1"/>
+                    </a:solidFill>
+                  </a:endParaRPr>
+                </a:p>
+              </p:txBody>
+            </p:sp>
+            <p:sp>
+              <p:nvSpPr>
+                <p:cNvPr id="112" name="椭圆 111"/>
+                <p:cNvSpPr/>
+                <p:nvPr/>
+              </p:nvSpPr>
+              <p:spPr>
+                <a:xfrm>
+                  <a:off x="4099" y="3298"/>
+                  <a:ext cx="727" cy="727"/>
+                </a:xfrm>
+                <a:prstGeom prst="ellipse">
+                  <a:avLst/>
+                </a:prstGeom>
+                <a:ln>
+                  <a:solidFill>
+                    <a:srgbClr val="FF0000"/>
+                  </a:solidFill>
+                </a:ln>
+              </p:spPr>
+              <p:style>
+                <a:lnRef idx="2">
+                  <a:schemeClr val="accent1"/>
+                </a:lnRef>
+                <a:fillRef idx="1">
+                  <a:schemeClr val="lt1"/>
+                </a:fillRef>
+                <a:effectRef idx="0">
+                  <a:schemeClr val="accent1"/>
+                </a:effectRef>
+                <a:fontRef idx="minor">
+                  <a:schemeClr val="dk1"/>
+                </a:fontRef>
+              </p:style>
+              <p:txBody>
+                <a:bodyPr rtlCol="0" anchor="ctr"/>
+                <a:p>
+                  <a:pPr algn="ctr"/>
+                  <a:r>
+                    <a:rPr lang="en-US" altLang="zh-CN" sz="2800" b="1">
+                      <a:solidFill>
+                        <a:srgbClr val="7030A0"/>
+                      </a:solidFill>
+                    </a:rPr>
+                    <a:t>1</a:t>
+                  </a:r>
+                  <a:endParaRPr lang="en-US" altLang="zh-CN" sz="2800" b="1">
+                    <a:solidFill>
+                      <a:srgbClr val="7030A0"/>
+                    </a:solidFill>
+                  </a:endParaRPr>
+                </a:p>
+              </p:txBody>
+            </p:sp>
+            <p:sp>
+              <p:nvSpPr>
+                <p:cNvPr id="113" name="椭圆 112"/>
+                <p:cNvSpPr/>
+                <p:nvPr/>
+              </p:nvSpPr>
+              <p:spPr>
+                <a:xfrm>
+                  <a:off x="2311" y="5944"/>
+                  <a:ext cx="727" cy="727"/>
+                </a:xfrm>
+                <a:prstGeom prst="ellipse">
+                  <a:avLst/>
+                </a:prstGeom>
+              </p:spPr>
+              <p:style>
+                <a:lnRef idx="2">
+                  <a:schemeClr val="accent1"/>
+                </a:lnRef>
+                <a:fillRef idx="1">
+                  <a:schemeClr val="lt1"/>
+                </a:fillRef>
+                <a:effectRef idx="0">
+                  <a:schemeClr val="accent1"/>
+                </a:effectRef>
+                <a:fontRef idx="minor">
+                  <a:schemeClr val="dk1"/>
+                </a:fontRef>
+              </p:style>
+              <p:txBody>
+                <a:bodyPr rtlCol="0" anchor="ctr"/>
+                <a:p>
+                  <a:pPr algn="ctr"/>
+                  <a:r>
+                    <a:rPr lang="en-US" altLang="zh-CN"/>
+                    <a:t>5</a:t>
+                  </a:r>
+                  <a:endParaRPr lang="en-US" altLang="zh-CN"/>
+                </a:p>
+              </p:txBody>
+            </p:sp>
+            <p:sp>
+              <p:nvSpPr>
+                <p:cNvPr id="114" name="椭圆 113"/>
+                <p:cNvSpPr/>
+                <p:nvPr/>
+              </p:nvSpPr>
+              <p:spPr>
+                <a:xfrm>
+                  <a:off x="4099" y="5944"/>
+                  <a:ext cx="727" cy="727"/>
+                </a:xfrm>
+                <a:prstGeom prst="ellipse">
+                  <a:avLst/>
+                </a:prstGeom>
+              </p:spPr>
+              <p:style>
+                <a:lnRef idx="2">
+                  <a:schemeClr val="accent1"/>
+                </a:lnRef>
+                <a:fillRef idx="1">
+                  <a:schemeClr val="lt1"/>
+                </a:fillRef>
+                <a:effectRef idx="0">
+                  <a:schemeClr val="accent1"/>
+                </a:effectRef>
+                <a:fontRef idx="minor">
+                  <a:schemeClr val="dk1"/>
+                </a:fontRef>
+              </p:style>
+              <p:txBody>
+                <a:bodyPr rtlCol="0" anchor="ctr"/>
+                <a:p>
+                  <a:pPr algn="ctr"/>
+                  <a:r>
+                    <a:rPr lang="en-US" altLang="zh-CN"/>
+                    <a:t>6</a:t>
+                  </a:r>
+                  <a:endParaRPr lang="en-US" altLang="zh-CN"/>
+                </a:p>
+              </p:txBody>
+            </p:sp>
+            <p:sp>
+              <p:nvSpPr>
+                <p:cNvPr id="115" name="椭圆 114"/>
+                <p:cNvSpPr/>
+                <p:nvPr/>
+              </p:nvSpPr>
+              <p:spPr>
+                <a:xfrm>
+                  <a:off x="5160" y="4625"/>
+                  <a:ext cx="727" cy="727"/>
+                </a:xfrm>
+                <a:prstGeom prst="ellipse">
+                  <a:avLst/>
+                </a:prstGeom>
+                <a:ln>
+                  <a:solidFill>
+                    <a:srgbClr val="FF0000"/>
+                  </a:solidFill>
+                </a:ln>
+              </p:spPr>
+              <p:style>
+                <a:lnRef idx="2">
+                  <a:schemeClr val="accent1"/>
+                </a:lnRef>
+                <a:fillRef idx="1">
+                  <a:schemeClr val="lt1"/>
+                </a:fillRef>
+                <a:effectRef idx="0">
+                  <a:schemeClr val="accent1"/>
+                </a:effectRef>
+                <a:fontRef idx="minor">
+                  <a:schemeClr val="dk1"/>
+                </a:fontRef>
+              </p:style>
+              <p:txBody>
+                <a:bodyPr rtlCol="0" anchor="ctr"/>
+                <a:p>
+                  <a:pPr algn="ctr"/>
+                  <a:r>
+                    <a:rPr lang="en-US" altLang="zh-CN"/>
+                    <a:t>4</a:t>
+                  </a:r>
+                  <a:endParaRPr lang="en-US" altLang="zh-CN"/>
+                </a:p>
+              </p:txBody>
+            </p:sp>
+            <p:sp>
+              <p:nvSpPr>
+                <p:cNvPr id="116" name="椭圆 115"/>
+                <p:cNvSpPr/>
+                <p:nvPr/>
+              </p:nvSpPr>
+              <p:spPr>
+                <a:xfrm>
+                  <a:off x="3175" y="4625"/>
+                  <a:ext cx="727" cy="727"/>
+                </a:xfrm>
+                <a:prstGeom prst="ellipse">
+                  <a:avLst/>
+                </a:prstGeom>
+                <a:ln>
+                  <a:solidFill>
+                    <a:srgbClr val="FF0000"/>
+                  </a:solidFill>
+                </a:ln>
+              </p:spPr>
+              <p:style>
+                <a:lnRef idx="2">
+                  <a:schemeClr val="accent1"/>
+                </a:lnRef>
+                <a:fillRef idx="1">
+                  <a:schemeClr val="lt1"/>
+                </a:fillRef>
+                <a:effectRef idx="0">
+                  <a:schemeClr val="accent1"/>
+                </a:effectRef>
+                <a:fontRef idx="minor">
+                  <a:schemeClr val="dk1"/>
+                </a:fontRef>
+              </p:style>
+              <p:txBody>
+                <a:bodyPr rtlCol="0" anchor="ctr"/>
+                <a:p>
+                  <a:pPr algn="ctr"/>
+                  <a:r>
+                    <a:rPr lang="en-US" altLang="zh-CN"/>
+                    <a:t>3</a:t>
+                  </a:r>
+                  <a:endParaRPr lang="en-US" altLang="zh-CN"/>
+                </a:p>
+              </p:txBody>
+            </p:sp>
+          </p:grpSp>
+          <p:cxnSp>
+            <p:nvCxnSpPr>
+              <p:cNvPr id="117" name="直接箭头连接符 116"/>
+              <p:cNvCxnSpPr>
+                <a:stCxn id="110" idx="6"/>
+                <a:endCxn id="112" idx="2"/>
+              </p:cNvCxnSpPr>
+              <p:nvPr/>
+            </p:nvCxnSpPr>
+            <p:spPr>
+              <a:xfrm>
+                <a:off x="2664" y="3243"/>
+                <a:ext cx="1061" cy="0"/>
+              </a:xfrm>
+              <a:prstGeom prst="straightConnector1">
+                <a:avLst/>
+              </a:prstGeom>
+              <a:ln w="38100">
+                <a:solidFill>
+                  <a:srgbClr val="FF0000"/>
+                </a:solidFill>
+                <a:tailEnd type="arrow"/>
+              </a:ln>
+            </p:spPr>
+            <p:style>
+              <a:lnRef idx="1">
+                <a:schemeClr val="accent1"/>
+              </a:lnRef>
+              <a:fillRef idx="0">
+                <a:schemeClr val="accent1"/>
+              </a:fillRef>
+              <a:effectRef idx="0">
+                <a:schemeClr val="accent1"/>
+              </a:effectRef>
+              <a:fontRef idx="minor">
+                <a:schemeClr val="tx1"/>
+              </a:fontRef>
+            </p:style>
+          </p:cxnSp>
+          <p:cxnSp>
+            <p:nvCxnSpPr>
+              <p:cNvPr id="118" name="直接箭头连接符 117"/>
+              <p:cNvCxnSpPr>
+                <a:stCxn id="112" idx="5"/>
+                <a:endCxn id="115" idx="1"/>
+              </p:cNvCxnSpPr>
+              <p:nvPr/>
+            </p:nvCxnSpPr>
+            <p:spPr>
+              <a:xfrm>
+                <a:off x="4346" y="3500"/>
+                <a:ext cx="546" cy="812"/>
+              </a:xfrm>
+              <a:prstGeom prst="straightConnector1">
+                <a:avLst/>
+              </a:prstGeom>
+              <a:ln w="38100">
+                <a:tailEnd type="arrow"/>
+              </a:ln>
+            </p:spPr>
+            <p:style>
+              <a:lnRef idx="1">
+                <a:schemeClr val="accent1"/>
+              </a:lnRef>
+              <a:fillRef idx="0">
+                <a:schemeClr val="accent1"/>
+              </a:fillRef>
+              <a:effectRef idx="0">
+                <a:schemeClr val="accent1"/>
+              </a:effectRef>
+              <a:fontRef idx="minor">
+                <a:schemeClr val="tx1"/>
+              </a:fontRef>
+            </p:style>
+          </p:cxnSp>
+          <p:cxnSp>
+            <p:nvCxnSpPr>
+              <p:cNvPr id="119" name="直接箭头连接符 118"/>
+              <p:cNvCxnSpPr>
+                <a:stCxn id="112" idx="3"/>
+                <a:endCxn id="116" idx="7"/>
+              </p:cNvCxnSpPr>
+              <p:nvPr/>
+            </p:nvCxnSpPr>
+            <p:spPr>
+              <a:xfrm flipH="1">
+                <a:off x="3422" y="3500"/>
+                <a:ext cx="409" cy="812"/>
+              </a:xfrm>
+              <a:prstGeom prst="straightConnector1">
+                <a:avLst/>
+              </a:prstGeom>
+              <a:ln w="38100">
+                <a:tailEnd type="arrow"/>
+              </a:ln>
+            </p:spPr>
+            <p:style>
+              <a:lnRef idx="1">
+                <a:schemeClr val="accent1"/>
+              </a:lnRef>
+              <a:fillRef idx="0">
+                <a:schemeClr val="accent1"/>
+              </a:fillRef>
+              <a:effectRef idx="0">
+                <a:schemeClr val="accent1"/>
+              </a:effectRef>
+              <a:fontRef idx="minor">
+                <a:schemeClr val="tx1"/>
+              </a:fontRef>
+            </p:style>
+          </p:cxnSp>
+          <p:cxnSp>
+            <p:nvCxnSpPr>
+              <p:cNvPr id="120" name="直接箭头连接符 119"/>
+              <p:cNvCxnSpPr>
+                <a:stCxn id="111" idx="7"/>
+                <a:endCxn id="110" idx="3"/>
+              </p:cNvCxnSpPr>
+              <p:nvPr/>
+            </p:nvCxnSpPr>
+            <p:spPr>
+              <a:xfrm flipV="1">
+                <a:off x="1304" y="3500"/>
+                <a:ext cx="739" cy="812"/>
+              </a:xfrm>
+              <a:prstGeom prst="straightConnector1">
+                <a:avLst/>
+              </a:prstGeom>
+              <a:ln w="38100">
+                <a:tailEnd type="arrow"/>
+              </a:ln>
+            </p:spPr>
+            <p:style>
+              <a:lnRef idx="1">
+                <a:schemeClr val="accent1"/>
+              </a:lnRef>
+              <a:fillRef idx="0">
+                <a:schemeClr val="accent1"/>
+              </a:fillRef>
+              <a:effectRef idx="0">
+                <a:schemeClr val="accent1"/>
+              </a:effectRef>
+              <a:fontRef idx="minor">
+                <a:schemeClr val="tx1"/>
+              </a:fontRef>
+            </p:style>
+          </p:cxnSp>
+          <p:cxnSp>
+            <p:nvCxnSpPr>
+              <p:cNvPr id="121" name="直接箭头连接符 120"/>
+              <p:cNvCxnSpPr>
+                <a:stCxn id="110" idx="5"/>
+                <a:endCxn id="116" idx="1"/>
+              </p:cNvCxnSpPr>
+              <p:nvPr/>
+            </p:nvCxnSpPr>
+            <p:spPr>
+              <a:xfrm>
+                <a:off x="2558" y="3500"/>
+                <a:ext cx="349" cy="812"/>
+              </a:xfrm>
+              <a:prstGeom prst="straightConnector1">
+                <a:avLst/>
+              </a:prstGeom>
+              <a:ln w="38100">
+                <a:solidFill>
+                  <a:srgbClr val="FF0000"/>
+                </a:solidFill>
+                <a:tailEnd type="arrow"/>
+              </a:ln>
+            </p:spPr>
+            <p:style>
+              <a:lnRef idx="1">
+                <a:schemeClr val="accent1"/>
+              </a:lnRef>
+              <a:fillRef idx="0">
+                <a:schemeClr val="accent1"/>
+              </a:fillRef>
+              <a:effectRef idx="0">
+                <a:schemeClr val="accent1"/>
+              </a:effectRef>
+              <a:fontRef idx="minor">
+                <a:schemeClr val="tx1"/>
+              </a:fontRef>
+            </p:style>
+          </p:cxnSp>
+          <p:cxnSp>
+            <p:nvCxnSpPr>
+              <p:cNvPr id="122" name="直接箭头连接符 121"/>
+              <p:cNvCxnSpPr>
+                <a:stCxn id="116" idx="2"/>
+                <a:endCxn id="111" idx="6"/>
+              </p:cNvCxnSpPr>
+              <p:nvPr/>
+            </p:nvCxnSpPr>
+            <p:spPr>
+              <a:xfrm flipH="1">
+                <a:off x="1410" y="4570"/>
+                <a:ext cx="1391" cy="0"/>
+              </a:xfrm>
+              <a:prstGeom prst="straightConnector1">
+                <a:avLst/>
+              </a:prstGeom>
+              <a:ln w="38100">
+                <a:solidFill>
+                  <a:srgbClr val="FF0000"/>
+                </a:solidFill>
+                <a:tailEnd type="arrow"/>
+              </a:ln>
+            </p:spPr>
+            <p:style>
+              <a:lnRef idx="1">
+                <a:schemeClr val="accent1"/>
+              </a:lnRef>
+              <a:fillRef idx="0">
+                <a:schemeClr val="accent1"/>
+              </a:fillRef>
+              <a:effectRef idx="0">
+                <a:schemeClr val="accent1"/>
+              </a:effectRef>
+              <a:fontRef idx="minor">
+                <a:schemeClr val="tx1"/>
+              </a:fontRef>
+            </p:style>
+          </p:cxnSp>
+          <p:cxnSp>
+            <p:nvCxnSpPr>
+              <p:cNvPr id="123" name="直接箭头连接符 122"/>
+              <p:cNvCxnSpPr>
+                <a:stCxn id="116" idx="3"/>
+                <a:endCxn id="113" idx="7"/>
+              </p:cNvCxnSpPr>
+              <p:nvPr/>
+            </p:nvCxnSpPr>
+            <p:spPr>
+              <a:xfrm flipH="1">
+                <a:off x="2558" y="4827"/>
+                <a:ext cx="349" cy="804"/>
+              </a:xfrm>
+              <a:prstGeom prst="straightConnector1">
+                <a:avLst/>
+              </a:prstGeom>
+              <a:ln w="38100">
+                <a:tailEnd type="arrow"/>
+              </a:ln>
+            </p:spPr>
+            <p:style>
+              <a:lnRef idx="1">
+                <a:schemeClr val="accent1"/>
+              </a:lnRef>
+              <a:fillRef idx="0">
+                <a:schemeClr val="accent1"/>
+              </a:fillRef>
+              <a:effectRef idx="0">
+                <a:schemeClr val="accent1"/>
+              </a:effectRef>
+              <a:fontRef idx="minor">
+                <a:schemeClr val="tx1"/>
+              </a:fontRef>
+            </p:style>
+          </p:cxnSp>
+          <p:cxnSp>
+            <p:nvCxnSpPr>
+              <p:cNvPr id="124" name="直接箭头连接符 123"/>
+              <p:cNvCxnSpPr>
+                <a:stCxn id="116" idx="5"/>
+                <a:endCxn id="114" idx="1"/>
+              </p:cNvCxnSpPr>
+              <p:nvPr/>
+            </p:nvCxnSpPr>
+            <p:spPr>
+              <a:xfrm>
+                <a:off x="3422" y="4827"/>
+                <a:ext cx="409" cy="804"/>
+              </a:xfrm>
+              <a:prstGeom prst="straightConnector1">
+                <a:avLst/>
+              </a:prstGeom>
+              <a:ln w="38100">
+                <a:tailEnd type="arrow"/>
+              </a:ln>
+            </p:spPr>
+            <p:style>
+              <a:lnRef idx="1">
+                <a:schemeClr val="accent1"/>
+              </a:lnRef>
+              <a:fillRef idx="0">
+                <a:schemeClr val="accent1"/>
+              </a:fillRef>
+              <a:effectRef idx="0">
+                <a:schemeClr val="accent1"/>
+              </a:effectRef>
+              <a:fontRef idx="minor">
+                <a:schemeClr val="tx1"/>
+              </a:fontRef>
+            </p:style>
+          </p:cxnSp>
+          <p:cxnSp>
+            <p:nvCxnSpPr>
+              <p:cNvPr id="125" name="直接箭头连接符 124"/>
+              <p:cNvCxnSpPr>
+                <a:stCxn id="114" idx="2"/>
+                <a:endCxn id="113" idx="6"/>
+              </p:cNvCxnSpPr>
+              <p:nvPr/>
+            </p:nvCxnSpPr>
+            <p:spPr>
+              <a:xfrm flipH="1">
+                <a:off x="2664" y="5889"/>
+                <a:ext cx="1061" cy="0"/>
+              </a:xfrm>
+              <a:prstGeom prst="straightConnector1">
+                <a:avLst/>
+              </a:prstGeom>
+              <a:ln w="38100">
+                <a:tailEnd type="arrow"/>
+              </a:ln>
+            </p:spPr>
+            <p:style>
+              <a:lnRef idx="1">
+                <a:schemeClr val="accent1"/>
+              </a:lnRef>
+              <a:fillRef idx="0">
+                <a:schemeClr val="accent1"/>
+              </a:fillRef>
+              <a:effectRef idx="0">
+                <a:schemeClr val="accent1"/>
+              </a:effectRef>
+              <a:fontRef idx="minor">
+                <a:schemeClr val="tx1"/>
+              </a:fontRef>
+            </p:style>
+          </p:cxnSp>
+          <p:cxnSp>
+            <p:nvCxnSpPr>
+              <p:cNvPr id="126" name="直接箭头连接符 125"/>
+              <p:cNvCxnSpPr>
+                <a:stCxn id="115" idx="3"/>
+                <a:endCxn id="114" idx="7"/>
+              </p:cNvCxnSpPr>
+              <p:nvPr/>
+            </p:nvCxnSpPr>
+            <p:spPr>
+              <a:xfrm flipH="1">
+                <a:off x="4346" y="4827"/>
+                <a:ext cx="546" cy="804"/>
+              </a:xfrm>
+              <a:prstGeom prst="straightConnector1">
+                <a:avLst/>
+              </a:prstGeom>
+              <a:ln w="38100">
+                <a:tailEnd type="arrow"/>
+              </a:ln>
+            </p:spPr>
+            <p:style>
+              <a:lnRef idx="1">
+                <a:schemeClr val="accent1"/>
+              </a:lnRef>
+              <a:fillRef idx="0">
+                <a:schemeClr val="accent1"/>
+              </a:fillRef>
+              <a:effectRef idx="0">
+                <a:schemeClr val="accent1"/>
+              </a:effectRef>
+              <a:fontRef idx="minor">
+                <a:schemeClr val="tx1"/>
+              </a:fontRef>
+            </p:style>
+          </p:cxnSp>
+          <p:cxnSp>
+            <p:nvCxnSpPr>
+              <p:cNvPr id="127" name="直接箭头连接符 126"/>
+              <p:cNvCxnSpPr>
+                <a:stCxn id="116" idx="6"/>
+                <a:endCxn id="115" idx="2"/>
+              </p:cNvCxnSpPr>
+              <p:nvPr/>
+            </p:nvCxnSpPr>
+            <p:spPr>
+              <a:xfrm>
+                <a:off x="3528" y="4570"/>
+                <a:ext cx="1258" cy="0"/>
+              </a:xfrm>
+              <a:prstGeom prst="straightConnector1">
+                <a:avLst/>
+              </a:prstGeom>
+              <a:ln w="38100">
+                <a:solidFill>
+                  <a:srgbClr val="FF0000"/>
+                </a:solidFill>
+                <a:tailEnd type="arrow"/>
+              </a:ln>
+            </p:spPr>
+            <p:style>
+              <a:lnRef idx="1">
+                <a:schemeClr val="accent1"/>
+              </a:lnRef>
+              <a:fillRef idx="0">
+                <a:schemeClr val="accent1"/>
+              </a:fillRef>
+              <a:effectRef idx="0">
+                <a:schemeClr val="accent1"/>
+              </a:effectRef>
+              <a:fontRef idx="minor">
+                <a:schemeClr val="tx1"/>
+              </a:fontRef>
+            </p:style>
+          </p:cxnSp>
+          <p:cxnSp>
+            <p:nvCxnSpPr>
+              <p:cNvPr id="128" name="直接箭头连接符 127"/>
+              <p:cNvCxnSpPr>
+                <a:stCxn id="111" idx="5"/>
+                <a:endCxn id="113" idx="1"/>
+              </p:cNvCxnSpPr>
+              <p:nvPr/>
+            </p:nvCxnSpPr>
+            <p:spPr>
+              <a:xfrm>
+                <a:off x="1304" y="4827"/>
+                <a:ext cx="739" cy="804"/>
+              </a:xfrm>
+              <a:prstGeom prst="straightConnector1">
+                <a:avLst/>
+              </a:prstGeom>
+              <a:ln w="38100">
+                <a:tailEnd type="arrow"/>
+              </a:ln>
+            </p:spPr>
+            <p:style>
+              <a:lnRef idx="1">
+                <a:schemeClr val="accent1"/>
+              </a:lnRef>
+              <a:fillRef idx="0">
+                <a:schemeClr val="accent1"/>
+              </a:fillRef>
+              <a:effectRef idx="0">
+                <a:schemeClr val="accent1"/>
+              </a:effectRef>
+              <a:fontRef idx="minor">
+                <a:schemeClr val="tx1"/>
+              </a:fontRef>
+            </p:style>
+          </p:cxnSp>
+        </p:grpSp>
+        <p:sp>
+          <p:nvSpPr>
+            <p:cNvPr id="129" name="文本框 128"/>
+            <p:cNvSpPr txBox="1"/>
+            <p:nvPr/>
+          </p:nvSpPr>
+          <p:spPr>
+            <a:xfrm>
+              <a:off x="3426" y="3320"/>
+              <a:ext cx="484" cy="599"/>
+            </a:xfrm>
+            <a:prstGeom prst="rect">
+              <a:avLst/>
+            </a:prstGeom>
+            <a:noFill/>
+          </p:spPr>
+          <p:txBody>
+            <a:bodyPr wrap="square" rtlCol="0">
+              <a:spAutoFit/>
+            </a:bodyPr>
+            <a:p>
+              <a:r>
+                <a:rPr lang="en-US" altLang="zh-CN" b="1">
+                  <a:solidFill>
+                    <a:srgbClr val="FF0000"/>
+                  </a:solidFill>
+                </a:rPr>
+                <a:t>2</a:t>
+              </a:r>
+              <a:endParaRPr lang="en-US" altLang="zh-CN" b="1">
+                <a:solidFill>
+                  <a:srgbClr val="FF0000"/>
+                </a:solidFill>
+              </a:endParaRPr>
+            </a:p>
+          </p:txBody>
+        </p:sp>
+        <p:sp>
+          <p:nvSpPr>
+            <p:cNvPr id="130" name="文本框 129"/>
+            <p:cNvSpPr txBox="1"/>
+            <p:nvPr/>
+          </p:nvSpPr>
+          <p:spPr>
+            <a:xfrm>
+              <a:off x="5399" y="4119"/>
+              <a:ext cx="850" cy="599"/>
+            </a:xfrm>
+            <a:prstGeom prst="rect">
+              <a:avLst/>
+            </a:prstGeom>
+            <a:noFill/>
+          </p:spPr>
+          <p:txBody>
+            <a:bodyPr wrap="square" rtlCol="0">
+              <a:spAutoFit/>
+            </a:bodyPr>
+            <a:p>
+              <a:r>
+                <a:rPr lang="en-US" altLang="zh-CN"/>
+                <a:t>10</a:t>
+              </a:r>
+              <a:endParaRPr lang="en-US" altLang="zh-CN"/>
+            </a:p>
+          </p:txBody>
+        </p:sp>
+        <p:sp>
+          <p:nvSpPr>
+            <p:cNvPr id="131" name="文本框 130"/>
+            <p:cNvSpPr txBox="1"/>
+            <p:nvPr/>
+          </p:nvSpPr>
+          <p:spPr>
+            <a:xfrm>
+              <a:off x="3910" y="4119"/>
+              <a:ext cx="484" cy="599"/>
+            </a:xfrm>
+            <a:prstGeom prst="rect">
+              <a:avLst/>
+            </a:prstGeom>
+            <a:noFill/>
+          </p:spPr>
+          <p:txBody>
+            <a:bodyPr wrap="square" rtlCol="0">
+              <a:spAutoFit/>
+            </a:bodyPr>
+            <a:p>
+              <a:r>
+                <a:rPr lang="en-US" altLang="zh-CN"/>
+                <a:t>3</a:t>
+              </a:r>
+              <a:endParaRPr lang="en-US" altLang="zh-CN"/>
+            </a:p>
+          </p:txBody>
+        </p:sp>
+        <p:sp>
+          <p:nvSpPr>
+            <p:cNvPr id="132" name="文本框 131"/>
+            <p:cNvSpPr txBox="1"/>
+            <p:nvPr/>
+          </p:nvSpPr>
+          <p:spPr>
+            <a:xfrm>
+              <a:off x="3026" y="4119"/>
+              <a:ext cx="484" cy="599"/>
+            </a:xfrm>
+            <a:prstGeom prst="rect">
+              <a:avLst/>
+            </a:prstGeom>
+            <a:noFill/>
+          </p:spPr>
+          <p:txBody>
+            <a:bodyPr wrap="square" rtlCol="0">
+              <a:spAutoFit/>
+            </a:bodyPr>
+            <a:p>
+              <a:r>
+                <a:rPr lang="en-US" altLang="zh-CN" b="1">
+                  <a:solidFill>
+                    <a:srgbClr val="FF0000"/>
+                  </a:solidFill>
+                </a:rPr>
+                <a:t>1</a:t>
+              </a:r>
+              <a:endParaRPr lang="en-US" altLang="zh-CN" b="1">
+                <a:solidFill>
+                  <a:srgbClr val="FF0000"/>
+                </a:solidFill>
+              </a:endParaRPr>
+            </a:p>
+          </p:txBody>
+        </p:sp>
+        <p:sp>
+          <p:nvSpPr>
+            <p:cNvPr id="133" name="文本框 132"/>
+            <p:cNvSpPr txBox="1"/>
+            <p:nvPr/>
+          </p:nvSpPr>
+          <p:spPr>
+            <a:xfrm>
+              <a:off x="1320" y="4119"/>
+              <a:ext cx="484" cy="599"/>
+            </a:xfrm>
+            <a:prstGeom prst="rect">
+              <a:avLst/>
+            </a:prstGeom>
+            <a:noFill/>
+          </p:spPr>
+          <p:txBody>
+            <a:bodyPr wrap="square" rtlCol="0">
+              <a:spAutoFit/>
+            </a:bodyPr>
+            <a:p>
+              <a:r>
+                <a:rPr lang="en-US" altLang="zh-CN"/>
+                <a:t>4</a:t>
+              </a:r>
+              <a:endParaRPr lang="en-US" altLang="zh-CN"/>
+            </a:p>
+          </p:txBody>
+        </p:sp>
+        <p:sp>
+          <p:nvSpPr>
+            <p:cNvPr id="134" name="文本框 133"/>
+            <p:cNvSpPr txBox="1"/>
+            <p:nvPr/>
+          </p:nvSpPr>
+          <p:spPr>
+            <a:xfrm>
+              <a:off x="2230" y="4839"/>
+              <a:ext cx="484" cy="599"/>
+            </a:xfrm>
+            <a:prstGeom prst="rect">
+              <a:avLst/>
+            </a:prstGeom>
+            <a:noFill/>
+          </p:spPr>
+          <p:txBody>
+            <a:bodyPr wrap="square" rtlCol="0">
+              <a:spAutoFit/>
+            </a:bodyPr>
+            <a:p>
+              <a:r>
+                <a:rPr lang="en-US" altLang="zh-CN"/>
+                <a:t>2</a:t>
+              </a:r>
+              <a:endParaRPr lang="en-US" altLang="zh-CN"/>
+            </a:p>
+          </p:txBody>
+        </p:sp>
+        <p:sp>
+          <p:nvSpPr>
+            <p:cNvPr id="135" name="文本框 134"/>
+            <p:cNvSpPr txBox="1"/>
+            <p:nvPr/>
+          </p:nvSpPr>
+          <p:spPr>
+            <a:xfrm>
+              <a:off x="4699" y="4839"/>
+              <a:ext cx="484" cy="599"/>
+            </a:xfrm>
+            <a:prstGeom prst="rect">
+              <a:avLst/>
+            </a:prstGeom>
+            <a:noFill/>
+          </p:spPr>
+          <p:txBody>
+            <a:bodyPr wrap="square" rtlCol="0">
+              <a:spAutoFit/>
+            </a:bodyPr>
+            <a:p>
+              <a:r>
+                <a:rPr lang="en-US" altLang="zh-CN"/>
+                <a:t>2</a:t>
+              </a:r>
+              <a:endParaRPr lang="en-US" altLang="zh-CN"/>
+            </a:p>
+          </p:txBody>
+        </p:sp>
+        <p:sp>
+          <p:nvSpPr>
+            <p:cNvPr id="136" name="文本框 135"/>
+            <p:cNvSpPr txBox="1"/>
+            <p:nvPr/>
+          </p:nvSpPr>
+          <p:spPr>
+            <a:xfrm>
+              <a:off x="5183" y="5861"/>
+              <a:ext cx="484" cy="599"/>
+            </a:xfrm>
+            <a:prstGeom prst="rect">
+              <a:avLst/>
+            </a:prstGeom>
+            <a:noFill/>
+          </p:spPr>
+          <p:txBody>
+            <a:bodyPr wrap="square" rtlCol="0">
+              <a:spAutoFit/>
+            </a:bodyPr>
+            <a:p>
+              <a:r>
+                <a:rPr lang="en-US" altLang="zh-CN"/>
+                <a:t>6</a:t>
+              </a:r>
+              <a:endParaRPr lang="en-US" altLang="zh-CN"/>
+            </a:p>
+          </p:txBody>
+        </p:sp>
+        <p:sp>
+          <p:nvSpPr>
+            <p:cNvPr id="137" name="文本框 136"/>
+            <p:cNvSpPr txBox="1"/>
+            <p:nvPr/>
+          </p:nvSpPr>
+          <p:spPr>
+            <a:xfrm>
+              <a:off x="3514" y="6442"/>
+              <a:ext cx="484" cy="599"/>
+            </a:xfrm>
+            <a:prstGeom prst="rect">
+              <a:avLst/>
+            </a:prstGeom>
+            <a:noFill/>
+          </p:spPr>
+          <p:txBody>
+            <a:bodyPr wrap="square" rtlCol="0">
+              <a:spAutoFit/>
+            </a:bodyPr>
+            <a:p>
+              <a:r>
+                <a:rPr lang="en-US" altLang="zh-CN"/>
+                <a:t>1</a:t>
+              </a:r>
+              <a:endParaRPr lang="en-US" altLang="zh-CN"/>
+            </a:p>
+          </p:txBody>
+        </p:sp>
+        <p:sp>
+          <p:nvSpPr>
+            <p:cNvPr id="138" name="文本框 137"/>
+            <p:cNvSpPr txBox="1"/>
+            <p:nvPr/>
+          </p:nvSpPr>
+          <p:spPr>
+            <a:xfrm>
+              <a:off x="1804" y="5731"/>
+              <a:ext cx="484" cy="599"/>
+            </a:xfrm>
+            <a:prstGeom prst="rect">
+              <a:avLst/>
+            </a:prstGeom>
+            <a:noFill/>
+          </p:spPr>
+          <p:txBody>
+            <a:bodyPr wrap="square" rtlCol="0">
+              <a:spAutoFit/>
+            </a:bodyPr>
+            <a:p>
+              <a:r>
+                <a:rPr lang="en-US" altLang="zh-CN"/>
+                <a:t>5</a:t>
+              </a:r>
+              <a:endParaRPr lang="en-US" altLang="zh-CN"/>
+            </a:p>
+          </p:txBody>
+        </p:sp>
+        <p:sp>
+          <p:nvSpPr>
+            <p:cNvPr id="139" name="文本框 138"/>
+            <p:cNvSpPr txBox="1"/>
+            <p:nvPr/>
+          </p:nvSpPr>
+          <p:spPr>
+            <a:xfrm>
+              <a:off x="2714" y="5731"/>
+              <a:ext cx="484" cy="599"/>
+            </a:xfrm>
+            <a:prstGeom prst="rect">
+              <a:avLst/>
+            </a:prstGeom>
+            <a:noFill/>
+          </p:spPr>
+          <p:txBody>
+            <a:bodyPr wrap="square" rtlCol="0">
+              <a:spAutoFit/>
+            </a:bodyPr>
+            <a:p>
+              <a:r>
+                <a:rPr lang="en-US" altLang="zh-CN"/>
+                <a:t>8</a:t>
+              </a:r>
+              <a:endParaRPr lang="en-US" altLang="zh-CN"/>
+            </a:p>
+          </p:txBody>
+        </p:sp>
+        <p:sp>
+          <p:nvSpPr>
+            <p:cNvPr id="140" name="文本框 139"/>
+            <p:cNvSpPr txBox="1"/>
+            <p:nvPr/>
+          </p:nvSpPr>
+          <p:spPr>
+            <a:xfrm>
+              <a:off x="4215" y="5731"/>
+              <a:ext cx="484" cy="599"/>
+            </a:xfrm>
+            <a:prstGeom prst="rect">
+              <a:avLst/>
+            </a:prstGeom>
+            <a:noFill/>
+          </p:spPr>
+          <p:txBody>
+            <a:bodyPr wrap="square" rtlCol="0">
+              <a:spAutoFit/>
+            </a:bodyPr>
+            <a:p>
+              <a:r>
+                <a:rPr lang="en-US" altLang="zh-CN"/>
+                <a:t>4</a:t>
+              </a:r>
+              <a:endParaRPr lang="en-US" altLang="zh-CN"/>
+            </a:p>
+          </p:txBody>
+        </p:sp>
+      </p:grpSp>
+      <p:sp>
+        <p:nvSpPr>
+          <p:cNvPr id="216" name="文本框 215"/>
+          <p:cNvSpPr txBox="1"/>
+          <p:nvPr/>
+        </p:nvSpPr>
+        <p:spPr>
+          <a:xfrm>
+            <a:off x="4481195" y="1530985"/>
+            <a:ext cx="2403475" cy="2030095"/>
+          </a:xfrm>
+          <a:prstGeom prst="rect">
+            <a:avLst/>
+          </a:prstGeom>
+          <a:noFill/>
+        </p:spPr>
+        <p:txBody>
+          <a:bodyPr wrap="square" rtlCol="0">
+            <a:spAutoFit/>
+          </a:bodyPr>
+          <a:p>
+            <a:r>
+              <a:rPr lang="en-US" altLang="zh-CN" b="1">
+                <a:solidFill>
+                  <a:schemeClr val="tx1"/>
+                </a:solidFill>
+              </a:rPr>
+              <a:t>dis[0] = 0    prev[0] = 0</a:t>
+            </a:r>
+            <a:endParaRPr lang="en-US" altLang="zh-CN" b="1">
+              <a:solidFill>
+                <a:schemeClr val="tx1"/>
+              </a:solidFill>
+            </a:endParaRPr>
+          </a:p>
+          <a:p>
+            <a:r>
+              <a:rPr lang="en-US" altLang="zh-CN" b="1">
+                <a:solidFill>
+                  <a:srgbClr val="7030A0"/>
+                </a:solidFill>
+              </a:rPr>
+              <a:t>dis[1] = 2    prev[1] = 0</a:t>
+            </a:r>
+            <a:endParaRPr lang="en-US" altLang="zh-CN" b="1">
+              <a:solidFill>
+                <a:srgbClr val="7030A0"/>
+              </a:solidFill>
+            </a:endParaRPr>
+          </a:p>
+          <a:p>
+            <a:r>
+              <a:rPr lang="en-US" altLang="zh-CN">
+                <a:sym typeface="+mn-ea"/>
+              </a:rPr>
+              <a:t>dis[2] = 3    prev[2] = 3</a:t>
+            </a:r>
+            <a:endParaRPr lang="en-US" altLang="zh-CN"/>
+          </a:p>
+          <a:p>
+            <a:r>
+              <a:rPr lang="en-US" altLang="zh-CN" b="1">
+                <a:solidFill>
+                  <a:schemeClr val="tx1"/>
+                </a:solidFill>
+                <a:sym typeface="+mn-ea"/>
+              </a:rPr>
+              <a:t>dis[3] = 1    prev[3] = 0</a:t>
+            </a:r>
+            <a:endParaRPr lang="en-US" altLang="zh-CN" b="1">
+              <a:solidFill>
+                <a:schemeClr val="tx1"/>
+              </a:solidFill>
+              <a:sym typeface="+mn-ea"/>
+            </a:endParaRPr>
+          </a:p>
+          <a:p>
+            <a:r>
+              <a:rPr lang="en-US" altLang="zh-CN">
+                <a:sym typeface="+mn-ea"/>
+              </a:rPr>
+              <a:t>dis[4] = 3    prev[4] = 3</a:t>
+            </a:r>
+            <a:endParaRPr lang="en-US" altLang="zh-CN">
+              <a:sym typeface="+mn-ea"/>
+            </a:endParaRPr>
+          </a:p>
+          <a:p>
+            <a:r>
+              <a:rPr lang="en-US" altLang="zh-CN">
+                <a:sym typeface="+mn-ea"/>
+              </a:rPr>
+              <a:t>dis[5] = 9    prev[5] = 3</a:t>
+            </a:r>
+            <a:endParaRPr lang="en-US" altLang="zh-CN"/>
+          </a:p>
+          <a:p>
+            <a:r>
+              <a:rPr lang="en-US" altLang="zh-CN">
+                <a:sym typeface="+mn-ea"/>
+              </a:rPr>
+              <a:t>dis[6] = 5    prev[6] = 3</a:t>
+            </a:r>
+            <a:endParaRPr lang="en-US" altLang="zh-CN"/>
+          </a:p>
+        </p:txBody>
+      </p:sp>
+      <p:grpSp>
+        <p:nvGrpSpPr>
+          <p:cNvPr id="3" name="组合 2"/>
+          <p:cNvGrpSpPr/>
+          <p:nvPr/>
+        </p:nvGrpSpPr>
+        <p:grpSpPr>
+          <a:xfrm>
+            <a:off x="251460" y="3996055"/>
+            <a:ext cx="3654425" cy="2545080"/>
+            <a:chOff x="485" y="3320"/>
+            <a:chExt cx="6194" cy="4142"/>
+          </a:xfrm>
+        </p:grpSpPr>
+        <p:grpSp>
+          <p:nvGrpSpPr>
+            <p:cNvPr id="38" name="组合 37"/>
+            <p:cNvGrpSpPr/>
+            <p:nvPr/>
+          </p:nvGrpSpPr>
+          <p:grpSpPr>
+            <a:xfrm>
+              <a:off x="485" y="3364"/>
+              <a:ext cx="6194" cy="4098"/>
+              <a:chOff x="683" y="2879"/>
+              <a:chExt cx="4829" cy="3372"/>
+            </a:xfrm>
+          </p:grpSpPr>
+          <p:grpSp>
+            <p:nvGrpSpPr>
+              <p:cNvPr id="39" name="组合 38"/>
+              <p:cNvGrpSpPr/>
+              <p:nvPr/>
+            </p:nvGrpSpPr>
+            <p:grpSpPr>
+              <a:xfrm>
+                <a:off x="683" y="2879"/>
+                <a:ext cx="4829" cy="3372"/>
+                <a:chOff x="1057" y="3298"/>
+                <a:chExt cx="4829" cy="3372"/>
+              </a:xfrm>
+            </p:grpSpPr>
+            <p:sp>
+              <p:nvSpPr>
+                <p:cNvPr id="40" name="椭圆 39"/>
+                <p:cNvSpPr/>
+                <p:nvPr/>
+              </p:nvSpPr>
+              <p:spPr>
+                <a:xfrm>
+                  <a:off x="2311" y="3298"/>
+                  <a:ext cx="727" cy="727"/>
+                </a:xfrm>
+                <a:prstGeom prst="ellipse">
+                  <a:avLst/>
+                </a:prstGeom>
+                <a:ln>
+                  <a:solidFill>
+                    <a:srgbClr val="FF0000"/>
+                  </a:solidFill>
+                </a:ln>
+              </p:spPr>
+              <p:style>
+                <a:lnRef idx="2">
+                  <a:schemeClr val="accent1"/>
+                </a:lnRef>
+                <a:fillRef idx="1">
+                  <a:schemeClr val="lt1"/>
+                </a:fillRef>
+                <a:effectRef idx="0">
+                  <a:schemeClr val="accent1"/>
+                </a:effectRef>
+                <a:fontRef idx="minor">
+                  <a:schemeClr val="dk1"/>
+                </a:fontRef>
+              </p:style>
+              <p:txBody>
+                <a:bodyPr rtlCol="0" anchor="ctr"/>
+                <a:p>
+                  <a:pPr algn="ctr"/>
+                  <a:r>
+                    <a:rPr lang="en-US" altLang="zh-CN"/>
+                    <a:t>0</a:t>
+                  </a:r>
+                  <a:endParaRPr lang="en-US" altLang="zh-CN"/>
+                </a:p>
+              </p:txBody>
+            </p:sp>
+            <p:sp>
+              <p:nvSpPr>
+                <p:cNvPr id="41" name="椭圆 40"/>
+                <p:cNvSpPr/>
+                <p:nvPr/>
+              </p:nvSpPr>
+              <p:spPr>
+                <a:xfrm>
+                  <a:off x="1057" y="4625"/>
+                  <a:ext cx="727" cy="727"/>
+                </a:xfrm>
+                <a:prstGeom prst="ellipse">
+                  <a:avLst/>
+                </a:prstGeom>
+                <a:ln>
+                  <a:solidFill>
+                    <a:srgbClr val="FF0000"/>
+                  </a:solidFill>
+                </a:ln>
+              </p:spPr>
+              <p:style>
+                <a:lnRef idx="2">
+                  <a:schemeClr val="accent1"/>
+                </a:lnRef>
+                <a:fillRef idx="1">
+                  <a:schemeClr val="lt1"/>
+                </a:fillRef>
+                <a:effectRef idx="0">
+                  <a:schemeClr val="accent1"/>
+                </a:effectRef>
+                <a:fontRef idx="minor">
+                  <a:schemeClr val="dk1"/>
+                </a:fontRef>
+              </p:style>
+              <p:txBody>
+                <a:bodyPr rtlCol="0" anchor="ctr"/>
+                <a:p>
+                  <a:pPr algn="ctr"/>
+                  <a:r>
+                    <a:rPr lang="en-US" altLang="zh-CN" sz="2800" b="1">
+                      <a:solidFill>
+                        <a:srgbClr val="7030A0"/>
+                      </a:solidFill>
+                    </a:rPr>
+                    <a:t>2</a:t>
+                  </a:r>
+                  <a:endParaRPr lang="en-US" altLang="zh-CN" sz="2800" b="1">
+                    <a:solidFill>
+                      <a:srgbClr val="7030A0"/>
+                    </a:solidFill>
+                  </a:endParaRPr>
+                </a:p>
+              </p:txBody>
+            </p:sp>
+            <p:sp>
+              <p:nvSpPr>
+                <p:cNvPr id="42" name="椭圆 41"/>
+                <p:cNvSpPr/>
+                <p:nvPr/>
+              </p:nvSpPr>
+              <p:spPr>
+                <a:xfrm>
+                  <a:off x="4099" y="3298"/>
+                  <a:ext cx="727" cy="727"/>
+                </a:xfrm>
+                <a:prstGeom prst="ellipse">
+                  <a:avLst/>
+                </a:prstGeom>
+                <a:ln>
+                  <a:solidFill>
+                    <a:srgbClr val="FF0000"/>
+                  </a:solidFill>
+                </a:ln>
+              </p:spPr>
+              <p:style>
+                <a:lnRef idx="2">
+                  <a:schemeClr val="accent1"/>
+                </a:lnRef>
+                <a:fillRef idx="1">
+                  <a:schemeClr val="lt1"/>
+                </a:fillRef>
+                <a:effectRef idx="0">
+                  <a:schemeClr val="accent1"/>
+                </a:effectRef>
+                <a:fontRef idx="minor">
+                  <a:schemeClr val="dk1"/>
+                </a:fontRef>
+              </p:style>
+              <p:txBody>
+                <a:bodyPr rtlCol="0" anchor="ctr"/>
+                <a:p>
+                  <a:pPr algn="ctr"/>
+                  <a:r>
+                    <a:rPr lang="en-US" altLang="zh-CN"/>
+                    <a:t>1</a:t>
+                  </a:r>
+                  <a:endParaRPr lang="en-US" altLang="zh-CN"/>
+                </a:p>
+              </p:txBody>
+            </p:sp>
+            <p:sp>
+              <p:nvSpPr>
+                <p:cNvPr id="43" name="椭圆 42"/>
+                <p:cNvSpPr/>
+                <p:nvPr/>
+              </p:nvSpPr>
+              <p:spPr>
+                <a:xfrm>
+                  <a:off x="2311" y="5944"/>
+                  <a:ext cx="727" cy="727"/>
+                </a:xfrm>
+                <a:prstGeom prst="ellipse">
+                  <a:avLst/>
+                </a:prstGeom>
+              </p:spPr>
+              <p:style>
+                <a:lnRef idx="2">
+                  <a:schemeClr val="accent1"/>
+                </a:lnRef>
+                <a:fillRef idx="1">
+                  <a:schemeClr val="lt1"/>
+                </a:fillRef>
+                <a:effectRef idx="0">
+                  <a:schemeClr val="accent1"/>
+                </a:effectRef>
+                <a:fontRef idx="minor">
+                  <a:schemeClr val="dk1"/>
+                </a:fontRef>
+              </p:style>
+              <p:txBody>
+                <a:bodyPr rtlCol="0" anchor="ctr"/>
+                <a:p>
+                  <a:pPr algn="ctr"/>
+                  <a:r>
+                    <a:rPr lang="en-US" altLang="zh-CN"/>
+                    <a:t>5</a:t>
+                  </a:r>
+                  <a:endParaRPr lang="en-US" altLang="zh-CN"/>
+                </a:p>
+              </p:txBody>
+            </p:sp>
+            <p:sp>
+              <p:nvSpPr>
+                <p:cNvPr id="44" name="椭圆 43"/>
+                <p:cNvSpPr/>
+                <p:nvPr/>
+              </p:nvSpPr>
+              <p:spPr>
+                <a:xfrm>
+                  <a:off x="4099" y="5944"/>
+                  <a:ext cx="727" cy="727"/>
+                </a:xfrm>
+                <a:prstGeom prst="ellipse">
+                  <a:avLst/>
+                </a:prstGeom>
+              </p:spPr>
+              <p:style>
+                <a:lnRef idx="2">
+                  <a:schemeClr val="accent1"/>
+                </a:lnRef>
+                <a:fillRef idx="1">
+                  <a:schemeClr val="lt1"/>
+                </a:fillRef>
+                <a:effectRef idx="0">
+                  <a:schemeClr val="accent1"/>
+                </a:effectRef>
+                <a:fontRef idx="minor">
+                  <a:schemeClr val="dk1"/>
+                </a:fontRef>
+              </p:style>
+              <p:txBody>
+                <a:bodyPr rtlCol="0" anchor="ctr"/>
+                <a:p>
+                  <a:pPr algn="ctr"/>
+                  <a:r>
+                    <a:rPr lang="en-US" altLang="zh-CN"/>
+                    <a:t>6</a:t>
+                  </a:r>
+                  <a:endParaRPr lang="en-US" altLang="zh-CN"/>
+                </a:p>
+              </p:txBody>
+            </p:sp>
+            <p:sp>
+              <p:nvSpPr>
+                <p:cNvPr id="45" name="椭圆 44"/>
+                <p:cNvSpPr/>
+                <p:nvPr/>
+              </p:nvSpPr>
+              <p:spPr>
+                <a:xfrm>
+                  <a:off x="5160" y="4625"/>
+                  <a:ext cx="727" cy="727"/>
+                </a:xfrm>
+                <a:prstGeom prst="ellipse">
+                  <a:avLst/>
+                </a:prstGeom>
+                <a:ln>
+                  <a:solidFill>
+                    <a:srgbClr val="FF0000"/>
+                  </a:solidFill>
+                </a:ln>
+              </p:spPr>
+              <p:style>
+                <a:lnRef idx="2">
+                  <a:schemeClr val="accent1"/>
+                </a:lnRef>
+                <a:fillRef idx="1">
+                  <a:schemeClr val="lt1"/>
+                </a:fillRef>
+                <a:effectRef idx="0">
+                  <a:schemeClr val="accent1"/>
+                </a:effectRef>
+                <a:fontRef idx="minor">
+                  <a:schemeClr val="dk1"/>
+                </a:fontRef>
+              </p:style>
+              <p:txBody>
+                <a:bodyPr rtlCol="0" anchor="ctr"/>
+                <a:p>
+                  <a:pPr algn="ctr"/>
+                  <a:r>
+                    <a:rPr lang="en-US" altLang="zh-CN"/>
+                    <a:t>4</a:t>
+                  </a:r>
+                  <a:endParaRPr lang="en-US" altLang="zh-CN"/>
+                </a:p>
+              </p:txBody>
+            </p:sp>
+            <p:sp>
+              <p:nvSpPr>
+                <p:cNvPr id="46" name="椭圆 45"/>
+                <p:cNvSpPr/>
+                <p:nvPr/>
+              </p:nvSpPr>
+              <p:spPr>
+                <a:xfrm>
+                  <a:off x="3175" y="4625"/>
+                  <a:ext cx="727" cy="727"/>
+                </a:xfrm>
+                <a:prstGeom prst="ellipse">
+                  <a:avLst/>
+                </a:prstGeom>
+                <a:ln>
+                  <a:solidFill>
+                    <a:srgbClr val="FF0000"/>
+                  </a:solidFill>
+                </a:ln>
+              </p:spPr>
+              <p:style>
+                <a:lnRef idx="2">
+                  <a:schemeClr val="accent1"/>
+                </a:lnRef>
+                <a:fillRef idx="1">
+                  <a:schemeClr val="lt1"/>
+                </a:fillRef>
+                <a:effectRef idx="0">
+                  <a:schemeClr val="accent1"/>
+                </a:effectRef>
+                <a:fontRef idx="minor">
+                  <a:schemeClr val="dk1"/>
+                </a:fontRef>
+              </p:style>
+              <p:txBody>
+                <a:bodyPr rtlCol="0" anchor="ctr"/>
+                <a:p>
+                  <a:pPr algn="ctr"/>
+                  <a:r>
+                    <a:rPr lang="en-US" altLang="zh-CN"/>
+                    <a:t>3</a:t>
+                  </a:r>
+                  <a:endParaRPr lang="en-US" altLang="zh-CN"/>
+                </a:p>
+              </p:txBody>
+            </p:sp>
+          </p:grpSp>
+          <p:cxnSp>
+            <p:nvCxnSpPr>
+              <p:cNvPr id="47" name="直接箭头连接符 46"/>
+              <p:cNvCxnSpPr>
+                <a:stCxn id="40" idx="6"/>
+                <a:endCxn id="42" idx="2"/>
+              </p:cNvCxnSpPr>
+              <p:nvPr/>
+            </p:nvCxnSpPr>
+            <p:spPr>
+              <a:xfrm>
+                <a:off x="2664" y="3243"/>
+                <a:ext cx="1061" cy="0"/>
+              </a:xfrm>
+              <a:prstGeom prst="straightConnector1">
+                <a:avLst/>
+              </a:prstGeom>
+              <a:ln w="38100">
+                <a:solidFill>
+                  <a:srgbClr val="FF0000"/>
+                </a:solidFill>
+                <a:tailEnd type="arrow"/>
+              </a:ln>
+            </p:spPr>
+            <p:style>
+              <a:lnRef idx="1">
+                <a:schemeClr val="accent1"/>
+              </a:lnRef>
+              <a:fillRef idx="0">
+                <a:schemeClr val="accent1"/>
+              </a:fillRef>
+              <a:effectRef idx="0">
+                <a:schemeClr val="accent1"/>
+              </a:effectRef>
+              <a:fontRef idx="minor">
+                <a:schemeClr val="tx1"/>
+              </a:fontRef>
+            </p:style>
+          </p:cxnSp>
+          <p:cxnSp>
+            <p:nvCxnSpPr>
+              <p:cNvPr id="48" name="直接箭头连接符 47"/>
+              <p:cNvCxnSpPr>
+                <a:stCxn id="42" idx="5"/>
+                <a:endCxn id="45" idx="1"/>
+              </p:cNvCxnSpPr>
+              <p:nvPr/>
+            </p:nvCxnSpPr>
+            <p:spPr>
+              <a:xfrm>
+                <a:off x="4346" y="3500"/>
+                <a:ext cx="546" cy="812"/>
+              </a:xfrm>
+              <a:prstGeom prst="straightConnector1">
+                <a:avLst/>
+              </a:prstGeom>
+              <a:ln w="38100">
+                <a:tailEnd type="arrow"/>
+              </a:ln>
+            </p:spPr>
+            <p:style>
+              <a:lnRef idx="1">
+                <a:schemeClr val="accent1"/>
+              </a:lnRef>
+              <a:fillRef idx="0">
+                <a:schemeClr val="accent1"/>
+              </a:fillRef>
+              <a:effectRef idx="0">
+                <a:schemeClr val="accent1"/>
+              </a:effectRef>
+              <a:fontRef idx="minor">
+                <a:schemeClr val="tx1"/>
+              </a:fontRef>
+            </p:style>
+          </p:cxnSp>
+          <p:cxnSp>
+            <p:nvCxnSpPr>
+              <p:cNvPr id="49" name="直接箭头连接符 48"/>
+              <p:cNvCxnSpPr>
+                <a:stCxn id="42" idx="3"/>
+                <a:endCxn id="46" idx="7"/>
+              </p:cNvCxnSpPr>
+              <p:nvPr/>
+            </p:nvCxnSpPr>
+            <p:spPr>
+              <a:xfrm flipH="1">
+                <a:off x="3422" y="3500"/>
+                <a:ext cx="409" cy="812"/>
+              </a:xfrm>
+              <a:prstGeom prst="straightConnector1">
+                <a:avLst/>
+              </a:prstGeom>
+              <a:ln w="38100">
+                <a:tailEnd type="arrow"/>
+              </a:ln>
+            </p:spPr>
+            <p:style>
+              <a:lnRef idx="1">
+                <a:schemeClr val="accent1"/>
+              </a:lnRef>
+              <a:fillRef idx="0">
+                <a:schemeClr val="accent1"/>
+              </a:fillRef>
+              <a:effectRef idx="0">
+                <a:schemeClr val="accent1"/>
+              </a:effectRef>
+              <a:fontRef idx="minor">
+                <a:schemeClr val="tx1"/>
+              </a:fontRef>
+            </p:style>
+          </p:cxnSp>
+          <p:cxnSp>
+            <p:nvCxnSpPr>
+              <p:cNvPr id="50" name="直接箭头连接符 49"/>
+              <p:cNvCxnSpPr>
+                <a:stCxn id="41" idx="7"/>
+                <a:endCxn id="40" idx="3"/>
+              </p:cNvCxnSpPr>
+              <p:nvPr/>
+            </p:nvCxnSpPr>
+            <p:spPr>
+              <a:xfrm flipV="1">
+                <a:off x="1304" y="3500"/>
+                <a:ext cx="739" cy="812"/>
+              </a:xfrm>
+              <a:prstGeom prst="straightConnector1">
+                <a:avLst/>
+              </a:prstGeom>
+              <a:ln w="38100">
+                <a:tailEnd type="arrow"/>
+              </a:ln>
+            </p:spPr>
+            <p:style>
+              <a:lnRef idx="1">
+                <a:schemeClr val="accent1"/>
+              </a:lnRef>
+              <a:fillRef idx="0">
+                <a:schemeClr val="accent1"/>
+              </a:fillRef>
+              <a:effectRef idx="0">
+                <a:schemeClr val="accent1"/>
+              </a:effectRef>
+              <a:fontRef idx="minor">
+                <a:schemeClr val="tx1"/>
+              </a:fontRef>
+            </p:style>
+          </p:cxnSp>
+          <p:cxnSp>
+            <p:nvCxnSpPr>
+              <p:cNvPr id="51" name="直接箭头连接符 50"/>
+              <p:cNvCxnSpPr>
+                <a:stCxn id="40" idx="5"/>
+                <a:endCxn id="46" idx="1"/>
+              </p:cNvCxnSpPr>
+              <p:nvPr/>
+            </p:nvCxnSpPr>
+            <p:spPr>
+              <a:xfrm>
+                <a:off x="2558" y="3500"/>
+                <a:ext cx="349" cy="812"/>
+              </a:xfrm>
+              <a:prstGeom prst="straightConnector1">
+                <a:avLst/>
+              </a:prstGeom>
+              <a:ln w="38100">
+                <a:solidFill>
+                  <a:srgbClr val="FF0000"/>
+                </a:solidFill>
+                <a:tailEnd type="arrow"/>
+              </a:ln>
+            </p:spPr>
+            <p:style>
+              <a:lnRef idx="1">
+                <a:schemeClr val="accent1"/>
+              </a:lnRef>
+              <a:fillRef idx="0">
+                <a:schemeClr val="accent1"/>
+              </a:fillRef>
+              <a:effectRef idx="0">
+                <a:schemeClr val="accent1"/>
+              </a:effectRef>
+              <a:fontRef idx="minor">
+                <a:schemeClr val="tx1"/>
+              </a:fontRef>
+            </p:style>
+          </p:cxnSp>
+          <p:cxnSp>
+            <p:nvCxnSpPr>
+              <p:cNvPr id="52" name="直接箭头连接符 51"/>
+              <p:cNvCxnSpPr>
+                <a:stCxn id="46" idx="2"/>
+                <a:endCxn id="41" idx="6"/>
+              </p:cNvCxnSpPr>
+              <p:nvPr/>
+            </p:nvCxnSpPr>
+            <p:spPr>
+              <a:xfrm flipH="1">
+                <a:off x="1410" y="4570"/>
+                <a:ext cx="1391" cy="0"/>
+              </a:xfrm>
+              <a:prstGeom prst="straightConnector1">
+                <a:avLst/>
+              </a:prstGeom>
+              <a:ln w="38100">
+                <a:solidFill>
+                  <a:srgbClr val="FF0000"/>
+                </a:solidFill>
+                <a:tailEnd type="arrow"/>
+              </a:ln>
+            </p:spPr>
+            <p:style>
+              <a:lnRef idx="1">
+                <a:schemeClr val="accent1"/>
+              </a:lnRef>
+              <a:fillRef idx="0">
+                <a:schemeClr val="accent1"/>
+              </a:fillRef>
+              <a:effectRef idx="0">
+                <a:schemeClr val="accent1"/>
+              </a:effectRef>
+              <a:fontRef idx="minor">
+                <a:schemeClr val="tx1"/>
+              </a:fontRef>
+            </p:style>
+          </p:cxnSp>
+          <p:cxnSp>
+            <p:nvCxnSpPr>
+              <p:cNvPr id="53" name="直接箭头连接符 52"/>
+              <p:cNvCxnSpPr>
+                <a:stCxn id="46" idx="3"/>
+                <a:endCxn id="43" idx="7"/>
+              </p:cNvCxnSpPr>
+              <p:nvPr/>
+            </p:nvCxnSpPr>
+            <p:spPr>
+              <a:xfrm flipH="1">
+                <a:off x="2558" y="4827"/>
+                <a:ext cx="349" cy="804"/>
+              </a:xfrm>
+              <a:prstGeom prst="straightConnector1">
+                <a:avLst/>
+              </a:prstGeom>
+              <a:ln w="38100">
+                <a:tailEnd type="arrow"/>
+              </a:ln>
+            </p:spPr>
+            <p:style>
+              <a:lnRef idx="1">
+                <a:schemeClr val="accent1"/>
+              </a:lnRef>
+              <a:fillRef idx="0">
+                <a:schemeClr val="accent1"/>
+              </a:fillRef>
+              <a:effectRef idx="0">
+                <a:schemeClr val="accent1"/>
+              </a:effectRef>
+              <a:fontRef idx="minor">
+                <a:schemeClr val="tx1"/>
+              </a:fontRef>
+            </p:style>
+          </p:cxnSp>
+          <p:cxnSp>
+            <p:nvCxnSpPr>
+              <p:cNvPr id="54" name="直接箭头连接符 53"/>
+              <p:cNvCxnSpPr>
+                <a:stCxn id="46" idx="5"/>
+                <a:endCxn id="44" idx="1"/>
+              </p:cNvCxnSpPr>
+              <p:nvPr/>
+            </p:nvCxnSpPr>
+            <p:spPr>
+              <a:xfrm>
+                <a:off x="3422" y="4827"/>
+                <a:ext cx="409" cy="804"/>
+              </a:xfrm>
+              <a:prstGeom prst="straightConnector1">
+                <a:avLst/>
+              </a:prstGeom>
+              <a:ln w="38100">
+                <a:tailEnd type="arrow"/>
+              </a:ln>
+            </p:spPr>
+            <p:style>
+              <a:lnRef idx="1">
+                <a:schemeClr val="accent1"/>
+              </a:lnRef>
+              <a:fillRef idx="0">
+                <a:schemeClr val="accent1"/>
+              </a:fillRef>
+              <a:effectRef idx="0">
+                <a:schemeClr val="accent1"/>
+              </a:effectRef>
+              <a:fontRef idx="minor">
+                <a:schemeClr val="tx1"/>
+              </a:fontRef>
+            </p:style>
+          </p:cxnSp>
+          <p:cxnSp>
+            <p:nvCxnSpPr>
+              <p:cNvPr id="55" name="直接箭头连接符 54"/>
+              <p:cNvCxnSpPr>
+                <a:stCxn id="44" idx="2"/>
+                <a:endCxn id="43" idx="6"/>
+              </p:cNvCxnSpPr>
+              <p:nvPr/>
+            </p:nvCxnSpPr>
+            <p:spPr>
+              <a:xfrm flipH="1">
+                <a:off x="2664" y="5889"/>
+                <a:ext cx="1061" cy="0"/>
+              </a:xfrm>
+              <a:prstGeom prst="straightConnector1">
+                <a:avLst/>
+              </a:prstGeom>
+              <a:ln w="38100">
+                <a:tailEnd type="arrow"/>
+              </a:ln>
+            </p:spPr>
+            <p:style>
+              <a:lnRef idx="1">
+                <a:schemeClr val="accent1"/>
+              </a:lnRef>
+              <a:fillRef idx="0">
+                <a:schemeClr val="accent1"/>
+              </a:fillRef>
+              <a:effectRef idx="0">
+                <a:schemeClr val="accent1"/>
+              </a:effectRef>
+              <a:fontRef idx="minor">
+                <a:schemeClr val="tx1"/>
+              </a:fontRef>
+            </p:style>
+          </p:cxnSp>
+          <p:cxnSp>
+            <p:nvCxnSpPr>
+              <p:cNvPr id="56" name="直接箭头连接符 55"/>
+              <p:cNvCxnSpPr>
+                <a:stCxn id="45" idx="3"/>
+                <a:endCxn id="44" idx="7"/>
+              </p:cNvCxnSpPr>
+              <p:nvPr/>
+            </p:nvCxnSpPr>
+            <p:spPr>
+              <a:xfrm flipH="1">
+                <a:off x="4346" y="4827"/>
+                <a:ext cx="546" cy="804"/>
+              </a:xfrm>
+              <a:prstGeom prst="straightConnector1">
+                <a:avLst/>
+              </a:prstGeom>
+              <a:ln w="38100">
+                <a:tailEnd type="arrow"/>
+              </a:ln>
+            </p:spPr>
+            <p:style>
+              <a:lnRef idx="1">
+                <a:schemeClr val="accent1"/>
+              </a:lnRef>
+              <a:fillRef idx="0">
+                <a:schemeClr val="accent1"/>
+              </a:fillRef>
+              <a:effectRef idx="0">
+                <a:schemeClr val="accent1"/>
+              </a:effectRef>
+              <a:fontRef idx="minor">
+                <a:schemeClr val="tx1"/>
+              </a:fontRef>
+            </p:style>
+          </p:cxnSp>
+          <p:cxnSp>
+            <p:nvCxnSpPr>
+              <p:cNvPr id="57" name="直接箭头连接符 56"/>
+              <p:cNvCxnSpPr>
+                <a:stCxn id="46" idx="6"/>
+                <a:endCxn id="45" idx="2"/>
+              </p:cNvCxnSpPr>
+              <p:nvPr/>
+            </p:nvCxnSpPr>
+            <p:spPr>
+              <a:xfrm>
+                <a:off x="3528" y="4570"/>
+                <a:ext cx="1258" cy="0"/>
+              </a:xfrm>
+              <a:prstGeom prst="straightConnector1">
+                <a:avLst/>
+              </a:prstGeom>
+              <a:ln w="38100">
+                <a:solidFill>
+                  <a:srgbClr val="FF0000"/>
+                </a:solidFill>
+                <a:tailEnd type="arrow"/>
+              </a:ln>
+            </p:spPr>
+            <p:style>
+              <a:lnRef idx="1">
+                <a:schemeClr val="accent1"/>
+              </a:lnRef>
+              <a:fillRef idx="0">
+                <a:schemeClr val="accent1"/>
+              </a:fillRef>
+              <a:effectRef idx="0">
+                <a:schemeClr val="accent1"/>
+              </a:effectRef>
+              <a:fontRef idx="minor">
+                <a:schemeClr val="tx1"/>
+              </a:fontRef>
+            </p:style>
+          </p:cxnSp>
+          <p:cxnSp>
+            <p:nvCxnSpPr>
+              <p:cNvPr id="58" name="直接箭头连接符 57"/>
+              <p:cNvCxnSpPr>
+                <a:stCxn id="41" idx="5"/>
+                <a:endCxn id="43" idx="1"/>
+              </p:cNvCxnSpPr>
+              <p:nvPr/>
+            </p:nvCxnSpPr>
+            <p:spPr>
+              <a:xfrm>
+                <a:off x="1304" y="4827"/>
+                <a:ext cx="739" cy="804"/>
+              </a:xfrm>
+              <a:prstGeom prst="straightConnector1">
+                <a:avLst/>
+              </a:prstGeom>
+              <a:ln w="38100">
+                <a:tailEnd type="arrow"/>
+              </a:ln>
+            </p:spPr>
+            <p:style>
+              <a:lnRef idx="1">
+                <a:schemeClr val="accent1"/>
+              </a:lnRef>
+              <a:fillRef idx="0">
+                <a:schemeClr val="accent1"/>
+              </a:fillRef>
+              <a:effectRef idx="0">
+                <a:schemeClr val="accent1"/>
+              </a:effectRef>
+              <a:fontRef idx="minor">
+                <a:schemeClr val="tx1"/>
+              </a:fontRef>
+            </p:style>
+          </p:cxnSp>
+        </p:grpSp>
+        <p:sp>
+          <p:nvSpPr>
+            <p:cNvPr id="59" name="文本框 58"/>
+            <p:cNvSpPr txBox="1"/>
+            <p:nvPr/>
+          </p:nvSpPr>
+          <p:spPr>
+            <a:xfrm>
+              <a:off x="3426" y="3320"/>
+              <a:ext cx="484" cy="599"/>
+            </a:xfrm>
+            <a:prstGeom prst="rect">
+              <a:avLst/>
+            </a:prstGeom>
+            <a:noFill/>
+          </p:spPr>
+          <p:txBody>
+            <a:bodyPr wrap="square" rtlCol="0">
+              <a:spAutoFit/>
+            </a:bodyPr>
+            <a:p>
+              <a:r>
+                <a:rPr lang="en-US" altLang="zh-CN" b="1">
+                  <a:solidFill>
+                    <a:srgbClr val="FF0000"/>
+                  </a:solidFill>
+                </a:rPr>
+                <a:t>2</a:t>
+              </a:r>
+              <a:endParaRPr lang="en-US" altLang="zh-CN" b="1">
+                <a:solidFill>
+                  <a:srgbClr val="FF0000"/>
+                </a:solidFill>
+              </a:endParaRPr>
+            </a:p>
+          </p:txBody>
+        </p:sp>
+        <p:sp>
+          <p:nvSpPr>
+            <p:cNvPr id="60" name="文本框 59"/>
+            <p:cNvSpPr txBox="1"/>
+            <p:nvPr/>
+          </p:nvSpPr>
+          <p:spPr>
+            <a:xfrm>
+              <a:off x="5399" y="4119"/>
+              <a:ext cx="850" cy="599"/>
+            </a:xfrm>
+            <a:prstGeom prst="rect">
+              <a:avLst/>
+            </a:prstGeom>
+            <a:noFill/>
+          </p:spPr>
+          <p:txBody>
+            <a:bodyPr wrap="square" rtlCol="0">
+              <a:spAutoFit/>
+            </a:bodyPr>
+            <a:p>
+              <a:r>
+                <a:rPr lang="en-US" altLang="zh-CN"/>
+                <a:t>10</a:t>
+              </a:r>
+              <a:endParaRPr lang="en-US" altLang="zh-CN"/>
+            </a:p>
+          </p:txBody>
+        </p:sp>
+        <p:sp>
+          <p:nvSpPr>
+            <p:cNvPr id="61" name="文本框 60"/>
+            <p:cNvSpPr txBox="1"/>
+            <p:nvPr/>
+          </p:nvSpPr>
+          <p:spPr>
+            <a:xfrm>
+              <a:off x="3910" y="4119"/>
+              <a:ext cx="484" cy="599"/>
+            </a:xfrm>
+            <a:prstGeom prst="rect">
+              <a:avLst/>
+            </a:prstGeom>
+            <a:noFill/>
+          </p:spPr>
+          <p:txBody>
+            <a:bodyPr wrap="square" rtlCol="0">
+              <a:spAutoFit/>
+            </a:bodyPr>
+            <a:p>
+              <a:r>
+                <a:rPr lang="en-US" altLang="zh-CN"/>
+                <a:t>3</a:t>
+              </a:r>
+              <a:endParaRPr lang="en-US" altLang="zh-CN"/>
+            </a:p>
+          </p:txBody>
+        </p:sp>
+        <p:sp>
+          <p:nvSpPr>
+            <p:cNvPr id="62" name="文本框 61"/>
+            <p:cNvSpPr txBox="1"/>
+            <p:nvPr/>
+          </p:nvSpPr>
+          <p:spPr>
+            <a:xfrm>
+              <a:off x="3026" y="4119"/>
+              <a:ext cx="484" cy="599"/>
+            </a:xfrm>
+            <a:prstGeom prst="rect">
+              <a:avLst/>
+            </a:prstGeom>
+            <a:noFill/>
+          </p:spPr>
+          <p:txBody>
+            <a:bodyPr wrap="square" rtlCol="0">
+              <a:spAutoFit/>
+            </a:bodyPr>
+            <a:p>
+              <a:r>
+                <a:rPr lang="en-US" altLang="zh-CN" b="1">
+                  <a:solidFill>
+                    <a:srgbClr val="FF0000"/>
+                  </a:solidFill>
+                </a:rPr>
+                <a:t>1</a:t>
+              </a:r>
+              <a:endParaRPr lang="en-US" altLang="zh-CN" b="1">
+                <a:solidFill>
+                  <a:srgbClr val="FF0000"/>
+                </a:solidFill>
+              </a:endParaRPr>
+            </a:p>
+          </p:txBody>
+        </p:sp>
+        <p:sp>
+          <p:nvSpPr>
+            <p:cNvPr id="63" name="文本框 62"/>
+            <p:cNvSpPr txBox="1"/>
+            <p:nvPr/>
+          </p:nvSpPr>
+          <p:spPr>
+            <a:xfrm>
+              <a:off x="1320" y="4119"/>
+              <a:ext cx="484" cy="599"/>
+            </a:xfrm>
+            <a:prstGeom prst="rect">
+              <a:avLst/>
+            </a:prstGeom>
+            <a:noFill/>
+          </p:spPr>
+          <p:txBody>
+            <a:bodyPr wrap="square" rtlCol="0">
+              <a:spAutoFit/>
+            </a:bodyPr>
+            <a:p>
+              <a:r>
+                <a:rPr lang="en-US" altLang="zh-CN"/>
+                <a:t>4</a:t>
+              </a:r>
+              <a:endParaRPr lang="en-US" altLang="zh-CN"/>
+            </a:p>
+          </p:txBody>
+        </p:sp>
+        <p:sp>
+          <p:nvSpPr>
+            <p:cNvPr id="64" name="文本框 63"/>
+            <p:cNvSpPr txBox="1"/>
+            <p:nvPr/>
+          </p:nvSpPr>
+          <p:spPr>
+            <a:xfrm>
+              <a:off x="2230" y="4839"/>
+              <a:ext cx="484" cy="599"/>
+            </a:xfrm>
+            <a:prstGeom prst="rect">
+              <a:avLst/>
+            </a:prstGeom>
+            <a:noFill/>
+          </p:spPr>
+          <p:txBody>
+            <a:bodyPr wrap="square" rtlCol="0">
+              <a:spAutoFit/>
+            </a:bodyPr>
+            <a:p>
+              <a:r>
+                <a:rPr lang="en-US" altLang="zh-CN"/>
+                <a:t>2</a:t>
+              </a:r>
+              <a:endParaRPr lang="en-US" altLang="zh-CN"/>
+            </a:p>
+          </p:txBody>
+        </p:sp>
+        <p:sp>
+          <p:nvSpPr>
+            <p:cNvPr id="65" name="文本框 64"/>
+            <p:cNvSpPr txBox="1"/>
+            <p:nvPr/>
+          </p:nvSpPr>
+          <p:spPr>
+            <a:xfrm>
+              <a:off x="4699" y="4839"/>
+              <a:ext cx="484" cy="599"/>
+            </a:xfrm>
+            <a:prstGeom prst="rect">
+              <a:avLst/>
+            </a:prstGeom>
+            <a:noFill/>
+          </p:spPr>
+          <p:txBody>
+            <a:bodyPr wrap="square" rtlCol="0">
+              <a:spAutoFit/>
+            </a:bodyPr>
+            <a:p>
+              <a:r>
+                <a:rPr lang="en-US" altLang="zh-CN"/>
+                <a:t>2</a:t>
+              </a:r>
+              <a:endParaRPr lang="en-US" altLang="zh-CN"/>
+            </a:p>
+          </p:txBody>
+        </p:sp>
+        <p:sp>
+          <p:nvSpPr>
+            <p:cNvPr id="66" name="文本框 65"/>
+            <p:cNvSpPr txBox="1"/>
+            <p:nvPr/>
+          </p:nvSpPr>
+          <p:spPr>
+            <a:xfrm>
+              <a:off x="5183" y="5861"/>
+              <a:ext cx="484" cy="599"/>
+            </a:xfrm>
+            <a:prstGeom prst="rect">
+              <a:avLst/>
+            </a:prstGeom>
+            <a:noFill/>
+          </p:spPr>
+          <p:txBody>
+            <a:bodyPr wrap="square" rtlCol="0">
+              <a:spAutoFit/>
+            </a:bodyPr>
+            <a:p>
+              <a:r>
+                <a:rPr lang="en-US" altLang="zh-CN"/>
+                <a:t>6</a:t>
+              </a:r>
+              <a:endParaRPr lang="en-US" altLang="zh-CN"/>
+            </a:p>
+          </p:txBody>
+        </p:sp>
+        <p:sp>
+          <p:nvSpPr>
+            <p:cNvPr id="67" name="文本框 66"/>
+            <p:cNvSpPr txBox="1"/>
+            <p:nvPr/>
+          </p:nvSpPr>
+          <p:spPr>
+            <a:xfrm>
+              <a:off x="3514" y="6442"/>
+              <a:ext cx="484" cy="599"/>
+            </a:xfrm>
+            <a:prstGeom prst="rect">
+              <a:avLst/>
+            </a:prstGeom>
+            <a:noFill/>
+          </p:spPr>
+          <p:txBody>
+            <a:bodyPr wrap="square" rtlCol="0">
+              <a:spAutoFit/>
+            </a:bodyPr>
+            <a:p>
+              <a:r>
+                <a:rPr lang="en-US" altLang="zh-CN"/>
+                <a:t>1</a:t>
+              </a:r>
+              <a:endParaRPr lang="en-US" altLang="zh-CN"/>
+            </a:p>
+          </p:txBody>
+        </p:sp>
+        <p:sp>
+          <p:nvSpPr>
+            <p:cNvPr id="68" name="文本框 67"/>
+            <p:cNvSpPr txBox="1"/>
+            <p:nvPr/>
+          </p:nvSpPr>
+          <p:spPr>
+            <a:xfrm>
+              <a:off x="1804" y="5731"/>
+              <a:ext cx="484" cy="599"/>
+            </a:xfrm>
+            <a:prstGeom prst="rect">
+              <a:avLst/>
+            </a:prstGeom>
+            <a:noFill/>
+          </p:spPr>
+          <p:txBody>
+            <a:bodyPr wrap="square" rtlCol="0">
+              <a:spAutoFit/>
+            </a:bodyPr>
+            <a:p>
+              <a:r>
+                <a:rPr lang="en-US" altLang="zh-CN"/>
+                <a:t>5</a:t>
+              </a:r>
+              <a:endParaRPr lang="en-US" altLang="zh-CN"/>
+            </a:p>
+          </p:txBody>
+        </p:sp>
+        <p:sp>
+          <p:nvSpPr>
+            <p:cNvPr id="69" name="文本框 68"/>
+            <p:cNvSpPr txBox="1"/>
+            <p:nvPr/>
+          </p:nvSpPr>
+          <p:spPr>
+            <a:xfrm>
+              <a:off x="2714" y="5731"/>
+              <a:ext cx="484" cy="599"/>
+            </a:xfrm>
+            <a:prstGeom prst="rect">
+              <a:avLst/>
+            </a:prstGeom>
+            <a:noFill/>
+          </p:spPr>
+          <p:txBody>
+            <a:bodyPr wrap="square" rtlCol="0">
+              <a:spAutoFit/>
+            </a:bodyPr>
+            <a:p>
+              <a:r>
+                <a:rPr lang="en-US" altLang="zh-CN"/>
+                <a:t>8</a:t>
+              </a:r>
+              <a:endParaRPr lang="en-US" altLang="zh-CN"/>
+            </a:p>
+          </p:txBody>
+        </p:sp>
+        <p:sp>
+          <p:nvSpPr>
+            <p:cNvPr id="70" name="文本框 69"/>
+            <p:cNvSpPr txBox="1"/>
+            <p:nvPr/>
+          </p:nvSpPr>
+          <p:spPr>
+            <a:xfrm>
+              <a:off x="4215" y="5731"/>
+              <a:ext cx="484" cy="599"/>
+            </a:xfrm>
+            <a:prstGeom prst="rect">
+              <a:avLst/>
+            </a:prstGeom>
+            <a:noFill/>
+          </p:spPr>
+          <p:txBody>
+            <a:bodyPr wrap="square" rtlCol="0">
+              <a:spAutoFit/>
+            </a:bodyPr>
+            <a:p>
+              <a:r>
+                <a:rPr lang="en-US" altLang="zh-CN"/>
+                <a:t>4</a:t>
+              </a:r>
+              <a:endParaRPr lang="en-US" altLang="zh-CN"/>
+            </a:p>
+          </p:txBody>
+        </p:sp>
+      </p:grpSp>
+      <p:sp>
+        <p:nvSpPr>
+          <p:cNvPr id="71" name="文本框 70"/>
+          <p:cNvSpPr txBox="1"/>
+          <p:nvPr/>
+        </p:nvSpPr>
+        <p:spPr>
+          <a:xfrm>
+            <a:off x="4481195" y="4511675"/>
+            <a:ext cx="2403475" cy="2030095"/>
+          </a:xfrm>
+          <a:prstGeom prst="rect">
+            <a:avLst/>
+          </a:prstGeom>
+          <a:noFill/>
+        </p:spPr>
+        <p:txBody>
+          <a:bodyPr wrap="square" rtlCol="0">
+            <a:spAutoFit/>
+          </a:bodyPr>
+          <a:p>
+            <a:r>
+              <a:rPr lang="en-US" altLang="zh-CN" b="1">
+                <a:solidFill>
+                  <a:schemeClr val="tx1"/>
+                </a:solidFill>
+              </a:rPr>
+              <a:t>dis[0] = 0    prev[0] = 0</a:t>
+            </a:r>
+            <a:endParaRPr lang="en-US" altLang="zh-CN" b="1">
+              <a:solidFill>
+                <a:schemeClr val="tx1"/>
+              </a:solidFill>
+            </a:endParaRPr>
+          </a:p>
+          <a:p>
+            <a:r>
+              <a:rPr lang="en-US" altLang="zh-CN" b="1"/>
+              <a:t>dis[1] = 2    prev[1] = 0</a:t>
+            </a:r>
+            <a:endParaRPr lang="en-US" altLang="zh-CN" b="1"/>
+          </a:p>
+          <a:p>
+            <a:r>
+              <a:rPr lang="en-US" altLang="zh-CN" b="1">
+                <a:solidFill>
+                  <a:srgbClr val="7030A0"/>
+                </a:solidFill>
+                <a:sym typeface="+mn-ea"/>
+              </a:rPr>
+              <a:t>dis[2] = 3    prev[2] = 3</a:t>
+            </a:r>
+            <a:endParaRPr lang="en-US" altLang="zh-CN" b="1">
+              <a:solidFill>
+                <a:srgbClr val="7030A0"/>
+              </a:solidFill>
+              <a:sym typeface="+mn-ea"/>
+            </a:endParaRPr>
+          </a:p>
+          <a:p>
+            <a:r>
+              <a:rPr lang="en-US" altLang="zh-CN" b="1">
+                <a:solidFill>
+                  <a:schemeClr val="tx1"/>
+                </a:solidFill>
+                <a:sym typeface="+mn-ea"/>
+              </a:rPr>
+              <a:t>dis[3] = 1    prev[3] = 0</a:t>
+            </a:r>
+            <a:endParaRPr lang="en-US" altLang="zh-CN" b="1">
+              <a:solidFill>
+                <a:schemeClr val="tx1"/>
+              </a:solidFill>
+              <a:sym typeface="+mn-ea"/>
+            </a:endParaRPr>
+          </a:p>
+          <a:p>
+            <a:r>
+              <a:rPr lang="en-US" altLang="zh-CN">
+                <a:sym typeface="+mn-ea"/>
+              </a:rPr>
+              <a:t>dis[4] = 3    prev[4] = 3</a:t>
+            </a:r>
+            <a:endParaRPr lang="en-US" altLang="zh-CN">
+              <a:sym typeface="+mn-ea"/>
+            </a:endParaRPr>
+          </a:p>
+          <a:p>
+            <a:r>
+              <a:rPr lang="en-US" altLang="zh-CN">
+                <a:sym typeface="+mn-ea"/>
+              </a:rPr>
+              <a:t>dis[5] = 9    prev[5] = 3</a:t>
+            </a:r>
+            <a:endParaRPr lang="en-US" altLang="zh-CN"/>
+          </a:p>
+          <a:p>
+            <a:r>
+              <a:rPr lang="en-US" altLang="zh-CN">
+                <a:sym typeface="+mn-ea"/>
+              </a:rPr>
+              <a:t>dis[6] = 5    prev[6] = 3</a:t>
+            </a:r>
+            <a:endParaRPr lang="en-US" altLang="zh-CN"/>
+          </a:p>
+        </p:txBody>
+      </p:sp>
+    </p:spTree>
+  </p:cSld>
+  <p:clrMapOvr>
+    <a:masterClrMapping/>
+  </p:clrMapOvr>
+</p:sld>
+</file>
+
+<file path=ppt/slides/slide32.xml><?xml version="1.0" encoding="utf-8"?>
+<p:sld xmlns:a="http://schemas.openxmlformats.org/drawingml/2006/main" xmlns:r="http://schemas.openxmlformats.org/officeDocument/2006/relationships" xmlns:p="http://schemas.openxmlformats.org/presentationml/2006/main">
+  <p:cSld>
+    <p:spTree>
+      <p:nvGrpSpPr>
+        <p:cNvPr id="1" name=""/>
+        <p:cNvGrpSpPr/>
+        <p:nvPr/>
+      </p:nvGrpSpPr>
+      <p:grpSpPr/>
+      <p:sp>
+        <p:nvSpPr>
+          <p:cNvPr id="2" name="标题 1"/>
+          <p:cNvSpPr>
+            <a:spLocks noGrp="1"/>
+          </p:cNvSpPr>
+          <p:nvPr>
+            <p:ph type="title"/>
+          </p:nvPr>
+        </p:nvSpPr>
+        <p:spPr>
+          <a:xfrm>
+            <a:off x="251460" y="10795"/>
+            <a:ext cx="10515600" cy="1325563"/>
+          </a:xfrm>
+        </p:spPr>
+        <p:txBody>
+          <a:bodyPr/>
+          <a:p>
+            <a:r>
+              <a:rPr lang="zh-CN" altLang="en-US"/>
+              <a:t>有权最短路径 </a:t>
+            </a:r>
+            <a:r>
+              <a:rPr lang="en-US" altLang="zh-CN"/>
+              <a:t>Dijkstra</a:t>
+            </a:r>
+            <a:r>
+              <a:rPr lang="zh-CN" altLang="en-US"/>
+              <a:t>算法</a:t>
+            </a:r>
+            <a:r>
+              <a:rPr lang="en-US" altLang="zh-CN"/>
+              <a:t>(2/4)</a:t>
+            </a:r>
+            <a:endParaRPr lang="en-US" altLang="zh-CN"/>
+          </a:p>
+        </p:txBody>
+      </p:sp>
+      <p:grpSp>
+        <p:nvGrpSpPr>
+          <p:cNvPr id="4" name="组合 3"/>
+          <p:cNvGrpSpPr/>
+          <p:nvPr/>
+        </p:nvGrpSpPr>
+        <p:grpSpPr>
+          <a:xfrm>
+            <a:off x="501015" y="1228090"/>
+            <a:ext cx="3654425" cy="2545080"/>
+            <a:chOff x="485" y="3320"/>
+            <a:chExt cx="6194" cy="4142"/>
+          </a:xfrm>
+        </p:grpSpPr>
+        <p:grpSp>
+          <p:nvGrpSpPr>
+            <p:cNvPr id="5" name="组合 4"/>
+            <p:cNvGrpSpPr/>
+            <p:nvPr/>
+          </p:nvGrpSpPr>
+          <p:grpSpPr>
+            <a:xfrm>
+              <a:off x="485" y="3364"/>
+              <a:ext cx="6194" cy="4098"/>
+              <a:chOff x="683" y="2879"/>
+              <a:chExt cx="4829" cy="3372"/>
+            </a:xfrm>
+          </p:grpSpPr>
+          <p:grpSp>
+            <p:nvGrpSpPr>
+              <p:cNvPr id="6" name="组合 5"/>
+              <p:cNvGrpSpPr/>
+              <p:nvPr/>
+            </p:nvGrpSpPr>
+            <p:grpSpPr>
+              <a:xfrm>
+                <a:off x="683" y="2879"/>
+                <a:ext cx="4829" cy="3372"/>
+                <a:chOff x="1057" y="3298"/>
+                <a:chExt cx="4829" cy="3372"/>
+              </a:xfrm>
+            </p:grpSpPr>
+            <p:sp>
+              <p:nvSpPr>
+                <p:cNvPr id="7" name="椭圆 6"/>
+                <p:cNvSpPr/>
+                <p:nvPr/>
+              </p:nvSpPr>
+              <p:spPr>
+                <a:xfrm>
+                  <a:off x="2311" y="3298"/>
+                  <a:ext cx="727" cy="727"/>
+                </a:xfrm>
+                <a:prstGeom prst="ellipse">
+                  <a:avLst/>
+                </a:prstGeom>
+                <a:ln>
+                  <a:solidFill>
+                    <a:srgbClr val="FF0000"/>
+                  </a:solidFill>
+                </a:ln>
+              </p:spPr>
+              <p:style>
+                <a:lnRef idx="2">
+                  <a:schemeClr val="accent1"/>
+                </a:lnRef>
+                <a:fillRef idx="1">
+                  <a:schemeClr val="lt1"/>
+                </a:fillRef>
+                <a:effectRef idx="0">
+                  <a:schemeClr val="accent1"/>
+                </a:effectRef>
+                <a:fontRef idx="minor">
+                  <a:schemeClr val="dk1"/>
+                </a:fontRef>
+              </p:style>
+              <p:txBody>
+                <a:bodyPr rtlCol="0" anchor="ctr"/>
+                <a:p>
+                  <a:pPr algn="ctr"/>
+                  <a:r>
+                    <a:rPr lang="en-US" altLang="zh-CN"/>
+                    <a:t>0</a:t>
+                  </a:r>
+                  <a:endParaRPr lang="en-US" altLang="zh-CN"/>
+                </a:p>
+              </p:txBody>
+            </p:sp>
+            <p:sp>
+              <p:nvSpPr>
+                <p:cNvPr id="8" name="椭圆 7"/>
+                <p:cNvSpPr/>
+                <p:nvPr/>
+              </p:nvSpPr>
+              <p:spPr>
+                <a:xfrm>
+                  <a:off x="1057" y="4625"/>
+                  <a:ext cx="727" cy="727"/>
+                </a:xfrm>
+                <a:prstGeom prst="ellipse">
+                  <a:avLst/>
+                </a:prstGeom>
+                <a:ln>
+                  <a:solidFill>
+                    <a:srgbClr val="FF0000"/>
+                  </a:solidFill>
+                </a:ln>
+              </p:spPr>
+              <p:style>
+                <a:lnRef idx="2">
+                  <a:schemeClr val="accent1"/>
+                </a:lnRef>
+                <a:fillRef idx="1">
+                  <a:schemeClr val="lt1"/>
+                </a:fillRef>
+                <a:effectRef idx="0">
+                  <a:schemeClr val="accent1"/>
+                </a:effectRef>
+                <a:fontRef idx="minor">
+                  <a:schemeClr val="dk1"/>
+                </a:fontRef>
+              </p:style>
+              <p:txBody>
+                <a:bodyPr rtlCol="0" anchor="ctr"/>
+                <a:p>
+                  <a:pPr algn="ctr"/>
+                  <a:r>
+                    <a:rPr lang="en-US" altLang="zh-CN"/>
+                    <a:t>2</a:t>
+                  </a:r>
+                  <a:endParaRPr lang="en-US" altLang="zh-CN"/>
+                </a:p>
+              </p:txBody>
+            </p:sp>
+            <p:sp>
+              <p:nvSpPr>
+                <p:cNvPr id="9" name="椭圆 8"/>
+                <p:cNvSpPr/>
+                <p:nvPr/>
+              </p:nvSpPr>
+              <p:spPr>
+                <a:xfrm>
+                  <a:off x="4099" y="3298"/>
+                  <a:ext cx="727" cy="727"/>
+                </a:xfrm>
+                <a:prstGeom prst="ellipse">
+                  <a:avLst/>
+                </a:prstGeom>
+                <a:ln>
+                  <a:solidFill>
+                    <a:srgbClr val="FF0000"/>
+                  </a:solidFill>
+                </a:ln>
+              </p:spPr>
+              <p:style>
+                <a:lnRef idx="2">
+                  <a:schemeClr val="accent1"/>
+                </a:lnRef>
+                <a:fillRef idx="1">
+                  <a:schemeClr val="lt1"/>
+                </a:fillRef>
+                <a:effectRef idx="0">
+                  <a:schemeClr val="accent1"/>
+                </a:effectRef>
+                <a:fontRef idx="minor">
+                  <a:schemeClr val="dk1"/>
+                </a:fontRef>
+              </p:style>
+              <p:txBody>
+                <a:bodyPr rtlCol="0" anchor="ctr"/>
+                <a:p>
+                  <a:pPr algn="ctr"/>
+                  <a:r>
+                    <a:rPr lang="en-US" altLang="zh-CN"/>
+                    <a:t>1</a:t>
+                  </a:r>
+                  <a:endParaRPr lang="en-US" altLang="zh-CN"/>
+                </a:p>
+              </p:txBody>
+            </p:sp>
+            <p:sp>
+              <p:nvSpPr>
+                <p:cNvPr id="10" name="椭圆 9"/>
+                <p:cNvSpPr/>
+                <p:nvPr/>
+              </p:nvSpPr>
+              <p:spPr>
+                <a:xfrm>
+                  <a:off x="2311" y="5944"/>
+                  <a:ext cx="727" cy="727"/>
+                </a:xfrm>
+                <a:prstGeom prst="ellipse">
+                  <a:avLst/>
+                </a:prstGeom>
+              </p:spPr>
+              <p:style>
+                <a:lnRef idx="2">
+                  <a:schemeClr val="accent1"/>
+                </a:lnRef>
+                <a:fillRef idx="1">
+                  <a:schemeClr val="lt1"/>
+                </a:fillRef>
+                <a:effectRef idx="0">
+                  <a:schemeClr val="accent1"/>
+                </a:effectRef>
+                <a:fontRef idx="minor">
+                  <a:schemeClr val="dk1"/>
+                </a:fontRef>
+              </p:style>
+              <p:txBody>
+                <a:bodyPr rtlCol="0" anchor="ctr"/>
+                <a:p>
+                  <a:pPr algn="ctr"/>
+                  <a:r>
+                    <a:rPr lang="en-US" altLang="zh-CN">
+                      <a:solidFill>
+                        <a:schemeClr val="tx1"/>
+                      </a:solidFill>
+                    </a:rPr>
+                    <a:t>5</a:t>
+                  </a:r>
+                  <a:endParaRPr lang="en-US" altLang="zh-CN">
+                    <a:solidFill>
+                      <a:schemeClr val="tx1"/>
+                    </a:solidFill>
+                  </a:endParaRPr>
+                </a:p>
+              </p:txBody>
+            </p:sp>
+            <p:sp>
+              <p:nvSpPr>
+                <p:cNvPr id="11" name="椭圆 10"/>
+                <p:cNvSpPr/>
+                <p:nvPr/>
+              </p:nvSpPr>
+              <p:spPr>
+                <a:xfrm>
+                  <a:off x="4099" y="5944"/>
+                  <a:ext cx="727" cy="727"/>
+                </a:xfrm>
+                <a:prstGeom prst="ellipse">
+                  <a:avLst/>
+                </a:prstGeom>
+              </p:spPr>
+              <p:style>
+                <a:lnRef idx="2">
+                  <a:schemeClr val="accent1"/>
+                </a:lnRef>
+                <a:fillRef idx="1">
+                  <a:schemeClr val="lt1"/>
+                </a:fillRef>
+                <a:effectRef idx="0">
+                  <a:schemeClr val="accent1"/>
+                </a:effectRef>
+                <a:fontRef idx="minor">
+                  <a:schemeClr val="dk1"/>
+                </a:fontRef>
+              </p:style>
+              <p:txBody>
+                <a:bodyPr rtlCol="0" anchor="ctr"/>
+                <a:p>
+                  <a:pPr algn="ctr"/>
+                  <a:r>
+                    <a:rPr lang="en-US" altLang="zh-CN"/>
+                    <a:t>6</a:t>
+                  </a:r>
+                  <a:endParaRPr lang="en-US" altLang="zh-CN"/>
+                </a:p>
+              </p:txBody>
+            </p:sp>
+            <p:sp>
+              <p:nvSpPr>
+                <p:cNvPr id="12" name="椭圆 11"/>
+                <p:cNvSpPr/>
+                <p:nvPr/>
+              </p:nvSpPr>
+              <p:spPr>
+                <a:xfrm>
+                  <a:off x="5160" y="4625"/>
+                  <a:ext cx="727" cy="727"/>
+                </a:xfrm>
+                <a:prstGeom prst="ellipse">
+                  <a:avLst/>
+                </a:prstGeom>
+                <a:ln>
+                  <a:solidFill>
+                    <a:srgbClr val="FF0000"/>
+                  </a:solidFill>
+                </a:ln>
+              </p:spPr>
+              <p:style>
+                <a:lnRef idx="2">
+                  <a:schemeClr val="accent1"/>
+                </a:lnRef>
+                <a:fillRef idx="1">
+                  <a:schemeClr val="lt1"/>
+                </a:fillRef>
+                <a:effectRef idx="0">
+                  <a:schemeClr val="accent1"/>
+                </a:effectRef>
+                <a:fontRef idx="minor">
+                  <a:schemeClr val="dk1"/>
+                </a:fontRef>
+              </p:style>
+              <p:txBody>
+                <a:bodyPr rtlCol="0" anchor="ctr"/>
+                <a:p>
+                  <a:pPr algn="ctr"/>
+                  <a:r>
+                    <a:rPr lang="en-US" altLang="zh-CN" sz="2800" b="1">
+                      <a:solidFill>
+                        <a:srgbClr val="7030A0"/>
+                      </a:solidFill>
+                    </a:rPr>
+                    <a:t>4</a:t>
+                  </a:r>
+                  <a:endParaRPr lang="en-US" altLang="zh-CN" sz="2800" b="1">
+                    <a:solidFill>
+                      <a:srgbClr val="7030A0"/>
+                    </a:solidFill>
+                  </a:endParaRPr>
+                </a:p>
+              </p:txBody>
+            </p:sp>
+            <p:sp>
+              <p:nvSpPr>
+                <p:cNvPr id="13" name="椭圆 12"/>
+                <p:cNvSpPr/>
+                <p:nvPr/>
+              </p:nvSpPr>
+              <p:spPr>
+                <a:xfrm>
+                  <a:off x="3175" y="4625"/>
+                  <a:ext cx="727" cy="727"/>
+                </a:xfrm>
+                <a:prstGeom prst="ellipse">
+                  <a:avLst/>
+                </a:prstGeom>
+                <a:ln>
+                  <a:solidFill>
+                    <a:srgbClr val="FF0000"/>
+                  </a:solidFill>
+                </a:ln>
+              </p:spPr>
+              <p:style>
+                <a:lnRef idx="2">
+                  <a:schemeClr val="accent1"/>
+                </a:lnRef>
+                <a:fillRef idx="1">
+                  <a:schemeClr val="lt1"/>
+                </a:fillRef>
+                <a:effectRef idx="0">
+                  <a:schemeClr val="accent1"/>
+                </a:effectRef>
+                <a:fontRef idx="minor">
+                  <a:schemeClr val="dk1"/>
+                </a:fontRef>
+              </p:style>
+              <p:txBody>
+                <a:bodyPr rtlCol="0" anchor="ctr"/>
+                <a:p>
+                  <a:pPr algn="ctr"/>
+                  <a:r>
+                    <a:rPr lang="en-US" altLang="zh-CN"/>
+                    <a:t>3</a:t>
+                  </a:r>
+                  <a:endParaRPr lang="en-US" altLang="zh-CN"/>
+                </a:p>
+              </p:txBody>
+            </p:sp>
+          </p:grpSp>
+          <p:cxnSp>
+            <p:nvCxnSpPr>
+              <p:cNvPr id="14" name="直接箭头连接符 13"/>
+              <p:cNvCxnSpPr>
+                <a:stCxn id="7" idx="6"/>
+                <a:endCxn id="9" idx="2"/>
+              </p:cNvCxnSpPr>
+              <p:nvPr/>
+            </p:nvCxnSpPr>
+            <p:spPr>
+              <a:xfrm>
+                <a:off x="2664" y="3243"/>
+                <a:ext cx="1061" cy="0"/>
+              </a:xfrm>
+              <a:prstGeom prst="straightConnector1">
+                <a:avLst/>
+              </a:prstGeom>
+              <a:ln w="38100">
+                <a:solidFill>
+                  <a:srgbClr val="FF0000"/>
+                </a:solidFill>
+                <a:tailEnd type="arrow"/>
+              </a:ln>
+            </p:spPr>
+            <p:style>
+              <a:lnRef idx="1">
+                <a:schemeClr val="accent1"/>
+              </a:lnRef>
+              <a:fillRef idx="0">
+                <a:schemeClr val="accent1"/>
+              </a:fillRef>
+              <a:effectRef idx="0">
+                <a:schemeClr val="accent1"/>
+              </a:effectRef>
+              <a:fontRef idx="minor">
+                <a:schemeClr val="tx1"/>
+              </a:fontRef>
+            </p:style>
+          </p:cxnSp>
+          <p:cxnSp>
+            <p:nvCxnSpPr>
+              <p:cNvPr id="15" name="直接箭头连接符 14"/>
+              <p:cNvCxnSpPr>
+                <a:stCxn id="9" idx="5"/>
+                <a:endCxn id="12" idx="1"/>
+              </p:cNvCxnSpPr>
+              <p:nvPr/>
+            </p:nvCxnSpPr>
+            <p:spPr>
+              <a:xfrm>
+                <a:off x="4346" y="3500"/>
+                <a:ext cx="546" cy="812"/>
+              </a:xfrm>
+              <a:prstGeom prst="straightConnector1">
+                <a:avLst/>
+              </a:prstGeom>
+              <a:ln w="38100">
+                <a:tailEnd type="arrow"/>
+              </a:ln>
+            </p:spPr>
+            <p:style>
+              <a:lnRef idx="1">
+                <a:schemeClr val="accent1"/>
+              </a:lnRef>
+              <a:fillRef idx="0">
+                <a:schemeClr val="accent1"/>
+              </a:fillRef>
+              <a:effectRef idx="0">
+                <a:schemeClr val="accent1"/>
+              </a:effectRef>
+              <a:fontRef idx="minor">
+                <a:schemeClr val="tx1"/>
+              </a:fontRef>
+            </p:style>
+          </p:cxnSp>
+          <p:cxnSp>
+            <p:nvCxnSpPr>
+              <p:cNvPr id="16" name="直接箭头连接符 15"/>
+              <p:cNvCxnSpPr>
+                <a:stCxn id="9" idx="3"/>
+                <a:endCxn id="13" idx="7"/>
+              </p:cNvCxnSpPr>
+              <p:nvPr/>
+            </p:nvCxnSpPr>
+            <p:spPr>
+              <a:xfrm flipH="1">
+                <a:off x="3422" y="3500"/>
+                <a:ext cx="409" cy="812"/>
+              </a:xfrm>
+              <a:prstGeom prst="straightConnector1">
+                <a:avLst/>
+              </a:prstGeom>
+              <a:ln w="38100">
+                <a:tailEnd type="arrow"/>
+              </a:ln>
+            </p:spPr>
+            <p:style>
+              <a:lnRef idx="1">
+                <a:schemeClr val="accent1"/>
+              </a:lnRef>
+              <a:fillRef idx="0">
+                <a:schemeClr val="accent1"/>
+              </a:fillRef>
+              <a:effectRef idx="0">
+                <a:schemeClr val="accent1"/>
+              </a:effectRef>
+              <a:fontRef idx="minor">
+                <a:schemeClr val="tx1"/>
+              </a:fontRef>
+            </p:style>
+          </p:cxnSp>
+          <p:cxnSp>
+            <p:nvCxnSpPr>
+              <p:cNvPr id="17" name="直接箭头连接符 16"/>
+              <p:cNvCxnSpPr>
+                <a:stCxn id="8" idx="7"/>
+                <a:endCxn id="7" idx="3"/>
+              </p:cNvCxnSpPr>
+              <p:nvPr/>
+            </p:nvCxnSpPr>
+            <p:spPr>
+              <a:xfrm flipV="1">
+                <a:off x="1304" y="3500"/>
+                <a:ext cx="739" cy="812"/>
+              </a:xfrm>
+              <a:prstGeom prst="straightConnector1">
+                <a:avLst/>
+              </a:prstGeom>
+              <a:ln w="38100">
+                <a:tailEnd type="arrow"/>
+              </a:ln>
+            </p:spPr>
+            <p:style>
+              <a:lnRef idx="1">
+                <a:schemeClr val="accent1"/>
+              </a:lnRef>
+              <a:fillRef idx="0">
+                <a:schemeClr val="accent1"/>
+              </a:fillRef>
+              <a:effectRef idx="0">
+                <a:schemeClr val="accent1"/>
+              </a:effectRef>
+              <a:fontRef idx="minor">
+                <a:schemeClr val="tx1"/>
+              </a:fontRef>
+            </p:style>
+          </p:cxnSp>
+          <p:cxnSp>
+            <p:nvCxnSpPr>
+              <p:cNvPr id="18" name="直接箭头连接符 17"/>
+              <p:cNvCxnSpPr>
+                <a:stCxn id="7" idx="5"/>
+                <a:endCxn id="13" idx="1"/>
+              </p:cNvCxnSpPr>
+              <p:nvPr/>
+            </p:nvCxnSpPr>
+            <p:spPr>
+              <a:xfrm>
+                <a:off x="2558" y="3500"/>
+                <a:ext cx="349" cy="812"/>
+              </a:xfrm>
+              <a:prstGeom prst="straightConnector1">
+                <a:avLst/>
+              </a:prstGeom>
+              <a:ln w="38100">
+                <a:solidFill>
+                  <a:srgbClr val="FF0000"/>
+                </a:solidFill>
+                <a:tailEnd type="arrow"/>
+              </a:ln>
+            </p:spPr>
+            <p:style>
+              <a:lnRef idx="1">
+                <a:schemeClr val="accent1"/>
+              </a:lnRef>
+              <a:fillRef idx="0">
+                <a:schemeClr val="accent1"/>
+              </a:fillRef>
+              <a:effectRef idx="0">
+                <a:schemeClr val="accent1"/>
+              </a:effectRef>
+              <a:fontRef idx="minor">
+                <a:schemeClr val="tx1"/>
+              </a:fontRef>
+            </p:style>
+          </p:cxnSp>
+          <p:cxnSp>
+            <p:nvCxnSpPr>
+              <p:cNvPr id="19" name="直接箭头连接符 18"/>
+              <p:cNvCxnSpPr>
+                <a:stCxn id="13" idx="2"/>
+                <a:endCxn id="8" idx="6"/>
+              </p:cNvCxnSpPr>
+              <p:nvPr/>
+            </p:nvCxnSpPr>
+            <p:spPr>
+              <a:xfrm flipH="1">
+                <a:off x="1410" y="4570"/>
+                <a:ext cx="1391" cy="0"/>
+              </a:xfrm>
+              <a:prstGeom prst="straightConnector1">
+                <a:avLst/>
+              </a:prstGeom>
+              <a:ln w="38100">
+                <a:solidFill>
+                  <a:srgbClr val="FF0000"/>
+                </a:solidFill>
+                <a:tailEnd type="arrow"/>
+              </a:ln>
+            </p:spPr>
+            <p:style>
+              <a:lnRef idx="1">
+                <a:schemeClr val="accent1"/>
+              </a:lnRef>
+              <a:fillRef idx="0">
+                <a:schemeClr val="accent1"/>
+              </a:fillRef>
+              <a:effectRef idx="0">
+                <a:schemeClr val="accent1"/>
+              </a:effectRef>
+              <a:fontRef idx="minor">
+                <a:schemeClr val="tx1"/>
+              </a:fontRef>
+            </p:style>
+          </p:cxnSp>
+          <p:cxnSp>
+            <p:nvCxnSpPr>
+              <p:cNvPr id="20" name="直接箭头连接符 19"/>
+              <p:cNvCxnSpPr>
+                <a:stCxn id="13" idx="3"/>
+                <a:endCxn id="10" idx="7"/>
+              </p:cNvCxnSpPr>
+              <p:nvPr/>
+            </p:nvCxnSpPr>
+            <p:spPr>
+              <a:xfrm flipH="1">
+                <a:off x="2558" y="4827"/>
+                <a:ext cx="349" cy="804"/>
+              </a:xfrm>
+              <a:prstGeom prst="straightConnector1">
+                <a:avLst/>
+              </a:prstGeom>
+              <a:ln w="38100">
+                <a:tailEnd type="arrow"/>
+              </a:ln>
+            </p:spPr>
+            <p:style>
+              <a:lnRef idx="1">
+                <a:schemeClr val="accent1"/>
+              </a:lnRef>
+              <a:fillRef idx="0">
+                <a:schemeClr val="accent1"/>
+              </a:fillRef>
+              <a:effectRef idx="0">
+                <a:schemeClr val="accent1"/>
+              </a:effectRef>
+              <a:fontRef idx="minor">
+                <a:schemeClr val="tx1"/>
+              </a:fontRef>
+            </p:style>
+          </p:cxnSp>
+          <p:cxnSp>
+            <p:nvCxnSpPr>
+              <p:cNvPr id="21" name="直接箭头连接符 20"/>
+              <p:cNvCxnSpPr>
+                <a:stCxn id="13" idx="5"/>
+                <a:endCxn id="11" idx="1"/>
+              </p:cNvCxnSpPr>
+              <p:nvPr/>
+            </p:nvCxnSpPr>
+            <p:spPr>
+              <a:xfrm>
+                <a:off x="3422" y="4827"/>
+                <a:ext cx="409" cy="804"/>
+              </a:xfrm>
+              <a:prstGeom prst="straightConnector1">
+                <a:avLst/>
+              </a:prstGeom>
+              <a:ln w="38100">
+                <a:tailEnd type="arrow"/>
+              </a:ln>
+            </p:spPr>
+            <p:style>
+              <a:lnRef idx="1">
+                <a:schemeClr val="accent1"/>
+              </a:lnRef>
+              <a:fillRef idx="0">
+                <a:schemeClr val="accent1"/>
+              </a:fillRef>
+              <a:effectRef idx="0">
+                <a:schemeClr val="accent1"/>
+              </a:effectRef>
+              <a:fontRef idx="minor">
+                <a:schemeClr val="tx1"/>
+              </a:fontRef>
+            </p:style>
+          </p:cxnSp>
+          <p:cxnSp>
+            <p:nvCxnSpPr>
+              <p:cNvPr id="22" name="直接箭头连接符 21"/>
+              <p:cNvCxnSpPr>
+                <a:stCxn id="11" idx="2"/>
+                <a:endCxn id="10" idx="6"/>
+              </p:cNvCxnSpPr>
+              <p:nvPr/>
+            </p:nvCxnSpPr>
+            <p:spPr>
+              <a:xfrm flipH="1">
+                <a:off x="2664" y="5889"/>
+                <a:ext cx="1061" cy="0"/>
+              </a:xfrm>
+              <a:prstGeom prst="straightConnector1">
+                <a:avLst/>
+              </a:prstGeom>
+              <a:ln w="38100">
+                <a:tailEnd type="arrow"/>
+              </a:ln>
+            </p:spPr>
+            <p:style>
+              <a:lnRef idx="1">
+                <a:schemeClr val="accent1"/>
+              </a:lnRef>
+              <a:fillRef idx="0">
+                <a:schemeClr val="accent1"/>
+              </a:fillRef>
+              <a:effectRef idx="0">
+                <a:schemeClr val="accent1"/>
+              </a:effectRef>
+              <a:fontRef idx="minor">
+                <a:schemeClr val="tx1"/>
+              </a:fontRef>
+            </p:style>
+          </p:cxnSp>
+          <p:cxnSp>
+            <p:nvCxnSpPr>
+              <p:cNvPr id="23" name="直接箭头连接符 22"/>
+              <p:cNvCxnSpPr>
+                <a:stCxn id="12" idx="3"/>
+                <a:endCxn id="11" idx="7"/>
+              </p:cNvCxnSpPr>
+              <p:nvPr/>
+            </p:nvCxnSpPr>
+            <p:spPr>
+              <a:xfrm flipH="1">
+                <a:off x="4346" y="4827"/>
+                <a:ext cx="546" cy="804"/>
+              </a:xfrm>
+              <a:prstGeom prst="straightConnector1">
+                <a:avLst/>
+              </a:prstGeom>
+              <a:ln w="38100">
+                <a:tailEnd type="arrow"/>
+              </a:ln>
+            </p:spPr>
+            <p:style>
+              <a:lnRef idx="1">
+                <a:schemeClr val="accent1"/>
+              </a:lnRef>
+              <a:fillRef idx="0">
+                <a:schemeClr val="accent1"/>
+              </a:fillRef>
+              <a:effectRef idx="0">
+                <a:schemeClr val="accent1"/>
+              </a:effectRef>
+              <a:fontRef idx="minor">
+                <a:schemeClr val="tx1"/>
+              </a:fontRef>
+            </p:style>
+          </p:cxnSp>
+          <p:cxnSp>
+            <p:nvCxnSpPr>
+              <p:cNvPr id="24" name="直接箭头连接符 23"/>
+              <p:cNvCxnSpPr>
+                <a:stCxn id="13" idx="6"/>
+                <a:endCxn id="12" idx="2"/>
+              </p:cNvCxnSpPr>
+              <p:nvPr/>
+            </p:nvCxnSpPr>
+            <p:spPr>
+              <a:xfrm>
+                <a:off x="3528" y="4570"/>
+                <a:ext cx="1258" cy="0"/>
+              </a:xfrm>
+              <a:prstGeom prst="straightConnector1">
+                <a:avLst/>
+              </a:prstGeom>
+              <a:ln w="38100">
+                <a:solidFill>
+                  <a:srgbClr val="FF0000"/>
+                </a:solidFill>
+                <a:tailEnd type="arrow"/>
+              </a:ln>
+            </p:spPr>
+            <p:style>
+              <a:lnRef idx="1">
+                <a:schemeClr val="accent1"/>
+              </a:lnRef>
+              <a:fillRef idx="0">
+                <a:schemeClr val="accent1"/>
+              </a:fillRef>
+              <a:effectRef idx="0">
+                <a:schemeClr val="accent1"/>
+              </a:effectRef>
+              <a:fontRef idx="minor">
+                <a:schemeClr val="tx1"/>
+              </a:fontRef>
+            </p:style>
+          </p:cxnSp>
+          <p:cxnSp>
+            <p:nvCxnSpPr>
+              <p:cNvPr id="25" name="直接箭头连接符 24"/>
+              <p:cNvCxnSpPr>
+                <a:stCxn id="8" idx="5"/>
+                <a:endCxn id="10" idx="1"/>
+              </p:cNvCxnSpPr>
+              <p:nvPr/>
+            </p:nvCxnSpPr>
+            <p:spPr>
+              <a:xfrm>
+                <a:off x="1304" y="4827"/>
+                <a:ext cx="739" cy="804"/>
+              </a:xfrm>
+              <a:prstGeom prst="straightConnector1">
+                <a:avLst/>
+              </a:prstGeom>
+              <a:ln w="38100">
+                <a:solidFill>
+                  <a:schemeClr val="accent1"/>
+                </a:solidFill>
+                <a:tailEnd type="arrow"/>
+              </a:ln>
+            </p:spPr>
+            <p:style>
+              <a:lnRef idx="1">
+                <a:schemeClr val="accent1"/>
+              </a:lnRef>
+              <a:fillRef idx="0">
+                <a:schemeClr val="accent1"/>
+              </a:fillRef>
+              <a:effectRef idx="0">
+                <a:schemeClr val="accent1"/>
+              </a:effectRef>
+              <a:fontRef idx="minor">
+                <a:schemeClr val="tx1"/>
+              </a:fontRef>
+            </p:style>
+          </p:cxnSp>
+        </p:grpSp>
+        <p:sp>
+          <p:nvSpPr>
+            <p:cNvPr id="26" name="文本框 25"/>
+            <p:cNvSpPr txBox="1"/>
+            <p:nvPr/>
+          </p:nvSpPr>
+          <p:spPr>
+            <a:xfrm>
+              <a:off x="3426" y="3320"/>
+              <a:ext cx="484" cy="599"/>
+            </a:xfrm>
+            <a:prstGeom prst="rect">
+              <a:avLst/>
+            </a:prstGeom>
+            <a:noFill/>
+          </p:spPr>
+          <p:txBody>
+            <a:bodyPr wrap="square" rtlCol="0">
+              <a:spAutoFit/>
+            </a:bodyPr>
+            <a:p>
+              <a:r>
+                <a:rPr lang="en-US" altLang="zh-CN" b="1">
+                  <a:solidFill>
+                    <a:srgbClr val="FF0000"/>
+                  </a:solidFill>
+                </a:rPr>
+                <a:t>2</a:t>
+              </a:r>
+              <a:endParaRPr lang="en-US" altLang="zh-CN" b="1">
+                <a:solidFill>
+                  <a:srgbClr val="FF0000"/>
+                </a:solidFill>
+              </a:endParaRPr>
+            </a:p>
+          </p:txBody>
+        </p:sp>
+        <p:sp>
+          <p:nvSpPr>
+            <p:cNvPr id="27" name="文本框 26"/>
+            <p:cNvSpPr txBox="1"/>
+            <p:nvPr/>
+          </p:nvSpPr>
+          <p:spPr>
+            <a:xfrm>
+              <a:off x="5399" y="4119"/>
+              <a:ext cx="850" cy="599"/>
+            </a:xfrm>
+            <a:prstGeom prst="rect">
+              <a:avLst/>
+            </a:prstGeom>
+            <a:noFill/>
+          </p:spPr>
+          <p:txBody>
+            <a:bodyPr wrap="square" rtlCol="0">
+              <a:spAutoFit/>
+            </a:bodyPr>
+            <a:p>
+              <a:r>
+                <a:rPr lang="en-US" altLang="zh-CN"/>
+                <a:t>10</a:t>
+              </a:r>
+              <a:endParaRPr lang="en-US" altLang="zh-CN"/>
+            </a:p>
+          </p:txBody>
+        </p:sp>
+        <p:sp>
+          <p:nvSpPr>
+            <p:cNvPr id="28" name="文本框 27"/>
+            <p:cNvSpPr txBox="1"/>
+            <p:nvPr/>
+          </p:nvSpPr>
+          <p:spPr>
+            <a:xfrm>
+              <a:off x="3910" y="4119"/>
+              <a:ext cx="484" cy="599"/>
+            </a:xfrm>
+            <a:prstGeom prst="rect">
+              <a:avLst/>
+            </a:prstGeom>
+            <a:noFill/>
+          </p:spPr>
+          <p:txBody>
+            <a:bodyPr wrap="square" rtlCol="0">
+              <a:spAutoFit/>
+            </a:bodyPr>
+            <a:p>
+              <a:r>
+                <a:rPr lang="en-US" altLang="zh-CN"/>
+                <a:t>3</a:t>
+              </a:r>
+              <a:endParaRPr lang="en-US" altLang="zh-CN"/>
+            </a:p>
+          </p:txBody>
+        </p:sp>
+        <p:sp>
+          <p:nvSpPr>
+            <p:cNvPr id="29" name="文本框 28"/>
+            <p:cNvSpPr txBox="1"/>
+            <p:nvPr/>
+          </p:nvSpPr>
+          <p:spPr>
+            <a:xfrm>
+              <a:off x="3026" y="4119"/>
+              <a:ext cx="484" cy="599"/>
+            </a:xfrm>
+            <a:prstGeom prst="rect">
+              <a:avLst/>
+            </a:prstGeom>
+            <a:noFill/>
+          </p:spPr>
+          <p:txBody>
+            <a:bodyPr wrap="square" rtlCol="0">
+              <a:spAutoFit/>
+            </a:bodyPr>
+            <a:p>
+              <a:r>
+                <a:rPr lang="en-US" altLang="zh-CN" b="1">
+                  <a:solidFill>
+                    <a:srgbClr val="FF0000"/>
+                  </a:solidFill>
+                </a:rPr>
+                <a:t>1</a:t>
+              </a:r>
+              <a:endParaRPr lang="en-US" altLang="zh-CN" b="1">
+                <a:solidFill>
+                  <a:srgbClr val="FF0000"/>
+                </a:solidFill>
+              </a:endParaRPr>
+            </a:p>
+          </p:txBody>
+        </p:sp>
+        <p:sp>
+          <p:nvSpPr>
+            <p:cNvPr id="30" name="文本框 29"/>
+            <p:cNvSpPr txBox="1"/>
+            <p:nvPr/>
+          </p:nvSpPr>
+          <p:spPr>
+            <a:xfrm>
+              <a:off x="1320" y="4119"/>
+              <a:ext cx="484" cy="599"/>
+            </a:xfrm>
+            <a:prstGeom prst="rect">
+              <a:avLst/>
+            </a:prstGeom>
+            <a:noFill/>
+          </p:spPr>
+          <p:txBody>
+            <a:bodyPr wrap="square" rtlCol="0">
+              <a:spAutoFit/>
+            </a:bodyPr>
+            <a:p>
+              <a:r>
+                <a:rPr lang="en-US" altLang="zh-CN"/>
+                <a:t>4</a:t>
+              </a:r>
+              <a:endParaRPr lang="en-US" altLang="zh-CN"/>
+            </a:p>
+          </p:txBody>
+        </p:sp>
+        <p:sp>
+          <p:nvSpPr>
+            <p:cNvPr id="31" name="文本框 30"/>
+            <p:cNvSpPr txBox="1"/>
+            <p:nvPr/>
+          </p:nvSpPr>
+          <p:spPr>
+            <a:xfrm>
+              <a:off x="2230" y="4839"/>
+              <a:ext cx="484" cy="599"/>
+            </a:xfrm>
+            <a:prstGeom prst="rect">
+              <a:avLst/>
+            </a:prstGeom>
+            <a:noFill/>
+          </p:spPr>
+          <p:txBody>
+            <a:bodyPr wrap="square" rtlCol="0">
+              <a:spAutoFit/>
+            </a:bodyPr>
+            <a:p>
+              <a:r>
+                <a:rPr lang="en-US" altLang="zh-CN"/>
+                <a:t>2</a:t>
+              </a:r>
+              <a:endParaRPr lang="en-US" altLang="zh-CN"/>
+            </a:p>
+          </p:txBody>
+        </p:sp>
+        <p:sp>
+          <p:nvSpPr>
+            <p:cNvPr id="32" name="文本框 31"/>
+            <p:cNvSpPr txBox="1"/>
+            <p:nvPr/>
+          </p:nvSpPr>
+          <p:spPr>
+            <a:xfrm>
+              <a:off x="4699" y="4839"/>
+              <a:ext cx="484" cy="599"/>
+            </a:xfrm>
+            <a:prstGeom prst="rect">
+              <a:avLst/>
+            </a:prstGeom>
+            <a:noFill/>
+          </p:spPr>
+          <p:txBody>
+            <a:bodyPr wrap="square" rtlCol="0">
+              <a:spAutoFit/>
+            </a:bodyPr>
+            <a:p>
+              <a:r>
+                <a:rPr lang="en-US" altLang="zh-CN"/>
+                <a:t>2</a:t>
+              </a:r>
+              <a:endParaRPr lang="en-US" altLang="zh-CN"/>
+            </a:p>
+          </p:txBody>
+        </p:sp>
+        <p:sp>
+          <p:nvSpPr>
+            <p:cNvPr id="33" name="文本框 32"/>
+            <p:cNvSpPr txBox="1"/>
+            <p:nvPr/>
+          </p:nvSpPr>
+          <p:spPr>
+            <a:xfrm>
+              <a:off x="5183" y="5861"/>
+              <a:ext cx="484" cy="599"/>
+            </a:xfrm>
+            <a:prstGeom prst="rect">
+              <a:avLst/>
+            </a:prstGeom>
+            <a:noFill/>
+          </p:spPr>
+          <p:txBody>
+            <a:bodyPr wrap="square" rtlCol="0">
+              <a:spAutoFit/>
+            </a:bodyPr>
+            <a:p>
+              <a:r>
+                <a:rPr lang="en-US" altLang="zh-CN"/>
+                <a:t>6</a:t>
+              </a:r>
+              <a:endParaRPr lang="en-US" altLang="zh-CN"/>
+            </a:p>
+          </p:txBody>
+        </p:sp>
+        <p:sp>
+          <p:nvSpPr>
+            <p:cNvPr id="34" name="文本框 33"/>
+            <p:cNvSpPr txBox="1"/>
+            <p:nvPr/>
+          </p:nvSpPr>
+          <p:spPr>
+            <a:xfrm>
+              <a:off x="3514" y="6442"/>
+              <a:ext cx="484" cy="599"/>
+            </a:xfrm>
+            <a:prstGeom prst="rect">
+              <a:avLst/>
+            </a:prstGeom>
+            <a:noFill/>
+          </p:spPr>
+          <p:txBody>
+            <a:bodyPr wrap="square" rtlCol="0">
+              <a:spAutoFit/>
+            </a:bodyPr>
+            <a:p>
+              <a:r>
+                <a:rPr lang="en-US" altLang="zh-CN"/>
+                <a:t>1</a:t>
+              </a:r>
+              <a:endParaRPr lang="en-US" altLang="zh-CN"/>
+            </a:p>
+          </p:txBody>
+        </p:sp>
+        <p:sp>
+          <p:nvSpPr>
+            <p:cNvPr id="35" name="文本框 34"/>
+            <p:cNvSpPr txBox="1"/>
+            <p:nvPr/>
+          </p:nvSpPr>
+          <p:spPr>
+            <a:xfrm>
+              <a:off x="1804" y="5731"/>
+              <a:ext cx="484" cy="599"/>
+            </a:xfrm>
+            <a:prstGeom prst="rect">
+              <a:avLst/>
+            </a:prstGeom>
+            <a:noFill/>
+          </p:spPr>
+          <p:txBody>
+            <a:bodyPr wrap="square" rtlCol="0">
+              <a:spAutoFit/>
+            </a:bodyPr>
+            <a:p>
+              <a:r>
+                <a:rPr lang="en-US" altLang="zh-CN"/>
+                <a:t>5</a:t>
+              </a:r>
+              <a:endParaRPr lang="en-US" altLang="zh-CN"/>
+            </a:p>
+          </p:txBody>
+        </p:sp>
+        <p:sp>
+          <p:nvSpPr>
+            <p:cNvPr id="36" name="文本框 35"/>
+            <p:cNvSpPr txBox="1"/>
+            <p:nvPr/>
+          </p:nvSpPr>
+          <p:spPr>
+            <a:xfrm>
+              <a:off x="2714" y="5731"/>
+              <a:ext cx="484" cy="599"/>
+            </a:xfrm>
+            <a:prstGeom prst="rect">
+              <a:avLst/>
+            </a:prstGeom>
+            <a:noFill/>
+          </p:spPr>
+          <p:txBody>
+            <a:bodyPr wrap="square" rtlCol="0">
+              <a:spAutoFit/>
+            </a:bodyPr>
+            <a:p>
+              <a:r>
+                <a:rPr lang="en-US" altLang="zh-CN"/>
+                <a:t>8</a:t>
+              </a:r>
+              <a:endParaRPr lang="en-US" altLang="zh-CN"/>
+            </a:p>
+          </p:txBody>
+        </p:sp>
+        <p:sp>
+          <p:nvSpPr>
+            <p:cNvPr id="37" name="文本框 36"/>
+            <p:cNvSpPr txBox="1"/>
+            <p:nvPr/>
+          </p:nvSpPr>
+          <p:spPr>
+            <a:xfrm>
+              <a:off x="4215" y="5731"/>
+              <a:ext cx="484" cy="599"/>
+            </a:xfrm>
+            <a:prstGeom prst="rect">
+              <a:avLst/>
+            </a:prstGeom>
+            <a:noFill/>
+          </p:spPr>
+          <p:txBody>
+            <a:bodyPr wrap="square" rtlCol="0">
+              <a:spAutoFit/>
+            </a:bodyPr>
+            <a:p>
+              <a:r>
+                <a:rPr lang="en-US" altLang="zh-CN"/>
+                <a:t>4</a:t>
+              </a:r>
+              <a:endParaRPr lang="en-US" altLang="zh-CN"/>
+            </a:p>
+          </p:txBody>
+        </p:sp>
+      </p:grpSp>
+      <p:sp>
+        <p:nvSpPr>
+          <p:cNvPr id="72" name="文本框 71"/>
+          <p:cNvSpPr txBox="1"/>
+          <p:nvPr/>
+        </p:nvSpPr>
+        <p:spPr>
+          <a:xfrm>
+            <a:off x="4481830" y="1527175"/>
+            <a:ext cx="2403475" cy="2030095"/>
+          </a:xfrm>
+          <a:prstGeom prst="rect">
+            <a:avLst/>
+          </a:prstGeom>
+          <a:noFill/>
+        </p:spPr>
+        <p:txBody>
+          <a:bodyPr wrap="square" rtlCol="0">
+            <a:spAutoFit/>
+          </a:bodyPr>
+          <a:p>
+            <a:r>
+              <a:rPr lang="en-US" altLang="zh-CN" b="1">
+                <a:solidFill>
+                  <a:schemeClr val="tx1"/>
+                </a:solidFill>
+              </a:rPr>
+              <a:t>dis[0] = 0    prev[0] = 0</a:t>
+            </a:r>
+            <a:endParaRPr lang="en-US" altLang="zh-CN" b="1">
+              <a:solidFill>
+                <a:schemeClr val="tx1"/>
+              </a:solidFill>
+            </a:endParaRPr>
+          </a:p>
+          <a:p>
+            <a:r>
+              <a:rPr lang="en-US" altLang="zh-CN" b="1"/>
+              <a:t>dis[1] = 2    prev[1] = 0</a:t>
+            </a:r>
+            <a:endParaRPr lang="en-US" altLang="zh-CN" b="1"/>
+          </a:p>
+          <a:p>
+            <a:r>
+              <a:rPr lang="en-US" altLang="zh-CN" b="1">
+                <a:solidFill>
+                  <a:schemeClr val="tx1"/>
+                </a:solidFill>
+                <a:sym typeface="+mn-ea"/>
+              </a:rPr>
+              <a:t>dis[2] = 3    prev[2] = 3</a:t>
+            </a:r>
+            <a:endParaRPr lang="en-US" altLang="zh-CN" b="1">
+              <a:solidFill>
+                <a:schemeClr val="tx1"/>
+              </a:solidFill>
+              <a:sym typeface="+mn-ea"/>
+            </a:endParaRPr>
+          </a:p>
+          <a:p>
+            <a:r>
+              <a:rPr lang="en-US" altLang="zh-CN" b="1">
+                <a:solidFill>
+                  <a:schemeClr val="tx1"/>
+                </a:solidFill>
+                <a:sym typeface="+mn-ea"/>
+              </a:rPr>
+              <a:t>dis[3] = 1    prev[3] = 0</a:t>
+            </a:r>
+            <a:endParaRPr lang="en-US" altLang="zh-CN" b="1">
+              <a:solidFill>
+                <a:schemeClr val="tx1"/>
+              </a:solidFill>
+              <a:sym typeface="+mn-ea"/>
+            </a:endParaRPr>
+          </a:p>
+          <a:p>
+            <a:r>
+              <a:rPr lang="en-US" altLang="zh-CN" b="1">
+                <a:solidFill>
+                  <a:srgbClr val="7030A0"/>
+                </a:solidFill>
+                <a:sym typeface="+mn-ea"/>
+              </a:rPr>
+              <a:t>dis[4] = 3    prev[4] = 3</a:t>
+            </a:r>
+            <a:endParaRPr lang="en-US" altLang="zh-CN" b="1">
+              <a:solidFill>
+                <a:srgbClr val="7030A0"/>
+              </a:solidFill>
+              <a:sym typeface="+mn-ea"/>
+            </a:endParaRPr>
+          </a:p>
+          <a:p>
+            <a:r>
+              <a:rPr lang="en-US" altLang="zh-CN">
+                <a:solidFill>
+                  <a:schemeClr val="tx1"/>
+                </a:solidFill>
+                <a:sym typeface="+mn-ea"/>
+              </a:rPr>
+              <a:t>dis[5] = 8    prev[5] = 2</a:t>
+            </a:r>
+            <a:endParaRPr lang="en-US" altLang="zh-CN">
+              <a:solidFill>
+                <a:schemeClr val="tx1"/>
+              </a:solidFill>
+              <a:sym typeface="+mn-ea"/>
+            </a:endParaRPr>
+          </a:p>
+          <a:p>
+            <a:r>
+              <a:rPr lang="en-US" altLang="zh-CN">
+                <a:sym typeface="+mn-ea"/>
+              </a:rPr>
+              <a:t>dis[6] = 5    prev[6] = 3</a:t>
+            </a:r>
+            <a:endParaRPr lang="en-US" altLang="zh-CN"/>
+          </a:p>
+        </p:txBody>
+      </p:sp>
+      <p:grpSp>
+        <p:nvGrpSpPr>
+          <p:cNvPr id="73" name="组合 72"/>
+          <p:cNvGrpSpPr/>
+          <p:nvPr/>
+        </p:nvGrpSpPr>
+        <p:grpSpPr>
+          <a:xfrm>
+            <a:off x="501015" y="3920490"/>
+            <a:ext cx="3654425" cy="2545080"/>
+            <a:chOff x="485" y="3320"/>
+            <a:chExt cx="6194" cy="4142"/>
+          </a:xfrm>
+        </p:grpSpPr>
+        <p:grpSp>
+          <p:nvGrpSpPr>
+            <p:cNvPr id="141" name="组合 140"/>
+            <p:cNvGrpSpPr/>
+            <p:nvPr/>
+          </p:nvGrpSpPr>
+          <p:grpSpPr>
+            <a:xfrm>
+              <a:off x="485" y="3364"/>
+              <a:ext cx="6194" cy="4098"/>
+              <a:chOff x="683" y="2879"/>
+              <a:chExt cx="4829" cy="3372"/>
+            </a:xfrm>
+          </p:grpSpPr>
+          <p:grpSp>
+            <p:nvGrpSpPr>
+              <p:cNvPr id="142" name="组合 141"/>
+              <p:cNvGrpSpPr/>
+              <p:nvPr/>
+            </p:nvGrpSpPr>
+            <p:grpSpPr>
+              <a:xfrm>
+                <a:off x="683" y="2879"/>
+                <a:ext cx="4829" cy="3372"/>
+                <a:chOff x="1057" y="3298"/>
+                <a:chExt cx="4829" cy="3372"/>
+              </a:xfrm>
+            </p:grpSpPr>
+            <p:sp>
+              <p:nvSpPr>
+                <p:cNvPr id="143" name="椭圆 142"/>
+                <p:cNvSpPr/>
+                <p:nvPr/>
+              </p:nvSpPr>
+              <p:spPr>
+                <a:xfrm>
+                  <a:off x="2311" y="3298"/>
+                  <a:ext cx="727" cy="727"/>
+                </a:xfrm>
+                <a:prstGeom prst="ellipse">
+                  <a:avLst/>
+                </a:prstGeom>
+                <a:ln>
+                  <a:solidFill>
+                    <a:srgbClr val="FF0000"/>
+                  </a:solidFill>
+                </a:ln>
+              </p:spPr>
+              <p:style>
+                <a:lnRef idx="2">
+                  <a:schemeClr val="accent1"/>
+                </a:lnRef>
+                <a:fillRef idx="1">
+                  <a:schemeClr val="lt1"/>
+                </a:fillRef>
+                <a:effectRef idx="0">
+                  <a:schemeClr val="accent1"/>
+                </a:effectRef>
+                <a:fontRef idx="minor">
+                  <a:schemeClr val="dk1"/>
+                </a:fontRef>
+              </p:style>
+              <p:txBody>
+                <a:bodyPr rtlCol="0" anchor="ctr"/>
+                <a:p>
+                  <a:pPr algn="ctr"/>
+                  <a:r>
+                    <a:rPr lang="en-US" altLang="zh-CN"/>
+                    <a:t>0</a:t>
+                  </a:r>
+                  <a:endParaRPr lang="en-US" altLang="zh-CN"/>
+                </a:p>
+              </p:txBody>
+            </p:sp>
+            <p:sp>
+              <p:nvSpPr>
+                <p:cNvPr id="144" name="椭圆 143"/>
+                <p:cNvSpPr/>
+                <p:nvPr/>
+              </p:nvSpPr>
+              <p:spPr>
+                <a:xfrm>
+                  <a:off x="1057" y="4625"/>
+                  <a:ext cx="727" cy="727"/>
+                </a:xfrm>
+                <a:prstGeom prst="ellipse">
+                  <a:avLst/>
+                </a:prstGeom>
+                <a:ln>
+                  <a:solidFill>
+                    <a:srgbClr val="FF0000"/>
+                  </a:solidFill>
+                </a:ln>
+              </p:spPr>
+              <p:style>
+                <a:lnRef idx="2">
+                  <a:schemeClr val="accent1"/>
+                </a:lnRef>
+                <a:fillRef idx="1">
+                  <a:schemeClr val="lt1"/>
+                </a:fillRef>
+                <a:effectRef idx="0">
+                  <a:schemeClr val="accent1"/>
+                </a:effectRef>
+                <a:fontRef idx="minor">
+                  <a:schemeClr val="dk1"/>
+                </a:fontRef>
+              </p:style>
+              <p:txBody>
+                <a:bodyPr rtlCol="0" anchor="ctr"/>
+                <a:p>
+                  <a:pPr algn="ctr"/>
+                  <a:r>
+                    <a:rPr lang="en-US" altLang="zh-CN"/>
+                    <a:t>2</a:t>
+                  </a:r>
+                  <a:endParaRPr lang="en-US" altLang="zh-CN"/>
+                </a:p>
+              </p:txBody>
+            </p:sp>
+            <p:sp>
+              <p:nvSpPr>
+                <p:cNvPr id="145" name="椭圆 144"/>
+                <p:cNvSpPr/>
+                <p:nvPr/>
+              </p:nvSpPr>
+              <p:spPr>
+                <a:xfrm>
+                  <a:off x="4099" y="3298"/>
+                  <a:ext cx="727" cy="727"/>
+                </a:xfrm>
+                <a:prstGeom prst="ellipse">
+                  <a:avLst/>
+                </a:prstGeom>
+                <a:ln>
+                  <a:solidFill>
+                    <a:srgbClr val="FF0000"/>
+                  </a:solidFill>
+                </a:ln>
+              </p:spPr>
+              <p:style>
+                <a:lnRef idx="2">
+                  <a:schemeClr val="accent1"/>
+                </a:lnRef>
+                <a:fillRef idx="1">
+                  <a:schemeClr val="lt1"/>
+                </a:fillRef>
+                <a:effectRef idx="0">
+                  <a:schemeClr val="accent1"/>
+                </a:effectRef>
+                <a:fontRef idx="minor">
+                  <a:schemeClr val="dk1"/>
+                </a:fontRef>
+              </p:style>
+              <p:txBody>
+                <a:bodyPr rtlCol="0" anchor="ctr"/>
+                <a:p>
+                  <a:pPr algn="ctr"/>
+                  <a:r>
+                    <a:rPr lang="en-US" altLang="zh-CN"/>
+                    <a:t>1</a:t>
+                  </a:r>
+                  <a:endParaRPr lang="en-US" altLang="zh-CN"/>
+                </a:p>
+              </p:txBody>
+            </p:sp>
+            <p:sp>
+              <p:nvSpPr>
+                <p:cNvPr id="146" name="椭圆 145"/>
+                <p:cNvSpPr/>
+                <p:nvPr/>
+              </p:nvSpPr>
+              <p:spPr>
+                <a:xfrm>
+                  <a:off x="2311" y="5944"/>
+                  <a:ext cx="727" cy="727"/>
+                </a:xfrm>
+                <a:prstGeom prst="ellipse">
+                  <a:avLst/>
+                </a:prstGeom>
+              </p:spPr>
+              <p:style>
+                <a:lnRef idx="2">
+                  <a:schemeClr val="accent1"/>
+                </a:lnRef>
+                <a:fillRef idx="1">
+                  <a:schemeClr val="lt1"/>
+                </a:fillRef>
+                <a:effectRef idx="0">
+                  <a:schemeClr val="accent1"/>
+                </a:effectRef>
+                <a:fontRef idx="minor">
+                  <a:schemeClr val="dk1"/>
+                </a:fontRef>
+              </p:style>
+              <p:txBody>
+                <a:bodyPr rtlCol="0" anchor="ctr"/>
+                <a:p>
+                  <a:pPr algn="ctr"/>
+                  <a:r>
+                    <a:rPr lang="en-US" altLang="zh-CN"/>
+                    <a:t>5</a:t>
+                  </a:r>
+                  <a:endParaRPr lang="en-US" altLang="zh-CN"/>
+                </a:p>
+              </p:txBody>
+            </p:sp>
+            <p:sp>
+              <p:nvSpPr>
+                <p:cNvPr id="147" name="椭圆 146"/>
+                <p:cNvSpPr/>
+                <p:nvPr/>
+              </p:nvSpPr>
+              <p:spPr>
+                <a:xfrm>
+                  <a:off x="4099" y="5944"/>
+                  <a:ext cx="727" cy="727"/>
+                </a:xfrm>
+                <a:prstGeom prst="ellipse">
+                  <a:avLst/>
+                </a:prstGeom>
+              </p:spPr>
+              <p:style>
+                <a:lnRef idx="2">
+                  <a:schemeClr val="accent1"/>
+                </a:lnRef>
+                <a:fillRef idx="1">
+                  <a:schemeClr val="lt1"/>
+                </a:fillRef>
+                <a:effectRef idx="0">
+                  <a:schemeClr val="accent1"/>
+                </a:effectRef>
+                <a:fontRef idx="minor">
+                  <a:schemeClr val="dk1"/>
+                </a:fontRef>
+              </p:style>
+              <p:txBody>
+                <a:bodyPr rtlCol="0" anchor="ctr"/>
+                <a:p>
+                  <a:pPr algn="ctr"/>
+                  <a:r>
+                    <a:rPr lang="en-US" altLang="zh-CN" sz="2800" b="1">
+                      <a:solidFill>
+                        <a:srgbClr val="7030A0"/>
+                      </a:solidFill>
+                    </a:rPr>
+                    <a:t>6</a:t>
+                  </a:r>
+                  <a:endParaRPr lang="en-US" altLang="zh-CN" sz="2800" b="1">
+                    <a:solidFill>
+                      <a:srgbClr val="7030A0"/>
+                    </a:solidFill>
+                  </a:endParaRPr>
+                </a:p>
+              </p:txBody>
+            </p:sp>
+            <p:sp>
+              <p:nvSpPr>
+                <p:cNvPr id="148" name="椭圆 147"/>
+                <p:cNvSpPr/>
+                <p:nvPr/>
+              </p:nvSpPr>
+              <p:spPr>
+                <a:xfrm>
+                  <a:off x="5160" y="4625"/>
+                  <a:ext cx="727" cy="727"/>
+                </a:xfrm>
+                <a:prstGeom prst="ellipse">
+                  <a:avLst/>
+                </a:prstGeom>
+                <a:ln>
+                  <a:solidFill>
+                    <a:srgbClr val="FF0000"/>
+                  </a:solidFill>
+                </a:ln>
+              </p:spPr>
+              <p:style>
+                <a:lnRef idx="2">
+                  <a:schemeClr val="accent1"/>
+                </a:lnRef>
+                <a:fillRef idx="1">
+                  <a:schemeClr val="lt1"/>
+                </a:fillRef>
+                <a:effectRef idx="0">
+                  <a:schemeClr val="accent1"/>
+                </a:effectRef>
+                <a:fontRef idx="minor">
+                  <a:schemeClr val="dk1"/>
+                </a:fontRef>
+              </p:style>
+              <p:txBody>
+                <a:bodyPr rtlCol="0" anchor="ctr"/>
+                <a:p>
+                  <a:pPr algn="ctr"/>
+                  <a:r>
+                    <a:rPr lang="en-US" altLang="zh-CN">
+                      <a:solidFill>
+                        <a:schemeClr val="tx1"/>
+                      </a:solidFill>
+                    </a:rPr>
+                    <a:t>4</a:t>
+                  </a:r>
+                  <a:endParaRPr lang="en-US" altLang="zh-CN">
+                    <a:solidFill>
+                      <a:schemeClr val="tx1"/>
+                    </a:solidFill>
+                  </a:endParaRPr>
+                </a:p>
+              </p:txBody>
+            </p:sp>
+            <p:sp>
+              <p:nvSpPr>
+                <p:cNvPr id="149" name="椭圆 148"/>
+                <p:cNvSpPr/>
+                <p:nvPr/>
+              </p:nvSpPr>
+              <p:spPr>
+                <a:xfrm>
+                  <a:off x="3175" y="4625"/>
+                  <a:ext cx="727" cy="727"/>
+                </a:xfrm>
+                <a:prstGeom prst="ellipse">
+                  <a:avLst/>
+                </a:prstGeom>
+                <a:ln>
+                  <a:solidFill>
+                    <a:srgbClr val="FF0000"/>
+                  </a:solidFill>
+                </a:ln>
+              </p:spPr>
+              <p:style>
+                <a:lnRef idx="2">
+                  <a:schemeClr val="accent1"/>
+                </a:lnRef>
+                <a:fillRef idx="1">
+                  <a:schemeClr val="lt1"/>
+                </a:fillRef>
+                <a:effectRef idx="0">
+                  <a:schemeClr val="accent1"/>
+                </a:effectRef>
+                <a:fontRef idx="minor">
+                  <a:schemeClr val="dk1"/>
+                </a:fontRef>
+              </p:style>
+              <p:txBody>
+                <a:bodyPr rtlCol="0" anchor="ctr"/>
+                <a:p>
+                  <a:pPr algn="ctr"/>
+                  <a:r>
+                    <a:rPr lang="en-US" altLang="zh-CN"/>
+                    <a:t>3</a:t>
+                  </a:r>
+                  <a:endParaRPr lang="en-US" altLang="zh-CN"/>
+                </a:p>
+              </p:txBody>
+            </p:sp>
+          </p:grpSp>
+          <p:cxnSp>
+            <p:nvCxnSpPr>
+              <p:cNvPr id="150" name="直接箭头连接符 149"/>
+              <p:cNvCxnSpPr>
+                <a:stCxn id="143" idx="6"/>
+                <a:endCxn id="145" idx="2"/>
+              </p:cNvCxnSpPr>
+              <p:nvPr/>
+            </p:nvCxnSpPr>
+            <p:spPr>
+              <a:xfrm>
+                <a:off x="2664" y="3243"/>
+                <a:ext cx="1061" cy="0"/>
+              </a:xfrm>
+              <a:prstGeom prst="straightConnector1">
+                <a:avLst/>
+              </a:prstGeom>
+              <a:ln w="38100">
+                <a:solidFill>
+                  <a:srgbClr val="FF0000"/>
+                </a:solidFill>
+                <a:tailEnd type="arrow"/>
+              </a:ln>
+            </p:spPr>
+            <p:style>
+              <a:lnRef idx="1">
+                <a:schemeClr val="accent1"/>
+              </a:lnRef>
+              <a:fillRef idx="0">
+                <a:schemeClr val="accent1"/>
+              </a:fillRef>
+              <a:effectRef idx="0">
+                <a:schemeClr val="accent1"/>
+              </a:effectRef>
+              <a:fontRef idx="minor">
+                <a:schemeClr val="tx1"/>
+              </a:fontRef>
+            </p:style>
+          </p:cxnSp>
+          <p:cxnSp>
+            <p:nvCxnSpPr>
+              <p:cNvPr id="151" name="直接箭头连接符 150"/>
+              <p:cNvCxnSpPr>
+                <a:stCxn id="145" idx="5"/>
+                <a:endCxn id="148" idx="1"/>
+              </p:cNvCxnSpPr>
+              <p:nvPr/>
+            </p:nvCxnSpPr>
+            <p:spPr>
+              <a:xfrm>
+                <a:off x="4346" y="3500"/>
+                <a:ext cx="546" cy="812"/>
+              </a:xfrm>
+              <a:prstGeom prst="straightConnector1">
+                <a:avLst/>
+              </a:prstGeom>
+              <a:ln w="38100">
+                <a:tailEnd type="arrow"/>
+              </a:ln>
+            </p:spPr>
+            <p:style>
+              <a:lnRef idx="1">
+                <a:schemeClr val="accent1"/>
+              </a:lnRef>
+              <a:fillRef idx="0">
+                <a:schemeClr val="accent1"/>
+              </a:fillRef>
+              <a:effectRef idx="0">
+                <a:schemeClr val="accent1"/>
+              </a:effectRef>
+              <a:fontRef idx="minor">
+                <a:schemeClr val="tx1"/>
+              </a:fontRef>
+            </p:style>
+          </p:cxnSp>
+          <p:cxnSp>
+            <p:nvCxnSpPr>
+              <p:cNvPr id="152" name="直接箭头连接符 151"/>
+              <p:cNvCxnSpPr>
+                <a:stCxn id="145" idx="3"/>
+                <a:endCxn id="149" idx="7"/>
+              </p:cNvCxnSpPr>
+              <p:nvPr/>
+            </p:nvCxnSpPr>
+            <p:spPr>
+              <a:xfrm flipH="1">
+                <a:off x="3422" y="3500"/>
+                <a:ext cx="409" cy="812"/>
+              </a:xfrm>
+              <a:prstGeom prst="straightConnector1">
+                <a:avLst/>
+              </a:prstGeom>
+              <a:ln w="38100">
+                <a:tailEnd type="arrow"/>
+              </a:ln>
+            </p:spPr>
+            <p:style>
+              <a:lnRef idx="1">
+                <a:schemeClr val="accent1"/>
+              </a:lnRef>
+              <a:fillRef idx="0">
+                <a:schemeClr val="accent1"/>
+              </a:fillRef>
+              <a:effectRef idx="0">
+                <a:schemeClr val="accent1"/>
+              </a:effectRef>
+              <a:fontRef idx="minor">
+                <a:schemeClr val="tx1"/>
+              </a:fontRef>
+            </p:style>
+          </p:cxnSp>
+          <p:cxnSp>
+            <p:nvCxnSpPr>
+              <p:cNvPr id="153" name="直接箭头连接符 152"/>
+              <p:cNvCxnSpPr>
+                <a:stCxn id="144" idx="7"/>
+                <a:endCxn id="143" idx="3"/>
+              </p:cNvCxnSpPr>
+              <p:nvPr/>
+            </p:nvCxnSpPr>
+            <p:spPr>
+              <a:xfrm flipV="1">
+                <a:off x="1304" y="3500"/>
+                <a:ext cx="739" cy="812"/>
+              </a:xfrm>
+              <a:prstGeom prst="straightConnector1">
+                <a:avLst/>
+              </a:prstGeom>
+              <a:ln w="38100">
+                <a:tailEnd type="arrow"/>
+              </a:ln>
+            </p:spPr>
+            <p:style>
+              <a:lnRef idx="1">
+                <a:schemeClr val="accent1"/>
+              </a:lnRef>
+              <a:fillRef idx="0">
+                <a:schemeClr val="accent1"/>
+              </a:fillRef>
+              <a:effectRef idx="0">
+                <a:schemeClr val="accent1"/>
+              </a:effectRef>
+              <a:fontRef idx="minor">
+                <a:schemeClr val="tx1"/>
+              </a:fontRef>
+            </p:style>
+          </p:cxnSp>
+          <p:cxnSp>
+            <p:nvCxnSpPr>
+              <p:cNvPr id="154" name="直接箭头连接符 153"/>
+              <p:cNvCxnSpPr>
+                <a:stCxn id="143" idx="5"/>
+                <a:endCxn id="149" idx="1"/>
+              </p:cNvCxnSpPr>
+              <p:nvPr/>
+            </p:nvCxnSpPr>
+            <p:spPr>
+              <a:xfrm>
+                <a:off x="2558" y="3500"/>
+                <a:ext cx="349" cy="812"/>
+              </a:xfrm>
+              <a:prstGeom prst="straightConnector1">
+                <a:avLst/>
+              </a:prstGeom>
+              <a:ln w="38100">
+                <a:solidFill>
+                  <a:srgbClr val="FF0000"/>
+                </a:solidFill>
+                <a:tailEnd type="arrow"/>
+              </a:ln>
+            </p:spPr>
+            <p:style>
+              <a:lnRef idx="1">
+                <a:schemeClr val="accent1"/>
+              </a:lnRef>
+              <a:fillRef idx="0">
+                <a:schemeClr val="accent1"/>
+              </a:fillRef>
+              <a:effectRef idx="0">
+                <a:schemeClr val="accent1"/>
+              </a:effectRef>
+              <a:fontRef idx="minor">
+                <a:schemeClr val="tx1"/>
+              </a:fontRef>
+            </p:style>
+          </p:cxnSp>
+          <p:cxnSp>
+            <p:nvCxnSpPr>
+              <p:cNvPr id="155" name="直接箭头连接符 154"/>
+              <p:cNvCxnSpPr>
+                <a:stCxn id="149" idx="2"/>
+                <a:endCxn id="144" idx="6"/>
+              </p:cNvCxnSpPr>
+              <p:nvPr/>
+            </p:nvCxnSpPr>
+            <p:spPr>
+              <a:xfrm flipH="1">
+                <a:off x="1410" y="4570"/>
+                <a:ext cx="1391" cy="0"/>
+              </a:xfrm>
+              <a:prstGeom prst="straightConnector1">
+                <a:avLst/>
+              </a:prstGeom>
+              <a:ln w="38100">
+                <a:solidFill>
+                  <a:srgbClr val="FF0000"/>
+                </a:solidFill>
+                <a:tailEnd type="arrow"/>
+              </a:ln>
+            </p:spPr>
+            <p:style>
+              <a:lnRef idx="1">
+                <a:schemeClr val="accent1"/>
+              </a:lnRef>
+              <a:fillRef idx="0">
+                <a:schemeClr val="accent1"/>
+              </a:fillRef>
+              <a:effectRef idx="0">
+                <a:schemeClr val="accent1"/>
+              </a:effectRef>
+              <a:fontRef idx="minor">
+                <a:schemeClr val="tx1"/>
+              </a:fontRef>
+            </p:style>
+          </p:cxnSp>
+          <p:cxnSp>
+            <p:nvCxnSpPr>
+              <p:cNvPr id="156" name="直接箭头连接符 155"/>
+              <p:cNvCxnSpPr>
+                <a:stCxn id="149" idx="3"/>
+                <a:endCxn id="146" idx="7"/>
+              </p:cNvCxnSpPr>
+              <p:nvPr/>
+            </p:nvCxnSpPr>
+            <p:spPr>
+              <a:xfrm flipH="1">
+                <a:off x="2558" y="4827"/>
+                <a:ext cx="349" cy="804"/>
+              </a:xfrm>
+              <a:prstGeom prst="straightConnector1">
+                <a:avLst/>
+              </a:prstGeom>
+              <a:ln w="38100">
+                <a:tailEnd type="arrow"/>
+              </a:ln>
+            </p:spPr>
+            <p:style>
+              <a:lnRef idx="1">
+                <a:schemeClr val="accent1"/>
+              </a:lnRef>
+              <a:fillRef idx="0">
+                <a:schemeClr val="accent1"/>
+              </a:fillRef>
+              <a:effectRef idx="0">
+                <a:schemeClr val="accent1"/>
+              </a:effectRef>
+              <a:fontRef idx="minor">
+                <a:schemeClr val="tx1"/>
+              </a:fontRef>
+            </p:style>
+          </p:cxnSp>
+          <p:cxnSp>
+            <p:nvCxnSpPr>
+              <p:cNvPr id="157" name="直接箭头连接符 156"/>
+              <p:cNvCxnSpPr>
+                <a:stCxn id="149" idx="5"/>
+                <a:endCxn id="147" idx="1"/>
+              </p:cNvCxnSpPr>
+              <p:nvPr/>
+            </p:nvCxnSpPr>
+            <p:spPr>
+              <a:xfrm>
+                <a:off x="3422" y="4827"/>
+                <a:ext cx="409" cy="804"/>
+              </a:xfrm>
+              <a:prstGeom prst="straightConnector1">
+                <a:avLst/>
+              </a:prstGeom>
+              <a:ln w="38100">
+                <a:solidFill>
+                  <a:srgbClr val="FF0000"/>
+                </a:solidFill>
+                <a:tailEnd type="arrow"/>
+              </a:ln>
+            </p:spPr>
+            <p:style>
+              <a:lnRef idx="1">
+                <a:schemeClr val="accent1"/>
+              </a:lnRef>
+              <a:fillRef idx="0">
+                <a:schemeClr val="accent1"/>
+              </a:fillRef>
+              <a:effectRef idx="0">
+                <a:schemeClr val="accent1"/>
+              </a:effectRef>
+              <a:fontRef idx="minor">
+                <a:schemeClr val="tx1"/>
+              </a:fontRef>
+            </p:style>
+          </p:cxnSp>
+          <p:cxnSp>
+            <p:nvCxnSpPr>
+              <p:cNvPr id="158" name="直接箭头连接符 157"/>
+              <p:cNvCxnSpPr>
+                <a:stCxn id="147" idx="2"/>
+                <a:endCxn id="146" idx="6"/>
+              </p:cNvCxnSpPr>
+              <p:nvPr/>
+            </p:nvCxnSpPr>
+            <p:spPr>
+              <a:xfrm flipH="1">
+                <a:off x="2664" y="5889"/>
+                <a:ext cx="1061" cy="0"/>
+              </a:xfrm>
+              <a:prstGeom prst="straightConnector1">
+                <a:avLst/>
+              </a:prstGeom>
+              <a:ln w="38100">
+                <a:tailEnd type="arrow"/>
+              </a:ln>
+            </p:spPr>
+            <p:style>
+              <a:lnRef idx="1">
+                <a:schemeClr val="accent1"/>
+              </a:lnRef>
+              <a:fillRef idx="0">
+                <a:schemeClr val="accent1"/>
+              </a:fillRef>
+              <a:effectRef idx="0">
+                <a:schemeClr val="accent1"/>
+              </a:effectRef>
+              <a:fontRef idx="minor">
+                <a:schemeClr val="tx1"/>
+              </a:fontRef>
+            </p:style>
+          </p:cxnSp>
+          <p:cxnSp>
+            <p:nvCxnSpPr>
+              <p:cNvPr id="159" name="直接箭头连接符 158"/>
+              <p:cNvCxnSpPr>
+                <a:stCxn id="148" idx="3"/>
+                <a:endCxn id="147" idx="7"/>
+              </p:cNvCxnSpPr>
+              <p:nvPr/>
+            </p:nvCxnSpPr>
+            <p:spPr>
+              <a:xfrm flipH="1">
+                <a:off x="4346" y="4827"/>
+                <a:ext cx="546" cy="804"/>
+              </a:xfrm>
+              <a:prstGeom prst="straightConnector1">
+                <a:avLst/>
+              </a:prstGeom>
+              <a:ln w="38100">
+                <a:tailEnd type="arrow"/>
+              </a:ln>
+            </p:spPr>
+            <p:style>
+              <a:lnRef idx="1">
+                <a:schemeClr val="accent1"/>
+              </a:lnRef>
+              <a:fillRef idx="0">
+                <a:schemeClr val="accent1"/>
+              </a:fillRef>
+              <a:effectRef idx="0">
+                <a:schemeClr val="accent1"/>
+              </a:effectRef>
+              <a:fontRef idx="minor">
+                <a:schemeClr val="tx1"/>
+              </a:fontRef>
+            </p:style>
+          </p:cxnSp>
+          <p:cxnSp>
+            <p:nvCxnSpPr>
+              <p:cNvPr id="160" name="直接箭头连接符 159"/>
+              <p:cNvCxnSpPr>
+                <a:stCxn id="149" idx="6"/>
+                <a:endCxn id="148" idx="2"/>
+              </p:cNvCxnSpPr>
+              <p:nvPr/>
+            </p:nvCxnSpPr>
+            <p:spPr>
+              <a:xfrm>
+                <a:off x="3528" y="4570"/>
+                <a:ext cx="1258" cy="0"/>
+              </a:xfrm>
+              <a:prstGeom prst="straightConnector1">
+                <a:avLst/>
+              </a:prstGeom>
+              <a:ln w="38100">
+                <a:solidFill>
+                  <a:srgbClr val="FF0000"/>
+                </a:solidFill>
+                <a:tailEnd type="arrow"/>
+              </a:ln>
+            </p:spPr>
+            <p:style>
+              <a:lnRef idx="1">
+                <a:schemeClr val="accent1"/>
+              </a:lnRef>
+              <a:fillRef idx="0">
+                <a:schemeClr val="accent1"/>
+              </a:fillRef>
+              <a:effectRef idx="0">
+                <a:schemeClr val="accent1"/>
+              </a:effectRef>
+              <a:fontRef idx="minor">
+                <a:schemeClr val="tx1"/>
+              </a:fontRef>
+            </p:style>
+          </p:cxnSp>
+          <p:cxnSp>
+            <p:nvCxnSpPr>
+              <p:cNvPr id="161" name="直接箭头连接符 160"/>
+              <p:cNvCxnSpPr>
+                <a:stCxn id="144" idx="5"/>
+                <a:endCxn id="146" idx="1"/>
+              </p:cNvCxnSpPr>
+              <p:nvPr/>
+            </p:nvCxnSpPr>
+            <p:spPr>
+              <a:xfrm>
+                <a:off x="1304" y="4827"/>
+                <a:ext cx="739" cy="804"/>
+              </a:xfrm>
+              <a:prstGeom prst="straightConnector1">
+                <a:avLst/>
+              </a:prstGeom>
+              <a:ln w="38100">
+                <a:solidFill>
+                  <a:schemeClr val="accent1"/>
+                </a:solidFill>
+                <a:tailEnd type="arrow"/>
+              </a:ln>
+            </p:spPr>
+            <p:style>
+              <a:lnRef idx="1">
+                <a:schemeClr val="accent1"/>
+              </a:lnRef>
+              <a:fillRef idx="0">
+                <a:schemeClr val="accent1"/>
+              </a:fillRef>
+              <a:effectRef idx="0">
+                <a:schemeClr val="accent1"/>
+              </a:effectRef>
+              <a:fontRef idx="minor">
+                <a:schemeClr val="tx1"/>
+              </a:fontRef>
+            </p:style>
+          </p:cxnSp>
+        </p:grpSp>
+        <p:sp>
+          <p:nvSpPr>
+            <p:cNvPr id="162" name="文本框 161"/>
+            <p:cNvSpPr txBox="1"/>
+            <p:nvPr/>
+          </p:nvSpPr>
+          <p:spPr>
+            <a:xfrm>
+              <a:off x="3426" y="3320"/>
+              <a:ext cx="484" cy="599"/>
+            </a:xfrm>
+            <a:prstGeom prst="rect">
+              <a:avLst/>
+            </a:prstGeom>
+            <a:noFill/>
+          </p:spPr>
+          <p:txBody>
+            <a:bodyPr wrap="square" rtlCol="0">
+              <a:spAutoFit/>
+            </a:bodyPr>
+            <a:p>
+              <a:r>
+                <a:rPr lang="en-US" altLang="zh-CN" b="1">
+                  <a:solidFill>
+                    <a:srgbClr val="FF0000"/>
+                  </a:solidFill>
+                </a:rPr>
+                <a:t>2</a:t>
+              </a:r>
+              <a:endParaRPr lang="en-US" altLang="zh-CN" b="1">
+                <a:solidFill>
+                  <a:srgbClr val="FF0000"/>
+                </a:solidFill>
+              </a:endParaRPr>
+            </a:p>
+          </p:txBody>
+        </p:sp>
+        <p:sp>
+          <p:nvSpPr>
+            <p:cNvPr id="163" name="文本框 162"/>
+            <p:cNvSpPr txBox="1"/>
+            <p:nvPr/>
+          </p:nvSpPr>
+          <p:spPr>
+            <a:xfrm>
+              <a:off x="5399" y="4119"/>
+              <a:ext cx="850" cy="599"/>
+            </a:xfrm>
+            <a:prstGeom prst="rect">
+              <a:avLst/>
+            </a:prstGeom>
+            <a:noFill/>
+          </p:spPr>
+          <p:txBody>
+            <a:bodyPr wrap="square" rtlCol="0">
+              <a:spAutoFit/>
+            </a:bodyPr>
+            <a:p>
+              <a:r>
+                <a:rPr lang="en-US" altLang="zh-CN"/>
+                <a:t>10</a:t>
+              </a:r>
+              <a:endParaRPr lang="en-US" altLang="zh-CN"/>
+            </a:p>
+          </p:txBody>
+        </p:sp>
+        <p:sp>
+          <p:nvSpPr>
+            <p:cNvPr id="164" name="文本框 163"/>
+            <p:cNvSpPr txBox="1"/>
+            <p:nvPr/>
+          </p:nvSpPr>
+          <p:spPr>
+            <a:xfrm>
+              <a:off x="3910" y="4119"/>
+              <a:ext cx="484" cy="599"/>
+            </a:xfrm>
+            <a:prstGeom prst="rect">
+              <a:avLst/>
+            </a:prstGeom>
+            <a:noFill/>
+          </p:spPr>
+          <p:txBody>
+            <a:bodyPr wrap="square" rtlCol="0">
+              <a:spAutoFit/>
+            </a:bodyPr>
+            <a:p>
+              <a:r>
+                <a:rPr lang="en-US" altLang="zh-CN"/>
+                <a:t>3</a:t>
+              </a:r>
+              <a:endParaRPr lang="en-US" altLang="zh-CN"/>
+            </a:p>
+          </p:txBody>
+        </p:sp>
+        <p:sp>
+          <p:nvSpPr>
+            <p:cNvPr id="165" name="文本框 164"/>
+            <p:cNvSpPr txBox="1"/>
+            <p:nvPr/>
+          </p:nvSpPr>
+          <p:spPr>
+            <a:xfrm>
+              <a:off x="3026" y="4119"/>
+              <a:ext cx="484" cy="599"/>
+            </a:xfrm>
+            <a:prstGeom prst="rect">
+              <a:avLst/>
+            </a:prstGeom>
+            <a:noFill/>
+          </p:spPr>
+          <p:txBody>
+            <a:bodyPr wrap="square" rtlCol="0">
+              <a:spAutoFit/>
+            </a:bodyPr>
+            <a:p>
+              <a:r>
+                <a:rPr lang="en-US" altLang="zh-CN" b="1">
+                  <a:solidFill>
+                    <a:srgbClr val="FF0000"/>
+                  </a:solidFill>
+                </a:rPr>
+                <a:t>1</a:t>
+              </a:r>
+              <a:endParaRPr lang="en-US" altLang="zh-CN" b="1">
+                <a:solidFill>
+                  <a:srgbClr val="FF0000"/>
+                </a:solidFill>
+              </a:endParaRPr>
+            </a:p>
+          </p:txBody>
+        </p:sp>
+        <p:sp>
+          <p:nvSpPr>
+            <p:cNvPr id="166" name="文本框 165"/>
+            <p:cNvSpPr txBox="1"/>
+            <p:nvPr/>
+          </p:nvSpPr>
+          <p:spPr>
+            <a:xfrm>
+              <a:off x="1320" y="4119"/>
+              <a:ext cx="484" cy="599"/>
+            </a:xfrm>
+            <a:prstGeom prst="rect">
+              <a:avLst/>
+            </a:prstGeom>
+            <a:noFill/>
+          </p:spPr>
+          <p:txBody>
+            <a:bodyPr wrap="square" rtlCol="0">
+              <a:spAutoFit/>
+            </a:bodyPr>
+            <a:p>
+              <a:r>
+                <a:rPr lang="en-US" altLang="zh-CN"/>
+                <a:t>4</a:t>
+              </a:r>
+              <a:endParaRPr lang="en-US" altLang="zh-CN"/>
+            </a:p>
+          </p:txBody>
+        </p:sp>
+        <p:sp>
+          <p:nvSpPr>
+            <p:cNvPr id="167" name="文本框 166"/>
+            <p:cNvSpPr txBox="1"/>
+            <p:nvPr/>
+          </p:nvSpPr>
+          <p:spPr>
+            <a:xfrm>
+              <a:off x="2230" y="4839"/>
+              <a:ext cx="484" cy="599"/>
+            </a:xfrm>
+            <a:prstGeom prst="rect">
+              <a:avLst/>
+            </a:prstGeom>
+            <a:noFill/>
+          </p:spPr>
+          <p:txBody>
+            <a:bodyPr wrap="square" rtlCol="0">
+              <a:spAutoFit/>
+            </a:bodyPr>
+            <a:p>
+              <a:r>
+                <a:rPr lang="en-US" altLang="zh-CN"/>
+                <a:t>2</a:t>
+              </a:r>
+              <a:endParaRPr lang="en-US" altLang="zh-CN"/>
+            </a:p>
+          </p:txBody>
+        </p:sp>
+        <p:sp>
+          <p:nvSpPr>
+            <p:cNvPr id="168" name="文本框 167"/>
+            <p:cNvSpPr txBox="1"/>
+            <p:nvPr/>
+          </p:nvSpPr>
+          <p:spPr>
+            <a:xfrm>
+              <a:off x="4699" y="4839"/>
+              <a:ext cx="484" cy="599"/>
+            </a:xfrm>
+            <a:prstGeom prst="rect">
+              <a:avLst/>
+            </a:prstGeom>
+            <a:noFill/>
+          </p:spPr>
+          <p:txBody>
+            <a:bodyPr wrap="square" rtlCol="0">
+              <a:spAutoFit/>
+            </a:bodyPr>
+            <a:p>
+              <a:r>
+                <a:rPr lang="en-US" altLang="zh-CN"/>
+                <a:t>2</a:t>
+              </a:r>
+              <a:endParaRPr lang="en-US" altLang="zh-CN"/>
+            </a:p>
+          </p:txBody>
+        </p:sp>
+        <p:sp>
+          <p:nvSpPr>
+            <p:cNvPr id="169" name="文本框 168"/>
+            <p:cNvSpPr txBox="1"/>
+            <p:nvPr/>
+          </p:nvSpPr>
+          <p:spPr>
+            <a:xfrm>
+              <a:off x="5183" y="5861"/>
+              <a:ext cx="484" cy="599"/>
+            </a:xfrm>
+            <a:prstGeom prst="rect">
+              <a:avLst/>
+            </a:prstGeom>
+            <a:noFill/>
+          </p:spPr>
+          <p:txBody>
+            <a:bodyPr wrap="square" rtlCol="0">
+              <a:spAutoFit/>
+            </a:bodyPr>
+            <a:p>
+              <a:r>
+                <a:rPr lang="en-US" altLang="zh-CN"/>
+                <a:t>6</a:t>
+              </a:r>
+              <a:endParaRPr lang="en-US" altLang="zh-CN"/>
+            </a:p>
+          </p:txBody>
+        </p:sp>
+        <p:sp>
+          <p:nvSpPr>
+            <p:cNvPr id="170" name="文本框 169"/>
+            <p:cNvSpPr txBox="1"/>
+            <p:nvPr/>
+          </p:nvSpPr>
+          <p:spPr>
+            <a:xfrm>
+              <a:off x="3514" y="6442"/>
+              <a:ext cx="484" cy="599"/>
+            </a:xfrm>
+            <a:prstGeom prst="rect">
+              <a:avLst/>
+            </a:prstGeom>
+            <a:noFill/>
+          </p:spPr>
+          <p:txBody>
+            <a:bodyPr wrap="square" rtlCol="0">
+              <a:spAutoFit/>
+            </a:bodyPr>
+            <a:p>
+              <a:r>
+                <a:rPr lang="en-US" altLang="zh-CN"/>
+                <a:t>1</a:t>
+              </a:r>
+              <a:endParaRPr lang="en-US" altLang="zh-CN"/>
+            </a:p>
+          </p:txBody>
+        </p:sp>
+        <p:sp>
+          <p:nvSpPr>
+            <p:cNvPr id="171" name="文本框 170"/>
+            <p:cNvSpPr txBox="1"/>
+            <p:nvPr/>
+          </p:nvSpPr>
+          <p:spPr>
+            <a:xfrm>
+              <a:off x="1804" y="5731"/>
+              <a:ext cx="484" cy="599"/>
+            </a:xfrm>
+            <a:prstGeom prst="rect">
+              <a:avLst/>
+            </a:prstGeom>
+            <a:noFill/>
+          </p:spPr>
+          <p:txBody>
+            <a:bodyPr wrap="square" rtlCol="0">
+              <a:spAutoFit/>
+            </a:bodyPr>
+            <a:p>
+              <a:r>
+                <a:rPr lang="en-US" altLang="zh-CN"/>
+                <a:t>5</a:t>
+              </a:r>
+              <a:endParaRPr lang="en-US" altLang="zh-CN"/>
+            </a:p>
+          </p:txBody>
+        </p:sp>
+        <p:sp>
+          <p:nvSpPr>
+            <p:cNvPr id="172" name="文本框 171"/>
+            <p:cNvSpPr txBox="1"/>
+            <p:nvPr/>
+          </p:nvSpPr>
+          <p:spPr>
+            <a:xfrm>
+              <a:off x="2714" y="5731"/>
+              <a:ext cx="484" cy="599"/>
+            </a:xfrm>
+            <a:prstGeom prst="rect">
+              <a:avLst/>
+            </a:prstGeom>
+            <a:noFill/>
+          </p:spPr>
+          <p:txBody>
+            <a:bodyPr wrap="square" rtlCol="0">
+              <a:spAutoFit/>
+            </a:bodyPr>
+            <a:p>
+              <a:r>
+                <a:rPr lang="en-US" altLang="zh-CN"/>
+                <a:t>8</a:t>
+              </a:r>
+              <a:endParaRPr lang="en-US" altLang="zh-CN"/>
+            </a:p>
+          </p:txBody>
+        </p:sp>
+        <p:sp>
+          <p:nvSpPr>
+            <p:cNvPr id="173" name="文本框 172"/>
+            <p:cNvSpPr txBox="1"/>
+            <p:nvPr/>
+          </p:nvSpPr>
+          <p:spPr>
+            <a:xfrm>
+              <a:off x="4215" y="5731"/>
+              <a:ext cx="484" cy="599"/>
+            </a:xfrm>
+            <a:prstGeom prst="rect">
+              <a:avLst/>
+            </a:prstGeom>
+            <a:noFill/>
+          </p:spPr>
+          <p:txBody>
+            <a:bodyPr wrap="square" rtlCol="0">
+              <a:spAutoFit/>
+            </a:bodyPr>
+            <a:p>
+              <a:r>
+                <a:rPr lang="en-US" altLang="zh-CN"/>
+                <a:t>4</a:t>
+              </a:r>
+              <a:endParaRPr lang="en-US" altLang="zh-CN"/>
+            </a:p>
+          </p:txBody>
+        </p:sp>
+      </p:grpSp>
+      <p:sp>
+        <p:nvSpPr>
+          <p:cNvPr id="174" name="文本框 173"/>
+          <p:cNvSpPr txBox="1"/>
+          <p:nvPr/>
+        </p:nvSpPr>
+        <p:spPr>
+          <a:xfrm>
+            <a:off x="4481830" y="4288790"/>
+            <a:ext cx="2403475" cy="2030095"/>
+          </a:xfrm>
+          <a:prstGeom prst="rect">
+            <a:avLst/>
+          </a:prstGeom>
+          <a:noFill/>
+        </p:spPr>
+        <p:txBody>
+          <a:bodyPr wrap="square" rtlCol="0">
+            <a:spAutoFit/>
+          </a:bodyPr>
+          <a:p>
+            <a:r>
+              <a:rPr lang="en-US" altLang="zh-CN" b="1">
+                <a:solidFill>
+                  <a:schemeClr val="tx1"/>
+                </a:solidFill>
+              </a:rPr>
+              <a:t>dis[0] = 0    prev[0] = 0</a:t>
+            </a:r>
+            <a:endParaRPr lang="en-US" altLang="zh-CN" b="1">
+              <a:solidFill>
+                <a:schemeClr val="tx1"/>
+              </a:solidFill>
+            </a:endParaRPr>
+          </a:p>
+          <a:p>
+            <a:r>
+              <a:rPr lang="en-US" altLang="zh-CN" b="1"/>
+              <a:t>dis[1] = 2    prev[1] = 0</a:t>
+            </a:r>
+            <a:endParaRPr lang="en-US" altLang="zh-CN" b="1"/>
+          </a:p>
+          <a:p>
+            <a:r>
+              <a:rPr lang="en-US" altLang="zh-CN" b="1">
+                <a:solidFill>
+                  <a:schemeClr val="tx1"/>
+                </a:solidFill>
+                <a:sym typeface="+mn-ea"/>
+              </a:rPr>
+              <a:t>dis[2] = 3    prev[2] = 3</a:t>
+            </a:r>
+            <a:endParaRPr lang="en-US" altLang="zh-CN" b="1">
+              <a:solidFill>
+                <a:schemeClr val="tx1"/>
+              </a:solidFill>
+              <a:sym typeface="+mn-ea"/>
+            </a:endParaRPr>
+          </a:p>
+          <a:p>
+            <a:r>
+              <a:rPr lang="en-US" altLang="zh-CN" b="1">
+                <a:solidFill>
+                  <a:schemeClr val="tx1"/>
+                </a:solidFill>
+                <a:sym typeface="+mn-ea"/>
+              </a:rPr>
+              <a:t>dis[3] = 1    prev[3] = 0</a:t>
+            </a:r>
+            <a:endParaRPr lang="en-US" altLang="zh-CN" b="1">
+              <a:solidFill>
+                <a:schemeClr val="tx1"/>
+              </a:solidFill>
+              <a:sym typeface="+mn-ea"/>
+            </a:endParaRPr>
+          </a:p>
+          <a:p>
+            <a:r>
+              <a:rPr lang="en-US" altLang="zh-CN" b="1">
+                <a:solidFill>
+                  <a:schemeClr val="tx1"/>
+                </a:solidFill>
+                <a:sym typeface="+mn-ea"/>
+              </a:rPr>
+              <a:t>dis[4] = 3    prev[4] = 3</a:t>
+            </a:r>
+            <a:endParaRPr lang="en-US" altLang="zh-CN" b="1">
+              <a:solidFill>
+                <a:schemeClr val="tx1"/>
+              </a:solidFill>
+              <a:sym typeface="+mn-ea"/>
+            </a:endParaRPr>
+          </a:p>
+          <a:p>
+            <a:r>
+              <a:rPr lang="en-US" altLang="zh-CN">
+                <a:solidFill>
+                  <a:schemeClr val="tx1"/>
+                </a:solidFill>
+                <a:sym typeface="+mn-ea"/>
+              </a:rPr>
+              <a:t>dis[5] = 8    prev[5] = 2</a:t>
+            </a:r>
+            <a:endParaRPr lang="en-US" altLang="zh-CN">
+              <a:solidFill>
+                <a:schemeClr val="tx1"/>
+              </a:solidFill>
+              <a:sym typeface="+mn-ea"/>
+            </a:endParaRPr>
+          </a:p>
+          <a:p>
+            <a:r>
+              <a:rPr lang="en-US" altLang="zh-CN" b="1">
+                <a:solidFill>
+                  <a:srgbClr val="7030A0"/>
+                </a:solidFill>
+                <a:sym typeface="+mn-ea"/>
+              </a:rPr>
+              <a:t>dis[6] = 5    prev[6] = 3</a:t>
+            </a:r>
+            <a:endParaRPr lang="en-US" altLang="zh-CN" b="1">
+              <a:solidFill>
+                <a:srgbClr val="7030A0"/>
+              </a:solidFill>
+              <a:sym typeface="+mn-ea"/>
+            </a:endParaRPr>
+          </a:p>
+        </p:txBody>
+      </p:sp>
+    </p:spTree>
+  </p:cSld>
+  <p:clrMapOvr>
+    <a:masterClrMapping/>
+  </p:clrMapOvr>
+</p:sld>
+</file>
+
+<file path=ppt/slides/slide33.xml><?xml version="1.0" encoding="utf-8"?>
+<p:sld xmlns:a="http://schemas.openxmlformats.org/drawingml/2006/main" xmlns:r="http://schemas.openxmlformats.org/officeDocument/2006/relationships" xmlns:p="http://schemas.openxmlformats.org/presentationml/2006/main">
+  <p:cSld>
+    <p:spTree>
+      <p:nvGrpSpPr>
+        <p:cNvPr id="1" name=""/>
+        <p:cNvGrpSpPr/>
+        <p:nvPr/>
+      </p:nvGrpSpPr>
+      <p:grpSpPr/>
+      <p:sp>
+        <p:nvSpPr>
+          <p:cNvPr id="2" name="标题 1"/>
+          <p:cNvSpPr>
+            <a:spLocks noGrp="1"/>
+          </p:cNvSpPr>
+          <p:nvPr>
+            <p:ph type="title"/>
+          </p:nvPr>
+        </p:nvSpPr>
+        <p:spPr>
+          <a:xfrm>
+            <a:off x="251460" y="10795"/>
+            <a:ext cx="10515600" cy="1325563"/>
+          </a:xfrm>
+        </p:spPr>
+        <p:txBody>
+          <a:bodyPr/>
+          <a:p>
+            <a:r>
+              <a:rPr lang="zh-CN" altLang="en-US"/>
+              <a:t>有权最短路径 </a:t>
+            </a:r>
+            <a:r>
+              <a:rPr lang="en-US" altLang="zh-CN"/>
+              <a:t>Dijkstra</a:t>
+            </a:r>
+            <a:r>
+              <a:rPr lang="zh-CN" altLang="en-US"/>
+              <a:t>算法</a:t>
+            </a:r>
+            <a:r>
+              <a:rPr lang="en-US" altLang="zh-CN"/>
+              <a:t>(4/4)</a:t>
+            </a:r>
+            <a:endParaRPr lang="en-US" altLang="zh-CN"/>
+          </a:p>
+        </p:txBody>
+      </p:sp>
+      <p:grpSp>
+        <p:nvGrpSpPr>
+          <p:cNvPr id="72" name="组合 71"/>
+          <p:cNvGrpSpPr/>
+          <p:nvPr/>
+        </p:nvGrpSpPr>
+        <p:grpSpPr>
+          <a:xfrm>
+            <a:off x="81915" y="1212850"/>
+            <a:ext cx="3654425" cy="2545080"/>
+            <a:chOff x="485" y="3320"/>
+            <a:chExt cx="6194" cy="4142"/>
+          </a:xfrm>
+        </p:grpSpPr>
+        <p:grpSp>
+          <p:nvGrpSpPr>
+            <p:cNvPr id="141" name="组合 140"/>
+            <p:cNvGrpSpPr/>
+            <p:nvPr/>
+          </p:nvGrpSpPr>
+          <p:grpSpPr>
+            <a:xfrm>
+              <a:off x="485" y="3364"/>
+              <a:ext cx="6194" cy="4098"/>
+              <a:chOff x="683" y="2879"/>
+              <a:chExt cx="4829" cy="3372"/>
+            </a:xfrm>
+          </p:grpSpPr>
+          <p:grpSp>
+            <p:nvGrpSpPr>
+              <p:cNvPr id="142" name="组合 141"/>
+              <p:cNvGrpSpPr/>
+              <p:nvPr/>
+            </p:nvGrpSpPr>
+            <p:grpSpPr>
+              <a:xfrm>
+                <a:off x="683" y="2879"/>
+                <a:ext cx="4829" cy="3372"/>
+                <a:chOff x="1057" y="3298"/>
+                <a:chExt cx="4829" cy="3372"/>
+              </a:xfrm>
+            </p:grpSpPr>
+            <p:sp>
+              <p:nvSpPr>
+                <p:cNvPr id="143" name="椭圆 142"/>
+                <p:cNvSpPr/>
+                <p:nvPr/>
+              </p:nvSpPr>
+              <p:spPr>
+                <a:xfrm>
+                  <a:off x="2311" y="3298"/>
+                  <a:ext cx="727" cy="727"/>
+                </a:xfrm>
+                <a:prstGeom prst="ellipse">
+                  <a:avLst/>
+                </a:prstGeom>
+                <a:ln>
+                  <a:solidFill>
+                    <a:srgbClr val="FF0000"/>
+                  </a:solidFill>
+                </a:ln>
+              </p:spPr>
+              <p:style>
+                <a:lnRef idx="2">
+                  <a:schemeClr val="accent1"/>
+                </a:lnRef>
+                <a:fillRef idx="1">
+                  <a:schemeClr val="lt1"/>
+                </a:fillRef>
+                <a:effectRef idx="0">
+                  <a:schemeClr val="accent1"/>
+                </a:effectRef>
+                <a:fontRef idx="minor">
+                  <a:schemeClr val="dk1"/>
+                </a:fontRef>
+              </p:style>
+              <p:txBody>
+                <a:bodyPr rtlCol="0" anchor="ctr"/>
+                <a:p>
+                  <a:pPr algn="ctr"/>
+                  <a:r>
+                    <a:rPr lang="en-US" altLang="zh-CN"/>
+                    <a:t>0</a:t>
+                  </a:r>
+                  <a:endParaRPr lang="en-US" altLang="zh-CN"/>
+                </a:p>
+              </p:txBody>
+            </p:sp>
+            <p:sp>
+              <p:nvSpPr>
+                <p:cNvPr id="144" name="椭圆 143"/>
+                <p:cNvSpPr/>
+                <p:nvPr/>
+              </p:nvSpPr>
+              <p:spPr>
+                <a:xfrm>
+                  <a:off x="1057" y="4625"/>
+                  <a:ext cx="727" cy="727"/>
+                </a:xfrm>
+                <a:prstGeom prst="ellipse">
+                  <a:avLst/>
+                </a:prstGeom>
+                <a:ln>
+                  <a:solidFill>
+                    <a:srgbClr val="FF0000"/>
+                  </a:solidFill>
+                </a:ln>
+              </p:spPr>
+              <p:style>
+                <a:lnRef idx="2">
+                  <a:schemeClr val="accent1"/>
+                </a:lnRef>
+                <a:fillRef idx="1">
+                  <a:schemeClr val="lt1"/>
+                </a:fillRef>
+                <a:effectRef idx="0">
+                  <a:schemeClr val="accent1"/>
+                </a:effectRef>
+                <a:fontRef idx="minor">
+                  <a:schemeClr val="dk1"/>
+                </a:fontRef>
+              </p:style>
+              <p:txBody>
+                <a:bodyPr rtlCol="0" anchor="ctr"/>
+                <a:p>
+                  <a:pPr algn="ctr"/>
+                  <a:r>
+                    <a:rPr lang="en-US" altLang="zh-CN"/>
+                    <a:t>2</a:t>
+                  </a:r>
+                  <a:endParaRPr lang="en-US" altLang="zh-CN"/>
+                </a:p>
+              </p:txBody>
+            </p:sp>
+            <p:sp>
+              <p:nvSpPr>
+                <p:cNvPr id="145" name="椭圆 144"/>
+                <p:cNvSpPr/>
+                <p:nvPr/>
+              </p:nvSpPr>
+              <p:spPr>
+                <a:xfrm>
+                  <a:off x="4099" y="3298"/>
+                  <a:ext cx="727" cy="727"/>
+                </a:xfrm>
+                <a:prstGeom prst="ellipse">
+                  <a:avLst/>
+                </a:prstGeom>
+                <a:ln>
+                  <a:solidFill>
+                    <a:srgbClr val="FF0000"/>
+                  </a:solidFill>
+                </a:ln>
+              </p:spPr>
+              <p:style>
+                <a:lnRef idx="2">
+                  <a:schemeClr val="accent1"/>
+                </a:lnRef>
+                <a:fillRef idx="1">
+                  <a:schemeClr val="lt1"/>
+                </a:fillRef>
+                <a:effectRef idx="0">
+                  <a:schemeClr val="accent1"/>
+                </a:effectRef>
+                <a:fontRef idx="minor">
+                  <a:schemeClr val="dk1"/>
+                </a:fontRef>
+              </p:style>
+              <p:txBody>
+                <a:bodyPr rtlCol="0" anchor="ctr"/>
+                <a:p>
+                  <a:pPr algn="ctr"/>
+                  <a:r>
+                    <a:rPr lang="en-US" altLang="zh-CN"/>
+                    <a:t>1</a:t>
+                  </a:r>
+                  <a:endParaRPr lang="en-US" altLang="zh-CN"/>
+                </a:p>
+              </p:txBody>
+            </p:sp>
+            <p:sp>
+              <p:nvSpPr>
+                <p:cNvPr id="146" name="椭圆 145"/>
+                <p:cNvSpPr/>
+                <p:nvPr/>
+              </p:nvSpPr>
+              <p:spPr>
+                <a:xfrm>
+                  <a:off x="2311" y="5944"/>
+                  <a:ext cx="727" cy="727"/>
+                </a:xfrm>
+                <a:prstGeom prst="ellipse">
+                  <a:avLst/>
+                </a:prstGeom>
+              </p:spPr>
+              <p:style>
+                <a:lnRef idx="2">
+                  <a:schemeClr val="accent1"/>
+                </a:lnRef>
+                <a:fillRef idx="1">
+                  <a:schemeClr val="lt1"/>
+                </a:fillRef>
+                <a:effectRef idx="0">
+                  <a:schemeClr val="accent1"/>
+                </a:effectRef>
+                <a:fontRef idx="minor">
+                  <a:schemeClr val="dk1"/>
+                </a:fontRef>
+              </p:style>
+              <p:txBody>
+                <a:bodyPr rtlCol="0" anchor="ctr"/>
+                <a:p>
+                  <a:pPr algn="ctr"/>
+                  <a:r>
+                    <a:rPr lang="en-US" altLang="zh-CN" sz="2800" b="1">
+                      <a:solidFill>
+                        <a:srgbClr val="7030A0"/>
+                      </a:solidFill>
+                    </a:rPr>
+                    <a:t>5</a:t>
+                  </a:r>
+                  <a:endParaRPr lang="en-US" altLang="zh-CN" sz="2800" b="1">
+                    <a:solidFill>
+                      <a:srgbClr val="7030A0"/>
+                    </a:solidFill>
+                  </a:endParaRPr>
+                </a:p>
+              </p:txBody>
+            </p:sp>
+            <p:sp>
+              <p:nvSpPr>
+                <p:cNvPr id="147" name="椭圆 146"/>
+                <p:cNvSpPr/>
+                <p:nvPr/>
+              </p:nvSpPr>
+              <p:spPr>
+                <a:xfrm>
+                  <a:off x="4099" y="5944"/>
+                  <a:ext cx="727" cy="727"/>
+                </a:xfrm>
+                <a:prstGeom prst="ellipse">
+                  <a:avLst/>
+                </a:prstGeom>
+              </p:spPr>
+              <p:style>
+                <a:lnRef idx="2">
+                  <a:schemeClr val="accent1"/>
+                </a:lnRef>
+                <a:fillRef idx="1">
+                  <a:schemeClr val="lt1"/>
+                </a:fillRef>
+                <a:effectRef idx="0">
+                  <a:schemeClr val="accent1"/>
+                </a:effectRef>
+                <a:fontRef idx="minor">
+                  <a:schemeClr val="dk1"/>
+                </a:fontRef>
+              </p:style>
+              <p:txBody>
+                <a:bodyPr rtlCol="0" anchor="ctr"/>
+                <a:p>
+                  <a:pPr algn="ctr"/>
+                  <a:r>
+                    <a:rPr lang="en-US" altLang="zh-CN"/>
+                    <a:t>6</a:t>
+                  </a:r>
+                  <a:endParaRPr lang="en-US" altLang="zh-CN"/>
+                </a:p>
+              </p:txBody>
+            </p:sp>
+            <p:sp>
+              <p:nvSpPr>
+                <p:cNvPr id="148" name="椭圆 147"/>
+                <p:cNvSpPr/>
+                <p:nvPr/>
+              </p:nvSpPr>
+              <p:spPr>
+                <a:xfrm>
+                  <a:off x="5160" y="4625"/>
+                  <a:ext cx="727" cy="727"/>
+                </a:xfrm>
+                <a:prstGeom prst="ellipse">
+                  <a:avLst/>
+                </a:prstGeom>
+                <a:ln>
+                  <a:solidFill>
+                    <a:srgbClr val="FF0000"/>
+                  </a:solidFill>
+                </a:ln>
+              </p:spPr>
+              <p:style>
+                <a:lnRef idx="2">
+                  <a:schemeClr val="accent1"/>
+                </a:lnRef>
+                <a:fillRef idx="1">
+                  <a:schemeClr val="lt1"/>
+                </a:fillRef>
+                <a:effectRef idx="0">
+                  <a:schemeClr val="accent1"/>
+                </a:effectRef>
+                <a:fontRef idx="minor">
+                  <a:schemeClr val="dk1"/>
+                </a:fontRef>
+              </p:style>
+              <p:txBody>
+                <a:bodyPr rtlCol="0" anchor="ctr"/>
+                <a:p>
+                  <a:pPr algn="ctr"/>
+                  <a:r>
+                    <a:rPr lang="en-US" altLang="zh-CN">
+                      <a:solidFill>
+                        <a:schemeClr val="tx1"/>
+                      </a:solidFill>
+                    </a:rPr>
+                    <a:t>4</a:t>
+                  </a:r>
+                  <a:endParaRPr lang="en-US" altLang="zh-CN">
+                    <a:solidFill>
+                      <a:schemeClr val="tx1"/>
+                    </a:solidFill>
+                  </a:endParaRPr>
+                </a:p>
+              </p:txBody>
+            </p:sp>
+            <p:sp>
+              <p:nvSpPr>
+                <p:cNvPr id="149" name="椭圆 148"/>
+                <p:cNvSpPr/>
+                <p:nvPr/>
+              </p:nvSpPr>
+              <p:spPr>
+                <a:xfrm>
+                  <a:off x="3175" y="4625"/>
+                  <a:ext cx="727" cy="727"/>
+                </a:xfrm>
+                <a:prstGeom prst="ellipse">
+                  <a:avLst/>
+                </a:prstGeom>
+                <a:ln>
+                  <a:solidFill>
+                    <a:srgbClr val="FF0000"/>
+                  </a:solidFill>
+                </a:ln>
+              </p:spPr>
+              <p:style>
+                <a:lnRef idx="2">
+                  <a:schemeClr val="accent1"/>
+                </a:lnRef>
+                <a:fillRef idx="1">
+                  <a:schemeClr val="lt1"/>
+                </a:fillRef>
+                <a:effectRef idx="0">
+                  <a:schemeClr val="accent1"/>
+                </a:effectRef>
+                <a:fontRef idx="minor">
+                  <a:schemeClr val="dk1"/>
+                </a:fontRef>
+              </p:style>
+              <p:txBody>
+                <a:bodyPr rtlCol="0" anchor="ctr"/>
+                <a:p>
+                  <a:pPr algn="ctr"/>
+                  <a:r>
+                    <a:rPr lang="en-US" altLang="zh-CN"/>
+                    <a:t>3</a:t>
+                  </a:r>
+                  <a:endParaRPr lang="en-US" altLang="zh-CN"/>
+                </a:p>
+              </p:txBody>
+            </p:sp>
+          </p:grpSp>
+          <p:cxnSp>
+            <p:nvCxnSpPr>
+              <p:cNvPr id="150" name="直接箭头连接符 149"/>
+              <p:cNvCxnSpPr>
+                <a:stCxn id="143" idx="6"/>
+                <a:endCxn id="145" idx="2"/>
+              </p:cNvCxnSpPr>
+              <p:nvPr/>
+            </p:nvCxnSpPr>
+            <p:spPr>
+              <a:xfrm>
+                <a:off x="2664" y="3243"/>
+                <a:ext cx="1061" cy="0"/>
+              </a:xfrm>
+              <a:prstGeom prst="straightConnector1">
+                <a:avLst/>
+              </a:prstGeom>
+              <a:ln w="38100">
+                <a:solidFill>
+                  <a:srgbClr val="FF0000"/>
+                </a:solidFill>
+                <a:tailEnd type="arrow"/>
+              </a:ln>
+            </p:spPr>
+            <p:style>
+              <a:lnRef idx="1">
+                <a:schemeClr val="accent1"/>
+              </a:lnRef>
+              <a:fillRef idx="0">
+                <a:schemeClr val="accent1"/>
+              </a:fillRef>
+              <a:effectRef idx="0">
+                <a:schemeClr val="accent1"/>
+              </a:effectRef>
+              <a:fontRef idx="minor">
+                <a:schemeClr val="tx1"/>
+              </a:fontRef>
+            </p:style>
+          </p:cxnSp>
+          <p:cxnSp>
+            <p:nvCxnSpPr>
+              <p:cNvPr id="151" name="直接箭头连接符 150"/>
+              <p:cNvCxnSpPr>
+                <a:stCxn id="145" idx="5"/>
+                <a:endCxn id="148" idx="1"/>
+              </p:cNvCxnSpPr>
+              <p:nvPr/>
+            </p:nvCxnSpPr>
+            <p:spPr>
+              <a:xfrm>
+                <a:off x="4346" y="3500"/>
+                <a:ext cx="546" cy="812"/>
+              </a:xfrm>
+              <a:prstGeom prst="straightConnector1">
+                <a:avLst/>
+              </a:prstGeom>
+              <a:ln w="38100">
+                <a:tailEnd type="arrow"/>
+              </a:ln>
+            </p:spPr>
+            <p:style>
+              <a:lnRef idx="1">
+                <a:schemeClr val="accent1"/>
+              </a:lnRef>
+              <a:fillRef idx="0">
+                <a:schemeClr val="accent1"/>
+              </a:fillRef>
+              <a:effectRef idx="0">
+                <a:schemeClr val="accent1"/>
+              </a:effectRef>
+              <a:fontRef idx="minor">
+                <a:schemeClr val="tx1"/>
+              </a:fontRef>
+            </p:style>
+          </p:cxnSp>
+          <p:cxnSp>
+            <p:nvCxnSpPr>
+              <p:cNvPr id="152" name="直接箭头连接符 151"/>
+              <p:cNvCxnSpPr>
+                <a:stCxn id="145" idx="3"/>
+                <a:endCxn id="149" idx="7"/>
+              </p:cNvCxnSpPr>
+              <p:nvPr/>
+            </p:nvCxnSpPr>
+            <p:spPr>
+              <a:xfrm flipH="1">
+                <a:off x="3422" y="3500"/>
+                <a:ext cx="409" cy="812"/>
+              </a:xfrm>
+              <a:prstGeom prst="straightConnector1">
+                <a:avLst/>
+              </a:prstGeom>
+              <a:ln w="38100">
+                <a:tailEnd type="arrow"/>
+              </a:ln>
+            </p:spPr>
+            <p:style>
+              <a:lnRef idx="1">
+                <a:schemeClr val="accent1"/>
+              </a:lnRef>
+              <a:fillRef idx="0">
+                <a:schemeClr val="accent1"/>
+              </a:fillRef>
+              <a:effectRef idx="0">
+                <a:schemeClr val="accent1"/>
+              </a:effectRef>
+              <a:fontRef idx="minor">
+                <a:schemeClr val="tx1"/>
+              </a:fontRef>
+            </p:style>
+          </p:cxnSp>
+          <p:cxnSp>
+            <p:nvCxnSpPr>
+              <p:cNvPr id="153" name="直接箭头连接符 152"/>
+              <p:cNvCxnSpPr>
+                <a:stCxn id="144" idx="7"/>
+                <a:endCxn id="143" idx="3"/>
+              </p:cNvCxnSpPr>
+              <p:nvPr/>
+            </p:nvCxnSpPr>
+            <p:spPr>
+              <a:xfrm flipV="1">
+                <a:off x="1304" y="3500"/>
+                <a:ext cx="739" cy="812"/>
+              </a:xfrm>
+              <a:prstGeom prst="straightConnector1">
+                <a:avLst/>
+              </a:prstGeom>
+              <a:ln w="38100">
+                <a:tailEnd type="arrow"/>
+              </a:ln>
+            </p:spPr>
+            <p:style>
+              <a:lnRef idx="1">
+                <a:schemeClr val="accent1"/>
+              </a:lnRef>
+              <a:fillRef idx="0">
+                <a:schemeClr val="accent1"/>
+              </a:fillRef>
+              <a:effectRef idx="0">
+                <a:schemeClr val="accent1"/>
+              </a:effectRef>
+              <a:fontRef idx="minor">
+                <a:schemeClr val="tx1"/>
+              </a:fontRef>
+            </p:style>
+          </p:cxnSp>
+          <p:cxnSp>
+            <p:nvCxnSpPr>
+              <p:cNvPr id="154" name="直接箭头连接符 153"/>
+              <p:cNvCxnSpPr>
+                <a:stCxn id="143" idx="5"/>
+                <a:endCxn id="149" idx="1"/>
+              </p:cNvCxnSpPr>
+              <p:nvPr/>
+            </p:nvCxnSpPr>
+            <p:spPr>
+              <a:xfrm>
+                <a:off x="2558" y="3500"/>
+                <a:ext cx="349" cy="812"/>
+              </a:xfrm>
+              <a:prstGeom prst="straightConnector1">
+                <a:avLst/>
+              </a:prstGeom>
+              <a:ln w="38100">
+                <a:solidFill>
+                  <a:srgbClr val="FF0000"/>
+                </a:solidFill>
+                <a:tailEnd type="arrow"/>
+              </a:ln>
+            </p:spPr>
+            <p:style>
+              <a:lnRef idx="1">
+                <a:schemeClr val="accent1"/>
+              </a:lnRef>
+              <a:fillRef idx="0">
+                <a:schemeClr val="accent1"/>
+              </a:fillRef>
+              <a:effectRef idx="0">
+                <a:schemeClr val="accent1"/>
+              </a:effectRef>
+              <a:fontRef idx="minor">
+                <a:schemeClr val="tx1"/>
+              </a:fontRef>
+            </p:style>
+          </p:cxnSp>
+          <p:cxnSp>
+            <p:nvCxnSpPr>
+              <p:cNvPr id="155" name="直接箭头连接符 154"/>
+              <p:cNvCxnSpPr>
+                <a:stCxn id="149" idx="2"/>
+                <a:endCxn id="144" idx="6"/>
+              </p:cNvCxnSpPr>
+              <p:nvPr/>
+            </p:nvCxnSpPr>
+            <p:spPr>
+              <a:xfrm flipH="1">
+                <a:off x="1410" y="4570"/>
+                <a:ext cx="1391" cy="0"/>
+              </a:xfrm>
+              <a:prstGeom prst="straightConnector1">
+                <a:avLst/>
+              </a:prstGeom>
+              <a:ln w="38100">
+                <a:solidFill>
+                  <a:srgbClr val="FF0000"/>
+                </a:solidFill>
+                <a:tailEnd type="arrow"/>
+              </a:ln>
+            </p:spPr>
+            <p:style>
+              <a:lnRef idx="1">
+                <a:schemeClr val="accent1"/>
+              </a:lnRef>
+              <a:fillRef idx="0">
+                <a:schemeClr val="accent1"/>
+              </a:fillRef>
+              <a:effectRef idx="0">
+                <a:schemeClr val="accent1"/>
+              </a:effectRef>
+              <a:fontRef idx="minor">
+                <a:schemeClr val="tx1"/>
+              </a:fontRef>
+            </p:style>
+          </p:cxnSp>
+          <p:cxnSp>
+            <p:nvCxnSpPr>
+              <p:cNvPr id="156" name="直接箭头连接符 155"/>
+              <p:cNvCxnSpPr>
+                <a:stCxn id="149" idx="3"/>
+                <a:endCxn id="146" idx="7"/>
+              </p:cNvCxnSpPr>
+              <p:nvPr/>
+            </p:nvCxnSpPr>
+            <p:spPr>
+              <a:xfrm flipH="1">
+                <a:off x="2558" y="4827"/>
+                <a:ext cx="349" cy="804"/>
+              </a:xfrm>
+              <a:prstGeom prst="straightConnector1">
+                <a:avLst/>
+              </a:prstGeom>
+              <a:ln w="38100">
+                <a:tailEnd type="arrow"/>
+              </a:ln>
+            </p:spPr>
+            <p:style>
+              <a:lnRef idx="1">
+                <a:schemeClr val="accent1"/>
+              </a:lnRef>
+              <a:fillRef idx="0">
+                <a:schemeClr val="accent1"/>
+              </a:fillRef>
+              <a:effectRef idx="0">
+                <a:schemeClr val="accent1"/>
+              </a:effectRef>
+              <a:fontRef idx="minor">
+                <a:schemeClr val="tx1"/>
+              </a:fontRef>
+            </p:style>
+          </p:cxnSp>
+          <p:cxnSp>
+            <p:nvCxnSpPr>
+              <p:cNvPr id="157" name="直接箭头连接符 156"/>
+              <p:cNvCxnSpPr>
+                <a:stCxn id="149" idx="5"/>
+                <a:endCxn id="147" idx="1"/>
+              </p:cNvCxnSpPr>
+              <p:nvPr/>
+            </p:nvCxnSpPr>
+            <p:spPr>
+              <a:xfrm>
+                <a:off x="3422" y="4827"/>
+                <a:ext cx="409" cy="804"/>
+              </a:xfrm>
+              <a:prstGeom prst="straightConnector1">
+                <a:avLst/>
+              </a:prstGeom>
+              <a:ln w="38100">
+                <a:solidFill>
+                  <a:srgbClr val="FF0000"/>
+                </a:solidFill>
+                <a:tailEnd type="arrow"/>
+              </a:ln>
+            </p:spPr>
+            <p:style>
+              <a:lnRef idx="1">
+                <a:schemeClr val="accent1"/>
+              </a:lnRef>
+              <a:fillRef idx="0">
+                <a:schemeClr val="accent1"/>
+              </a:fillRef>
+              <a:effectRef idx="0">
+                <a:schemeClr val="accent1"/>
+              </a:effectRef>
+              <a:fontRef idx="minor">
+                <a:schemeClr val="tx1"/>
+              </a:fontRef>
+            </p:style>
+          </p:cxnSp>
+          <p:cxnSp>
+            <p:nvCxnSpPr>
+              <p:cNvPr id="158" name="直接箭头连接符 157"/>
+              <p:cNvCxnSpPr>
+                <a:stCxn id="147" idx="2"/>
+                <a:endCxn id="146" idx="6"/>
+              </p:cNvCxnSpPr>
+              <p:nvPr/>
+            </p:nvCxnSpPr>
+            <p:spPr>
+              <a:xfrm flipH="1">
+                <a:off x="2664" y="5889"/>
+                <a:ext cx="1061" cy="0"/>
+              </a:xfrm>
+              <a:prstGeom prst="straightConnector1">
+                <a:avLst/>
+              </a:prstGeom>
+              <a:ln w="38100">
+                <a:solidFill>
+                  <a:srgbClr val="FF0000"/>
+                </a:solidFill>
+                <a:tailEnd type="arrow"/>
+              </a:ln>
+            </p:spPr>
+            <p:style>
+              <a:lnRef idx="1">
+                <a:schemeClr val="accent1"/>
+              </a:lnRef>
+              <a:fillRef idx="0">
+                <a:schemeClr val="accent1"/>
+              </a:fillRef>
+              <a:effectRef idx="0">
+                <a:schemeClr val="accent1"/>
+              </a:effectRef>
+              <a:fontRef idx="minor">
+                <a:schemeClr val="tx1"/>
+              </a:fontRef>
+            </p:style>
+          </p:cxnSp>
+          <p:cxnSp>
+            <p:nvCxnSpPr>
+              <p:cNvPr id="159" name="直接箭头连接符 158"/>
+              <p:cNvCxnSpPr>
+                <a:stCxn id="148" idx="3"/>
+                <a:endCxn id="147" idx="7"/>
+              </p:cNvCxnSpPr>
+              <p:nvPr/>
+            </p:nvCxnSpPr>
+            <p:spPr>
+              <a:xfrm flipH="1">
+                <a:off x="4346" y="4827"/>
+                <a:ext cx="546" cy="804"/>
+              </a:xfrm>
+              <a:prstGeom prst="straightConnector1">
+                <a:avLst/>
+              </a:prstGeom>
+              <a:ln w="38100">
+                <a:tailEnd type="arrow"/>
+              </a:ln>
+            </p:spPr>
+            <p:style>
+              <a:lnRef idx="1">
+                <a:schemeClr val="accent1"/>
+              </a:lnRef>
+              <a:fillRef idx="0">
+                <a:schemeClr val="accent1"/>
+              </a:fillRef>
+              <a:effectRef idx="0">
+                <a:schemeClr val="accent1"/>
+              </a:effectRef>
+              <a:fontRef idx="minor">
+                <a:schemeClr val="tx1"/>
+              </a:fontRef>
+            </p:style>
+          </p:cxnSp>
+          <p:cxnSp>
+            <p:nvCxnSpPr>
+              <p:cNvPr id="160" name="直接箭头连接符 159"/>
+              <p:cNvCxnSpPr>
+                <a:stCxn id="149" idx="6"/>
+                <a:endCxn id="148" idx="2"/>
+              </p:cNvCxnSpPr>
+              <p:nvPr/>
+            </p:nvCxnSpPr>
+            <p:spPr>
+              <a:xfrm>
+                <a:off x="3528" y="4570"/>
+                <a:ext cx="1258" cy="0"/>
+              </a:xfrm>
+              <a:prstGeom prst="straightConnector1">
+                <a:avLst/>
+              </a:prstGeom>
+              <a:ln w="38100">
+                <a:solidFill>
+                  <a:srgbClr val="FF0000"/>
+                </a:solidFill>
+                <a:tailEnd type="arrow"/>
+              </a:ln>
+            </p:spPr>
+            <p:style>
+              <a:lnRef idx="1">
+                <a:schemeClr val="accent1"/>
+              </a:lnRef>
+              <a:fillRef idx="0">
+                <a:schemeClr val="accent1"/>
+              </a:fillRef>
+              <a:effectRef idx="0">
+                <a:schemeClr val="accent1"/>
+              </a:effectRef>
+              <a:fontRef idx="minor">
+                <a:schemeClr val="tx1"/>
+              </a:fontRef>
+            </p:style>
+          </p:cxnSp>
+          <p:cxnSp>
+            <p:nvCxnSpPr>
+              <p:cNvPr id="161" name="直接箭头连接符 160"/>
+              <p:cNvCxnSpPr>
+                <a:stCxn id="144" idx="5"/>
+                <a:endCxn id="146" idx="1"/>
+              </p:cNvCxnSpPr>
+              <p:nvPr/>
+            </p:nvCxnSpPr>
+            <p:spPr>
+              <a:xfrm>
+                <a:off x="1304" y="4827"/>
+                <a:ext cx="739" cy="804"/>
+              </a:xfrm>
+              <a:prstGeom prst="straightConnector1">
+                <a:avLst/>
+              </a:prstGeom>
+              <a:ln w="38100">
+                <a:solidFill>
+                  <a:schemeClr val="accent1"/>
+                </a:solidFill>
+                <a:tailEnd type="arrow"/>
+              </a:ln>
+            </p:spPr>
+            <p:style>
+              <a:lnRef idx="1">
+                <a:schemeClr val="accent1"/>
+              </a:lnRef>
+              <a:fillRef idx="0">
+                <a:schemeClr val="accent1"/>
+              </a:fillRef>
+              <a:effectRef idx="0">
+                <a:schemeClr val="accent1"/>
+              </a:effectRef>
+              <a:fontRef idx="minor">
+                <a:schemeClr val="tx1"/>
+              </a:fontRef>
+            </p:style>
+          </p:cxnSp>
+        </p:grpSp>
+        <p:sp>
+          <p:nvSpPr>
+            <p:cNvPr id="162" name="文本框 161"/>
+            <p:cNvSpPr txBox="1"/>
+            <p:nvPr/>
+          </p:nvSpPr>
+          <p:spPr>
+            <a:xfrm>
+              <a:off x="3426" y="3320"/>
+              <a:ext cx="484" cy="599"/>
+            </a:xfrm>
+            <a:prstGeom prst="rect">
+              <a:avLst/>
+            </a:prstGeom>
+            <a:noFill/>
+          </p:spPr>
+          <p:txBody>
+            <a:bodyPr wrap="square" rtlCol="0">
+              <a:spAutoFit/>
+            </a:bodyPr>
+            <a:p>
+              <a:r>
+                <a:rPr lang="en-US" altLang="zh-CN" b="1">
+                  <a:solidFill>
+                    <a:srgbClr val="FF0000"/>
+                  </a:solidFill>
+                </a:rPr>
+                <a:t>2</a:t>
+              </a:r>
+              <a:endParaRPr lang="en-US" altLang="zh-CN" b="1">
+                <a:solidFill>
+                  <a:srgbClr val="FF0000"/>
+                </a:solidFill>
+              </a:endParaRPr>
+            </a:p>
+          </p:txBody>
+        </p:sp>
+        <p:sp>
+          <p:nvSpPr>
+            <p:cNvPr id="163" name="文本框 162"/>
+            <p:cNvSpPr txBox="1"/>
+            <p:nvPr/>
+          </p:nvSpPr>
+          <p:spPr>
+            <a:xfrm>
+              <a:off x="5399" y="4119"/>
+              <a:ext cx="850" cy="599"/>
+            </a:xfrm>
+            <a:prstGeom prst="rect">
+              <a:avLst/>
+            </a:prstGeom>
+            <a:noFill/>
+          </p:spPr>
+          <p:txBody>
+            <a:bodyPr wrap="square" rtlCol="0">
+              <a:spAutoFit/>
+            </a:bodyPr>
+            <a:p>
+              <a:r>
+                <a:rPr lang="en-US" altLang="zh-CN"/>
+                <a:t>10</a:t>
+              </a:r>
+              <a:endParaRPr lang="en-US" altLang="zh-CN"/>
+            </a:p>
+          </p:txBody>
+        </p:sp>
+        <p:sp>
+          <p:nvSpPr>
+            <p:cNvPr id="164" name="文本框 163"/>
+            <p:cNvSpPr txBox="1"/>
+            <p:nvPr/>
+          </p:nvSpPr>
+          <p:spPr>
+            <a:xfrm>
+              <a:off x="3910" y="4119"/>
+              <a:ext cx="484" cy="599"/>
+            </a:xfrm>
+            <a:prstGeom prst="rect">
+              <a:avLst/>
+            </a:prstGeom>
+            <a:noFill/>
+          </p:spPr>
+          <p:txBody>
+            <a:bodyPr wrap="square" rtlCol="0">
+              <a:spAutoFit/>
+            </a:bodyPr>
+            <a:p>
+              <a:r>
+                <a:rPr lang="en-US" altLang="zh-CN"/>
+                <a:t>3</a:t>
+              </a:r>
+              <a:endParaRPr lang="en-US" altLang="zh-CN"/>
+            </a:p>
+          </p:txBody>
+        </p:sp>
+        <p:sp>
+          <p:nvSpPr>
+            <p:cNvPr id="165" name="文本框 164"/>
+            <p:cNvSpPr txBox="1"/>
+            <p:nvPr/>
+          </p:nvSpPr>
+          <p:spPr>
+            <a:xfrm>
+              <a:off x="3026" y="4119"/>
+              <a:ext cx="484" cy="599"/>
+            </a:xfrm>
+            <a:prstGeom prst="rect">
+              <a:avLst/>
+            </a:prstGeom>
+            <a:noFill/>
+          </p:spPr>
+          <p:txBody>
+            <a:bodyPr wrap="square" rtlCol="0">
+              <a:spAutoFit/>
+            </a:bodyPr>
+            <a:p>
+              <a:r>
+                <a:rPr lang="en-US" altLang="zh-CN" b="1">
+                  <a:solidFill>
+                    <a:srgbClr val="FF0000"/>
+                  </a:solidFill>
+                </a:rPr>
+                <a:t>1</a:t>
+              </a:r>
+              <a:endParaRPr lang="en-US" altLang="zh-CN" b="1">
+                <a:solidFill>
+                  <a:srgbClr val="FF0000"/>
+                </a:solidFill>
+              </a:endParaRPr>
+            </a:p>
+          </p:txBody>
+        </p:sp>
+        <p:sp>
+          <p:nvSpPr>
+            <p:cNvPr id="166" name="文本框 165"/>
+            <p:cNvSpPr txBox="1"/>
+            <p:nvPr/>
+          </p:nvSpPr>
+          <p:spPr>
+            <a:xfrm>
+              <a:off x="1320" y="4119"/>
+              <a:ext cx="484" cy="599"/>
+            </a:xfrm>
+            <a:prstGeom prst="rect">
+              <a:avLst/>
+            </a:prstGeom>
+            <a:noFill/>
+          </p:spPr>
+          <p:txBody>
+            <a:bodyPr wrap="square" rtlCol="0">
+              <a:spAutoFit/>
+            </a:bodyPr>
+            <a:p>
+              <a:r>
+                <a:rPr lang="en-US" altLang="zh-CN"/>
+                <a:t>4</a:t>
+              </a:r>
+              <a:endParaRPr lang="en-US" altLang="zh-CN"/>
+            </a:p>
+          </p:txBody>
+        </p:sp>
+        <p:sp>
+          <p:nvSpPr>
+            <p:cNvPr id="167" name="文本框 166"/>
+            <p:cNvSpPr txBox="1"/>
+            <p:nvPr/>
+          </p:nvSpPr>
+          <p:spPr>
+            <a:xfrm>
+              <a:off x="2230" y="4839"/>
+              <a:ext cx="484" cy="599"/>
+            </a:xfrm>
+            <a:prstGeom prst="rect">
+              <a:avLst/>
+            </a:prstGeom>
+            <a:noFill/>
+          </p:spPr>
+          <p:txBody>
+            <a:bodyPr wrap="square" rtlCol="0">
+              <a:spAutoFit/>
+            </a:bodyPr>
+            <a:p>
+              <a:r>
+                <a:rPr lang="en-US" altLang="zh-CN"/>
+                <a:t>2</a:t>
+              </a:r>
+              <a:endParaRPr lang="en-US" altLang="zh-CN"/>
+            </a:p>
+          </p:txBody>
+        </p:sp>
+        <p:sp>
+          <p:nvSpPr>
+            <p:cNvPr id="168" name="文本框 167"/>
+            <p:cNvSpPr txBox="1"/>
+            <p:nvPr/>
+          </p:nvSpPr>
+          <p:spPr>
+            <a:xfrm>
+              <a:off x="4699" y="4839"/>
+              <a:ext cx="484" cy="599"/>
+            </a:xfrm>
+            <a:prstGeom prst="rect">
+              <a:avLst/>
+            </a:prstGeom>
+            <a:noFill/>
+          </p:spPr>
+          <p:txBody>
+            <a:bodyPr wrap="square" rtlCol="0">
+              <a:spAutoFit/>
+            </a:bodyPr>
+            <a:p>
+              <a:r>
+                <a:rPr lang="en-US" altLang="zh-CN"/>
+                <a:t>2</a:t>
+              </a:r>
+              <a:endParaRPr lang="en-US" altLang="zh-CN"/>
+            </a:p>
+          </p:txBody>
+        </p:sp>
+        <p:sp>
+          <p:nvSpPr>
+            <p:cNvPr id="169" name="文本框 168"/>
+            <p:cNvSpPr txBox="1"/>
+            <p:nvPr/>
+          </p:nvSpPr>
+          <p:spPr>
+            <a:xfrm>
+              <a:off x="5183" y="5861"/>
+              <a:ext cx="484" cy="599"/>
+            </a:xfrm>
+            <a:prstGeom prst="rect">
+              <a:avLst/>
+            </a:prstGeom>
+            <a:noFill/>
+          </p:spPr>
+          <p:txBody>
+            <a:bodyPr wrap="square" rtlCol="0">
+              <a:spAutoFit/>
+            </a:bodyPr>
+            <a:p>
+              <a:r>
+                <a:rPr lang="en-US" altLang="zh-CN"/>
+                <a:t>6</a:t>
+              </a:r>
+              <a:endParaRPr lang="en-US" altLang="zh-CN"/>
+            </a:p>
+          </p:txBody>
+        </p:sp>
+        <p:sp>
+          <p:nvSpPr>
+            <p:cNvPr id="170" name="文本框 169"/>
+            <p:cNvSpPr txBox="1"/>
+            <p:nvPr/>
+          </p:nvSpPr>
+          <p:spPr>
+            <a:xfrm>
+              <a:off x="3514" y="6442"/>
+              <a:ext cx="484" cy="599"/>
+            </a:xfrm>
+            <a:prstGeom prst="rect">
+              <a:avLst/>
+            </a:prstGeom>
+            <a:noFill/>
+          </p:spPr>
+          <p:txBody>
+            <a:bodyPr wrap="square" rtlCol="0">
+              <a:spAutoFit/>
+            </a:bodyPr>
+            <a:p>
+              <a:r>
+                <a:rPr lang="en-US" altLang="zh-CN"/>
+                <a:t>1</a:t>
+              </a:r>
+              <a:endParaRPr lang="en-US" altLang="zh-CN"/>
+            </a:p>
+          </p:txBody>
+        </p:sp>
+        <p:sp>
+          <p:nvSpPr>
+            <p:cNvPr id="171" name="文本框 170"/>
+            <p:cNvSpPr txBox="1"/>
+            <p:nvPr/>
+          </p:nvSpPr>
+          <p:spPr>
+            <a:xfrm>
+              <a:off x="1804" y="5731"/>
+              <a:ext cx="484" cy="599"/>
+            </a:xfrm>
+            <a:prstGeom prst="rect">
+              <a:avLst/>
+            </a:prstGeom>
+            <a:noFill/>
+          </p:spPr>
+          <p:txBody>
+            <a:bodyPr wrap="square" rtlCol="0">
+              <a:spAutoFit/>
+            </a:bodyPr>
+            <a:p>
+              <a:r>
+                <a:rPr lang="en-US" altLang="zh-CN"/>
+                <a:t>5</a:t>
+              </a:r>
+              <a:endParaRPr lang="en-US" altLang="zh-CN"/>
+            </a:p>
+          </p:txBody>
+        </p:sp>
+        <p:sp>
+          <p:nvSpPr>
+            <p:cNvPr id="172" name="文本框 171"/>
+            <p:cNvSpPr txBox="1"/>
+            <p:nvPr/>
+          </p:nvSpPr>
+          <p:spPr>
+            <a:xfrm>
+              <a:off x="2714" y="5731"/>
+              <a:ext cx="484" cy="599"/>
+            </a:xfrm>
+            <a:prstGeom prst="rect">
+              <a:avLst/>
+            </a:prstGeom>
+            <a:noFill/>
+          </p:spPr>
+          <p:txBody>
+            <a:bodyPr wrap="square" rtlCol="0">
+              <a:spAutoFit/>
+            </a:bodyPr>
+            <a:p>
+              <a:r>
+                <a:rPr lang="en-US" altLang="zh-CN"/>
+                <a:t>8</a:t>
+              </a:r>
+              <a:endParaRPr lang="en-US" altLang="zh-CN"/>
+            </a:p>
+          </p:txBody>
+        </p:sp>
+        <p:sp>
+          <p:nvSpPr>
+            <p:cNvPr id="173" name="文本框 172"/>
+            <p:cNvSpPr txBox="1"/>
+            <p:nvPr/>
+          </p:nvSpPr>
+          <p:spPr>
+            <a:xfrm>
+              <a:off x="4215" y="5731"/>
+              <a:ext cx="484" cy="599"/>
+            </a:xfrm>
+            <a:prstGeom prst="rect">
+              <a:avLst/>
+            </a:prstGeom>
+            <a:noFill/>
+          </p:spPr>
+          <p:txBody>
+            <a:bodyPr wrap="square" rtlCol="0">
+              <a:spAutoFit/>
+            </a:bodyPr>
+            <a:p>
+              <a:r>
+                <a:rPr lang="en-US" altLang="zh-CN"/>
+                <a:t>4</a:t>
+              </a:r>
+              <a:endParaRPr lang="en-US" altLang="zh-CN"/>
+            </a:p>
+          </p:txBody>
+        </p:sp>
+      </p:grpSp>
+      <p:sp>
+        <p:nvSpPr>
+          <p:cNvPr id="174" name="文本框 173"/>
+          <p:cNvSpPr txBox="1"/>
+          <p:nvPr/>
+        </p:nvSpPr>
+        <p:spPr>
+          <a:xfrm>
+            <a:off x="4210050" y="1469390"/>
+            <a:ext cx="2403475" cy="2030095"/>
+          </a:xfrm>
+          <a:prstGeom prst="rect">
+            <a:avLst/>
+          </a:prstGeom>
+          <a:noFill/>
+        </p:spPr>
+        <p:txBody>
+          <a:bodyPr wrap="square" rtlCol="0">
+            <a:spAutoFit/>
+          </a:bodyPr>
+          <a:p>
+            <a:r>
+              <a:rPr lang="en-US" altLang="zh-CN" b="1">
+                <a:solidFill>
+                  <a:schemeClr val="tx1"/>
+                </a:solidFill>
+              </a:rPr>
+              <a:t>dis[0] = 0    prev[0] = 0</a:t>
+            </a:r>
+            <a:endParaRPr lang="en-US" altLang="zh-CN" b="1">
+              <a:solidFill>
+                <a:schemeClr val="tx1"/>
+              </a:solidFill>
+            </a:endParaRPr>
+          </a:p>
+          <a:p>
+            <a:r>
+              <a:rPr lang="en-US" altLang="zh-CN" b="1"/>
+              <a:t>dis[1] = 2    prev[1] = 0</a:t>
+            </a:r>
+            <a:endParaRPr lang="en-US" altLang="zh-CN" b="1"/>
+          </a:p>
+          <a:p>
+            <a:r>
+              <a:rPr lang="en-US" altLang="zh-CN" b="1">
+                <a:solidFill>
+                  <a:schemeClr val="tx1"/>
+                </a:solidFill>
+                <a:sym typeface="+mn-ea"/>
+              </a:rPr>
+              <a:t>dis[2] = 3    prev[2] = 3</a:t>
+            </a:r>
+            <a:endParaRPr lang="en-US" altLang="zh-CN" b="1">
+              <a:solidFill>
+                <a:schemeClr val="tx1"/>
+              </a:solidFill>
+              <a:sym typeface="+mn-ea"/>
+            </a:endParaRPr>
+          </a:p>
+          <a:p>
+            <a:r>
+              <a:rPr lang="en-US" altLang="zh-CN" b="1">
+                <a:solidFill>
+                  <a:schemeClr val="tx1"/>
+                </a:solidFill>
+                <a:sym typeface="+mn-ea"/>
+              </a:rPr>
+              <a:t>dis[3] = 1    prev[3] = 0</a:t>
+            </a:r>
+            <a:endParaRPr lang="en-US" altLang="zh-CN" b="1">
+              <a:solidFill>
+                <a:schemeClr val="tx1"/>
+              </a:solidFill>
+              <a:sym typeface="+mn-ea"/>
+            </a:endParaRPr>
+          </a:p>
+          <a:p>
+            <a:r>
+              <a:rPr lang="en-US" altLang="zh-CN" b="1">
+                <a:solidFill>
+                  <a:schemeClr val="tx1"/>
+                </a:solidFill>
+                <a:sym typeface="+mn-ea"/>
+              </a:rPr>
+              <a:t>dis[4] = 3    prev[4] = 3</a:t>
+            </a:r>
+            <a:endParaRPr lang="en-US" altLang="zh-CN" b="1">
+              <a:solidFill>
+                <a:schemeClr val="tx1"/>
+              </a:solidFill>
+              <a:sym typeface="+mn-ea"/>
+            </a:endParaRPr>
+          </a:p>
+          <a:p>
+            <a:r>
+              <a:rPr lang="en-US" altLang="zh-CN" b="1">
+                <a:solidFill>
+                  <a:srgbClr val="7030A0"/>
+                </a:solidFill>
+                <a:sym typeface="+mn-ea"/>
+              </a:rPr>
+              <a:t>dis[5] = 6    prev[5] = 6</a:t>
+            </a:r>
+            <a:endParaRPr lang="en-US" altLang="zh-CN" b="1">
+              <a:solidFill>
+                <a:srgbClr val="7030A0"/>
+              </a:solidFill>
+              <a:sym typeface="+mn-ea"/>
+            </a:endParaRPr>
+          </a:p>
+          <a:p>
+            <a:r>
+              <a:rPr lang="en-US" altLang="zh-CN" b="1">
+                <a:solidFill>
+                  <a:schemeClr val="tx1"/>
+                </a:solidFill>
+                <a:sym typeface="+mn-ea"/>
+              </a:rPr>
+              <a:t>dis[6] = 5    prev[6] = 3</a:t>
+            </a:r>
+            <a:endParaRPr lang="en-US" altLang="zh-CN" b="1">
+              <a:solidFill>
+                <a:schemeClr val="tx1"/>
+              </a:solidFill>
+              <a:sym typeface="+mn-ea"/>
+            </a:endParaRPr>
+          </a:p>
+        </p:txBody>
+      </p:sp>
+    </p:spTree>
+  </p:cSld>
+  <p:clrMapOvr>
+    <a:masterClrMapping/>
+  </p:clrMapOvr>
+</p:sld>
+</file>
+
 <file path=ppt/slides/slide4.xml><?xml version="1.0" encoding="utf-8"?>
 <p:sld xmlns:a="http://schemas.openxmlformats.org/drawingml/2006/main" xmlns:r="http://schemas.openxmlformats.org/officeDocument/2006/relationships" xmlns:p="http://schemas.openxmlformats.org/presentationml/2006/main">
   <p:cSld>

--- a/课件/课件素材.pptx
+++ b/课件/课件素材.pptx
@@ -41,6 +41,7 @@
     <p:sldId id="312" r:id="rId34"/>
     <p:sldId id="313" r:id="rId35"/>
     <p:sldId id="310" r:id="rId36"/>
+    <p:sldId id="315" r:id="rId37"/>
   </p:sldIdLst>
   <p:sldSz cx="12192000" cy="6858000"/>
   <p:notesSz cx="6858000" cy="9144000"/>
@@ -45596,6 +45597,1037 @@
 </p:sld>
 </file>
 
+<file path=ppt/slides/slide34.xml><?xml version="1.0" encoding="utf-8"?>
+<p:sld xmlns:a="http://schemas.openxmlformats.org/drawingml/2006/main" xmlns:r="http://schemas.openxmlformats.org/officeDocument/2006/relationships" xmlns:p="http://schemas.openxmlformats.org/presentationml/2006/main">
+  <p:cSld>
+    <p:spTree>
+      <p:nvGrpSpPr>
+        <p:cNvPr id="1" name=""/>
+        <p:cNvGrpSpPr/>
+        <p:nvPr/>
+      </p:nvGrpSpPr>
+      <p:grpSpPr/>
+      <p:sp>
+        <p:nvSpPr>
+          <p:cNvPr id="3" name="标题 2"/>
+          <p:cNvSpPr/>
+          <p:nvPr>
+            <p:ph type="title"/>
+          </p:nvPr>
+        </p:nvSpPr>
+        <p:spPr/>
+        <p:txBody>
+          <a:bodyPr/>
+          <a:p>
+            <a:r>
+              <a:rPr lang="en-US" altLang="zh-CN"/>
+              <a:t>Union/Find </a:t>
+            </a:r>
+            <a:r>
+              <a:rPr lang="zh-CN" altLang="en-US"/>
+              <a:t>并查集</a:t>
+            </a:r>
+            <a:endParaRPr lang="zh-CN" altLang="en-US"/>
+          </a:p>
+        </p:txBody>
+      </p:sp>
+      <p:grpSp>
+        <p:nvGrpSpPr>
+          <p:cNvPr id="13" name="组合 12"/>
+          <p:cNvGrpSpPr/>
+          <p:nvPr/>
+        </p:nvGrpSpPr>
+        <p:grpSpPr>
+          <a:xfrm>
+            <a:off x="1398905" y="2080895"/>
+            <a:ext cx="573405" cy="1369060"/>
+            <a:chOff x="2179" y="3277"/>
+            <a:chExt cx="903" cy="2156"/>
+          </a:xfrm>
+        </p:grpSpPr>
+        <p:sp>
+          <p:nvSpPr>
+            <p:cNvPr id="2" name="椭圆 1"/>
+            <p:cNvSpPr/>
+            <p:nvPr/>
+          </p:nvSpPr>
+          <p:spPr>
+            <a:xfrm>
+              <a:off x="2179" y="4599"/>
+              <a:ext cx="835" cy="835"/>
+            </a:xfrm>
+            <a:prstGeom prst="ellipse">
+              <a:avLst/>
+            </a:prstGeom>
+            <a:ln w="28575"/>
+          </p:spPr>
+          <p:style>
+            <a:lnRef idx="2">
+              <a:schemeClr val="accent1"/>
+            </a:lnRef>
+            <a:fillRef idx="1">
+              <a:schemeClr val="lt1"/>
+            </a:fillRef>
+            <a:effectRef idx="0">
+              <a:schemeClr val="accent1"/>
+            </a:effectRef>
+            <a:fontRef idx="minor">
+              <a:schemeClr val="dk1"/>
+            </a:fontRef>
+          </p:style>
+          <p:txBody>
+            <a:bodyPr rtlCol="0" anchor="ctr"/>
+            <a:p>
+              <a:pPr algn="ctr"/>
+              <a:r>
+                <a:rPr lang="en-US" altLang="zh-CN"/>
+                <a:t>1</a:t>
+              </a:r>
+              <a:endParaRPr lang="en-US" altLang="zh-CN"/>
+            </a:p>
+          </p:txBody>
+        </p:sp>
+        <p:cxnSp>
+          <p:nvCxnSpPr>
+            <p:cNvPr id="11" name="直接箭头连接符 10"/>
+            <p:cNvCxnSpPr/>
+            <p:nvPr/>
+          </p:nvCxnSpPr>
+          <p:spPr>
+            <a:xfrm flipH="1" flipV="1">
+              <a:off x="2596" y="3811"/>
+              <a:ext cx="1" cy="788"/>
+            </a:xfrm>
+            <a:prstGeom prst="straightConnector1">
+              <a:avLst/>
+            </a:prstGeom>
+            <a:ln w="28575">
+              <a:tailEnd type="arrow"/>
+            </a:ln>
+          </p:spPr>
+          <p:style>
+            <a:lnRef idx="1">
+              <a:schemeClr val="accent1"/>
+            </a:lnRef>
+            <a:fillRef idx="0">
+              <a:schemeClr val="accent1"/>
+            </a:fillRef>
+            <a:effectRef idx="0">
+              <a:schemeClr val="accent1"/>
+            </a:effectRef>
+            <a:fontRef idx="minor">
+              <a:schemeClr val="tx1"/>
+            </a:fontRef>
+          </p:style>
+        </p:cxnSp>
+        <p:sp>
+          <p:nvSpPr>
+            <p:cNvPr id="12" name="文本框 11"/>
+            <p:cNvSpPr txBox="1"/>
+            <p:nvPr/>
+          </p:nvSpPr>
+          <p:spPr>
+            <a:xfrm>
+              <a:off x="2364" y="3277"/>
+              <a:ext cx="719" cy="580"/>
+            </a:xfrm>
+            <a:prstGeom prst="rect">
+              <a:avLst/>
+            </a:prstGeom>
+            <a:noFill/>
+          </p:spPr>
+          <p:txBody>
+            <a:bodyPr wrap="square" rtlCol="0">
+              <a:spAutoFit/>
+            </a:bodyPr>
+            <a:p>
+              <a:r>
+                <a:rPr lang="en-US" altLang="zh-CN"/>
+                <a:t>0</a:t>
+              </a:r>
+              <a:endParaRPr lang="en-US" altLang="zh-CN"/>
+            </a:p>
+          </p:txBody>
+        </p:sp>
+      </p:grpSp>
+      <p:grpSp>
+        <p:nvGrpSpPr>
+          <p:cNvPr id="14" name="组合 13"/>
+          <p:cNvGrpSpPr/>
+          <p:nvPr/>
+        </p:nvGrpSpPr>
+        <p:grpSpPr>
+          <a:xfrm>
+            <a:off x="2203450" y="2080895"/>
+            <a:ext cx="573405" cy="1369060"/>
+            <a:chOff x="2179" y="3277"/>
+            <a:chExt cx="903" cy="2156"/>
+          </a:xfrm>
+        </p:grpSpPr>
+        <p:sp>
+          <p:nvSpPr>
+            <p:cNvPr id="15" name="椭圆 14"/>
+            <p:cNvSpPr/>
+            <p:nvPr/>
+          </p:nvSpPr>
+          <p:spPr>
+            <a:xfrm>
+              <a:off x="2179" y="4599"/>
+              <a:ext cx="835" cy="835"/>
+            </a:xfrm>
+            <a:prstGeom prst="ellipse">
+              <a:avLst/>
+            </a:prstGeom>
+            <a:ln w="28575"/>
+          </p:spPr>
+          <p:style>
+            <a:lnRef idx="2">
+              <a:schemeClr val="accent1"/>
+            </a:lnRef>
+            <a:fillRef idx="1">
+              <a:schemeClr val="lt1"/>
+            </a:fillRef>
+            <a:effectRef idx="0">
+              <a:schemeClr val="accent1"/>
+            </a:effectRef>
+            <a:fontRef idx="minor">
+              <a:schemeClr val="dk1"/>
+            </a:fontRef>
+          </p:style>
+          <p:txBody>
+            <a:bodyPr rtlCol="0" anchor="ctr"/>
+            <a:p>
+              <a:pPr algn="ctr"/>
+              <a:r>
+                <a:rPr lang="en-US" altLang="zh-CN"/>
+                <a:t>2</a:t>
+              </a:r>
+              <a:endParaRPr lang="en-US" altLang="zh-CN"/>
+            </a:p>
+          </p:txBody>
+        </p:sp>
+        <p:cxnSp>
+          <p:nvCxnSpPr>
+            <p:cNvPr id="16" name="直接箭头连接符 15"/>
+            <p:cNvCxnSpPr/>
+            <p:nvPr/>
+          </p:nvCxnSpPr>
+          <p:spPr>
+            <a:xfrm flipH="1" flipV="1">
+              <a:off x="2596" y="3811"/>
+              <a:ext cx="1" cy="788"/>
+            </a:xfrm>
+            <a:prstGeom prst="straightConnector1">
+              <a:avLst/>
+            </a:prstGeom>
+            <a:ln w="28575">
+              <a:tailEnd type="arrow"/>
+            </a:ln>
+          </p:spPr>
+          <p:style>
+            <a:lnRef idx="1">
+              <a:schemeClr val="accent1"/>
+            </a:lnRef>
+            <a:fillRef idx="0">
+              <a:schemeClr val="accent1"/>
+            </a:fillRef>
+            <a:effectRef idx="0">
+              <a:schemeClr val="accent1"/>
+            </a:effectRef>
+            <a:fontRef idx="minor">
+              <a:schemeClr val="tx1"/>
+            </a:fontRef>
+          </p:style>
+        </p:cxnSp>
+        <p:sp>
+          <p:nvSpPr>
+            <p:cNvPr id="17" name="文本框 16"/>
+            <p:cNvSpPr txBox="1"/>
+            <p:nvPr/>
+          </p:nvSpPr>
+          <p:spPr>
+            <a:xfrm>
+              <a:off x="2364" y="3277"/>
+              <a:ext cx="719" cy="580"/>
+            </a:xfrm>
+            <a:prstGeom prst="rect">
+              <a:avLst/>
+            </a:prstGeom>
+            <a:noFill/>
+          </p:spPr>
+          <p:txBody>
+            <a:bodyPr wrap="square" rtlCol="0">
+              <a:spAutoFit/>
+            </a:bodyPr>
+            <a:p>
+              <a:r>
+                <a:rPr lang="en-US" altLang="zh-CN"/>
+                <a:t>0</a:t>
+              </a:r>
+              <a:endParaRPr lang="en-US" altLang="zh-CN"/>
+            </a:p>
+          </p:txBody>
+        </p:sp>
+      </p:grpSp>
+      <p:grpSp>
+        <p:nvGrpSpPr>
+          <p:cNvPr id="18" name="组合 17"/>
+          <p:cNvGrpSpPr/>
+          <p:nvPr/>
+        </p:nvGrpSpPr>
+        <p:grpSpPr>
+          <a:xfrm>
+            <a:off x="3086735" y="2080895"/>
+            <a:ext cx="573405" cy="1369060"/>
+            <a:chOff x="2179" y="3277"/>
+            <a:chExt cx="903" cy="2156"/>
+          </a:xfrm>
+        </p:grpSpPr>
+        <p:sp>
+          <p:nvSpPr>
+            <p:cNvPr id="19" name="椭圆 18"/>
+            <p:cNvSpPr/>
+            <p:nvPr/>
+          </p:nvSpPr>
+          <p:spPr>
+            <a:xfrm>
+              <a:off x="2179" y="4599"/>
+              <a:ext cx="835" cy="835"/>
+            </a:xfrm>
+            <a:prstGeom prst="ellipse">
+              <a:avLst/>
+            </a:prstGeom>
+            <a:ln w="28575"/>
+          </p:spPr>
+          <p:style>
+            <a:lnRef idx="2">
+              <a:schemeClr val="accent1"/>
+            </a:lnRef>
+            <a:fillRef idx="1">
+              <a:schemeClr val="lt1"/>
+            </a:fillRef>
+            <a:effectRef idx="0">
+              <a:schemeClr val="accent1"/>
+            </a:effectRef>
+            <a:fontRef idx="minor">
+              <a:schemeClr val="dk1"/>
+            </a:fontRef>
+          </p:style>
+          <p:txBody>
+            <a:bodyPr rtlCol="0" anchor="ctr"/>
+            <a:p>
+              <a:pPr algn="ctr"/>
+              <a:r>
+                <a:rPr lang="en-US" altLang="zh-CN"/>
+                <a:t>3</a:t>
+              </a:r>
+              <a:endParaRPr lang="en-US" altLang="zh-CN"/>
+            </a:p>
+          </p:txBody>
+        </p:sp>
+        <p:cxnSp>
+          <p:nvCxnSpPr>
+            <p:cNvPr id="20" name="直接箭头连接符 19"/>
+            <p:cNvCxnSpPr/>
+            <p:nvPr/>
+          </p:nvCxnSpPr>
+          <p:spPr>
+            <a:xfrm flipH="1" flipV="1">
+              <a:off x="2596" y="3811"/>
+              <a:ext cx="1" cy="788"/>
+            </a:xfrm>
+            <a:prstGeom prst="straightConnector1">
+              <a:avLst/>
+            </a:prstGeom>
+            <a:ln w="28575">
+              <a:tailEnd type="arrow"/>
+            </a:ln>
+          </p:spPr>
+          <p:style>
+            <a:lnRef idx="1">
+              <a:schemeClr val="accent1"/>
+            </a:lnRef>
+            <a:fillRef idx="0">
+              <a:schemeClr val="accent1"/>
+            </a:fillRef>
+            <a:effectRef idx="0">
+              <a:schemeClr val="accent1"/>
+            </a:effectRef>
+            <a:fontRef idx="minor">
+              <a:schemeClr val="tx1"/>
+            </a:fontRef>
+          </p:style>
+        </p:cxnSp>
+        <p:sp>
+          <p:nvSpPr>
+            <p:cNvPr id="21" name="文本框 20"/>
+            <p:cNvSpPr txBox="1"/>
+            <p:nvPr/>
+          </p:nvSpPr>
+          <p:spPr>
+            <a:xfrm>
+              <a:off x="2364" y="3277"/>
+              <a:ext cx="719" cy="580"/>
+            </a:xfrm>
+            <a:prstGeom prst="rect">
+              <a:avLst/>
+            </a:prstGeom>
+            <a:noFill/>
+          </p:spPr>
+          <p:txBody>
+            <a:bodyPr wrap="square" rtlCol="0">
+              <a:spAutoFit/>
+            </a:bodyPr>
+            <a:p>
+              <a:r>
+                <a:rPr lang="en-US" altLang="zh-CN"/>
+                <a:t>0</a:t>
+              </a:r>
+              <a:endParaRPr lang="en-US" altLang="zh-CN"/>
+            </a:p>
+          </p:txBody>
+        </p:sp>
+      </p:grpSp>
+      <p:grpSp>
+        <p:nvGrpSpPr>
+          <p:cNvPr id="22" name="组合 21"/>
+          <p:cNvGrpSpPr/>
+          <p:nvPr/>
+        </p:nvGrpSpPr>
+        <p:grpSpPr>
+          <a:xfrm>
+            <a:off x="3910965" y="2081530"/>
+            <a:ext cx="573405" cy="1369060"/>
+            <a:chOff x="2179" y="3277"/>
+            <a:chExt cx="903" cy="2156"/>
+          </a:xfrm>
+        </p:grpSpPr>
+        <p:sp>
+          <p:nvSpPr>
+            <p:cNvPr id="23" name="椭圆 22"/>
+            <p:cNvSpPr/>
+            <p:nvPr/>
+          </p:nvSpPr>
+          <p:spPr>
+            <a:xfrm>
+              <a:off x="2179" y="4599"/>
+              <a:ext cx="835" cy="835"/>
+            </a:xfrm>
+            <a:prstGeom prst="ellipse">
+              <a:avLst/>
+            </a:prstGeom>
+            <a:ln w="28575"/>
+          </p:spPr>
+          <p:style>
+            <a:lnRef idx="2">
+              <a:schemeClr val="accent1"/>
+            </a:lnRef>
+            <a:fillRef idx="1">
+              <a:schemeClr val="lt1"/>
+            </a:fillRef>
+            <a:effectRef idx="0">
+              <a:schemeClr val="accent1"/>
+            </a:effectRef>
+            <a:fontRef idx="minor">
+              <a:schemeClr val="dk1"/>
+            </a:fontRef>
+          </p:style>
+          <p:txBody>
+            <a:bodyPr rtlCol="0" anchor="ctr"/>
+            <a:p>
+              <a:pPr algn="ctr"/>
+              <a:r>
+                <a:rPr lang="en-US" altLang="zh-CN"/>
+                <a:t>4</a:t>
+              </a:r>
+              <a:endParaRPr lang="en-US" altLang="zh-CN"/>
+            </a:p>
+          </p:txBody>
+        </p:sp>
+        <p:cxnSp>
+          <p:nvCxnSpPr>
+            <p:cNvPr id="24" name="直接箭头连接符 23"/>
+            <p:cNvCxnSpPr/>
+            <p:nvPr/>
+          </p:nvCxnSpPr>
+          <p:spPr>
+            <a:xfrm flipH="1" flipV="1">
+              <a:off x="2596" y="3811"/>
+              <a:ext cx="1" cy="788"/>
+            </a:xfrm>
+            <a:prstGeom prst="straightConnector1">
+              <a:avLst/>
+            </a:prstGeom>
+            <a:ln w="28575">
+              <a:tailEnd type="arrow"/>
+            </a:ln>
+          </p:spPr>
+          <p:style>
+            <a:lnRef idx="1">
+              <a:schemeClr val="accent1"/>
+            </a:lnRef>
+            <a:fillRef idx="0">
+              <a:schemeClr val="accent1"/>
+            </a:fillRef>
+            <a:effectRef idx="0">
+              <a:schemeClr val="accent1"/>
+            </a:effectRef>
+            <a:fontRef idx="minor">
+              <a:schemeClr val="tx1"/>
+            </a:fontRef>
+          </p:style>
+        </p:cxnSp>
+        <p:sp>
+          <p:nvSpPr>
+            <p:cNvPr id="25" name="文本框 24"/>
+            <p:cNvSpPr txBox="1"/>
+            <p:nvPr/>
+          </p:nvSpPr>
+          <p:spPr>
+            <a:xfrm>
+              <a:off x="2364" y="3277"/>
+              <a:ext cx="719" cy="580"/>
+            </a:xfrm>
+            <a:prstGeom prst="rect">
+              <a:avLst/>
+            </a:prstGeom>
+            <a:noFill/>
+          </p:spPr>
+          <p:txBody>
+            <a:bodyPr wrap="square" rtlCol="0">
+              <a:spAutoFit/>
+            </a:bodyPr>
+            <a:p>
+              <a:r>
+                <a:rPr lang="en-US" altLang="zh-CN"/>
+                <a:t>0</a:t>
+              </a:r>
+              <a:endParaRPr lang="en-US" altLang="zh-CN"/>
+            </a:p>
+          </p:txBody>
+        </p:sp>
+      </p:grpSp>
+      <p:grpSp>
+        <p:nvGrpSpPr>
+          <p:cNvPr id="26" name="组合 25"/>
+          <p:cNvGrpSpPr/>
+          <p:nvPr/>
+        </p:nvGrpSpPr>
+        <p:grpSpPr>
+          <a:xfrm>
+            <a:off x="4809490" y="2082165"/>
+            <a:ext cx="573405" cy="1369060"/>
+            <a:chOff x="2179" y="3277"/>
+            <a:chExt cx="903" cy="2156"/>
+          </a:xfrm>
+        </p:grpSpPr>
+        <p:sp>
+          <p:nvSpPr>
+            <p:cNvPr id="27" name="椭圆 26"/>
+            <p:cNvSpPr/>
+            <p:nvPr/>
+          </p:nvSpPr>
+          <p:spPr>
+            <a:xfrm>
+              <a:off x="2179" y="4599"/>
+              <a:ext cx="835" cy="835"/>
+            </a:xfrm>
+            <a:prstGeom prst="ellipse">
+              <a:avLst/>
+            </a:prstGeom>
+            <a:ln w="28575"/>
+          </p:spPr>
+          <p:style>
+            <a:lnRef idx="2">
+              <a:schemeClr val="accent1"/>
+            </a:lnRef>
+            <a:fillRef idx="1">
+              <a:schemeClr val="lt1"/>
+            </a:fillRef>
+            <a:effectRef idx="0">
+              <a:schemeClr val="accent1"/>
+            </a:effectRef>
+            <a:fontRef idx="minor">
+              <a:schemeClr val="dk1"/>
+            </a:fontRef>
+          </p:style>
+          <p:txBody>
+            <a:bodyPr rtlCol="0" anchor="ctr"/>
+            <a:p>
+              <a:pPr algn="ctr"/>
+              <a:r>
+                <a:rPr lang="en-US" altLang="zh-CN"/>
+                <a:t>5</a:t>
+              </a:r>
+              <a:endParaRPr lang="en-US" altLang="zh-CN"/>
+            </a:p>
+          </p:txBody>
+        </p:sp>
+        <p:cxnSp>
+          <p:nvCxnSpPr>
+            <p:cNvPr id="28" name="直接箭头连接符 27"/>
+            <p:cNvCxnSpPr/>
+            <p:nvPr/>
+          </p:nvCxnSpPr>
+          <p:spPr>
+            <a:xfrm flipH="1" flipV="1">
+              <a:off x="2596" y="3811"/>
+              <a:ext cx="1" cy="788"/>
+            </a:xfrm>
+            <a:prstGeom prst="straightConnector1">
+              <a:avLst/>
+            </a:prstGeom>
+            <a:ln w="28575">
+              <a:tailEnd type="arrow"/>
+            </a:ln>
+          </p:spPr>
+          <p:style>
+            <a:lnRef idx="1">
+              <a:schemeClr val="accent1"/>
+            </a:lnRef>
+            <a:fillRef idx="0">
+              <a:schemeClr val="accent1"/>
+            </a:fillRef>
+            <a:effectRef idx="0">
+              <a:schemeClr val="accent1"/>
+            </a:effectRef>
+            <a:fontRef idx="minor">
+              <a:schemeClr val="tx1"/>
+            </a:fontRef>
+          </p:style>
+        </p:cxnSp>
+        <p:sp>
+          <p:nvSpPr>
+            <p:cNvPr id="29" name="文本框 28"/>
+            <p:cNvSpPr txBox="1"/>
+            <p:nvPr/>
+          </p:nvSpPr>
+          <p:spPr>
+            <a:xfrm>
+              <a:off x="2364" y="3277"/>
+              <a:ext cx="719" cy="580"/>
+            </a:xfrm>
+            <a:prstGeom prst="rect">
+              <a:avLst/>
+            </a:prstGeom>
+            <a:noFill/>
+          </p:spPr>
+          <p:txBody>
+            <a:bodyPr wrap="square" rtlCol="0">
+              <a:spAutoFit/>
+            </a:bodyPr>
+            <a:p>
+              <a:r>
+                <a:rPr lang="en-US" altLang="zh-CN"/>
+                <a:t>0</a:t>
+              </a:r>
+              <a:endParaRPr lang="en-US" altLang="zh-CN"/>
+            </a:p>
+          </p:txBody>
+        </p:sp>
+      </p:grpSp>
+      <p:grpSp>
+        <p:nvGrpSpPr>
+          <p:cNvPr id="30" name="组合 29"/>
+          <p:cNvGrpSpPr/>
+          <p:nvPr/>
+        </p:nvGrpSpPr>
+        <p:grpSpPr>
+          <a:xfrm>
+            <a:off x="5693410" y="2082165"/>
+            <a:ext cx="573405" cy="1369060"/>
+            <a:chOff x="2179" y="3277"/>
+            <a:chExt cx="903" cy="2156"/>
+          </a:xfrm>
+        </p:grpSpPr>
+        <p:sp>
+          <p:nvSpPr>
+            <p:cNvPr id="31" name="椭圆 30"/>
+            <p:cNvSpPr/>
+            <p:nvPr/>
+          </p:nvSpPr>
+          <p:spPr>
+            <a:xfrm>
+              <a:off x="2179" y="4599"/>
+              <a:ext cx="835" cy="835"/>
+            </a:xfrm>
+            <a:prstGeom prst="ellipse">
+              <a:avLst/>
+            </a:prstGeom>
+            <a:ln w="28575"/>
+          </p:spPr>
+          <p:style>
+            <a:lnRef idx="2">
+              <a:schemeClr val="accent1"/>
+            </a:lnRef>
+            <a:fillRef idx="1">
+              <a:schemeClr val="lt1"/>
+            </a:fillRef>
+            <a:effectRef idx="0">
+              <a:schemeClr val="accent1"/>
+            </a:effectRef>
+            <a:fontRef idx="minor">
+              <a:schemeClr val="dk1"/>
+            </a:fontRef>
+          </p:style>
+          <p:txBody>
+            <a:bodyPr rtlCol="0" anchor="ctr"/>
+            <a:p>
+              <a:pPr algn="ctr"/>
+              <a:r>
+                <a:rPr lang="en-US" altLang="zh-CN"/>
+                <a:t>6</a:t>
+              </a:r>
+              <a:endParaRPr lang="en-US" altLang="zh-CN"/>
+            </a:p>
+          </p:txBody>
+        </p:sp>
+        <p:cxnSp>
+          <p:nvCxnSpPr>
+            <p:cNvPr id="32" name="直接箭头连接符 31"/>
+            <p:cNvCxnSpPr/>
+            <p:nvPr/>
+          </p:nvCxnSpPr>
+          <p:spPr>
+            <a:xfrm flipH="1" flipV="1">
+              <a:off x="2596" y="3811"/>
+              <a:ext cx="1" cy="788"/>
+            </a:xfrm>
+            <a:prstGeom prst="straightConnector1">
+              <a:avLst/>
+            </a:prstGeom>
+            <a:ln w="28575">
+              <a:tailEnd type="arrow"/>
+            </a:ln>
+          </p:spPr>
+          <p:style>
+            <a:lnRef idx="1">
+              <a:schemeClr val="accent1"/>
+            </a:lnRef>
+            <a:fillRef idx="0">
+              <a:schemeClr val="accent1"/>
+            </a:fillRef>
+            <a:effectRef idx="0">
+              <a:schemeClr val="accent1"/>
+            </a:effectRef>
+            <a:fontRef idx="minor">
+              <a:schemeClr val="tx1"/>
+            </a:fontRef>
+          </p:style>
+        </p:cxnSp>
+        <p:sp>
+          <p:nvSpPr>
+            <p:cNvPr id="33" name="文本框 32"/>
+            <p:cNvSpPr txBox="1"/>
+            <p:nvPr/>
+          </p:nvSpPr>
+          <p:spPr>
+            <a:xfrm>
+              <a:off x="2364" y="3277"/>
+              <a:ext cx="719" cy="580"/>
+            </a:xfrm>
+            <a:prstGeom prst="rect">
+              <a:avLst/>
+            </a:prstGeom>
+            <a:noFill/>
+          </p:spPr>
+          <p:txBody>
+            <a:bodyPr wrap="square" rtlCol="0">
+              <a:spAutoFit/>
+            </a:bodyPr>
+            <a:p>
+              <a:r>
+                <a:rPr lang="en-US" altLang="zh-CN"/>
+                <a:t>0</a:t>
+              </a:r>
+              <a:endParaRPr lang="en-US" altLang="zh-CN"/>
+            </a:p>
+          </p:txBody>
+        </p:sp>
+      </p:grpSp>
+      <p:grpSp>
+        <p:nvGrpSpPr>
+          <p:cNvPr id="34" name="组合 33"/>
+          <p:cNvGrpSpPr/>
+          <p:nvPr/>
+        </p:nvGrpSpPr>
+        <p:grpSpPr>
+          <a:xfrm>
+            <a:off x="6576695" y="2083435"/>
+            <a:ext cx="573405" cy="1369060"/>
+            <a:chOff x="2179" y="3277"/>
+            <a:chExt cx="903" cy="2156"/>
+          </a:xfrm>
+        </p:grpSpPr>
+        <p:sp>
+          <p:nvSpPr>
+            <p:cNvPr id="35" name="椭圆 34"/>
+            <p:cNvSpPr/>
+            <p:nvPr/>
+          </p:nvSpPr>
+          <p:spPr>
+            <a:xfrm>
+              <a:off x="2179" y="4599"/>
+              <a:ext cx="835" cy="835"/>
+            </a:xfrm>
+            <a:prstGeom prst="ellipse">
+              <a:avLst/>
+            </a:prstGeom>
+            <a:ln w="28575"/>
+          </p:spPr>
+          <p:style>
+            <a:lnRef idx="2">
+              <a:schemeClr val="accent1"/>
+            </a:lnRef>
+            <a:fillRef idx="1">
+              <a:schemeClr val="lt1"/>
+            </a:fillRef>
+            <a:effectRef idx="0">
+              <a:schemeClr val="accent1"/>
+            </a:effectRef>
+            <a:fontRef idx="minor">
+              <a:schemeClr val="dk1"/>
+            </a:fontRef>
+          </p:style>
+          <p:txBody>
+            <a:bodyPr rtlCol="0" anchor="ctr"/>
+            <a:p>
+              <a:pPr algn="ctr"/>
+              <a:r>
+                <a:rPr lang="en-US" altLang="zh-CN"/>
+                <a:t>7</a:t>
+              </a:r>
+              <a:endParaRPr lang="en-US" altLang="zh-CN"/>
+            </a:p>
+          </p:txBody>
+        </p:sp>
+        <p:cxnSp>
+          <p:nvCxnSpPr>
+            <p:cNvPr id="36" name="直接箭头连接符 35"/>
+            <p:cNvCxnSpPr/>
+            <p:nvPr/>
+          </p:nvCxnSpPr>
+          <p:spPr>
+            <a:xfrm flipH="1" flipV="1">
+              <a:off x="2596" y="3811"/>
+              <a:ext cx="1" cy="788"/>
+            </a:xfrm>
+            <a:prstGeom prst="straightConnector1">
+              <a:avLst/>
+            </a:prstGeom>
+            <a:ln w="28575">
+              <a:tailEnd type="arrow"/>
+            </a:ln>
+          </p:spPr>
+          <p:style>
+            <a:lnRef idx="1">
+              <a:schemeClr val="accent1"/>
+            </a:lnRef>
+            <a:fillRef idx="0">
+              <a:schemeClr val="accent1"/>
+            </a:fillRef>
+            <a:effectRef idx="0">
+              <a:schemeClr val="accent1"/>
+            </a:effectRef>
+            <a:fontRef idx="minor">
+              <a:schemeClr val="tx1"/>
+            </a:fontRef>
+          </p:style>
+        </p:cxnSp>
+        <p:sp>
+          <p:nvSpPr>
+            <p:cNvPr id="37" name="文本框 36"/>
+            <p:cNvSpPr txBox="1"/>
+            <p:nvPr/>
+          </p:nvSpPr>
+          <p:spPr>
+            <a:xfrm>
+              <a:off x="2364" y="3277"/>
+              <a:ext cx="719" cy="580"/>
+            </a:xfrm>
+            <a:prstGeom prst="rect">
+              <a:avLst/>
+            </a:prstGeom>
+            <a:noFill/>
+          </p:spPr>
+          <p:txBody>
+            <a:bodyPr wrap="square" rtlCol="0">
+              <a:spAutoFit/>
+            </a:bodyPr>
+            <a:p>
+              <a:r>
+                <a:rPr lang="en-US" altLang="zh-CN"/>
+                <a:t>0</a:t>
+              </a:r>
+              <a:endParaRPr lang="en-US" altLang="zh-CN"/>
+            </a:p>
+          </p:txBody>
+        </p:sp>
+      </p:grpSp>
+      <p:grpSp>
+        <p:nvGrpSpPr>
+          <p:cNvPr id="38" name="组合 37"/>
+          <p:cNvGrpSpPr/>
+          <p:nvPr/>
+        </p:nvGrpSpPr>
+        <p:grpSpPr>
+          <a:xfrm>
+            <a:off x="7489190" y="2084070"/>
+            <a:ext cx="573405" cy="1369060"/>
+            <a:chOff x="2179" y="3277"/>
+            <a:chExt cx="903" cy="2156"/>
+          </a:xfrm>
+        </p:grpSpPr>
+        <p:sp>
+          <p:nvSpPr>
+            <p:cNvPr id="39" name="椭圆 38"/>
+            <p:cNvSpPr/>
+            <p:nvPr/>
+          </p:nvSpPr>
+          <p:spPr>
+            <a:xfrm>
+              <a:off x="2179" y="4599"/>
+              <a:ext cx="835" cy="835"/>
+            </a:xfrm>
+            <a:prstGeom prst="ellipse">
+              <a:avLst/>
+            </a:prstGeom>
+            <a:ln w="28575"/>
+          </p:spPr>
+          <p:style>
+            <a:lnRef idx="2">
+              <a:schemeClr val="accent1"/>
+            </a:lnRef>
+            <a:fillRef idx="1">
+              <a:schemeClr val="lt1"/>
+            </a:fillRef>
+            <a:effectRef idx="0">
+              <a:schemeClr val="accent1"/>
+            </a:effectRef>
+            <a:fontRef idx="minor">
+              <a:schemeClr val="dk1"/>
+            </a:fontRef>
+          </p:style>
+          <p:txBody>
+            <a:bodyPr rtlCol="0" anchor="ctr"/>
+            <a:p>
+              <a:pPr algn="ctr"/>
+              <a:r>
+                <a:rPr lang="en-US" altLang="zh-CN"/>
+                <a:t>8</a:t>
+              </a:r>
+              <a:endParaRPr lang="en-US" altLang="zh-CN"/>
+            </a:p>
+          </p:txBody>
+        </p:sp>
+        <p:cxnSp>
+          <p:nvCxnSpPr>
+            <p:cNvPr id="40" name="直接箭头连接符 39"/>
+            <p:cNvCxnSpPr/>
+            <p:nvPr/>
+          </p:nvCxnSpPr>
+          <p:spPr>
+            <a:xfrm flipH="1" flipV="1">
+              <a:off x="2596" y="3811"/>
+              <a:ext cx="1" cy="788"/>
+            </a:xfrm>
+            <a:prstGeom prst="straightConnector1">
+              <a:avLst/>
+            </a:prstGeom>
+            <a:ln w="28575">
+              <a:tailEnd type="arrow"/>
+            </a:ln>
+          </p:spPr>
+          <p:style>
+            <a:lnRef idx="1">
+              <a:schemeClr val="accent1"/>
+            </a:lnRef>
+            <a:fillRef idx="0">
+              <a:schemeClr val="accent1"/>
+            </a:fillRef>
+            <a:effectRef idx="0">
+              <a:schemeClr val="accent1"/>
+            </a:effectRef>
+            <a:fontRef idx="minor">
+              <a:schemeClr val="tx1"/>
+            </a:fontRef>
+          </p:style>
+        </p:cxnSp>
+        <p:sp>
+          <p:nvSpPr>
+            <p:cNvPr id="41" name="文本框 40"/>
+            <p:cNvSpPr txBox="1"/>
+            <p:nvPr/>
+          </p:nvSpPr>
+          <p:spPr>
+            <a:xfrm>
+              <a:off x="2364" y="3277"/>
+              <a:ext cx="719" cy="580"/>
+            </a:xfrm>
+            <a:prstGeom prst="rect">
+              <a:avLst/>
+            </a:prstGeom>
+            <a:noFill/>
+          </p:spPr>
+          <p:txBody>
+            <a:bodyPr wrap="square" rtlCol="0">
+              <a:spAutoFit/>
+            </a:bodyPr>
+            <a:p>
+              <a:r>
+                <a:rPr lang="en-US" altLang="zh-CN"/>
+                <a:t>0</a:t>
+              </a:r>
+              <a:endParaRPr lang="en-US" altLang="zh-CN"/>
+            </a:p>
+          </p:txBody>
+        </p:sp>
+      </p:grpSp>
+      <p:sp>
+        <p:nvSpPr>
+          <p:cNvPr id="42" name="矩形 41"/>
+          <p:cNvSpPr/>
+          <p:nvPr/>
+        </p:nvSpPr>
+        <p:spPr>
+          <a:xfrm>
+            <a:off x="1339215" y="3818890"/>
+            <a:ext cx="6724650" cy="751840"/>
+          </a:xfrm>
+          <a:prstGeom prst="rect">
+            <a:avLst/>
+          </a:prstGeom>
+        </p:spPr>
+        <p:style>
+          <a:lnRef idx="2">
+            <a:schemeClr val="accent1"/>
+          </a:lnRef>
+          <a:fillRef idx="1">
+            <a:schemeClr val="lt1"/>
+          </a:fillRef>
+          <a:effectRef idx="0">
+            <a:schemeClr val="accent1"/>
+          </a:effectRef>
+          <a:fontRef idx="minor">
+            <a:schemeClr val="dk1"/>
+          </a:fontRef>
+        </p:style>
+        <p:txBody>
+          <a:bodyPr rtlCol="0" anchor="ctr"/>
+          <a:p>
+            <a:pPr algn="ctr"/>
+            <a:endParaRPr lang="zh-CN" altLang="en-US"/>
+          </a:p>
+        </p:txBody>
+      </p:sp>
+    </p:spTree>
+  </p:cSld>
+  <p:clrMapOvr>
+    <a:masterClrMapping/>
+  </p:clrMapOvr>
+</p:sld>
+</file>
+
 <file path=ppt/slides/slide4.xml><?xml version="1.0" encoding="utf-8"?>
 <p:sld xmlns:a="http://schemas.openxmlformats.org/drawingml/2006/main" xmlns:r="http://schemas.openxmlformats.org/officeDocument/2006/relationships" xmlns:p="http://schemas.openxmlformats.org/presentationml/2006/main">
   <p:cSld>

--- a/课件/课件素材.pptx
+++ b/课件/课件素材.pptx
@@ -42,6 +42,10 @@
     <p:sldId id="313" r:id="rId35"/>
     <p:sldId id="310" r:id="rId36"/>
     <p:sldId id="315" r:id="rId37"/>
+    <p:sldId id="316" r:id="rId38"/>
+    <p:sldId id="317" r:id="rId39"/>
+    <p:sldId id="319" r:id="rId40"/>
+    <p:sldId id="320" r:id="rId41"/>
   </p:sldIdLst>
   <p:sldSz cx="12192000" cy="6858000"/>
   <p:notesSz cx="6858000" cy="9144000"/>
@@ -45623,9 +45627,2164 @@
               <a:rPr lang="en-US" altLang="zh-CN"/>
               <a:t>Union/Find </a:t>
             </a:r>
+            <a:endParaRPr lang="zh-CN" altLang="en-US"/>
+          </a:p>
+        </p:txBody>
+      </p:sp>
+      <p:grpSp>
+        <p:nvGrpSpPr>
+          <p:cNvPr id="4" name="组合 3"/>
+          <p:cNvGrpSpPr/>
+          <p:nvPr/>
+        </p:nvGrpSpPr>
+        <p:grpSpPr>
+          <a:xfrm>
+            <a:off x="968375" y="1814195"/>
+            <a:ext cx="6663055" cy="1372235"/>
+            <a:chOff x="2203" y="3277"/>
+            <a:chExt cx="10493" cy="2161"/>
+          </a:xfrm>
+        </p:grpSpPr>
+        <p:grpSp>
+          <p:nvGrpSpPr>
+            <p:cNvPr id="13" name="组合 12"/>
+            <p:cNvGrpSpPr/>
+            <p:nvPr/>
+          </p:nvGrpSpPr>
+          <p:grpSpPr>
+            <a:xfrm>
+              <a:off x="2203" y="3277"/>
+              <a:ext cx="903" cy="2156"/>
+              <a:chOff x="2179" y="3277"/>
+              <a:chExt cx="903" cy="2156"/>
+            </a:xfrm>
+          </p:grpSpPr>
+          <p:sp>
+            <p:nvSpPr>
+              <p:cNvPr id="2" name="椭圆 1"/>
+              <p:cNvSpPr/>
+              <p:nvPr/>
+            </p:nvSpPr>
+            <p:spPr>
+              <a:xfrm>
+                <a:off x="2179" y="4599"/>
+                <a:ext cx="835" cy="835"/>
+              </a:xfrm>
+              <a:prstGeom prst="ellipse">
+                <a:avLst/>
+              </a:prstGeom>
+              <a:ln w="28575"/>
+            </p:spPr>
+            <p:style>
+              <a:lnRef idx="2">
+                <a:schemeClr val="accent1"/>
+              </a:lnRef>
+              <a:fillRef idx="1">
+                <a:schemeClr val="lt1"/>
+              </a:fillRef>
+              <a:effectRef idx="0">
+                <a:schemeClr val="accent1"/>
+              </a:effectRef>
+              <a:fontRef idx="minor">
+                <a:schemeClr val="dk1"/>
+              </a:fontRef>
+            </p:style>
+            <p:txBody>
+              <a:bodyPr rtlCol="0" anchor="ctr"/>
+              <a:p>
+                <a:pPr algn="ctr"/>
+                <a:r>
+                  <a:rPr lang="en-US" altLang="zh-CN"/>
+                  <a:t>1</a:t>
+                </a:r>
+                <a:endParaRPr lang="en-US" altLang="zh-CN"/>
+              </a:p>
+            </p:txBody>
+          </p:sp>
+          <p:cxnSp>
+            <p:nvCxnSpPr>
+              <p:cNvPr id="11" name="直接箭头连接符 10"/>
+              <p:cNvCxnSpPr/>
+              <p:nvPr/>
+            </p:nvCxnSpPr>
+            <p:spPr>
+              <a:xfrm flipH="1" flipV="1">
+                <a:off x="2596" y="3811"/>
+                <a:ext cx="1" cy="788"/>
+              </a:xfrm>
+              <a:prstGeom prst="straightConnector1">
+                <a:avLst/>
+              </a:prstGeom>
+              <a:ln w="28575">
+                <a:tailEnd type="arrow"/>
+              </a:ln>
+            </p:spPr>
+            <p:style>
+              <a:lnRef idx="1">
+                <a:schemeClr val="accent1"/>
+              </a:lnRef>
+              <a:fillRef idx="0">
+                <a:schemeClr val="accent1"/>
+              </a:fillRef>
+              <a:effectRef idx="0">
+                <a:schemeClr val="accent1"/>
+              </a:effectRef>
+              <a:fontRef idx="minor">
+                <a:schemeClr val="tx1"/>
+              </a:fontRef>
+            </p:style>
+          </p:cxnSp>
+          <p:sp>
+            <p:nvSpPr>
+              <p:cNvPr id="12" name="文本框 11"/>
+              <p:cNvSpPr txBox="1"/>
+              <p:nvPr/>
+            </p:nvSpPr>
+            <p:spPr>
+              <a:xfrm>
+                <a:off x="2364" y="3277"/>
+                <a:ext cx="719" cy="580"/>
+              </a:xfrm>
+              <a:prstGeom prst="rect">
+                <a:avLst/>
+              </a:prstGeom>
+              <a:noFill/>
+            </p:spPr>
+            <p:txBody>
+              <a:bodyPr wrap="square" rtlCol="0">
+                <a:spAutoFit/>
+              </a:bodyPr>
+              <a:p>
+                <a:r>
+                  <a:rPr lang="en-US" altLang="zh-CN"/>
+                  <a:t>0</a:t>
+                </a:r>
+                <a:endParaRPr lang="en-US" altLang="zh-CN"/>
+              </a:p>
+            </p:txBody>
+          </p:sp>
+        </p:grpSp>
+        <p:grpSp>
+          <p:nvGrpSpPr>
+            <p:cNvPr id="14" name="组合 13"/>
+            <p:cNvGrpSpPr/>
+            <p:nvPr/>
+          </p:nvGrpSpPr>
+          <p:grpSpPr>
+            <a:xfrm>
+              <a:off x="3470" y="3277"/>
+              <a:ext cx="903" cy="2156"/>
+              <a:chOff x="2179" y="3277"/>
+              <a:chExt cx="903" cy="2156"/>
+            </a:xfrm>
+          </p:grpSpPr>
+          <p:sp>
+            <p:nvSpPr>
+              <p:cNvPr id="15" name="椭圆 14"/>
+              <p:cNvSpPr/>
+              <p:nvPr/>
+            </p:nvSpPr>
+            <p:spPr>
+              <a:xfrm>
+                <a:off x="2179" y="4599"/>
+                <a:ext cx="835" cy="835"/>
+              </a:xfrm>
+              <a:prstGeom prst="ellipse">
+                <a:avLst/>
+              </a:prstGeom>
+              <a:ln w="28575"/>
+            </p:spPr>
+            <p:style>
+              <a:lnRef idx="2">
+                <a:schemeClr val="accent1"/>
+              </a:lnRef>
+              <a:fillRef idx="1">
+                <a:schemeClr val="lt1"/>
+              </a:fillRef>
+              <a:effectRef idx="0">
+                <a:schemeClr val="accent1"/>
+              </a:effectRef>
+              <a:fontRef idx="minor">
+                <a:schemeClr val="dk1"/>
+              </a:fontRef>
+            </p:style>
+            <p:txBody>
+              <a:bodyPr rtlCol="0" anchor="ctr"/>
+              <a:p>
+                <a:pPr algn="ctr"/>
+                <a:r>
+                  <a:rPr lang="en-US" altLang="zh-CN"/>
+                  <a:t>2</a:t>
+                </a:r>
+                <a:endParaRPr lang="en-US" altLang="zh-CN"/>
+              </a:p>
+            </p:txBody>
+          </p:sp>
+          <p:cxnSp>
+            <p:nvCxnSpPr>
+              <p:cNvPr id="16" name="直接箭头连接符 15"/>
+              <p:cNvCxnSpPr/>
+              <p:nvPr/>
+            </p:nvCxnSpPr>
+            <p:spPr>
+              <a:xfrm flipH="1" flipV="1">
+                <a:off x="2596" y="3811"/>
+                <a:ext cx="1" cy="788"/>
+              </a:xfrm>
+              <a:prstGeom prst="straightConnector1">
+                <a:avLst/>
+              </a:prstGeom>
+              <a:ln w="28575">
+                <a:tailEnd type="arrow"/>
+              </a:ln>
+            </p:spPr>
+            <p:style>
+              <a:lnRef idx="1">
+                <a:schemeClr val="accent1"/>
+              </a:lnRef>
+              <a:fillRef idx="0">
+                <a:schemeClr val="accent1"/>
+              </a:fillRef>
+              <a:effectRef idx="0">
+                <a:schemeClr val="accent1"/>
+              </a:effectRef>
+              <a:fontRef idx="minor">
+                <a:schemeClr val="tx1"/>
+              </a:fontRef>
+            </p:style>
+          </p:cxnSp>
+          <p:sp>
+            <p:nvSpPr>
+              <p:cNvPr id="17" name="文本框 16"/>
+              <p:cNvSpPr txBox="1"/>
+              <p:nvPr/>
+            </p:nvSpPr>
+            <p:spPr>
+              <a:xfrm>
+                <a:off x="2364" y="3277"/>
+                <a:ext cx="719" cy="580"/>
+              </a:xfrm>
+              <a:prstGeom prst="rect">
+                <a:avLst/>
+              </a:prstGeom>
+              <a:noFill/>
+            </p:spPr>
+            <p:txBody>
+              <a:bodyPr wrap="square" rtlCol="0">
+                <a:spAutoFit/>
+              </a:bodyPr>
+              <a:p>
+                <a:r>
+                  <a:rPr lang="en-US" altLang="zh-CN"/>
+                  <a:t>0</a:t>
+                </a:r>
+                <a:endParaRPr lang="en-US" altLang="zh-CN"/>
+              </a:p>
+            </p:txBody>
+          </p:sp>
+        </p:grpSp>
+        <p:grpSp>
+          <p:nvGrpSpPr>
+            <p:cNvPr id="18" name="组合 17"/>
+            <p:cNvGrpSpPr/>
+            <p:nvPr/>
+          </p:nvGrpSpPr>
+          <p:grpSpPr>
+            <a:xfrm>
+              <a:off x="4861" y="3277"/>
+              <a:ext cx="903" cy="2156"/>
+              <a:chOff x="2179" y="3277"/>
+              <a:chExt cx="903" cy="2156"/>
+            </a:xfrm>
+          </p:grpSpPr>
+          <p:sp>
+            <p:nvSpPr>
+              <p:cNvPr id="19" name="椭圆 18"/>
+              <p:cNvSpPr/>
+              <p:nvPr/>
+            </p:nvSpPr>
+            <p:spPr>
+              <a:xfrm>
+                <a:off x="2179" y="4599"/>
+                <a:ext cx="835" cy="835"/>
+              </a:xfrm>
+              <a:prstGeom prst="ellipse">
+                <a:avLst/>
+              </a:prstGeom>
+              <a:ln w="28575"/>
+            </p:spPr>
+            <p:style>
+              <a:lnRef idx="2">
+                <a:schemeClr val="accent1"/>
+              </a:lnRef>
+              <a:fillRef idx="1">
+                <a:schemeClr val="lt1"/>
+              </a:fillRef>
+              <a:effectRef idx="0">
+                <a:schemeClr val="accent1"/>
+              </a:effectRef>
+              <a:fontRef idx="minor">
+                <a:schemeClr val="dk1"/>
+              </a:fontRef>
+            </p:style>
+            <p:txBody>
+              <a:bodyPr rtlCol="0" anchor="ctr"/>
+              <a:p>
+                <a:pPr algn="ctr"/>
+                <a:r>
+                  <a:rPr lang="en-US" altLang="zh-CN"/>
+                  <a:t>3</a:t>
+                </a:r>
+                <a:endParaRPr lang="en-US" altLang="zh-CN"/>
+              </a:p>
+            </p:txBody>
+          </p:sp>
+          <p:cxnSp>
+            <p:nvCxnSpPr>
+              <p:cNvPr id="20" name="直接箭头连接符 19"/>
+              <p:cNvCxnSpPr/>
+              <p:nvPr/>
+            </p:nvCxnSpPr>
+            <p:spPr>
+              <a:xfrm flipH="1" flipV="1">
+                <a:off x="2596" y="3811"/>
+                <a:ext cx="1" cy="788"/>
+              </a:xfrm>
+              <a:prstGeom prst="straightConnector1">
+                <a:avLst/>
+              </a:prstGeom>
+              <a:ln w="28575">
+                <a:tailEnd type="arrow"/>
+              </a:ln>
+            </p:spPr>
+            <p:style>
+              <a:lnRef idx="1">
+                <a:schemeClr val="accent1"/>
+              </a:lnRef>
+              <a:fillRef idx="0">
+                <a:schemeClr val="accent1"/>
+              </a:fillRef>
+              <a:effectRef idx="0">
+                <a:schemeClr val="accent1"/>
+              </a:effectRef>
+              <a:fontRef idx="minor">
+                <a:schemeClr val="tx1"/>
+              </a:fontRef>
+            </p:style>
+          </p:cxnSp>
+          <p:sp>
+            <p:nvSpPr>
+              <p:cNvPr id="21" name="文本框 20"/>
+              <p:cNvSpPr txBox="1"/>
+              <p:nvPr/>
+            </p:nvSpPr>
+            <p:spPr>
+              <a:xfrm>
+                <a:off x="2364" y="3277"/>
+                <a:ext cx="719" cy="580"/>
+              </a:xfrm>
+              <a:prstGeom prst="rect">
+                <a:avLst/>
+              </a:prstGeom>
+              <a:noFill/>
+            </p:spPr>
+            <p:txBody>
+              <a:bodyPr wrap="square" rtlCol="0">
+                <a:spAutoFit/>
+              </a:bodyPr>
+              <a:p>
+                <a:r>
+                  <a:rPr lang="en-US" altLang="zh-CN"/>
+                  <a:t>0</a:t>
+                </a:r>
+                <a:endParaRPr lang="en-US" altLang="zh-CN"/>
+              </a:p>
+            </p:txBody>
+          </p:sp>
+        </p:grpSp>
+        <p:grpSp>
+          <p:nvGrpSpPr>
+            <p:cNvPr id="22" name="组合 21"/>
+            <p:cNvGrpSpPr/>
+            <p:nvPr/>
+          </p:nvGrpSpPr>
+          <p:grpSpPr>
+            <a:xfrm>
+              <a:off x="6159" y="3278"/>
+              <a:ext cx="903" cy="2156"/>
+              <a:chOff x="2179" y="3277"/>
+              <a:chExt cx="903" cy="2156"/>
+            </a:xfrm>
+          </p:grpSpPr>
+          <p:sp>
+            <p:nvSpPr>
+              <p:cNvPr id="23" name="椭圆 22"/>
+              <p:cNvSpPr/>
+              <p:nvPr/>
+            </p:nvSpPr>
+            <p:spPr>
+              <a:xfrm>
+                <a:off x="2179" y="4599"/>
+                <a:ext cx="835" cy="835"/>
+              </a:xfrm>
+              <a:prstGeom prst="ellipse">
+                <a:avLst/>
+              </a:prstGeom>
+              <a:ln w="28575"/>
+            </p:spPr>
+            <p:style>
+              <a:lnRef idx="2">
+                <a:schemeClr val="accent1"/>
+              </a:lnRef>
+              <a:fillRef idx="1">
+                <a:schemeClr val="lt1"/>
+              </a:fillRef>
+              <a:effectRef idx="0">
+                <a:schemeClr val="accent1"/>
+              </a:effectRef>
+              <a:fontRef idx="minor">
+                <a:schemeClr val="dk1"/>
+              </a:fontRef>
+            </p:style>
+            <p:txBody>
+              <a:bodyPr rtlCol="0" anchor="ctr"/>
+              <a:p>
+                <a:pPr algn="ctr"/>
+                <a:r>
+                  <a:rPr lang="en-US" altLang="zh-CN"/>
+                  <a:t>4</a:t>
+                </a:r>
+                <a:endParaRPr lang="en-US" altLang="zh-CN"/>
+              </a:p>
+            </p:txBody>
+          </p:sp>
+          <p:cxnSp>
+            <p:nvCxnSpPr>
+              <p:cNvPr id="24" name="直接箭头连接符 23"/>
+              <p:cNvCxnSpPr/>
+              <p:nvPr/>
+            </p:nvCxnSpPr>
+            <p:spPr>
+              <a:xfrm flipH="1" flipV="1">
+                <a:off x="2596" y="3811"/>
+                <a:ext cx="1" cy="788"/>
+              </a:xfrm>
+              <a:prstGeom prst="straightConnector1">
+                <a:avLst/>
+              </a:prstGeom>
+              <a:ln w="28575">
+                <a:tailEnd type="arrow"/>
+              </a:ln>
+            </p:spPr>
+            <p:style>
+              <a:lnRef idx="1">
+                <a:schemeClr val="accent1"/>
+              </a:lnRef>
+              <a:fillRef idx="0">
+                <a:schemeClr val="accent1"/>
+              </a:fillRef>
+              <a:effectRef idx="0">
+                <a:schemeClr val="accent1"/>
+              </a:effectRef>
+              <a:fontRef idx="minor">
+                <a:schemeClr val="tx1"/>
+              </a:fontRef>
+            </p:style>
+          </p:cxnSp>
+          <p:sp>
+            <p:nvSpPr>
+              <p:cNvPr id="25" name="文本框 24"/>
+              <p:cNvSpPr txBox="1"/>
+              <p:nvPr/>
+            </p:nvSpPr>
+            <p:spPr>
+              <a:xfrm>
+                <a:off x="2364" y="3277"/>
+                <a:ext cx="719" cy="580"/>
+              </a:xfrm>
+              <a:prstGeom prst="rect">
+                <a:avLst/>
+              </a:prstGeom>
+              <a:noFill/>
+            </p:spPr>
+            <p:txBody>
+              <a:bodyPr wrap="square" rtlCol="0">
+                <a:spAutoFit/>
+              </a:bodyPr>
+              <a:p>
+                <a:r>
+                  <a:rPr lang="en-US" altLang="zh-CN"/>
+                  <a:t>0</a:t>
+                </a:r>
+                <a:endParaRPr lang="en-US" altLang="zh-CN"/>
+              </a:p>
+            </p:txBody>
+          </p:sp>
+        </p:grpSp>
+        <p:grpSp>
+          <p:nvGrpSpPr>
+            <p:cNvPr id="26" name="组合 25"/>
+            <p:cNvGrpSpPr/>
+            <p:nvPr/>
+          </p:nvGrpSpPr>
+          <p:grpSpPr>
+            <a:xfrm>
+              <a:off x="7574" y="3279"/>
+              <a:ext cx="903" cy="2156"/>
+              <a:chOff x="2179" y="3277"/>
+              <a:chExt cx="903" cy="2156"/>
+            </a:xfrm>
+          </p:grpSpPr>
+          <p:sp>
+            <p:nvSpPr>
+              <p:cNvPr id="27" name="椭圆 26"/>
+              <p:cNvSpPr/>
+              <p:nvPr/>
+            </p:nvSpPr>
+            <p:spPr>
+              <a:xfrm>
+                <a:off x="2179" y="4599"/>
+                <a:ext cx="835" cy="835"/>
+              </a:xfrm>
+              <a:prstGeom prst="ellipse">
+                <a:avLst/>
+              </a:prstGeom>
+              <a:ln w="28575"/>
+            </p:spPr>
+            <p:style>
+              <a:lnRef idx="2">
+                <a:schemeClr val="accent1"/>
+              </a:lnRef>
+              <a:fillRef idx="1">
+                <a:schemeClr val="lt1"/>
+              </a:fillRef>
+              <a:effectRef idx="0">
+                <a:schemeClr val="accent1"/>
+              </a:effectRef>
+              <a:fontRef idx="minor">
+                <a:schemeClr val="dk1"/>
+              </a:fontRef>
+            </p:style>
+            <p:txBody>
+              <a:bodyPr rtlCol="0" anchor="ctr"/>
+              <a:p>
+                <a:pPr algn="ctr"/>
+                <a:r>
+                  <a:rPr lang="en-US" altLang="zh-CN"/>
+                  <a:t>5</a:t>
+                </a:r>
+                <a:endParaRPr lang="en-US" altLang="zh-CN"/>
+              </a:p>
+            </p:txBody>
+          </p:sp>
+          <p:cxnSp>
+            <p:nvCxnSpPr>
+              <p:cNvPr id="28" name="直接箭头连接符 27"/>
+              <p:cNvCxnSpPr/>
+              <p:nvPr/>
+            </p:nvCxnSpPr>
+            <p:spPr>
+              <a:xfrm flipH="1" flipV="1">
+                <a:off x="2596" y="3811"/>
+                <a:ext cx="1" cy="788"/>
+              </a:xfrm>
+              <a:prstGeom prst="straightConnector1">
+                <a:avLst/>
+              </a:prstGeom>
+              <a:ln w="28575">
+                <a:tailEnd type="arrow"/>
+              </a:ln>
+            </p:spPr>
+            <p:style>
+              <a:lnRef idx="1">
+                <a:schemeClr val="accent1"/>
+              </a:lnRef>
+              <a:fillRef idx="0">
+                <a:schemeClr val="accent1"/>
+              </a:fillRef>
+              <a:effectRef idx="0">
+                <a:schemeClr val="accent1"/>
+              </a:effectRef>
+              <a:fontRef idx="minor">
+                <a:schemeClr val="tx1"/>
+              </a:fontRef>
+            </p:style>
+          </p:cxnSp>
+          <p:sp>
+            <p:nvSpPr>
+              <p:cNvPr id="29" name="文本框 28"/>
+              <p:cNvSpPr txBox="1"/>
+              <p:nvPr/>
+            </p:nvSpPr>
+            <p:spPr>
+              <a:xfrm>
+                <a:off x="2364" y="3277"/>
+                <a:ext cx="719" cy="580"/>
+              </a:xfrm>
+              <a:prstGeom prst="rect">
+                <a:avLst/>
+              </a:prstGeom>
+              <a:noFill/>
+            </p:spPr>
+            <p:txBody>
+              <a:bodyPr wrap="square" rtlCol="0">
+                <a:spAutoFit/>
+              </a:bodyPr>
+              <a:p>
+                <a:r>
+                  <a:rPr lang="en-US" altLang="zh-CN"/>
+                  <a:t>0</a:t>
+                </a:r>
+                <a:endParaRPr lang="en-US" altLang="zh-CN"/>
+              </a:p>
+            </p:txBody>
+          </p:sp>
+        </p:grpSp>
+        <p:grpSp>
+          <p:nvGrpSpPr>
+            <p:cNvPr id="30" name="组合 29"/>
+            <p:cNvGrpSpPr/>
+            <p:nvPr/>
+          </p:nvGrpSpPr>
+          <p:grpSpPr>
+            <a:xfrm>
+              <a:off x="8966" y="3279"/>
+              <a:ext cx="903" cy="2156"/>
+              <a:chOff x="2179" y="3277"/>
+              <a:chExt cx="903" cy="2156"/>
+            </a:xfrm>
+          </p:grpSpPr>
+          <p:sp>
+            <p:nvSpPr>
+              <p:cNvPr id="31" name="椭圆 30"/>
+              <p:cNvSpPr/>
+              <p:nvPr/>
+            </p:nvSpPr>
+            <p:spPr>
+              <a:xfrm>
+                <a:off x="2179" y="4599"/>
+                <a:ext cx="835" cy="835"/>
+              </a:xfrm>
+              <a:prstGeom prst="ellipse">
+                <a:avLst/>
+              </a:prstGeom>
+              <a:ln w="28575"/>
+            </p:spPr>
+            <p:style>
+              <a:lnRef idx="2">
+                <a:schemeClr val="accent1"/>
+              </a:lnRef>
+              <a:fillRef idx="1">
+                <a:schemeClr val="lt1"/>
+              </a:fillRef>
+              <a:effectRef idx="0">
+                <a:schemeClr val="accent1"/>
+              </a:effectRef>
+              <a:fontRef idx="minor">
+                <a:schemeClr val="dk1"/>
+              </a:fontRef>
+            </p:style>
+            <p:txBody>
+              <a:bodyPr rtlCol="0" anchor="ctr"/>
+              <a:p>
+                <a:pPr algn="ctr"/>
+                <a:r>
+                  <a:rPr lang="en-US" altLang="zh-CN"/>
+                  <a:t>6</a:t>
+                </a:r>
+                <a:endParaRPr lang="en-US" altLang="zh-CN"/>
+              </a:p>
+            </p:txBody>
+          </p:sp>
+          <p:cxnSp>
+            <p:nvCxnSpPr>
+              <p:cNvPr id="32" name="直接箭头连接符 31"/>
+              <p:cNvCxnSpPr/>
+              <p:nvPr/>
+            </p:nvCxnSpPr>
+            <p:spPr>
+              <a:xfrm flipH="1" flipV="1">
+                <a:off x="2596" y="3811"/>
+                <a:ext cx="1" cy="788"/>
+              </a:xfrm>
+              <a:prstGeom prst="straightConnector1">
+                <a:avLst/>
+              </a:prstGeom>
+              <a:ln w="28575">
+                <a:tailEnd type="arrow"/>
+              </a:ln>
+            </p:spPr>
+            <p:style>
+              <a:lnRef idx="1">
+                <a:schemeClr val="accent1"/>
+              </a:lnRef>
+              <a:fillRef idx="0">
+                <a:schemeClr val="accent1"/>
+              </a:fillRef>
+              <a:effectRef idx="0">
+                <a:schemeClr val="accent1"/>
+              </a:effectRef>
+              <a:fontRef idx="minor">
+                <a:schemeClr val="tx1"/>
+              </a:fontRef>
+            </p:style>
+          </p:cxnSp>
+          <p:sp>
+            <p:nvSpPr>
+              <p:cNvPr id="33" name="文本框 32"/>
+              <p:cNvSpPr txBox="1"/>
+              <p:nvPr/>
+            </p:nvSpPr>
+            <p:spPr>
+              <a:xfrm>
+                <a:off x="2364" y="3277"/>
+                <a:ext cx="719" cy="580"/>
+              </a:xfrm>
+              <a:prstGeom prst="rect">
+                <a:avLst/>
+              </a:prstGeom>
+              <a:noFill/>
+            </p:spPr>
+            <p:txBody>
+              <a:bodyPr wrap="square" rtlCol="0">
+                <a:spAutoFit/>
+              </a:bodyPr>
+              <a:p>
+                <a:r>
+                  <a:rPr lang="en-US" altLang="zh-CN"/>
+                  <a:t>0</a:t>
+                </a:r>
+                <a:endParaRPr lang="en-US" altLang="zh-CN"/>
+              </a:p>
+            </p:txBody>
+          </p:sp>
+        </p:grpSp>
+        <p:grpSp>
+          <p:nvGrpSpPr>
+            <p:cNvPr id="34" name="组合 33"/>
+            <p:cNvGrpSpPr/>
+            <p:nvPr/>
+          </p:nvGrpSpPr>
+          <p:grpSpPr>
+            <a:xfrm>
+              <a:off x="10357" y="3281"/>
+              <a:ext cx="903" cy="2156"/>
+              <a:chOff x="2179" y="3277"/>
+              <a:chExt cx="903" cy="2156"/>
+            </a:xfrm>
+          </p:grpSpPr>
+          <p:sp>
+            <p:nvSpPr>
+              <p:cNvPr id="35" name="椭圆 34"/>
+              <p:cNvSpPr/>
+              <p:nvPr/>
+            </p:nvSpPr>
+            <p:spPr>
+              <a:xfrm>
+                <a:off x="2179" y="4599"/>
+                <a:ext cx="835" cy="835"/>
+              </a:xfrm>
+              <a:prstGeom prst="ellipse">
+                <a:avLst/>
+              </a:prstGeom>
+              <a:ln w="28575"/>
+            </p:spPr>
+            <p:style>
+              <a:lnRef idx="2">
+                <a:schemeClr val="accent1"/>
+              </a:lnRef>
+              <a:fillRef idx="1">
+                <a:schemeClr val="lt1"/>
+              </a:fillRef>
+              <a:effectRef idx="0">
+                <a:schemeClr val="accent1"/>
+              </a:effectRef>
+              <a:fontRef idx="minor">
+                <a:schemeClr val="dk1"/>
+              </a:fontRef>
+            </p:style>
+            <p:txBody>
+              <a:bodyPr rtlCol="0" anchor="ctr"/>
+              <a:p>
+                <a:pPr algn="ctr"/>
+                <a:r>
+                  <a:rPr lang="en-US" altLang="zh-CN"/>
+                  <a:t>7</a:t>
+                </a:r>
+                <a:endParaRPr lang="en-US" altLang="zh-CN"/>
+              </a:p>
+            </p:txBody>
+          </p:sp>
+          <p:cxnSp>
+            <p:nvCxnSpPr>
+              <p:cNvPr id="36" name="直接箭头连接符 35"/>
+              <p:cNvCxnSpPr/>
+              <p:nvPr/>
+            </p:nvCxnSpPr>
+            <p:spPr>
+              <a:xfrm flipH="1" flipV="1">
+                <a:off x="2596" y="3811"/>
+                <a:ext cx="1" cy="788"/>
+              </a:xfrm>
+              <a:prstGeom prst="straightConnector1">
+                <a:avLst/>
+              </a:prstGeom>
+              <a:ln w="28575">
+                <a:tailEnd type="arrow"/>
+              </a:ln>
+            </p:spPr>
+            <p:style>
+              <a:lnRef idx="1">
+                <a:schemeClr val="accent1"/>
+              </a:lnRef>
+              <a:fillRef idx="0">
+                <a:schemeClr val="accent1"/>
+              </a:fillRef>
+              <a:effectRef idx="0">
+                <a:schemeClr val="accent1"/>
+              </a:effectRef>
+              <a:fontRef idx="minor">
+                <a:schemeClr val="tx1"/>
+              </a:fontRef>
+            </p:style>
+          </p:cxnSp>
+          <p:sp>
+            <p:nvSpPr>
+              <p:cNvPr id="37" name="文本框 36"/>
+              <p:cNvSpPr txBox="1"/>
+              <p:nvPr/>
+            </p:nvSpPr>
+            <p:spPr>
+              <a:xfrm>
+                <a:off x="2364" y="3277"/>
+                <a:ext cx="719" cy="580"/>
+              </a:xfrm>
+              <a:prstGeom prst="rect">
+                <a:avLst/>
+              </a:prstGeom>
+              <a:noFill/>
+            </p:spPr>
+            <p:txBody>
+              <a:bodyPr wrap="square" rtlCol="0">
+                <a:spAutoFit/>
+              </a:bodyPr>
+              <a:p>
+                <a:r>
+                  <a:rPr lang="en-US" altLang="zh-CN"/>
+                  <a:t>0</a:t>
+                </a:r>
+                <a:endParaRPr lang="en-US" altLang="zh-CN"/>
+              </a:p>
+            </p:txBody>
+          </p:sp>
+        </p:grpSp>
+        <p:grpSp>
+          <p:nvGrpSpPr>
+            <p:cNvPr id="38" name="组合 37"/>
+            <p:cNvGrpSpPr/>
+            <p:nvPr/>
+          </p:nvGrpSpPr>
+          <p:grpSpPr>
+            <a:xfrm>
+              <a:off x="11794" y="3282"/>
+              <a:ext cx="903" cy="2156"/>
+              <a:chOff x="2179" y="3277"/>
+              <a:chExt cx="903" cy="2156"/>
+            </a:xfrm>
+          </p:grpSpPr>
+          <p:sp>
+            <p:nvSpPr>
+              <p:cNvPr id="39" name="椭圆 38"/>
+              <p:cNvSpPr/>
+              <p:nvPr/>
+            </p:nvSpPr>
+            <p:spPr>
+              <a:xfrm>
+                <a:off x="2179" y="4599"/>
+                <a:ext cx="835" cy="835"/>
+              </a:xfrm>
+              <a:prstGeom prst="ellipse">
+                <a:avLst/>
+              </a:prstGeom>
+              <a:ln w="28575"/>
+            </p:spPr>
+            <p:style>
+              <a:lnRef idx="2">
+                <a:schemeClr val="accent1"/>
+              </a:lnRef>
+              <a:fillRef idx="1">
+                <a:schemeClr val="lt1"/>
+              </a:fillRef>
+              <a:effectRef idx="0">
+                <a:schemeClr val="accent1"/>
+              </a:effectRef>
+              <a:fontRef idx="minor">
+                <a:schemeClr val="dk1"/>
+              </a:fontRef>
+            </p:style>
+            <p:txBody>
+              <a:bodyPr rtlCol="0" anchor="ctr"/>
+              <a:p>
+                <a:pPr algn="ctr"/>
+                <a:r>
+                  <a:rPr lang="en-US" altLang="zh-CN"/>
+                  <a:t>8</a:t>
+                </a:r>
+                <a:endParaRPr lang="en-US" altLang="zh-CN"/>
+              </a:p>
+            </p:txBody>
+          </p:sp>
+          <p:cxnSp>
+            <p:nvCxnSpPr>
+              <p:cNvPr id="40" name="直接箭头连接符 39"/>
+              <p:cNvCxnSpPr/>
+              <p:nvPr/>
+            </p:nvCxnSpPr>
+            <p:spPr>
+              <a:xfrm flipH="1" flipV="1">
+                <a:off x="2596" y="3811"/>
+                <a:ext cx="1" cy="788"/>
+              </a:xfrm>
+              <a:prstGeom prst="straightConnector1">
+                <a:avLst/>
+              </a:prstGeom>
+              <a:ln w="28575">
+                <a:tailEnd type="arrow"/>
+              </a:ln>
+            </p:spPr>
+            <p:style>
+              <a:lnRef idx="1">
+                <a:schemeClr val="accent1"/>
+              </a:lnRef>
+              <a:fillRef idx="0">
+                <a:schemeClr val="accent1"/>
+              </a:fillRef>
+              <a:effectRef idx="0">
+                <a:schemeClr val="accent1"/>
+              </a:effectRef>
+              <a:fontRef idx="minor">
+                <a:schemeClr val="tx1"/>
+              </a:fontRef>
+            </p:style>
+          </p:cxnSp>
+          <p:sp>
+            <p:nvSpPr>
+              <p:cNvPr id="41" name="文本框 40"/>
+              <p:cNvSpPr txBox="1"/>
+              <p:nvPr/>
+            </p:nvSpPr>
+            <p:spPr>
+              <a:xfrm>
+                <a:off x="2364" y="3277"/>
+                <a:ext cx="719" cy="580"/>
+              </a:xfrm>
+              <a:prstGeom prst="rect">
+                <a:avLst/>
+              </a:prstGeom>
+              <a:noFill/>
+            </p:spPr>
+            <p:txBody>
+              <a:bodyPr wrap="square" rtlCol="0">
+                <a:spAutoFit/>
+              </a:bodyPr>
+              <a:p>
+                <a:r>
+                  <a:rPr lang="en-US" altLang="zh-CN"/>
+                  <a:t>0</a:t>
+                </a:r>
+                <a:endParaRPr lang="en-US" altLang="zh-CN"/>
+              </a:p>
+            </p:txBody>
+          </p:sp>
+        </p:grpSp>
+      </p:grpSp>
+      <p:sp>
+        <p:nvSpPr>
+          <p:cNvPr id="5" name="文本框 4"/>
+          <p:cNvSpPr txBox="1"/>
+          <p:nvPr/>
+        </p:nvSpPr>
+        <p:spPr>
+          <a:xfrm>
+            <a:off x="8246745" y="2193290"/>
+            <a:ext cx="2840355" cy="1568450"/>
+          </a:xfrm>
+          <a:prstGeom prst="rect">
+            <a:avLst/>
+          </a:prstGeom>
+          <a:noFill/>
+        </p:spPr>
+        <p:txBody>
+          <a:bodyPr wrap="square" rtlCol="0">
+            <a:spAutoFit/>
+          </a:bodyPr>
+          <a:p>
             <a:r>
-              <a:rPr lang="zh-CN" altLang="en-US"/>
-              <a:t>并查集</a:t>
+              <a:rPr lang="zh-CN" altLang="en-US" sz="2400" b="1"/>
+              <a:t>初始化</a:t>
+            </a:r>
+            <a:r>
+              <a:rPr lang="en-US" altLang="zh-CN" sz="2400" b="1"/>
+              <a:t>(0</a:t>
+            </a:r>
+            <a:r>
+              <a:rPr lang="zh-CN" altLang="en-US" sz="2400" b="1"/>
+              <a:t>不使用</a:t>
+            </a:r>
+            <a:r>
+              <a:rPr lang="en-US" altLang="zh-CN" sz="2400" b="1"/>
+              <a:t>)</a:t>
+            </a:r>
+            <a:endParaRPr lang="en-US" altLang="zh-CN" sz="2400" b="1"/>
+          </a:p>
+          <a:p>
+            <a:r>
+              <a:rPr lang="en-US" altLang="zh-CN" sz="2400"/>
+              <a:t>find(1) = 1</a:t>
+            </a:r>
+            <a:br>
+              <a:rPr lang="en-US" altLang="zh-CN" sz="2400"/>
+            </a:br>
+            <a:r>
+              <a:rPr lang="en-US" altLang="zh-CN" sz="2400"/>
+              <a:t>...</a:t>
+            </a:r>
+            <a:endParaRPr lang="en-US" altLang="zh-CN" sz="2400"/>
+          </a:p>
+          <a:p>
+            <a:r>
+              <a:rPr lang="en-US" altLang="zh-CN" sz="2400"/>
+              <a:t>find(8) = 8</a:t>
+            </a:r>
+            <a:endParaRPr lang="en-US" altLang="zh-CN" sz="2400"/>
+          </a:p>
+        </p:txBody>
+      </p:sp>
+      <p:grpSp>
+        <p:nvGrpSpPr>
+          <p:cNvPr id="6" name="组合 5"/>
+          <p:cNvGrpSpPr/>
+          <p:nvPr/>
+        </p:nvGrpSpPr>
+        <p:grpSpPr>
+          <a:xfrm>
+            <a:off x="968375" y="3849370"/>
+            <a:ext cx="6663690" cy="2016760"/>
+            <a:chOff x="2203" y="3277"/>
+            <a:chExt cx="10494" cy="3176"/>
+          </a:xfrm>
+        </p:grpSpPr>
+        <p:grpSp>
+          <p:nvGrpSpPr>
+            <p:cNvPr id="7" name="组合 6"/>
+            <p:cNvGrpSpPr/>
+            <p:nvPr/>
+          </p:nvGrpSpPr>
+          <p:grpSpPr>
+            <a:xfrm>
+              <a:off x="2203" y="3277"/>
+              <a:ext cx="903" cy="2156"/>
+              <a:chOff x="2179" y="3277"/>
+              <a:chExt cx="903" cy="2156"/>
+            </a:xfrm>
+          </p:grpSpPr>
+          <p:sp>
+            <p:nvSpPr>
+              <p:cNvPr id="8" name="椭圆 7"/>
+              <p:cNvSpPr/>
+              <p:nvPr/>
+            </p:nvSpPr>
+            <p:spPr>
+              <a:xfrm>
+                <a:off x="2179" y="4599"/>
+                <a:ext cx="835" cy="835"/>
+              </a:xfrm>
+              <a:prstGeom prst="ellipse">
+                <a:avLst/>
+              </a:prstGeom>
+              <a:ln w="28575"/>
+            </p:spPr>
+            <p:style>
+              <a:lnRef idx="2">
+                <a:schemeClr val="accent1"/>
+              </a:lnRef>
+              <a:fillRef idx="1">
+                <a:schemeClr val="lt1"/>
+              </a:fillRef>
+              <a:effectRef idx="0">
+                <a:schemeClr val="accent1"/>
+              </a:effectRef>
+              <a:fontRef idx="minor">
+                <a:schemeClr val="dk1"/>
+              </a:fontRef>
+            </p:style>
+            <p:txBody>
+              <a:bodyPr rtlCol="0" anchor="ctr"/>
+              <a:p>
+                <a:pPr algn="ctr"/>
+                <a:r>
+                  <a:rPr lang="en-US" altLang="zh-CN"/>
+                  <a:t>1</a:t>
+                </a:r>
+                <a:endParaRPr lang="en-US" altLang="zh-CN"/>
+              </a:p>
+            </p:txBody>
+          </p:sp>
+          <p:cxnSp>
+            <p:nvCxnSpPr>
+              <p:cNvPr id="9" name="直接箭头连接符 8"/>
+              <p:cNvCxnSpPr/>
+              <p:nvPr/>
+            </p:nvCxnSpPr>
+            <p:spPr>
+              <a:xfrm flipH="1" flipV="1">
+                <a:off x="2596" y="3811"/>
+                <a:ext cx="1" cy="788"/>
+              </a:xfrm>
+              <a:prstGeom prst="straightConnector1">
+                <a:avLst/>
+              </a:prstGeom>
+              <a:ln w="28575">
+                <a:tailEnd type="arrow"/>
+              </a:ln>
+            </p:spPr>
+            <p:style>
+              <a:lnRef idx="1">
+                <a:schemeClr val="accent1"/>
+              </a:lnRef>
+              <a:fillRef idx="0">
+                <a:schemeClr val="accent1"/>
+              </a:fillRef>
+              <a:effectRef idx="0">
+                <a:schemeClr val="accent1"/>
+              </a:effectRef>
+              <a:fontRef idx="minor">
+                <a:schemeClr val="tx1"/>
+              </a:fontRef>
+            </p:style>
+          </p:cxnSp>
+          <p:sp>
+            <p:nvSpPr>
+              <p:cNvPr id="10" name="文本框 9"/>
+              <p:cNvSpPr txBox="1"/>
+              <p:nvPr/>
+            </p:nvSpPr>
+            <p:spPr>
+              <a:xfrm>
+                <a:off x="2364" y="3277"/>
+                <a:ext cx="719" cy="580"/>
+              </a:xfrm>
+              <a:prstGeom prst="rect">
+                <a:avLst/>
+              </a:prstGeom>
+              <a:noFill/>
+            </p:spPr>
+            <p:txBody>
+              <a:bodyPr wrap="square" rtlCol="0">
+                <a:spAutoFit/>
+              </a:bodyPr>
+              <a:p>
+                <a:r>
+                  <a:rPr lang="en-US" altLang="zh-CN"/>
+                  <a:t>0</a:t>
+                </a:r>
+                <a:endParaRPr lang="en-US" altLang="zh-CN"/>
+              </a:p>
+            </p:txBody>
+          </p:sp>
+        </p:grpSp>
+        <p:grpSp>
+          <p:nvGrpSpPr>
+            <p:cNvPr id="43" name="组合 42"/>
+            <p:cNvGrpSpPr/>
+            <p:nvPr/>
+          </p:nvGrpSpPr>
+          <p:grpSpPr>
+            <a:xfrm>
+              <a:off x="3470" y="3277"/>
+              <a:ext cx="903" cy="2156"/>
+              <a:chOff x="2179" y="3277"/>
+              <a:chExt cx="903" cy="2156"/>
+            </a:xfrm>
+          </p:grpSpPr>
+          <p:sp>
+            <p:nvSpPr>
+              <p:cNvPr id="44" name="椭圆 43"/>
+              <p:cNvSpPr/>
+              <p:nvPr/>
+            </p:nvSpPr>
+            <p:spPr>
+              <a:xfrm>
+                <a:off x="2179" y="4599"/>
+                <a:ext cx="835" cy="835"/>
+              </a:xfrm>
+              <a:prstGeom prst="ellipse">
+                <a:avLst/>
+              </a:prstGeom>
+              <a:ln w="28575"/>
+            </p:spPr>
+            <p:style>
+              <a:lnRef idx="2">
+                <a:schemeClr val="accent1"/>
+              </a:lnRef>
+              <a:fillRef idx="1">
+                <a:schemeClr val="lt1"/>
+              </a:fillRef>
+              <a:effectRef idx="0">
+                <a:schemeClr val="accent1"/>
+              </a:effectRef>
+              <a:fontRef idx="minor">
+                <a:schemeClr val="dk1"/>
+              </a:fontRef>
+            </p:style>
+            <p:txBody>
+              <a:bodyPr rtlCol="0" anchor="ctr"/>
+              <a:p>
+                <a:pPr algn="ctr"/>
+                <a:r>
+                  <a:rPr lang="en-US" altLang="zh-CN"/>
+                  <a:t>2</a:t>
+                </a:r>
+                <a:endParaRPr lang="en-US" altLang="zh-CN"/>
+              </a:p>
+            </p:txBody>
+          </p:sp>
+          <p:cxnSp>
+            <p:nvCxnSpPr>
+              <p:cNvPr id="45" name="直接箭头连接符 44"/>
+              <p:cNvCxnSpPr/>
+              <p:nvPr/>
+            </p:nvCxnSpPr>
+            <p:spPr>
+              <a:xfrm flipH="1" flipV="1">
+                <a:off x="2596" y="3811"/>
+                <a:ext cx="1" cy="788"/>
+              </a:xfrm>
+              <a:prstGeom prst="straightConnector1">
+                <a:avLst/>
+              </a:prstGeom>
+              <a:ln w="28575">
+                <a:tailEnd type="arrow"/>
+              </a:ln>
+            </p:spPr>
+            <p:style>
+              <a:lnRef idx="1">
+                <a:schemeClr val="accent1"/>
+              </a:lnRef>
+              <a:fillRef idx="0">
+                <a:schemeClr val="accent1"/>
+              </a:fillRef>
+              <a:effectRef idx="0">
+                <a:schemeClr val="accent1"/>
+              </a:effectRef>
+              <a:fontRef idx="minor">
+                <a:schemeClr val="tx1"/>
+              </a:fontRef>
+            </p:style>
+          </p:cxnSp>
+          <p:sp>
+            <p:nvSpPr>
+              <p:cNvPr id="46" name="文本框 45"/>
+              <p:cNvSpPr txBox="1"/>
+              <p:nvPr/>
+            </p:nvSpPr>
+            <p:spPr>
+              <a:xfrm>
+                <a:off x="2364" y="3277"/>
+                <a:ext cx="719" cy="580"/>
+              </a:xfrm>
+              <a:prstGeom prst="rect">
+                <a:avLst/>
+              </a:prstGeom>
+              <a:noFill/>
+            </p:spPr>
+            <p:txBody>
+              <a:bodyPr wrap="square" rtlCol="0">
+                <a:spAutoFit/>
+              </a:bodyPr>
+              <a:p>
+                <a:r>
+                  <a:rPr lang="en-US" altLang="zh-CN"/>
+                  <a:t>0</a:t>
+                </a:r>
+                <a:endParaRPr lang="en-US" altLang="zh-CN"/>
+              </a:p>
+            </p:txBody>
+          </p:sp>
+        </p:grpSp>
+        <p:grpSp>
+          <p:nvGrpSpPr>
+            <p:cNvPr id="47" name="组合 46"/>
+            <p:cNvGrpSpPr/>
+            <p:nvPr/>
+          </p:nvGrpSpPr>
+          <p:grpSpPr>
+            <a:xfrm>
+              <a:off x="4861" y="3277"/>
+              <a:ext cx="903" cy="2156"/>
+              <a:chOff x="2179" y="3277"/>
+              <a:chExt cx="903" cy="2156"/>
+            </a:xfrm>
+          </p:grpSpPr>
+          <p:sp>
+            <p:nvSpPr>
+              <p:cNvPr id="48" name="椭圆 47"/>
+              <p:cNvSpPr/>
+              <p:nvPr/>
+            </p:nvSpPr>
+            <p:spPr>
+              <a:xfrm>
+                <a:off x="2179" y="4599"/>
+                <a:ext cx="835" cy="835"/>
+              </a:xfrm>
+              <a:prstGeom prst="ellipse">
+                <a:avLst/>
+              </a:prstGeom>
+              <a:ln w="28575"/>
+            </p:spPr>
+            <p:style>
+              <a:lnRef idx="2">
+                <a:schemeClr val="accent1"/>
+              </a:lnRef>
+              <a:fillRef idx="1">
+                <a:schemeClr val="lt1"/>
+              </a:fillRef>
+              <a:effectRef idx="0">
+                <a:schemeClr val="accent1"/>
+              </a:effectRef>
+              <a:fontRef idx="minor">
+                <a:schemeClr val="dk1"/>
+              </a:fontRef>
+            </p:style>
+            <p:txBody>
+              <a:bodyPr rtlCol="0" anchor="ctr"/>
+              <a:p>
+                <a:pPr algn="ctr"/>
+                <a:r>
+                  <a:rPr lang="en-US" altLang="zh-CN"/>
+                  <a:t>3</a:t>
+                </a:r>
+                <a:endParaRPr lang="en-US" altLang="zh-CN"/>
+              </a:p>
+            </p:txBody>
+          </p:sp>
+          <p:cxnSp>
+            <p:nvCxnSpPr>
+              <p:cNvPr id="49" name="直接箭头连接符 48"/>
+              <p:cNvCxnSpPr/>
+              <p:nvPr/>
+            </p:nvCxnSpPr>
+            <p:spPr>
+              <a:xfrm flipH="1" flipV="1">
+                <a:off x="2596" y="3811"/>
+                <a:ext cx="1" cy="788"/>
+              </a:xfrm>
+              <a:prstGeom prst="straightConnector1">
+                <a:avLst/>
+              </a:prstGeom>
+              <a:ln w="28575">
+                <a:tailEnd type="arrow"/>
+              </a:ln>
+            </p:spPr>
+            <p:style>
+              <a:lnRef idx="1">
+                <a:schemeClr val="accent1"/>
+              </a:lnRef>
+              <a:fillRef idx="0">
+                <a:schemeClr val="accent1"/>
+              </a:fillRef>
+              <a:effectRef idx="0">
+                <a:schemeClr val="accent1"/>
+              </a:effectRef>
+              <a:fontRef idx="minor">
+                <a:schemeClr val="tx1"/>
+              </a:fontRef>
+            </p:style>
+          </p:cxnSp>
+          <p:sp>
+            <p:nvSpPr>
+              <p:cNvPr id="50" name="文本框 49"/>
+              <p:cNvSpPr txBox="1"/>
+              <p:nvPr/>
+            </p:nvSpPr>
+            <p:spPr>
+              <a:xfrm>
+                <a:off x="2364" y="3277"/>
+                <a:ext cx="719" cy="580"/>
+              </a:xfrm>
+              <a:prstGeom prst="rect">
+                <a:avLst/>
+              </a:prstGeom>
+              <a:noFill/>
+            </p:spPr>
+            <p:txBody>
+              <a:bodyPr wrap="square" rtlCol="0">
+                <a:spAutoFit/>
+              </a:bodyPr>
+              <a:p>
+                <a:r>
+                  <a:rPr lang="en-US" altLang="zh-CN"/>
+                  <a:t>0</a:t>
+                </a:r>
+                <a:endParaRPr lang="en-US" altLang="zh-CN"/>
+              </a:p>
+            </p:txBody>
+          </p:sp>
+        </p:grpSp>
+        <p:grpSp>
+          <p:nvGrpSpPr>
+            <p:cNvPr id="51" name="组合 50"/>
+            <p:cNvGrpSpPr/>
+            <p:nvPr/>
+          </p:nvGrpSpPr>
+          <p:grpSpPr>
+            <a:xfrm>
+              <a:off x="6159" y="3278"/>
+              <a:ext cx="903" cy="2156"/>
+              <a:chOff x="2179" y="3277"/>
+              <a:chExt cx="903" cy="2156"/>
+            </a:xfrm>
+          </p:grpSpPr>
+          <p:sp>
+            <p:nvSpPr>
+              <p:cNvPr id="52" name="椭圆 51"/>
+              <p:cNvSpPr/>
+              <p:nvPr/>
+            </p:nvSpPr>
+            <p:spPr>
+              <a:xfrm>
+                <a:off x="2179" y="4599"/>
+                <a:ext cx="835" cy="835"/>
+              </a:xfrm>
+              <a:prstGeom prst="ellipse">
+                <a:avLst/>
+              </a:prstGeom>
+              <a:ln w="28575"/>
+            </p:spPr>
+            <p:style>
+              <a:lnRef idx="2">
+                <a:schemeClr val="accent1"/>
+              </a:lnRef>
+              <a:fillRef idx="1">
+                <a:schemeClr val="lt1"/>
+              </a:fillRef>
+              <a:effectRef idx="0">
+                <a:schemeClr val="accent1"/>
+              </a:effectRef>
+              <a:fontRef idx="minor">
+                <a:schemeClr val="dk1"/>
+              </a:fontRef>
+            </p:style>
+            <p:txBody>
+              <a:bodyPr rtlCol="0" anchor="ctr"/>
+              <a:p>
+                <a:pPr algn="ctr"/>
+                <a:r>
+                  <a:rPr lang="en-US" altLang="zh-CN"/>
+                  <a:t>4</a:t>
+                </a:r>
+                <a:endParaRPr lang="en-US" altLang="zh-CN"/>
+              </a:p>
+            </p:txBody>
+          </p:sp>
+          <p:cxnSp>
+            <p:nvCxnSpPr>
+              <p:cNvPr id="53" name="直接箭头连接符 52"/>
+              <p:cNvCxnSpPr/>
+              <p:nvPr/>
+            </p:nvCxnSpPr>
+            <p:spPr>
+              <a:xfrm flipH="1" flipV="1">
+                <a:off x="2596" y="3811"/>
+                <a:ext cx="1" cy="788"/>
+              </a:xfrm>
+              <a:prstGeom prst="straightConnector1">
+                <a:avLst/>
+              </a:prstGeom>
+              <a:ln w="28575">
+                <a:tailEnd type="arrow"/>
+              </a:ln>
+            </p:spPr>
+            <p:style>
+              <a:lnRef idx="1">
+                <a:schemeClr val="accent1"/>
+              </a:lnRef>
+              <a:fillRef idx="0">
+                <a:schemeClr val="accent1"/>
+              </a:fillRef>
+              <a:effectRef idx="0">
+                <a:schemeClr val="accent1"/>
+              </a:effectRef>
+              <a:fontRef idx="minor">
+                <a:schemeClr val="tx1"/>
+              </a:fontRef>
+            </p:style>
+          </p:cxnSp>
+          <p:sp>
+            <p:nvSpPr>
+              <p:cNvPr id="54" name="文本框 53"/>
+              <p:cNvSpPr txBox="1"/>
+              <p:nvPr/>
+            </p:nvSpPr>
+            <p:spPr>
+              <a:xfrm>
+                <a:off x="2364" y="3277"/>
+                <a:ext cx="719" cy="580"/>
+              </a:xfrm>
+              <a:prstGeom prst="rect">
+                <a:avLst/>
+              </a:prstGeom>
+              <a:noFill/>
+            </p:spPr>
+            <p:txBody>
+              <a:bodyPr wrap="square" rtlCol="0">
+                <a:spAutoFit/>
+              </a:bodyPr>
+              <a:p>
+                <a:r>
+                  <a:rPr lang="en-US" altLang="zh-CN"/>
+                  <a:t>0</a:t>
+                </a:r>
+                <a:endParaRPr lang="en-US" altLang="zh-CN"/>
+              </a:p>
+            </p:txBody>
+          </p:sp>
+        </p:grpSp>
+        <p:grpSp>
+          <p:nvGrpSpPr>
+            <p:cNvPr id="55" name="组合 54"/>
+            <p:cNvGrpSpPr/>
+            <p:nvPr/>
+          </p:nvGrpSpPr>
+          <p:grpSpPr>
+            <a:xfrm>
+              <a:off x="7574" y="3279"/>
+              <a:ext cx="903" cy="2156"/>
+              <a:chOff x="2179" y="3277"/>
+              <a:chExt cx="903" cy="2156"/>
+            </a:xfrm>
+          </p:grpSpPr>
+          <p:sp>
+            <p:nvSpPr>
+              <p:cNvPr id="56" name="椭圆 55"/>
+              <p:cNvSpPr/>
+              <p:nvPr/>
+            </p:nvSpPr>
+            <p:spPr>
+              <a:xfrm>
+                <a:off x="2179" y="4599"/>
+                <a:ext cx="835" cy="835"/>
+              </a:xfrm>
+              <a:prstGeom prst="ellipse">
+                <a:avLst/>
+              </a:prstGeom>
+              <a:ln w="28575"/>
+            </p:spPr>
+            <p:style>
+              <a:lnRef idx="2">
+                <a:schemeClr val="accent1"/>
+              </a:lnRef>
+              <a:fillRef idx="1">
+                <a:schemeClr val="lt1"/>
+              </a:fillRef>
+              <a:effectRef idx="0">
+                <a:schemeClr val="accent1"/>
+              </a:effectRef>
+              <a:fontRef idx="minor">
+                <a:schemeClr val="dk1"/>
+              </a:fontRef>
+            </p:style>
+            <p:txBody>
+              <a:bodyPr rtlCol="0" anchor="ctr"/>
+              <a:p>
+                <a:pPr algn="ctr"/>
+                <a:r>
+                  <a:rPr lang="en-US" altLang="zh-CN"/>
+                  <a:t>5</a:t>
+                </a:r>
+                <a:endParaRPr lang="en-US" altLang="zh-CN"/>
+              </a:p>
+            </p:txBody>
+          </p:sp>
+          <p:cxnSp>
+            <p:nvCxnSpPr>
+              <p:cNvPr id="57" name="直接箭头连接符 56"/>
+              <p:cNvCxnSpPr/>
+              <p:nvPr/>
+            </p:nvCxnSpPr>
+            <p:spPr>
+              <a:xfrm flipH="1" flipV="1">
+                <a:off x="2596" y="3811"/>
+                <a:ext cx="1" cy="788"/>
+              </a:xfrm>
+              <a:prstGeom prst="straightConnector1">
+                <a:avLst/>
+              </a:prstGeom>
+              <a:ln w="28575">
+                <a:tailEnd type="arrow"/>
+              </a:ln>
+            </p:spPr>
+            <p:style>
+              <a:lnRef idx="1">
+                <a:schemeClr val="accent1"/>
+              </a:lnRef>
+              <a:fillRef idx="0">
+                <a:schemeClr val="accent1"/>
+              </a:fillRef>
+              <a:effectRef idx="0">
+                <a:schemeClr val="accent1"/>
+              </a:effectRef>
+              <a:fontRef idx="minor">
+                <a:schemeClr val="tx1"/>
+              </a:fontRef>
+            </p:style>
+          </p:cxnSp>
+          <p:sp>
+            <p:nvSpPr>
+              <p:cNvPr id="58" name="文本框 57"/>
+              <p:cNvSpPr txBox="1"/>
+              <p:nvPr/>
+            </p:nvSpPr>
+            <p:spPr>
+              <a:xfrm>
+                <a:off x="2364" y="3277"/>
+                <a:ext cx="719" cy="580"/>
+              </a:xfrm>
+              <a:prstGeom prst="rect">
+                <a:avLst/>
+              </a:prstGeom>
+              <a:noFill/>
+            </p:spPr>
+            <p:txBody>
+              <a:bodyPr wrap="square" rtlCol="0">
+                <a:spAutoFit/>
+              </a:bodyPr>
+              <a:p>
+                <a:r>
+                  <a:rPr lang="en-US" altLang="zh-CN"/>
+                  <a:t>0</a:t>
+                </a:r>
+                <a:endParaRPr lang="en-US" altLang="zh-CN"/>
+              </a:p>
+            </p:txBody>
+          </p:sp>
+        </p:grpSp>
+        <p:grpSp>
+          <p:nvGrpSpPr>
+            <p:cNvPr id="59" name="组合 58"/>
+            <p:cNvGrpSpPr/>
+            <p:nvPr/>
+          </p:nvGrpSpPr>
+          <p:grpSpPr>
+            <a:xfrm>
+              <a:off x="8155" y="5038"/>
+              <a:ext cx="1546" cy="1415"/>
+              <a:chOff x="1368" y="5036"/>
+              <a:chExt cx="1546" cy="1415"/>
+            </a:xfrm>
+          </p:grpSpPr>
+          <p:sp>
+            <p:nvSpPr>
+              <p:cNvPr id="60" name="椭圆 59"/>
+              <p:cNvSpPr/>
+              <p:nvPr/>
+            </p:nvSpPr>
+            <p:spPr>
+              <a:xfrm>
+                <a:off x="2079" y="5616"/>
+                <a:ext cx="835" cy="835"/>
+              </a:xfrm>
+              <a:prstGeom prst="ellipse">
+                <a:avLst/>
+              </a:prstGeom>
+              <a:ln w="28575"/>
+            </p:spPr>
+            <p:style>
+              <a:lnRef idx="2">
+                <a:schemeClr val="accent1"/>
+              </a:lnRef>
+              <a:fillRef idx="1">
+                <a:schemeClr val="lt1"/>
+              </a:fillRef>
+              <a:effectRef idx="0">
+                <a:schemeClr val="accent1"/>
+              </a:effectRef>
+              <a:fontRef idx="minor">
+                <a:schemeClr val="dk1"/>
+              </a:fontRef>
+            </p:style>
+            <p:txBody>
+              <a:bodyPr rtlCol="0" anchor="ctr"/>
+              <a:p>
+                <a:pPr algn="ctr"/>
+                <a:r>
+                  <a:rPr lang="en-US" altLang="zh-CN"/>
+                  <a:t>6</a:t>
+                </a:r>
+                <a:endParaRPr lang="en-US" altLang="zh-CN"/>
+              </a:p>
+            </p:txBody>
+          </p:sp>
+          <p:cxnSp>
+            <p:nvCxnSpPr>
+              <p:cNvPr id="61" name="直接箭头连接符 60"/>
+              <p:cNvCxnSpPr>
+                <a:stCxn id="60" idx="1"/>
+                <a:endCxn id="56" idx="5"/>
+              </p:cNvCxnSpPr>
+              <p:nvPr/>
+            </p:nvCxnSpPr>
+            <p:spPr>
+              <a:xfrm flipH="1" flipV="1">
+                <a:off x="1368" y="5312"/>
+                <a:ext cx="760" cy="426"/>
+              </a:xfrm>
+              <a:prstGeom prst="straightConnector1">
+                <a:avLst/>
+              </a:prstGeom>
+              <a:ln w="28575">
+                <a:tailEnd type="arrow"/>
+              </a:ln>
+            </p:spPr>
+            <p:style>
+              <a:lnRef idx="1">
+                <a:schemeClr val="accent1"/>
+              </a:lnRef>
+              <a:fillRef idx="0">
+                <a:schemeClr val="accent1"/>
+              </a:fillRef>
+              <a:effectRef idx="0">
+                <a:schemeClr val="accent1"/>
+              </a:effectRef>
+              <a:fontRef idx="minor">
+                <a:schemeClr val="tx1"/>
+              </a:fontRef>
+            </p:style>
+          </p:cxnSp>
+          <p:sp>
+            <p:nvSpPr>
+              <p:cNvPr id="62" name="文本框 61"/>
+              <p:cNvSpPr txBox="1"/>
+              <p:nvPr/>
+            </p:nvSpPr>
+            <p:spPr>
+              <a:xfrm>
+                <a:off x="2195" y="5036"/>
+                <a:ext cx="719" cy="580"/>
+              </a:xfrm>
+              <a:prstGeom prst="rect">
+                <a:avLst/>
+              </a:prstGeom>
+              <a:noFill/>
+            </p:spPr>
+            <p:txBody>
+              <a:bodyPr wrap="square" rtlCol="0">
+                <a:spAutoFit/>
+              </a:bodyPr>
+              <a:p>
+                <a:r>
+                  <a:rPr lang="en-US" altLang="zh-CN"/>
+                  <a:t>5</a:t>
+                </a:r>
+                <a:endParaRPr lang="en-US" altLang="zh-CN"/>
+              </a:p>
+            </p:txBody>
+          </p:sp>
+        </p:grpSp>
+        <p:grpSp>
+          <p:nvGrpSpPr>
+            <p:cNvPr id="63" name="组合 62"/>
+            <p:cNvGrpSpPr/>
+            <p:nvPr/>
+          </p:nvGrpSpPr>
+          <p:grpSpPr>
+            <a:xfrm>
+              <a:off x="10357" y="3281"/>
+              <a:ext cx="903" cy="2156"/>
+              <a:chOff x="2179" y="3277"/>
+              <a:chExt cx="903" cy="2156"/>
+            </a:xfrm>
+          </p:grpSpPr>
+          <p:sp>
+            <p:nvSpPr>
+              <p:cNvPr id="64" name="椭圆 63"/>
+              <p:cNvSpPr/>
+              <p:nvPr/>
+            </p:nvSpPr>
+            <p:spPr>
+              <a:xfrm>
+                <a:off x="2179" y="4599"/>
+                <a:ext cx="835" cy="835"/>
+              </a:xfrm>
+              <a:prstGeom prst="ellipse">
+                <a:avLst/>
+              </a:prstGeom>
+              <a:ln w="28575"/>
+            </p:spPr>
+            <p:style>
+              <a:lnRef idx="2">
+                <a:schemeClr val="accent1"/>
+              </a:lnRef>
+              <a:fillRef idx="1">
+                <a:schemeClr val="lt1"/>
+              </a:fillRef>
+              <a:effectRef idx="0">
+                <a:schemeClr val="accent1"/>
+              </a:effectRef>
+              <a:fontRef idx="minor">
+                <a:schemeClr val="dk1"/>
+              </a:fontRef>
+            </p:style>
+            <p:txBody>
+              <a:bodyPr rtlCol="0" anchor="ctr"/>
+              <a:p>
+                <a:pPr algn="ctr"/>
+                <a:r>
+                  <a:rPr lang="en-US" altLang="zh-CN"/>
+                  <a:t>7</a:t>
+                </a:r>
+                <a:endParaRPr lang="en-US" altLang="zh-CN"/>
+              </a:p>
+            </p:txBody>
+          </p:sp>
+          <p:cxnSp>
+            <p:nvCxnSpPr>
+              <p:cNvPr id="65" name="直接箭头连接符 64"/>
+              <p:cNvCxnSpPr/>
+              <p:nvPr/>
+            </p:nvCxnSpPr>
+            <p:spPr>
+              <a:xfrm flipH="1" flipV="1">
+                <a:off x="2596" y="3811"/>
+                <a:ext cx="1" cy="788"/>
+              </a:xfrm>
+              <a:prstGeom prst="straightConnector1">
+                <a:avLst/>
+              </a:prstGeom>
+              <a:ln w="28575">
+                <a:tailEnd type="arrow"/>
+              </a:ln>
+            </p:spPr>
+            <p:style>
+              <a:lnRef idx="1">
+                <a:schemeClr val="accent1"/>
+              </a:lnRef>
+              <a:fillRef idx="0">
+                <a:schemeClr val="accent1"/>
+              </a:fillRef>
+              <a:effectRef idx="0">
+                <a:schemeClr val="accent1"/>
+              </a:effectRef>
+              <a:fontRef idx="minor">
+                <a:schemeClr val="tx1"/>
+              </a:fontRef>
+            </p:style>
+          </p:cxnSp>
+          <p:sp>
+            <p:nvSpPr>
+              <p:cNvPr id="66" name="文本框 65"/>
+              <p:cNvSpPr txBox="1"/>
+              <p:nvPr/>
+            </p:nvSpPr>
+            <p:spPr>
+              <a:xfrm>
+                <a:off x="2364" y="3277"/>
+                <a:ext cx="719" cy="580"/>
+              </a:xfrm>
+              <a:prstGeom prst="rect">
+                <a:avLst/>
+              </a:prstGeom>
+              <a:noFill/>
+            </p:spPr>
+            <p:txBody>
+              <a:bodyPr wrap="square" rtlCol="0">
+                <a:spAutoFit/>
+              </a:bodyPr>
+              <a:p>
+                <a:r>
+                  <a:rPr lang="en-US" altLang="zh-CN"/>
+                  <a:t>0</a:t>
+                </a:r>
+                <a:endParaRPr lang="en-US" altLang="zh-CN"/>
+              </a:p>
+            </p:txBody>
+          </p:sp>
+        </p:grpSp>
+        <p:grpSp>
+          <p:nvGrpSpPr>
+            <p:cNvPr id="67" name="组合 66"/>
+            <p:cNvGrpSpPr/>
+            <p:nvPr/>
+          </p:nvGrpSpPr>
+          <p:grpSpPr>
+            <a:xfrm>
+              <a:off x="11794" y="3282"/>
+              <a:ext cx="903" cy="2156"/>
+              <a:chOff x="2179" y="3277"/>
+              <a:chExt cx="903" cy="2156"/>
+            </a:xfrm>
+          </p:grpSpPr>
+          <p:sp>
+            <p:nvSpPr>
+              <p:cNvPr id="68" name="椭圆 67"/>
+              <p:cNvSpPr/>
+              <p:nvPr/>
+            </p:nvSpPr>
+            <p:spPr>
+              <a:xfrm>
+                <a:off x="2179" y="4599"/>
+                <a:ext cx="835" cy="835"/>
+              </a:xfrm>
+              <a:prstGeom prst="ellipse">
+                <a:avLst/>
+              </a:prstGeom>
+              <a:ln w="28575"/>
+            </p:spPr>
+            <p:style>
+              <a:lnRef idx="2">
+                <a:schemeClr val="accent1"/>
+              </a:lnRef>
+              <a:fillRef idx="1">
+                <a:schemeClr val="lt1"/>
+              </a:fillRef>
+              <a:effectRef idx="0">
+                <a:schemeClr val="accent1"/>
+              </a:effectRef>
+              <a:fontRef idx="minor">
+                <a:schemeClr val="dk1"/>
+              </a:fontRef>
+            </p:style>
+            <p:txBody>
+              <a:bodyPr rtlCol="0" anchor="ctr"/>
+              <a:p>
+                <a:pPr algn="ctr"/>
+                <a:r>
+                  <a:rPr lang="en-US" altLang="zh-CN"/>
+                  <a:t>8</a:t>
+                </a:r>
+                <a:endParaRPr lang="en-US" altLang="zh-CN"/>
+              </a:p>
+            </p:txBody>
+          </p:sp>
+          <p:cxnSp>
+            <p:nvCxnSpPr>
+              <p:cNvPr id="69" name="直接箭头连接符 68"/>
+              <p:cNvCxnSpPr/>
+              <p:nvPr/>
+            </p:nvCxnSpPr>
+            <p:spPr>
+              <a:xfrm flipH="1" flipV="1">
+                <a:off x="2596" y="3811"/>
+                <a:ext cx="1" cy="788"/>
+              </a:xfrm>
+              <a:prstGeom prst="straightConnector1">
+                <a:avLst/>
+              </a:prstGeom>
+              <a:ln w="28575">
+                <a:tailEnd type="arrow"/>
+              </a:ln>
+            </p:spPr>
+            <p:style>
+              <a:lnRef idx="1">
+                <a:schemeClr val="accent1"/>
+              </a:lnRef>
+              <a:fillRef idx="0">
+                <a:schemeClr val="accent1"/>
+              </a:fillRef>
+              <a:effectRef idx="0">
+                <a:schemeClr val="accent1"/>
+              </a:effectRef>
+              <a:fontRef idx="minor">
+                <a:schemeClr val="tx1"/>
+              </a:fontRef>
+            </p:style>
+          </p:cxnSp>
+          <p:sp>
+            <p:nvSpPr>
+              <p:cNvPr id="70" name="文本框 69"/>
+              <p:cNvSpPr txBox="1"/>
+              <p:nvPr/>
+            </p:nvSpPr>
+            <p:spPr>
+              <a:xfrm>
+                <a:off x="2364" y="3277"/>
+                <a:ext cx="719" cy="580"/>
+              </a:xfrm>
+              <a:prstGeom prst="rect">
+                <a:avLst/>
+              </a:prstGeom>
+              <a:noFill/>
+            </p:spPr>
+            <p:txBody>
+              <a:bodyPr wrap="square" rtlCol="0">
+                <a:spAutoFit/>
+              </a:bodyPr>
+              <a:p>
+                <a:r>
+                  <a:rPr lang="en-US" altLang="zh-CN"/>
+                  <a:t>0</a:t>
+                </a:r>
+                <a:endParaRPr lang="en-US" altLang="zh-CN"/>
+              </a:p>
+            </p:txBody>
+          </p:sp>
+        </p:grpSp>
+      </p:grpSp>
+      <p:sp>
+        <p:nvSpPr>
+          <p:cNvPr id="71" name="文本框 70"/>
+          <p:cNvSpPr txBox="1"/>
+          <p:nvPr/>
+        </p:nvSpPr>
+        <p:spPr>
+          <a:xfrm>
+            <a:off x="8246745" y="4507230"/>
+            <a:ext cx="2840355" cy="1198880"/>
+          </a:xfrm>
+          <a:prstGeom prst="rect">
+            <a:avLst/>
+          </a:prstGeom>
+          <a:noFill/>
+        </p:spPr>
+        <p:txBody>
+          <a:bodyPr wrap="square" rtlCol="0">
+            <a:spAutoFit/>
+          </a:bodyPr>
+          <a:p>
+            <a:r>
+              <a:rPr lang="en-US" altLang="zh-CN" sz="2400" b="1"/>
+              <a:t>Union(S,5,6)</a:t>
+            </a:r>
+            <a:r>
+              <a:rPr lang="en-US" altLang="zh-CN" sz="2400" b="1">
+                <a:sym typeface="+mn-ea"/>
+              </a:rPr>
+              <a:t>-&gt;</a:t>
+            </a:r>
+            <a:br>
+              <a:rPr lang="en-US" altLang="zh-CN" sz="2400" b="1"/>
+            </a:br>
+            <a:r>
+              <a:rPr lang="en-US" altLang="zh-CN" sz="2400"/>
+              <a:t>find(5) = 5</a:t>
+            </a:r>
+            <a:r>
+              <a:rPr lang="en-US" altLang="zh-CN" sz="2400">
+                <a:solidFill>
+                  <a:srgbClr val="FF0000"/>
+                </a:solidFill>
+                <a:sym typeface="+mn-ea"/>
+              </a:rPr>
+              <a:t>(</a:t>
+            </a:r>
+            <a:r>
+              <a:rPr lang="zh-CN" altLang="en-US" sz="2400">
+                <a:solidFill>
+                  <a:srgbClr val="FF0000"/>
+                </a:solidFill>
+                <a:sym typeface="+mn-ea"/>
+              </a:rPr>
+              <a:t>不等于</a:t>
+            </a:r>
+            <a:r>
+              <a:rPr lang="en-US" altLang="zh-CN" sz="2400">
+                <a:solidFill>
+                  <a:srgbClr val="FF0000"/>
+                </a:solidFill>
+                <a:sym typeface="+mn-ea"/>
+              </a:rPr>
+              <a:t>0)</a:t>
+            </a:r>
+            <a:br>
+              <a:rPr lang="en-US" altLang="zh-CN" sz="2400"/>
+            </a:br>
+            <a:r>
+              <a:rPr lang="en-US" altLang="zh-CN" sz="2400"/>
+              <a:t>find(6) = 5</a:t>
+            </a:r>
+            <a:endParaRPr lang="en-US" altLang="zh-CN" sz="2400"/>
+          </a:p>
+        </p:txBody>
+      </p:sp>
+      <p:sp>
+        <p:nvSpPr>
+          <p:cNvPr id="72" name="椭圆 71"/>
+          <p:cNvSpPr/>
+          <p:nvPr/>
+        </p:nvSpPr>
+        <p:spPr>
+          <a:xfrm>
+            <a:off x="217170" y="2653665"/>
+            <a:ext cx="530225" cy="530225"/>
+          </a:xfrm>
+          <a:prstGeom prst="ellipse">
+            <a:avLst/>
+          </a:prstGeom>
+          <a:ln w="28575">
+            <a:solidFill>
+              <a:srgbClr val="FF0000"/>
+            </a:solidFill>
+          </a:ln>
+        </p:spPr>
+        <p:style>
+          <a:lnRef idx="2">
+            <a:schemeClr val="accent1"/>
+          </a:lnRef>
+          <a:fillRef idx="1">
+            <a:schemeClr val="lt1"/>
+          </a:fillRef>
+          <a:effectRef idx="0">
+            <a:schemeClr val="accent1"/>
+          </a:effectRef>
+          <a:fontRef idx="minor">
+            <a:schemeClr val="dk1"/>
+          </a:fontRef>
+        </p:style>
+        <p:txBody>
+          <a:bodyPr rtlCol="0" anchor="ctr"/>
+          <a:p>
+            <a:pPr algn="ctr"/>
+            <a:r>
+              <a:rPr lang="en-US" altLang="zh-CN"/>
+              <a:t>0</a:t>
+            </a:r>
+            <a:endParaRPr lang="en-US" altLang="zh-CN"/>
+          </a:p>
+        </p:txBody>
+      </p:sp>
+    </p:spTree>
+  </p:cSld>
+  <p:clrMapOvr>
+    <a:masterClrMapping/>
+  </p:clrMapOvr>
+</p:sld>
+</file>
+
+<file path=ppt/slides/slide35.xml><?xml version="1.0" encoding="utf-8"?>
+<p:sld xmlns:a="http://schemas.openxmlformats.org/drawingml/2006/main" xmlns:r="http://schemas.openxmlformats.org/officeDocument/2006/relationships" xmlns:p="http://schemas.openxmlformats.org/presentationml/2006/main">
+  <p:cSld>
+    <p:spTree>
+      <p:nvGrpSpPr>
+        <p:cNvPr id="1" name=""/>
+        <p:cNvGrpSpPr/>
+        <p:nvPr/>
+      </p:nvGrpSpPr>
+      <p:grpSpPr/>
+      <p:sp>
+        <p:nvSpPr>
+          <p:cNvPr id="3" name="标题 2"/>
+          <p:cNvSpPr/>
+          <p:nvPr>
+            <p:ph type="title"/>
+          </p:nvPr>
+        </p:nvSpPr>
+        <p:spPr/>
+        <p:txBody>
+          <a:bodyPr/>
+          <a:p>
+            <a:r>
+              <a:rPr lang="en-US" altLang="zh-CN"/>
+              <a:t>Union/Find </a:t>
             </a:r>
             <a:endParaRPr lang="zh-CN" altLang="en-US"/>
           </a:p>
@@ -45633,13 +47792,1072 @@
       </p:sp>
       <p:grpSp>
         <p:nvGrpSpPr>
-          <p:cNvPr id="13" name="组合 12"/>
+          <p:cNvPr id="6" name="组合 5"/>
           <p:cNvGrpSpPr/>
           <p:nvPr/>
         </p:nvGrpSpPr>
         <p:grpSpPr>
           <a:xfrm>
-            <a:off x="1398905" y="2080895"/>
+            <a:off x="942975" y="1411605"/>
+            <a:ext cx="6620510" cy="2016760"/>
+            <a:chOff x="2203" y="3277"/>
+            <a:chExt cx="10426" cy="3176"/>
+          </a:xfrm>
+        </p:grpSpPr>
+        <p:grpSp>
+          <p:nvGrpSpPr>
+            <p:cNvPr id="7" name="组合 6"/>
+            <p:cNvGrpSpPr/>
+            <p:nvPr/>
+          </p:nvGrpSpPr>
+          <p:grpSpPr>
+            <a:xfrm>
+              <a:off x="2203" y="3277"/>
+              <a:ext cx="903" cy="2156"/>
+              <a:chOff x="2179" y="3277"/>
+              <a:chExt cx="903" cy="2156"/>
+            </a:xfrm>
+          </p:grpSpPr>
+          <p:sp>
+            <p:nvSpPr>
+              <p:cNvPr id="8" name="椭圆 7"/>
+              <p:cNvSpPr/>
+              <p:nvPr/>
+            </p:nvSpPr>
+            <p:spPr>
+              <a:xfrm>
+                <a:off x="2179" y="4599"/>
+                <a:ext cx="835" cy="835"/>
+              </a:xfrm>
+              <a:prstGeom prst="ellipse">
+                <a:avLst/>
+              </a:prstGeom>
+              <a:ln w="28575"/>
+            </p:spPr>
+            <p:style>
+              <a:lnRef idx="2">
+                <a:schemeClr val="accent1"/>
+              </a:lnRef>
+              <a:fillRef idx="1">
+                <a:schemeClr val="lt1"/>
+              </a:fillRef>
+              <a:effectRef idx="0">
+                <a:schemeClr val="accent1"/>
+              </a:effectRef>
+              <a:fontRef idx="minor">
+                <a:schemeClr val="dk1"/>
+              </a:fontRef>
+            </p:style>
+            <p:txBody>
+              <a:bodyPr rtlCol="0" anchor="ctr"/>
+              <a:p>
+                <a:pPr algn="ctr"/>
+                <a:r>
+                  <a:rPr lang="en-US" altLang="zh-CN"/>
+                  <a:t>1</a:t>
+                </a:r>
+                <a:endParaRPr lang="en-US" altLang="zh-CN"/>
+              </a:p>
+            </p:txBody>
+          </p:sp>
+          <p:cxnSp>
+            <p:nvCxnSpPr>
+              <p:cNvPr id="9" name="直接箭头连接符 8"/>
+              <p:cNvCxnSpPr/>
+              <p:nvPr/>
+            </p:nvCxnSpPr>
+            <p:spPr>
+              <a:xfrm flipH="1" flipV="1">
+                <a:off x="2596" y="3811"/>
+                <a:ext cx="1" cy="788"/>
+              </a:xfrm>
+              <a:prstGeom prst="straightConnector1">
+                <a:avLst/>
+              </a:prstGeom>
+              <a:ln w="28575">
+                <a:tailEnd type="arrow"/>
+              </a:ln>
+            </p:spPr>
+            <p:style>
+              <a:lnRef idx="1">
+                <a:schemeClr val="accent1"/>
+              </a:lnRef>
+              <a:fillRef idx="0">
+                <a:schemeClr val="accent1"/>
+              </a:fillRef>
+              <a:effectRef idx="0">
+                <a:schemeClr val="accent1"/>
+              </a:effectRef>
+              <a:fontRef idx="minor">
+                <a:schemeClr val="tx1"/>
+              </a:fontRef>
+            </p:style>
+          </p:cxnSp>
+          <p:sp>
+            <p:nvSpPr>
+              <p:cNvPr id="10" name="文本框 9"/>
+              <p:cNvSpPr txBox="1"/>
+              <p:nvPr/>
+            </p:nvSpPr>
+            <p:spPr>
+              <a:xfrm>
+                <a:off x="2364" y="3277"/>
+                <a:ext cx="719" cy="580"/>
+              </a:xfrm>
+              <a:prstGeom prst="rect">
+                <a:avLst/>
+              </a:prstGeom>
+              <a:noFill/>
+            </p:spPr>
+            <p:txBody>
+              <a:bodyPr wrap="square" rtlCol="0">
+                <a:spAutoFit/>
+              </a:bodyPr>
+              <a:p>
+                <a:r>
+                  <a:rPr lang="en-US" altLang="zh-CN"/>
+                  <a:t>0</a:t>
+                </a:r>
+                <a:endParaRPr lang="en-US" altLang="zh-CN"/>
+              </a:p>
+            </p:txBody>
+          </p:sp>
+        </p:grpSp>
+        <p:grpSp>
+          <p:nvGrpSpPr>
+            <p:cNvPr id="43" name="组合 42"/>
+            <p:cNvGrpSpPr/>
+            <p:nvPr/>
+          </p:nvGrpSpPr>
+          <p:grpSpPr>
+            <a:xfrm>
+              <a:off x="3470" y="3277"/>
+              <a:ext cx="903" cy="2156"/>
+              <a:chOff x="2179" y="3277"/>
+              <a:chExt cx="903" cy="2156"/>
+            </a:xfrm>
+          </p:grpSpPr>
+          <p:sp>
+            <p:nvSpPr>
+              <p:cNvPr id="44" name="椭圆 43"/>
+              <p:cNvSpPr/>
+              <p:nvPr/>
+            </p:nvSpPr>
+            <p:spPr>
+              <a:xfrm>
+                <a:off x="2179" y="4599"/>
+                <a:ext cx="835" cy="835"/>
+              </a:xfrm>
+              <a:prstGeom prst="ellipse">
+                <a:avLst/>
+              </a:prstGeom>
+              <a:ln w="28575"/>
+            </p:spPr>
+            <p:style>
+              <a:lnRef idx="2">
+                <a:schemeClr val="accent1"/>
+              </a:lnRef>
+              <a:fillRef idx="1">
+                <a:schemeClr val="lt1"/>
+              </a:fillRef>
+              <a:effectRef idx="0">
+                <a:schemeClr val="accent1"/>
+              </a:effectRef>
+              <a:fontRef idx="minor">
+                <a:schemeClr val="dk1"/>
+              </a:fontRef>
+            </p:style>
+            <p:txBody>
+              <a:bodyPr rtlCol="0" anchor="ctr"/>
+              <a:p>
+                <a:pPr algn="ctr"/>
+                <a:r>
+                  <a:rPr lang="en-US" altLang="zh-CN"/>
+                  <a:t>2</a:t>
+                </a:r>
+                <a:endParaRPr lang="en-US" altLang="zh-CN"/>
+              </a:p>
+            </p:txBody>
+          </p:sp>
+          <p:cxnSp>
+            <p:nvCxnSpPr>
+              <p:cNvPr id="45" name="直接箭头连接符 44"/>
+              <p:cNvCxnSpPr/>
+              <p:nvPr/>
+            </p:nvCxnSpPr>
+            <p:spPr>
+              <a:xfrm flipH="1" flipV="1">
+                <a:off x="2596" y="3811"/>
+                <a:ext cx="1" cy="788"/>
+              </a:xfrm>
+              <a:prstGeom prst="straightConnector1">
+                <a:avLst/>
+              </a:prstGeom>
+              <a:ln w="28575">
+                <a:tailEnd type="arrow"/>
+              </a:ln>
+            </p:spPr>
+            <p:style>
+              <a:lnRef idx="1">
+                <a:schemeClr val="accent1"/>
+              </a:lnRef>
+              <a:fillRef idx="0">
+                <a:schemeClr val="accent1"/>
+              </a:fillRef>
+              <a:effectRef idx="0">
+                <a:schemeClr val="accent1"/>
+              </a:effectRef>
+              <a:fontRef idx="minor">
+                <a:schemeClr val="tx1"/>
+              </a:fontRef>
+            </p:style>
+          </p:cxnSp>
+          <p:sp>
+            <p:nvSpPr>
+              <p:cNvPr id="46" name="文本框 45"/>
+              <p:cNvSpPr txBox="1"/>
+              <p:nvPr/>
+            </p:nvSpPr>
+            <p:spPr>
+              <a:xfrm>
+                <a:off x="2364" y="3277"/>
+                <a:ext cx="719" cy="580"/>
+              </a:xfrm>
+              <a:prstGeom prst="rect">
+                <a:avLst/>
+              </a:prstGeom>
+              <a:noFill/>
+            </p:spPr>
+            <p:txBody>
+              <a:bodyPr wrap="square" rtlCol="0">
+                <a:spAutoFit/>
+              </a:bodyPr>
+              <a:p>
+                <a:r>
+                  <a:rPr lang="en-US" altLang="zh-CN"/>
+                  <a:t>0</a:t>
+                </a:r>
+                <a:endParaRPr lang="en-US" altLang="zh-CN"/>
+              </a:p>
+            </p:txBody>
+          </p:sp>
+        </p:grpSp>
+        <p:grpSp>
+          <p:nvGrpSpPr>
+            <p:cNvPr id="47" name="组合 46"/>
+            <p:cNvGrpSpPr/>
+            <p:nvPr/>
+          </p:nvGrpSpPr>
+          <p:grpSpPr>
+            <a:xfrm>
+              <a:off x="4861" y="3277"/>
+              <a:ext cx="903" cy="2156"/>
+              <a:chOff x="2179" y="3277"/>
+              <a:chExt cx="903" cy="2156"/>
+            </a:xfrm>
+          </p:grpSpPr>
+          <p:sp>
+            <p:nvSpPr>
+              <p:cNvPr id="48" name="椭圆 47"/>
+              <p:cNvSpPr/>
+              <p:nvPr/>
+            </p:nvSpPr>
+            <p:spPr>
+              <a:xfrm>
+                <a:off x="2179" y="4599"/>
+                <a:ext cx="835" cy="835"/>
+              </a:xfrm>
+              <a:prstGeom prst="ellipse">
+                <a:avLst/>
+              </a:prstGeom>
+              <a:ln w="28575"/>
+            </p:spPr>
+            <p:style>
+              <a:lnRef idx="2">
+                <a:schemeClr val="accent1"/>
+              </a:lnRef>
+              <a:fillRef idx="1">
+                <a:schemeClr val="lt1"/>
+              </a:fillRef>
+              <a:effectRef idx="0">
+                <a:schemeClr val="accent1"/>
+              </a:effectRef>
+              <a:fontRef idx="minor">
+                <a:schemeClr val="dk1"/>
+              </a:fontRef>
+            </p:style>
+            <p:txBody>
+              <a:bodyPr rtlCol="0" anchor="ctr"/>
+              <a:p>
+                <a:pPr algn="ctr"/>
+                <a:r>
+                  <a:rPr lang="en-US" altLang="zh-CN"/>
+                  <a:t>3</a:t>
+                </a:r>
+                <a:endParaRPr lang="en-US" altLang="zh-CN"/>
+              </a:p>
+            </p:txBody>
+          </p:sp>
+          <p:cxnSp>
+            <p:nvCxnSpPr>
+              <p:cNvPr id="49" name="直接箭头连接符 48"/>
+              <p:cNvCxnSpPr/>
+              <p:nvPr/>
+            </p:nvCxnSpPr>
+            <p:spPr>
+              <a:xfrm flipH="1" flipV="1">
+                <a:off x="2596" y="3811"/>
+                <a:ext cx="1" cy="788"/>
+              </a:xfrm>
+              <a:prstGeom prst="straightConnector1">
+                <a:avLst/>
+              </a:prstGeom>
+              <a:ln w="28575">
+                <a:tailEnd type="arrow"/>
+              </a:ln>
+            </p:spPr>
+            <p:style>
+              <a:lnRef idx="1">
+                <a:schemeClr val="accent1"/>
+              </a:lnRef>
+              <a:fillRef idx="0">
+                <a:schemeClr val="accent1"/>
+              </a:fillRef>
+              <a:effectRef idx="0">
+                <a:schemeClr val="accent1"/>
+              </a:effectRef>
+              <a:fontRef idx="minor">
+                <a:schemeClr val="tx1"/>
+              </a:fontRef>
+            </p:style>
+          </p:cxnSp>
+          <p:sp>
+            <p:nvSpPr>
+              <p:cNvPr id="50" name="文本框 49"/>
+              <p:cNvSpPr txBox="1"/>
+              <p:nvPr/>
+            </p:nvSpPr>
+            <p:spPr>
+              <a:xfrm>
+                <a:off x="2364" y="3277"/>
+                <a:ext cx="719" cy="580"/>
+              </a:xfrm>
+              <a:prstGeom prst="rect">
+                <a:avLst/>
+              </a:prstGeom>
+              <a:noFill/>
+            </p:spPr>
+            <p:txBody>
+              <a:bodyPr wrap="square" rtlCol="0">
+                <a:spAutoFit/>
+              </a:bodyPr>
+              <a:p>
+                <a:r>
+                  <a:rPr lang="en-US" altLang="zh-CN"/>
+                  <a:t>0</a:t>
+                </a:r>
+                <a:endParaRPr lang="en-US" altLang="zh-CN"/>
+              </a:p>
+            </p:txBody>
+          </p:sp>
+        </p:grpSp>
+        <p:grpSp>
+          <p:nvGrpSpPr>
+            <p:cNvPr id="51" name="组合 50"/>
+            <p:cNvGrpSpPr/>
+            <p:nvPr/>
+          </p:nvGrpSpPr>
+          <p:grpSpPr>
+            <a:xfrm>
+              <a:off x="6159" y="3278"/>
+              <a:ext cx="903" cy="2156"/>
+              <a:chOff x="2179" y="3277"/>
+              <a:chExt cx="903" cy="2156"/>
+            </a:xfrm>
+          </p:grpSpPr>
+          <p:sp>
+            <p:nvSpPr>
+              <p:cNvPr id="52" name="椭圆 51"/>
+              <p:cNvSpPr/>
+              <p:nvPr/>
+            </p:nvSpPr>
+            <p:spPr>
+              <a:xfrm>
+                <a:off x="2179" y="4599"/>
+                <a:ext cx="835" cy="835"/>
+              </a:xfrm>
+              <a:prstGeom prst="ellipse">
+                <a:avLst/>
+              </a:prstGeom>
+              <a:ln w="28575"/>
+            </p:spPr>
+            <p:style>
+              <a:lnRef idx="2">
+                <a:schemeClr val="accent1"/>
+              </a:lnRef>
+              <a:fillRef idx="1">
+                <a:schemeClr val="lt1"/>
+              </a:fillRef>
+              <a:effectRef idx="0">
+                <a:schemeClr val="accent1"/>
+              </a:effectRef>
+              <a:fontRef idx="minor">
+                <a:schemeClr val="dk1"/>
+              </a:fontRef>
+            </p:style>
+            <p:txBody>
+              <a:bodyPr rtlCol="0" anchor="ctr"/>
+              <a:p>
+                <a:pPr algn="ctr"/>
+                <a:r>
+                  <a:rPr lang="en-US" altLang="zh-CN"/>
+                  <a:t>4</a:t>
+                </a:r>
+                <a:endParaRPr lang="en-US" altLang="zh-CN"/>
+              </a:p>
+            </p:txBody>
+          </p:sp>
+          <p:cxnSp>
+            <p:nvCxnSpPr>
+              <p:cNvPr id="53" name="直接箭头连接符 52"/>
+              <p:cNvCxnSpPr/>
+              <p:nvPr/>
+            </p:nvCxnSpPr>
+            <p:spPr>
+              <a:xfrm flipH="1" flipV="1">
+                <a:off x="2596" y="3811"/>
+                <a:ext cx="1" cy="788"/>
+              </a:xfrm>
+              <a:prstGeom prst="straightConnector1">
+                <a:avLst/>
+              </a:prstGeom>
+              <a:ln w="28575">
+                <a:tailEnd type="arrow"/>
+              </a:ln>
+            </p:spPr>
+            <p:style>
+              <a:lnRef idx="1">
+                <a:schemeClr val="accent1"/>
+              </a:lnRef>
+              <a:fillRef idx="0">
+                <a:schemeClr val="accent1"/>
+              </a:fillRef>
+              <a:effectRef idx="0">
+                <a:schemeClr val="accent1"/>
+              </a:effectRef>
+              <a:fontRef idx="minor">
+                <a:schemeClr val="tx1"/>
+              </a:fontRef>
+            </p:style>
+          </p:cxnSp>
+          <p:sp>
+            <p:nvSpPr>
+              <p:cNvPr id="54" name="文本框 53"/>
+              <p:cNvSpPr txBox="1"/>
+              <p:nvPr/>
+            </p:nvSpPr>
+            <p:spPr>
+              <a:xfrm>
+                <a:off x="2364" y="3277"/>
+                <a:ext cx="719" cy="580"/>
+              </a:xfrm>
+              <a:prstGeom prst="rect">
+                <a:avLst/>
+              </a:prstGeom>
+              <a:noFill/>
+            </p:spPr>
+            <p:txBody>
+              <a:bodyPr wrap="square" rtlCol="0">
+                <a:spAutoFit/>
+              </a:bodyPr>
+              <a:p>
+                <a:r>
+                  <a:rPr lang="en-US" altLang="zh-CN"/>
+                  <a:t>0</a:t>
+                </a:r>
+                <a:endParaRPr lang="en-US" altLang="zh-CN"/>
+              </a:p>
+            </p:txBody>
+          </p:sp>
+        </p:grpSp>
+        <p:grpSp>
+          <p:nvGrpSpPr>
+            <p:cNvPr id="55" name="组合 54"/>
+            <p:cNvGrpSpPr/>
+            <p:nvPr/>
+          </p:nvGrpSpPr>
+          <p:grpSpPr>
+            <a:xfrm>
+              <a:off x="7574" y="3279"/>
+              <a:ext cx="903" cy="2156"/>
+              <a:chOff x="2179" y="3277"/>
+              <a:chExt cx="903" cy="2156"/>
+            </a:xfrm>
+          </p:grpSpPr>
+          <p:sp>
+            <p:nvSpPr>
+              <p:cNvPr id="56" name="椭圆 55"/>
+              <p:cNvSpPr/>
+              <p:nvPr/>
+            </p:nvSpPr>
+            <p:spPr>
+              <a:xfrm>
+                <a:off x="2179" y="4599"/>
+                <a:ext cx="835" cy="835"/>
+              </a:xfrm>
+              <a:prstGeom prst="ellipse">
+                <a:avLst/>
+              </a:prstGeom>
+              <a:ln w="28575"/>
+            </p:spPr>
+            <p:style>
+              <a:lnRef idx="2">
+                <a:schemeClr val="accent1"/>
+              </a:lnRef>
+              <a:fillRef idx="1">
+                <a:schemeClr val="lt1"/>
+              </a:fillRef>
+              <a:effectRef idx="0">
+                <a:schemeClr val="accent1"/>
+              </a:effectRef>
+              <a:fontRef idx="minor">
+                <a:schemeClr val="dk1"/>
+              </a:fontRef>
+            </p:style>
+            <p:txBody>
+              <a:bodyPr rtlCol="0" anchor="ctr"/>
+              <a:p>
+                <a:pPr algn="ctr"/>
+                <a:r>
+                  <a:rPr lang="en-US" altLang="zh-CN"/>
+                  <a:t>5</a:t>
+                </a:r>
+                <a:endParaRPr lang="en-US" altLang="zh-CN"/>
+              </a:p>
+            </p:txBody>
+          </p:sp>
+          <p:cxnSp>
+            <p:nvCxnSpPr>
+              <p:cNvPr id="57" name="直接箭头连接符 56"/>
+              <p:cNvCxnSpPr/>
+              <p:nvPr/>
+            </p:nvCxnSpPr>
+            <p:spPr>
+              <a:xfrm flipH="1" flipV="1">
+                <a:off x="2596" y="3811"/>
+                <a:ext cx="1" cy="788"/>
+              </a:xfrm>
+              <a:prstGeom prst="straightConnector1">
+                <a:avLst/>
+              </a:prstGeom>
+              <a:ln w="28575">
+                <a:tailEnd type="arrow"/>
+              </a:ln>
+            </p:spPr>
+            <p:style>
+              <a:lnRef idx="1">
+                <a:schemeClr val="accent1"/>
+              </a:lnRef>
+              <a:fillRef idx="0">
+                <a:schemeClr val="accent1"/>
+              </a:fillRef>
+              <a:effectRef idx="0">
+                <a:schemeClr val="accent1"/>
+              </a:effectRef>
+              <a:fontRef idx="minor">
+                <a:schemeClr val="tx1"/>
+              </a:fontRef>
+            </p:style>
+          </p:cxnSp>
+          <p:sp>
+            <p:nvSpPr>
+              <p:cNvPr id="58" name="文本框 57"/>
+              <p:cNvSpPr txBox="1"/>
+              <p:nvPr/>
+            </p:nvSpPr>
+            <p:spPr>
+              <a:xfrm>
+                <a:off x="2364" y="3277"/>
+                <a:ext cx="719" cy="580"/>
+              </a:xfrm>
+              <a:prstGeom prst="rect">
+                <a:avLst/>
+              </a:prstGeom>
+              <a:noFill/>
+            </p:spPr>
+            <p:txBody>
+              <a:bodyPr wrap="square" rtlCol="0">
+                <a:spAutoFit/>
+              </a:bodyPr>
+              <a:p>
+                <a:r>
+                  <a:rPr lang="en-US" altLang="zh-CN"/>
+                  <a:t>0</a:t>
+                </a:r>
+                <a:endParaRPr lang="en-US" altLang="zh-CN"/>
+              </a:p>
+            </p:txBody>
+          </p:sp>
+        </p:grpSp>
+        <p:grpSp>
+          <p:nvGrpSpPr>
+            <p:cNvPr id="59" name="组合 58"/>
+            <p:cNvGrpSpPr/>
+            <p:nvPr/>
+          </p:nvGrpSpPr>
+          <p:grpSpPr>
+            <a:xfrm>
+              <a:off x="8155" y="5038"/>
+              <a:ext cx="1546" cy="1415"/>
+              <a:chOff x="1368" y="5036"/>
+              <a:chExt cx="1546" cy="1415"/>
+            </a:xfrm>
+          </p:grpSpPr>
+          <p:sp>
+            <p:nvSpPr>
+              <p:cNvPr id="60" name="椭圆 59"/>
+              <p:cNvSpPr/>
+              <p:nvPr/>
+            </p:nvSpPr>
+            <p:spPr>
+              <a:xfrm>
+                <a:off x="2079" y="5616"/>
+                <a:ext cx="835" cy="835"/>
+              </a:xfrm>
+              <a:prstGeom prst="ellipse">
+                <a:avLst/>
+              </a:prstGeom>
+              <a:ln w="28575"/>
+            </p:spPr>
+            <p:style>
+              <a:lnRef idx="2">
+                <a:schemeClr val="accent1"/>
+              </a:lnRef>
+              <a:fillRef idx="1">
+                <a:schemeClr val="lt1"/>
+              </a:fillRef>
+              <a:effectRef idx="0">
+                <a:schemeClr val="accent1"/>
+              </a:effectRef>
+              <a:fontRef idx="minor">
+                <a:schemeClr val="dk1"/>
+              </a:fontRef>
+            </p:style>
+            <p:txBody>
+              <a:bodyPr rtlCol="0" anchor="ctr"/>
+              <a:p>
+                <a:pPr algn="ctr"/>
+                <a:r>
+                  <a:rPr lang="en-US" altLang="zh-CN"/>
+                  <a:t>6</a:t>
+                </a:r>
+                <a:endParaRPr lang="en-US" altLang="zh-CN"/>
+              </a:p>
+            </p:txBody>
+          </p:sp>
+          <p:cxnSp>
+            <p:nvCxnSpPr>
+              <p:cNvPr id="61" name="直接箭头连接符 60"/>
+              <p:cNvCxnSpPr>
+                <a:stCxn id="60" idx="1"/>
+                <a:endCxn id="56" idx="5"/>
+              </p:cNvCxnSpPr>
+              <p:nvPr/>
+            </p:nvCxnSpPr>
+            <p:spPr>
+              <a:xfrm flipH="1" flipV="1">
+                <a:off x="1368" y="5312"/>
+                <a:ext cx="760" cy="426"/>
+              </a:xfrm>
+              <a:prstGeom prst="straightConnector1">
+                <a:avLst/>
+              </a:prstGeom>
+              <a:ln w="28575">
+                <a:tailEnd type="arrow"/>
+              </a:ln>
+            </p:spPr>
+            <p:style>
+              <a:lnRef idx="1">
+                <a:schemeClr val="accent1"/>
+              </a:lnRef>
+              <a:fillRef idx="0">
+                <a:schemeClr val="accent1"/>
+              </a:fillRef>
+              <a:effectRef idx="0">
+                <a:schemeClr val="accent1"/>
+              </a:effectRef>
+              <a:fontRef idx="minor">
+                <a:schemeClr val="tx1"/>
+              </a:fontRef>
+            </p:style>
+          </p:cxnSp>
+          <p:sp>
+            <p:nvSpPr>
+              <p:cNvPr id="62" name="文本框 61"/>
+              <p:cNvSpPr txBox="1"/>
+              <p:nvPr/>
+            </p:nvSpPr>
+            <p:spPr>
+              <a:xfrm>
+                <a:off x="2195" y="5036"/>
+                <a:ext cx="719" cy="580"/>
+              </a:xfrm>
+              <a:prstGeom prst="rect">
+                <a:avLst/>
+              </a:prstGeom>
+              <a:noFill/>
+            </p:spPr>
+            <p:txBody>
+              <a:bodyPr wrap="square" rtlCol="0">
+                <a:spAutoFit/>
+              </a:bodyPr>
+              <a:p>
+                <a:r>
+                  <a:rPr lang="en-US" altLang="zh-CN"/>
+                  <a:t>5</a:t>
+                </a:r>
+                <a:endParaRPr lang="en-US" altLang="zh-CN"/>
+              </a:p>
+            </p:txBody>
+          </p:sp>
+        </p:grpSp>
+        <p:grpSp>
+          <p:nvGrpSpPr>
+            <p:cNvPr id="63" name="组合 62"/>
+            <p:cNvGrpSpPr/>
+            <p:nvPr/>
+          </p:nvGrpSpPr>
+          <p:grpSpPr>
+            <a:xfrm>
+              <a:off x="10357" y="3281"/>
+              <a:ext cx="903" cy="2156"/>
+              <a:chOff x="2179" y="3277"/>
+              <a:chExt cx="903" cy="2156"/>
+            </a:xfrm>
+          </p:grpSpPr>
+          <p:sp>
+            <p:nvSpPr>
+              <p:cNvPr id="64" name="椭圆 63"/>
+              <p:cNvSpPr/>
+              <p:nvPr/>
+            </p:nvSpPr>
+            <p:spPr>
+              <a:xfrm>
+                <a:off x="2179" y="4599"/>
+                <a:ext cx="835" cy="835"/>
+              </a:xfrm>
+              <a:prstGeom prst="ellipse">
+                <a:avLst/>
+              </a:prstGeom>
+              <a:ln w="28575"/>
+            </p:spPr>
+            <p:style>
+              <a:lnRef idx="2">
+                <a:schemeClr val="accent1"/>
+              </a:lnRef>
+              <a:fillRef idx="1">
+                <a:schemeClr val="lt1"/>
+              </a:fillRef>
+              <a:effectRef idx="0">
+                <a:schemeClr val="accent1"/>
+              </a:effectRef>
+              <a:fontRef idx="minor">
+                <a:schemeClr val="dk1"/>
+              </a:fontRef>
+            </p:style>
+            <p:txBody>
+              <a:bodyPr rtlCol="0" anchor="ctr"/>
+              <a:p>
+                <a:pPr algn="ctr"/>
+                <a:r>
+                  <a:rPr lang="en-US" altLang="zh-CN"/>
+                  <a:t>7</a:t>
+                </a:r>
+                <a:endParaRPr lang="en-US" altLang="zh-CN"/>
+              </a:p>
+            </p:txBody>
+          </p:sp>
+          <p:cxnSp>
+            <p:nvCxnSpPr>
+              <p:cNvPr id="65" name="直接箭头连接符 64"/>
+              <p:cNvCxnSpPr/>
+              <p:nvPr/>
+            </p:nvCxnSpPr>
+            <p:spPr>
+              <a:xfrm flipH="1" flipV="1">
+                <a:off x="2596" y="3811"/>
+                <a:ext cx="1" cy="788"/>
+              </a:xfrm>
+              <a:prstGeom prst="straightConnector1">
+                <a:avLst/>
+              </a:prstGeom>
+              <a:ln w="28575">
+                <a:tailEnd type="arrow"/>
+              </a:ln>
+            </p:spPr>
+            <p:style>
+              <a:lnRef idx="1">
+                <a:schemeClr val="accent1"/>
+              </a:lnRef>
+              <a:fillRef idx="0">
+                <a:schemeClr val="accent1"/>
+              </a:fillRef>
+              <a:effectRef idx="0">
+                <a:schemeClr val="accent1"/>
+              </a:effectRef>
+              <a:fontRef idx="minor">
+                <a:schemeClr val="tx1"/>
+              </a:fontRef>
+            </p:style>
+          </p:cxnSp>
+          <p:sp>
+            <p:nvSpPr>
+              <p:cNvPr id="66" name="文本框 65"/>
+              <p:cNvSpPr txBox="1"/>
+              <p:nvPr/>
+            </p:nvSpPr>
+            <p:spPr>
+              <a:xfrm>
+                <a:off x="2364" y="3277"/>
+                <a:ext cx="719" cy="580"/>
+              </a:xfrm>
+              <a:prstGeom prst="rect">
+                <a:avLst/>
+              </a:prstGeom>
+              <a:noFill/>
+            </p:spPr>
+            <p:txBody>
+              <a:bodyPr wrap="square" rtlCol="0">
+                <a:spAutoFit/>
+              </a:bodyPr>
+              <a:p>
+                <a:r>
+                  <a:rPr lang="en-US" altLang="zh-CN"/>
+                  <a:t>0</a:t>
+                </a:r>
+                <a:endParaRPr lang="en-US" altLang="zh-CN"/>
+              </a:p>
+            </p:txBody>
+          </p:sp>
+        </p:grpSp>
+        <p:grpSp>
+          <p:nvGrpSpPr>
+            <p:cNvPr id="67" name="组合 66"/>
+            <p:cNvGrpSpPr/>
+            <p:nvPr/>
+          </p:nvGrpSpPr>
+          <p:grpSpPr>
+            <a:xfrm>
+              <a:off x="11100" y="4858"/>
+              <a:ext cx="1529" cy="1573"/>
+              <a:chOff x="1485" y="4853"/>
+              <a:chExt cx="1529" cy="1573"/>
+            </a:xfrm>
+          </p:grpSpPr>
+          <p:sp>
+            <p:nvSpPr>
+              <p:cNvPr id="68" name="椭圆 67"/>
+              <p:cNvSpPr/>
+              <p:nvPr/>
+            </p:nvSpPr>
+            <p:spPr>
+              <a:xfrm>
+                <a:off x="2179" y="5591"/>
+                <a:ext cx="835" cy="835"/>
+              </a:xfrm>
+              <a:prstGeom prst="ellipse">
+                <a:avLst/>
+              </a:prstGeom>
+              <a:ln w="28575"/>
+            </p:spPr>
+            <p:style>
+              <a:lnRef idx="2">
+                <a:schemeClr val="accent1"/>
+              </a:lnRef>
+              <a:fillRef idx="1">
+                <a:schemeClr val="lt1"/>
+              </a:fillRef>
+              <a:effectRef idx="0">
+                <a:schemeClr val="accent1"/>
+              </a:effectRef>
+              <a:fontRef idx="minor">
+                <a:schemeClr val="dk1"/>
+              </a:fontRef>
+            </p:style>
+            <p:txBody>
+              <a:bodyPr rtlCol="0" anchor="ctr"/>
+              <a:p>
+                <a:pPr algn="ctr"/>
+                <a:r>
+                  <a:rPr lang="en-US" altLang="zh-CN"/>
+                  <a:t>8</a:t>
+                </a:r>
+                <a:endParaRPr lang="en-US" altLang="zh-CN"/>
+              </a:p>
+            </p:txBody>
+          </p:sp>
+          <p:cxnSp>
+            <p:nvCxnSpPr>
+              <p:cNvPr id="69" name="直接箭头连接符 68"/>
+              <p:cNvCxnSpPr/>
+              <p:nvPr/>
+            </p:nvCxnSpPr>
+            <p:spPr>
+              <a:xfrm flipH="1" flipV="1">
+                <a:off x="1485" y="5184"/>
+                <a:ext cx="748" cy="551"/>
+              </a:xfrm>
+              <a:prstGeom prst="straightConnector1">
+                <a:avLst/>
+              </a:prstGeom>
+              <a:ln w="28575">
+                <a:tailEnd type="arrow"/>
+              </a:ln>
+            </p:spPr>
+            <p:style>
+              <a:lnRef idx="1">
+                <a:schemeClr val="accent1"/>
+              </a:lnRef>
+              <a:fillRef idx="0">
+                <a:schemeClr val="accent1"/>
+              </a:fillRef>
+              <a:effectRef idx="0">
+                <a:schemeClr val="accent1"/>
+              </a:effectRef>
+              <a:fontRef idx="minor">
+                <a:schemeClr val="tx1"/>
+              </a:fontRef>
+            </p:style>
+          </p:cxnSp>
+          <p:sp>
+            <p:nvSpPr>
+              <p:cNvPr id="70" name="文本框 69"/>
+              <p:cNvSpPr txBox="1"/>
+              <p:nvPr/>
+            </p:nvSpPr>
+            <p:spPr>
+              <a:xfrm>
+                <a:off x="2237" y="4853"/>
+                <a:ext cx="719" cy="580"/>
+              </a:xfrm>
+              <a:prstGeom prst="rect">
+                <a:avLst/>
+              </a:prstGeom>
+              <a:noFill/>
+            </p:spPr>
+            <p:txBody>
+              <a:bodyPr wrap="square" rtlCol="0">
+                <a:spAutoFit/>
+              </a:bodyPr>
+              <a:p>
+                <a:r>
+                  <a:rPr lang="en-US" altLang="zh-CN"/>
+                  <a:t>7</a:t>
+                </a:r>
+                <a:endParaRPr lang="en-US" altLang="zh-CN"/>
+              </a:p>
+            </p:txBody>
+          </p:sp>
+        </p:grpSp>
+      </p:grpSp>
+      <p:sp>
+        <p:nvSpPr>
+          <p:cNvPr id="71" name="文本框 70"/>
+          <p:cNvSpPr txBox="1"/>
+          <p:nvPr/>
+        </p:nvSpPr>
+        <p:spPr>
+          <a:xfrm>
+            <a:off x="8233410" y="2323465"/>
+            <a:ext cx="3331210" cy="1198880"/>
+          </a:xfrm>
+          <a:prstGeom prst="rect">
+            <a:avLst/>
+          </a:prstGeom>
+          <a:noFill/>
+        </p:spPr>
+        <p:txBody>
+          <a:bodyPr wrap="square" rtlCol="0">
+            <a:spAutoFit/>
+          </a:bodyPr>
+          <a:p>
+            <a:r>
+              <a:rPr lang="en-US" altLang="zh-CN" sz="2400" b="1"/>
+              <a:t>Union(S,7,8)</a:t>
+            </a:r>
+            <a:r>
+              <a:rPr lang="en-US" altLang="zh-CN" sz="2400" b="1">
+                <a:sym typeface="+mn-ea"/>
+              </a:rPr>
+              <a:t>-&gt;</a:t>
+            </a:r>
+            <a:br>
+              <a:rPr lang="en-US" altLang="zh-CN" sz="2400" b="1"/>
+            </a:br>
+            <a:r>
+              <a:rPr lang="en-US" altLang="zh-CN" sz="2400">
+                <a:solidFill>
+                  <a:schemeClr val="tx1"/>
+                </a:solidFill>
+              </a:rPr>
+              <a:t>find(7) = 7</a:t>
+            </a:r>
+            <a:r>
+              <a:rPr lang="en-US" altLang="zh-CN" sz="2400">
+                <a:solidFill>
+                  <a:srgbClr val="FF0000"/>
+                </a:solidFill>
+              </a:rPr>
+              <a:t>(</a:t>
+            </a:r>
+            <a:r>
+              <a:rPr lang="zh-CN" altLang="en-US" sz="2400">
+                <a:solidFill>
+                  <a:srgbClr val="FF0000"/>
+                </a:solidFill>
+              </a:rPr>
+              <a:t>不等于</a:t>
+            </a:r>
+            <a:r>
+              <a:rPr lang="en-US" altLang="zh-CN" sz="2400">
+                <a:solidFill>
+                  <a:srgbClr val="FF0000"/>
+                </a:solidFill>
+              </a:rPr>
+              <a:t>0</a:t>
+            </a:r>
+            <a:r>
+              <a:rPr lang="en-US" altLang="zh-CN" sz="2400">
+                <a:solidFill>
+                  <a:srgbClr val="FF0000"/>
+                </a:solidFill>
+              </a:rPr>
+              <a:t>)</a:t>
+            </a:r>
+            <a:endParaRPr lang="en-US" altLang="zh-CN" sz="2400">
+              <a:solidFill>
+                <a:srgbClr val="FF0000"/>
+              </a:solidFill>
+            </a:endParaRPr>
+          </a:p>
+          <a:p>
+            <a:r>
+              <a:rPr lang="en-US" altLang="zh-CN" sz="2400"/>
+              <a:t>find(8) = 7</a:t>
+            </a:r>
+            <a:endParaRPr lang="en-US" altLang="zh-CN" sz="2400"/>
+          </a:p>
+        </p:txBody>
+      </p:sp>
+      <p:grpSp>
+        <p:nvGrpSpPr>
+          <p:cNvPr id="72" name="组合 71"/>
+          <p:cNvGrpSpPr/>
+          <p:nvPr/>
+        </p:nvGrpSpPr>
+        <p:grpSpPr>
+          <a:xfrm rot="0">
+            <a:off x="942975" y="3708400"/>
             <a:ext cx="573405" cy="1369060"/>
             <a:chOff x="2179" y="3277"/>
             <a:chExt cx="903" cy="2156"/>
@@ -45647,7 +48865,7 @@
         </p:grpSpPr>
         <p:sp>
           <p:nvSpPr>
-            <p:cNvPr id="2" name="椭圆 1"/>
+            <p:cNvPr id="73" name="椭圆 72"/>
             <p:cNvSpPr/>
             <p:nvPr/>
           </p:nvSpPr>
@@ -45689,7 +48907,7 @@
         </p:sp>
         <p:cxnSp>
           <p:nvCxnSpPr>
-            <p:cNvPr id="11" name="直接箭头连接符 10"/>
+            <p:cNvPr id="74" name="直接箭头连接符 73"/>
             <p:cNvCxnSpPr/>
             <p:nvPr/>
           </p:nvCxnSpPr>
@@ -45722,7 +48940,7 @@
         </p:cxnSp>
         <p:sp>
           <p:nvSpPr>
-            <p:cNvPr id="12" name="文本框 11"/>
+            <p:cNvPr id="75" name="文本框 74"/>
             <p:cNvSpPr txBox="1"/>
             <p:nvPr/>
           </p:nvSpPr>
@@ -45752,13 +48970,13 @@
       </p:grpSp>
       <p:grpSp>
         <p:nvGrpSpPr>
-          <p:cNvPr id="14" name="组合 13"/>
+          <p:cNvPr id="76" name="组合 75"/>
           <p:cNvGrpSpPr/>
           <p:nvPr/>
         </p:nvGrpSpPr>
         <p:grpSpPr>
-          <a:xfrm>
-            <a:off x="2203450" y="2080895"/>
+          <a:xfrm rot="0">
+            <a:off x="1747520" y="3708400"/>
             <a:ext cx="573405" cy="1369060"/>
             <a:chOff x="2179" y="3277"/>
             <a:chExt cx="903" cy="2156"/>
@@ -45766,7 +48984,7 @@
         </p:grpSpPr>
         <p:sp>
           <p:nvSpPr>
-            <p:cNvPr id="15" name="椭圆 14"/>
+            <p:cNvPr id="77" name="椭圆 76"/>
             <p:cNvSpPr/>
             <p:nvPr/>
           </p:nvSpPr>
@@ -45808,7 +49026,7 @@
         </p:sp>
         <p:cxnSp>
           <p:nvCxnSpPr>
-            <p:cNvPr id="16" name="直接箭头连接符 15"/>
+            <p:cNvPr id="78" name="直接箭头连接符 77"/>
             <p:cNvCxnSpPr/>
             <p:nvPr/>
           </p:nvCxnSpPr>
@@ -45841,7 +49059,7 @@
         </p:cxnSp>
         <p:sp>
           <p:nvSpPr>
-            <p:cNvPr id="17" name="文本框 16"/>
+            <p:cNvPr id="79" name="文本框 78"/>
             <p:cNvSpPr txBox="1"/>
             <p:nvPr/>
           </p:nvSpPr>
@@ -45871,13 +49089,13 @@
       </p:grpSp>
       <p:grpSp>
         <p:nvGrpSpPr>
-          <p:cNvPr id="18" name="组合 17"/>
+          <p:cNvPr id="80" name="组合 79"/>
           <p:cNvGrpSpPr/>
           <p:nvPr/>
         </p:nvGrpSpPr>
         <p:grpSpPr>
-          <a:xfrm>
-            <a:off x="3086735" y="2080895"/>
+          <a:xfrm rot="0">
+            <a:off x="2630805" y="3708400"/>
             <a:ext cx="573405" cy="1369060"/>
             <a:chOff x="2179" y="3277"/>
             <a:chExt cx="903" cy="2156"/>
@@ -45885,7 +49103,7 @@
         </p:grpSpPr>
         <p:sp>
           <p:nvSpPr>
-            <p:cNvPr id="19" name="椭圆 18"/>
+            <p:cNvPr id="81" name="椭圆 80"/>
             <p:cNvSpPr/>
             <p:nvPr/>
           </p:nvSpPr>
@@ -45927,7 +49145,7 @@
         </p:sp>
         <p:cxnSp>
           <p:nvCxnSpPr>
-            <p:cNvPr id="20" name="直接箭头连接符 19"/>
+            <p:cNvPr id="82" name="直接箭头连接符 81"/>
             <p:cNvCxnSpPr/>
             <p:nvPr/>
           </p:nvCxnSpPr>
@@ -45960,7 +49178,7 @@
         </p:cxnSp>
         <p:sp>
           <p:nvSpPr>
-            <p:cNvPr id="21" name="文本框 20"/>
+            <p:cNvPr id="83" name="文本框 82"/>
             <p:cNvSpPr txBox="1"/>
             <p:nvPr/>
           </p:nvSpPr>
@@ -45990,13 +49208,13 @@
       </p:grpSp>
       <p:grpSp>
         <p:nvGrpSpPr>
-          <p:cNvPr id="22" name="组合 21"/>
+          <p:cNvPr id="84" name="组合 83"/>
           <p:cNvGrpSpPr/>
           <p:nvPr/>
         </p:nvGrpSpPr>
         <p:grpSpPr>
-          <a:xfrm>
-            <a:off x="3910965" y="2081530"/>
+          <a:xfrm rot="0">
+            <a:off x="3455035" y="3709035"/>
             <a:ext cx="573405" cy="1369060"/>
             <a:chOff x="2179" y="3277"/>
             <a:chExt cx="903" cy="2156"/>
@@ -46004,7 +49222,7 @@
         </p:grpSpPr>
         <p:sp>
           <p:nvSpPr>
-            <p:cNvPr id="23" name="椭圆 22"/>
+            <p:cNvPr id="85" name="椭圆 84"/>
             <p:cNvSpPr/>
             <p:nvPr/>
           </p:nvSpPr>
@@ -46046,7 +49264,7 @@
         </p:sp>
         <p:cxnSp>
           <p:nvCxnSpPr>
-            <p:cNvPr id="24" name="直接箭头连接符 23"/>
+            <p:cNvPr id="86" name="直接箭头连接符 85"/>
             <p:cNvCxnSpPr/>
             <p:nvPr/>
           </p:nvCxnSpPr>
@@ -46079,7 +49297,7 @@
         </p:cxnSp>
         <p:sp>
           <p:nvSpPr>
-            <p:cNvPr id="25" name="文本框 24"/>
+            <p:cNvPr id="87" name="文本框 86"/>
             <p:cNvSpPr txBox="1"/>
             <p:nvPr/>
           </p:nvSpPr>
@@ -46109,13 +49327,13 @@
       </p:grpSp>
       <p:grpSp>
         <p:nvGrpSpPr>
-          <p:cNvPr id="26" name="组合 25"/>
+          <p:cNvPr id="88" name="组合 87"/>
           <p:cNvGrpSpPr/>
           <p:nvPr/>
         </p:nvGrpSpPr>
         <p:grpSpPr>
-          <a:xfrm>
-            <a:off x="4809490" y="2082165"/>
+          <a:xfrm rot="0">
+            <a:off x="4353560" y="3709670"/>
             <a:ext cx="573405" cy="1369060"/>
             <a:chOff x="2179" y="3277"/>
             <a:chExt cx="903" cy="2156"/>
@@ -46123,7 +49341,7 @@
         </p:grpSpPr>
         <p:sp>
           <p:nvSpPr>
-            <p:cNvPr id="27" name="椭圆 26"/>
+            <p:cNvPr id="89" name="椭圆 88"/>
             <p:cNvSpPr/>
             <p:nvPr/>
           </p:nvSpPr>
@@ -46165,7 +49383,7 @@
         </p:sp>
         <p:cxnSp>
           <p:nvCxnSpPr>
-            <p:cNvPr id="28" name="直接箭头连接符 27"/>
+            <p:cNvPr id="90" name="直接箭头连接符 89"/>
             <p:cNvCxnSpPr/>
             <p:nvPr/>
           </p:nvCxnSpPr>
@@ -46198,7 +49416,7 @@
         </p:cxnSp>
         <p:sp>
           <p:nvSpPr>
-            <p:cNvPr id="29" name="文本框 28"/>
+            <p:cNvPr id="91" name="文本框 90"/>
             <p:cNvSpPr txBox="1"/>
             <p:nvPr/>
           </p:nvSpPr>
@@ -46228,27 +49446,27 @@
       </p:grpSp>
       <p:grpSp>
         <p:nvGrpSpPr>
-          <p:cNvPr id="30" name="组合 29"/>
+          <p:cNvPr id="92" name="组合 91"/>
           <p:cNvGrpSpPr/>
           <p:nvPr/>
         </p:nvGrpSpPr>
         <p:grpSpPr>
-          <a:xfrm>
-            <a:off x="5693410" y="2082165"/>
-            <a:ext cx="573405" cy="1369060"/>
-            <a:chOff x="2179" y="3277"/>
-            <a:chExt cx="903" cy="2156"/>
+          <a:xfrm rot="0">
+            <a:off x="4722495" y="4904105"/>
+            <a:ext cx="981710" cy="821055"/>
+            <a:chOff x="1368" y="5158"/>
+            <a:chExt cx="1546" cy="1293"/>
           </a:xfrm>
         </p:grpSpPr>
         <p:sp>
           <p:nvSpPr>
-            <p:cNvPr id="31" name="椭圆 30"/>
+            <p:cNvPr id="93" name="椭圆 92"/>
             <p:cNvSpPr/>
             <p:nvPr/>
           </p:nvSpPr>
           <p:spPr>
             <a:xfrm>
-              <a:off x="2179" y="4599"/>
+              <a:off x="2079" y="5616"/>
               <a:ext cx="835" cy="835"/>
             </a:xfrm>
             <a:prstGeom prst="ellipse">
@@ -46284,14 +49502,17 @@
         </p:sp>
         <p:cxnSp>
           <p:nvCxnSpPr>
-            <p:cNvPr id="32" name="直接箭头连接符 31"/>
-            <p:cNvCxnSpPr/>
+            <p:cNvPr id="94" name="直接箭头连接符 93"/>
+            <p:cNvCxnSpPr>
+              <a:stCxn id="93" idx="1"/>
+              <a:endCxn id="89" idx="5"/>
+            </p:cNvCxnSpPr>
             <p:nvPr/>
           </p:nvCxnSpPr>
           <p:spPr>
             <a:xfrm flipH="1" flipV="1">
-              <a:off x="2596" y="3811"/>
-              <a:ext cx="1" cy="788"/>
+              <a:off x="1368" y="5312"/>
+              <a:ext cx="760" cy="426"/>
             </a:xfrm>
             <a:prstGeom prst="straightConnector1">
               <a:avLst/>
@@ -46317,13 +49538,13 @@
         </p:cxnSp>
         <p:sp>
           <p:nvSpPr>
-            <p:cNvPr id="33" name="文本框 32"/>
+            <p:cNvPr id="95" name="文本框 94"/>
             <p:cNvSpPr txBox="1"/>
             <p:nvPr/>
           </p:nvSpPr>
           <p:spPr>
             <a:xfrm>
-              <a:off x="2364" y="3277"/>
+              <a:off x="2195" y="5158"/>
               <a:ext cx="719" cy="580"/>
             </a:xfrm>
             <a:prstGeom prst="rect">
@@ -46338,7 +49559,7 @@
             <a:p>
               <a:r>
                 <a:rPr lang="en-US" altLang="zh-CN"/>
-                <a:t>0</a:t>
+                <a:t>5</a:t>
               </a:r>
               <a:endParaRPr lang="en-US" altLang="zh-CN"/>
             </a:p>
@@ -46347,27 +49568,27 @@
       </p:grpSp>
       <p:grpSp>
         <p:nvGrpSpPr>
-          <p:cNvPr id="34" name="组合 33"/>
+          <p:cNvPr id="96" name="组合 95"/>
           <p:cNvGrpSpPr/>
           <p:nvPr/>
         </p:nvGrpSpPr>
         <p:grpSpPr>
-          <a:xfrm>
-            <a:off x="6576695" y="2083435"/>
-            <a:ext cx="573405" cy="1369060"/>
-            <a:chOff x="2179" y="3277"/>
-            <a:chExt cx="903" cy="2156"/>
+          <a:xfrm rot="0">
+            <a:off x="4927600" y="4373880"/>
+            <a:ext cx="1472565" cy="898525"/>
+            <a:chOff x="300" y="4321"/>
+            <a:chExt cx="2319" cy="1415"/>
           </a:xfrm>
         </p:grpSpPr>
         <p:sp>
           <p:nvSpPr>
-            <p:cNvPr id="35" name="椭圆 34"/>
+            <p:cNvPr id="97" name="椭圆 96"/>
             <p:cNvSpPr/>
             <p:nvPr/>
           </p:nvSpPr>
           <p:spPr>
             <a:xfrm>
-              <a:off x="2179" y="4599"/>
+              <a:off x="1784" y="4901"/>
               <a:ext cx="835" cy="835"/>
             </a:xfrm>
             <a:prstGeom prst="ellipse">
@@ -46403,14 +49624,14 @@
         </p:sp>
         <p:cxnSp>
           <p:nvCxnSpPr>
-            <p:cNvPr id="36" name="直接箭头连接符 35"/>
+            <p:cNvPr id="98" name="直接箭头连接符 97"/>
             <p:cNvCxnSpPr/>
             <p:nvPr/>
           </p:nvCxnSpPr>
           <p:spPr>
             <a:xfrm flipH="1" flipV="1">
-              <a:off x="2596" y="3811"/>
-              <a:ext cx="1" cy="788"/>
+              <a:off x="300" y="5091"/>
+              <a:ext cx="1484" cy="219"/>
             </a:xfrm>
             <a:prstGeom prst="straightConnector1">
               <a:avLst/>
@@ -46436,13 +49657,13 @@
         </p:cxnSp>
         <p:sp>
           <p:nvSpPr>
-            <p:cNvPr id="37" name="文本框 36"/>
+            <p:cNvPr id="99" name="文本框 98"/>
             <p:cNvSpPr txBox="1"/>
             <p:nvPr/>
           </p:nvSpPr>
           <p:spPr>
             <a:xfrm>
-              <a:off x="2364" y="3277"/>
+              <a:off x="1842" y="4321"/>
               <a:ext cx="719" cy="580"/>
             </a:xfrm>
             <a:prstGeom prst="rect">
@@ -46457,7 +49678,7 @@
             <a:p>
               <a:r>
                 <a:rPr lang="en-US" altLang="zh-CN"/>
-                <a:t>0</a:t>
+                <a:t>5</a:t>
               </a:r>
               <a:endParaRPr lang="en-US" altLang="zh-CN"/>
             </a:p>
@@ -46466,27 +49687,27 @@
       </p:grpSp>
       <p:grpSp>
         <p:nvGrpSpPr>
-          <p:cNvPr id="38" name="组合 37"/>
+          <p:cNvPr id="100" name="组合 99"/>
           <p:cNvGrpSpPr/>
           <p:nvPr/>
         </p:nvGrpSpPr>
         <p:grpSpPr>
-          <a:xfrm>
-            <a:off x="7489190" y="2084070"/>
-            <a:ext cx="573405" cy="1369060"/>
-            <a:chOff x="2179" y="3277"/>
-            <a:chExt cx="903" cy="2156"/>
+          <a:xfrm rot="0">
+            <a:off x="6385560" y="5059680"/>
+            <a:ext cx="931545" cy="898525"/>
+            <a:chOff x="1159" y="5400"/>
+            <a:chExt cx="1467" cy="1415"/>
           </a:xfrm>
         </p:grpSpPr>
         <p:sp>
           <p:nvSpPr>
-            <p:cNvPr id="39" name="椭圆 38"/>
+            <p:cNvPr id="101" name="椭圆 100"/>
             <p:cNvSpPr/>
             <p:nvPr/>
           </p:nvSpPr>
           <p:spPr>
             <a:xfrm>
-              <a:off x="2179" y="4599"/>
+              <a:off x="1768" y="5980"/>
               <a:ext cx="835" cy="835"/>
             </a:xfrm>
             <a:prstGeom prst="ellipse">
@@ -46522,14 +49743,14 @@
         </p:sp>
         <p:cxnSp>
           <p:nvCxnSpPr>
-            <p:cNvPr id="40" name="直接箭头连接符 39"/>
+            <p:cNvPr id="102" name="直接箭头连接符 101"/>
             <p:cNvCxnSpPr/>
             <p:nvPr/>
           </p:nvCxnSpPr>
           <p:spPr>
             <a:xfrm flipH="1" flipV="1">
-              <a:off x="2596" y="3811"/>
-              <a:ext cx="1" cy="788"/>
+              <a:off x="1159" y="5429"/>
+              <a:ext cx="748" cy="551"/>
             </a:xfrm>
             <a:prstGeom prst="straightConnector1">
               <a:avLst/>
@@ -46555,13 +49776,13 @@
         </p:cxnSp>
         <p:sp>
           <p:nvSpPr>
-            <p:cNvPr id="41" name="文本框 40"/>
+            <p:cNvPr id="103" name="文本框 102"/>
             <p:cNvSpPr txBox="1"/>
             <p:nvPr/>
           </p:nvSpPr>
           <p:spPr>
             <a:xfrm>
-              <a:off x="2364" y="3277"/>
+              <a:off x="1907" y="5400"/>
               <a:ext cx="719" cy="580"/>
             </a:xfrm>
             <a:prstGeom prst="rect">
@@ -46576,7 +49797,7 @@
             <a:p>
               <a:r>
                 <a:rPr lang="en-US" altLang="zh-CN"/>
-                <a:t>0</a:t>
+                <a:t>7</a:t>
               </a:r>
               <a:endParaRPr lang="en-US" altLang="zh-CN"/>
             </a:p>
@@ -46585,41 +49806,4560 @@
       </p:grpSp>
       <p:sp>
         <p:nvSpPr>
-          <p:cNvPr id="42" name="矩形 41"/>
-          <p:cNvSpPr/>
+          <p:cNvPr id="104" name="文本框 103"/>
+          <p:cNvSpPr txBox="1"/>
           <p:nvPr/>
         </p:nvSpPr>
         <p:spPr>
           <a:xfrm>
-            <a:off x="1339215" y="3818890"/>
-            <a:ext cx="6724650" cy="751840"/>
+            <a:off x="8233410" y="4618990"/>
+            <a:ext cx="2595245" cy="1198880"/>
+          </a:xfrm>
+          <a:prstGeom prst="rect">
+            <a:avLst/>
+          </a:prstGeom>
+          <a:noFill/>
+        </p:spPr>
+        <p:txBody>
+          <a:bodyPr wrap="square" rtlCol="0">
+            <a:spAutoFit/>
+          </a:bodyPr>
+          <a:p>
+            <a:r>
+              <a:rPr lang="en-US" altLang="zh-CN" sz="2400" b="1"/>
+              <a:t>Union(S,5,7)</a:t>
+            </a:r>
+            <a:r>
+              <a:rPr lang="en-US" altLang="zh-CN" sz="2400" b="1">
+                <a:sym typeface="+mn-ea"/>
+              </a:rPr>
+              <a:t>-&gt;</a:t>
+            </a:r>
+            <a:br>
+              <a:rPr lang="en-US" altLang="zh-CN" sz="2400" b="1"/>
+            </a:br>
+            <a:r>
+              <a:rPr lang="en-US" altLang="zh-CN" sz="2400" b="1"/>
+              <a:t>find(8) = 7</a:t>
+            </a:r>
+            <a:endParaRPr lang="en-US" altLang="zh-CN" sz="2400" b="1"/>
+          </a:p>
+          <a:p>
+            <a:r>
+              <a:rPr lang="en-US" altLang="zh-CN" sz="2400" b="1"/>
+              <a:t>find(7) = 5</a:t>
+            </a:r>
+            <a:endParaRPr lang="en-US" altLang="zh-CN" sz="2400" b="1"/>
+          </a:p>
+        </p:txBody>
+      </p:sp>
+    </p:spTree>
+  </p:cSld>
+  <p:clrMapOvr>
+    <a:masterClrMapping/>
+  </p:clrMapOvr>
+</p:sld>
+</file>
+
+<file path=ppt/slides/slide36.xml><?xml version="1.0" encoding="utf-8"?>
+<p:sld xmlns:a="http://schemas.openxmlformats.org/drawingml/2006/main" xmlns:r="http://schemas.openxmlformats.org/officeDocument/2006/relationships" xmlns:p="http://schemas.openxmlformats.org/presentationml/2006/main">
+  <p:cSld>
+    <p:spTree>
+      <p:nvGrpSpPr>
+        <p:cNvPr id="1" name=""/>
+        <p:cNvGrpSpPr/>
+        <p:nvPr/>
+      </p:nvGrpSpPr>
+      <p:grpSpPr/>
+      <p:sp>
+        <p:nvSpPr>
+          <p:cNvPr id="3" name="标题 2"/>
+          <p:cNvSpPr/>
+          <p:nvPr>
+            <p:ph type="title"/>
+          </p:nvPr>
+        </p:nvSpPr>
+        <p:spPr/>
+        <p:txBody>
+          <a:bodyPr/>
+          <a:p>
+            <a:r>
+              <a:rPr lang="en-US" altLang="zh-CN"/>
+              <a:t>Union </a:t>
+            </a:r>
+            <a:r>
+              <a:rPr lang="zh-CN" altLang="en-US"/>
+              <a:t>优化</a:t>
+            </a:r>
+            <a:endParaRPr lang="zh-CN" altLang="en-US"/>
+          </a:p>
+        </p:txBody>
+      </p:sp>
+      <p:grpSp>
+        <p:nvGrpSpPr>
+          <p:cNvPr id="4" name="组合 3"/>
+          <p:cNvGrpSpPr/>
+          <p:nvPr/>
+        </p:nvGrpSpPr>
+        <p:grpSpPr>
+          <a:xfrm>
+            <a:off x="968375" y="1691005"/>
+            <a:ext cx="6664325" cy="1372870"/>
+            <a:chOff x="2203" y="3277"/>
+            <a:chExt cx="10495" cy="2162"/>
+          </a:xfrm>
+        </p:grpSpPr>
+        <p:grpSp>
+          <p:nvGrpSpPr>
+            <p:cNvPr id="13" name="组合 12"/>
+            <p:cNvGrpSpPr/>
+            <p:nvPr/>
+          </p:nvGrpSpPr>
+          <p:grpSpPr>
+            <a:xfrm>
+              <a:off x="2203" y="3277"/>
+              <a:ext cx="904" cy="2157"/>
+              <a:chOff x="2179" y="3277"/>
+              <a:chExt cx="904" cy="2157"/>
+            </a:xfrm>
+          </p:grpSpPr>
+          <p:sp>
+            <p:nvSpPr>
+              <p:cNvPr id="2" name="椭圆 1"/>
+              <p:cNvSpPr/>
+              <p:nvPr/>
+            </p:nvSpPr>
+            <p:spPr>
+              <a:xfrm>
+                <a:off x="2179" y="4599"/>
+                <a:ext cx="835" cy="835"/>
+              </a:xfrm>
+              <a:prstGeom prst="ellipse">
+                <a:avLst/>
+              </a:prstGeom>
+              <a:ln w="28575"/>
+            </p:spPr>
+            <p:style>
+              <a:lnRef idx="2">
+                <a:schemeClr val="accent1"/>
+              </a:lnRef>
+              <a:fillRef idx="1">
+                <a:schemeClr val="lt1"/>
+              </a:fillRef>
+              <a:effectRef idx="0">
+                <a:schemeClr val="accent1"/>
+              </a:effectRef>
+              <a:fontRef idx="minor">
+                <a:schemeClr val="dk1"/>
+              </a:fontRef>
+            </p:style>
+            <p:txBody>
+              <a:bodyPr rtlCol="0" anchor="ctr"/>
+              <a:p>
+                <a:pPr algn="ctr"/>
+                <a:r>
+                  <a:rPr lang="en-US" altLang="zh-CN"/>
+                  <a:t>0</a:t>
+                </a:r>
+                <a:endParaRPr lang="en-US" altLang="zh-CN"/>
+              </a:p>
+            </p:txBody>
+          </p:sp>
+          <p:cxnSp>
+            <p:nvCxnSpPr>
+              <p:cNvPr id="11" name="直接箭头连接符 10"/>
+              <p:cNvCxnSpPr/>
+              <p:nvPr/>
+            </p:nvCxnSpPr>
+            <p:spPr>
+              <a:xfrm flipH="1" flipV="1">
+                <a:off x="2596" y="3811"/>
+                <a:ext cx="1" cy="788"/>
+              </a:xfrm>
+              <a:prstGeom prst="straightConnector1">
+                <a:avLst/>
+              </a:prstGeom>
+              <a:ln w="28575">
+                <a:tailEnd type="arrow"/>
+              </a:ln>
+            </p:spPr>
+            <p:style>
+              <a:lnRef idx="1">
+                <a:schemeClr val="accent1"/>
+              </a:lnRef>
+              <a:fillRef idx="0">
+                <a:schemeClr val="accent1"/>
+              </a:fillRef>
+              <a:effectRef idx="0">
+                <a:schemeClr val="accent1"/>
+              </a:effectRef>
+              <a:fontRef idx="minor">
+                <a:schemeClr val="tx1"/>
+              </a:fontRef>
+            </p:style>
+          </p:cxnSp>
+          <p:sp>
+            <p:nvSpPr>
+              <p:cNvPr id="12" name="文本框 11"/>
+              <p:cNvSpPr txBox="1"/>
+              <p:nvPr/>
+            </p:nvSpPr>
+            <p:spPr>
+              <a:xfrm>
+                <a:off x="2364" y="3277"/>
+                <a:ext cx="719" cy="580"/>
+              </a:xfrm>
+              <a:prstGeom prst="rect">
+                <a:avLst/>
+              </a:prstGeom>
+              <a:noFill/>
+            </p:spPr>
+            <p:txBody>
+              <a:bodyPr wrap="square" rtlCol="0">
+                <a:spAutoFit/>
+              </a:bodyPr>
+              <a:p>
+                <a:r>
+                  <a:rPr lang="en-US" altLang="zh-CN"/>
+                  <a:t>-1</a:t>
+                </a:r>
+                <a:endParaRPr lang="en-US" altLang="zh-CN"/>
+              </a:p>
+            </p:txBody>
+          </p:sp>
+        </p:grpSp>
+        <p:grpSp>
+          <p:nvGrpSpPr>
+            <p:cNvPr id="14" name="组合 13"/>
+            <p:cNvGrpSpPr/>
+            <p:nvPr/>
+          </p:nvGrpSpPr>
+          <p:grpSpPr>
+            <a:xfrm>
+              <a:off x="3470" y="3277"/>
+              <a:ext cx="904" cy="2157"/>
+              <a:chOff x="2179" y="3277"/>
+              <a:chExt cx="904" cy="2157"/>
+            </a:xfrm>
+          </p:grpSpPr>
+          <p:sp>
+            <p:nvSpPr>
+              <p:cNvPr id="15" name="椭圆 14"/>
+              <p:cNvSpPr/>
+              <p:nvPr/>
+            </p:nvSpPr>
+            <p:spPr>
+              <a:xfrm>
+                <a:off x="2179" y="4599"/>
+                <a:ext cx="835" cy="835"/>
+              </a:xfrm>
+              <a:prstGeom prst="ellipse">
+                <a:avLst/>
+              </a:prstGeom>
+              <a:ln w="28575"/>
+            </p:spPr>
+            <p:style>
+              <a:lnRef idx="2">
+                <a:schemeClr val="accent1"/>
+              </a:lnRef>
+              <a:fillRef idx="1">
+                <a:schemeClr val="lt1"/>
+              </a:fillRef>
+              <a:effectRef idx="0">
+                <a:schemeClr val="accent1"/>
+              </a:effectRef>
+              <a:fontRef idx="minor">
+                <a:schemeClr val="dk1"/>
+              </a:fontRef>
+            </p:style>
+            <p:txBody>
+              <a:bodyPr rtlCol="0" anchor="ctr"/>
+              <a:p>
+                <a:pPr algn="ctr"/>
+                <a:r>
+                  <a:rPr lang="en-US" altLang="zh-CN"/>
+                  <a:t>1</a:t>
+                </a:r>
+                <a:endParaRPr lang="en-US" altLang="zh-CN"/>
+              </a:p>
+            </p:txBody>
+          </p:sp>
+          <p:cxnSp>
+            <p:nvCxnSpPr>
+              <p:cNvPr id="16" name="直接箭头连接符 15"/>
+              <p:cNvCxnSpPr/>
+              <p:nvPr/>
+            </p:nvCxnSpPr>
+            <p:spPr>
+              <a:xfrm flipH="1" flipV="1">
+                <a:off x="2596" y="3811"/>
+                <a:ext cx="1" cy="788"/>
+              </a:xfrm>
+              <a:prstGeom prst="straightConnector1">
+                <a:avLst/>
+              </a:prstGeom>
+              <a:ln w="28575">
+                <a:tailEnd type="arrow"/>
+              </a:ln>
+            </p:spPr>
+            <p:style>
+              <a:lnRef idx="1">
+                <a:schemeClr val="accent1"/>
+              </a:lnRef>
+              <a:fillRef idx="0">
+                <a:schemeClr val="accent1"/>
+              </a:fillRef>
+              <a:effectRef idx="0">
+                <a:schemeClr val="accent1"/>
+              </a:effectRef>
+              <a:fontRef idx="minor">
+                <a:schemeClr val="tx1"/>
+              </a:fontRef>
+            </p:style>
+          </p:cxnSp>
+          <p:sp>
+            <p:nvSpPr>
+              <p:cNvPr id="17" name="文本框 16"/>
+              <p:cNvSpPr txBox="1"/>
+              <p:nvPr/>
+            </p:nvSpPr>
+            <p:spPr>
+              <a:xfrm>
+                <a:off x="2364" y="3277"/>
+                <a:ext cx="719" cy="1016"/>
+              </a:xfrm>
+              <a:prstGeom prst="rect">
+                <a:avLst/>
+              </a:prstGeom>
+              <a:noFill/>
+            </p:spPr>
+            <p:txBody>
+              <a:bodyPr wrap="square" rtlCol="0">
+                <a:spAutoFit/>
+              </a:bodyPr>
+              <a:p>
+                <a:r>
+                  <a:rPr lang="en-US" altLang="zh-CN">
+                    <a:sym typeface="+mn-ea"/>
+                  </a:rPr>
+                  <a:t>-1</a:t>
+                </a:r>
+                <a:endParaRPr lang="en-US" altLang="zh-CN"/>
+              </a:p>
+              <a:p>
+                <a:endParaRPr lang="en-US" altLang="zh-CN"/>
+              </a:p>
+            </p:txBody>
+          </p:sp>
+        </p:grpSp>
+        <p:grpSp>
+          <p:nvGrpSpPr>
+            <p:cNvPr id="18" name="组合 17"/>
+            <p:cNvGrpSpPr/>
+            <p:nvPr/>
+          </p:nvGrpSpPr>
+          <p:grpSpPr>
+            <a:xfrm>
+              <a:off x="4861" y="3277"/>
+              <a:ext cx="904" cy="2157"/>
+              <a:chOff x="2179" y="3277"/>
+              <a:chExt cx="904" cy="2157"/>
+            </a:xfrm>
+          </p:grpSpPr>
+          <p:sp>
+            <p:nvSpPr>
+              <p:cNvPr id="19" name="椭圆 18"/>
+              <p:cNvSpPr/>
+              <p:nvPr/>
+            </p:nvSpPr>
+            <p:spPr>
+              <a:xfrm>
+                <a:off x="2179" y="4599"/>
+                <a:ext cx="835" cy="835"/>
+              </a:xfrm>
+              <a:prstGeom prst="ellipse">
+                <a:avLst/>
+              </a:prstGeom>
+              <a:ln w="28575"/>
+            </p:spPr>
+            <p:style>
+              <a:lnRef idx="2">
+                <a:schemeClr val="accent1"/>
+              </a:lnRef>
+              <a:fillRef idx="1">
+                <a:schemeClr val="lt1"/>
+              </a:fillRef>
+              <a:effectRef idx="0">
+                <a:schemeClr val="accent1"/>
+              </a:effectRef>
+              <a:fontRef idx="minor">
+                <a:schemeClr val="dk1"/>
+              </a:fontRef>
+            </p:style>
+            <p:txBody>
+              <a:bodyPr rtlCol="0" anchor="ctr"/>
+              <a:p>
+                <a:pPr algn="ctr"/>
+                <a:r>
+                  <a:rPr lang="en-US" altLang="zh-CN"/>
+                  <a:t>2</a:t>
+                </a:r>
+                <a:endParaRPr lang="en-US" altLang="zh-CN"/>
+              </a:p>
+            </p:txBody>
+          </p:sp>
+          <p:cxnSp>
+            <p:nvCxnSpPr>
+              <p:cNvPr id="20" name="直接箭头连接符 19"/>
+              <p:cNvCxnSpPr/>
+              <p:nvPr/>
+            </p:nvCxnSpPr>
+            <p:spPr>
+              <a:xfrm flipH="1" flipV="1">
+                <a:off x="2596" y="3811"/>
+                <a:ext cx="1" cy="788"/>
+              </a:xfrm>
+              <a:prstGeom prst="straightConnector1">
+                <a:avLst/>
+              </a:prstGeom>
+              <a:ln w="28575">
+                <a:tailEnd type="arrow"/>
+              </a:ln>
+            </p:spPr>
+            <p:style>
+              <a:lnRef idx="1">
+                <a:schemeClr val="accent1"/>
+              </a:lnRef>
+              <a:fillRef idx="0">
+                <a:schemeClr val="accent1"/>
+              </a:fillRef>
+              <a:effectRef idx="0">
+                <a:schemeClr val="accent1"/>
+              </a:effectRef>
+              <a:fontRef idx="minor">
+                <a:schemeClr val="tx1"/>
+              </a:fontRef>
+            </p:style>
+          </p:cxnSp>
+          <p:sp>
+            <p:nvSpPr>
+              <p:cNvPr id="21" name="文本框 20"/>
+              <p:cNvSpPr txBox="1"/>
+              <p:nvPr/>
+            </p:nvSpPr>
+            <p:spPr>
+              <a:xfrm>
+                <a:off x="2364" y="3277"/>
+                <a:ext cx="719" cy="1016"/>
+              </a:xfrm>
+              <a:prstGeom prst="rect">
+                <a:avLst/>
+              </a:prstGeom>
+              <a:noFill/>
+            </p:spPr>
+            <p:txBody>
+              <a:bodyPr wrap="square" rtlCol="0">
+                <a:spAutoFit/>
+              </a:bodyPr>
+              <a:p>
+                <a:r>
+                  <a:rPr lang="en-US" altLang="zh-CN">
+                    <a:sym typeface="+mn-ea"/>
+                  </a:rPr>
+                  <a:t>-1</a:t>
+                </a:r>
+                <a:endParaRPr lang="en-US" altLang="zh-CN"/>
+              </a:p>
+              <a:p>
+                <a:endParaRPr lang="en-US" altLang="zh-CN"/>
+              </a:p>
+            </p:txBody>
+          </p:sp>
+        </p:grpSp>
+        <p:grpSp>
+          <p:nvGrpSpPr>
+            <p:cNvPr id="22" name="组合 21"/>
+            <p:cNvGrpSpPr/>
+            <p:nvPr/>
+          </p:nvGrpSpPr>
+          <p:grpSpPr>
+            <a:xfrm>
+              <a:off x="6159" y="3278"/>
+              <a:ext cx="904" cy="2157"/>
+              <a:chOff x="2179" y="3277"/>
+              <a:chExt cx="904" cy="2157"/>
+            </a:xfrm>
+          </p:grpSpPr>
+          <p:sp>
+            <p:nvSpPr>
+              <p:cNvPr id="23" name="椭圆 22"/>
+              <p:cNvSpPr/>
+              <p:nvPr/>
+            </p:nvSpPr>
+            <p:spPr>
+              <a:xfrm>
+                <a:off x="2179" y="4599"/>
+                <a:ext cx="835" cy="835"/>
+              </a:xfrm>
+              <a:prstGeom prst="ellipse">
+                <a:avLst/>
+              </a:prstGeom>
+              <a:ln w="28575"/>
+            </p:spPr>
+            <p:style>
+              <a:lnRef idx="2">
+                <a:schemeClr val="accent1"/>
+              </a:lnRef>
+              <a:fillRef idx="1">
+                <a:schemeClr val="lt1"/>
+              </a:fillRef>
+              <a:effectRef idx="0">
+                <a:schemeClr val="accent1"/>
+              </a:effectRef>
+              <a:fontRef idx="minor">
+                <a:schemeClr val="dk1"/>
+              </a:fontRef>
+            </p:style>
+            <p:txBody>
+              <a:bodyPr rtlCol="0" anchor="ctr"/>
+              <a:p>
+                <a:pPr algn="ctr"/>
+                <a:r>
+                  <a:rPr lang="en-US" altLang="zh-CN"/>
+                  <a:t>3</a:t>
+                </a:r>
+                <a:endParaRPr lang="en-US" altLang="zh-CN"/>
+              </a:p>
+            </p:txBody>
+          </p:sp>
+          <p:cxnSp>
+            <p:nvCxnSpPr>
+              <p:cNvPr id="24" name="直接箭头连接符 23"/>
+              <p:cNvCxnSpPr/>
+              <p:nvPr/>
+            </p:nvCxnSpPr>
+            <p:spPr>
+              <a:xfrm flipH="1" flipV="1">
+                <a:off x="2596" y="3811"/>
+                <a:ext cx="1" cy="788"/>
+              </a:xfrm>
+              <a:prstGeom prst="straightConnector1">
+                <a:avLst/>
+              </a:prstGeom>
+              <a:ln w="28575">
+                <a:tailEnd type="arrow"/>
+              </a:ln>
+            </p:spPr>
+            <p:style>
+              <a:lnRef idx="1">
+                <a:schemeClr val="accent1"/>
+              </a:lnRef>
+              <a:fillRef idx="0">
+                <a:schemeClr val="accent1"/>
+              </a:fillRef>
+              <a:effectRef idx="0">
+                <a:schemeClr val="accent1"/>
+              </a:effectRef>
+              <a:fontRef idx="minor">
+                <a:schemeClr val="tx1"/>
+              </a:fontRef>
+            </p:style>
+          </p:cxnSp>
+          <p:sp>
+            <p:nvSpPr>
+              <p:cNvPr id="25" name="文本框 24"/>
+              <p:cNvSpPr txBox="1"/>
+              <p:nvPr/>
+            </p:nvSpPr>
+            <p:spPr>
+              <a:xfrm>
+                <a:off x="2364" y="3277"/>
+                <a:ext cx="719" cy="580"/>
+              </a:xfrm>
+              <a:prstGeom prst="rect">
+                <a:avLst/>
+              </a:prstGeom>
+              <a:noFill/>
+            </p:spPr>
+            <p:txBody>
+              <a:bodyPr wrap="square" rtlCol="0">
+                <a:spAutoFit/>
+              </a:bodyPr>
+              <a:p>
+                <a:r>
+                  <a:rPr lang="en-US" altLang="zh-CN">
+                    <a:sym typeface="+mn-ea"/>
+                  </a:rPr>
+                  <a:t>-1</a:t>
+                </a:r>
+                <a:endParaRPr lang="en-US" altLang="zh-CN"/>
+              </a:p>
+            </p:txBody>
+          </p:sp>
+        </p:grpSp>
+        <p:grpSp>
+          <p:nvGrpSpPr>
+            <p:cNvPr id="26" name="组合 25"/>
+            <p:cNvGrpSpPr/>
+            <p:nvPr/>
+          </p:nvGrpSpPr>
+          <p:grpSpPr>
+            <a:xfrm>
+              <a:off x="7574" y="3279"/>
+              <a:ext cx="904" cy="2157"/>
+              <a:chOff x="2179" y="3277"/>
+              <a:chExt cx="904" cy="2157"/>
+            </a:xfrm>
+          </p:grpSpPr>
+          <p:sp>
+            <p:nvSpPr>
+              <p:cNvPr id="27" name="椭圆 26"/>
+              <p:cNvSpPr/>
+              <p:nvPr/>
+            </p:nvSpPr>
+            <p:spPr>
+              <a:xfrm>
+                <a:off x="2179" y="4599"/>
+                <a:ext cx="835" cy="835"/>
+              </a:xfrm>
+              <a:prstGeom prst="ellipse">
+                <a:avLst/>
+              </a:prstGeom>
+              <a:ln w="28575"/>
+            </p:spPr>
+            <p:style>
+              <a:lnRef idx="2">
+                <a:schemeClr val="accent1"/>
+              </a:lnRef>
+              <a:fillRef idx="1">
+                <a:schemeClr val="lt1"/>
+              </a:fillRef>
+              <a:effectRef idx="0">
+                <a:schemeClr val="accent1"/>
+              </a:effectRef>
+              <a:fontRef idx="minor">
+                <a:schemeClr val="dk1"/>
+              </a:fontRef>
+            </p:style>
+            <p:txBody>
+              <a:bodyPr rtlCol="0" anchor="ctr"/>
+              <a:p>
+                <a:pPr algn="ctr"/>
+                <a:r>
+                  <a:rPr lang="en-US" altLang="zh-CN"/>
+                  <a:t>4</a:t>
+                </a:r>
+                <a:endParaRPr lang="en-US" altLang="zh-CN"/>
+              </a:p>
+            </p:txBody>
+          </p:sp>
+          <p:cxnSp>
+            <p:nvCxnSpPr>
+              <p:cNvPr id="28" name="直接箭头连接符 27"/>
+              <p:cNvCxnSpPr/>
+              <p:nvPr/>
+            </p:nvCxnSpPr>
+            <p:spPr>
+              <a:xfrm flipH="1" flipV="1">
+                <a:off x="2596" y="3811"/>
+                <a:ext cx="1" cy="788"/>
+              </a:xfrm>
+              <a:prstGeom prst="straightConnector1">
+                <a:avLst/>
+              </a:prstGeom>
+              <a:ln w="28575">
+                <a:tailEnd type="arrow"/>
+              </a:ln>
+            </p:spPr>
+            <p:style>
+              <a:lnRef idx="1">
+                <a:schemeClr val="accent1"/>
+              </a:lnRef>
+              <a:fillRef idx="0">
+                <a:schemeClr val="accent1"/>
+              </a:fillRef>
+              <a:effectRef idx="0">
+                <a:schemeClr val="accent1"/>
+              </a:effectRef>
+              <a:fontRef idx="minor">
+                <a:schemeClr val="tx1"/>
+              </a:fontRef>
+            </p:style>
+          </p:cxnSp>
+          <p:sp>
+            <p:nvSpPr>
+              <p:cNvPr id="29" name="文本框 28"/>
+              <p:cNvSpPr txBox="1"/>
+              <p:nvPr/>
+            </p:nvSpPr>
+            <p:spPr>
+              <a:xfrm>
+                <a:off x="2364" y="3277"/>
+                <a:ext cx="719" cy="580"/>
+              </a:xfrm>
+              <a:prstGeom prst="rect">
+                <a:avLst/>
+              </a:prstGeom>
+              <a:noFill/>
+            </p:spPr>
+            <p:txBody>
+              <a:bodyPr wrap="square" rtlCol="0">
+                <a:spAutoFit/>
+              </a:bodyPr>
+              <a:p>
+                <a:r>
+                  <a:rPr lang="en-US" altLang="zh-CN">
+                    <a:sym typeface="+mn-ea"/>
+                  </a:rPr>
+                  <a:t>-1</a:t>
+                </a:r>
+                <a:endParaRPr lang="en-US" altLang="zh-CN"/>
+              </a:p>
+            </p:txBody>
+          </p:sp>
+        </p:grpSp>
+        <p:grpSp>
+          <p:nvGrpSpPr>
+            <p:cNvPr id="30" name="组合 29"/>
+            <p:cNvGrpSpPr/>
+            <p:nvPr/>
+          </p:nvGrpSpPr>
+          <p:grpSpPr>
+            <a:xfrm>
+              <a:off x="8966" y="3279"/>
+              <a:ext cx="904" cy="2157"/>
+              <a:chOff x="2179" y="3277"/>
+              <a:chExt cx="904" cy="2157"/>
+            </a:xfrm>
+          </p:grpSpPr>
+          <p:sp>
+            <p:nvSpPr>
+              <p:cNvPr id="31" name="椭圆 30"/>
+              <p:cNvSpPr/>
+              <p:nvPr/>
+            </p:nvSpPr>
+            <p:spPr>
+              <a:xfrm>
+                <a:off x="2179" y="4599"/>
+                <a:ext cx="835" cy="835"/>
+              </a:xfrm>
+              <a:prstGeom prst="ellipse">
+                <a:avLst/>
+              </a:prstGeom>
+              <a:ln w="28575"/>
+            </p:spPr>
+            <p:style>
+              <a:lnRef idx="2">
+                <a:schemeClr val="accent1"/>
+              </a:lnRef>
+              <a:fillRef idx="1">
+                <a:schemeClr val="lt1"/>
+              </a:fillRef>
+              <a:effectRef idx="0">
+                <a:schemeClr val="accent1"/>
+              </a:effectRef>
+              <a:fontRef idx="minor">
+                <a:schemeClr val="dk1"/>
+              </a:fontRef>
+            </p:style>
+            <p:txBody>
+              <a:bodyPr rtlCol="0" anchor="ctr"/>
+              <a:p>
+                <a:pPr algn="ctr"/>
+                <a:r>
+                  <a:rPr lang="en-US" altLang="zh-CN"/>
+                  <a:t>5</a:t>
+                </a:r>
+                <a:endParaRPr lang="en-US" altLang="zh-CN"/>
+              </a:p>
+            </p:txBody>
+          </p:sp>
+          <p:cxnSp>
+            <p:nvCxnSpPr>
+              <p:cNvPr id="32" name="直接箭头连接符 31"/>
+              <p:cNvCxnSpPr/>
+              <p:nvPr/>
+            </p:nvCxnSpPr>
+            <p:spPr>
+              <a:xfrm flipH="1" flipV="1">
+                <a:off x="2596" y="3811"/>
+                <a:ext cx="1" cy="788"/>
+              </a:xfrm>
+              <a:prstGeom prst="straightConnector1">
+                <a:avLst/>
+              </a:prstGeom>
+              <a:ln w="28575">
+                <a:tailEnd type="arrow"/>
+              </a:ln>
+            </p:spPr>
+            <p:style>
+              <a:lnRef idx="1">
+                <a:schemeClr val="accent1"/>
+              </a:lnRef>
+              <a:fillRef idx="0">
+                <a:schemeClr val="accent1"/>
+              </a:fillRef>
+              <a:effectRef idx="0">
+                <a:schemeClr val="accent1"/>
+              </a:effectRef>
+              <a:fontRef idx="minor">
+                <a:schemeClr val="tx1"/>
+              </a:fontRef>
+            </p:style>
+          </p:cxnSp>
+          <p:sp>
+            <p:nvSpPr>
+              <p:cNvPr id="33" name="文本框 32"/>
+              <p:cNvSpPr txBox="1"/>
+              <p:nvPr/>
+            </p:nvSpPr>
+            <p:spPr>
+              <a:xfrm>
+                <a:off x="2364" y="3277"/>
+                <a:ext cx="719" cy="580"/>
+              </a:xfrm>
+              <a:prstGeom prst="rect">
+                <a:avLst/>
+              </a:prstGeom>
+              <a:noFill/>
+            </p:spPr>
+            <p:txBody>
+              <a:bodyPr wrap="square" rtlCol="0">
+                <a:spAutoFit/>
+              </a:bodyPr>
+              <a:p>
+                <a:r>
+                  <a:rPr lang="en-US" altLang="zh-CN">
+                    <a:sym typeface="+mn-ea"/>
+                  </a:rPr>
+                  <a:t>-1</a:t>
+                </a:r>
+                <a:endParaRPr lang="en-US" altLang="zh-CN"/>
+              </a:p>
+            </p:txBody>
+          </p:sp>
+        </p:grpSp>
+        <p:grpSp>
+          <p:nvGrpSpPr>
+            <p:cNvPr id="34" name="组合 33"/>
+            <p:cNvGrpSpPr/>
+            <p:nvPr/>
+          </p:nvGrpSpPr>
+          <p:grpSpPr>
+            <a:xfrm>
+              <a:off x="10357" y="3281"/>
+              <a:ext cx="904" cy="2157"/>
+              <a:chOff x="2179" y="3277"/>
+              <a:chExt cx="904" cy="2157"/>
+            </a:xfrm>
+          </p:grpSpPr>
+          <p:sp>
+            <p:nvSpPr>
+              <p:cNvPr id="35" name="椭圆 34"/>
+              <p:cNvSpPr/>
+              <p:nvPr/>
+            </p:nvSpPr>
+            <p:spPr>
+              <a:xfrm>
+                <a:off x="2179" y="4599"/>
+                <a:ext cx="835" cy="835"/>
+              </a:xfrm>
+              <a:prstGeom prst="ellipse">
+                <a:avLst/>
+              </a:prstGeom>
+              <a:ln w="28575"/>
+            </p:spPr>
+            <p:style>
+              <a:lnRef idx="2">
+                <a:schemeClr val="accent1"/>
+              </a:lnRef>
+              <a:fillRef idx="1">
+                <a:schemeClr val="lt1"/>
+              </a:fillRef>
+              <a:effectRef idx="0">
+                <a:schemeClr val="accent1"/>
+              </a:effectRef>
+              <a:fontRef idx="minor">
+                <a:schemeClr val="dk1"/>
+              </a:fontRef>
+            </p:style>
+            <p:txBody>
+              <a:bodyPr rtlCol="0" anchor="ctr"/>
+              <a:p>
+                <a:pPr algn="ctr"/>
+                <a:r>
+                  <a:rPr lang="en-US" altLang="zh-CN"/>
+                  <a:t>6</a:t>
+                </a:r>
+                <a:endParaRPr lang="en-US" altLang="zh-CN"/>
+              </a:p>
+            </p:txBody>
+          </p:sp>
+          <p:cxnSp>
+            <p:nvCxnSpPr>
+              <p:cNvPr id="36" name="直接箭头连接符 35"/>
+              <p:cNvCxnSpPr/>
+              <p:nvPr/>
+            </p:nvCxnSpPr>
+            <p:spPr>
+              <a:xfrm flipH="1" flipV="1">
+                <a:off x="2596" y="3811"/>
+                <a:ext cx="1" cy="788"/>
+              </a:xfrm>
+              <a:prstGeom prst="straightConnector1">
+                <a:avLst/>
+              </a:prstGeom>
+              <a:ln w="28575">
+                <a:tailEnd type="arrow"/>
+              </a:ln>
+            </p:spPr>
+            <p:style>
+              <a:lnRef idx="1">
+                <a:schemeClr val="accent1"/>
+              </a:lnRef>
+              <a:fillRef idx="0">
+                <a:schemeClr val="accent1"/>
+              </a:fillRef>
+              <a:effectRef idx="0">
+                <a:schemeClr val="accent1"/>
+              </a:effectRef>
+              <a:fontRef idx="minor">
+                <a:schemeClr val="tx1"/>
+              </a:fontRef>
+            </p:style>
+          </p:cxnSp>
+          <p:sp>
+            <p:nvSpPr>
+              <p:cNvPr id="37" name="文本框 36"/>
+              <p:cNvSpPr txBox="1"/>
+              <p:nvPr/>
+            </p:nvSpPr>
+            <p:spPr>
+              <a:xfrm>
+                <a:off x="2364" y="3277"/>
+                <a:ext cx="719" cy="580"/>
+              </a:xfrm>
+              <a:prstGeom prst="rect">
+                <a:avLst/>
+              </a:prstGeom>
+              <a:noFill/>
+            </p:spPr>
+            <p:txBody>
+              <a:bodyPr wrap="square" rtlCol="0">
+                <a:spAutoFit/>
+              </a:bodyPr>
+              <a:p>
+                <a:r>
+                  <a:rPr lang="en-US" altLang="zh-CN">
+                    <a:sym typeface="+mn-ea"/>
+                  </a:rPr>
+                  <a:t>-1</a:t>
+                </a:r>
+                <a:endParaRPr lang="en-US" altLang="zh-CN"/>
+              </a:p>
+            </p:txBody>
+          </p:sp>
+        </p:grpSp>
+        <p:grpSp>
+          <p:nvGrpSpPr>
+            <p:cNvPr id="38" name="组合 37"/>
+            <p:cNvGrpSpPr/>
+            <p:nvPr/>
+          </p:nvGrpSpPr>
+          <p:grpSpPr>
+            <a:xfrm>
+              <a:off x="11794" y="3282"/>
+              <a:ext cx="904" cy="2157"/>
+              <a:chOff x="2179" y="3277"/>
+              <a:chExt cx="904" cy="2157"/>
+            </a:xfrm>
+          </p:grpSpPr>
+          <p:sp>
+            <p:nvSpPr>
+              <p:cNvPr id="39" name="椭圆 38"/>
+              <p:cNvSpPr/>
+              <p:nvPr/>
+            </p:nvSpPr>
+            <p:spPr>
+              <a:xfrm>
+                <a:off x="2179" y="4599"/>
+                <a:ext cx="835" cy="835"/>
+              </a:xfrm>
+              <a:prstGeom prst="ellipse">
+                <a:avLst/>
+              </a:prstGeom>
+              <a:ln w="28575"/>
+            </p:spPr>
+            <p:style>
+              <a:lnRef idx="2">
+                <a:schemeClr val="accent1"/>
+              </a:lnRef>
+              <a:fillRef idx="1">
+                <a:schemeClr val="lt1"/>
+              </a:fillRef>
+              <a:effectRef idx="0">
+                <a:schemeClr val="accent1"/>
+              </a:effectRef>
+              <a:fontRef idx="minor">
+                <a:schemeClr val="dk1"/>
+              </a:fontRef>
+            </p:style>
+            <p:txBody>
+              <a:bodyPr rtlCol="0" anchor="ctr"/>
+              <a:p>
+                <a:pPr algn="ctr"/>
+                <a:r>
+                  <a:rPr lang="en-US" altLang="zh-CN"/>
+                  <a:t>7</a:t>
+                </a:r>
+                <a:endParaRPr lang="en-US" altLang="zh-CN"/>
+              </a:p>
+            </p:txBody>
+          </p:sp>
+          <p:cxnSp>
+            <p:nvCxnSpPr>
+              <p:cNvPr id="40" name="直接箭头连接符 39"/>
+              <p:cNvCxnSpPr/>
+              <p:nvPr/>
+            </p:nvCxnSpPr>
+            <p:spPr>
+              <a:xfrm flipH="1" flipV="1">
+                <a:off x="2596" y="3811"/>
+                <a:ext cx="1" cy="788"/>
+              </a:xfrm>
+              <a:prstGeom prst="straightConnector1">
+                <a:avLst/>
+              </a:prstGeom>
+              <a:ln w="28575">
+                <a:tailEnd type="arrow"/>
+              </a:ln>
+            </p:spPr>
+            <p:style>
+              <a:lnRef idx="1">
+                <a:schemeClr val="accent1"/>
+              </a:lnRef>
+              <a:fillRef idx="0">
+                <a:schemeClr val="accent1"/>
+              </a:fillRef>
+              <a:effectRef idx="0">
+                <a:schemeClr val="accent1"/>
+              </a:effectRef>
+              <a:fontRef idx="minor">
+                <a:schemeClr val="tx1"/>
+              </a:fontRef>
+            </p:style>
+          </p:cxnSp>
+          <p:sp>
+            <p:nvSpPr>
+              <p:cNvPr id="41" name="文本框 40"/>
+              <p:cNvSpPr txBox="1"/>
+              <p:nvPr/>
+            </p:nvSpPr>
+            <p:spPr>
+              <a:xfrm>
+                <a:off x="2364" y="3277"/>
+                <a:ext cx="719" cy="580"/>
+              </a:xfrm>
+              <a:prstGeom prst="rect">
+                <a:avLst/>
+              </a:prstGeom>
+              <a:noFill/>
+            </p:spPr>
+            <p:txBody>
+              <a:bodyPr wrap="square" rtlCol="0">
+                <a:spAutoFit/>
+              </a:bodyPr>
+              <a:p>
+                <a:r>
+                  <a:rPr lang="en-US" altLang="zh-CN">
+                    <a:sym typeface="+mn-ea"/>
+                  </a:rPr>
+                  <a:t>-1</a:t>
+                </a:r>
+                <a:endParaRPr lang="en-US" altLang="zh-CN"/>
+              </a:p>
+            </p:txBody>
+          </p:sp>
+        </p:grpSp>
+      </p:grpSp>
+      <p:sp>
+        <p:nvSpPr>
+          <p:cNvPr id="5" name="文本框 4"/>
+          <p:cNvSpPr txBox="1"/>
+          <p:nvPr/>
+        </p:nvSpPr>
+        <p:spPr>
+          <a:xfrm>
+            <a:off x="8246745" y="1694180"/>
+            <a:ext cx="1936750" cy="1568450"/>
+          </a:xfrm>
+          <a:prstGeom prst="rect">
+            <a:avLst/>
+          </a:prstGeom>
+          <a:noFill/>
+        </p:spPr>
+        <p:txBody>
+          <a:bodyPr wrap="square" rtlCol="0">
+            <a:spAutoFit/>
+          </a:bodyPr>
+          <a:p>
+            <a:r>
+              <a:rPr lang="zh-CN" altLang="en-US" sz="2400" b="1"/>
+              <a:t>初始化</a:t>
+            </a:r>
+            <a:endParaRPr lang="zh-CN" altLang="en-US" sz="2400" b="1"/>
+          </a:p>
+          <a:p>
+            <a:r>
+              <a:rPr lang="en-US" altLang="zh-CN" sz="2400"/>
+              <a:t>find(0) = -1</a:t>
+            </a:r>
+            <a:br>
+              <a:rPr lang="en-US" altLang="zh-CN" sz="2400"/>
+            </a:br>
+            <a:r>
+              <a:rPr lang="en-US" altLang="zh-CN" sz="2400"/>
+              <a:t>...</a:t>
+            </a:r>
+            <a:endParaRPr lang="en-US" altLang="zh-CN" sz="2400"/>
+          </a:p>
+          <a:p>
+            <a:r>
+              <a:rPr lang="en-US" altLang="zh-CN" sz="2400"/>
+              <a:t>find(7) = -1</a:t>
+            </a:r>
+            <a:endParaRPr lang="en-US" altLang="zh-CN" sz="2400"/>
+          </a:p>
+        </p:txBody>
+      </p:sp>
+      <p:sp>
+        <p:nvSpPr>
+          <p:cNvPr id="71" name="文本框 70"/>
+          <p:cNvSpPr txBox="1"/>
+          <p:nvPr/>
+        </p:nvSpPr>
+        <p:spPr>
+          <a:xfrm>
+            <a:off x="8246745" y="3958590"/>
+            <a:ext cx="3370580" cy="2306955"/>
+          </a:xfrm>
+          <a:prstGeom prst="rect">
+            <a:avLst/>
+          </a:prstGeom>
+          <a:noFill/>
+        </p:spPr>
+        <p:txBody>
+          <a:bodyPr wrap="square" rtlCol="0">
+            <a:spAutoFit/>
+          </a:bodyPr>
+          <a:p>
+            <a:r>
+              <a:rPr lang="en-US" altLang="zh-CN" sz="2400" b="1"/>
+              <a:t>Union(S,4,5)</a:t>
+            </a:r>
+            <a:r>
+              <a:rPr lang="en-US" altLang="zh-CN" sz="2400" b="1">
+                <a:sym typeface="+mn-ea"/>
+              </a:rPr>
+              <a:t>-&gt;</a:t>
+            </a:r>
+            <a:endParaRPr lang="en-US" altLang="zh-CN" sz="2400" b="1"/>
+          </a:p>
+          <a:p>
+            <a:r>
+              <a:rPr lang="en-US" altLang="zh-CN" sz="2400" b="1"/>
+              <a:t>Union(S,6,7)</a:t>
+            </a:r>
+            <a:r>
+              <a:rPr lang="en-US" altLang="zh-CN" sz="2400" b="1">
+                <a:sym typeface="+mn-ea"/>
+              </a:rPr>
+              <a:t>-&gt;</a:t>
+            </a:r>
+            <a:endParaRPr lang="en-US" altLang="zh-CN" sz="2400" b="1"/>
+          </a:p>
+          <a:p>
+            <a:r>
+              <a:rPr lang="en-US" altLang="zh-CN" sz="2400" b="1">
+                <a:solidFill>
+                  <a:srgbClr val="FF0000"/>
+                </a:solidFill>
+              </a:rPr>
+              <a:t>find(4) = 4(</a:t>
+            </a:r>
+            <a:r>
+              <a:rPr lang="zh-CN" altLang="en-US" sz="2400" b="1">
+                <a:solidFill>
+                  <a:srgbClr val="FF0000"/>
+                </a:solidFill>
+              </a:rPr>
+              <a:t>不等于</a:t>
+            </a:r>
+            <a:r>
+              <a:rPr lang="en-US" altLang="zh-CN" sz="2400" b="1">
+                <a:solidFill>
+                  <a:srgbClr val="FF0000"/>
+                </a:solidFill>
+              </a:rPr>
+              <a:t>-2</a:t>
+            </a:r>
+            <a:r>
+              <a:rPr lang="en-US" altLang="zh-CN" sz="2400" b="1">
+                <a:solidFill>
+                  <a:srgbClr val="FF0000"/>
+                </a:solidFill>
+              </a:rPr>
+              <a:t>)</a:t>
+            </a:r>
+            <a:br>
+              <a:rPr lang="en-US" altLang="zh-CN" sz="2400"/>
+            </a:br>
+            <a:r>
+              <a:rPr lang="en-US" altLang="zh-CN" sz="2400"/>
+              <a:t>find(5) = 4</a:t>
+            </a:r>
+            <a:endParaRPr lang="en-US" altLang="zh-CN" sz="2400"/>
+          </a:p>
+          <a:p>
+            <a:r>
+              <a:rPr lang="en-US" altLang="zh-CN" sz="2400"/>
+              <a:t>find(6) = 6</a:t>
+            </a:r>
+            <a:r>
+              <a:rPr lang="en-US" altLang="zh-CN" sz="2400" b="1">
+                <a:solidFill>
+                  <a:srgbClr val="FF0000"/>
+                </a:solidFill>
+                <a:sym typeface="+mn-ea"/>
+              </a:rPr>
+              <a:t>(</a:t>
+            </a:r>
+            <a:r>
+              <a:rPr lang="zh-CN" altLang="en-US" sz="2400" b="1">
+                <a:solidFill>
+                  <a:srgbClr val="FF0000"/>
+                </a:solidFill>
+                <a:sym typeface="+mn-ea"/>
+              </a:rPr>
+              <a:t>不等于</a:t>
+            </a:r>
+            <a:r>
+              <a:rPr lang="en-US" altLang="zh-CN" sz="2400" b="1">
+                <a:solidFill>
+                  <a:srgbClr val="FF0000"/>
+                </a:solidFill>
+                <a:sym typeface="+mn-ea"/>
+              </a:rPr>
+              <a:t>-2)</a:t>
+            </a:r>
+            <a:endParaRPr lang="en-US" altLang="zh-CN" sz="2400"/>
+          </a:p>
+          <a:p>
+            <a:r>
+              <a:rPr lang="en-US" altLang="zh-CN" sz="2400"/>
+              <a:t>find(7) = 6</a:t>
+            </a:r>
+            <a:endParaRPr lang="en-US" altLang="zh-CN" sz="2400"/>
+          </a:p>
+        </p:txBody>
+      </p:sp>
+      <p:grpSp>
+        <p:nvGrpSpPr>
+          <p:cNvPr id="42" name="组合 41"/>
+          <p:cNvGrpSpPr/>
+          <p:nvPr/>
+        </p:nvGrpSpPr>
+        <p:grpSpPr>
+          <a:xfrm>
+            <a:off x="968375" y="4007485"/>
+            <a:ext cx="6664325" cy="1903095"/>
+            <a:chOff x="2203" y="3277"/>
+            <a:chExt cx="10495" cy="2997"/>
+          </a:xfrm>
+        </p:grpSpPr>
+        <p:grpSp>
+          <p:nvGrpSpPr>
+            <p:cNvPr id="72" name="组合 71"/>
+            <p:cNvGrpSpPr/>
+            <p:nvPr/>
+          </p:nvGrpSpPr>
+          <p:grpSpPr>
+            <a:xfrm>
+              <a:off x="2203" y="3277"/>
+              <a:ext cx="904" cy="2157"/>
+              <a:chOff x="2179" y="3277"/>
+              <a:chExt cx="904" cy="2157"/>
+            </a:xfrm>
+          </p:grpSpPr>
+          <p:sp>
+            <p:nvSpPr>
+              <p:cNvPr id="73" name="椭圆 72"/>
+              <p:cNvSpPr/>
+              <p:nvPr/>
+            </p:nvSpPr>
+            <p:spPr>
+              <a:xfrm>
+                <a:off x="2179" y="4599"/>
+                <a:ext cx="835" cy="835"/>
+              </a:xfrm>
+              <a:prstGeom prst="ellipse">
+                <a:avLst/>
+              </a:prstGeom>
+              <a:ln w="28575"/>
+            </p:spPr>
+            <p:style>
+              <a:lnRef idx="2">
+                <a:schemeClr val="accent1"/>
+              </a:lnRef>
+              <a:fillRef idx="1">
+                <a:schemeClr val="lt1"/>
+              </a:fillRef>
+              <a:effectRef idx="0">
+                <a:schemeClr val="accent1"/>
+              </a:effectRef>
+              <a:fontRef idx="minor">
+                <a:schemeClr val="dk1"/>
+              </a:fontRef>
+            </p:style>
+            <p:txBody>
+              <a:bodyPr rtlCol="0" anchor="ctr"/>
+              <a:p>
+                <a:pPr algn="ctr"/>
+                <a:r>
+                  <a:rPr lang="en-US" altLang="zh-CN"/>
+                  <a:t>0</a:t>
+                </a:r>
+                <a:endParaRPr lang="en-US" altLang="zh-CN"/>
+              </a:p>
+            </p:txBody>
+          </p:sp>
+          <p:cxnSp>
+            <p:nvCxnSpPr>
+              <p:cNvPr id="74" name="直接箭头连接符 73"/>
+              <p:cNvCxnSpPr/>
+              <p:nvPr/>
+            </p:nvCxnSpPr>
+            <p:spPr>
+              <a:xfrm flipH="1" flipV="1">
+                <a:off x="2596" y="3811"/>
+                <a:ext cx="1" cy="788"/>
+              </a:xfrm>
+              <a:prstGeom prst="straightConnector1">
+                <a:avLst/>
+              </a:prstGeom>
+              <a:ln w="28575">
+                <a:tailEnd type="arrow"/>
+              </a:ln>
+            </p:spPr>
+            <p:style>
+              <a:lnRef idx="1">
+                <a:schemeClr val="accent1"/>
+              </a:lnRef>
+              <a:fillRef idx="0">
+                <a:schemeClr val="accent1"/>
+              </a:fillRef>
+              <a:effectRef idx="0">
+                <a:schemeClr val="accent1"/>
+              </a:effectRef>
+              <a:fontRef idx="minor">
+                <a:schemeClr val="tx1"/>
+              </a:fontRef>
+            </p:style>
+          </p:cxnSp>
+          <p:sp>
+            <p:nvSpPr>
+              <p:cNvPr id="75" name="文本框 74"/>
+              <p:cNvSpPr txBox="1"/>
+              <p:nvPr/>
+            </p:nvSpPr>
+            <p:spPr>
+              <a:xfrm>
+                <a:off x="2364" y="3277"/>
+                <a:ext cx="719" cy="580"/>
+              </a:xfrm>
+              <a:prstGeom prst="rect">
+                <a:avLst/>
+              </a:prstGeom>
+              <a:noFill/>
+            </p:spPr>
+            <p:txBody>
+              <a:bodyPr wrap="square" rtlCol="0">
+                <a:spAutoFit/>
+              </a:bodyPr>
+              <a:p>
+                <a:r>
+                  <a:rPr lang="en-US" altLang="zh-CN"/>
+                  <a:t>-1</a:t>
+                </a:r>
+                <a:endParaRPr lang="en-US" altLang="zh-CN"/>
+              </a:p>
+            </p:txBody>
+          </p:sp>
+        </p:grpSp>
+        <p:grpSp>
+          <p:nvGrpSpPr>
+            <p:cNvPr id="76" name="组合 75"/>
+            <p:cNvGrpSpPr/>
+            <p:nvPr/>
+          </p:nvGrpSpPr>
+          <p:grpSpPr>
+            <a:xfrm>
+              <a:off x="3470" y="3277"/>
+              <a:ext cx="904" cy="2157"/>
+              <a:chOff x="2179" y="3277"/>
+              <a:chExt cx="904" cy="2157"/>
+            </a:xfrm>
+          </p:grpSpPr>
+          <p:sp>
+            <p:nvSpPr>
+              <p:cNvPr id="77" name="椭圆 76"/>
+              <p:cNvSpPr/>
+              <p:nvPr/>
+            </p:nvSpPr>
+            <p:spPr>
+              <a:xfrm>
+                <a:off x="2179" y="4599"/>
+                <a:ext cx="835" cy="835"/>
+              </a:xfrm>
+              <a:prstGeom prst="ellipse">
+                <a:avLst/>
+              </a:prstGeom>
+              <a:ln w="28575"/>
+            </p:spPr>
+            <p:style>
+              <a:lnRef idx="2">
+                <a:schemeClr val="accent1"/>
+              </a:lnRef>
+              <a:fillRef idx="1">
+                <a:schemeClr val="lt1"/>
+              </a:fillRef>
+              <a:effectRef idx="0">
+                <a:schemeClr val="accent1"/>
+              </a:effectRef>
+              <a:fontRef idx="minor">
+                <a:schemeClr val="dk1"/>
+              </a:fontRef>
+            </p:style>
+            <p:txBody>
+              <a:bodyPr rtlCol="0" anchor="ctr"/>
+              <a:p>
+                <a:pPr algn="ctr"/>
+                <a:r>
+                  <a:rPr lang="en-US" altLang="zh-CN"/>
+                  <a:t>1</a:t>
+                </a:r>
+                <a:endParaRPr lang="en-US" altLang="zh-CN"/>
+              </a:p>
+            </p:txBody>
+          </p:sp>
+          <p:cxnSp>
+            <p:nvCxnSpPr>
+              <p:cNvPr id="78" name="直接箭头连接符 77"/>
+              <p:cNvCxnSpPr/>
+              <p:nvPr/>
+            </p:nvCxnSpPr>
+            <p:spPr>
+              <a:xfrm flipH="1" flipV="1">
+                <a:off x="2596" y="3811"/>
+                <a:ext cx="1" cy="788"/>
+              </a:xfrm>
+              <a:prstGeom prst="straightConnector1">
+                <a:avLst/>
+              </a:prstGeom>
+              <a:ln w="28575">
+                <a:tailEnd type="arrow"/>
+              </a:ln>
+            </p:spPr>
+            <p:style>
+              <a:lnRef idx="1">
+                <a:schemeClr val="accent1"/>
+              </a:lnRef>
+              <a:fillRef idx="0">
+                <a:schemeClr val="accent1"/>
+              </a:fillRef>
+              <a:effectRef idx="0">
+                <a:schemeClr val="accent1"/>
+              </a:effectRef>
+              <a:fontRef idx="minor">
+                <a:schemeClr val="tx1"/>
+              </a:fontRef>
+            </p:style>
+          </p:cxnSp>
+          <p:sp>
+            <p:nvSpPr>
+              <p:cNvPr id="79" name="文本框 78"/>
+              <p:cNvSpPr txBox="1"/>
+              <p:nvPr/>
+            </p:nvSpPr>
+            <p:spPr>
+              <a:xfrm>
+                <a:off x="2364" y="3277"/>
+                <a:ext cx="719" cy="1016"/>
+              </a:xfrm>
+              <a:prstGeom prst="rect">
+                <a:avLst/>
+              </a:prstGeom>
+              <a:noFill/>
+            </p:spPr>
+            <p:txBody>
+              <a:bodyPr wrap="square" rtlCol="0">
+                <a:spAutoFit/>
+              </a:bodyPr>
+              <a:p>
+                <a:r>
+                  <a:rPr lang="en-US" altLang="zh-CN">
+                    <a:sym typeface="+mn-ea"/>
+                  </a:rPr>
+                  <a:t>-1</a:t>
+                </a:r>
+                <a:endParaRPr lang="en-US" altLang="zh-CN"/>
+              </a:p>
+              <a:p>
+                <a:endParaRPr lang="en-US" altLang="zh-CN"/>
+              </a:p>
+            </p:txBody>
+          </p:sp>
+        </p:grpSp>
+        <p:grpSp>
+          <p:nvGrpSpPr>
+            <p:cNvPr id="80" name="组合 79"/>
+            <p:cNvGrpSpPr/>
+            <p:nvPr/>
+          </p:nvGrpSpPr>
+          <p:grpSpPr>
+            <a:xfrm>
+              <a:off x="4861" y="3277"/>
+              <a:ext cx="904" cy="2157"/>
+              <a:chOff x="2179" y="3277"/>
+              <a:chExt cx="904" cy="2157"/>
+            </a:xfrm>
+          </p:grpSpPr>
+          <p:sp>
+            <p:nvSpPr>
+              <p:cNvPr id="81" name="椭圆 80"/>
+              <p:cNvSpPr/>
+              <p:nvPr/>
+            </p:nvSpPr>
+            <p:spPr>
+              <a:xfrm>
+                <a:off x="2179" y="4599"/>
+                <a:ext cx="835" cy="835"/>
+              </a:xfrm>
+              <a:prstGeom prst="ellipse">
+                <a:avLst/>
+              </a:prstGeom>
+              <a:ln w="28575"/>
+            </p:spPr>
+            <p:style>
+              <a:lnRef idx="2">
+                <a:schemeClr val="accent1"/>
+              </a:lnRef>
+              <a:fillRef idx="1">
+                <a:schemeClr val="lt1"/>
+              </a:fillRef>
+              <a:effectRef idx="0">
+                <a:schemeClr val="accent1"/>
+              </a:effectRef>
+              <a:fontRef idx="minor">
+                <a:schemeClr val="dk1"/>
+              </a:fontRef>
+            </p:style>
+            <p:txBody>
+              <a:bodyPr rtlCol="0" anchor="ctr"/>
+              <a:p>
+                <a:pPr algn="ctr"/>
+                <a:r>
+                  <a:rPr lang="en-US" altLang="zh-CN"/>
+                  <a:t>2</a:t>
+                </a:r>
+                <a:endParaRPr lang="en-US" altLang="zh-CN"/>
+              </a:p>
+            </p:txBody>
+          </p:sp>
+          <p:cxnSp>
+            <p:nvCxnSpPr>
+              <p:cNvPr id="82" name="直接箭头连接符 81"/>
+              <p:cNvCxnSpPr/>
+              <p:nvPr/>
+            </p:nvCxnSpPr>
+            <p:spPr>
+              <a:xfrm flipH="1" flipV="1">
+                <a:off x="2596" y="3811"/>
+                <a:ext cx="1" cy="788"/>
+              </a:xfrm>
+              <a:prstGeom prst="straightConnector1">
+                <a:avLst/>
+              </a:prstGeom>
+              <a:ln w="28575">
+                <a:tailEnd type="arrow"/>
+              </a:ln>
+            </p:spPr>
+            <p:style>
+              <a:lnRef idx="1">
+                <a:schemeClr val="accent1"/>
+              </a:lnRef>
+              <a:fillRef idx="0">
+                <a:schemeClr val="accent1"/>
+              </a:fillRef>
+              <a:effectRef idx="0">
+                <a:schemeClr val="accent1"/>
+              </a:effectRef>
+              <a:fontRef idx="minor">
+                <a:schemeClr val="tx1"/>
+              </a:fontRef>
+            </p:style>
+          </p:cxnSp>
+          <p:sp>
+            <p:nvSpPr>
+              <p:cNvPr id="83" name="文本框 82"/>
+              <p:cNvSpPr txBox="1"/>
+              <p:nvPr/>
+            </p:nvSpPr>
+            <p:spPr>
+              <a:xfrm>
+                <a:off x="2364" y="3277"/>
+                <a:ext cx="719" cy="1016"/>
+              </a:xfrm>
+              <a:prstGeom prst="rect">
+                <a:avLst/>
+              </a:prstGeom>
+              <a:noFill/>
+            </p:spPr>
+            <p:txBody>
+              <a:bodyPr wrap="square" rtlCol="0">
+                <a:spAutoFit/>
+              </a:bodyPr>
+              <a:p>
+                <a:r>
+                  <a:rPr lang="en-US" altLang="zh-CN">
+                    <a:sym typeface="+mn-ea"/>
+                  </a:rPr>
+                  <a:t>-1</a:t>
+                </a:r>
+                <a:endParaRPr lang="en-US" altLang="zh-CN"/>
+              </a:p>
+              <a:p>
+                <a:endParaRPr lang="en-US" altLang="zh-CN"/>
+              </a:p>
+            </p:txBody>
+          </p:sp>
+        </p:grpSp>
+        <p:grpSp>
+          <p:nvGrpSpPr>
+            <p:cNvPr id="84" name="组合 83"/>
+            <p:cNvGrpSpPr/>
+            <p:nvPr/>
+          </p:nvGrpSpPr>
+          <p:grpSpPr>
+            <a:xfrm>
+              <a:off x="6159" y="3278"/>
+              <a:ext cx="904" cy="2157"/>
+              <a:chOff x="2179" y="3277"/>
+              <a:chExt cx="904" cy="2157"/>
+            </a:xfrm>
+          </p:grpSpPr>
+          <p:sp>
+            <p:nvSpPr>
+              <p:cNvPr id="85" name="椭圆 84"/>
+              <p:cNvSpPr/>
+              <p:nvPr/>
+            </p:nvSpPr>
+            <p:spPr>
+              <a:xfrm>
+                <a:off x="2179" y="4599"/>
+                <a:ext cx="835" cy="835"/>
+              </a:xfrm>
+              <a:prstGeom prst="ellipse">
+                <a:avLst/>
+              </a:prstGeom>
+              <a:ln w="28575"/>
+            </p:spPr>
+            <p:style>
+              <a:lnRef idx="2">
+                <a:schemeClr val="accent1"/>
+              </a:lnRef>
+              <a:fillRef idx="1">
+                <a:schemeClr val="lt1"/>
+              </a:fillRef>
+              <a:effectRef idx="0">
+                <a:schemeClr val="accent1"/>
+              </a:effectRef>
+              <a:fontRef idx="minor">
+                <a:schemeClr val="dk1"/>
+              </a:fontRef>
+            </p:style>
+            <p:txBody>
+              <a:bodyPr rtlCol="0" anchor="ctr"/>
+              <a:p>
+                <a:pPr algn="ctr"/>
+                <a:r>
+                  <a:rPr lang="en-US" altLang="zh-CN"/>
+                  <a:t>3</a:t>
+                </a:r>
+                <a:endParaRPr lang="en-US" altLang="zh-CN"/>
+              </a:p>
+            </p:txBody>
+          </p:sp>
+          <p:cxnSp>
+            <p:nvCxnSpPr>
+              <p:cNvPr id="86" name="直接箭头连接符 85"/>
+              <p:cNvCxnSpPr/>
+              <p:nvPr/>
+            </p:nvCxnSpPr>
+            <p:spPr>
+              <a:xfrm flipH="1" flipV="1">
+                <a:off x="2596" y="3811"/>
+                <a:ext cx="1" cy="788"/>
+              </a:xfrm>
+              <a:prstGeom prst="straightConnector1">
+                <a:avLst/>
+              </a:prstGeom>
+              <a:ln w="28575">
+                <a:tailEnd type="arrow"/>
+              </a:ln>
+            </p:spPr>
+            <p:style>
+              <a:lnRef idx="1">
+                <a:schemeClr val="accent1"/>
+              </a:lnRef>
+              <a:fillRef idx="0">
+                <a:schemeClr val="accent1"/>
+              </a:fillRef>
+              <a:effectRef idx="0">
+                <a:schemeClr val="accent1"/>
+              </a:effectRef>
+              <a:fontRef idx="minor">
+                <a:schemeClr val="tx1"/>
+              </a:fontRef>
+            </p:style>
+          </p:cxnSp>
+          <p:sp>
+            <p:nvSpPr>
+              <p:cNvPr id="87" name="文本框 86"/>
+              <p:cNvSpPr txBox="1"/>
+              <p:nvPr/>
+            </p:nvSpPr>
+            <p:spPr>
+              <a:xfrm>
+                <a:off x="2364" y="3277"/>
+                <a:ext cx="719" cy="580"/>
+              </a:xfrm>
+              <a:prstGeom prst="rect">
+                <a:avLst/>
+              </a:prstGeom>
+              <a:noFill/>
+            </p:spPr>
+            <p:txBody>
+              <a:bodyPr wrap="square" rtlCol="0">
+                <a:spAutoFit/>
+              </a:bodyPr>
+              <a:p>
+                <a:r>
+                  <a:rPr lang="en-US" altLang="zh-CN">
+                    <a:sym typeface="+mn-ea"/>
+                  </a:rPr>
+                  <a:t>-1</a:t>
+                </a:r>
+                <a:endParaRPr lang="en-US" altLang="zh-CN"/>
+              </a:p>
+            </p:txBody>
+          </p:sp>
+        </p:grpSp>
+        <p:grpSp>
+          <p:nvGrpSpPr>
+            <p:cNvPr id="88" name="组合 87"/>
+            <p:cNvGrpSpPr/>
+            <p:nvPr/>
+          </p:nvGrpSpPr>
+          <p:grpSpPr>
+            <a:xfrm>
+              <a:off x="7574" y="3279"/>
+              <a:ext cx="904" cy="2157"/>
+              <a:chOff x="2179" y="3277"/>
+              <a:chExt cx="904" cy="2157"/>
+            </a:xfrm>
+          </p:grpSpPr>
+          <p:sp>
+            <p:nvSpPr>
+              <p:cNvPr id="89" name="椭圆 88"/>
+              <p:cNvSpPr/>
+              <p:nvPr/>
+            </p:nvSpPr>
+            <p:spPr>
+              <a:xfrm>
+                <a:off x="2179" y="4599"/>
+                <a:ext cx="835" cy="835"/>
+              </a:xfrm>
+              <a:prstGeom prst="ellipse">
+                <a:avLst/>
+              </a:prstGeom>
+              <a:ln w="28575"/>
+            </p:spPr>
+            <p:style>
+              <a:lnRef idx="2">
+                <a:schemeClr val="accent1"/>
+              </a:lnRef>
+              <a:fillRef idx="1">
+                <a:schemeClr val="lt1"/>
+              </a:fillRef>
+              <a:effectRef idx="0">
+                <a:schemeClr val="accent1"/>
+              </a:effectRef>
+              <a:fontRef idx="minor">
+                <a:schemeClr val="dk1"/>
+              </a:fontRef>
+            </p:style>
+            <p:txBody>
+              <a:bodyPr rtlCol="0" anchor="ctr"/>
+              <a:p>
+                <a:pPr algn="ctr"/>
+                <a:r>
+                  <a:rPr lang="en-US" altLang="zh-CN"/>
+                  <a:t>4</a:t>
+                </a:r>
+                <a:endParaRPr lang="en-US" altLang="zh-CN"/>
+              </a:p>
+            </p:txBody>
+          </p:sp>
+          <p:cxnSp>
+            <p:nvCxnSpPr>
+              <p:cNvPr id="90" name="直接箭头连接符 89"/>
+              <p:cNvCxnSpPr/>
+              <p:nvPr/>
+            </p:nvCxnSpPr>
+            <p:spPr>
+              <a:xfrm flipH="1" flipV="1">
+                <a:off x="2596" y="3811"/>
+                <a:ext cx="1" cy="788"/>
+              </a:xfrm>
+              <a:prstGeom prst="straightConnector1">
+                <a:avLst/>
+              </a:prstGeom>
+              <a:ln w="28575">
+                <a:tailEnd type="arrow"/>
+              </a:ln>
+            </p:spPr>
+            <p:style>
+              <a:lnRef idx="1">
+                <a:schemeClr val="accent1"/>
+              </a:lnRef>
+              <a:fillRef idx="0">
+                <a:schemeClr val="accent1"/>
+              </a:fillRef>
+              <a:effectRef idx="0">
+                <a:schemeClr val="accent1"/>
+              </a:effectRef>
+              <a:fontRef idx="minor">
+                <a:schemeClr val="tx1"/>
+              </a:fontRef>
+            </p:style>
+          </p:cxnSp>
+          <p:sp>
+            <p:nvSpPr>
+              <p:cNvPr id="91" name="文本框 90"/>
+              <p:cNvSpPr txBox="1"/>
+              <p:nvPr/>
+            </p:nvSpPr>
+            <p:spPr>
+              <a:xfrm>
+                <a:off x="2364" y="3277"/>
+                <a:ext cx="719" cy="580"/>
+              </a:xfrm>
+              <a:prstGeom prst="rect">
+                <a:avLst/>
+              </a:prstGeom>
+              <a:noFill/>
+            </p:spPr>
+            <p:txBody>
+              <a:bodyPr wrap="square" rtlCol="0">
+                <a:spAutoFit/>
+              </a:bodyPr>
+              <a:p>
+                <a:r>
+                  <a:rPr lang="en-US" altLang="zh-CN" b="1">
+                    <a:solidFill>
+                      <a:srgbClr val="FF0000"/>
+                    </a:solidFill>
+                    <a:sym typeface="+mn-ea"/>
+                  </a:rPr>
+                  <a:t>-2</a:t>
+                </a:r>
+                <a:endParaRPr lang="en-US" altLang="zh-CN" b="1">
+                  <a:solidFill>
+                    <a:srgbClr val="FF0000"/>
+                  </a:solidFill>
+                  <a:sym typeface="+mn-ea"/>
+                </a:endParaRPr>
+              </a:p>
+            </p:txBody>
+          </p:sp>
+        </p:grpSp>
+        <p:grpSp>
+          <p:nvGrpSpPr>
+            <p:cNvPr id="92" name="组合 91"/>
+            <p:cNvGrpSpPr/>
+            <p:nvPr/>
+          </p:nvGrpSpPr>
+          <p:grpSpPr>
+            <a:xfrm>
+              <a:off x="8377" y="4732"/>
+              <a:ext cx="1424" cy="1542"/>
+              <a:chOff x="1590" y="4730"/>
+              <a:chExt cx="1424" cy="1542"/>
+            </a:xfrm>
+          </p:grpSpPr>
+          <p:sp>
+            <p:nvSpPr>
+              <p:cNvPr id="93" name="椭圆 92"/>
+              <p:cNvSpPr/>
+              <p:nvPr/>
+            </p:nvSpPr>
+            <p:spPr>
+              <a:xfrm>
+                <a:off x="2179" y="5437"/>
+                <a:ext cx="835" cy="835"/>
+              </a:xfrm>
+              <a:prstGeom prst="ellipse">
+                <a:avLst/>
+              </a:prstGeom>
+              <a:ln w="28575"/>
+            </p:spPr>
+            <p:style>
+              <a:lnRef idx="2">
+                <a:schemeClr val="accent1"/>
+              </a:lnRef>
+              <a:fillRef idx="1">
+                <a:schemeClr val="lt1"/>
+              </a:fillRef>
+              <a:effectRef idx="0">
+                <a:schemeClr val="accent1"/>
+              </a:effectRef>
+              <a:fontRef idx="minor">
+                <a:schemeClr val="dk1"/>
+              </a:fontRef>
+            </p:style>
+            <p:txBody>
+              <a:bodyPr rtlCol="0" anchor="ctr"/>
+              <a:p>
+                <a:pPr algn="ctr"/>
+                <a:r>
+                  <a:rPr lang="en-US" altLang="zh-CN"/>
+                  <a:t>5</a:t>
+                </a:r>
+                <a:endParaRPr lang="en-US" altLang="zh-CN"/>
+              </a:p>
+            </p:txBody>
+          </p:sp>
+          <p:cxnSp>
+            <p:nvCxnSpPr>
+              <p:cNvPr id="94" name="直接箭头连接符 93"/>
+              <p:cNvCxnSpPr/>
+              <p:nvPr/>
+            </p:nvCxnSpPr>
+            <p:spPr>
+              <a:xfrm flipH="1" flipV="1">
+                <a:off x="1590" y="5220"/>
+                <a:ext cx="589" cy="465"/>
+              </a:xfrm>
+              <a:prstGeom prst="straightConnector1">
+                <a:avLst/>
+              </a:prstGeom>
+              <a:ln w="28575">
+                <a:tailEnd type="arrow"/>
+              </a:ln>
+            </p:spPr>
+            <p:style>
+              <a:lnRef idx="1">
+                <a:schemeClr val="accent1"/>
+              </a:lnRef>
+              <a:fillRef idx="0">
+                <a:schemeClr val="accent1"/>
+              </a:fillRef>
+              <a:effectRef idx="0">
+                <a:schemeClr val="accent1"/>
+              </a:effectRef>
+              <a:fontRef idx="minor">
+                <a:schemeClr val="tx1"/>
+              </a:fontRef>
+            </p:style>
+          </p:cxnSp>
+          <p:sp>
+            <p:nvSpPr>
+              <p:cNvPr id="95" name="文本框 94"/>
+              <p:cNvSpPr txBox="1"/>
+              <p:nvPr/>
+            </p:nvSpPr>
+            <p:spPr>
+              <a:xfrm>
+                <a:off x="2295" y="4730"/>
+                <a:ext cx="719" cy="580"/>
+              </a:xfrm>
+              <a:prstGeom prst="rect">
+                <a:avLst/>
+              </a:prstGeom>
+              <a:noFill/>
+            </p:spPr>
+            <p:txBody>
+              <a:bodyPr wrap="square" rtlCol="0">
+                <a:spAutoFit/>
+              </a:bodyPr>
+              <a:p>
+                <a:r>
+                  <a:rPr lang="en-US" altLang="zh-CN" b="1">
+                    <a:solidFill>
+                      <a:srgbClr val="FF0000"/>
+                    </a:solidFill>
+                    <a:sym typeface="+mn-ea"/>
+                  </a:rPr>
+                  <a:t>4</a:t>
+                </a:r>
+                <a:endParaRPr lang="en-US" altLang="zh-CN" b="1">
+                  <a:solidFill>
+                    <a:srgbClr val="FF0000"/>
+                  </a:solidFill>
+                  <a:sym typeface="+mn-ea"/>
+                </a:endParaRPr>
+              </a:p>
+            </p:txBody>
+          </p:sp>
+        </p:grpSp>
+        <p:grpSp>
+          <p:nvGrpSpPr>
+            <p:cNvPr id="96" name="组合 95"/>
+            <p:cNvGrpSpPr/>
+            <p:nvPr/>
+          </p:nvGrpSpPr>
+          <p:grpSpPr>
+            <a:xfrm>
+              <a:off x="10357" y="3281"/>
+              <a:ext cx="904" cy="2157"/>
+              <a:chOff x="2179" y="3277"/>
+              <a:chExt cx="904" cy="2157"/>
+            </a:xfrm>
+          </p:grpSpPr>
+          <p:sp>
+            <p:nvSpPr>
+              <p:cNvPr id="97" name="椭圆 96"/>
+              <p:cNvSpPr/>
+              <p:nvPr/>
+            </p:nvSpPr>
+            <p:spPr>
+              <a:xfrm>
+                <a:off x="2179" y="4599"/>
+                <a:ext cx="835" cy="835"/>
+              </a:xfrm>
+              <a:prstGeom prst="ellipse">
+                <a:avLst/>
+              </a:prstGeom>
+              <a:ln w="28575"/>
+            </p:spPr>
+            <p:style>
+              <a:lnRef idx="2">
+                <a:schemeClr val="accent1"/>
+              </a:lnRef>
+              <a:fillRef idx="1">
+                <a:schemeClr val="lt1"/>
+              </a:fillRef>
+              <a:effectRef idx="0">
+                <a:schemeClr val="accent1"/>
+              </a:effectRef>
+              <a:fontRef idx="minor">
+                <a:schemeClr val="dk1"/>
+              </a:fontRef>
+            </p:style>
+            <p:txBody>
+              <a:bodyPr rtlCol="0" anchor="ctr"/>
+              <a:p>
+                <a:pPr algn="ctr"/>
+                <a:r>
+                  <a:rPr lang="en-US" altLang="zh-CN"/>
+                  <a:t>6</a:t>
+                </a:r>
+                <a:endParaRPr lang="en-US" altLang="zh-CN"/>
+              </a:p>
+            </p:txBody>
+          </p:sp>
+          <p:cxnSp>
+            <p:nvCxnSpPr>
+              <p:cNvPr id="98" name="直接箭头连接符 97"/>
+              <p:cNvCxnSpPr/>
+              <p:nvPr/>
+            </p:nvCxnSpPr>
+            <p:spPr>
+              <a:xfrm flipH="1" flipV="1">
+                <a:off x="2596" y="3811"/>
+                <a:ext cx="1" cy="788"/>
+              </a:xfrm>
+              <a:prstGeom prst="straightConnector1">
+                <a:avLst/>
+              </a:prstGeom>
+              <a:ln w="28575">
+                <a:tailEnd type="arrow"/>
+              </a:ln>
+            </p:spPr>
+            <p:style>
+              <a:lnRef idx="1">
+                <a:schemeClr val="accent1"/>
+              </a:lnRef>
+              <a:fillRef idx="0">
+                <a:schemeClr val="accent1"/>
+              </a:fillRef>
+              <a:effectRef idx="0">
+                <a:schemeClr val="accent1"/>
+              </a:effectRef>
+              <a:fontRef idx="minor">
+                <a:schemeClr val="tx1"/>
+              </a:fontRef>
+            </p:style>
+          </p:cxnSp>
+          <p:sp>
+            <p:nvSpPr>
+              <p:cNvPr id="99" name="文本框 98"/>
+              <p:cNvSpPr txBox="1"/>
+              <p:nvPr/>
+            </p:nvSpPr>
+            <p:spPr>
+              <a:xfrm>
+                <a:off x="2364" y="3277"/>
+                <a:ext cx="719" cy="580"/>
+              </a:xfrm>
+              <a:prstGeom prst="rect">
+                <a:avLst/>
+              </a:prstGeom>
+              <a:noFill/>
+            </p:spPr>
+            <p:txBody>
+              <a:bodyPr wrap="square" rtlCol="0">
+                <a:spAutoFit/>
+              </a:bodyPr>
+              <a:p>
+                <a:r>
+                  <a:rPr lang="en-US" altLang="zh-CN" b="1">
+                    <a:solidFill>
+                      <a:srgbClr val="FF0000"/>
+                    </a:solidFill>
+                    <a:sym typeface="+mn-ea"/>
+                  </a:rPr>
+                  <a:t>-2</a:t>
+                </a:r>
+                <a:endParaRPr lang="en-US" altLang="zh-CN" b="1">
+                  <a:solidFill>
+                    <a:srgbClr val="FF0000"/>
+                  </a:solidFill>
+                  <a:sym typeface="+mn-ea"/>
+                </a:endParaRPr>
+              </a:p>
+            </p:txBody>
+          </p:sp>
+        </p:grpSp>
+        <p:grpSp>
+          <p:nvGrpSpPr>
+            <p:cNvPr id="100" name="组合 99"/>
+            <p:cNvGrpSpPr/>
+            <p:nvPr/>
+          </p:nvGrpSpPr>
+          <p:grpSpPr>
+            <a:xfrm>
+              <a:off x="11192" y="4732"/>
+              <a:ext cx="1506" cy="1542"/>
+              <a:chOff x="1577" y="4727"/>
+              <a:chExt cx="1506" cy="1542"/>
+            </a:xfrm>
+          </p:grpSpPr>
+          <p:sp>
+            <p:nvSpPr>
+              <p:cNvPr id="101" name="椭圆 100"/>
+              <p:cNvSpPr/>
+              <p:nvPr/>
+            </p:nvSpPr>
+            <p:spPr>
+              <a:xfrm>
+                <a:off x="2248" y="5434"/>
+                <a:ext cx="835" cy="835"/>
+              </a:xfrm>
+              <a:prstGeom prst="ellipse">
+                <a:avLst/>
+              </a:prstGeom>
+              <a:ln w="28575"/>
+            </p:spPr>
+            <p:style>
+              <a:lnRef idx="2">
+                <a:schemeClr val="accent1"/>
+              </a:lnRef>
+              <a:fillRef idx="1">
+                <a:schemeClr val="lt1"/>
+              </a:fillRef>
+              <a:effectRef idx="0">
+                <a:schemeClr val="accent1"/>
+              </a:effectRef>
+              <a:fontRef idx="minor">
+                <a:schemeClr val="dk1"/>
+              </a:fontRef>
+            </p:style>
+            <p:txBody>
+              <a:bodyPr rtlCol="0" anchor="ctr"/>
+              <a:p>
+                <a:pPr algn="ctr"/>
+                <a:r>
+                  <a:rPr lang="en-US" altLang="zh-CN"/>
+                  <a:t>7</a:t>
+                </a:r>
+                <a:endParaRPr lang="en-US" altLang="zh-CN"/>
+              </a:p>
+            </p:txBody>
+          </p:sp>
+          <p:cxnSp>
+            <p:nvCxnSpPr>
+              <p:cNvPr id="102" name="直接箭头连接符 101"/>
+              <p:cNvCxnSpPr/>
+              <p:nvPr/>
+            </p:nvCxnSpPr>
+            <p:spPr>
+              <a:xfrm flipH="1" flipV="1">
+                <a:off x="1577" y="5141"/>
+                <a:ext cx="715" cy="541"/>
+              </a:xfrm>
+              <a:prstGeom prst="straightConnector1">
+                <a:avLst/>
+              </a:prstGeom>
+              <a:ln w="28575">
+                <a:tailEnd type="arrow"/>
+              </a:ln>
+            </p:spPr>
+            <p:style>
+              <a:lnRef idx="1">
+                <a:schemeClr val="accent1"/>
+              </a:lnRef>
+              <a:fillRef idx="0">
+                <a:schemeClr val="accent1"/>
+              </a:fillRef>
+              <a:effectRef idx="0">
+                <a:schemeClr val="accent1"/>
+              </a:effectRef>
+              <a:fontRef idx="minor">
+                <a:schemeClr val="tx1"/>
+              </a:fontRef>
+            </p:style>
+          </p:cxnSp>
+          <p:sp>
+            <p:nvSpPr>
+              <p:cNvPr id="103" name="文本框 102"/>
+              <p:cNvSpPr txBox="1"/>
+              <p:nvPr/>
+            </p:nvSpPr>
+            <p:spPr>
+              <a:xfrm>
+                <a:off x="2364" y="4727"/>
+                <a:ext cx="719" cy="580"/>
+              </a:xfrm>
+              <a:prstGeom prst="rect">
+                <a:avLst/>
+              </a:prstGeom>
+              <a:noFill/>
+            </p:spPr>
+            <p:txBody>
+              <a:bodyPr wrap="square" rtlCol="0">
+                <a:spAutoFit/>
+              </a:bodyPr>
+              <a:p>
+                <a:r>
+                  <a:rPr lang="en-US" altLang="zh-CN" b="1">
+                    <a:solidFill>
+                      <a:srgbClr val="FF0000"/>
+                    </a:solidFill>
+                    <a:sym typeface="+mn-ea"/>
+                  </a:rPr>
+                  <a:t>6</a:t>
+                </a:r>
+                <a:endParaRPr lang="en-US" altLang="zh-CN" b="1">
+                  <a:solidFill>
+                    <a:srgbClr val="FF0000"/>
+                  </a:solidFill>
+                  <a:sym typeface="+mn-ea"/>
+                </a:endParaRPr>
+              </a:p>
+            </p:txBody>
+          </p:sp>
+        </p:grpSp>
+      </p:grpSp>
+    </p:spTree>
+  </p:cSld>
+  <p:clrMapOvr>
+    <a:masterClrMapping/>
+  </p:clrMapOvr>
+</p:sld>
+</file>
+
+<file path=ppt/slides/slide37.xml><?xml version="1.0" encoding="utf-8"?>
+<p:sld xmlns:a="http://schemas.openxmlformats.org/drawingml/2006/main" xmlns:r="http://schemas.openxmlformats.org/officeDocument/2006/relationships" xmlns:p="http://schemas.openxmlformats.org/presentationml/2006/main">
+  <p:cSld>
+    <p:spTree>
+      <p:nvGrpSpPr>
+        <p:cNvPr id="1" name=""/>
+        <p:cNvGrpSpPr/>
+        <p:nvPr/>
+      </p:nvGrpSpPr>
+      <p:grpSpPr/>
+      <p:sp>
+        <p:nvSpPr>
+          <p:cNvPr id="3" name="标题 2"/>
+          <p:cNvSpPr/>
+          <p:nvPr>
+            <p:ph type="title"/>
+          </p:nvPr>
+        </p:nvSpPr>
+        <p:spPr/>
+        <p:txBody>
+          <a:bodyPr/>
+          <a:p>
+            <a:r>
+              <a:rPr lang="en-US" altLang="zh-CN"/>
+              <a:t>Union </a:t>
+            </a:r>
+            <a:r>
+              <a:rPr lang="zh-CN" altLang="en-US"/>
+              <a:t>优化</a:t>
+            </a:r>
+            <a:endParaRPr lang="zh-CN" altLang="en-US"/>
+          </a:p>
+        </p:txBody>
+      </p:sp>
+      <p:sp>
+        <p:nvSpPr>
+          <p:cNvPr id="71" name="文本框 70"/>
+          <p:cNvSpPr txBox="1"/>
+          <p:nvPr/>
+        </p:nvSpPr>
+        <p:spPr>
+          <a:xfrm>
+            <a:off x="8246110" y="1477010"/>
+            <a:ext cx="3370580" cy="1568450"/>
+          </a:xfrm>
+          <a:prstGeom prst="rect">
+            <a:avLst/>
+          </a:prstGeom>
+          <a:noFill/>
+        </p:spPr>
+        <p:txBody>
+          <a:bodyPr wrap="square" rtlCol="0">
+            <a:spAutoFit/>
+          </a:bodyPr>
+          <a:p>
+            <a:r>
+              <a:rPr lang="en-US" altLang="zh-CN" sz="2400" b="1"/>
+              <a:t>Union(S,4,6)</a:t>
+            </a:r>
+            <a:r>
+              <a:rPr lang="en-US" altLang="zh-CN" sz="2400" b="1">
+                <a:sym typeface="+mn-ea"/>
+              </a:rPr>
+              <a:t>-&gt;</a:t>
+            </a:r>
+            <a:endParaRPr lang="en-US" altLang="zh-CN" sz="2400">
+              <a:solidFill>
+                <a:srgbClr val="FF0000"/>
+              </a:solidFill>
+            </a:endParaRPr>
+          </a:p>
+          <a:p>
+            <a:r>
+              <a:rPr lang="en-US" altLang="zh-CN" sz="2400"/>
+              <a:t>find(4) = 4 </a:t>
+            </a:r>
+            <a:endParaRPr lang="en-US" altLang="zh-CN" sz="2400"/>
+          </a:p>
+          <a:p>
+            <a:r>
+              <a:rPr lang="en-US" altLang="zh-CN" sz="2400"/>
+              <a:t>find(6) = 4</a:t>
+            </a:r>
+            <a:endParaRPr lang="en-US" altLang="zh-CN" sz="2400"/>
+          </a:p>
+          <a:p>
+            <a:r>
+              <a:rPr lang="en-US" altLang="zh-CN" sz="2400" b="1">
+                <a:solidFill>
+                  <a:srgbClr val="FF0000"/>
+                </a:solidFill>
+              </a:rPr>
+              <a:t>find(7) </a:t>
+            </a:r>
+            <a:r>
+              <a:rPr lang="zh-CN" altLang="en-US" sz="2400" b="1">
+                <a:solidFill>
+                  <a:srgbClr val="FF0000"/>
+                </a:solidFill>
+              </a:rPr>
+              <a:t>会引起变化</a:t>
+            </a:r>
+            <a:endParaRPr lang="zh-CN" altLang="en-US" sz="2400" b="1">
+              <a:solidFill>
+                <a:srgbClr val="FF0000"/>
+              </a:solidFill>
+            </a:endParaRPr>
+          </a:p>
+        </p:txBody>
+      </p:sp>
+      <p:grpSp>
+        <p:nvGrpSpPr>
+          <p:cNvPr id="42" name="组合 41"/>
+          <p:cNvGrpSpPr/>
+          <p:nvPr/>
+        </p:nvGrpSpPr>
+        <p:grpSpPr>
+          <a:xfrm>
+            <a:off x="916305" y="1440815"/>
+            <a:ext cx="6664325" cy="2395855"/>
+            <a:chOff x="2203" y="3277"/>
+            <a:chExt cx="10495" cy="3773"/>
+          </a:xfrm>
+        </p:grpSpPr>
+        <p:grpSp>
+          <p:nvGrpSpPr>
+            <p:cNvPr id="72" name="组合 71"/>
+            <p:cNvGrpSpPr/>
+            <p:nvPr/>
+          </p:nvGrpSpPr>
+          <p:grpSpPr>
+            <a:xfrm>
+              <a:off x="2203" y="3277"/>
+              <a:ext cx="904" cy="2157"/>
+              <a:chOff x="2179" y="3277"/>
+              <a:chExt cx="904" cy="2157"/>
+            </a:xfrm>
+          </p:grpSpPr>
+          <p:sp>
+            <p:nvSpPr>
+              <p:cNvPr id="73" name="椭圆 72"/>
+              <p:cNvSpPr/>
+              <p:nvPr/>
+            </p:nvSpPr>
+            <p:spPr>
+              <a:xfrm>
+                <a:off x="2179" y="4599"/>
+                <a:ext cx="835" cy="835"/>
+              </a:xfrm>
+              <a:prstGeom prst="ellipse">
+                <a:avLst/>
+              </a:prstGeom>
+              <a:ln w="28575"/>
+            </p:spPr>
+            <p:style>
+              <a:lnRef idx="2">
+                <a:schemeClr val="accent1"/>
+              </a:lnRef>
+              <a:fillRef idx="1">
+                <a:schemeClr val="lt1"/>
+              </a:fillRef>
+              <a:effectRef idx="0">
+                <a:schemeClr val="accent1"/>
+              </a:effectRef>
+              <a:fontRef idx="minor">
+                <a:schemeClr val="dk1"/>
+              </a:fontRef>
+            </p:style>
+            <p:txBody>
+              <a:bodyPr rtlCol="0" anchor="ctr"/>
+              <a:p>
+                <a:pPr algn="ctr"/>
+                <a:r>
+                  <a:rPr lang="en-US" altLang="zh-CN"/>
+                  <a:t>0</a:t>
+                </a:r>
+                <a:endParaRPr lang="en-US" altLang="zh-CN"/>
+              </a:p>
+            </p:txBody>
+          </p:sp>
+          <p:cxnSp>
+            <p:nvCxnSpPr>
+              <p:cNvPr id="74" name="直接箭头连接符 73"/>
+              <p:cNvCxnSpPr/>
+              <p:nvPr/>
+            </p:nvCxnSpPr>
+            <p:spPr>
+              <a:xfrm flipH="1" flipV="1">
+                <a:off x="2596" y="3811"/>
+                <a:ext cx="1" cy="788"/>
+              </a:xfrm>
+              <a:prstGeom prst="straightConnector1">
+                <a:avLst/>
+              </a:prstGeom>
+              <a:ln w="28575">
+                <a:tailEnd type="arrow"/>
+              </a:ln>
+            </p:spPr>
+            <p:style>
+              <a:lnRef idx="1">
+                <a:schemeClr val="accent1"/>
+              </a:lnRef>
+              <a:fillRef idx="0">
+                <a:schemeClr val="accent1"/>
+              </a:fillRef>
+              <a:effectRef idx="0">
+                <a:schemeClr val="accent1"/>
+              </a:effectRef>
+              <a:fontRef idx="minor">
+                <a:schemeClr val="tx1"/>
+              </a:fontRef>
+            </p:style>
+          </p:cxnSp>
+          <p:sp>
+            <p:nvSpPr>
+              <p:cNvPr id="75" name="文本框 74"/>
+              <p:cNvSpPr txBox="1"/>
+              <p:nvPr/>
+            </p:nvSpPr>
+            <p:spPr>
+              <a:xfrm>
+                <a:off x="2364" y="3277"/>
+                <a:ext cx="719" cy="580"/>
+              </a:xfrm>
+              <a:prstGeom prst="rect">
+                <a:avLst/>
+              </a:prstGeom>
+              <a:noFill/>
+            </p:spPr>
+            <p:txBody>
+              <a:bodyPr wrap="square" rtlCol="0">
+                <a:spAutoFit/>
+              </a:bodyPr>
+              <a:p>
+                <a:r>
+                  <a:rPr lang="en-US" altLang="zh-CN"/>
+                  <a:t>-1</a:t>
+                </a:r>
+                <a:endParaRPr lang="en-US" altLang="zh-CN"/>
+              </a:p>
+            </p:txBody>
+          </p:sp>
+        </p:grpSp>
+        <p:grpSp>
+          <p:nvGrpSpPr>
+            <p:cNvPr id="76" name="组合 75"/>
+            <p:cNvGrpSpPr/>
+            <p:nvPr/>
+          </p:nvGrpSpPr>
+          <p:grpSpPr>
+            <a:xfrm>
+              <a:off x="3470" y="3277"/>
+              <a:ext cx="904" cy="2157"/>
+              <a:chOff x="2179" y="3277"/>
+              <a:chExt cx="904" cy="2157"/>
+            </a:xfrm>
+          </p:grpSpPr>
+          <p:sp>
+            <p:nvSpPr>
+              <p:cNvPr id="77" name="椭圆 76"/>
+              <p:cNvSpPr/>
+              <p:nvPr/>
+            </p:nvSpPr>
+            <p:spPr>
+              <a:xfrm>
+                <a:off x="2179" y="4599"/>
+                <a:ext cx="835" cy="835"/>
+              </a:xfrm>
+              <a:prstGeom prst="ellipse">
+                <a:avLst/>
+              </a:prstGeom>
+              <a:ln w="28575"/>
+            </p:spPr>
+            <p:style>
+              <a:lnRef idx="2">
+                <a:schemeClr val="accent1"/>
+              </a:lnRef>
+              <a:fillRef idx="1">
+                <a:schemeClr val="lt1"/>
+              </a:fillRef>
+              <a:effectRef idx="0">
+                <a:schemeClr val="accent1"/>
+              </a:effectRef>
+              <a:fontRef idx="minor">
+                <a:schemeClr val="dk1"/>
+              </a:fontRef>
+            </p:style>
+            <p:txBody>
+              <a:bodyPr rtlCol="0" anchor="ctr"/>
+              <a:p>
+                <a:pPr algn="ctr"/>
+                <a:r>
+                  <a:rPr lang="en-US" altLang="zh-CN"/>
+                  <a:t>1</a:t>
+                </a:r>
+                <a:endParaRPr lang="en-US" altLang="zh-CN"/>
+              </a:p>
+            </p:txBody>
+          </p:sp>
+          <p:cxnSp>
+            <p:nvCxnSpPr>
+              <p:cNvPr id="78" name="直接箭头连接符 77"/>
+              <p:cNvCxnSpPr/>
+              <p:nvPr/>
+            </p:nvCxnSpPr>
+            <p:spPr>
+              <a:xfrm flipH="1" flipV="1">
+                <a:off x="2596" y="3811"/>
+                <a:ext cx="1" cy="788"/>
+              </a:xfrm>
+              <a:prstGeom prst="straightConnector1">
+                <a:avLst/>
+              </a:prstGeom>
+              <a:ln w="28575">
+                <a:tailEnd type="arrow"/>
+              </a:ln>
+            </p:spPr>
+            <p:style>
+              <a:lnRef idx="1">
+                <a:schemeClr val="accent1"/>
+              </a:lnRef>
+              <a:fillRef idx="0">
+                <a:schemeClr val="accent1"/>
+              </a:fillRef>
+              <a:effectRef idx="0">
+                <a:schemeClr val="accent1"/>
+              </a:effectRef>
+              <a:fontRef idx="minor">
+                <a:schemeClr val="tx1"/>
+              </a:fontRef>
+            </p:style>
+          </p:cxnSp>
+          <p:sp>
+            <p:nvSpPr>
+              <p:cNvPr id="79" name="文本框 78"/>
+              <p:cNvSpPr txBox="1"/>
+              <p:nvPr/>
+            </p:nvSpPr>
+            <p:spPr>
+              <a:xfrm>
+                <a:off x="2364" y="3277"/>
+                <a:ext cx="719" cy="1016"/>
+              </a:xfrm>
+              <a:prstGeom prst="rect">
+                <a:avLst/>
+              </a:prstGeom>
+              <a:noFill/>
+            </p:spPr>
+            <p:txBody>
+              <a:bodyPr wrap="square" rtlCol="0">
+                <a:spAutoFit/>
+              </a:bodyPr>
+              <a:p>
+                <a:r>
+                  <a:rPr lang="en-US" altLang="zh-CN">
+                    <a:sym typeface="+mn-ea"/>
+                  </a:rPr>
+                  <a:t>-1</a:t>
+                </a:r>
+                <a:endParaRPr lang="en-US" altLang="zh-CN"/>
+              </a:p>
+              <a:p>
+                <a:endParaRPr lang="en-US" altLang="zh-CN"/>
+              </a:p>
+            </p:txBody>
+          </p:sp>
+        </p:grpSp>
+        <p:grpSp>
+          <p:nvGrpSpPr>
+            <p:cNvPr id="80" name="组合 79"/>
+            <p:cNvGrpSpPr/>
+            <p:nvPr/>
+          </p:nvGrpSpPr>
+          <p:grpSpPr>
+            <a:xfrm>
+              <a:off x="4861" y="3277"/>
+              <a:ext cx="904" cy="2157"/>
+              <a:chOff x="2179" y="3277"/>
+              <a:chExt cx="904" cy="2157"/>
+            </a:xfrm>
+          </p:grpSpPr>
+          <p:sp>
+            <p:nvSpPr>
+              <p:cNvPr id="81" name="椭圆 80"/>
+              <p:cNvSpPr/>
+              <p:nvPr/>
+            </p:nvSpPr>
+            <p:spPr>
+              <a:xfrm>
+                <a:off x="2179" y="4599"/>
+                <a:ext cx="835" cy="835"/>
+              </a:xfrm>
+              <a:prstGeom prst="ellipse">
+                <a:avLst/>
+              </a:prstGeom>
+              <a:ln w="28575"/>
+            </p:spPr>
+            <p:style>
+              <a:lnRef idx="2">
+                <a:schemeClr val="accent1"/>
+              </a:lnRef>
+              <a:fillRef idx="1">
+                <a:schemeClr val="lt1"/>
+              </a:fillRef>
+              <a:effectRef idx="0">
+                <a:schemeClr val="accent1"/>
+              </a:effectRef>
+              <a:fontRef idx="minor">
+                <a:schemeClr val="dk1"/>
+              </a:fontRef>
+            </p:style>
+            <p:txBody>
+              <a:bodyPr rtlCol="0" anchor="ctr"/>
+              <a:p>
+                <a:pPr algn="ctr"/>
+                <a:r>
+                  <a:rPr lang="en-US" altLang="zh-CN"/>
+                  <a:t>2</a:t>
+                </a:r>
+                <a:endParaRPr lang="en-US" altLang="zh-CN"/>
+              </a:p>
+            </p:txBody>
+          </p:sp>
+          <p:cxnSp>
+            <p:nvCxnSpPr>
+              <p:cNvPr id="82" name="直接箭头连接符 81"/>
+              <p:cNvCxnSpPr/>
+              <p:nvPr/>
+            </p:nvCxnSpPr>
+            <p:spPr>
+              <a:xfrm flipH="1" flipV="1">
+                <a:off x="2596" y="3811"/>
+                <a:ext cx="1" cy="788"/>
+              </a:xfrm>
+              <a:prstGeom prst="straightConnector1">
+                <a:avLst/>
+              </a:prstGeom>
+              <a:ln w="28575">
+                <a:tailEnd type="arrow"/>
+              </a:ln>
+            </p:spPr>
+            <p:style>
+              <a:lnRef idx="1">
+                <a:schemeClr val="accent1"/>
+              </a:lnRef>
+              <a:fillRef idx="0">
+                <a:schemeClr val="accent1"/>
+              </a:fillRef>
+              <a:effectRef idx="0">
+                <a:schemeClr val="accent1"/>
+              </a:effectRef>
+              <a:fontRef idx="minor">
+                <a:schemeClr val="tx1"/>
+              </a:fontRef>
+            </p:style>
+          </p:cxnSp>
+          <p:sp>
+            <p:nvSpPr>
+              <p:cNvPr id="83" name="文本框 82"/>
+              <p:cNvSpPr txBox="1"/>
+              <p:nvPr/>
+            </p:nvSpPr>
+            <p:spPr>
+              <a:xfrm>
+                <a:off x="2364" y="3277"/>
+                <a:ext cx="719" cy="1016"/>
+              </a:xfrm>
+              <a:prstGeom prst="rect">
+                <a:avLst/>
+              </a:prstGeom>
+              <a:noFill/>
+            </p:spPr>
+            <p:txBody>
+              <a:bodyPr wrap="square" rtlCol="0">
+                <a:spAutoFit/>
+              </a:bodyPr>
+              <a:p>
+                <a:r>
+                  <a:rPr lang="en-US" altLang="zh-CN">
+                    <a:sym typeface="+mn-ea"/>
+                  </a:rPr>
+                  <a:t>-1</a:t>
+                </a:r>
+                <a:endParaRPr lang="en-US" altLang="zh-CN"/>
+              </a:p>
+              <a:p>
+                <a:endParaRPr lang="en-US" altLang="zh-CN"/>
+              </a:p>
+            </p:txBody>
+          </p:sp>
+        </p:grpSp>
+        <p:grpSp>
+          <p:nvGrpSpPr>
+            <p:cNvPr id="84" name="组合 83"/>
+            <p:cNvGrpSpPr/>
+            <p:nvPr/>
+          </p:nvGrpSpPr>
+          <p:grpSpPr>
+            <a:xfrm>
+              <a:off x="6159" y="3278"/>
+              <a:ext cx="904" cy="2157"/>
+              <a:chOff x="2179" y="3277"/>
+              <a:chExt cx="904" cy="2157"/>
+            </a:xfrm>
+          </p:grpSpPr>
+          <p:sp>
+            <p:nvSpPr>
+              <p:cNvPr id="85" name="椭圆 84"/>
+              <p:cNvSpPr/>
+              <p:nvPr/>
+            </p:nvSpPr>
+            <p:spPr>
+              <a:xfrm>
+                <a:off x="2179" y="4599"/>
+                <a:ext cx="835" cy="835"/>
+              </a:xfrm>
+              <a:prstGeom prst="ellipse">
+                <a:avLst/>
+              </a:prstGeom>
+              <a:ln w="28575"/>
+            </p:spPr>
+            <p:style>
+              <a:lnRef idx="2">
+                <a:schemeClr val="accent1"/>
+              </a:lnRef>
+              <a:fillRef idx="1">
+                <a:schemeClr val="lt1"/>
+              </a:fillRef>
+              <a:effectRef idx="0">
+                <a:schemeClr val="accent1"/>
+              </a:effectRef>
+              <a:fontRef idx="minor">
+                <a:schemeClr val="dk1"/>
+              </a:fontRef>
+            </p:style>
+            <p:txBody>
+              <a:bodyPr rtlCol="0" anchor="ctr"/>
+              <a:p>
+                <a:pPr algn="ctr"/>
+                <a:r>
+                  <a:rPr lang="en-US" altLang="zh-CN"/>
+                  <a:t>3</a:t>
+                </a:r>
+                <a:endParaRPr lang="en-US" altLang="zh-CN"/>
+              </a:p>
+            </p:txBody>
+          </p:sp>
+          <p:cxnSp>
+            <p:nvCxnSpPr>
+              <p:cNvPr id="86" name="直接箭头连接符 85"/>
+              <p:cNvCxnSpPr/>
+              <p:nvPr/>
+            </p:nvCxnSpPr>
+            <p:spPr>
+              <a:xfrm flipH="1" flipV="1">
+                <a:off x="2596" y="3811"/>
+                <a:ext cx="1" cy="788"/>
+              </a:xfrm>
+              <a:prstGeom prst="straightConnector1">
+                <a:avLst/>
+              </a:prstGeom>
+              <a:ln w="28575">
+                <a:tailEnd type="arrow"/>
+              </a:ln>
+            </p:spPr>
+            <p:style>
+              <a:lnRef idx="1">
+                <a:schemeClr val="accent1"/>
+              </a:lnRef>
+              <a:fillRef idx="0">
+                <a:schemeClr val="accent1"/>
+              </a:fillRef>
+              <a:effectRef idx="0">
+                <a:schemeClr val="accent1"/>
+              </a:effectRef>
+              <a:fontRef idx="minor">
+                <a:schemeClr val="tx1"/>
+              </a:fontRef>
+            </p:style>
+          </p:cxnSp>
+          <p:sp>
+            <p:nvSpPr>
+              <p:cNvPr id="87" name="文本框 86"/>
+              <p:cNvSpPr txBox="1"/>
+              <p:nvPr/>
+            </p:nvSpPr>
+            <p:spPr>
+              <a:xfrm>
+                <a:off x="2364" y="3277"/>
+                <a:ext cx="719" cy="580"/>
+              </a:xfrm>
+              <a:prstGeom prst="rect">
+                <a:avLst/>
+              </a:prstGeom>
+              <a:noFill/>
+            </p:spPr>
+            <p:txBody>
+              <a:bodyPr wrap="square" rtlCol="0">
+                <a:spAutoFit/>
+              </a:bodyPr>
+              <a:p>
+                <a:r>
+                  <a:rPr lang="en-US" altLang="zh-CN">
+                    <a:sym typeface="+mn-ea"/>
+                  </a:rPr>
+                  <a:t>-1</a:t>
+                </a:r>
+                <a:endParaRPr lang="en-US" altLang="zh-CN"/>
+              </a:p>
+            </p:txBody>
+          </p:sp>
+        </p:grpSp>
+        <p:grpSp>
+          <p:nvGrpSpPr>
+            <p:cNvPr id="88" name="组合 87"/>
+            <p:cNvGrpSpPr/>
+            <p:nvPr/>
+          </p:nvGrpSpPr>
+          <p:grpSpPr>
+            <a:xfrm>
+              <a:off x="7574" y="3279"/>
+              <a:ext cx="904" cy="2157"/>
+              <a:chOff x="2179" y="3277"/>
+              <a:chExt cx="904" cy="2157"/>
+            </a:xfrm>
+          </p:grpSpPr>
+          <p:sp>
+            <p:nvSpPr>
+              <p:cNvPr id="89" name="椭圆 88"/>
+              <p:cNvSpPr/>
+              <p:nvPr/>
+            </p:nvSpPr>
+            <p:spPr>
+              <a:xfrm>
+                <a:off x="2179" y="4599"/>
+                <a:ext cx="835" cy="835"/>
+              </a:xfrm>
+              <a:prstGeom prst="ellipse">
+                <a:avLst/>
+              </a:prstGeom>
+              <a:ln w="28575"/>
+            </p:spPr>
+            <p:style>
+              <a:lnRef idx="2">
+                <a:schemeClr val="accent1"/>
+              </a:lnRef>
+              <a:fillRef idx="1">
+                <a:schemeClr val="lt1"/>
+              </a:fillRef>
+              <a:effectRef idx="0">
+                <a:schemeClr val="accent1"/>
+              </a:effectRef>
+              <a:fontRef idx="minor">
+                <a:schemeClr val="dk1"/>
+              </a:fontRef>
+            </p:style>
+            <p:txBody>
+              <a:bodyPr rtlCol="0" anchor="ctr"/>
+              <a:p>
+                <a:pPr algn="ctr"/>
+                <a:r>
+                  <a:rPr lang="en-US" altLang="zh-CN"/>
+                  <a:t>4</a:t>
+                </a:r>
+                <a:endParaRPr lang="en-US" altLang="zh-CN"/>
+              </a:p>
+            </p:txBody>
+          </p:sp>
+          <p:cxnSp>
+            <p:nvCxnSpPr>
+              <p:cNvPr id="90" name="直接箭头连接符 89"/>
+              <p:cNvCxnSpPr/>
+              <p:nvPr/>
+            </p:nvCxnSpPr>
+            <p:spPr>
+              <a:xfrm flipH="1" flipV="1">
+                <a:off x="2596" y="3811"/>
+                <a:ext cx="1" cy="788"/>
+              </a:xfrm>
+              <a:prstGeom prst="straightConnector1">
+                <a:avLst/>
+              </a:prstGeom>
+              <a:ln w="28575">
+                <a:tailEnd type="arrow"/>
+              </a:ln>
+            </p:spPr>
+            <p:style>
+              <a:lnRef idx="1">
+                <a:schemeClr val="accent1"/>
+              </a:lnRef>
+              <a:fillRef idx="0">
+                <a:schemeClr val="accent1"/>
+              </a:fillRef>
+              <a:effectRef idx="0">
+                <a:schemeClr val="accent1"/>
+              </a:effectRef>
+              <a:fontRef idx="minor">
+                <a:schemeClr val="tx1"/>
+              </a:fontRef>
+            </p:style>
+          </p:cxnSp>
+          <p:sp>
+            <p:nvSpPr>
+              <p:cNvPr id="91" name="文本框 90"/>
+              <p:cNvSpPr txBox="1"/>
+              <p:nvPr/>
+            </p:nvSpPr>
+            <p:spPr>
+              <a:xfrm>
+                <a:off x="2364" y="3277"/>
+                <a:ext cx="719" cy="580"/>
+              </a:xfrm>
+              <a:prstGeom prst="rect">
+                <a:avLst/>
+              </a:prstGeom>
+              <a:noFill/>
+            </p:spPr>
+            <p:txBody>
+              <a:bodyPr wrap="square" rtlCol="0">
+                <a:spAutoFit/>
+              </a:bodyPr>
+              <a:p>
+                <a:r>
+                  <a:rPr lang="en-US" altLang="zh-CN" b="1">
+                    <a:solidFill>
+                      <a:srgbClr val="FF0000"/>
+                    </a:solidFill>
+                    <a:sym typeface="+mn-ea"/>
+                  </a:rPr>
+                  <a:t>-3</a:t>
+                </a:r>
+                <a:endParaRPr lang="en-US" altLang="zh-CN" b="1">
+                  <a:solidFill>
+                    <a:srgbClr val="FF0000"/>
+                  </a:solidFill>
+                  <a:sym typeface="+mn-ea"/>
+                </a:endParaRPr>
+              </a:p>
+            </p:txBody>
+          </p:sp>
+        </p:grpSp>
+        <p:grpSp>
+          <p:nvGrpSpPr>
+            <p:cNvPr id="92" name="组合 91"/>
+            <p:cNvGrpSpPr/>
+            <p:nvPr/>
+          </p:nvGrpSpPr>
+          <p:grpSpPr>
+            <a:xfrm>
+              <a:off x="8377" y="4987"/>
+              <a:ext cx="1424" cy="1287"/>
+              <a:chOff x="1590" y="4985"/>
+              <a:chExt cx="1424" cy="1287"/>
+            </a:xfrm>
+          </p:grpSpPr>
+          <p:sp>
+            <p:nvSpPr>
+              <p:cNvPr id="93" name="椭圆 92"/>
+              <p:cNvSpPr/>
+              <p:nvPr/>
+            </p:nvSpPr>
+            <p:spPr>
+              <a:xfrm>
+                <a:off x="2179" y="5437"/>
+                <a:ext cx="835" cy="835"/>
+              </a:xfrm>
+              <a:prstGeom prst="ellipse">
+                <a:avLst/>
+              </a:prstGeom>
+              <a:ln w="28575"/>
+            </p:spPr>
+            <p:style>
+              <a:lnRef idx="2">
+                <a:schemeClr val="accent1"/>
+              </a:lnRef>
+              <a:fillRef idx="1">
+                <a:schemeClr val="lt1"/>
+              </a:fillRef>
+              <a:effectRef idx="0">
+                <a:schemeClr val="accent1"/>
+              </a:effectRef>
+              <a:fontRef idx="minor">
+                <a:schemeClr val="dk1"/>
+              </a:fontRef>
+            </p:style>
+            <p:txBody>
+              <a:bodyPr rtlCol="0" anchor="ctr"/>
+              <a:p>
+                <a:pPr algn="ctr"/>
+                <a:r>
+                  <a:rPr lang="en-US" altLang="zh-CN"/>
+                  <a:t>5</a:t>
+                </a:r>
+                <a:endParaRPr lang="en-US" altLang="zh-CN"/>
+              </a:p>
+            </p:txBody>
+          </p:sp>
+          <p:cxnSp>
+            <p:nvCxnSpPr>
+              <p:cNvPr id="94" name="直接箭头连接符 93"/>
+              <p:cNvCxnSpPr/>
+              <p:nvPr/>
+            </p:nvCxnSpPr>
+            <p:spPr>
+              <a:xfrm flipH="1" flipV="1">
+                <a:off x="1590" y="5220"/>
+                <a:ext cx="589" cy="465"/>
+              </a:xfrm>
+              <a:prstGeom prst="straightConnector1">
+                <a:avLst/>
+              </a:prstGeom>
+              <a:ln w="28575">
+                <a:tailEnd type="arrow"/>
+              </a:ln>
+            </p:spPr>
+            <p:style>
+              <a:lnRef idx="1">
+                <a:schemeClr val="accent1"/>
+              </a:lnRef>
+              <a:fillRef idx="0">
+                <a:schemeClr val="accent1"/>
+              </a:fillRef>
+              <a:effectRef idx="0">
+                <a:schemeClr val="accent1"/>
+              </a:effectRef>
+              <a:fontRef idx="minor">
+                <a:schemeClr val="tx1"/>
+              </a:fontRef>
+            </p:style>
+          </p:cxnSp>
+          <p:sp>
+            <p:nvSpPr>
+              <p:cNvPr id="95" name="文本框 94"/>
+              <p:cNvSpPr txBox="1"/>
+              <p:nvPr/>
+            </p:nvSpPr>
+            <p:spPr>
+              <a:xfrm>
+                <a:off x="2295" y="4985"/>
+                <a:ext cx="719" cy="580"/>
+              </a:xfrm>
+              <a:prstGeom prst="rect">
+                <a:avLst/>
+              </a:prstGeom>
+              <a:noFill/>
+            </p:spPr>
+            <p:txBody>
+              <a:bodyPr wrap="square" rtlCol="0">
+                <a:spAutoFit/>
+              </a:bodyPr>
+              <a:p>
+                <a:r>
+                  <a:rPr lang="en-US" altLang="zh-CN">
+                    <a:sym typeface="+mn-ea"/>
+                  </a:rPr>
+                  <a:t>4</a:t>
+                </a:r>
+                <a:endParaRPr lang="en-US" altLang="zh-CN"/>
+              </a:p>
+            </p:txBody>
+          </p:sp>
+        </p:grpSp>
+        <p:grpSp>
+          <p:nvGrpSpPr>
+            <p:cNvPr id="96" name="组合 95"/>
+            <p:cNvGrpSpPr/>
+            <p:nvPr/>
+          </p:nvGrpSpPr>
+          <p:grpSpPr>
+            <a:xfrm>
+              <a:off x="8567" y="4709"/>
+              <a:ext cx="2694" cy="1560"/>
+              <a:chOff x="389" y="4705"/>
+              <a:chExt cx="2694" cy="1560"/>
+            </a:xfrm>
+          </p:grpSpPr>
+          <p:sp>
+            <p:nvSpPr>
+              <p:cNvPr id="97" name="椭圆 96"/>
+              <p:cNvSpPr/>
+              <p:nvPr/>
+            </p:nvSpPr>
+            <p:spPr>
+              <a:xfrm>
+                <a:off x="2248" y="5430"/>
+                <a:ext cx="835" cy="835"/>
+              </a:xfrm>
+              <a:prstGeom prst="ellipse">
+                <a:avLst/>
+              </a:prstGeom>
+              <a:ln w="28575"/>
+            </p:spPr>
+            <p:style>
+              <a:lnRef idx="2">
+                <a:schemeClr val="accent1"/>
+              </a:lnRef>
+              <a:fillRef idx="1">
+                <a:schemeClr val="lt1"/>
+              </a:fillRef>
+              <a:effectRef idx="0">
+                <a:schemeClr val="accent1"/>
+              </a:effectRef>
+              <a:fontRef idx="minor">
+                <a:schemeClr val="dk1"/>
+              </a:fontRef>
+            </p:style>
+            <p:txBody>
+              <a:bodyPr rtlCol="0" anchor="ctr"/>
+              <a:p>
+                <a:pPr algn="ctr"/>
+                <a:r>
+                  <a:rPr lang="en-US" altLang="zh-CN"/>
+                  <a:t>6</a:t>
+                </a:r>
+                <a:endParaRPr lang="en-US" altLang="zh-CN"/>
+              </a:p>
+            </p:txBody>
+          </p:sp>
+          <p:cxnSp>
+            <p:nvCxnSpPr>
+              <p:cNvPr id="98" name="直接箭头连接符 97"/>
+              <p:cNvCxnSpPr/>
+              <p:nvPr/>
+            </p:nvCxnSpPr>
+            <p:spPr>
+              <a:xfrm flipH="1" flipV="1">
+                <a:off x="389" y="4705"/>
+                <a:ext cx="2101" cy="630"/>
+              </a:xfrm>
+              <a:prstGeom prst="straightConnector1">
+                <a:avLst/>
+              </a:prstGeom>
+              <a:ln w="28575">
+                <a:tailEnd type="arrow"/>
+              </a:ln>
+            </p:spPr>
+            <p:style>
+              <a:lnRef idx="1">
+                <a:schemeClr val="accent1"/>
+              </a:lnRef>
+              <a:fillRef idx="0">
+                <a:schemeClr val="accent1"/>
+              </a:fillRef>
+              <a:effectRef idx="0">
+                <a:schemeClr val="accent1"/>
+              </a:effectRef>
+              <a:fontRef idx="minor">
+                <a:schemeClr val="tx1"/>
+              </a:fontRef>
+            </p:style>
+          </p:cxnSp>
+          <p:sp>
+            <p:nvSpPr>
+              <p:cNvPr id="99" name="文本框 98"/>
+              <p:cNvSpPr txBox="1"/>
+              <p:nvPr/>
+            </p:nvSpPr>
+            <p:spPr>
+              <a:xfrm>
+                <a:off x="2364" y="4722"/>
+                <a:ext cx="719" cy="580"/>
+              </a:xfrm>
+              <a:prstGeom prst="rect">
+                <a:avLst/>
+              </a:prstGeom>
+              <a:noFill/>
+            </p:spPr>
+            <p:txBody>
+              <a:bodyPr wrap="square" rtlCol="0">
+                <a:spAutoFit/>
+              </a:bodyPr>
+              <a:p>
+                <a:r>
+                  <a:rPr lang="en-US" altLang="zh-CN" b="1">
+                    <a:solidFill>
+                      <a:srgbClr val="FF0000"/>
+                    </a:solidFill>
+                    <a:sym typeface="+mn-ea"/>
+                  </a:rPr>
+                  <a:t>4</a:t>
+                </a:r>
+                <a:endParaRPr lang="en-US" altLang="zh-CN" b="1">
+                  <a:solidFill>
+                    <a:srgbClr val="FF0000"/>
+                  </a:solidFill>
+                  <a:sym typeface="+mn-ea"/>
+                </a:endParaRPr>
+              </a:p>
+            </p:txBody>
+          </p:sp>
+        </p:grpSp>
+        <p:grpSp>
+          <p:nvGrpSpPr>
+            <p:cNvPr id="100" name="组合 99"/>
+            <p:cNvGrpSpPr/>
+            <p:nvPr/>
+          </p:nvGrpSpPr>
+          <p:grpSpPr>
+            <a:xfrm>
+              <a:off x="11148" y="5567"/>
+              <a:ext cx="1550" cy="1483"/>
+              <a:chOff x="1533" y="5562"/>
+              <a:chExt cx="1550" cy="1483"/>
+            </a:xfrm>
+          </p:grpSpPr>
+          <p:sp>
+            <p:nvSpPr>
+              <p:cNvPr id="101" name="椭圆 100"/>
+              <p:cNvSpPr/>
+              <p:nvPr/>
+            </p:nvSpPr>
+            <p:spPr>
+              <a:xfrm>
+                <a:off x="2248" y="6210"/>
+                <a:ext cx="835" cy="835"/>
+              </a:xfrm>
+              <a:prstGeom prst="ellipse">
+                <a:avLst/>
+              </a:prstGeom>
+              <a:ln w="28575"/>
+            </p:spPr>
+            <p:style>
+              <a:lnRef idx="2">
+                <a:schemeClr val="accent1"/>
+              </a:lnRef>
+              <a:fillRef idx="1">
+                <a:schemeClr val="lt1"/>
+              </a:fillRef>
+              <a:effectRef idx="0">
+                <a:schemeClr val="accent1"/>
+              </a:effectRef>
+              <a:fontRef idx="minor">
+                <a:schemeClr val="dk1"/>
+              </a:fontRef>
+            </p:style>
+            <p:txBody>
+              <a:bodyPr rtlCol="0" anchor="ctr"/>
+              <a:p>
+                <a:pPr algn="ctr"/>
+                <a:r>
+                  <a:rPr lang="en-US" altLang="zh-CN"/>
+                  <a:t>7</a:t>
+                </a:r>
+                <a:endParaRPr lang="en-US" altLang="zh-CN"/>
+              </a:p>
+            </p:txBody>
+          </p:sp>
+          <p:cxnSp>
+            <p:nvCxnSpPr>
+              <p:cNvPr id="102" name="直接箭头连接符 101"/>
+              <p:cNvCxnSpPr/>
+              <p:nvPr/>
+            </p:nvCxnSpPr>
+            <p:spPr>
+              <a:xfrm flipH="1" flipV="1">
+                <a:off x="1533" y="5955"/>
+                <a:ext cx="715" cy="541"/>
+              </a:xfrm>
+              <a:prstGeom prst="straightConnector1">
+                <a:avLst/>
+              </a:prstGeom>
+              <a:ln w="28575">
+                <a:tailEnd type="arrow"/>
+              </a:ln>
+            </p:spPr>
+            <p:style>
+              <a:lnRef idx="1">
+                <a:schemeClr val="accent1"/>
+              </a:lnRef>
+              <a:fillRef idx="0">
+                <a:schemeClr val="accent1"/>
+              </a:fillRef>
+              <a:effectRef idx="0">
+                <a:schemeClr val="accent1"/>
+              </a:effectRef>
+              <a:fontRef idx="minor">
+                <a:schemeClr val="tx1"/>
+              </a:fontRef>
+            </p:style>
+          </p:cxnSp>
+          <p:sp>
+            <p:nvSpPr>
+              <p:cNvPr id="103" name="文本框 102"/>
+              <p:cNvSpPr txBox="1"/>
+              <p:nvPr/>
+            </p:nvSpPr>
+            <p:spPr>
+              <a:xfrm>
+                <a:off x="2306" y="5562"/>
+                <a:ext cx="719" cy="580"/>
+              </a:xfrm>
+              <a:prstGeom prst="rect">
+                <a:avLst/>
+              </a:prstGeom>
+              <a:noFill/>
+            </p:spPr>
+            <p:txBody>
+              <a:bodyPr wrap="square" rtlCol="0">
+                <a:spAutoFit/>
+              </a:bodyPr>
+              <a:p>
+                <a:r>
+                  <a:rPr lang="en-US" altLang="zh-CN">
+                    <a:sym typeface="+mn-ea"/>
+                  </a:rPr>
+                  <a:t>6</a:t>
+                </a:r>
+                <a:endParaRPr lang="en-US" altLang="zh-CN"/>
+              </a:p>
+            </p:txBody>
+          </p:sp>
+        </p:grpSp>
+      </p:grpSp>
+    </p:spTree>
+  </p:cSld>
+  <p:clrMapOvr>
+    <a:masterClrMapping/>
+  </p:clrMapOvr>
+</p:sld>
+</file>
+
+<file path=ppt/slides/slide38.xml><?xml version="1.0" encoding="utf-8"?>
+<p:sld xmlns:a="http://schemas.openxmlformats.org/drawingml/2006/main" xmlns:r="http://schemas.openxmlformats.org/officeDocument/2006/relationships" xmlns:p="http://schemas.openxmlformats.org/presentationml/2006/main">
+  <p:cSld>
+    <p:spTree>
+      <p:nvGrpSpPr>
+        <p:cNvPr id="1" name=""/>
+        <p:cNvGrpSpPr/>
+        <p:nvPr/>
+      </p:nvGrpSpPr>
+      <p:grpSpPr/>
+      <p:sp>
+        <p:nvSpPr>
+          <p:cNvPr id="3" name="标题 2"/>
+          <p:cNvSpPr/>
+          <p:nvPr>
+            <p:ph type="title"/>
+          </p:nvPr>
+        </p:nvSpPr>
+        <p:spPr/>
+        <p:txBody>
+          <a:bodyPr/>
+          <a:p>
+            <a:r>
+              <a:rPr lang="en-US" altLang="zh-CN"/>
+              <a:t>Find </a:t>
+            </a:r>
+            <a:r>
+              <a:rPr lang="zh-CN" altLang="en-US"/>
+              <a:t>优化</a:t>
+            </a:r>
+            <a:r>
+              <a:rPr lang="en-US" altLang="zh-CN"/>
+              <a:t>(path compression)</a:t>
+            </a:r>
+            <a:endParaRPr lang="en-US" altLang="zh-CN"/>
+          </a:p>
+        </p:txBody>
+      </p:sp>
+      <p:grpSp>
+        <p:nvGrpSpPr>
+          <p:cNvPr id="6" name="组合 5"/>
+          <p:cNvGrpSpPr/>
+          <p:nvPr/>
+        </p:nvGrpSpPr>
+        <p:grpSpPr>
+          <a:xfrm>
+            <a:off x="838200" y="1691005"/>
+            <a:ext cx="6701155" cy="1903095"/>
+            <a:chOff x="2203" y="3277"/>
+            <a:chExt cx="10553" cy="2997"/>
+          </a:xfrm>
+        </p:grpSpPr>
+        <p:grpSp>
+          <p:nvGrpSpPr>
+            <p:cNvPr id="7" name="组合 6"/>
+            <p:cNvGrpSpPr/>
+            <p:nvPr/>
+          </p:nvGrpSpPr>
+          <p:grpSpPr>
+            <a:xfrm>
+              <a:off x="2203" y="3277"/>
+              <a:ext cx="904" cy="2157"/>
+              <a:chOff x="2179" y="3277"/>
+              <a:chExt cx="904" cy="2157"/>
+            </a:xfrm>
+          </p:grpSpPr>
+          <p:sp>
+            <p:nvSpPr>
+              <p:cNvPr id="8" name="椭圆 7"/>
+              <p:cNvSpPr/>
+              <p:nvPr/>
+            </p:nvSpPr>
+            <p:spPr>
+              <a:xfrm>
+                <a:off x="2179" y="4599"/>
+                <a:ext cx="835" cy="835"/>
+              </a:xfrm>
+              <a:prstGeom prst="ellipse">
+                <a:avLst/>
+              </a:prstGeom>
+              <a:ln w="28575"/>
+            </p:spPr>
+            <p:style>
+              <a:lnRef idx="2">
+                <a:schemeClr val="accent1"/>
+              </a:lnRef>
+              <a:fillRef idx="1">
+                <a:schemeClr val="lt1"/>
+              </a:fillRef>
+              <a:effectRef idx="0">
+                <a:schemeClr val="accent1"/>
+              </a:effectRef>
+              <a:fontRef idx="minor">
+                <a:schemeClr val="dk1"/>
+              </a:fontRef>
+            </p:style>
+            <p:txBody>
+              <a:bodyPr rtlCol="0" anchor="ctr"/>
+              <a:p>
+                <a:pPr algn="ctr"/>
+                <a:r>
+                  <a:rPr lang="en-US" altLang="zh-CN"/>
+                  <a:t>0</a:t>
+                </a:r>
+                <a:endParaRPr lang="en-US" altLang="zh-CN"/>
+              </a:p>
+            </p:txBody>
+          </p:sp>
+          <p:cxnSp>
+            <p:nvCxnSpPr>
+              <p:cNvPr id="9" name="直接箭头连接符 8"/>
+              <p:cNvCxnSpPr/>
+              <p:nvPr/>
+            </p:nvCxnSpPr>
+            <p:spPr>
+              <a:xfrm flipH="1" flipV="1">
+                <a:off x="2596" y="3811"/>
+                <a:ext cx="1" cy="788"/>
+              </a:xfrm>
+              <a:prstGeom prst="straightConnector1">
+                <a:avLst/>
+              </a:prstGeom>
+              <a:ln w="28575">
+                <a:tailEnd type="arrow"/>
+              </a:ln>
+            </p:spPr>
+            <p:style>
+              <a:lnRef idx="1">
+                <a:schemeClr val="accent1"/>
+              </a:lnRef>
+              <a:fillRef idx="0">
+                <a:schemeClr val="accent1"/>
+              </a:fillRef>
+              <a:effectRef idx="0">
+                <a:schemeClr val="accent1"/>
+              </a:effectRef>
+              <a:fontRef idx="minor">
+                <a:schemeClr val="tx1"/>
+              </a:fontRef>
+            </p:style>
+          </p:cxnSp>
+          <p:sp>
+            <p:nvSpPr>
+              <p:cNvPr id="10" name="文本框 9"/>
+              <p:cNvSpPr txBox="1"/>
+              <p:nvPr/>
+            </p:nvSpPr>
+            <p:spPr>
+              <a:xfrm>
+                <a:off x="2364" y="3277"/>
+                <a:ext cx="719" cy="580"/>
+              </a:xfrm>
+              <a:prstGeom prst="rect">
+                <a:avLst/>
+              </a:prstGeom>
+              <a:noFill/>
+            </p:spPr>
+            <p:txBody>
+              <a:bodyPr wrap="square" rtlCol="0">
+                <a:spAutoFit/>
+              </a:bodyPr>
+              <a:p>
+                <a:r>
+                  <a:rPr lang="en-US" altLang="zh-CN"/>
+                  <a:t>-1</a:t>
+                </a:r>
+                <a:endParaRPr lang="en-US" altLang="zh-CN"/>
+              </a:p>
+            </p:txBody>
+          </p:sp>
+        </p:grpSp>
+        <p:grpSp>
+          <p:nvGrpSpPr>
+            <p:cNvPr id="43" name="组合 42"/>
+            <p:cNvGrpSpPr/>
+            <p:nvPr/>
+          </p:nvGrpSpPr>
+          <p:grpSpPr>
+            <a:xfrm>
+              <a:off x="3470" y="3277"/>
+              <a:ext cx="904" cy="2157"/>
+              <a:chOff x="2179" y="3277"/>
+              <a:chExt cx="904" cy="2157"/>
+            </a:xfrm>
+          </p:grpSpPr>
+          <p:sp>
+            <p:nvSpPr>
+              <p:cNvPr id="44" name="椭圆 43"/>
+              <p:cNvSpPr/>
+              <p:nvPr/>
+            </p:nvSpPr>
+            <p:spPr>
+              <a:xfrm>
+                <a:off x="2179" y="4599"/>
+                <a:ext cx="835" cy="835"/>
+              </a:xfrm>
+              <a:prstGeom prst="ellipse">
+                <a:avLst/>
+              </a:prstGeom>
+              <a:ln w="28575"/>
+            </p:spPr>
+            <p:style>
+              <a:lnRef idx="2">
+                <a:schemeClr val="accent1"/>
+              </a:lnRef>
+              <a:fillRef idx="1">
+                <a:schemeClr val="lt1"/>
+              </a:fillRef>
+              <a:effectRef idx="0">
+                <a:schemeClr val="accent1"/>
+              </a:effectRef>
+              <a:fontRef idx="minor">
+                <a:schemeClr val="dk1"/>
+              </a:fontRef>
+            </p:style>
+            <p:txBody>
+              <a:bodyPr rtlCol="0" anchor="ctr"/>
+              <a:p>
+                <a:pPr algn="ctr"/>
+                <a:r>
+                  <a:rPr lang="en-US" altLang="zh-CN"/>
+                  <a:t>1</a:t>
+                </a:r>
+                <a:endParaRPr lang="en-US" altLang="zh-CN"/>
+              </a:p>
+            </p:txBody>
+          </p:sp>
+          <p:cxnSp>
+            <p:nvCxnSpPr>
+              <p:cNvPr id="45" name="直接箭头连接符 44"/>
+              <p:cNvCxnSpPr/>
+              <p:nvPr/>
+            </p:nvCxnSpPr>
+            <p:spPr>
+              <a:xfrm flipH="1" flipV="1">
+                <a:off x="2596" y="3811"/>
+                <a:ext cx="1" cy="788"/>
+              </a:xfrm>
+              <a:prstGeom prst="straightConnector1">
+                <a:avLst/>
+              </a:prstGeom>
+              <a:ln w="28575">
+                <a:tailEnd type="arrow"/>
+              </a:ln>
+            </p:spPr>
+            <p:style>
+              <a:lnRef idx="1">
+                <a:schemeClr val="accent1"/>
+              </a:lnRef>
+              <a:fillRef idx="0">
+                <a:schemeClr val="accent1"/>
+              </a:fillRef>
+              <a:effectRef idx="0">
+                <a:schemeClr val="accent1"/>
+              </a:effectRef>
+              <a:fontRef idx="minor">
+                <a:schemeClr val="tx1"/>
+              </a:fontRef>
+            </p:style>
+          </p:cxnSp>
+          <p:sp>
+            <p:nvSpPr>
+              <p:cNvPr id="46" name="文本框 45"/>
+              <p:cNvSpPr txBox="1"/>
+              <p:nvPr/>
+            </p:nvSpPr>
+            <p:spPr>
+              <a:xfrm>
+                <a:off x="2364" y="3277"/>
+                <a:ext cx="719" cy="1016"/>
+              </a:xfrm>
+              <a:prstGeom prst="rect">
+                <a:avLst/>
+              </a:prstGeom>
+              <a:noFill/>
+            </p:spPr>
+            <p:txBody>
+              <a:bodyPr wrap="square" rtlCol="0">
+                <a:spAutoFit/>
+              </a:bodyPr>
+              <a:p>
+                <a:r>
+                  <a:rPr lang="en-US" altLang="zh-CN">
+                    <a:sym typeface="+mn-ea"/>
+                  </a:rPr>
+                  <a:t>-1</a:t>
+                </a:r>
+                <a:endParaRPr lang="en-US" altLang="zh-CN"/>
+              </a:p>
+              <a:p>
+                <a:endParaRPr lang="en-US" altLang="zh-CN"/>
+              </a:p>
+            </p:txBody>
+          </p:sp>
+        </p:grpSp>
+        <p:grpSp>
+          <p:nvGrpSpPr>
+            <p:cNvPr id="47" name="组合 46"/>
+            <p:cNvGrpSpPr/>
+            <p:nvPr/>
+          </p:nvGrpSpPr>
+          <p:grpSpPr>
+            <a:xfrm>
+              <a:off x="4861" y="3277"/>
+              <a:ext cx="904" cy="2157"/>
+              <a:chOff x="2179" y="3277"/>
+              <a:chExt cx="904" cy="2157"/>
+            </a:xfrm>
+          </p:grpSpPr>
+          <p:sp>
+            <p:nvSpPr>
+              <p:cNvPr id="48" name="椭圆 47"/>
+              <p:cNvSpPr/>
+              <p:nvPr/>
+            </p:nvSpPr>
+            <p:spPr>
+              <a:xfrm>
+                <a:off x="2179" y="4599"/>
+                <a:ext cx="835" cy="835"/>
+              </a:xfrm>
+              <a:prstGeom prst="ellipse">
+                <a:avLst/>
+              </a:prstGeom>
+              <a:ln w="28575"/>
+            </p:spPr>
+            <p:style>
+              <a:lnRef idx="2">
+                <a:schemeClr val="accent1"/>
+              </a:lnRef>
+              <a:fillRef idx="1">
+                <a:schemeClr val="lt1"/>
+              </a:fillRef>
+              <a:effectRef idx="0">
+                <a:schemeClr val="accent1"/>
+              </a:effectRef>
+              <a:fontRef idx="minor">
+                <a:schemeClr val="dk1"/>
+              </a:fontRef>
+            </p:style>
+            <p:txBody>
+              <a:bodyPr rtlCol="0" anchor="ctr"/>
+              <a:p>
+                <a:pPr algn="ctr"/>
+                <a:r>
+                  <a:rPr lang="en-US" altLang="zh-CN"/>
+                  <a:t>2</a:t>
+                </a:r>
+                <a:endParaRPr lang="en-US" altLang="zh-CN"/>
+              </a:p>
+            </p:txBody>
+          </p:sp>
+          <p:cxnSp>
+            <p:nvCxnSpPr>
+              <p:cNvPr id="49" name="直接箭头连接符 48"/>
+              <p:cNvCxnSpPr/>
+              <p:nvPr/>
+            </p:nvCxnSpPr>
+            <p:spPr>
+              <a:xfrm flipH="1" flipV="1">
+                <a:off x="2596" y="3811"/>
+                <a:ext cx="1" cy="788"/>
+              </a:xfrm>
+              <a:prstGeom prst="straightConnector1">
+                <a:avLst/>
+              </a:prstGeom>
+              <a:ln w="28575">
+                <a:tailEnd type="arrow"/>
+              </a:ln>
+            </p:spPr>
+            <p:style>
+              <a:lnRef idx="1">
+                <a:schemeClr val="accent1"/>
+              </a:lnRef>
+              <a:fillRef idx="0">
+                <a:schemeClr val="accent1"/>
+              </a:fillRef>
+              <a:effectRef idx="0">
+                <a:schemeClr val="accent1"/>
+              </a:effectRef>
+              <a:fontRef idx="minor">
+                <a:schemeClr val="tx1"/>
+              </a:fontRef>
+            </p:style>
+          </p:cxnSp>
+          <p:sp>
+            <p:nvSpPr>
+              <p:cNvPr id="50" name="文本框 49"/>
+              <p:cNvSpPr txBox="1"/>
+              <p:nvPr/>
+            </p:nvSpPr>
+            <p:spPr>
+              <a:xfrm>
+                <a:off x="2364" y="3277"/>
+                <a:ext cx="719" cy="1016"/>
+              </a:xfrm>
+              <a:prstGeom prst="rect">
+                <a:avLst/>
+              </a:prstGeom>
+              <a:noFill/>
+            </p:spPr>
+            <p:txBody>
+              <a:bodyPr wrap="square" rtlCol="0">
+                <a:spAutoFit/>
+              </a:bodyPr>
+              <a:p>
+                <a:r>
+                  <a:rPr lang="en-US" altLang="zh-CN">
+                    <a:sym typeface="+mn-ea"/>
+                  </a:rPr>
+                  <a:t>-1</a:t>
+                </a:r>
+                <a:endParaRPr lang="en-US" altLang="zh-CN"/>
+              </a:p>
+              <a:p>
+                <a:endParaRPr lang="en-US" altLang="zh-CN"/>
+              </a:p>
+            </p:txBody>
+          </p:sp>
+        </p:grpSp>
+        <p:grpSp>
+          <p:nvGrpSpPr>
+            <p:cNvPr id="51" name="组合 50"/>
+            <p:cNvGrpSpPr/>
+            <p:nvPr/>
+          </p:nvGrpSpPr>
+          <p:grpSpPr>
+            <a:xfrm>
+              <a:off x="6279" y="3279"/>
+              <a:ext cx="842" cy="2163"/>
+              <a:chOff x="2299" y="3278"/>
+              <a:chExt cx="842" cy="2163"/>
+            </a:xfrm>
+          </p:grpSpPr>
+          <p:sp>
+            <p:nvSpPr>
+              <p:cNvPr id="52" name="椭圆 51"/>
+              <p:cNvSpPr/>
+              <p:nvPr/>
+            </p:nvSpPr>
+            <p:spPr>
+              <a:xfrm>
+                <a:off x="2299" y="4606"/>
+                <a:ext cx="835" cy="835"/>
+              </a:xfrm>
+              <a:prstGeom prst="ellipse">
+                <a:avLst/>
+              </a:prstGeom>
+              <a:ln w="28575"/>
+            </p:spPr>
+            <p:style>
+              <a:lnRef idx="2">
+                <a:schemeClr val="accent1"/>
+              </a:lnRef>
+              <a:fillRef idx="1">
+                <a:schemeClr val="lt1"/>
+              </a:fillRef>
+              <a:effectRef idx="0">
+                <a:schemeClr val="accent1"/>
+              </a:effectRef>
+              <a:fontRef idx="minor">
+                <a:schemeClr val="dk1"/>
+              </a:fontRef>
+            </p:style>
+            <p:txBody>
+              <a:bodyPr rtlCol="0" anchor="ctr"/>
+              <a:p>
+                <a:pPr algn="ctr"/>
+                <a:r>
+                  <a:rPr lang="en-US" altLang="zh-CN"/>
+                  <a:t>3</a:t>
+                </a:r>
+                <a:endParaRPr lang="en-US" altLang="zh-CN"/>
+              </a:p>
+            </p:txBody>
+          </p:sp>
+          <p:cxnSp>
+            <p:nvCxnSpPr>
+              <p:cNvPr id="53" name="直接箭头连接符 52"/>
+              <p:cNvCxnSpPr>
+                <a:stCxn id="52" idx="0"/>
+                <a:endCxn id="54" idx="2"/>
+              </p:cNvCxnSpPr>
+              <p:nvPr/>
+            </p:nvCxnSpPr>
+            <p:spPr>
+              <a:xfrm flipV="1">
+                <a:off x="2717" y="3858"/>
+                <a:ext cx="3" cy="748"/>
+              </a:xfrm>
+              <a:prstGeom prst="straightConnector1">
+                <a:avLst/>
+              </a:prstGeom>
+              <a:ln w="28575">
+                <a:tailEnd type="arrow"/>
+              </a:ln>
+            </p:spPr>
+            <p:style>
+              <a:lnRef idx="1">
+                <a:schemeClr val="accent1"/>
+              </a:lnRef>
+              <a:fillRef idx="0">
+                <a:schemeClr val="accent1"/>
+              </a:fillRef>
+              <a:effectRef idx="0">
+                <a:schemeClr val="accent1"/>
+              </a:effectRef>
+              <a:fontRef idx="minor">
+                <a:schemeClr val="tx1"/>
+              </a:fontRef>
+            </p:style>
+          </p:cxnSp>
+          <p:sp>
+            <p:nvSpPr>
+              <p:cNvPr id="54" name="文本框 53"/>
+              <p:cNvSpPr txBox="1"/>
+              <p:nvPr/>
+            </p:nvSpPr>
+            <p:spPr>
+              <a:xfrm>
+                <a:off x="2299" y="3278"/>
+                <a:ext cx="842" cy="580"/>
+              </a:xfrm>
+              <a:prstGeom prst="rect">
+                <a:avLst/>
+              </a:prstGeom>
+              <a:noFill/>
+            </p:spPr>
+            <p:txBody>
+              <a:bodyPr wrap="square" rtlCol="0">
+                <a:spAutoFit/>
+              </a:bodyPr>
+              <a:p>
+                <a:r>
+                  <a:rPr lang="en-US" altLang="zh-CN">
+                    <a:solidFill>
+                      <a:schemeClr val="tx1"/>
+                    </a:solidFill>
+                    <a:sym typeface="+mn-ea"/>
+                  </a:rPr>
+                  <a:t>  -1</a:t>
+                </a:r>
+                <a:endParaRPr lang="en-US" altLang="zh-CN">
+                  <a:solidFill>
+                    <a:schemeClr val="tx1"/>
+                  </a:solidFill>
+                  <a:sym typeface="+mn-ea"/>
+                </a:endParaRPr>
+              </a:p>
+            </p:txBody>
+          </p:sp>
+        </p:grpSp>
+        <p:grpSp>
+          <p:nvGrpSpPr>
+            <p:cNvPr id="55" name="组合 54"/>
+            <p:cNvGrpSpPr/>
+            <p:nvPr/>
+          </p:nvGrpSpPr>
+          <p:grpSpPr>
+            <a:xfrm>
+              <a:off x="7574" y="3279"/>
+              <a:ext cx="904" cy="2157"/>
+              <a:chOff x="2179" y="3277"/>
+              <a:chExt cx="904" cy="2157"/>
+            </a:xfrm>
+          </p:grpSpPr>
+          <p:sp>
+            <p:nvSpPr>
+              <p:cNvPr id="56" name="椭圆 55"/>
+              <p:cNvSpPr/>
+              <p:nvPr/>
+            </p:nvSpPr>
+            <p:spPr>
+              <a:xfrm>
+                <a:off x="2179" y="4599"/>
+                <a:ext cx="835" cy="835"/>
+              </a:xfrm>
+              <a:prstGeom prst="ellipse">
+                <a:avLst/>
+              </a:prstGeom>
+              <a:ln w="28575"/>
+            </p:spPr>
+            <p:style>
+              <a:lnRef idx="2">
+                <a:schemeClr val="accent1"/>
+              </a:lnRef>
+              <a:fillRef idx="1">
+                <a:schemeClr val="lt1"/>
+              </a:fillRef>
+              <a:effectRef idx="0">
+                <a:schemeClr val="accent1"/>
+              </a:effectRef>
+              <a:fontRef idx="minor">
+                <a:schemeClr val="dk1"/>
+              </a:fontRef>
+            </p:style>
+            <p:txBody>
+              <a:bodyPr rtlCol="0" anchor="ctr"/>
+              <a:p>
+                <a:pPr algn="ctr"/>
+                <a:r>
+                  <a:rPr lang="en-US" altLang="zh-CN"/>
+                  <a:t>4</a:t>
+                </a:r>
+                <a:endParaRPr lang="en-US" altLang="zh-CN"/>
+              </a:p>
+            </p:txBody>
+          </p:sp>
+          <p:cxnSp>
+            <p:nvCxnSpPr>
+              <p:cNvPr id="57" name="直接箭头连接符 56"/>
+              <p:cNvCxnSpPr/>
+              <p:nvPr/>
+            </p:nvCxnSpPr>
+            <p:spPr>
+              <a:xfrm flipH="1" flipV="1">
+                <a:off x="2596" y="3811"/>
+                <a:ext cx="1" cy="788"/>
+              </a:xfrm>
+              <a:prstGeom prst="straightConnector1">
+                <a:avLst/>
+              </a:prstGeom>
+              <a:ln w="28575">
+                <a:tailEnd type="arrow"/>
+              </a:ln>
+            </p:spPr>
+            <p:style>
+              <a:lnRef idx="1">
+                <a:schemeClr val="accent1"/>
+              </a:lnRef>
+              <a:fillRef idx="0">
+                <a:schemeClr val="accent1"/>
+              </a:fillRef>
+              <a:effectRef idx="0">
+                <a:schemeClr val="accent1"/>
+              </a:effectRef>
+              <a:fontRef idx="minor">
+                <a:schemeClr val="tx1"/>
+              </a:fontRef>
+            </p:style>
+          </p:cxnSp>
+          <p:sp>
+            <p:nvSpPr>
+              <p:cNvPr id="58" name="文本框 57"/>
+              <p:cNvSpPr txBox="1"/>
+              <p:nvPr/>
+            </p:nvSpPr>
+            <p:spPr>
+              <a:xfrm>
+                <a:off x="2364" y="3277"/>
+                <a:ext cx="719" cy="580"/>
+              </a:xfrm>
+              <a:prstGeom prst="rect">
+                <a:avLst/>
+              </a:prstGeom>
+              <a:noFill/>
+            </p:spPr>
+            <p:txBody>
+              <a:bodyPr wrap="square" rtlCol="0">
+                <a:spAutoFit/>
+              </a:bodyPr>
+              <a:p>
+                <a:r>
+                  <a:rPr lang="en-US" altLang="zh-CN" b="1">
+                    <a:sym typeface="+mn-ea"/>
+                  </a:rPr>
+                  <a:t>-3</a:t>
+                </a:r>
+                <a:endParaRPr lang="en-US" altLang="zh-CN" b="1">
+                  <a:sym typeface="+mn-ea"/>
+                </a:endParaRPr>
+              </a:p>
+            </p:txBody>
+          </p:sp>
+        </p:grpSp>
+        <p:grpSp>
+          <p:nvGrpSpPr>
+            <p:cNvPr id="59" name="组合 58"/>
+            <p:cNvGrpSpPr/>
+            <p:nvPr/>
+          </p:nvGrpSpPr>
+          <p:grpSpPr>
+            <a:xfrm>
+              <a:off x="8377" y="4987"/>
+              <a:ext cx="1424" cy="1287"/>
+              <a:chOff x="1590" y="4985"/>
+              <a:chExt cx="1424" cy="1287"/>
+            </a:xfrm>
+          </p:grpSpPr>
+          <p:sp>
+            <p:nvSpPr>
+              <p:cNvPr id="60" name="椭圆 59"/>
+              <p:cNvSpPr/>
+              <p:nvPr/>
+            </p:nvSpPr>
+            <p:spPr>
+              <a:xfrm>
+                <a:off x="2179" y="5437"/>
+                <a:ext cx="835" cy="835"/>
+              </a:xfrm>
+              <a:prstGeom prst="ellipse">
+                <a:avLst/>
+              </a:prstGeom>
+              <a:ln w="28575"/>
+            </p:spPr>
+            <p:style>
+              <a:lnRef idx="2">
+                <a:schemeClr val="accent1"/>
+              </a:lnRef>
+              <a:fillRef idx="1">
+                <a:schemeClr val="lt1"/>
+              </a:fillRef>
+              <a:effectRef idx="0">
+                <a:schemeClr val="accent1"/>
+              </a:effectRef>
+              <a:fontRef idx="minor">
+                <a:schemeClr val="dk1"/>
+              </a:fontRef>
+            </p:style>
+            <p:txBody>
+              <a:bodyPr rtlCol="0" anchor="ctr"/>
+              <a:p>
+                <a:pPr algn="ctr"/>
+                <a:r>
+                  <a:rPr lang="en-US" altLang="zh-CN"/>
+                  <a:t>5</a:t>
+                </a:r>
+                <a:endParaRPr lang="en-US" altLang="zh-CN"/>
+              </a:p>
+            </p:txBody>
+          </p:sp>
+          <p:cxnSp>
+            <p:nvCxnSpPr>
+              <p:cNvPr id="61" name="直接箭头连接符 60"/>
+              <p:cNvCxnSpPr/>
+              <p:nvPr/>
+            </p:nvCxnSpPr>
+            <p:spPr>
+              <a:xfrm flipH="1" flipV="1">
+                <a:off x="1590" y="5220"/>
+                <a:ext cx="589" cy="465"/>
+              </a:xfrm>
+              <a:prstGeom prst="straightConnector1">
+                <a:avLst/>
+              </a:prstGeom>
+              <a:ln w="28575">
+                <a:tailEnd type="arrow"/>
+              </a:ln>
+            </p:spPr>
+            <p:style>
+              <a:lnRef idx="1">
+                <a:schemeClr val="accent1"/>
+              </a:lnRef>
+              <a:fillRef idx="0">
+                <a:schemeClr val="accent1"/>
+              </a:fillRef>
+              <a:effectRef idx="0">
+                <a:schemeClr val="accent1"/>
+              </a:effectRef>
+              <a:fontRef idx="minor">
+                <a:schemeClr val="tx1"/>
+              </a:fontRef>
+            </p:style>
+          </p:cxnSp>
+          <p:sp>
+            <p:nvSpPr>
+              <p:cNvPr id="62" name="文本框 61"/>
+              <p:cNvSpPr txBox="1"/>
+              <p:nvPr/>
+            </p:nvSpPr>
+            <p:spPr>
+              <a:xfrm>
+                <a:off x="2295" y="4985"/>
+                <a:ext cx="719" cy="580"/>
+              </a:xfrm>
+              <a:prstGeom prst="rect">
+                <a:avLst/>
+              </a:prstGeom>
+              <a:noFill/>
+            </p:spPr>
+            <p:txBody>
+              <a:bodyPr wrap="square" rtlCol="0">
+                <a:spAutoFit/>
+              </a:bodyPr>
+              <a:p>
+                <a:r>
+                  <a:rPr lang="en-US" altLang="zh-CN">
+                    <a:sym typeface="+mn-ea"/>
+                  </a:rPr>
+                  <a:t>4</a:t>
+                </a:r>
+                <a:endParaRPr lang="en-US" altLang="zh-CN"/>
+              </a:p>
+            </p:txBody>
+          </p:sp>
+        </p:grpSp>
+        <p:grpSp>
+          <p:nvGrpSpPr>
+            <p:cNvPr id="63" name="组合 62"/>
+            <p:cNvGrpSpPr/>
+            <p:nvPr/>
+          </p:nvGrpSpPr>
+          <p:grpSpPr>
+            <a:xfrm>
+              <a:off x="8567" y="4709"/>
+              <a:ext cx="2694" cy="1560"/>
+              <a:chOff x="389" y="4705"/>
+              <a:chExt cx="2694" cy="1560"/>
+            </a:xfrm>
+          </p:grpSpPr>
+          <p:sp>
+            <p:nvSpPr>
+              <p:cNvPr id="64" name="椭圆 63"/>
+              <p:cNvSpPr/>
+              <p:nvPr/>
+            </p:nvSpPr>
+            <p:spPr>
+              <a:xfrm>
+                <a:off x="2248" y="5430"/>
+                <a:ext cx="835" cy="835"/>
+              </a:xfrm>
+              <a:prstGeom prst="ellipse">
+                <a:avLst/>
+              </a:prstGeom>
+              <a:ln w="28575"/>
+            </p:spPr>
+            <p:style>
+              <a:lnRef idx="2">
+                <a:schemeClr val="accent1"/>
+              </a:lnRef>
+              <a:fillRef idx="1">
+                <a:schemeClr val="lt1"/>
+              </a:fillRef>
+              <a:effectRef idx="0">
+                <a:schemeClr val="accent1"/>
+              </a:effectRef>
+              <a:fontRef idx="minor">
+                <a:schemeClr val="dk1"/>
+              </a:fontRef>
+            </p:style>
+            <p:txBody>
+              <a:bodyPr rtlCol="0" anchor="ctr"/>
+              <a:p>
+                <a:pPr algn="ctr"/>
+                <a:r>
+                  <a:rPr lang="en-US" altLang="zh-CN"/>
+                  <a:t>6</a:t>
+                </a:r>
+                <a:endParaRPr lang="en-US" altLang="zh-CN"/>
+              </a:p>
+            </p:txBody>
+          </p:sp>
+          <p:cxnSp>
+            <p:nvCxnSpPr>
+              <p:cNvPr id="65" name="直接箭头连接符 64"/>
+              <p:cNvCxnSpPr/>
+              <p:nvPr/>
+            </p:nvCxnSpPr>
+            <p:spPr>
+              <a:xfrm flipH="1" flipV="1">
+                <a:off x="389" y="4705"/>
+                <a:ext cx="2101" cy="630"/>
+              </a:xfrm>
+              <a:prstGeom prst="straightConnector1">
+                <a:avLst/>
+              </a:prstGeom>
+              <a:ln w="28575">
+                <a:tailEnd type="arrow"/>
+              </a:ln>
+            </p:spPr>
+            <p:style>
+              <a:lnRef idx="1">
+                <a:schemeClr val="accent1"/>
+              </a:lnRef>
+              <a:fillRef idx="0">
+                <a:schemeClr val="accent1"/>
+              </a:fillRef>
+              <a:effectRef idx="0">
+                <a:schemeClr val="accent1"/>
+              </a:effectRef>
+              <a:fontRef idx="minor">
+                <a:schemeClr val="tx1"/>
+              </a:fontRef>
+            </p:style>
+          </p:cxnSp>
+          <p:sp>
+            <p:nvSpPr>
+              <p:cNvPr id="66" name="文本框 65"/>
+              <p:cNvSpPr txBox="1"/>
+              <p:nvPr/>
+            </p:nvSpPr>
+            <p:spPr>
+              <a:xfrm>
+                <a:off x="2364" y="4722"/>
+                <a:ext cx="719" cy="580"/>
+              </a:xfrm>
+              <a:prstGeom prst="rect">
+                <a:avLst/>
+              </a:prstGeom>
+              <a:noFill/>
+            </p:spPr>
+            <p:txBody>
+              <a:bodyPr wrap="square" rtlCol="0">
+                <a:spAutoFit/>
+              </a:bodyPr>
+              <a:p>
+                <a:r>
+                  <a:rPr lang="en-US" altLang="zh-CN">
+                    <a:sym typeface="+mn-ea"/>
+                  </a:rPr>
+                  <a:t>4</a:t>
+                </a:r>
+                <a:endParaRPr lang="en-US" altLang="zh-CN"/>
+              </a:p>
+            </p:txBody>
+          </p:sp>
+        </p:grpSp>
+        <p:grpSp>
+          <p:nvGrpSpPr>
+            <p:cNvPr id="67" name="组合 66"/>
+            <p:cNvGrpSpPr/>
+            <p:nvPr/>
+          </p:nvGrpSpPr>
+          <p:grpSpPr>
+            <a:xfrm>
+              <a:off x="8763" y="4129"/>
+              <a:ext cx="3993" cy="1432"/>
+              <a:chOff x="-852" y="4124"/>
+              <a:chExt cx="3993" cy="1432"/>
+            </a:xfrm>
+          </p:grpSpPr>
+          <p:sp>
+            <p:nvSpPr>
+              <p:cNvPr id="68" name="椭圆 67"/>
+              <p:cNvSpPr/>
+              <p:nvPr/>
+            </p:nvSpPr>
+            <p:spPr>
+              <a:xfrm>
+                <a:off x="2306" y="4721"/>
+                <a:ext cx="835" cy="835"/>
+              </a:xfrm>
+              <a:prstGeom prst="ellipse">
+                <a:avLst/>
+              </a:prstGeom>
+              <a:ln w="28575"/>
+            </p:spPr>
+            <p:style>
+              <a:lnRef idx="2">
+                <a:schemeClr val="accent1"/>
+              </a:lnRef>
+              <a:fillRef idx="1">
+                <a:schemeClr val="lt1"/>
+              </a:fillRef>
+              <a:effectRef idx="0">
+                <a:schemeClr val="accent1"/>
+              </a:effectRef>
+              <a:fontRef idx="minor">
+                <a:schemeClr val="dk1"/>
+              </a:fontRef>
+            </p:style>
+            <p:txBody>
+              <a:bodyPr rtlCol="0" anchor="ctr"/>
+              <a:p>
+                <a:pPr algn="ctr"/>
+                <a:r>
+                  <a:rPr lang="en-US" altLang="zh-CN"/>
+                  <a:t>7</a:t>
+                </a:r>
+                <a:endParaRPr lang="en-US" altLang="zh-CN"/>
+              </a:p>
+            </p:txBody>
+          </p:sp>
+          <p:cxnSp>
+            <p:nvCxnSpPr>
+              <p:cNvPr id="69" name="直接箭头连接符 68"/>
+              <p:cNvCxnSpPr/>
+              <p:nvPr/>
+            </p:nvCxnSpPr>
+            <p:spPr>
+              <a:xfrm flipH="1" flipV="1">
+                <a:off x="-852" y="4596"/>
+                <a:ext cx="3158" cy="199"/>
+              </a:xfrm>
+              <a:prstGeom prst="straightConnector1">
+                <a:avLst/>
+              </a:prstGeom>
+              <a:ln w="28575">
+                <a:tailEnd type="arrow"/>
+              </a:ln>
+            </p:spPr>
+            <p:style>
+              <a:lnRef idx="1">
+                <a:schemeClr val="accent1"/>
+              </a:lnRef>
+              <a:fillRef idx="0">
+                <a:schemeClr val="accent1"/>
+              </a:fillRef>
+              <a:effectRef idx="0">
+                <a:schemeClr val="accent1"/>
+              </a:effectRef>
+              <a:fontRef idx="minor">
+                <a:schemeClr val="tx1"/>
+              </a:fontRef>
+            </p:style>
+          </p:cxnSp>
+          <p:sp>
+            <p:nvSpPr>
+              <p:cNvPr id="70" name="文本框 69"/>
+              <p:cNvSpPr txBox="1"/>
+              <p:nvPr/>
+            </p:nvSpPr>
+            <p:spPr>
+              <a:xfrm>
+                <a:off x="2422" y="4124"/>
+                <a:ext cx="719" cy="580"/>
+              </a:xfrm>
+              <a:prstGeom prst="rect">
+                <a:avLst/>
+              </a:prstGeom>
+              <a:noFill/>
+            </p:spPr>
+            <p:txBody>
+              <a:bodyPr wrap="square" rtlCol="0">
+                <a:spAutoFit/>
+              </a:bodyPr>
+              <a:p>
+                <a:r>
+                  <a:rPr lang="en-US" altLang="zh-CN" b="1">
+                    <a:solidFill>
+                      <a:srgbClr val="FF0000"/>
+                    </a:solidFill>
+                    <a:sym typeface="+mn-ea"/>
+                  </a:rPr>
+                  <a:t>4</a:t>
+                </a:r>
+                <a:endParaRPr lang="en-US" altLang="zh-CN" b="1">
+                  <a:solidFill>
+                    <a:srgbClr val="FF0000"/>
+                  </a:solidFill>
+                  <a:sym typeface="+mn-ea"/>
+                </a:endParaRPr>
+              </a:p>
+            </p:txBody>
+          </p:sp>
+        </p:grpSp>
+      </p:grpSp>
+      <p:sp>
+        <p:nvSpPr>
+          <p:cNvPr id="104" name="文本框 103"/>
+          <p:cNvSpPr txBox="1"/>
+          <p:nvPr/>
+        </p:nvSpPr>
+        <p:spPr>
+          <a:xfrm>
+            <a:off x="8194675" y="1414145"/>
+            <a:ext cx="3370580" cy="1568450"/>
+          </a:xfrm>
+          <a:prstGeom prst="rect">
+            <a:avLst/>
+          </a:prstGeom>
+          <a:noFill/>
+        </p:spPr>
+        <p:txBody>
+          <a:bodyPr wrap="square" rtlCol="0">
+            <a:spAutoFit/>
+          </a:bodyPr>
+          <a:p>
+            <a:r>
+              <a:rPr lang="en-US" altLang="zh-CN" sz="2400" b="1"/>
+              <a:t>find(7)-&gt;</a:t>
+            </a:r>
+            <a:endParaRPr lang="en-US" altLang="zh-CN" sz="2400" b="1"/>
+          </a:p>
+          <a:p>
+            <a:r>
+              <a:rPr lang="en-US" altLang="zh-CN" sz="2400"/>
+              <a:t>find(7)</a:t>
+            </a:r>
+            <a:r>
+              <a:rPr lang="zh-CN" altLang="en-US" sz="2400"/>
+              <a:t>在返回</a:t>
+            </a:r>
+            <a:r>
+              <a:rPr lang="en-US" altLang="zh-CN" sz="2400"/>
+              <a:t>4</a:t>
+            </a:r>
+            <a:r>
+              <a:rPr lang="zh-CN" altLang="en-US" sz="2400"/>
+              <a:t>的同时，也会让</a:t>
+            </a:r>
+            <a:r>
+              <a:rPr lang="en-US" altLang="zh-CN" sz="2400" b="1">
+                <a:solidFill>
+                  <a:srgbClr val="FF0000"/>
+                </a:solidFill>
+              </a:rPr>
+              <a:t>7</a:t>
+            </a:r>
+            <a:r>
+              <a:rPr lang="zh-CN" altLang="en-US" sz="2400" b="1">
+                <a:solidFill>
+                  <a:srgbClr val="FF0000"/>
+                </a:solidFill>
+              </a:rPr>
+              <a:t>直接指向了</a:t>
+            </a:r>
+            <a:r>
+              <a:rPr lang="en-US" altLang="zh-CN" sz="2400" b="1">
+                <a:solidFill>
+                  <a:srgbClr val="FF0000"/>
+                </a:solidFill>
+              </a:rPr>
+              <a:t>4</a:t>
+            </a:r>
+            <a:endParaRPr lang="en-US" altLang="zh-CN" sz="2400" b="1">
+              <a:solidFill>
+                <a:srgbClr val="FF0000"/>
+              </a:solidFill>
+            </a:endParaRPr>
+          </a:p>
+          <a:p>
+            <a:endParaRPr lang="en-US" altLang="zh-CN" sz="2400"/>
+          </a:p>
+        </p:txBody>
+      </p:sp>
+      <p:pic>
+        <p:nvPicPr>
+          <p:cNvPr id="2" name="图片 1"/>
+          <p:cNvPicPr>
+            <a:picLocks noChangeAspect="1"/>
+          </p:cNvPicPr>
+          <p:nvPr/>
+        </p:nvPicPr>
+        <p:blipFill>
+          <a:blip r:embed="rId1"/>
+          <a:stretch>
+            <a:fillRect/>
+          </a:stretch>
+        </p:blipFill>
+        <p:spPr>
+          <a:xfrm>
+            <a:off x="642620" y="3801745"/>
+            <a:ext cx="6693535" cy="2747010"/>
           </a:xfrm>
           <a:prstGeom prst="rect">
             <a:avLst/>
           </a:prstGeom>
         </p:spPr>
-        <p:style>
-          <a:lnRef idx="2">
-            <a:schemeClr val="accent1"/>
-          </a:lnRef>
-          <a:fillRef idx="1">
-            <a:schemeClr val="lt1"/>
-          </a:fillRef>
-          <a:effectRef idx="0">
-            <a:schemeClr val="accent1"/>
-          </a:effectRef>
-          <a:fontRef idx="minor">
-            <a:schemeClr val="dk1"/>
-          </a:fontRef>
-        </p:style>
-        <p:txBody>
-          <a:bodyPr rtlCol="0" anchor="ctr"/>
-          <a:p>
-            <a:pPr algn="ctr"/>
-            <a:endParaRPr lang="zh-CN" altLang="en-US"/>
-          </a:p>
-        </p:txBody>
-      </p:sp>
+      </p:pic>
     </p:spTree>
   </p:cSld>
   <p:clrMapOvr>
